--- a/project03 화면설계서/project03 - 화면 설계서 - 용승.pptx
+++ b/project03 화면설계서/project03 - 화면 설계서 - 용승.pptx
@@ -5,11 +5,12 @@
     <p:sldMasterId id="2147483648" r:id="rId1"/>
   </p:sldMasterIdLst>
   <p:notesMasterIdLst>
-    <p:notesMasterId r:id="rId4"/>
+    <p:notesMasterId r:id="rId5"/>
   </p:notesMasterIdLst>
   <p:sldIdLst>
     <p:sldId id="256" r:id="rId2"/>
-    <p:sldId id="258" r:id="rId3"/>
+    <p:sldId id="257" r:id="rId3"/>
+    <p:sldId id="258" r:id="rId4"/>
   </p:sldIdLst>
   <p:sldSz cx="12192000" cy="6858000"/>
   <p:notesSz cx="6858000" cy="9144000"/>
@@ -108,6 +109,22 @@
       </a:defRPr>
     </a:lvl9pPr>
   </p:defaultTextStyle>
+  <p:extLst>
+    <p:ext uri="{EFAFB233-063F-42B5-8137-9DF3F51BA10A}">
+      <p15:sldGuideLst xmlns:p15="http://schemas.microsoft.com/office/powerpoint/2012/main">
+        <p15:guide id="1" orient="horz" pos="2160">
+          <p15:clr>
+            <a:srgbClr val="A4A3A4"/>
+          </p15:clr>
+        </p15:guide>
+        <p15:guide id="2" pos="3840">
+          <p15:clr>
+            <a:srgbClr val="A4A3A4"/>
+          </p15:clr>
+        </p15:guide>
+      </p15:sldGuideLst>
+    </p:ext>
+  </p:extLst>
 </p:presentation>
 </file>
 
@@ -459,133 +476,6 @@
     </a:lvl9pPr>
   </p:notesStyle>
 </p:notesMaster>
-</file>
-
-<file path=ppt/notesSlides/notesSlide1.xml><?xml version="1.0" encoding="utf-8"?>
-<p:notes xmlns:a="http://schemas.openxmlformats.org/drawingml/2006/main" xmlns:r="http://schemas.openxmlformats.org/officeDocument/2006/relationships" xmlns:p="http://schemas.openxmlformats.org/presentationml/2006/main" showMasterSp="0" showMasterPhAnim="0">
-  <p:cSld>
-    <p:spTree>
-      <p:nvGrpSpPr>
-        <p:cNvPr id="1" name="Shape 160"/>
-        <p:cNvGrpSpPr/>
-        <p:nvPr/>
-      </p:nvGrpSpPr>
-      <p:grpSpPr>
-        <a:xfrm>
-          <a:off x="0" y="0"/>
-          <a:ext cx="0" cy="0"/>
-          <a:chOff x="0" y="0"/>
-          <a:chExt cx="0" cy="0"/>
-        </a:xfrm>
-      </p:grpSpPr>
-      <p:sp>
-        <p:nvSpPr>
-          <p:cNvPr id="161" name="Google Shape;161;g7c553259d1_0_81:notes"/>
-          <p:cNvSpPr txBox="1">
-            <a:spLocks noGrp="1"/>
-          </p:cNvSpPr>
-          <p:nvPr>
-            <p:ph type="body" idx="1"/>
-          </p:nvPr>
-        </p:nvSpPr>
-        <p:spPr>
-          <a:xfrm>
-            <a:off x="685800" y="4343400"/>
-            <a:ext cx="5486400" cy="4114800"/>
-          </a:xfrm>
-          <a:prstGeom prst="rect">
-            <a:avLst/>
-          </a:prstGeom>
-          <a:noFill/>
-          <a:ln>
-            <a:noFill/>
-          </a:ln>
-        </p:spPr>
-        <p:txBody>
-          <a:bodyPr spcFirstLastPara="1" wrap="square" lIns="91425" tIns="91425" rIns="91425" bIns="91425" anchor="t" anchorCtr="0">
-            <a:noAutofit/>
-          </a:bodyPr>
-          <a:lstStyle/>
-          <a:p>
-            <a:pPr marL="0" lvl="0" indent="0" algn="l" rtl="0">
-              <a:lnSpc>
-                <a:spcPct val="100000"/>
-              </a:lnSpc>
-              <a:spcBef>
-                <a:spcPts val="0"/>
-              </a:spcBef>
-              <a:spcAft>
-                <a:spcPts val="0"/>
-              </a:spcAft>
-              <a:buSzPts val="1100"/>
-              <a:buNone/>
-            </a:pPr>
-            <a:endParaRPr/>
-          </a:p>
-        </p:txBody>
-      </p:sp>
-      <p:sp>
-        <p:nvSpPr>
-          <p:cNvPr id="162" name="Google Shape;162;g7c553259d1_0_81:notes"/>
-          <p:cNvSpPr>
-            <a:spLocks noGrp="1" noRot="1" noChangeAspect="1"/>
-          </p:cNvSpPr>
-          <p:nvPr>
-            <p:ph type="sldImg" idx="2"/>
-          </p:nvPr>
-        </p:nvSpPr>
-        <p:spPr>
-          <a:xfrm>
-            <a:off x="381000" y="685800"/>
-            <a:ext cx="6096000" cy="3429000"/>
-          </a:xfrm>
-          <a:custGeom>
-            <a:avLst/>
-            <a:gdLst/>
-            <a:ahLst/>
-            <a:cxnLst/>
-            <a:rect l="l" t="t" r="r" b="b"/>
-            <a:pathLst>
-              <a:path w="120000" h="120000" extrusionOk="0">
-                <a:moveTo>
-                  <a:pt x="0" y="0"/>
-                </a:moveTo>
-                <a:lnTo>
-                  <a:pt x="120000" y="0"/>
-                </a:lnTo>
-                <a:lnTo>
-                  <a:pt x="120000" y="120000"/>
-                </a:lnTo>
-                <a:lnTo>
-                  <a:pt x="0" y="120000"/>
-                </a:lnTo>
-                <a:close/>
-              </a:path>
-            </a:pathLst>
-          </a:custGeom>
-          <a:noFill/>
-          <a:ln w="9525" cap="flat" cmpd="sng">
-            <a:solidFill>
-              <a:srgbClr val="000000"/>
-            </a:solidFill>
-            <a:prstDash val="solid"/>
-            <a:round/>
-            <a:headEnd type="none" w="sm" len="sm"/>
-            <a:tailEnd type="none" w="sm" len="sm"/>
-          </a:ln>
-        </p:spPr>
-      </p:sp>
-    </p:spTree>
-    <p:extLst>
-      <p:ext uri="{BB962C8B-B14F-4D97-AF65-F5344CB8AC3E}">
-        <p14:creationId xmlns:p14="http://schemas.microsoft.com/office/powerpoint/2010/main" val="347227162"/>
-      </p:ext>
-    </p:extLst>
-  </p:cSld>
-  <p:clrMapOvr>
-    <a:masterClrMapping/>
-  </p:clrMapOvr>
-</p:notes>
 </file>
 
 <file path=ppt/slideLayouts/slideLayout1.xml><?xml version="1.0" encoding="utf-8"?>
@@ -3547,7 +3437,7 @@
   <p:cSld>
     <p:spTree>
       <p:nvGrpSpPr>
-        <p:cNvPr id="1" name="Shape 163"/>
+        <p:cNvPr id="1" name=""/>
         <p:cNvGrpSpPr/>
         <p:nvPr/>
       </p:nvGrpSpPr>
@@ -3559,171 +3449,93 @@
           <a:chExt cx="0" cy="0"/>
         </a:xfrm>
       </p:grpSpPr>
-      <p:sp>
-        <p:nvSpPr>
-          <p:cNvPr id="164" name="Google Shape;164;g7c553259d1_0_81"/>
-          <p:cNvSpPr/>
-          <p:nvPr/>
-        </p:nvSpPr>
-        <p:spPr>
-          <a:xfrm>
-            <a:off x="4174054" y="5718862"/>
-            <a:ext cx="3433800" cy="292800"/>
-          </a:xfrm>
-          <a:prstGeom prst="rect">
-            <a:avLst/>
-          </a:prstGeom>
-          <a:solidFill>
-            <a:schemeClr val="lt1"/>
-          </a:solidFill>
-          <a:ln w="12700" cap="flat" cmpd="sng">
-            <a:solidFill>
-              <a:schemeClr val="dk1"/>
-            </a:solidFill>
-            <a:prstDash val="solid"/>
-            <a:miter lim="800000"/>
-            <a:headEnd type="none" w="sm" len="sm"/>
-            <a:tailEnd type="none" w="sm" len="sm"/>
-          </a:ln>
-        </p:spPr>
-        <p:txBody>
-          <a:bodyPr spcFirstLastPara="1" wrap="square" lIns="91425" tIns="45700" rIns="91425" bIns="45700" anchor="ctr" anchorCtr="0">
-            <a:noAutofit/>
-          </a:bodyPr>
-          <a:lstStyle/>
-          <a:p>
-            <a:pPr marL="0" marR="0" lvl="0" indent="0" algn="ctr" rtl="0">
-              <a:lnSpc>
-                <a:spcPct val="100000"/>
-              </a:lnSpc>
-              <a:spcBef>
-                <a:spcPts val="0"/>
-              </a:spcBef>
-              <a:spcAft>
-                <a:spcPts val="0"/>
-              </a:spcAft>
-              <a:buClr>
-                <a:srgbClr val="000000"/>
-              </a:buClr>
-              <a:buSzPts val="1800"/>
-              <a:buFont typeface="Arial"/>
-              <a:buNone/>
-            </a:pPr>
-            <a:endParaRPr sz="1800" b="0" i="0" u="none" strike="noStrike" cap="none">
-              <a:solidFill>
-                <a:schemeClr val="dk1"/>
-              </a:solidFill>
-              <a:latin typeface="Malgun Gothic"/>
-              <a:ea typeface="Malgun Gothic"/>
-              <a:cs typeface="Malgun Gothic"/>
-              <a:sym typeface="Malgun Gothic"/>
-            </a:endParaRPr>
-          </a:p>
-        </p:txBody>
-      </p:sp>
       <p:graphicFrame>
         <p:nvGraphicFramePr>
-          <p:cNvPr id="165" name="Google Shape;165;g7c553259d1_0_81"/>
-          <p:cNvGraphicFramePr/>
+          <p:cNvPr id="6" name="표 5"/>
+          <p:cNvGraphicFramePr>
+            <a:graphicFrameLocks noGrp="1"/>
+          </p:cNvGraphicFramePr>
           <p:nvPr>
-            <p:extLst>
-              <p:ext uri="{D42A27DB-BD31-4B8C-83A1-F6EECF244321}">
-                <p14:modId xmlns:p14="http://schemas.microsoft.com/office/powerpoint/2010/main" val="2127742866"/>
-              </p:ext>
-            </p:extLst>
+            <p:extLst/>
           </p:nvPr>
         </p:nvGraphicFramePr>
         <p:xfrm>
           <a:off x="131601" y="115759"/>
-          <a:ext cx="4124100" cy="960150"/>
+          <a:ext cx="3313726" cy="960120"/>
         </p:xfrm>
         <a:graphic>
           <a:graphicData uri="http://schemas.openxmlformats.org/drawingml/2006/table">
             <a:tbl>
               <a:tblPr firstRow="1" bandRow="1">
-                <a:noFill/>
+                <a:tableStyleId>{5C22544A-7EE6-4342-B048-85BDC9FD1C3A}</a:tableStyleId>
               </a:tblPr>
               <a:tblGrid>
-                <a:gridCol w="1443550"/>
-                <a:gridCol w="2680550"/>
+                <a:gridCol w="1656863"/>
+                <a:gridCol w="1656863"/>
               </a:tblGrid>
-              <a:tr h="271225">
+              <a:tr h="271237">
                 <a:tc>
                   <a:txBody>
                     <a:bodyPr/>
                     <a:lstStyle/>
                     <a:p>
-                      <a:pPr marL="0" marR="0" lvl="0" indent="0" algn="ctr" rtl="0">
-                        <a:lnSpc>
-                          <a:spcPct val="100000"/>
-                        </a:lnSpc>
-                        <a:spcBef>
-                          <a:spcPts val="0"/>
-                        </a:spcBef>
-                        <a:spcAft>
-                          <a:spcPts val="0"/>
-                        </a:spcAft>
-                        <a:buClr>
-                          <a:srgbClr val="000000"/>
-                        </a:buClr>
-                        <a:buSzPts val="1500"/>
-                        <a:buFont typeface="Arial"/>
-                        <a:buNone/>
-                      </a:pPr>
+                      <a:pPr algn="ctr" latinLnBrk="1"/>
                       <a:r>
-                        <a:rPr lang="ko-KR" sz="1500" b="0" u="none" strike="noStrike" cap="none" dirty="0">
+                        <a:rPr lang="ko-KR" altLang="en-US" sz="1500" b="0" dirty="0" smtClean="0">
                           <a:solidFill>
-                            <a:schemeClr val="dk1"/>
+                            <a:schemeClr val="tx1"/>
                           </a:solidFill>
                         </a:rPr>
                         <a:t>화면코드</a:t>
                       </a:r>
-                      <a:endParaRPr sz="1500" b="0" u="none" strike="noStrike" cap="none" dirty="0">
+                      <a:endParaRPr lang="ko-KR" altLang="en-US" sz="1500" b="0" dirty="0">
                         <a:solidFill>
-                          <a:schemeClr val="dk1"/>
+                          <a:schemeClr val="tx1"/>
                         </a:solidFill>
                       </a:endParaRPr>
                     </a:p>
                   </a:txBody>
-                  <a:tcPr marL="91450" marR="91450" marT="45725" marB="45725" anchor="ctr">
-                    <a:lnL w="12700" cap="flat" cmpd="sng">
-                      <a:solidFill>
-                        <a:schemeClr val="dk1"/>
-                      </a:solidFill>
-                      <a:prstDash val="solid"/>
-                      <a:round/>
-                      <a:headEnd type="none" w="sm" len="sm"/>
-                      <a:tailEnd type="none" w="sm" len="sm"/>
+                  <a:tcPr anchor="ctr">
+                    <a:lnL w="12700" cap="flat" cmpd="sng" algn="ctr">
+                      <a:solidFill>
+                        <a:schemeClr val="tx1"/>
+                      </a:solidFill>
+                      <a:prstDash val="solid"/>
+                      <a:round/>
+                      <a:headEnd type="none" w="med" len="med"/>
+                      <a:tailEnd type="none" w="med" len="med"/>
                     </a:lnL>
-                    <a:lnR w="12700" cap="flat" cmpd="sng">
-                      <a:solidFill>
-                        <a:schemeClr val="dk1"/>
-                      </a:solidFill>
-                      <a:prstDash val="solid"/>
-                      <a:round/>
-                      <a:headEnd type="none" w="sm" len="sm"/>
-                      <a:tailEnd type="none" w="sm" len="sm"/>
+                    <a:lnR w="12700" cap="flat" cmpd="sng" algn="ctr">
+                      <a:solidFill>
+                        <a:schemeClr val="tx1"/>
+                      </a:solidFill>
+                      <a:prstDash val="solid"/>
+                      <a:round/>
+                      <a:headEnd type="none" w="med" len="med"/>
+                      <a:tailEnd type="none" w="med" len="med"/>
                     </a:lnR>
-                    <a:lnT w="12700" cap="flat" cmpd="sng">
-                      <a:solidFill>
-                        <a:schemeClr val="dk1"/>
-                      </a:solidFill>
-                      <a:prstDash val="solid"/>
-                      <a:round/>
-                      <a:headEnd type="none" w="sm" len="sm"/>
-                      <a:tailEnd type="none" w="sm" len="sm"/>
+                    <a:lnT w="12700" cap="flat" cmpd="sng" algn="ctr">
+                      <a:solidFill>
+                        <a:schemeClr val="tx1"/>
+                      </a:solidFill>
+                      <a:prstDash val="solid"/>
+                      <a:round/>
+                      <a:headEnd type="none" w="med" len="med"/>
+                      <a:tailEnd type="none" w="med" len="med"/>
                     </a:lnT>
-                    <a:lnB w="12700" cap="flat" cmpd="sng">
-                      <a:solidFill>
-                        <a:schemeClr val="dk1"/>
-                      </a:solidFill>
-                      <a:prstDash val="solid"/>
-                      <a:round/>
-                      <a:headEnd type="none" w="sm" len="sm"/>
-                      <a:tailEnd type="none" w="sm" len="sm"/>
+                    <a:lnB w="12700" cap="flat" cmpd="sng" algn="ctr">
+                      <a:solidFill>
+                        <a:schemeClr val="tx1"/>
+                      </a:solidFill>
+                      <a:prstDash val="solid"/>
+                      <a:round/>
+                      <a:headEnd type="none" w="med" len="med"/>
+                      <a:tailEnd type="none" w="med" len="med"/>
                     </a:lnB>
                     <a:solidFill>
-                      <a:srgbClr val="D8D8D8"/>
+                      <a:schemeClr val="bg1">
+                        <a:lumMod val="85000"/>
+                      </a:schemeClr>
                     </a:solidFill>
                   </a:tcPr>
                 </a:tc>
@@ -3732,158 +3544,114 @@
                     <a:bodyPr/>
                     <a:lstStyle/>
                     <a:p>
-                      <a:pPr marL="0" marR="0" lvl="0" indent="0" algn="ctr" rtl="0">
-                        <a:lnSpc>
-                          <a:spcPct val="100000"/>
-                        </a:lnSpc>
-                        <a:spcBef>
-                          <a:spcPts val="0"/>
-                        </a:spcBef>
-                        <a:spcAft>
-                          <a:spcPts val="0"/>
-                        </a:spcAft>
-                        <a:buClr>
+                      <a:pPr algn="ctr" fontAlgn="ctr"/>
+                      <a:endParaRPr lang="en-US" sz="1000" b="0" i="0" u="none" strike="noStrike" dirty="0">
+                        <a:solidFill>
                           <a:srgbClr val="000000"/>
-                        </a:buClr>
-                        <a:buSzPts val="1500"/>
-                        <a:buFont typeface="Arial"/>
-                        <a:buNone/>
-                      </a:pPr>
-                      <a:r>
-                        <a:rPr lang="en-US" altLang="ko-KR" sz="1500" b="0" u="none" strike="noStrike" cap="none" dirty="0" err="1" smtClean="0">
-                          <a:solidFill>
-                            <a:schemeClr val="dk1"/>
-                          </a:solidFill>
-                        </a:rPr>
-                        <a:t>user_w_ht_login</a:t>
-                      </a:r>
-                      <a:endParaRPr sz="1500" b="0" u="none" strike="noStrike" cap="none" dirty="0">
-                        <a:solidFill>
-                          <a:schemeClr val="dk1"/>
                         </a:solidFill>
+                        <a:effectLst/>
+                        <a:latin typeface="Arial" panose="020B0604020202020204" pitchFamily="34" charset="0"/>
                       </a:endParaRPr>
                     </a:p>
                   </a:txBody>
-                  <a:tcPr marL="91450" marR="91450" marT="45725" marB="45725" anchor="ctr">
-                    <a:lnL w="12700" cap="flat" cmpd="sng">
-                      <a:solidFill>
-                        <a:schemeClr val="dk1"/>
-                      </a:solidFill>
-                      <a:prstDash val="solid"/>
-                      <a:round/>
-                      <a:headEnd type="none" w="sm" len="sm"/>
-                      <a:tailEnd type="none" w="sm" len="sm"/>
+                  <a:tcPr marL="9525" marR="9525" marT="9525" marB="0" anchor="ctr">
+                    <a:lnL w="12700" cap="flat" cmpd="sng" algn="ctr">
+                      <a:solidFill>
+                        <a:schemeClr val="tx1"/>
+                      </a:solidFill>
+                      <a:prstDash val="solid"/>
+                      <a:round/>
+                      <a:headEnd type="none" w="med" len="med"/>
+                      <a:tailEnd type="none" w="med" len="med"/>
                     </a:lnL>
-                    <a:lnR w="12700" cap="flat" cmpd="sng">
-                      <a:solidFill>
-                        <a:schemeClr val="dk1"/>
-                      </a:solidFill>
-                      <a:prstDash val="solid"/>
-                      <a:round/>
-                      <a:headEnd type="none" w="sm" len="sm"/>
-                      <a:tailEnd type="none" w="sm" len="sm"/>
+                    <a:lnR w="12700" cap="flat" cmpd="sng" algn="ctr">
+                      <a:solidFill>
+                        <a:schemeClr val="tx1"/>
+                      </a:solidFill>
+                      <a:prstDash val="solid"/>
+                      <a:round/>
+                      <a:headEnd type="none" w="med" len="med"/>
+                      <a:tailEnd type="none" w="med" len="med"/>
                     </a:lnR>
-                    <a:lnT w="12700" cap="flat" cmpd="sng">
-                      <a:solidFill>
-                        <a:schemeClr val="dk1"/>
-                      </a:solidFill>
-                      <a:prstDash val="solid"/>
-                      <a:round/>
-                      <a:headEnd type="none" w="sm" len="sm"/>
-                      <a:tailEnd type="none" w="sm" len="sm"/>
+                    <a:lnT w="12700" cap="flat" cmpd="sng" algn="ctr">
+                      <a:solidFill>
+                        <a:schemeClr val="tx1"/>
+                      </a:solidFill>
+                      <a:prstDash val="solid"/>
+                      <a:round/>
+                      <a:headEnd type="none" w="med" len="med"/>
+                      <a:tailEnd type="none" w="med" len="med"/>
                     </a:lnT>
-                    <a:lnB w="12700" cap="flat" cmpd="sng">
-                      <a:solidFill>
-                        <a:schemeClr val="dk1"/>
-                      </a:solidFill>
-                      <a:prstDash val="solid"/>
-                      <a:round/>
-                      <a:headEnd type="none" w="sm" len="sm"/>
-                      <a:tailEnd type="none" w="sm" len="sm"/>
+                    <a:lnB w="12700" cap="flat" cmpd="sng" algn="ctr">
+                      <a:solidFill>
+                        <a:schemeClr val="tx1"/>
+                      </a:solidFill>
+                      <a:prstDash val="solid"/>
+                      <a:round/>
+                      <a:headEnd type="none" w="med" len="med"/>
+                      <a:tailEnd type="none" w="med" len="med"/>
                     </a:lnB>
                     <a:solidFill>
-                      <a:schemeClr val="lt1"/>
+                      <a:schemeClr val="bg1"/>
                     </a:solidFill>
                   </a:tcPr>
                 </a:tc>
               </a:tr>
-              <a:tr h="271225">
+              <a:tr h="271237">
                 <a:tc rowSpan="2">
                   <a:txBody>
                     <a:bodyPr/>
                     <a:lstStyle/>
                     <a:p>
-                      <a:pPr marL="0" marR="0" lvl="0" indent="0" algn="ctr" rtl="0">
-                        <a:lnSpc>
-                          <a:spcPct val="100000"/>
-                        </a:lnSpc>
-                        <a:spcBef>
-                          <a:spcPts val="0"/>
-                        </a:spcBef>
-                        <a:spcAft>
-                          <a:spcPts val="0"/>
-                        </a:spcAft>
-                        <a:buClr>
-                          <a:srgbClr val="000000"/>
-                        </a:buClr>
-                        <a:buSzPts val="1500"/>
-                        <a:buFont typeface="Arial"/>
-                        <a:buNone/>
-                      </a:pPr>
+                      <a:pPr algn="ctr" latinLnBrk="1"/>
                       <a:r>
-                        <a:rPr lang="ko-KR" sz="1500" b="0" u="none" strike="noStrike" cap="none">
-                          <a:solidFill>
-                            <a:schemeClr val="dk1"/>
-                          </a:solidFill>
-                        </a:rPr>
+                        <a:rPr lang="ko-KR" altLang="en-US" sz="1500" b="0" dirty="0" err="1" smtClean="0"/>
                         <a:t>화면명</a:t>
                       </a:r>
-                      <a:endParaRPr sz="1500" b="0" u="none" strike="noStrike" cap="none">
-                        <a:solidFill>
-                          <a:schemeClr val="dk1"/>
-                        </a:solidFill>
-                      </a:endParaRPr>
+                      <a:endParaRPr lang="ko-KR" altLang="en-US" sz="1500" b="0" dirty="0"/>
                     </a:p>
                   </a:txBody>
-                  <a:tcPr marL="91450" marR="91450" marT="45725" marB="45725" anchor="ctr">
-                    <a:lnL w="12700" cap="flat" cmpd="sng">
-                      <a:solidFill>
-                        <a:schemeClr val="dk1"/>
-                      </a:solidFill>
-                      <a:prstDash val="solid"/>
-                      <a:round/>
-                      <a:headEnd type="none" w="sm" len="sm"/>
-                      <a:tailEnd type="none" w="sm" len="sm"/>
+                  <a:tcPr anchor="ctr">
+                    <a:lnL w="12700" cap="flat" cmpd="sng" algn="ctr">
+                      <a:solidFill>
+                        <a:schemeClr val="tx1"/>
+                      </a:solidFill>
+                      <a:prstDash val="solid"/>
+                      <a:round/>
+                      <a:headEnd type="none" w="med" len="med"/>
+                      <a:tailEnd type="none" w="med" len="med"/>
                     </a:lnL>
-                    <a:lnR w="12700" cap="flat" cmpd="sng">
-                      <a:solidFill>
-                        <a:schemeClr val="dk1"/>
-                      </a:solidFill>
-                      <a:prstDash val="solid"/>
-                      <a:round/>
-                      <a:headEnd type="none" w="sm" len="sm"/>
-                      <a:tailEnd type="none" w="sm" len="sm"/>
+                    <a:lnR w="12700" cap="flat" cmpd="sng" algn="ctr">
+                      <a:solidFill>
+                        <a:schemeClr val="tx1"/>
+                      </a:solidFill>
+                      <a:prstDash val="solid"/>
+                      <a:round/>
+                      <a:headEnd type="none" w="med" len="med"/>
+                      <a:tailEnd type="none" w="med" len="med"/>
                     </a:lnR>
-                    <a:lnT w="12700" cap="flat" cmpd="sng">
-                      <a:solidFill>
-                        <a:schemeClr val="dk1"/>
-                      </a:solidFill>
-                      <a:prstDash val="solid"/>
-                      <a:round/>
-                      <a:headEnd type="none" w="sm" len="sm"/>
-                      <a:tailEnd type="none" w="sm" len="sm"/>
+                    <a:lnT w="12700" cap="flat" cmpd="sng" algn="ctr">
+                      <a:solidFill>
+                        <a:schemeClr val="tx1"/>
+                      </a:solidFill>
+                      <a:prstDash val="solid"/>
+                      <a:round/>
+                      <a:headEnd type="none" w="med" len="med"/>
+                      <a:tailEnd type="none" w="med" len="med"/>
                     </a:lnT>
-                    <a:lnB w="12700" cap="flat" cmpd="sng">
-                      <a:solidFill>
-                        <a:schemeClr val="dk1"/>
-                      </a:solidFill>
-                      <a:prstDash val="solid"/>
-                      <a:round/>
-                      <a:headEnd type="none" w="sm" len="sm"/>
-                      <a:tailEnd type="none" w="sm" len="sm"/>
+                    <a:lnB w="12700" cap="flat" cmpd="sng" algn="ctr">
+                      <a:solidFill>
+                        <a:schemeClr val="tx1"/>
+                      </a:solidFill>
+                      <a:prstDash val="solid"/>
+                      <a:round/>
+                      <a:headEnd type="none" w="med" len="med"/>
+                      <a:tailEnd type="none" w="med" len="med"/>
                     </a:lnB>
                     <a:solidFill>
-                      <a:srgbClr val="D8D8D8"/>
+                      <a:schemeClr val="bg1">
+                        <a:lumMod val="85000"/>
+                      </a:schemeClr>
                     </a:solidFill>
                   </a:tcPr>
                 </a:tc>
@@ -3892,160 +3660,161 @@
                     <a:bodyPr/>
                     <a:lstStyle/>
                     <a:p>
-                      <a:pPr marL="0" marR="0" lvl="0" indent="0" algn="ctr" rtl="0">
-                        <a:lnSpc>
-                          <a:spcPct val="100000"/>
-                        </a:lnSpc>
-                        <a:spcBef>
-                          <a:spcPts val="0"/>
-                        </a:spcBef>
-                        <a:spcAft>
-                          <a:spcPts val="0"/>
-                        </a:spcAft>
-                        <a:buClr>
-                          <a:srgbClr val="000000"/>
-                        </a:buClr>
-                        <a:buSzPts val="1500"/>
-                        <a:buFont typeface="Arial"/>
-                        <a:buNone/>
-                      </a:pPr>
-                      <a:r>
-                        <a:rPr lang="ko-KR" altLang="en-US" sz="1500" b="0" u="none" strike="noStrike" cap="none" dirty="0" smtClean="0">
-                          <a:solidFill>
-                            <a:schemeClr val="dk1"/>
-                          </a:solidFill>
-                        </a:rPr>
-                        <a:t>사용자 로그인</a:t>
-                      </a:r>
-                      <a:endParaRPr sz="1500" b="0" u="none" strike="noStrike" cap="none" dirty="0">
+                      <a:pPr algn="ctr" latinLnBrk="1"/>
+                      <a:endParaRPr lang="ko-KR" altLang="en-US" sz="1500" b="0" dirty="0">
                         <a:solidFill>
-                          <a:schemeClr val="dk1"/>
+                          <a:srgbClr val="0070C0"/>
                         </a:solidFill>
                       </a:endParaRPr>
                     </a:p>
                   </a:txBody>
-                  <a:tcPr marL="91450" marR="91450" marT="45725" marB="45725" anchor="ctr">
-                    <a:lnL w="12700" cap="flat" cmpd="sng">
-                      <a:solidFill>
-                        <a:schemeClr val="dk1"/>
-                      </a:solidFill>
-                      <a:prstDash val="solid"/>
-                      <a:round/>
-                      <a:headEnd type="none" w="sm" len="sm"/>
-                      <a:tailEnd type="none" w="sm" len="sm"/>
+                  <a:tcPr anchor="ctr">
+                    <a:lnL w="12700" cap="flat" cmpd="sng" algn="ctr">
+                      <a:solidFill>
+                        <a:schemeClr val="tx1"/>
+                      </a:solidFill>
+                      <a:prstDash val="solid"/>
+                      <a:round/>
+                      <a:headEnd type="none" w="med" len="med"/>
+                      <a:tailEnd type="none" w="med" len="med"/>
                     </a:lnL>
-                    <a:lnR w="12700" cap="flat" cmpd="sng">
-                      <a:solidFill>
-                        <a:schemeClr val="dk1"/>
-                      </a:solidFill>
-                      <a:prstDash val="solid"/>
-                      <a:round/>
-                      <a:headEnd type="none" w="sm" len="sm"/>
-                      <a:tailEnd type="none" w="sm" len="sm"/>
+                    <a:lnR w="12700" cap="flat" cmpd="sng" algn="ctr">
+                      <a:solidFill>
+                        <a:schemeClr val="tx1"/>
+                      </a:solidFill>
+                      <a:prstDash val="solid"/>
+                      <a:round/>
+                      <a:headEnd type="none" w="med" len="med"/>
+                      <a:tailEnd type="none" w="med" len="med"/>
                     </a:lnR>
-                    <a:lnT w="12700" cap="flat" cmpd="sng">
-                      <a:solidFill>
-                        <a:schemeClr val="dk1"/>
-                      </a:solidFill>
-                      <a:prstDash val="solid"/>
-                      <a:round/>
-                      <a:headEnd type="none" w="sm" len="sm"/>
-                      <a:tailEnd type="none" w="sm" len="sm"/>
+                    <a:lnT w="12700" cap="flat" cmpd="sng" algn="ctr">
+                      <a:solidFill>
+                        <a:schemeClr val="tx1"/>
+                      </a:solidFill>
+                      <a:prstDash val="solid"/>
+                      <a:round/>
+                      <a:headEnd type="none" w="med" len="med"/>
+                      <a:tailEnd type="none" w="med" len="med"/>
                     </a:lnT>
-                    <a:lnB w="12700" cap="flat" cmpd="sng">
-                      <a:solidFill>
-                        <a:schemeClr val="dk1"/>
-                      </a:solidFill>
-                      <a:prstDash val="solid"/>
-                      <a:round/>
-                      <a:headEnd type="none" w="sm" len="sm"/>
-                      <a:tailEnd type="none" w="sm" len="sm"/>
+                    <a:lnB w="12700" cap="flat" cmpd="sng" algn="ctr">
+                      <a:solidFill>
+                        <a:schemeClr val="tx1"/>
+                      </a:solidFill>
+                      <a:prstDash val="solid"/>
+                      <a:round/>
+                      <a:headEnd type="none" w="med" len="med"/>
+                      <a:tailEnd type="none" w="med" len="med"/>
                     </a:lnB>
                     <a:solidFill>
-                      <a:schemeClr val="lt1"/>
+                      <a:schemeClr val="bg1"/>
                     </a:solidFill>
                   </a:tcPr>
                 </a:tc>
               </a:tr>
-              <a:tr h="271225">
+              <a:tr h="271237">
                 <a:tc vMerge="1">
                   <a:txBody>
                     <a:bodyPr/>
                     <a:lstStyle/>
                     <a:p>
-                      <a:endParaRPr lang="ko-KR"/>
+                      <a:pPr latinLnBrk="1"/>
+                      <a:endParaRPr lang="ko-KR" altLang="en-US" b="0" dirty="0"/>
                     </a:p>
                   </a:txBody>
-                  <a:tcPr/>
+                  <a:tcPr>
+                    <a:lnL w="12700" cap="flat" cmpd="sng" algn="ctr">
+                      <a:solidFill>
+                        <a:schemeClr val="tx1"/>
+                      </a:solidFill>
+                      <a:prstDash val="solid"/>
+                      <a:round/>
+                      <a:headEnd type="none" w="med" len="med"/>
+                      <a:tailEnd type="none" w="med" len="med"/>
+                    </a:lnL>
+                    <a:lnR w="12700" cap="flat" cmpd="sng" algn="ctr">
+                      <a:solidFill>
+                        <a:schemeClr val="tx1"/>
+                      </a:solidFill>
+                      <a:prstDash val="solid"/>
+                      <a:round/>
+                      <a:headEnd type="none" w="med" len="med"/>
+                      <a:tailEnd type="none" w="med" len="med"/>
+                    </a:lnR>
+                    <a:lnT w="12700" cap="flat" cmpd="sng" algn="ctr">
+                      <a:solidFill>
+                        <a:schemeClr val="tx1"/>
+                      </a:solidFill>
+                      <a:prstDash val="solid"/>
+                      <a:round/>
+                      <a:headEnd type="none" w="med" len="med"/>
+                      <a:tailEnd type="none" w="med" len="med"/>
+                    </a:lnT>
+                    <a:lnB w="12700" cap="flat" cmpd="sng" algn="ctr">
+                      <a:solidFill>
+                        <a:schemeClr val="tx1"/>
+                      </a:solidFill>
+                      <a:prstDash val="solid"/>
+                      <a:round/>
+                      <a:headEnd type="none" w="med" len="med"/>
+                      <a:tailEnd type="none" w="med" len="med"/>
+                    </a:lnB>
+                    <a:solidFill>
+                      <a:schemeClr val="bg1"/>
+                    </a:solidFill>
+                  </a:tcPr>
                 </a:tc>
                 <a:tc>
                   <a:txBody>
                     <a:bodyPr/>
                     <a:lstStyle/>
                     <a:p>
-                      <a:pPr marL="0" marR="0" lvl="0" indent="0" algn="ctr" rtl="0">
-                        <a:lnSpc>
-                          <a:spcPct val="100000"/>
-                        </a:lnSpc>
-                        <a:spcBef>
-                          <a:spcPts val="0"/>
-                        </a:spcBef>
-                        <a:spcAft>
-                          <a:spcPts val="0"/>
-                        </a:spcAft>
-                        <a:buClr>
-                          <a:srgbClr val="000000"/>
-                        </a:buClr>
-                        <a:buSzPts val="1500"/>
-                        <a:buFont typeface="Arial"/>
-                        <a:buNone/>
-                      </a:pPr>
-                      <a:endParaRPr sz="1500" b="0" u="none" strike="noStrike" cap="none" dirty="0">
+                      <a:pPr algn="ctr" latinLnBrk="1"/>
+                      <a:endParaRPr lang="ko-KR" altLang="en-US" sz="1500" b="0" dirty="0">
                         <a:solidFill>
-                          <a:schemeClr val="dk1"/>
+                          <a:srgbClr val="0070C0"/>
                         </a:solidFill>
                       </a:endParaRPr>
                     </a:p>
                   </a:txBody>
-                  <a:tcPr marL="91450" marR="91450" marT="45725" marB="45725" anchor="ctr">
-                    <a:lnL w="12700" cap="flat" cmpd="sng">
-                      <a:solidFill>
-                        <a:schemeClr val="dk1"/>
-                      </a:solidFill>
-                      <a:prstDash val="solid"/>
-                      <a:round/>
-                      <a:headEnd type="none" w="sm" len="sm"/>
-                      <a:tailEnd type="none" w="sm" len="sm"/>
+                  <a:tcPr anchor="ctr">
+                    <a:lnL w="12700" cap="flat" cmpd="sng" algn="ctr">
+                      <a:solidFill>
+                        <a:schemeClr val="tx1"/>
+                      </a:solidFill>
+                      <a:prstDash val="solid"/>
+                      <a:round/>
+                      <a:headEnd type="none" w="med" len="med"/>
+                      <a:tailEnd type="none" w="med" len="med"/>
                     </a:lnL>
-                    <a:lnR w="12700" cap="flat" cmpd="sng">
-                      <a:solidFill>
-                        <a:schemeClr val="dk1"/>
-                      </a:solidFill>
-                      <a:prstDash val="solid"/>
-                      <a:round/>
-                      <a:headEnd type="none" w="sm" len="sm"/>
-                      <a:tailEnd type="none" w="sm" len="sm"/>
+                    <a:lnR w="12700" cap="flat" cmpd="sng" algn="ctr">
+                      <a:solidFill>
+                        <a:schemeClr val="tx1"/>
+                      </a:solidFill>
+                      <a:prstDash val="solid"/>
+                      <a:round/>
+                      <a:headEnd type="none" w="med" len="med"/>
+                      <a:tailEnd type="none" w="med" len="med"/>
                     </a:lnR>
-                    <a:lnT w="12700" cap="flat" cmpd="sng">
-                      <a:solidFill>
-                        <a:schemeClr val="dk1"/>
-                      </a:solidFill>
-                      <a:prstDash val="solid"/>
-                      <a:round/>
-                      <a:headEnd type="none" w="sm" len="sm"/>
-                      <a:tailEnd type="none" w="sm" len="sm"/>
+                    <a:lnT w="12700" cap="flat" cmpd="sng" algn="ctr">
+                      <a:solidFill>
+                        <a:schemeClr val="tx1"/>
+                      </a:solidFill>
+                      <a:prstDash val="solid"/>
+                      <a:round/>
+                      <a:headEnd type="none" w="med" len="med"/>
+                      <a:tailEnd type="none" w="med" len="med"/>
                     </a:lnT>
-                    <a:lnB w="12700" cap="flat" cmpd="sng">
-                      <a:solidFill>
-                        <a:schemeClr val="dk1"/>
-                      </a:solidFill>
-                      <a:prstDash val="solid"/>
-                      <a:round/>
-                      <a:headEnd type="none" w="sm" len="sm"/>
-                      <a:tailEnd type="none" w="sm" len="sm"/>
+                    <a:lnB w="12700" cap="flat" cmpd="sng" algn="ctr">
+                      <a:solidFill>
+                        <a:schemeClr val="tx1"/>
+                      </a:solidFill>
+                      <a:prstDash val="solid"/>
+                      <a:round/>
+                      <a:headEnd type="none" w="med" len="med"/>
+                      <a:tailEnd type="none" w="med" len="med"/>
                     </a:lnB>
                     <a:solidFill>
-                      <a:schemeClr val="lt1"/>
+                      <a:schemeClr val="bg1"/>
                     </a:solidFill>
                   </a:tcPr>
                 </a:tc>
@@ -4056,101 +3825,91 @@
       </p:graphicFrame>
       <p:graphicFrame>
         <p:nvGraphicFramePr>
-          <p:cNvPr id="166" name="Google Shape;166;g7c553259d1_0_81"/>
-          <p:cNvGraphicFramePr/>
-          <p:nvPr/>
+          <p:cNvPr id="7" name="표 6"/>
+          <p:cNvGraphicFramePr>
+            <a:graphicFrameLocks noGrp="1"/>
+          </p:cNvGraphicFramePr>
+          <p:nvPr>
+            <p:extLst/>
+          </p:nvPr>
         </p:nvGraphicFramePr>
         <p:xfrm>
           <a:off x="9309046" y="197403"/>
-          <a:ext cx="2815500" cy="320050"/>
+          <a:ext cx="2815494" cy="320040"/>
         </p:xfrm>
         <a:graphic>
           <a:graphicData uri="http://schemas.openxmlformats.org/drawingml/2006/table">
             <a:tbl>
               <a:tblPr firstRow="1" bandRow="1">
-                <a:noFill/>
+                <a:tableStyleId>{5C22544A-7EE6-4342-B048-85BDC9FD1C3A}</a:tableStyleId>
               </a:tblPr>
               <a:tblGrid>
-                <a:gridCol w="1407750"/>
-                <a:gridCol w="1407750"/>
+                <a:gridCol w="1407747"/>
+                <a:gridCol w="1407747"/>
               </a:tblGrid>
-              <a:tr h="265075">
+              <a:tr h="265071">
                 <a:tc>
                   <a:txBody>
                     <a:bodyPr/>
                     <a:lstStyle/>
                     <a:p>
-                      <a:pPr marL="0" marR="0" lvl="0" indent="0" algn="ctr" rtl="0">
-                        <a:lnSpc>
-                          <a:spcPct val="100000"/>
-                        </a:lnSpc>
-                        <a:spcBef>
-                          <a:spcPts val="0"/>
-                        </a:spcBef>
-                        <a:spcAft>
-                          <a:spcPts val="0"/>
-                        </a:spcAft>
-                        <a:buClr>
-                          <a:srgbClr val="000000"/>
-                        </a:buClr>
-                        <a:buSzPts val="1500"/>
-                        <a:buFont typeface="Arial"/>
-                        <a:buNone/>
-                      </a:pPr>
+                      <a:pPr algn="ctr" latinLnBrk="1"/>
                       <a:r>
-                        <a:rPr lang="ko-KR" sz="1500" b="0" u="none" strike="noStrike" cap="none">
+                        <a:rPr lang="ko-KR" altLang="en-US" sz="1500" b="0" dirty="0" smtClean="0">
                           <a:solidFill>
-                            <a:schemeClr val="dk1"/>
+                            <a:schemeClr val="tx1"/>
                           </a:solidFill>
                         </a:rPr>
                         <a:t>화면 번호</a:t>
                       </a:r>
-                      <a:endParaRPr sz="1500" b="0" u="none" strike="noStrike" cap="none">
+                      <a:endParaRPr lang="ko-KR" altLang="en-US" sz="1500" b="0" dirty="0">
                         <a:solidFill>
-                          <a:schemeClr val="dk1"/>
+                          <a:schemeClr val="tx1"/>
                         </a:solidFill>
                       </a:endParaRPr>
                     </a:p>
                   </a:txBody>
-                  <a:tcPr marL="91450" marR="91450" marT="45725" marB="45725" anchor="ctr">
-                    <a:lnL w="12700" cap="flat" cmpd="sng">
-                      <a:solidFill>
-                        <a:schemeClr val="dk1"/>
-                      </a:solidFill>
-                      <a:prstDash val="solid"/>
-                      <a:round/>
-                      <a:headEnd type="none" w="sm" len="sm"/>
-                      <a:tailEnd type="none" w="sm" len="sm"/>
+                  <a:tcPr anchor="ctr">
+                    <a:lnL w="12700" cap="flat" cmpd="sng" algn="ctr">
+                      <a:solidFill>
+                        <a:schemeClr val="tx1"/>
+                      </a:solidFill>
+                      <a:prstDash val="solid"/>
+                      <a:round/>
+                      <a:headEnd type="none" w="med" len="med"/>
+                      <a:tailEnd type="none" w="med" len="med"/>
                     </a:lnL>
-                    <a:lnR w="12700" cap="flat" cmpd="sng">
-                      <a:solidFill>
-                        <a:schemeClr val="dk1"/>
-                      </a:solidFill>
-                      <a:prstDash val="solid"/>
-                      <a:round/>
-                      <a:headEnd type="none" w="sm" len="sm"/>
-                      <a:tailEnd type="none" w="sm" len="sm"/>
+                    <a:lnR w="12700" cap="flat" cmpd="sng" algn="ctr">
+                      <a:solidFill>
+                        <a:schemeClr val="tx1"/>
+                      </a:solidFill>
+                      <a:prstDash val="solid"/>
+                      <a:round/>
+                      <a:headEnd type="none" w="med" len="med"/>
+                      <a:tailEnd type="none" w="med" len="med"/>
                     </a:lnR>
-                    <a:lnT w="12700" cap="flat" cmpd="sng">
-                      <a:solidFill>
-                        <a:schemeClr val="dk1"/>
-                      </a:solidFill>
-                      <a:prstDash val="solid"/>
-                      <a:round/>
-                      <a:headEnd type="none" w="sm" len="sm"/>
-                      <a:tailEnd type="none" w="sm" len="sm"/>
+                    <a:lnT w="12700" cap="flat" cmpd="sng" algn="ctr">
+                      <a:solidFill>
+                        <a:schemeClr val="tx1"/>
+                      </a:solidFill>
+                      <a:prstDash val="solid"/>
+                      <a:round/>
+                      <a:headEnd type="none" w="med" len="med"/>
+                      <a:tailEnd type="none" w="med" len="med"/>
                     </a:lnT>
-                    <a:lnB w="12700" cap="flat" cmpd="sng">
-                      <a:solidFill>
-                        <a:schemeClr val="dk1"/>
-                      </a:solidFill>
-                      <a:prstDash val="solid"/>
-                      <a:round/>
-                      <a:headEnd type="none" w="sm" len="sm"/>
-                      <a:tailEnd type="none" w="sm" len="sm"/>
+                    <a:lnB w="12700" cap="flat" cmpd="sng" algn="ctr">
+                      <a:solidFill>
+                        <a:schemeClr val="tx1"/>
+                      </a:solidFill>
+                      <a:prstDash val="solid"/>
+                      <a:round/>
+                      <a:headEnd type="none" w="med" len="med"/>
+                      <a:tailEnd type="none" w="med" len="med"/>
                     </a:lnB>
                     <a:solidFill>
-                      <a:srgbClr val="D8D8D8"/>
+                      <a:schemeClr val="bg1">
+                        <a:lumMod val="85000"/>
+                      </a:schemeClr>
                     </a:solidFill>
                   </a:tcPr>
                 </a:tc>
@@ -4159,69 +3918,55 @@
                     <a:bodyPr/>
                     <a:lstStyle/>
                     <a:p>
-                      <a:pPr marL="0" marR="0" lvl="0" indent="0" algn="ctr" rtl="0">
-                        <a:lnSpc>
-                          <a:spcPct val="100000"/>
-                        </a:lnSpc>
-                        <a:spcBef>
-                          <a:spcPts val="0"/>
-                        </a:spcBef>
-                        <a:spcAft>
-                          <a:spcPts val="0"/>
-                        </a:spcAft>
-                        <a:buClr>
+                      <a:pPr algn="ctr" fontAlgn="ctr"/>
+                      <a:endParaRPr lang="en-US" sz="1000" b="0" i="0" u="none" strike="noStrike" dirty="0">
+                        <a:solidFill>
                           <a:srgbClr val="000000"/>
-                        </a:buClr>
-                        <a:buSzPts val="1500"/>
-                        <a:buFont typeface="Arial"/>
-                        <a:buNone/>
-                      </a:pPr>
-                      <a:endParaRPr sz="1500" b="0" u="none" strike="noStrike" cap="none">
-                        <a:solidFill>
-                          <a:schemeClr val="dk1"/>
                         </a:solidFill>
+                        <a:effectLst/>
+                        <a:latin typeface="Arial" panose="020B0604020202020204" pitchFamily="34" charset="0"/>
                       </a:endParaRPr>
                     </a:p>
                   </a:txBody>
-                  <a:tcPr marL="91450" marR="91450" marT="45725" marB="45725" anchor="ctr">
-                    <a:lnL w="12700" cap="flat" cmpd="sng">
-                      <a:solidFill>
-                        <a:schemeClr val="dk1"/>
-                      </a:solidFill>
-                      <a:prstDash val="solid"/>
-                      <a:round/>
-                      <a:headEnd type="none" w="sm" len="sm"/>
-                      <a:tailEnd type="none" w="sm" len="sm"/>
+                  <a:tcPr marL="9525" marR="9525" marT="9525" marB="0" anchor="ctr">
+                    <a:lnL w="12700" cap="flat" cmpd="sng" algn="ctr">
+                      <a:solidFill>
+                        <a:schemeClr val="tx1"/>
+                      </a:solidFill>
+                      <a:prstDash val="solid"/>
+                      <a:round/>
+                      <a:headEnd type="none" w="med" len="med"/>
+                      <a:tailEnd type="none" w="med" len="med"/>
                     </a:lnL>
-                    <a:lnR w="12700" cap="flat" cmpd="sng">
-                      <a:solidFill>
-                        <a:schemeClr val="dk1"/>
-                      </a:solidFill>
-                      <a:prstDash val="solid"/>
-                      <a:round/>
-                      <a:headEnd type="none" w="sm" len="sm"/>
-                      <a:tailEnd type="none" w="sm" len="sm"/>
+                    <a:lnR w="12700" cap="flat" cmpd="sng" algn="ctr">
+                      <a:solidFill>
+                        <a:schemeClr val="tx1"/>
+                      </a:solidFill>
+                      <a:prstDash val="solid"/>
+                      <a:round/>
+                      <a:headEnd type="none" w="med" len="med"/>
+                      <a:tailEnd type="none" w="med" len="med"/>
                     </a:lnR>
-                    <a:lnT w="12700" cap="flat" cmpd="sng">
-                      <a:solidFill>
-                        <a:schemeClr val="dk1"/>
-                      </a:solidFill>
-                      <a:prstDash val="solid"/>
-                      <a:round/>
-                      <a:headEnd type="none" w="sm" len="sm"/>
-                      <a:tailEnd type="none" w="sm" len="sm"/>
+                    <a:lnT w="12700" cap="flat" cmpd="sng" algn="ctr">
+                      <a:solidFill>
+                        <a:schemeClr val="tx1"/>
+                      </a:solidFill>
+                      <a:prstDash val="solid"/>
+                      <a:round/>
+                      <a:headEnd type="none" w="med" len="med"/>
+                      <a:tailEnd type="none" w="med" len="med"/>
                     </a:lnT>
-                    <a:lnB w="12700" cap="flat" cmpd="sng">
-                      <a:solidFill>
-                        <a:schemeClr val="dk1"/>
-                      </a:solidFill>
-                      <a:prstDash val="solid"/>
-                      <a:round/>
-                      <a:headEnd type="none" w="sm" len="sm"/>
-                      <a:tailEnd type="none" w="sm" len="sm"/>
+                    <a:lnB w="12700" cap="flat" cmpd="sng" algn="ctr">
+                      <a:solidFill>
+                        <a:schemeClr val="tx1"/>
+                      </a:solidFill>
+                      <a:prstDash val="solid"/>
+                      <a:round/>
+                      <a:headEnd type="none" w="med" len="med"/>
+                      <a:tailEnd type="none" w="med" len="med"/>
                     </a:lnB>
                     <a:solidFill>
-                      <a:schemeClr val="lt1"/>
+                      <a:schemeClr val="bg1"/>
                     </a:solidFill>
                   </a:tcPr>
                 </a:tc>
@@ -4232,101 +3977,83 @@
       </p:graphicFrame>
       <p:graphicFrame>
         <p:nvGraphicFramePr>
-          <p:cNvPr id="167" name="Google Shape;167;g7c553259d1_0_81"/>
-          <p:cNvGraphicFramePr/>
-          <p:nvPr/>
+          <p:cNvPr id="9" name="표 8"/>
+          <p:cNvGraphicFramePr>
+            <a:graphicFrameLocks noGrp="1"/>
+          </p:cNvGraphicFramePr>
+          <p:nvPr>
+            <p:extLst/>
+          </p:nvPr>
         </p:nvGraphicFramePr>
         <p:xfrm>
           <a:off x="6200086" y="197403"/>
-          <a:ext cx="2815500" cy="320050"/>
+          <a:ext cx="2815494" cy="320040"/>
         </p:xfrm>
         <a:graphic>
           <a:graphicData uri="http://schemas.openxmlformats.org/drawingml/2006/table">
             <a:tbl>
               <a:tblPr firstRow="1" bandRow="1">
-                <a:noFill/>
+                <a:tableStyleId>{5C22544A-7EE6-4342-B048-85BDC9FD1C3A}</a:tableStyleId>
               </a:tblPr>
               <a:tblGrid>
-                <a:gridCol w="1407750"/>
-                <a:gridCol w="1407750"/>
+                <a:gridCol w="1407747"/>
+                <a:gridCol w="1407747"/>
               </a:tblGrid>
-              <a:tr h="265075">
+              <a:tr h="265071">
                 <a:tc>
                   <a:txBody>
                     <a:bodyPr/>
                     <a:lstStyle/>
                     <a:p>
-                      <a:pPr marL="0" marR="0" lvl="0" indent="0" algn="ctr" rtl="0">
-                        <a:lnSpc>
-                          <a:spcPct val="100000"/>
-                        </a:lnSpc>
-                        <a:spcBef>
-                          <a:spcPts val="0"/>
-                        </a:spcBef>
-                        <a:spcAft>
-                          <a:spcPts val="0"/>
-                        </a:spcAft>
-                        <a:buClr>
-                          <a:srgbClr val="000000"/>
-                        </a:buClr>
-                        <a:buSzPts val="1500"/>
-                        <a:buFont typeface="Arial"/>
-                        <a:buNone/>
-                      </a:pPr>
-                      <a:r>
-                        <a:rPr lang="ko-KR" sz="1500" b="0" u="none" strike="noStrike" cap="none">
-                          <a:solidFill>
-                            <a:schemeClr val="dk1"/>
-                          </a:solidFill>
-                        </a:rPr>
-                        <a:t>프로젝트</a:t>
-                      </a:r>
-                      <a:endParaRPr sz="1500" b="0" u="none" strike="noStrike" cap="none">
+                      <a:pPr algn="ctr" latinLnBrk="1"/>
+                      <a:endParaRPr lang="ko-KR" altLang="en-US" sz="1500" b="0" dirty="0">
                         <a:solidFill>
-                          <a:schemeClr val="dk1"/>
+                          <a:schemeClr val="tx1"/>
                         </a:solidFill>
                       </a:endParaRPr>
                     </a:p>
                   </a:txBody>
-                  <a:tcPr marL="91450" marR="91450" marT="45725" marB="45725" anchor="ctr">
-                    <a:lnL w="12700" cap="flat" cmpd="sng">
-                      <a:solidFill>
-                        <a:schemeClr val="dk1"/>
-                      </a:solidFill>
-                      <a:prstDash val="solid"/>
-                      <a:round/>
-                      <a:headEnd type="none" w="sm" len="sm"/>
-                      <a:tailEnd type="none" w="sm" len="sm"/>
+                  <a:tcPr anchor="ctr">
+                    <a:lnL w="12700" cap="flat" cmpd="sng" algn="ctr">
+                      <a:solidFill>
+                        <a:schemeClr val="tx1"/>
+                      </a:solidFill>
+                      <a:prstDash val="solid"/>
+                      <a:round/>
+                      <a:headEnd type="none" w="med" len="med"/>
+                      <a:tailEnd type="none" w="med" len="med"/>
                     </a:lnL>
-                    <a:lnR w="12700" cap="flat" cmpd="sng">
-                      <a:solidFill>
-                        <a:schemeClr val="dk1"/>
-                      </a:solidFill>
-                      <a:prstDash val="solid"/>
-                      <a:round/>
-                      <a:headEnd type="none" w="sm" len="sm"/>
-                      <a:tailEnd type="none" w="sm" len="sm"/>
+                    <a:lnR w="12700" cap="flat" cmpd="sng" algn="ctr">
+                      <a:solidFill>
+                        <a:schemeClr val="tx1"/>
+                      </a:solidFill>
+                      <a:prstDash val="solid"/>
+                      <a:round/>
+                      <a:headEnd type="none" w="med" len="med"/>
+                      <a:tailEnd type="none" w="med" len="med"/>
                     </a:lnR>
-                    <a:lnT w="12700" cap="flat" cmpd="sng">
-                      <a:solidFill>
-                        <a:schemeClr val="dk1"/>
-                      </a:solidFill>
-                      <a:prstDash val="solid"/>
-                      <a:round/>
-                      <a:headEnd type="none" w="sm" len="sm"/>
-                      <a:tailEnd type="none" w="sm" len="sm"/>
+                    <a:lnT w="12700" cap="flat" cmpd="sng" algn="ctr">
+                      <a:solidFill>
+                        <a:schemeClr val="tx1"/>
+                      </a:solidFill>
+                      <a:prstDash val="solid"/>
+                      <a:round/>
+                      <a:headEnd type="none" w="med" len="med"/>
+                      <a:tailEnd type="none" w="med" len="med"/>
                     </a:lnT>
-                    <a:lnB w="12700" cap="flat" cmpd="sng">
-                      <a:solidFill>
-                        <a:schemeClr val="dk1"/>
-                      </a:solidFill>
-                      <a:prstDash val="solid"/>
-                      <a:round/>
-                      <a:headEnd type="none" w="sm" len="sm"/>
-                      <a:tailEnd type="none" w="sm" len="sm"/>
+                    <a:lnB w="12700" cap="flat" cmpd="sng" algn="ctr">
+                      <a:solidFill>
+                        <a:schemeClr val="tx1"/>
+                      </a:solidFill>
+                      <a:prstDash val="solid"/>
+                      <a:round/>
+                      <a:headEnd type="none" w="med" len="med"/>
+                      <a:tailEnd type="none" w="med" len="med"/>
                     </a:lnB>
                     <a:solidFill>
-                      <a:srgbClr val="D8D8D8"/>
+                      <a:schemeClr val="bg1">
+                        <a:lumMod val="85000"/>
+                      </a:schemeClr>
                     </a:solidFill>
                   </a:tcPr>
                 </a:tc>
@@ -4335,69 +4062,53 @@
                     <a:bodyPr/>
                     <a:lstStyle/>
                     <a:p>
-                      <a:pPr marL="0" marR="0" lvl="0" indent="0" algn="ctr" rtl="0">
-                        <a:lnSpc>
-                          <a:spcPct val="100000"/>
-                        </a:lnSpc>
-                        <a:spcBef>
-                          <a:spcPts val="0"/>
-                        </a:spcBef>
-                        <a:spcAft>
-                          <a:spcPts val="0"/>
-                        </a:spcAft>
-                        <a:buClr>
-                          <a:srgbClr val="000000"/>
-                        </a:buClr>
-                        <a:buSzPts val="1500"/>
-                        <a:buFont typeface="Arial"/>
-                        <a:buNone/>
-                      </a:pPr>
-                      <a:endParaRPr sz="1500" b="0" u="none" strike="noStrike" cap="none">
+                      <a:pPr algn="ctr" latinLnBrk="1"/>
+                      <a:endParaRPr lang="ko-KR" altLang="en-US" sz="1500" b="0" dirty="0">
                         <a:solidFill>
-                          <a:schemeClr val="dk1"/>
+                          <a:schemeClr val="tx1"/>
                         </a:solidFill>
                       </a:endParaRPr>
                     </a:p>
                   </a:txBody>
-                  <a:tcPr marL="91450" marR="91450" marT="45725" marB="45725" anchor="ctr">
-                    <a:lnL w="12700" cap="flat" cmpd="sng">
-                      <a:solidFill>
-                        <a:schemeClr val="dk1"/>
-                      </a:solidFill>
-                      <a:prstDash val="solid"/>
-                      <a:round/>
-                      <a:headEnd type="none" w="sm" len="sm"/>
-                      <a:tailEnd type="none" w="sm" len="sm"/>
+                  <a:tcPr anchor="ctr">
+                    <a:lnL w="12700" cap="flat" cmpd="sng" algn="ctr">
+                      <a:solidFill>
+                        <a:schemeClr val="tx1"/>
+                      </a:solidFill>
+                      <a:prstDash val="solid"/>
+                      <a:round/>
+                      <a:headEnd type="none" w="med" len="med"/>
+                      <a:tailEnd type="none" w="med" len="med"/>
                     </a:lnL>
-                    <a:lnR w="12700" cap="flat" cmpd="sng">
-                      <a:solidFill>
-                        <a:schemeClr val="dk1"/>
-                      </a:solidFill>
-                      <a:prstDash val="solid"/>
-                      <a:round/>
-                      <a:headEnd type="none" w="sm" len="sm"/>
-                      <a:tailEnd type="none" w="sm" len="sm"/>
+                    <a:lnR w="12700" cap="flat" cmpd="sng" algn="ctr">
+                      <a:solidFill>
+                        <a:schemeClr val="tx1"/>
+                      </a:solidFill>
+                      <a:prstDash val="solid"/>
+                      <a:round/>
+                      <a:headEnd type="none" w="med" len="med"/>
+                      <a:tailEnd type="none" w="med" len="med"/>
                     </a:lnR>
-                    <a:lnT w="12700" cap="flat" cmpd="sng">
-                      <a:solidFill>
-                        <a:schemeClr val="dk1"/>
-                      </a:solidFill>
-                      <a:prstDash val="solid"/>
-                      <a:round/>
-                      <a:headEnd type="none" w="sm" len="sm"/>
-                      <a:tailEnd type="none" w="sm" len="sm"/>
+                    <a:lnT w="12700" cap="flat" cmpd="sng" algn="ctr">
+                      <a:solidFill>
+                        <a:schemeClr val="tx1"/>
+                      </a:solidFill>
+                      <a:prstDash val="solid"/>
+                      <a:round/>
+                      <a:headEnd type="none" w="med" len="med"/>
+                      <a:tailEnd type="none" w="med" len="med"/>
                     </a:lnT>
-                    <a:lnB w="12700" cap="flat" cmpd="sng">
-                      <a:solidFill>
-                        <a:schemeClr val="dk1"/>
-                      </a:solidFill>
-                      <a:prstDash val="solid"/>
-                      <a:round/>
-                      <a:headEnd type="none" w="sm" len="sm"/>
-                      <a:tailEnd type="none" w="sm" len="sm"/>
+                    <a:lnB w="12700" cap="flat" cmpd="sng" algn="ctr">
+                      <a:solidFill>
+                        <a:schemeClr val="tx1"/>
+                      </a:solidFill>
+                      <a:prstDash val="solid"/>
+                      <a:round/>
+                      <a:headEnd type="none" w="med" len="med"/>
+                      <a:tailEnd type="none" w="med" len="med"/>
                     </a:lnB>
                     <a:solidFill>
-                      <a:schemeClr val="lt1"/>
+                      <a:schemeClr val="bg1"/>
                     </a:solidFill>
                   </a:tcPr>
                 </a:tc>
@@ -4406,171 +4117,93 @@
           </a:graphicData>
         </a:graphic>
       </p:graphicFrame>
-      <p:sp>
-        <p:nvSpPr>
-          <p:cNvPr id="168" name="Google Shape;168;g7c553259d1_0_81"/>
-          <p:cNvSpPr/>
-          <p:nvPr/>
-        </p:nvSpPr>
-        <p:spPr>
-          <a:xfrm>
-            <a:off x="157954" y="1271965"/>
-            <a:ext cx="8032200" cy="5349900"/>
-          </a:xfrm>
-          <a:prstGeom prst="rect">
-            <a:avLst/>
-          </a:prstGeom>
-          <a:solidFill>
-            <a:schemeClr val="lt1"/>
-          </a:solidFill>
-          <a:ln w="12700" cap="flat" cmpd="sng">
-            <a:solidFill>
-              <a:schemeClr val="dk1"/>
-            </a:solidFill>
-            <a:prstDash val="solid"/>
-            <a:miter lim="800000"/>
-            <a:headEnd type="none" w="sm" len="sm"/>
-            <a:tailEnd type="none" w="sm" len="sm"/>
-          </a:ln>
-        </p:spPr>
-        <p:txBody>
-          <a:bodyPr spcFirstLastPara="1" wrap="square" lIns="91425" tIns="45700" rIns="91425" bIns="45700" anchor="ctr" anchorCtr="0">
-            <a:noAutofit/>
-          </a:bodyPr>
-          <a:lstStyle/>
-          <a:p>
-            <a:pPr marL="0" marR="0" lvl="0" indent="0" algn="ctr" rtl="0">
-              <a:lnSpc>
-                <a:spcPct val="100000"/>
-              </a:lnSpc>
-              <a:spcBef>
-                <a:spcPts val="0"/>
-              </a:spcBef>
-              <a:spcAft>
-                <a:spcPts val="0"/>
-              </a:spcAft>
-              <a:buClr>
-                <a:srgbClr val="000000"/>
-              </a:buClr>
-              <a:buSzPts val="1500"/>
-              <a:buFont typeface="Arial"/>
-              <a:buNone/>
-            </a:pPr>
-            <a:endParaRPr sz="1500" b="0" i="0" u="none" strike="noStrike" cap="none">
-              <a:solidFill>
-                <a:schemeClr val="dk1"/>
-              </a:solidFill>
-              <a:latin typeface="Malgun Gothic"/>
-              <a:ea typeface="Malgun Gothic"/>
-              <a:cs typeface="Malgun Gothic"/>
-              <a:sym typeface="Malgun Gothic"/>
-            </a:endParaRPr>
-          </a:p>
-        </p:txBody>
-      </p:sp>
       <p:graphicFrame>
         <p:nvGraphicFramePr>
-          <p:cNvPr id="169" name="Google Shape;169;g7c553259d1_0_81"/>
-          <p:cNvGraphicFramePr/>
+          <p:cNvPr id="14" name="표 13"/>
+          <p:cNvGraphicFramePr>
+            <a:graphicFrameLocks noGrp="1"/>
+          </p:cNvGraphicFramePr>
           <p:nvPr>
-            <p:extLst>
-              <p:ext uri="{D42A27DB-BD31-4B8C-83A1-F6EECF244321}">
-                <p14:modId xmlns:p14="http://schemas.microsoft.com/office/powerpoint/2010/main" val="103633237"/>
-              </p:ext>
-            </p:extLst>
+            <p:extLst/>
           </p:nvPr>
         </p:nvGraphicFramePr>
         <p:xfrm>
           <a:off x="8509686" y="1289960"/>
-          <a:ext cx="3532000" cy="5311199"/>
+          <a:ext cx="3491813" cy="5349990"/>
         </p:xfrm>
         <a:graphic>
           <a:graphicData uri="http://schemas.openxmlformats.org/drawingml/2006/table">
             <a:tbl>
               <a:tblPr firstRow="1" bandRow="1">
-                <a:noFill/>
+                <a:tableStyleId>{5C22544A-7EE6-4342-B048-85BDC9FD1C3A}</a:tableStyleId>
               </a:tblPr>
               <a:tblGrid>
-                <a:gridCol w="382900"/>
-                <a:gridCol w="3149100"/>
+                <a:gridCol w="342705"/>
+                <a:gridCol w="3149108"/>
               </a:tblGrid>
-              <a:tr h="356150">
+              <a:tr h="378460">
                 <a:tc>
                   <a:txBody>
                     <a:bodyPr/>
                     <a:lstStyle/>
                     <a:p>
-                      <a:pPr marL="0" marR="0" lvl="0" indent="0" algn="ctr" rtl="0">
-                        <a:lnSpc>
-                          <a:spcPct val="100000"/>
-                        </a:lnSpc>
-                        <a:spcBef>
-                          <a:spcPts val="0"/>
-                        </a:spcBef>
-                        <a:spcAft>
-                          <a:spcPts val="0"/>
-                        </a:spcAft>
-                        <a:buClr>
-                          <a:srgbClr val="000000"/>
-                        </a:buClr>
-                        <a:buSzPts val="1500"/>
-                        <a:buFont typeface="Arial"/>
-                        <a:buNone/>
-                      </a:pPr>
+                      <a:pPr algn="ctr" latinLnBrk="1"/>
                       <a:r>
-                        <a:rPr lang="ko-KR" sz="1500" u="none" strike="noStrike" cap="none" dirty="0">
+                        <a:rPr lang="en-US" altLang="ko-KR" sz="1500" dirty="0" smtClean="0">
                           <a:solidFill>
-                            <a:schemeClr val="dk1"/>
+                            <a:schemeClr val="tx1"/>
                           </a:solidFill>
                         </a:rPr>
                         <a:t>#</a:t>
                       </a:r>
-                      <a:endParaRPr sz="1500" u="none" strike="noStrike" cap="none" dirty="0">
+                      <a:endParaRPr lang="ko-KR" altLang="en-US" sz="1500" dirty="0">
                         <a:solidFill>
-                          <a:schemeClr val="dk1"/>
+                          <a:schemeClr val="tx1"/>
                         </a:solidFill>
                       </a:endParaRPr>
                     </a:p>
                   </a:txBody>
-                  <a:tcPr marL="91450" marR="91450" marT="45725" marB="45725" anchor="ctr">
-                    <a:lnL w="12700" cap="flat" cmpd="sng">
-                      <a:solidFill>
-                        <a:schemeClr val="dk1"/>
-                      </a:solidFill>
-                      <a:prstDash val="solid"/>
-                      <a:round/>
-                      <a:headEnd type="none" w="sm" len="sm"/>
-                      <a:tailEnd type="none" w="sm" len="sm"/>
+                  <a:tcPr anchor="ctr">
+                    <a:lnL w="12700" cap="flat" cmpd="sng" algn="ctr">
+                      <a:solidFill>
+                        <a:schemeClr val="tx1"/>
+                      </a:solidFill>
+                      <a:prstDash val="solid"/>
+                      <a:round/>
+                      <a:headEnd type="none" w="med" len="med"/>
+                      <a:tailEnd type="none" w="med" len="med"/>
                     </a:lnL>
-                    <a:lnR w="12700" cap="flat" cmpd="sng">
-                      <a:solidFill>
-                        <a:schemeClr val="dk1"/>
-                      </a:solidFill>
-                      <a:prstDash val="solid"/>
-                      <a:round/>
-                      <a:headEnd type="none" w="sm" len="sm"/>
-                      <a:tailEnd type="none" w="sm" len="sm"/>
+                    <a:lnR w="12700" cap="flat" cmpd="sng" algn="ctr">
+                      <a:solidFill>
+                        <a:schemeClr val="tx1"/>
+                      </a:solidFill>
+                      <a:prstDash val="solid"/>
+                      <a:round/>
+                      <a:headEnd type="none" w="med" len="med"/>
+                      <a:tailEnd type="none" w="med" len="med"/>
                     </a:lnR>
-                    <a:lnT w="12700" cap="flat" cmpd="sng">
-                      <a:solidFill>
-                        <a:schemeClr val="dk1"/>
-                      </a:solidFill>
-                      <a:prstDash val="solid"/>
-                      <a:round/>
-                      <a:headEnd type="none" w="sm" len="sm"/>
-                      <a:tailEnd type="none" w="sm" len="sm"/>
+                    <a:lnT w="12700" cap="flat" cmpd="sng" algn="ctr">
+                      <a:solidFill>
+                        <a:schemeClr val="tx1"/>
+                      </a:solidFill>
+                      <a:prstDash val="solid"/>
+                      <a:round/>
+                      <a:headEnd type="none" w="med" len="med"/>
+                      <a:tailEnd type="none" w="med" len="med"/>
                     </a:lnT>
-                    <a:lnB w="12700" cap="flat" cmpd="sng">
-                      <a:solidFill>
-                        <a:schemeClr val="dk1"/>
-                      </a:solidFill>
-                      <a:prstDash val="solid"/>
-                      <a:round/>
-                      <a:headEnd type="none" w="sm" len="sm"/>
-                      <a:tailEnd type="none" w="sm" len="sm"/>
+                    <a:lnB w="12700" cap="flat" cmpd="sng" algn="ctr">
+                      <a:solidFill>
+                        <a:schemeClr val="tx1"/>
+                      </a:solidFill>
+                      <a:prstDash val="solid"/>
+                      <a:round/>
+                      <a:headEnd type="none" w="med" len="med"/>
+                      <a:tailEnd type="none" w="med" len="med"/>
                     </a:lnB>
                     <a:solidFill>
-                      <a:srgbClr val="D8D8D8"/>
+                      <a:schemeClr val="bg1">
+                        <a:lumMod val="85000"/>
+                      </a:schemeClr>
                     </a:solidFill>
                   </a:tcPr>
                 </a:tc>
@@ -4579,138 +4212,128 @@
                     <a:bodyPr/>
                     <a:lstStyle/>
                     <a:p>
-                      <a:pPr marL="0" marR="0" lvl="0" indent="0" algn="ctr" rtl="0">
-                        <a:lnSpc>
-                          <a:spcPct val="100000"/>
-                        </a:lnSpc>
-                        <a:spcBef>
-                          <a:spcPts val="0"/>
-                        </a:spcBef>
-                        <a:spcAft>
-                          <a:spcPts val="0"/>
-                        </a:spcAft>
-                        <a:buClr>
-                          <a:srgbClr val="000000"/>
-                        </a:buClr>
-                        <a:buSzPts val="1500"/>
-                        <a:buFont typeface="Arial"/>
-                        <a:buNone/>
-                      </a:pPr>
-                      <a:endParaRPr sz="1500" u="none" strike="noStrike" cap="none" dirty="0">
+                      <a:pPr algn="ctr" latinLnBrk="1"/>
+                      <a:r>
+                        <a:rPr lang="ko-KR" altLang="en-US" sz="1500" dirty="0" err="1" smtClean="0">
+                          <a:solidFill>
+                            <a:schemeClr val="tx1"/>
+                          </a:solidFill>
+                        </a:rPr>
+                        <a:t>기능명</a:t>
+                      </a:r>
+                      <a:endParaRPr lang="ko-KR" altLang="en-US" sz="1500" dirty="0">
                         <a:solidFill>
-                          <a:schemeClr val="dk1"/>
+                          <a:schemeClr val="tx1"/>
                         </a:solidFill>
                       </a:endParaRPr>
                     </a:p>
                   </a:txBody>
-                  <a:tcPr marL="91450" marR="91450" marT="45725" marB="45725" anchor="ctr">
-                    <a:lnL w="12700" cap="flat" cmpd="sng">
-                      <a:solidFill>
-                        <a:schemeClr val="dk1"/>
-                      </a:solidFill>
-                      <a:prstDash val="solid"/>
-                      <a:round/>
-                      <a:headEnd type="none" w="sm" len="sm"/>
-                      <a:tailEnd type="none" w="sm" len="sm"/>
+                  <a:tcPr anchor="ctr">
+                    <a:lnL w="12700" cap="flat" cmpd="sng" algn="ctr">
+                      <a:solidFill>
+                        <a:schemeClr val="tx1"/>
+                      </a:solidFill>
+                      <a:prstDash val="solid"/>
+                      <a:round/>
+                      <a:headEnd type="none" w="med" len="med"/>
+                      <a:tailEnd type="none" w="med" len="med"/>
                     </a:lnL>
-                    <a:lnR w="12700" cap="flat" cmpd="sng">
-                      <a:solidFill>
-                        <a:schemeClr val="dk1"/>
-                      </a:solidFill>
-                      <a:prstDash val="solid"/>
-                      <a:round/>
-                      <a:headEnd type="none" w="sm" len="sm"/>
-                      <a:tailEnd type="none" w="sm" len="sm"/>
+                    <a:lnR w="12700" cap="flat" cmpd="sng" algn="ctr">
+                      <a:solidFill>
+                        <a:schemeClr val="tx1"/>
+                      </a:solidFill>
+                      <a:prstDash val="solid"/>
+                      <a:round/>
+                      <a:headEnd type="none" w="med" len="med"/>
+                      <a:tailEnd type="none" w="med" len="med"/>
                     </a:lnR>
-                    <a:lnT w="12700" cap="flat" cmpd="sng">
-                      <a:solidFill>
-                        <a:schemeClr val="dk1"/>
-                      </a:solidFill>
-                      <a:prstDash val="solid"/>
-                      <a:round/>
-                      <a:headEnd type="none" w="sm" len="sm"/>
-                      <a:tailEnd type="none" w="sm" len="sm"/>
+                    <a:lnT w="12700" cap="flat" cmpd="sng" algn="ctr">
+                      <a:solidFill>
+                        <a:schemeClr val="tx1"/>
+                      </a:solidFill>
+                      <a:prstDash val="solid"/>
+                      <a:round/>
+                      <a:headEnd type="none" w="med" len="med"/>
+                      <a:tailEnd type="none" w="med" len="med"/>
                     </a:lnT>
-                    <a:lnB w="12700" cap="flat" cmpd="sng">
-                      <a:solidFill>
-                        <a:schemeClr val="dk1"/>
-                      </a:solidFill>
-                      <a:prstDash val="solid"/>
-                      <a:round/>
-                      <a:headEnd type="none" w="sm" len="sm"/>
-                      <a:tailEnd type="none" w="sm" len="sm"/>
+                    <a:lnB w="12700" cap="flat" cmpd="sng" algn="ctr">
+                      <a:solidFill>
+                        <a:schemeClr val="tx1"/>
+                      </a:solidFill>
+                      <a:prstDash val="solid"/>
+                      <a:round/>
+                      <a:headEnd type="none" w="med" len="med"/>
+                      <a:tailEnd type="none" w="med" len="med"/>
                     </a:lnB>
                     <a:solidFill>
-                      <a:srgbClr val="D8D8D8"/>
+                      <a:schemeClr val="bg1">
+                        <a:lumMod val="85000"/>
+                      </a:schemeClr>
                     </a:solidFill>
                   </a:tcPr>
                 </a:tc>
               </a:tr>
-              <a:tr h="972399">
+              <a:tr h="947993">
                 <a:tc>
                   <a:txBody>
                     <a:bodyPr/>
                     <a:lstStyle/>
                     <a:p>
-                      <a:pPr marL="0" marR="0" lvl="0" indent="0" algn="ctr" rtl="0">
-                        <a:lnSpc>
-                          <a:spcPct val="100000"/>
-                        </a:lnSpc>
-                        <a:spcBef>
-                          <a:spcPts val="0"/>
-                        </a:spcBef>
-                        <a:spcAft>
-                          <a:spcPts val="0"/>
-                        </a:spcAft>
-                        <a:buClr>
-                          <a:srgbClr val="000000"/>
-                        </a:buClr>
-                        <a:buSzPts val="1500"/>
-                        <a:buFont typeface="Arial"/>
-                        <a:buNone/>
-                      </a:pPr>
-                      <a:endParaRPr sz="1500" dirty="0"/>
+                      <a:pPr algn="ctr" latinLnBrk="1"/>
+                      <a:r>
+                        <a:rPr lang="en-US" altLang="ko-KR" sz="1500" dirty="0" smtClean="0">
+                          <a:solidFill>
+                            <a:schemeClr val="tx1"/>
+                          </a:solidFill>
+                        </a:rPr>
+                        <a:t>1</a:t>
+                      </a:r>
+                      <a:endParaRPr lang="ko-KR" altLang="en-US" sz="1500" dirty="0">
+                        <a:solidFill>
+                          <a:schemeClr val="tx1"/>
+                        </a:solidFill>
+                      </a:endParaRPr>
                     </a:p>
                   </a:txBody>
-                  <a:tcPr marL="91450" marR="91450" marT="45725" marB="45725" anchor="ctr">
-                    <a:lnL w="12700" cap="flat" cmpd="sng">
-                      <a:solidFill>
-                        <a:schemeClr val="dk1"/>
-                      </a:solidFill>
-                      <a:prstDash val="solid"/>
-                      <a:round/>
-                      <a:headEnd type="none" w="sm" len="sm"/>
-                      <a:tailEnd type="none" w="sm" len="sm"/>
+                  <a:tcPr anchor="ctr">
+                    <a:lnL w="12700" cap="flat" cmpd="sng" algn="ctr">
+                      <a:solidFill>
+                        <a:schemeClr val="tx1"/>
+                      </a:solidFill>
+                      <a:prstDash val="solid"/>
+                      <a:round/>
+                      <a:headEnd type="none" w="med" len="med"/>
+                      <a:tailEnd type="none" w="med" len="med"/>
                     </a:lnL>
-                    <a:lnR w="12700" cap="flat" cmpd="sng">
-                      <a:solidFill>
-                        <a:schemeClr val="dk1"/>
-                      </a:solidFill>
-                      <a:prstDash val="solid"/>
-                      <a:round/>
-                      <a:headEnd type="none" w="sm" len="sm"/>
-                      <a:tailEnd type="none" w="sm" len="sm"/>
+                    <a:lnR w="12700" cap="flat" cmpd="sng" algn="ctr">
+                      <a:solidFill>
+                        <a:schemeClr val="tx1"/>
+                      </a:solidFill>
+                      <a:prstDash val="solid"/>
+                      <a:round/>
+                      <a:headEnd type="none" w="med" len="med"/>
+                      <a:tailEnd type="none" w="med" len="med"/>
                     </a:lnR>
-                    <a:lnT w="12700" cap="flat" cmpd="sng">
-                      <a:solidFill>
-                        <a:schemeClr val="dk1"/>
-                      </a:solidFill>
-                      <a:prstDash val="solid"/>
-                      <a:round/>
-                      <a:headEnd type="none" w="sm" len="sm"/>
-                      <a:tailEnd type="none" w="sm" len="sm"/>
+                    <a:lnT w="12700" cap="flat" cmpd="sng" algn="ctr">
+                      <a:solidFill>
+                        <a:schemeClr val="tx1"/>
+                      </a:solidFill>
+                      <a:prstDash val="solid"/>
+                      <a:round/>
+                      <a:headEnd type="none" w="med" len="med"/>
+                      <a:tailEnd type="none" w="med" len="med"/>
                     </a:lnT>
-                    <a:lnB w="12700" cap="flat" cmpd="sng">
-                      <a:solidFill>
-                        <a:schemeClr val="dk1"/>
-                      </a:solidFill>
-                      <a:prstDash val="solid"/>
-                      <a:round/>
-                      <a:headEnd type="none" w="sm" len="sm"/>
-                      <a:tailEnd type="none" w="sm" len="sm"/>
+                    <a:lnB w="12700" cap="flat" cmpd="sng" algn="ctr">
+                      <a:solidFill>
+                        <a:schemeClr val="tx1"/>
+                      </a:solidFill>
+                      <a:prstDash val="solid"/>
+                      <a:round/>
+                      <a:headEnd type="none" w="med" len="med"/>
+                      <a:tailEnd type="none" w="med" len="med"/>
                     </a:lnB>
                     <a:solidFill>
-                      <a:schemeClr val="lt1"/>
+                      <a:schemeClr val="bg1"/>
                     </a:solidFill>
                   </a:tcPr>
                 </a:tc>
@@ -4719,142 +4342,118 @@
                     <a:bodyPr/>
                     <a:lstStyle/>
                     <a:p>
-                      <a:pPr marL="0" marR="0" lvl="0" indent="0" algn="l" rtl="0">
-                        <a:lnSpc>
-                          <a:spcPct val="100000"/>
-                        </a:lnSpc>
-                        <a:spcBef>
-                          <a:spcPts val="0"/>
-                        </a:spcBef>
-                        <a:spcAft>
-                          <a:spcPts val="0"/>
-                        </a:spcAft>
-                        <a:buClr>
-                          <a:srgbClr val="000000"/>
-                        </a:buClr>
-                        <a:buSzPts val="1500"/>
-                        <a:buFont typeface="Arial"/>
-                        <a:buNone/>
-                      </a:pPr>
-                      <a:endParaRPr sz="1500" b="0" u="none" strike="noStrike" cap="none" dirty="0">
+                      <a:pPr algn="l" latinLnBrk="1"/>
+                      <a:endParaRPr lang="en-US" altLang="ko-KR" sz="1500" dirty="0" smtClean="0">
                         <a:solidFill>
-                          <a:schemeClr val="dk1"/>
+                          <a:schemeClr val="tx1"/>
                         </a:solidFill>
                       </a:endParaRPr>
                     </a:p>
                   </a:txBody>
-                  <a:tcPr marL="91450" marR="91450" marT="45725" marB="45725">
-                    <a:lnL w="12700" cap="flat" cmpd="sng">
-                      <a:solidFill>
-                        <a:schemeClr val="dk1"/>
-                      </a:solidFill>
-                      <a:prstDash val="solid"/>
-                      <a:round/>
-                      <a:headEnd type="none" w="sm" len="sm"/>
-                      <a:tailEnd type="none" w="sm" len="sm"/>
+                  <a:tcPr>
+                    <a:lnL w="12700" cap="flat" cmpd="sng" algn="ctr">
+                      <a:solidFill>
+                        <a:schemeClr val="tx1"/>
+                      </a:solidFill>
+                      <a:prstDash val="solid"/>
+                      <a:round/>
+                      <a:headEnd type="none" w="med" len="med"/>
+                      <a:tailEnd type="none" w="med" len="med"/>
                     </a:lnL>
-                    <a:lnR w="12700" cap="flat" cmpd="sng">
-                      <a:solidFill>
-                        <a:schemeClr val="dk1"/>
-                      </a:solidFill>
-                      <a:prstDash val="solid"/>
-                      <a:round/>
-                      <a:headEnd type="none" w="sm" len="sm"/>
-                      <a:tailEnd type="none" w="sm" len="sm"/>
+                    <a:lnR w="12700" cap="flat" cmpd="sng" algn="ctr">
+                      <a:solidFill>
+                        <a:schemeClr val="tx1"/>
+                      </a:solidFill>
+                      <a:prstDash val="solid"/>
+                      <a:round/>
+                      <a:headEnd type="none" w="med" len="med"/>
+                      <a:tailEnd type="none" w="med" len="med"/>
                     </a:lnR>
-                    <a:lnT w="12700" cap="flat" cmpd="sng">
-                      <a:solidFill>
-                        <a:schemeClr val="dk1"/>
-                      </a:solidFill>
-                      <a:prstDash val="solid"/>
-                      <a:round/>
-                      <a:headEnd type="none" w="sm" len="sm"/>
-                      <a:tailEnd type="none" w="sm" len="sm"/>
+                    <a:lnT w="12700" cap="flat" cmpd="sng" algn="ctr">
+                      <a:solidFill>
+                        <a:schemeClr val="tx1"/>
+                      </a:solidFill>
+                      <a:prstDash val="solid"/>
+                      <a:round/>
+                      <a:headEnd type="none" w="med" len="med"/>
+                      <a:tailEnd type="none" w="med" len="med"/>
                     </a:lnT>
-                    <a:lnB w="12700" cap="flat" cmpd="sng">
-                      <a:solidFill>
-                        <a:schemeClr val="dk1"/>
-                      </a:solidFill>
-                      <a:prstDash val="solid"/>
-                      <a:round/>
-                      <a:headEnd type="none" w="sm" len="sm"/>
-                      <a:tailEnd type="none" w="sm" len="sm"/>
+                    <a:lnB w="12700" cap="flat" cmpd="sng" algn="ctr">
+                      <a:solidFill>
+                        <a:schemeClr val="tx1"/>
+                      </a:solidFill>
+                      <a:prstDash val="solid"/>
+                      <a:round/>
+                      <a:headEnd type="none" w="med" len="med"/>
+                      <a:tailEnd type="none" w="med" len="med"/>
                     </a:lnB>
                     <a:solidFill>
-                      <a:schemeClr val="lt1"/>
+                      <a:schemeClr val="bg1"/>
                     </a:solidFill>
                   </a:tcPr>
                 </a:tc>
               </a:tr>
-              <a:tr h="551475">
+              <a:tr h="1179558">
                 <a:tc>
                   <a:txBody>
                     <a:bodyPr/>
                     <a:lstStyle/>
                     <a:p>
-                      <a:pPr marL="0" marR="0" lvl="0" indent="0" algn="ctr" rtl="0">
-                        <a:lnSpc>
-                          <a:spcPct val="100000"/>
-                        </a:lnSpc>
-                        <a:spcBef>
-                          <a:spcPts val="0"/>
-                        </a:spcBef>
-                        <a:spcAft>
-                          <a:spcPts val="0"/>
-                        </a:spcAft>
-                        <a:buClr>
-                          <a:srgbClr val="000000"/>
-                        </a:buClr>
-                        <a:buSzPts val="1500"/>
-                        <a:buFont typeface="Arial"/>
-                        <a:buNone/>
-                      </a:pPr>
-                      <a:endParaRPr sz="1500" u="none" strike="noStrike" cap="none" dirty="0">
+                      <a:pPr algn="ctr" latinLnBrk="1"/>
+                      <a:r>
+                        <a:rPr lang="en-US" altLang="ko-KR" sz="1500" dirty="0" smtClean="0">
+                          <a:solidFill>
+                            <a:schemeClr val="tx1"/>
+                          </a:solidFill>
+                        </a:rPr>
+                        <a:t>2</a:t>
+                      </a:r>
+                      <a:endParaRPr lang="ko-KR" altLang="en-US" sz="1500" dirty="0">
                         <a:solidFill>
-                          <a:schemeClr val="dk1"/>
+                          <a:schemeClr val="tx1"/>
                         </a:solidFill>
                       </a:endParaRPr>
                     </a:p>
                   </a:txBody>
-                  <a:tcPr marL="91450" marR="91450" marT="45725" marB="45725" anchor="ctr">
-                    <a:lnL w="12700" cap="flat" cmpd="sng">
-                      <a:solidFill>
-                        <a:schemeClr val="dk1"/>
-                      </a:solidFill>
-                      <a:prstDash val="solid"/>
-                      <a:round/>
-                      <a:headEnd type="none" w="sm" len="sm"/>
-                      <a:tailEnd type="none" w="sm" len="sm"/>
+                  <a:tcPr anchor="ctr">
+                    <a:lnL w="12700" cap="flat" cmpd="sng" algn="ctr">
+                      <a:solidFill>
+                        <a:schemeClr val="tx1"/>
+                      </a:solidFill>
+                      <a:prstDash val="solid"/>
+                      <a:round/>
+                      <a:headEnd type="none" w="med" len="med"/>
+                      <a:tailEnd type="none" w="med" len="med"/>
                     </a:lnL>
-                    <a:lnR w="12700" cap="flat" cmpd="sng">
-                      <a:solidFill>
-                        <a:schemeClr val="dk1"/>
-                      </a:solidFill>
-                      <a:prstDash val="solid"/>
-                      <a:round/>
-                      <a:headEnd type="none" w="sm" len="sm"/>
-                      <a:tailEnd type="none" w="sm" len="sm"/>
+                    <a:lnR w="12700" cap="flat" cmpd="sng" algn="ctr">
+                      <a:solidFill>
+                        <a:schemeClr val="tx1"/>
+                      </a:solidFill>
+                      <a:prstDash val="solid"/>
+                      <a:round/>
+                      <a:headEnd type="none" w="med" len="med"/>
+                      <a:tailEnd type="none" w="med" len="med"/>
                     </a:lnR>
-                    <a:lnT w="12700" cap="flat" cmpd="sng">
-                      <a:solidFill>
-                        <a:schemeClr val="dk1"/>
-                      </a:solidFill>
-                      <a:prstDash val="solid"/>
-                      <a:round/>
-                      <a:headEnd type="none" w="sm" len="sm"/>
-                      <a:tailEnd type="none" w="sm" len="sm"/>
+                    <a:lnT w="12700" cap="flat" cmpd="sng" algn="ctr">
+                      <a:solidFill>
+                        <a:schemeClr val="tx1"/>
+                      </a:solidFill>
+                      <a:prstDash val="solid"/>
+                      <a:round/>
+                      <a:headEnd type="none" w="med" len="med"/>
+                      <a:tailEnd type="none" w="med" len="med"/>
                     </a:lnT>
-                    <a:lnB w="12700" cap="flat" cmpd="sng">
-                      <a:solidFill>
-                        <a:schemeClr val="dk1"/>
-                      </a:solidFill>
-                      <a:prstDash val="solid"/>
-                      <a:round/>
-                      <a:headEnd type="none" w="sm" len="sm"/>
-                      <a:tailEnd type="none" w="sm" len="sm"/>
+                    <a:lnB w="12700" cap="flat" cmpd="sng" algn="ctr">
+                      <a:solidFill>
+                        <a:schemeClr val="tx1"/>
+                      </a:solidFill>
+                      <a:prstDash val="solid"/>
+                      <a:round/>
+                      <a:headEnd type="none" w="med" len="med"/>
+                      <a:tailEnd type="none" w="med" len="med"/>
                     </a:lnB>
                     <a:solidFill>
-                      <a:schemeClr val="lt1"/>
+                      <a:schemeClr val="bg1"/>
                     </a:solidFill>
                   </a:tcPr>
                 </a:tc>
@@ -4863,137 +4462,117 @@
                     <a:bodyPr/>
                     <a:lstStyle/>
                     <a:p>
-                      <a:pPr marL="0" marR="0" lvl="0" indent="0" algn="l" rtl="0">
-                        <a:lnSpc>
-                          <a:spcPct val="100000"/>
-                        </a:lnSpc>
-                        <a:spcBef>
-                          <a:spcPts val="0"/>
-                        </a:spcBef>
-                        <a:spcAft>
-                          <a:spcPts val="0"/>
-                        </a:spcAft>
-                        <a:buNone/>
-                      </a:pPr>
-                      <a:endParaRPr sz="1500" u="none" strike="noStrike" cap="none" dirty="0">
+                      <a:endParaRPr lang="ko-KR" altLang="en-US" sz="1500" dirty="0">
                         <a:solidFill>
-                          <a:schemeClr val="dk1"/>
+                          <a:schemeClr val="tx1"/>
                         </a:solidFill>
                       </a:endParaRPr>
                     </a:p>
                   </a:txBody>
-                  <a:tcPr marL="91450" marR="91450" marT="45725" marB="45725">
-                    <a:lnL w="12700" cap="flat" cmpd="sng">
-                      <a:solidFill>
-                        <a:schemeClr val="dk1"/>
-                      </a:solidFill>
-                      <a:prstDash val="solid"/>
-                      <a:round/>
-                      <a:headEnd type="none" w="sm" len="sm"/>
-                      <a:tailEnd type="none" w="sm" len="sm"/>
+                  <a:tcPr>
+                    <a:lnL w="12700" cap="flat" cmpd="sng" algn="ctr">
+                      <a:solidFill>
+                        <a:schemeClr val="tx1"/>
+                      </a:solidFill>
+                      <a:prstDash val="solid"/>
+                      <a:round/>
+                      <a:headEnd type="none" w="med" len="med"/>
+                      <a:tailEnd type="none" w="med" len="med"/>
                     </a:lnL>
-                    <a:lnR w="12700" cap="flat" cmpd="sng">
-                      <a:solidFill>
-                        <a:schemeClr val="dk1"/>
-                      </a:solidFill>
-                      <a:prstDash val="solid"/>
-                      <a:round/>
-                      <a:headEnd type="none" w="sm" len="sm"/>
-                      <a:tailEnd type="none" w="sm" len="sm"/>
+                    <a:lnR w="12700" cap="flat" cmpd="sng" algn="ctr">
+                      <a:solidFill>
+                        <a:schemeClr val="tx1"/>
+                      </a:solidFill>
+                      <a:prstDash val="solid"/>
+                      <a:round/>
+                      <a:headEnd type="none" w="med" len="med"/>
+                      <a:tailEnd type="none" w="med" len="med"/>
                     </a:lnR>
-                    <a:lnT w="12700" cap="flat" cmpd="sng">
-                      <a:solidFill>
-                        <a:schemeClr val="dk1"/>
-                      </a:solidFill>
-                      <a:prstDash val="solid"/>
-                      <a:round/>
-                      <a:headEnd type="none" w="sm" len="sm"/>
-                      <a:tailEnd type="none" w="sm" len="sm"/>
+                    <a:lnT w="12700" cap="flat" cmpd="sng" algn="ctr">
+                      <a:solidFill>
+                        <a:schemeClr val="tx1"/>
+                      </a:solidFill>
+                      <a:prstDash val="solid"/>
+                      <a:round/>
+                      <a:headEnd type="none" w="med" len="med"/>
+                      <a:tailEnd type="none" w="med" len="med"/>
                     </a:lnT>
-                    <a:lnB w="12700" cap="flat" cmpd="sng">
-                      <a:solidFill>
-                        <a:schemeClr val="dk1"/>
-                      </a:solidFill>
-                      <a:prstDash val="solid"/>
-                      <a:round/>
-                      <a:headEnd type="none" w="sm" len="sm"/>
-                      <a:tailEnd type="none" w="sm" len="sm"/>
+                    <a:lnB w="12700" cap="flat" cmpd="sng" algn="ctr">
+                      <a:solidFill>
+                        <a:schemeClr val="tx1"/>
+                      </a:solidFill>
+                      <a:prstDash val="solid"/>
+                      <a:round/>
+                      <a:headEnd type="none" w="med" len="med"/>
+                      <a:tailEnd type="none" w="med" len="med"/>
                     </a:lnB>
                     <a:solidFill>
-                      <a:schemeClr val="lt1"/>
+                      <a:schemeClr val="bg1"/>
                     </a:solidFill>
                   </a:tcPr>
                 </a:tc>
               </a:tr>
-              <a:tr h="781250">
+              <a:tr h="947993">
                 <a:tc>
                   <a:txBody>
                     <a:bodyPr/>
                     <a:lstStyle/>
                     <a:p>
-                      <a:pPr marL="0" marR="0" lvl="0" indent="0" algn="ctr" rtl="0">
-                        <a:lnSpc>
-                          <a:spcPct val="100000"/>
-                        </a:lnSpc>
-                        <a:spcBef>
-                          <a:spcPts val="0"/>
-                        </a:spcBef>
-                        <a:spcAft>
-                          <a:spcPts val="0"/>
-                        </a:spcAft>
-                        <a:buClr>
-                          <a:srgbClr val="000000"/>
-                        </a:buClr>
-                        <a:buSzPts val="1500"/>
-                        <a:buFont typeface="Arial"/>
-                        <a:buNone/>
-                      </a:pPr>
-                      <a:endParaRPr sz="1500" u="none" strike="noStrike" cap="none" dirty="0">
+                      <a:pPr algn="ctr" latinLnBrk="1"/>
+                      <a:r>
+                        <a:rPr lang="en-US" altLang="ko-KR" sz="1500" dirty="0" smtClean="0">
+                          <a:solidFill>
+                            <a:schemeClr val="tx1"/>
+                          </a:solidFill>
+                        </a:rPr>
+                        <a:t>3</a:t>
+                      </a:r>
+                      <a:endParaRPr lang="ko-KR" altLang="en-US" sz="1500" dirty="0">
                         <a:solidFill>
-                          <a:schemeClr val="dk1"/>
+                          <a:schemeClr val="tx1"/>
                         </a:solidFill>
                       </a:endParaRPr>
                     </a:p>
                   </a:txBody>
-                  <a:tcPr marL="91450" marR="91450" marT="45725" marB="45725" anchor="ctr">
-                    <a:lnL w="12700" cap="flat" cmpd="sng">
-                      <a:solidFill>
-                        <a:schemeClr val="dk1"/>
-                      </a:solidFill>
-                      <a:prstDash val="solid"/>
-                      <a:round/>
-                      <a:headEnd type="none" w="sm" len="sm"/>
-                      <a:tailEnd type="none" w="sm" len="sm"/>
+                  <a:tcPr anchor="ctr">
+                    <a:lnL w="12700" cap="flat" cmpd="sng" algn="ctr">
+                      <a:solidFill>
+                        <a:schemeClr val="tx1"/>
+                      </a:solidFill>
+                      <a:prstDash val="solid"/>
+                      <a:round/>
+                      <a:headEnd type="none" w="med" len="med"/>
+                      <a:tailEnd type="none" w="med" len="med"/>
                     </a:lnL>
-                    <a:lnR w="12700" cap="flat" cmpd="sng">
-                      <a:solidFill>
-                        <a:schemeClr val="dk1"/>
-                      </a:solidFill>
-                      <a:prstDash val="solid"/>
-                      <a:round/>
-                      <a:headEnd type="none" w="sm" len="sm"/>
-                      <a:tailEnd type="none" w="sm" len="sm"/>
+                    <a:lnR w="12700" cap="flat" cmpd="sng" algn="ctr">
+                      <a:solidFill>
+                        <a:schemeClr val="tx1"/>
+                      </a:solidFill>
+                      <a:prstDash val="solid"/>
+                      <a:round/>
+                      <a:headEnd type="none" w="med" len="med"/>
+                      <a:tailEnd type="none" w="med" len="med"/>
                     </a:lnR>
-                    <a:lnT w="12700" cap="flat" cmpd="sng">
-                      <a:solidFill>
-                        <a:schemeClr val="dk1"/>
-                      </a:solidFill>
-                      <a:prstDash val="solid"/>
-                      <a:round/>
-                      <a:headEnd type="none" w="sm" len="sm"/>
-                      <a:tailEnd type="none" w="sm" len="sm"/>
+                    <a:lnT w="12700" cap="flat" cmpd="sng" algn="ctr">
+                      <a:solidFill>
+                        <a:schemeClr val="tx1"/>
+                      </a:solidFill>
+                      <a:prstDash val="solid"/>
+                      <a:round/>
+                      <a:headEnd type="none" w="med" len="med"/>
+                      <a:tailEnd type="none" w="med" len="med"/>
                     </a:lnT>
-                    <a:lnB w="12700" cap="flat" cmpd="sng">
-                      <a:solidFill>
-                        <a:schemeClr val="dk1"/>
-                      </a:solidFill>
-                      <a:prstDash val="solid"/>
-                      <a:round/>
-                      <a:headEnd type="none" w="sm" len="sm"/>
-                      <a:tailEnd type="none" w="sm" len="sm"/>
+                    <a:lnB w="12700" cap="flat" cmpd="sng" algn="ctr">
+                      <a:solidFill>
+                        <a:schemeClr val="tx1"/>
+                      </a:solidFill>
+                      <a:prstDash val="solid"/>
+                      <a:round/>
+                      <a:headEnd type="none" w="med" len="med"/>
+                      <a:tailEnd type="none" w="med" len="med"/>
                     </a:lnB>
                     <a:solidFill>
-                      <a:schemeClr val="lt1"/>
+                      <a:schemeClr val="bg1"/>
                     </a:solidFill>
                   </a:tcPr>
                 </a:tc>
@@ -5002,142 +4581,118 @@
                     <a:bodyPr/>
                     <a:lstStyle/>
                     <a:p>
-                      <a:pPr marL="0" marR="0" lvl="0" indent="0" algn="l" rtl="0">
-                        <a:lnSpc>
-                          <a:spcPct val="100000"/>
-                        </a:lnSpc>
-                        <a:spcBef>
-                          <a:spcPts val="0"/>
-                        </a:spcBef>
-                        <a:spcAft>
-                          <a:spcPts val="0"/>
-                        </a:spcAft>
-                        <a:buClr>
-                          <a:srgbClr val="000000"/>
-                        </a:buClr>
-                        <a:buSzPts val="1500"/>
-                        <a:buFont typeface="Arial"/>
-                        <a:buNone/>
-                      </a:pPr>
-                      <a:endParaRPr sz="1500" u="none" strike="noStrike" cap="none" dirty="0">
+                      <a:pPr algn="l" latinLnBrk="1"/>
+                      <a:endParaRPr lang="en-US" altLang="ko-KR" sz="1500" dirty="0" smtClean="0">
                         <a:solidFill>
-                          <a:schemeClr val="dk1"/>
+                          <a:schemeClr val="tx1"/>
                         </a:solidFill>
                       </a:endParaRPr>
                     </a:p>
                   </a:txBody>
-                  <a:tcPr marL="91450" marR="91450" marT="45725" marB="45725">
-                    <a:lnL w="12700" cap="flat" cmpd="sng">
-                      <a:solidFill>
-                        <a:schemeClr val="dk1"/>
-                      </a:solidFill>
-                      <a:prstDash val="solid"/>
-                      <a:round/>
-                      <a:headEnd type="none" w="sm" len="sm"/>
-                      <a:tailEnd type="none" w="sm" len="sm"/>
+                  <a:tcPr>
+                    <a:lnL w="12700" cap="flat" cmpd="sng" algn="ctr">
+                      <a:solidFill>
+                        <a:schemeClr val="tx1"/>
+                      </a:solidFill>
+                      <a:prstDash val="solid"/>
+                      <a:round/>
+                      <a:headEnd type="none" w="med" len="med"/>
+                      <a:tailEnd type="none" w="med" len="med"/>
                     </a:lnL>
-                    <a:lnR w="12700" cap="flat" cmpd="sng">
-                      <a:solidFill>
-                        <a:schemeClr val="dk1"/>
-                      </a:solidFill>
-                      <a:prstDash val="solid"/>
-                      <a:round/>
-                      <a:headEnd type="none" w="sm" len="sm"/>
-                      <a:tailEnd type="none" w="sm" len="sm"/>
+                    <a:lnR w="12700" cap="flat" cmpd="sng" algn="ctr">
+                      <a:solidFill>
+                        <a:schemeClr val="tx1"/>
+                      </a:solidFill>
+                      <a:prstDash val="solid"/>
+                      <a:round/>
+                      <a:headEnd type="none" w="med" len="med"/>
+                      <a:tailEnd type="none" w="med" len="med"/>
                     </a:lnR>
-                    <a:lnT w="12700" cap="flat" cmpd="sng">
-                      <a:solidFill>
-                        <a:schemeClr val="dk1"/>
-                      </a:solidFill>
-                      <a:prstDash val="solid"/>
-                      <a:round/>
-                      <a:headEnd type="none" w="sm" len="sm"/>
-                      <a:tailEnd type="none" w="sm" len="sm"/>
+                    <a:lnT w="12700" cap="flat" cmpd="sng" algn="ctr">
+                      <a:solidFill>
+                        <a:schemeClr val="tx1"/>
+                      </a:solidFill>
+                      <a:prstDash val="solid"/>
+                      <a:round/>
+                      <a:headEnd type="none" w="med" len="med"/>
+                      <a:tailEnd type="none" w="med" len="med"/>
                     </a:lnT>
-                    <a:lnB w="12700" cap="flat" cmpd="sng">
-                      <a:solidFill>
-                        <a:schemeClr val="dk1"/>
-                      </a:solidFill>
-                      <a:prstDash val="solid"/>
-                      <a:round/>
-                      <a:headEnd type="none" w="sm" len="sm"/>
-                      <a:tailEnd type="none" w="sm" len="sm"/>
+                    <a:lnB w="12700" cap="flat" cmpd="sng" algn="ctr">
+                      <a:solidFill>
+                        <a:schemeClr val="tx1"/>
+                      </a:solidFill>
+                      <a:prstDash val="solid"/>
+                      <a:round/>
+                      <a:headEnd type="none" w="med" len="med"/>
+                      <a:tailEnd type="none" w="med" len="med"/>
                     </a:lnB>
                     <a:solidFill>
-                      <a:schemeClr val="lt1"/>
+                      <a:schemeClr val="bg1"/>
                     </a:solidFill>
                   </a:tcPr>
                 </a:tc>
               </a:tr>
-              <a:tr h="551475">
+              <a:tr h="947993">
                 <a:tc>
                   <a:txBody>
                     <a:bodyPr/>
                     <a:lstStyle/>
                     <a:p>
-                      <a:pPr marL="0" marR="0" lvl="0" indent="0" algn="ctr" rtl="0">
-                        <a:lnSpc>
-                          <a:spcPct val="100000"/>
-                        </a:lnSpc>
-                        <a:spcBef>
-                          <a:spcPts val="0"/>
-                        </a:spcBef>
-                        <a:spcAft>
-                          <a:spcPts val="0"/>
-                        </a:spcAft>
-                        <a:buClr>
-                          <a:srgbClr val="000000"/>
-                        </a:buClr>
-                        <a:buSzPts val="1500"/>
-                        <a:buFont typeface="Arial"/>
-                        <a:buNone/>
-                      </a:pPr>
-                      <a:endParaRPr sz="1500" u="none" strike="noStrike" cap="none" dirty="0">
+                      <a:pPr algn="ctr" latinLnBrk="1"/>
+                      <a:r>
+                        <a:rPr lang="en-US" altLang="ko-KR" sz="1500" dirty="0" smtClean="0">
+                          <a:solidFill>
+                            <a:schemeClr val="tx1"/>
+                          </a:solidFill>
+                        </a:rPr>
+                        <a:t>4</a:t>
+                      </a:r>
+                      <a:endParaRPr lang="ko-KR" altLang="en-US" sz="1500" dirty="0">
                         <a:solidFill>
-                          <a:schemeClr val="dk1"/>
+                          <a:schemeClr val="tx1"/>
                         </a:solidFill>
                       </a:endParaRPr>
                     </a:p>
                   </a:txBody>
-                  <a:tcPr marL="91450" marR="91450" marT="45725" marB="45725" anchor="ctr">
-                    <a:lnL w="12700" cap="flat" cmpd="sng">
-                      <a:solidFill>
-                        <a:schemeClr val="dk1"/>
-                      </a:solidFill>
-                      <a:prstDash val="solid"/>
-                      <a:round/>
-                      <a:headEnd type="none" w="sm" len="sm"/>
-                      <a:tailEnd type="none" w="sm" len="sm"/>
+                  <a:tcPr anchor="ctr">
+                    <a:lnL w="12700" cap="flat" cmpd="sng" algn="ctr">
+                      <a:solidFill>
+                        <a:schemeClr val="tx1"/>
+                      </a:solidFill>
+                      <a:prstDash val="solid"/>
+                      <a:round/>
+                      <a:headEnd type="none" w="med" len="med"/>
+                      <a:tailEnd type="none" w="med" len="med"/>
                     </a:lnL>
-                    <a:lnR w="12700" cap="flat" cmpd="sng">
-                      <a:solidFill>
-                        <a:schemeClr val="dk1"/>
-                      </a:solidFill>
-                      <a:prstDash val="solid"/>
-                      <a:round/>
-                      <a:headEnd type="none" w="sm" len="sm"/>
-                      <a:tailEnd type="none" w="sm" len="sm"/>
+                    <a:lnR w="12700" cap="flat" cmpd="sng" algn="ctr">
+                      <a:solidFill>
+                        <a:schemeClr val="tx1"/>
+                      </a:solidFill>
+                      <a:prstDash val="solid"/>
+                      <a:round/>
+                      <a:headEnd type="none" w="med" len="med"/>
+                      <a:tailEnd type="none" w="med" len="med"/>
                     </a:lnR>
-                    <a:lnT w="12700" cap="flat" cmpd="sng">
-                      <a:solidFill>
-                        <a:schemeClr val="dk1"/>
-                      </a:solidFill>
-                      <a:prstDash val="solid"/>
-                      <a:round/>
-                      <a:headEnd type="none" w="sm" len="sm"/>
-                      <a:tailEnd type="none" w="sm" len="sm"/>
+                    <a:lnT w="12700" cap="flat" cmpd="sng" algn="ctr">
+                      <a:solidFill>
+                        <a:schemeClr val="tx1"/>
+                      </a:solidFill>
+                      <a:prstDash val="solid"/>
+                      <a:round/>
+                      <a:headEnd type="none" w="med" len="med"/>
+                      <a:tailEnd type="none" w="med" len="med"/>
                     </a:lnT>
-                    <a:lnB w="12700" cap="flat" cmpd="sng">
-                      <a:solidFill>
-                        <a:schemeClr val="dk1"/>
-                      </a:solidFill>
-                      <a:prstDash val="solid"/>
-                      <a:round/>
-                      <a:headEnd type="none" w="sm" len="sm"/>
-                      <a:tailEnd type="none" w="sm" len="sm"/>
+                    <a:lnB w="12700" cap="flat" cmpd="sng" algn="ctr">
+                      <a:solidFill>
+                        <a:schemeClr val="tx1"/>
+                      </a:solidFill>
+                      <a:prstDash val="solid"/>
+                      <a:round/>
+                      <a:headEnd type="none" w="med" len="med"/>
+                      <a:tailEnd type="none" w="med" len="med"/>
                     </a:lnB>
                     <a:solidFill>
-                      <a:schemeClr val="lt1"/>
+                      <a:schemeClr val="bg1"/>
                     </a:solidFill>
                   </a:tcPr>
                 </a:tc>
@@ -5146,142 +4701,118 @@
                     <a:bodyPr/>
                     <a:lstStyle/>
                     <a:p>
-                      <a:pPr marL="0" marR="0" lvl="0" indent="0" algn="l" rtl="0">
-                        <a:lnSpc>
-                          <a:spcPct val="100000"/>
-                        </a:lnSpc>
-                        <a:spcBef>
-                          <a:spcPts val="0"/>
-                        </a:spcBef>
-                        <a:spcAft>
-                          <a:spcPts val="0"/>
-                        </a:spcAft>
-                        <a:buClr>
-                          <a:srgbClr val="000000"/>
-                        </a:buClr>
-                        <a:buSzPts val="1500"/>
-                        <a:buFont typeface="Arial"/>
-                        <a:buNone/>
-                      </a:pPr>
-                      <a:endParaRPr sz="1500" u="none" strike="noStrike" cap="none" dirty="0">
+                      <a:pPr algn="l" latinLnBrk="1"/>
+                      <a:endParaRPr lang="ko-KR" altLang="en-US" sz="1500" dirty="0">
                         <a:solidFill>
-                          <a:schemeClr val="dk1"/>
+                          <a:schemeClr val="tx1"/>
                         </a:solidFill>
                       </a:endParaRPr>
                     </a:p>
                   </a:txBody>
-                  <a:tcPr marL="91450" marR="91450" marT="45725" marB="45725">
-                    <a:lnL w="12700" cap="flat" cmpd="sng">
-                      <a:solidFill>
-                        <a:schemeClr val="dk1"/>
-                      </a:solidFill>
-                      <a:prstDash val="solid"/>
-                      <a:round/>
-                      <a:headEnd type="none" w="sm" len="sm"/>
-                      <a:tailEnd type="none" w="sm" len="sm"/>
+                  <a:tcPr>
+                    <a:lnL w="12700" cap="flat" cmpd="sng" algn="ctr">
+                      <a:solidFill>
+                        <a:schemeClr val="tx1"/>
+                      </a:solidFill>
+                      <a:prstDash val="solid"/>
+                      <a:round/>
+                      <a:headEnd type="none" w="med" len="med"/>
+                      <a:tailEnd type="none" w="med" len="med"/>
                     </a:lnL>
-                    <a:lnR w="12700" cap="flat" cmpd="sng">
-                      <a:solidFill>
-                        <a:schemeClr val="dk1"/>
-                      </a:solidFill>
-                      <a:prstDash val="solid"/>
-                      <a:round/>
-                      <a:headEnd type="none" w="sm" len="sm"/>
-                      <a:tailEnd type="none" w="sm" len="sm"/>
+                    <a:lnR w="12700" cap="flat" cmpd="sng" algn="ctr">
+                      <a:solidFill>
+                        <a:schemeClr val="tx1"/>
+                      </a:solidFill>
+                      <a:prstDash val="solid"/>
+                      <a:round/>
+                      <a:headEnd type="none" w="med" len="med"/>
+                      <a:tailEnd type="none" w="med" len="med"/>
                     </a:lnR>
-                    <a:lnT w="12700" cap="flat" cmpd="sng">
-                      <a:solidFill>
-                        <a:schemeClr val="dk1"/>
-                      </a:solidFill>
-                      <a:prstDash val="solid"/>
-                      <a:round/>
-                      <a:headEnd type="none" w="sm" len="sm"/>
-                      <a:tailEnd type="none" w="sm" len="sm"/>
+                    <a:lnT w="12700" cap="flat" cmpd="sng" algn="ctr">
+                      <a:solidFill>
+                        <a:schemeClr val="tx1"/>
+                      </a:solidFill>
+                      <a:prstDash val="solid"/>
+                      <a:round/>
+                      <a:headEnd type="none" w="med" len="med"/>
+                      <a:tailEnd type="none" w="med" len="med"/>
                     </a:lnT>
-                    <a:lnB w="12700" cap="flat" cmpd="sng">
-                      <a:solidFill>
-                        <a:schemeClr val="dk1"/>
-                      </a:solidFill>
-                      <a:prstDash val="solid"/>
-                      <a:round/>
-                      <a:headEnd type="none" w="sm" len="sm"/>
-                      <a:tailEnd type="none" w="sm" len="sm"/>
+                    <a:lnB w="12700" cap="flat" cmpd="sng" algn="ctr">
+                      <a:solidFill>
+                        <a:schemeClr val="tx1"/>
+                      </a:solidFill>
+                      <a:prstDash val="solid"/>
+                      <a:round/>
+                      <a:headEnd type="none" w="med" len="med"/>
+                      <a:tailEnd type="none" w="med" len="med"/>
                     </a:lnB>
                     <a:solidFill>
-                      <a:schemeClr val="lt1"/>
+                      <a:schemeClr val="bg1"/>
                     </a:solidFill>
                   </a:tcPr>
                 </a:tc>
               </a:tr>
-              <a:tr h="644050">
+              <a:tr h="947993">
                 <a:tc>
                   <a:txBody>
                     <a:bodyPr/>
                     <a:lstStyle/>
                     <a:p>
-                      <a:pPr marL="0" marR="0" lvl="0" indent="0" algn="ctr" rtl="0">
-                        <a:lnSpc>
-                          <a:spcPct val="100000"/>
-                        </a:lnSpc>
-                        <a:spcBef>
-                          <a:spcPts val="0"/>
-                        </a:spcBef>
-                        <a:spcAft>
-                          <a:spcPts val="0"/>
-                        </a:spcAft>
-                        <a:buClr>
-                          <a:srgbClr val="000000"/>
-                        </a:buClr>
-                        <a:buSzPts val="1500"/>
-                        <a:buFont typeface="Arial"/>
-                        <a:buNone/>
-                      </a:pPr>
-                      <a:endParaRPr sz="1500" u="none" strike="noStrike" cap="none" dirty="0">
+                      <a:pPr algn="ctr" latinLnBrk="1"/>
+                      <a:r>
+                        <a:rPr lang="en-US" altLang="ko-KR" sz="1500" dirty="0" smtClean="0">
+                          <a:solidFill>
+                            <a:schemeClr val="tx1"/>
+                          </a:solidFill>
+                        </a:rPr>
+                        <a:t>5</a:t>
+                      </a:r>
+                      <a:endParaRPr lang="ko-KR" altLang="en-US" sz="1500" dirty="0">
                         <a:solidFill>
-                          <a:schemeClr val="dk1"/>
+                          <a:schemeClr val="tx1"/>
                         </a:solidFill>
                       </a:endParaRPr>
                     </a:p>
                   </a:txBody>
-                  <a:tcPr marL="91450" marR="91450" marT="45725" marB="45725" anchor="ctr">
-                    <a:lnL w="12700" cap="flat" cmpd="sng">
-                      <a:solidFill>
-                        <a:schemeClr val="dk1"/>
-                      </a:solidFill>
-                      <a:prstDash val="solid"/>
-                      <a:round/>
-                      <a:headEnd type="none" w="sm" len="sm"/>
-                      <a:tailEnd type="none" w="sm" len="sm"/>
+                  <a:tcPr anchor="ctr">
+                    <a:lnL w="12700" cap="flat" cmpd="sng" algn="ctr">
+                      <a:solidFill>
+                        <a:schemeClr val="tx1"/>
+                      </a:solidFill>
+                      <a:prstDash val="solid"/>
+                      <a:round/>
+                      <a:headEnd type="none" w="med" len="med"/>
+                      <a:tailEnd type="none" w="med" len="med"/>
                     </a:lnL>
-                    <a:lnR w="12700" cap="flat" cmpd="sng">
-                      <a:solidFill>
-                        <a:schemeClr val="dk1"/>
-                      </a:solidFill>
-                      <a:prstDash val="solid"/>
-                      <a:round/>
-                      <a:headEnd type="none" w="sm" len="sm"/>
-                      <a:tailEnd type="none" w="sm" len="sm"/>
+                    <a:lnR w="12700" cap="flat" cmpd="sng" algn="ctr">
+                      <a:solidFill>
+                        <a:schemeClr val="tx1"/>
+                      </a:solidFill>
+                      <a:prstDash val="solid"/>
+                      <a:round/>
+                      <a:headEnd type="none" w="med" len="med"/>
+                      <a:tailEnd type="none" w="med" len="med"/>
                     </a:lnR>
-                    <a:lnT w="12700" cap="flat" cmpd="sng">
-                      <a:solidFill>
-                        <a:schemeClr val="dk1"/>
-                      </a:solidFill>
-                      <a:prstDash val="solid"/>
-                      <a:round/>
-                      <a:headEnd type="none" w="sm" len="sm"/>
-                      <a:tailEnd type="none" w="sm" len="sm"/>
+                    <a:lnT w="12700" cap="flat" cmpd="sng" algn="ctr">
+                      <a:solidFill>
+                        <a:schemeClr val="tx1"/>
+                      </a:solidFill>
+                      <a:prstDash val="solid"/>
+                      <a:round/>
+                      <a:headEnd type="none" w="med" len="med"/>
+                      <a:tailEnd type="none" w="med" len="med"/>
                     </a:lnT>
-                    <a:lnB w="12700" cap="flat" cmpd="sng">
-                      <a:solidFill>
-                        <a:schemeClr val="dk1"/>
-                      </a:solidFill>
-                      <a:prstDash val="solid"/>
-                      <a:round/>
-                      <a:headEnd type="none" w="sm" len="sm"/>
-                      <a:tailEnd type="none" w="sm" len="sm"/>
+                    <a:lnB w="12700" cap="flat" cmpd="sng" algn="ctr">
+                      <a:solidFill>
+                        <a:schemeClr val="tx1"/>
+                      </a:solidFill>
+                      <a:prstDash val="solid"/>
+                      <a:round/>
+                      <a:headEnd type="none" w="med" len="med"/>
+                      <a:tailEnd type="none" w="med" len="med"/>
                     </a:lnB>
                     <a:solidFill>
-                      <a:schemeClr val="lt1"/>
+                      <a:schemeClr val="bg1"/>
                     </a:solidFill>
                   </a:tcPr>
                 </a:tc>
@@ -5290,133 +4821,1911 @@
                     <a:bodyPr/>
                     <a:lstStyle/>
                     <a:p>
-                      <a:pPr marL="0" marR="0" lvl="0" indent="0" algn="l" rtl="0">
-                        <a:lnSpc>
-                          <a:spcPct val="100000"/>
-                        </a:lnSpc>
-                        <a:spcBef>
-                          <a:spcPts val="0"/>
-                        </a:spcBef>
-                        <a:spcAft>
-                          <a:spcPts val="0"/>
-                        </a:spcAft>
-                        <a:buClr>
-                          <a:srgbClr val="000000"/>
-                        </a:buClr>
-                        <a:buSzPts val="1500"/>
-                        <a:buFont typeface="Arial"/>
-                        <a:buNone/>
-                      </a:pPr>
-                      <a:endParaRPr sz="1500" u="none" strike="noStrike" cap="none" dirty="0">
+                      <a:pPr algn="l" latinLnBrk="1"/>
+                      <a:endParaRPr lang="ko-KR" altLang="en-US" sz="1500" dirty="0">
                         <a:solidFill>
-                          <a:schemeClr val="dk1"/>
+                          <a:schemeClr val="tx1"/>
                         </a:solidFill>
                       </a:endParaRPr>
                     </a:p>
                   </a:txBody>
-                  <a:tcPr marL="91450" marR="91450" marT="45725" marB="45725">
-                    <a:lnL w="12700" cap="flat" cmpd="sng">
-                      <a:solidFill>
-                        <a:schemeClr val="dk1"/>
-                      </a:solidFill>
-                      <a:prstDash val="solid"/>
-                      <a:round/>
-                      <a:headEnd type="none" w="sm" len="sm"/>
-                      <a:tailEnd type="none" w="sm" len="sm"/>
+                  <a:tcPr>
+                    <a:lnL w="12700" cap="flat" cmpd="sng" algn="ctr">
+                      <a:solidFill>
+                        <a:schemeClr val="tx1"/>
+                      </a:solidFill>
+                      <a:prstDash val="solid"/>
+                      <a:round/>
+                      <a:headEnd type="none" w="med" len="med"/>
+                      <a:tailEnd type="none" w="med" len="med"/>
                     </a:lnL>
-                    <a:lnR w="12700" cap="flat" cmpd="sng">
-                      <a:solidFill>
-                        <a:schemeClr val="dk1"/>
-                      </a:solidFill>
-                      <a:prstDash val="solid"/>
-                      <a:round/>
-                      <a:headEnd type="none" w="sm" len="sm"/>
-                      <a:tailEnd type="none" w="sm" len="sm"/>
+                    <a:lnR w="12700" cap="flat" cmpd="sng" algn="ctr">
+                      <a:solidFill>
+                        <a:schemeClr val="tx1"/>
+                      </a:solidFill>
+                      <a:prstDash val="solid"/>
+                      <a:round/>
+                      <a:headEnd type="none" w="med" len="med"/>
+                      <a:tailEnd type="none" w="med" len="med"/>
                     </a:lnR>
-                    <a:lnT w="12700" cap="flat" cmpd="sng">
-                      <a:solidFill>
-                        <a:schemeClr val="dk1"/>
-                      </a:solidFill>
-                      <a:prstDash val="solid"/>
-                      <a:round/>
-                      <a:headEnd type="none" w="sm" len="sm"/>
-                      <a:tailEnd type="none" w="sm" len="sm"/>
+                    <a:lnT w="12700" cap="flat" cmpd="sng" algn="ctr">
+                      <a:solidFill>
+                        <a:schemeClr val="tx1"/>
+                      </a:solidFill>
+                      <a:prstDash val="solid"/>
+                      <a:round/>
+                      <a:headEnd type="none" w="med" len="med"/>
+                      <a:tailEnd type="none" w="med" len="med"/>
                     </a:lnT>
-                    <a:lnB w="12700" cap="flat" cmpd="sng">
-                      <a:solidFill>
-                        <a:schemeClr val="dk1"/>
-                      </a:solidFill>
-                      <a:prstDash val="solid"/>
-                      <a:round/>
-                      <a:headEnd type="none" w="sm" len="sm"/>
-                      <a:tailEnd type="none" w="sm" len="sm"/>
+                    <a:lnB w="12700" cap="flat" cmpd="sng" algn="ctr">
+                      <a:solidFill>
+                        <a:schemeClr val="tx1"/>
+                      </a:solidFill>
+                      <a:prstDash val="solid"/>
+                      <a:round/>
+                      <a:headEnd type="none" w="med" len="med"/>
+                      <a:tailEnd type="none" w="med" len="med"/>
                     </a:lnB>
                     <a:solidFill>
-                      <a:schemeClr val="lt1"/>
+                      <a:schemeClr val="bg1"/>
                     </a:solidFill>
                   </a:tcPr>
                 </a:tc>
               </a:tr>
-              <a:tr h="562225">
+            </a:tbl>
+          </a:graphicData>
+        </a:graphic>
+      </p:graphicFrame>
+      <p:sp>
+        <p:nvSpPr>
+          <p:cNvPr id="40" name="직사각형 39"/>
+          <p:cNvSpPr/>
+          <p:nvPr/>
+        </p:nvSpPr>
+        <p:spPr>
+          <a:xfrm>
+            <a:off x="131601" y="1289960"/>
+            <a:ext cx="8032096" cy="5349994"/>
+          </a:xfrm>
+          <a:prstGeom prst="rect">
+            <a:avLst/>
+          </a:prstGeom>
+          <a:solidFill>
+            <a:schemeClr val="bg1"/>
+          </a:solidFill>
+          <a:ln>
+            <a:solidFill>
+              <a:schemeClr val="tx1"/>
+            </a:solidFill>
+          </a:ln>
+        </p:spPr>
+        <p:style>
+          <a:lnRef idx="2">
+            <a:schemeClr val="accent1">
+              <a:shade val="50000"/>
+            </a:schemeClr>
+          </a:lnRef>
+          <a:fillRef idx="1">
+            <a:schemeClr val="accent1"/>
+          </a:fillRef>
+          <a:effectRef idx="0">
+            <a:schemeClr val="accent1"/>
+          </a:effectRef>
+          <a:fontRef idx="minor">
+            <a:schemeClr val="lt1"/>
+          </a:fontRef>
+        </p:style>
+        <p:txBody>
+          <a:bodyPr rtlCol="0" anchor="ctr"/>
+          <a:lstStyle/>
+          <a:p>
+            <a:pPr algn="ctr"/>
+            <a:endParaRPr lang="ko-KR" altLang="en-US" sz="1500">
+              <a:solidFill>
+                <a:schemeClr val="tx1"/>
+              </a:solidFill>
+            </a:endParaRPr>
+          </a:p>
+        </p:txBody>
+      </p:sp>
+      <p:sp>
+        <p:nvSpPr>
+          <p:cNvPr id="35" name="타원 34"/>
+          <p:cNvSpPr/>
+          <p:nvPr/>
+        </p:nvSpPr>
+        <p:spPr>
+          <a:xfrm>
+            <a:off x="716569" y="2156620"/>
+            <a:ext cx="1352550" cy="1381125"/>
+          </a:xfrm>
+          <a:prstGeom prst="ellipse">
+            <a:avLst/>
+          </a:prstGeom>
+          <a:solidFill>
+            <a:schemeClr val="bg1"/>
+          </a:solidFill>
+          <a:ln>
+            <a:solidFill>
+              <a:schemeClr val="tx1"/>
+            </a:solidFill>
+          </a:ln>
+        </p:spPr>
+        <p:style>
+          <a:lnRef idx="2">
+            <a:schemeClr val="accent1">
+              <a:shade val="50000"/>
+            </a:schemeClr>
+          </a:lnRef>
+          <a:fillRef idx="1">
+            <a:schemeClr val="accent1"/>
+          </a:fillRef>
+          <a:effectRef idx="0">
+            <a:schemeClr val="accent1"/>
+          </a:effectRef>
+          <a:fontRef idx="minor">
+            <a:schemeClr val="lt1"/>
+          </a:fontRef>
+        </p:style>
+        <p:txBody>
+          <a:bodyPr rtlCol="0" anchor="ctr"/>
+          <a:lstStyle/>
+          <a:p>
+            <a:pPr algn="ctr"/>
+            <a:endParaRPr lang="ko-KR" altLang="en-US">
+              <a:ln>
+                <a:solidFill>
+                  <a:sysClr val="windowText" lastClr="000000"/>
+                </a:solidFill>
+              </a:ln>
+            </a:endParaRPr>
+          </a:p>
+        </p:txBody>
+      </p:sp>
+      <p:sp>
+        <p:nvSpPr>
+          <p:cNvPr id="90" name="TextBox 89"/>
+          <p:cNvSpPr txBox="1"/>
+          <p:nvPr/>
+        </p:nvSpPr>
+        <p:spPr>
+          <a:xfrm>
+            <a:off x="699755" y="3685613"/>
+            <a:ext cx="1369364" cy="246221"/>
+          </a:xfrm>
+          <a:prstGeom prst="rect">
+            <a:avLst/>
+          </a:prstGeom>
+          <a:noFill/>
+          <a:ln>
+            <a:solidFill>
+              <a:schemeClr val="tx1"/>
+            </a:solidFill>
+          </a:ln>
+        </p:spPr>
+        <p:txBody>
+          <a:bodyPr wrap="square" rtlCol="0">
+            <a:spAutoFit/>
+          </a:bodyPr>
+          <a:lstStyle/>
+          <a:p>
+            <a:pPr algn="ctr"/>
+            <a:r>
+              <a:rPr lang="ko-KR" altLang="en-US" sz="1000" dirty="0" smtClean="0"/>
+              <a:t>프로필 사진 등록</a:t>
+            </a:r>
+            <a:endParaRPr lang="ko-KR" altLang="en-US" sz="1000" dirty="0"/>
+          </a:p>
+        </p:txBody>
+      </p:sp>
+      <p:sp>
+        <p:nvSpPr>
+          <p:cNvPr id="2" name="직사각형 1"/>
+          <p:cNvSpPr/>
+          <p:nvPr/>
+        </p:nvSpPr>
+        <p:spPr>
+          <a:xfrm>
+            <a:off x="2433305" y="2725935"/>
+            <a:ext cx="1394538" cy="247650"/>
+          </a:xfrm>
+          <a:prstGeom prst="rect">
+            <a:avLst/>
+          </a:prstGeom>
+          <a:solidFill>
+            <a:schemeClr val="bg1"/>
+          </a:solidFill>
+          <a:ln>
+            <a:solidFill>
+              <a:schemeClr val="tx1"/>
+            </a:solidFill>
+          </a:ln>
+        </p:spPr>
+        <p:style>
+          <a:lnRef idx="2">
+            <a:schemeClr val="accent1">
+              <a:shade val="50000"/>
+            </a:schemeClr>
+          </a:lnRef>
+          <a:fillRef idx="1">
+            <a:schemeClr val="accent1"/>
+          </a:fillRef>
+          <a:effectRef idx="0">
+            <a:schemeClr val="accent1"/>
+          </a:effectRef>
+          <a:fontRef idx="minor">
+            <a:schemeClr val="lt1"/>
+          </a:fontRef>
+        </p:style>
+        <p:txBody>
+          <a:bodyPr rtlCol="0" anchor="ctr"/>
+          <a:lstStyle/>
+          <a:p>
+            <a:pPr algn="ctr"/>
+            <a:r>
+              <a:rPr lang="ko-KR" altLang="en-US" sz="1000" dirty="0" err="1" smtClean="0">
+                <a:solidFill>
+                  <a:sysClr val="windowText" lastClr="000000"/>
+                </a:solidFill>
+              </a:rPr>
+              <a:t>이메일</a:t>
+            </a:r>
+            <a:endParaRPr lang="ko-KR" altLang="en-US" sz="1000" dirty="0">
+              <a:solidFill>
+                <a:sysClr val="windowText" lastClr="000000"/>
+              </a:solidFill>
+            </a:endParaRPr>
+          </a:p>
+        </p:txBody>
+      </p:sp>
+      <p:sp>
+        <p:nvSpPr>
+          <p:cNvPr id="12" name="직사각형 11"/>
+          <p:cNvSpPr/>
+          <p:nvPr/>
+        </p:nvSpPr>
+        <p:spPr>
+          <a:xfrm>
+            <a:off x="2433305" y="3045090"/>
+            <a:ext cx="1394538" cy="247650"/>
+          </a:xfrm>
+          <a:prstGeom prst="rect">
+            <a:avLst/>
+          </a:prstGeom>
+          <a:solidFill>
+            <a:schemeClr val="bg1"/>
+          </a:solidFill>
+          <a:ln>
+            <a:solidFill>
+              <a:schemeClr val="tx1"/>
+            </a:solidFill>
+          </a:ln>
+        </p:spPr>
+        <p:style>
+          <a:lnRef idx="2">
+            <a:schemeClr val="accent1">
+              <a:shade val="50000"/>
+            </a:schemeClr>
+          </a:lnRef>
+          <a:fillRef idx="1">
+            <a:schemeClr val="accent1"/>
+          </a:fillRef>
+          <a:effectRef idx="0">
+            <a:schemeClr val="accent1"/>
+          </a:effectRef>
+          <a:fontRef idx="minor">
+            <a:schemeClr val="lt1"/>
+          </a:fontRef>
+        </p:style>
+        <p:txBody>
+          <a:bodyPr rtlCol="0" anchor="ctr"/>
+          <a:lstStyle/>
+          <a:p>
+            <a:pPr algn="ctr"/>
+            <a:r>
+              <a:rPr lang="ko-KR" altLang="en-US" sz="1000" dirty="0" smtClean="0">
+                <a:solidFill>
+                  <a:sysClr val="windowText" lastClr="000000"/>
+                </a:solidFill>
+              </a:rPr>
+              <a:t>비밀번호</a:t>
+            </a:r>
+            <a:endParaRPr lang="ko-KR" altLang="en-US" sz="1000" dirty="0">
+              <a:solidFill>
+                <a:sysClr val="windowText" lastClr="000000"/>
+              </a:solidFill>
+            </a:endParaRPr>
+          </a:p>
+        </p:txBody>
+      </p:sp>
+      <p:sp>
+        <p:nvSpPr>
+          <p:cNvPr id="13" name="직사각형 12"/>
+          <p:cNvSpPr/>
+          <p:nvPr/>
+        </p:nvSpPr>
+        <p:spPr>
+          <a:xfrm>
+            <a:off x="2433305" y="3365778"/>
+            <a:ext cx="1394538" cy="247650"/>
+          </a:xfrm>
+          <a:prstGeom prst="rect">
+            <a:avLst/>
+          </a:prstGeom>
+          <a:solidFill>
+            <a:schemeClr val="bg1"/>
+          </a:solidFill>
+          <a:ln>
+            <a:solidFill>
+              <a:schemeClr val="tx1"/>
+            </a:solidFill>
+          </a:ln>
+        </p:spPr>
+        <p:style>
+          <a:lnRef idx="2">
+            <a:schemeClr val="accent1">
+              <a:shade val="50000"/>
+            </a:schemeClr>
+          </a:lnRef>
+          <a:fillRef idx="1">
+            <a:schemeClr val="accent1"/>
+          </a:fillRef>
+          <a:effectRef idx="0">
+            <a:schemeClr val="accent1"/>
+          </a:effectRef>
+          <a:fontRef idx="minor">
+            <a:schemeClr val="lt1"/>
+          </a:fontRef>
+        </p:style>
+        <p:txBody>
+          <a:bodyPr rtlCol="0" anchor="ctr"/>
+          <a:lstStyle/>
+          <a:p>
+            <a:pPr algn="ctr"/>
+            <a:r>
+              <a:rPr lang="ko-KR" altLang="en-US" sz="1000" smtClean="0">
+                <a:solidFill>
+                  <a:sysClr val="windowText" lastClr="000000"/>
+                </a:solidFill>
+              </a:rPr>
+              <a:t>비밀번호 확인</a:t>
+            </a:r>
+            <a:endParaRPr lang="ko-KR" altLang="en-US" sz="1000" dirty="0">
+              <a:solidFill>
+                <a:sysClr val="windowText" lastClr="000000"/>
+              </a:solidFill>
+            </a:endParaRPr>
+          </a:p>
+        </p:txBody>
+      </p:sp>
+      <p:sp>
+        <p:nvSpPr>
+          <p:cNvPr id="17" name="직사각형 16"/>
+          <p:cNvSpPr/>
+          <p:nvPr/>
+        </p:nvSpPr>
+        <p:spPr>
+          <a:xfrm>
+            <a:off x="2433305" y="3687960"/>
+            <a:ext cx="1394538" cy="247650"/>
+          </a:xfrm>
+          <a:prstGeom prst="rect">
+            <a:avLst/>
+          </a:prstGeom>
+          <a:solidFill>
+            <a:schemeClr val="bg1"/>
+          </a:solidFill>
+          <a:ln>
+            <a:solidFill>
+              <a:schemeClr val="tx1"/>
+            </a:solidFill>
+          </a:ln>
+        </p:spPr>
+        <p:style>
+          <a:lnRef idx="2">
+            <a:schemeClr val="accent1">
+              <a:shade val="50000"/>
+            </a:schemeClr>
+          </a:lnRef>
+          <a:fillRef idx="1">
+            <a:schemeClr val="accent1"/>
+          </a:fillRef>
+          <a:effectRef idx="0">
+            <a:schemeClr val="accent1"/>
+          </a:effectRef>
+          <a:fontRef idx="minor">
+            <a:schemeClr val="lt1"/>
+          </a:fontRef>
+        </p:style>
+        <p:txBody>
+          <a:bodyPr rtlCol="0" anchor="ctr"/>
+          <a:lstStyle/>
+          <a:p>
+            <a:pPr algn="ctr"/>
+            <a:r>
+              <a:rPr lang="ko-KR" altLang="en-US" sz="1000" dirty="0" smtClean="0">
+                <a:solidFill>
+                  <a:sysClr val="windowText" lastClr="000000"/>
+                </a:solidFill>
+              </a:rPr>
+              <a:t>이름</a:t>
+            </a:r>
+            <a:endParaRPr lang="ko-KR" altLang="en-US" sz="1000" dirty="0">
+              <a:solidFill>
+                <a:sysClr val="windowText" lastClr="000000"/>
+              </a:solidFill>
+            </a:endParaRPr>
+          </a:p>
+        </p:txBody>
+      </p:sp>
+      <p:sp>
+        <p:nvSpPr>
+          <p:cNvPr id="18" name="직사각형 17"/>
+          <p:cNvSpPr/>
+          <p:nvPr/>
+        </p:nvSpPr>
+        <p:spPr>
+          <a:xfrm>
+            <a:off x="2433305" y="4643417"/>
+            <a:ext cx="1394538" cy="247650"/>
+          </a:xfrm>
+          <a:prstGeom prst="rect">
+            <a:avLst/>
+          </a:prstGeom>
+          <a:solidFill>
+            <a:schemeClr val="bg1"/>
+          </a:solidFill>
+          <a:ln>
+            <a:solidFill>
+              <a:schemeClr val="tx1"/>
+            </a:solidFill>
+          </a:ln>
+        </p:spPr>
+        <p:style>
+          <a:lnRef idx="2">
+            <a:schemeClr val="accent1">
+              <a:shade val="50000"/>
+            </a:schemeClr>
+          </a:lnRef>
+          <a:fillRef idx="1">
+            <a:schemeClr val="accent1"/>
+          </a:fillRef>
+          <a:effectRef idx="0">
+            <a:schemeClr val="accent1"/>
+          </a:effectRef>
+          <a:fontRef idx="minor">
+            <a:schemeClr val="lt1"/>
+          </a:fontRef>
+        </p:style>
+        <p:txBody>
+          <a:bodyPr rtlCol="0" anchor="ctr"/>
+          <a:lstStyle/>
+          <a:p>
+            <a:pPr algn="ctr"/>
+            <a:r>
+              <a:rPr lang="ko-KR" altLang="en-US" sz="1000" smtClean="0">
+                <a:solidFill>
+                  <a:sysClr val="windowText" lastClr="000000"/>
+                </a:solidFill>
+              </a:rPr>
+              <a:t>핸드폰번호</a:t>
+            </a:r>
+            <a:endParaRPr lang="ko-KR" altLang="en-US" sz="1000" dirty="0">
+              <a:solidFill>
+                <a:sysClr val="windowText" lastClr="000000"/>
+              </a:solidFill>
+            </a:endParaRPr>
+          </a:p>
+        </p:txBody>
+      </p:sp>
+      <p:sp>
+        <p:nvSpPr>
+          <p:cNvPr id="19" name="직사각형 18"/>
+          <p:cNvSpPr/>
+          <p:nvPr/>
+        </p:nvSpPr>
+        <p:spPr>
+          <a:xfrm>
+            <a:off x="2433305" y="4007411"/>
+            <a:ext cx="1394538" cy="247650"/>
+          </a:xfrm>
+          <a:prstGeom prst="rect">
+            <a:avLst/>
+          </a:prstGeom>
+          <a:solidFill>
+            <a:schemeClr val="bg1"/>
+          </a:solidFill>
+          <a:ln>
+            <a:solidFill>
+              <a:schemeClr val="tx1"/>
+            </a:solidFill>
+          </a:ln>
+        </p:spPr>
+        <p:style>
+          <a:lnRef idx="2">
+            <a:schemeClr val="accent1">
+              <a:shade val="50000"/>
+            </a:schemeClr>
+          </a:lnRef>
+          <a:fillRef idx="1">
+            <a:schemeClr val="accent1"/>
+          </a:fillRef>
+          <a:effectRef idx="0">
+            <a:schemeClr val="accent1"/>
+          </a:effectRef>
+          <a:fontRef idx="minor">
+            <a:schemeClr val="lt1"/>
+          </a:fontRef>
+        </p:style>
+        <p:txBody>
+          <a:bodyPr rtlCol="0" anchor="ctr"/>
+          <a:lstStyle/>
+          <a:p>
+            <a:pPr algn="ctr"/>
+            <a:r>
+              <a:rPr lang="ko-KR" altLang="en-US" sz="1000" smtClean="0">
+                <a:solidFill>
+                  <a:sysClr val="windowText" lastClr="000000"/>
+                </a:solidFill>
+              </a:rPr>
+              <a:t>생년월일</a:t>
+            </a:r>
+            <a:endParaRPr lang="ko-KR" altLang="en-US" sz="1000" dirty="0">
+              <a:solidFill>
+                <a:sysClr val="windowText" lastClr="000000"/>
+              </a:solidFill>
+            </a:endParaRPr>
+          </a:p>
+        </p:txBody>
+      </p:sp>
+      <p:sp>
+        <p:nvSpPr>
+          <p:cNvPr id="3" name="직사각형 2"/>
+          <p:cNvSpPr/>
+          <p:nvPr/>
+        </p:nvSpPr>
+        <p:spPr>
+          <a:xfrm>
+            <a:off x="4062080" y="2725419"/>
+            <a:ext cx="2171700" cy="239634"/>
+          </a:xfrm>
+          <a:prstGeom prst="rect">
+            <a:avLst/>
+          </a:prstGeom>
+          <a:solidFill>
+            <a:schemeClr val="bg1"/>
+          </a:solidFill>
+          <a:ln>
+            <a:solidFill>
+              <a:schemeClr val="tx1"/>
+            </a:solidFill>
+          </a:ln>
+        </p:spPr>
+        <p:style>
+          <a:lnRef idx="2">
+            <a:schemeClr val="accent1">
+              <a:shade val="50000"/>
+            </a:schemeClr>
+          </a:lnRef>
+          <a:fillRef idx="1">
+            <a:schemeClr val="accent1"/>
+          </a:fillRef>
+          <a:effectRef idx="0">
+            <a:schemeClr val="accent1"/>
+          </a:effectRef>
+          <a:fontRef idx="minor">
+            <a:schemeClr val="lt1"/>
+          </a:fontRef>
+        </p:style>
+        <p:txBody>
+          <a:bodyPr rtlCol="0" anchor="ctr"/>
+          <a:lstStyle/>
+          <a:p>
+            <a:pPr algn="ctr"/>
+            <a:endParaRPr lang="ko-KR" altLang="en-US"/>
+          </a:p>
+        </p:txBody>
+      </p:sp>
+      <p:sp>
+        <p:nvSpPr>
+          <p:cNvPr id="20" name="직사각형 19"/>
+          <p:cNvSpPr/>
+          <p:nvPr/>
+        </p:nvSpPr>
+        <p:spPr>
+          <a:xfrm>
+            <a:off x="4062080" y="3049098"/>
+            <a:ext cx="2171700" cy="239634"/>
+          </a:xfrm>
+          <a:prstGeom prst="rect">
+            <a:avLst/>
+          </a:prstGeom>
+          <a:solidFill>
+            <a:schemeClr val="bg1"/>
+          </a:solidFill>
+          <a:ln>
+            <a:solidFill>
+              <a:schemeClr val="tx1"/>
+            </a:solidFill>
+          </a:ln>
+        </p:spPr>
+        <p:style>
+          <a:lnRef idx="2">
+            <a:schemeClr val="accent1">
+              <a:shade val="50000"/>
+            </a:schemeClr>
+          </a:lnRef>
+          <a:fillRef idx="1">
+            <a:schemeClr val="accent1"/>
+          </a:fillRef>
+          <a:effectRef idx="0">
+            <a:schemeClr val="accent1"/>
+          </a:effectRef>
+          <a:fontRef idx="minor">
+            <a:schemeClr val="lt1"/>
+          </a:fontRef>
+        </p:style>
+        <p:txBody>
+          <a:bodyPr rtlCol="0" anchor="ctr"/>
+          <a:lstStyle/>
+          <a:p>
+            <a:pPr algn="ctr"/>
+            <a:endParaRPr lang="ko-KR" altLang="en-US"/>
+          </a:p>
+        </p:txBody>
+      </p:sp>
+      <p:sp>
+        <p:nvSpPr>
+          <p:cNvPr id="21" name="직사각형 20"/>
+          <p:cNvSpPr/>
+          <p:nvPr/>
+        </p:nvSpPr>
+        <p:spPr>
+          <a:xfrm>
+            <a:off x="4062080" y="3365778"/>
+            <a:ext cx="2171700" cy="239634"/>
+          </a:xfrm>
+          <a:prstGeom prst="rect">
+            <a:avLst/>
+          </a:prstGeom>
+          <a:solidFill>
+            <a:schemeClr val="bg1"/>
+          </a:solidFill>
+          <a:ln>
+            <a:solidFill>
+              <a:schemeClr val="tx1"/>
+            </a:solidFill>
+          </a:ln>
+        </p:spPr>
+        <p:style>
+          <a:lnRef idx="2">
+            <a:schemeClr val="accent1">
+              <a:shade val="50000"/>
+            </a:schemeClr>
+          </a:lnRef>
+          <a:fillRef idx="1">
+            <a:schemeClr val="accent1"/>
+          </a:fillRef>
+          <a:effectRef idx="0">
+            <a:schemeClr val="accent1"/>
+          </a:effectRef>
+          <a:fontRef idx="minor">
+            <a:schemeClr val="lt1"/>
+          </a:fontRef>
+        </p:style>
+        <p:txBody>
+          <a:bodyPr rtlCol="0" anchor="ctr"/>
+          <a:lstStyle/>
+          <a:p>
+            <a:pPr algn="ctr"/>
+            <a:endParaRPr lang="ko-KR" altLang="en-US"/>
+          </a:p>
+        </p:txBody>
+      </p:sp>
+      <p:sp>
+        <p:nvSpPr>
+          <p:cNvPr id="22" name="직사각형 21"/>
+          <p:cNvSpPr/>
+          <p:nvPr/>
+        </p:nvSpPr>
+        <p:spPr>
+          <a:xfrm>
+            <a:off x="4062080" y="3691968"/>
+            <a:ext cx="2171700" cy="239634"/>
+          </a:xfrm>
+          <a:prstGeom prst="rect">
+            <a:avLst/>
+          </a:prstGeom>
+          <a:solidFill>
+            <a:schemeClr val="bg1"/>
+          </a:solidFill>
+          <a:ln>
+            <a:solidFill>
+              <a:schemeClr val="tx1"/>
+            </a:solidFill>
+          </a:ln>
+        </p:spPr>
+        <p:style>
+          <a:lnRef idx="2">
+            <a:schemeClr val="accent1">
+              <a:shade val="50000"/>
+            </a:schemeClr>
+          </a:lnRef>
+          <a:fillRef idx="1">
+            <a:schemeClr val="accent1"/>
+          </a:fillRef>
+          <a:effectRef idx="0">
+            <a:schemeClr val="accent1"/>
+          </a:effectRef>
+          <a:fontRef idx="minor">
+            <a:schemeClr val="lt1"/>
+          </a:fontRef>
+        </p:style>
+        <p:txBody>
+          <a:bodyPr rtlCol="0" anchor="ctr"/>
+          <a:lstStyle/>
+          <a:p>
+            <a:pPr algn="ctr"/>
+            <a:endParaRPr lang="ko-KR" altLang="en-US"/>
+          </a:p>
+        </p:txBody>
+      </p:sp>
+      <p:sp>
+        <p:nvSpPr>
+          <p:cNvPr id="23" name="직사각형 22"/>
+          <p:cNvSpPr/>
+          <p:nvPr/>
+        </p:nvSpPr>
+        <p:spPr>
+          <a:xfrm>
+            <a:off x="4062080" y="4637100"/>
+            <a:ext cx="2171700" cy="239634"/>
+          </a:xfrm>
+          <a:prstGeom prst="rect">
+            <a:avLst/>
+          </a:prstGeom>
+          <a:solidFill>
+            <a:schemeClr val="bg1"/>
+          </a:solidFill>
+          <a:ln>
+            <a:solidFill>
+              <a:schemeClr val="tx1"/>
+            </a:solidFill>
+          </a:ln>
+        </p:spPr>
+        <p:style>
+          <a:lnRef idx="2">
+            <a:schemeClr val="accent1">
+              <a:shade val="50000"/>
+            </a:schemeClr>
+          </a:lnRef>
+          <a:fillRef idx="1">
+            <a:schemeClr val="accent1"/>
+          </a:fillRef>
+          <a:effectRef idx="0">
+            <a:schemeClr val="accent1"/>
+          </a:effectRef>
+          <a:fontRef idx="minor">
+            <a:schemeClr val="lt1"/>
+          </a:fontRef>
+        </p:style>
+        <p:txBody>
+          <a:bodyPr rtlCol="0" anchor="ctr"/>
+          <a:lstStyle/>
+          <a:p>
+            <a:pPr algn="ctr"/>
+            <a:endParaRPr lang="ko-KR" altLang="en-US"/>
+          </a:p>
+        </p:txBody>
+      </p:sp>
+      <p:sp>
+        <p:nvSpPr>
+          <p:cNvPr id="24" name="직사각형 23"/>
+          <p:cNvSpPr/>
+          <p:nvPr/>
+        </p:nvSpPr>
+        <p:spPr>
+          <a:xfrm>
+            <a:off x="6447991" y="2715056"/>
+            <a:ext cx="1052614" cy="247650"/>
+          </a:xfrm>
+          <a:prstGeom prst="rect">
+            <a:avLst/>
+          </a:prstGeom>
+          <a:solidFill>
+            <a:schemeClr val="bg1"/>
+          </a:solidFill>
+          <a:ln>
+            <a:solidFill>
+              <a:schemeClr val="tx1"/>
+            </a:solidFill>
+          </a:ln>
+        </p:spPr>
+        <p:style>
+          <a:lnRef idx="2">
+            <a:schemeClr val="accent1">
+              <a:shade val="50000"/>
+            </a:schemeClr>
+          </a:lnRef>
+          <a:fillRef idx="1">
+            <a:schemeClr val="accent1"/>
+          </a:fillRef>
+          <a:effectRef idx="0">
+            <a:schemeClr val="accent1"/>
+          </a:effectRef>
+          <a:fontRef idx="minor">
+            <a:schemeClr val="lt1"/>
+          </a:fontRef>
+        </p:style>
+        <p:txBody>
+          <a:bodyPr rtlCol="0" anchor="ctr"/>
+          <a:lstStyle/>
+          <a:p>
+            <a:pPr algn="ctr"/>
+            <a:r>
+              <a:rPr lang="ko-KR" altLang="en-US" sz="1000" dirty="0" smtClean="0">
+                <a:solidFill>
+                  <a:sysClr val="windowText" lastClr="000000"/>
+                </a:solidFill>
+              </a:rPr>
+              <a:t>중복확인</a:t>
+            </a:r>
+            <a:endParaRPr lang="ko-KR" altLang="en-US" sz="1000" dirty="0">
+              <a:solidFill>
+                <a:sysClr val="windowText" lastClr="000000"/>
+              </a:solidFill>
+            </a:endParaRPr>
+          </a:p>
+        </p:txBody>
+      </p:sp>
+      <p:sp>
+        <p:nvSpPr>
+          <p:cNvPr id="25" name="직사각형 24"/>
+          <p:cNvSpPr/>
+          <p:nvPr/>
+        </p:nvSpPr>
+        <p:spPr>
+          <a:xfrm>
+            <a:off x="6447991" y="4643417"/>
+            <a:ext cx="1052614" cy="247650"/>
+          </a:xfrm>
+          <a:prstGeom prst="rect">
+            <a:avLst/>
+          </a:prstGeom>
+          <a:solidFill>
+            <a:schemeClr val="bg1"/>
+          </a:solidFill>
+          <a:ln>
+            <a:solidFill>
+              <a:schemeClr val="tx1"/>
+            </a:solidFill>
+          </a:ln>
+        </p:spPr>
+        <p:style>
+          <a:lnRef idx="2">
+            <a:schemeClr val="accent1">
+              <a:shade val="50000"/>
+            </a:schemeClr>
+          </a:lnRef>
+          <a:fillRef idx="1">
+            <a:schemeClr val="accent1"/>
+          </a:fillRef>
+          <a:effectRef idx="0">
+            <a:schemeClr val="accent1"/>
+          </a:effectRef>
+          <a:fontRef idx="minor">
+            <a:schemeClr val="lt1"/>
+          </a:fontRef>
+        </p:style>
+        <p:txBody>
+          <a:bodyPr rtlCol="0" anchor="ctr"/>
+          <a:lstStyle/>
+          <a:p>
+            <a:pPr algn="ctr"/>
+            <a:r>
+              <a:rPr lang="ko-KR" altLang="en-US" sz="1000" dirty="0" err="1" smtClean="0">
+                <a:solidFill>
+                  <a:sysClr val="windowText" lastClr="000000"/>
+                </a:solidFill>
+              </a:rPr>
+              <a:t>인증번호받기</a:t>
+            </a:r>
+            <a:endParaRPr lang="ko-KR" altLang="en-US" sz="1000" dirty="0">
+              <a:solidFill>
+                <a:sysClr val="windowText" lastClr="000000"/>
+              </a:solidFill>
+            </a:endParaRPr>
+          </a:p>
+        </p:txBody>
+      </p:sp>
+      <p:sp>
+        <p:nvSpPr>
+          <p:cNvPr id="26" name="직사각형 25"/>
+          <p:cNvSpPr/>
+          <p:nvPr/>
+        </p:nvSpPr>
+        <p:spPr>
+          <a:xfrm>
+            <a:off x="4062080" y="4005002"/>
+            <a:ext cx="2171700" cy="239634"/>
+          </a:xfrm>
+          <a:prstGeom prst="rect">
+            <a:avLst/>
+          </a:prstGeom>
+          <a:solidFill>
+            <a:schemeClr val="bg1"/>
+          </a:solidFill>
+          <a:ln>
+            <a:solidFill>
+              <a:schemeClr val="tx1"/>
+            </a:solidFill>
+          </a:ln>
+        </p:spPr>
+        <p:style>
+          <a:lnRef idx="2">
+            <a:schemeClr val="accent1">
+              <a:shade val="50000"/>
+            </a:schemeClr>
+          </a:lnRef>
+          <a:fillRef idx="1">
+            <a:schemeClr val="accent1"/>
+          </a:fillRef>
+          <a:effectRef idx="0">
+            <a:schemeClr val="accent1"/>
+          </a:effectRef>
+          <a:fontRef idx="minor">
+            <a:schemeClr val="lt1"/>
+          </a:fontRef>
+        </p:style>
+        <p:txBody>
+          <a:bodyPr rtlCol="0" anchor="ctr"/>
+          <a:lstStyle/>
+          <a:p>
+            <a:pPr algn="ctr"/>
+            <a:endParaRPr lang="ko-KR" altLang="en-US"/>
+          </a:p>
+        </p:txBody>
+      </p:sp>
+      <p:sp>
+        <p:nvSpPr>
+          <p:cNvPr id="27" name="직사각형 26"/>
+          <p:cNvSpPr/>
+          <p:nvPr/>
+        </p:nvSpPr>
+        <p:spPr>
+          <a:xfrm>
+            <a:off x="2433305" y="4326862"/>
+            <a:ext cx="1394538" cy="247650"/>
+          </a:xfrm>
+          <a:prstGeom prst="rect">
+            <a:avLst/>
+          </a:prstGeom>
+          <a:solidFill>
+            <a:schemeClr val="bg1"/>
+          </a:solidFill>
+          <a:ln>
+            <a:solidFill>
+              <a:schemeClr val="tx1"/>
+            </a:solidFill>
+          </a:ln>
+        </p:spPr>
+        <p:style>
+          <a:lnRef idx="2">
+            <a:schemeClr val="accent1">
+              <a:shade val="50000"/>
+            </a:schemeClr>
+          </a:lnRef>
+          <a:fillRef idx="1">
+            <a:schemeClr val="accent1"/>
+          </a:fillRef>
+          <a:effectRef idx="0">
+            <a:schemeClr val="accent1"/>
+          </a:effectRef>
+          <a:fontRef idx="minor">
+            <a:schemeClr val="lt1"/>
+          </a:fontRef>
+        </p:style>
+        <p:txBody>
+          <a:bodyPr rtlCol="0" anchor="ctr"/>
+          <a:lstStyle/>
+          <a:p>
+            <a:pPr algn="ctr"/>
+            <a:r>
+              <a:rPr lang="ko-KR" altLang="en-US" sz="1000" dirty="0" smtClean="0">
+                <a:solidFill>
+                  <a:sysClr val="windowText" lastClr="000000"/>
+                </a:solidFill>
+              </a:rPr>
+              <a:t>성별</a:t>
+            </a:r>
+            <a:endParaRPr lang="ko-KR" altLang="en-US" sz="1000" dirty="0">
+              <a:solidFill>
+                <a:sysClr val="windowText" lastClr="000000"/>
+              </a:solidFill>
+            </a:endParaRPr>
+          </a:p>
+        </p:txBody>
+      </p:sp>
+      <p:sp>
+        <p:nvSpPr>
+          <p:cNvPr id="30" name="직사각형 29"/>
+          <p:cNvSpPr/>
+          <p:nvPr/>
+        </p:nvSpPr>
+        <p:spPr>
+          <a:xfrm>
+            <a:off x="4266724" y="4318036"/>
+            <a:ext cx="676817" cy="234495"/>
+          </a:xfrm>
+          <a:prstGeom prst="rect">
+            <a:avLst/>
+          </a:prstGeom>
+          <a:solidFill>
+            <a:schemeClr val="bg1"/>
+          </a:solidFill>
+          <a:ln>
+            <a:solidFill>
+              <a:schemeClr val="tx1"/>
+            </a:solidFill>
+          </a:ln>
+        </p:spPr>
+        <p:style>
+          <a:lnRef idx="2">
+            <a:schemeClr val="accent1">
+              <a:shade val="50000"/>
+            </a:schemeClr>
+          </a:lnRef>
+          <a:fillRef idx="1">
+            <a:schemeClr val="accent1"/>
+          </a:fillRef>
+          <a:effectRef idx="0">
+            <a:schemeClr val="accent1"/>
+          </a:effectRef>
+          <a:fontRef idx="minor">
+            <a:schemeClr val="lt1"/>
+          </a:fontRef>
+        </p:style>
+        <p:txBody>
+          <a:bodyPr rtlCol="0" anchor="ctr"/>
+          <a:lstStyle/>
+          <a:p>
+            <a:pPr algn="ctr"/>
+            <a:r>
+              <a:rPr lang="ko-KR" altLang="en-US" sz="1000" dirty="0" smtClean="0">
+                <a:solidFill>
+                  <a:sysClr val="windowText" lastClr="000000"/>
+                </a:solidFill>
+              </a:rPr>
+              <a:t>남성</a:t>
+            </a:r>
+            <a:endParaRPr lang="ko-KR" altLang="en-US" sz="1000" dirty="0">
+              <a:solidFill>
+                <a:sysClr val="windowText" lastClr="000000"/>
+              </a:solidFill>
+            </a:endParaRPr>
+          </a:p>
+        </p:txBody>
+      </p:sp>
+      <p:sp>
+        <p:nvSpPr>
+          <p:cNvPr id="32" name="직사각형 31"/>
+          <p:cNvSpPr/>
+          <p:nvPr/>
+        </p:nvSpPr>
+        <p:spPr>
+          <a:xfrm>
+            <a:off x="5459280" y="4311458"/>
+            <a:ext cx="676817" cy="247650"/>
+          </a:xfrm>
+          <a:prstGeom prst="rect">
+            <a:avLst/>
+          </a:prstGeom>
+          <a:solidFill>
+            <a:schemeClr val="bg1"/>
+          </a:solidFill>
+          <a:ln>
+            <a:solidFill>
+              <a:schemeClr val="tx1"/>
+            </a:solidFill>
+          </a:ln>
+        </p:spPr>
+        <p:style>
+          <a:lnRef idx="2">
+            <a:schemeClr val="accent1">
+              <a:shade val="50000"/>
+            </a:schemeClr>
+          </a:lnRef>
+          <a:fillRef idx="1">
+            <a:schemeClr val="accent1"/>
+          </a:fillRef>
+          <a:effectRef idx="0">
+            <a:schemeClr val="accent1"/>
+          </a:effectRef>
+          <a:fontRef idx="minor">
+            <a:schemeClr val="lt1"/>
+          </a:fontRef>
+        </p:style>
+        <p:txBody>
+          <a:bodyPr rtlCol="0" anchor="ctr"/>
+          <a:lstStyle/>
+          <a:p>
+            <a:pPr algn="ctr"/>
+            <a:r>
+              <a:rPr lang="ko-KR" altLang="en-US" sz="1000" dirty="0" smtClean="0">
+                <a:solidFill>
+                  <a:sysClr val="windowText" lastClr="000000"/>
+                </a:solidFill>
+              </a:rPr>
+              <a:t>여성</a:t>
+            </a:r>
+            <a:endParaRPr lang="ko-KR" altLang="en-US" sz="1000" dirty="0">
+              <a:solidFill>
+                <a:sysClr val="windowText" lastClr="000000"/>
+              </a:solidFill>
+            </a:endParaRPr>
+          </a:p>
+        </p:txBody>
+      </p:sp>
+      <p:sp>
+        <p:nvSpPr>
+          <p:cNvPr id="34" name="직사각형 33"/>
+          <p:cNvSpPr/>
+          <p:nvPr/>
+        </p:nvSpPr>
+        <p:spPr>
+          <a:xfrm>
+            <a:off x="2433305" y="2398544"/>
+            <a:ext cx="1394538" cy="247650"/>
+          </a:xfrm>
+          <a:prstGeom prst="rect">
+            <a:avLst/>
+          </a:prstGeom>
+          <a:solidFill>
+            <a:schemeClr val="bg1"/>
+          </a:solidFill>
+          <a:ln>
+            <a:solidFill>
+              <a:schemeClr val="tx1"/>
+            </a:solidFill>
+          </a:ln>
+        </p:spPr>
+        <p:style>
+          <a:lnRef idx="2">
+            <a:schemeClr val="accent1">
+              <a:shade val="50000"/>
+            </a:schemeClr>
+          </a:lnRef>
+          <a:fillRef idx="1">
+            <a:schemeClr val="accent1"/>
+          </a:fillRef>
+          <a:effectRef idx="0">
+            <a:schemeClr val="accent1"/>
+          </a:effectRef>
+          <a:fontRef idx="minor">
+            <a:schemeClr val="lt1"/>
+          </a:fontRef>
+        </p:style>
+        <p:txBody>
+          <a:bodyPr rtlCol="0" anchor="ctr"/>
+          <a:lstStyle/>
+          <a:p>
+            <a:pPr algn="ctr"/>
+            <a:r>
+              <a:rPr lang="ko-KR" altLang="en-US" sz="1000" smtClean="0">
+                <a:solidFill>
+                  <a:sysClr val="windowText" lastClr="000000"/>
+                </a:solidFill>
+              </a:rPr>
+              <a:t>회원구분</a:t>
+            </a:r>
+            <a:endParaRPr lang="ko-KR" altLang="en-US" sz="1000" dirty="0">
+              <a:solidFill>
+                <a:sysClr val="windowText" lastClr="000000"/>
+              </a:solidFill>
+            </a:endParaRPr>
+          </a:p>
+        </p:txBody>
+      </p:sp>
+      <p:sp>
+        <p:nvSpPr>
+          <p:cNvPr id="4" name="타원 3"/>
+          <p:cNvSpPr/>
+          <p:nvPr/>
+        </p:nvSpPr>
+        <p:spPr>
+          <a:xfrm>
+            <a:off x="4062080" y="2456737"/>
+            <a:ext cx="111752" cy="134308"/>
+          </a:xfrm>
+          <a:prstGeom prst="ellipse">
+            <a:avLst/>
+          </a:prstGeom>
+          <a:solidFill>
+            <a:schemeClr val="bg1"/>
+          </a:solidFill>
+          <a:ln>
+            <a:solidFill>
+              <a:schemeClr val="tx1"/>
+            </a:solidFill>
+          </a:ln>
+        </p:spPr>
+        <p:style>
+          <a:lnRef idx="2">
+            <a:schemeClr val="accent1">
+              <a:shade val="50000"/>
+            </a:schemeClr>
+          </a:lnRef>
+          <a:fillRef idx="1">
+            <a:schemeClr val="accent1"/>
+          </a:fillRef>
+          <a:effectRef idx="0">
+            <a:schemeClr val="accent1"/>
+          </a:effectRef>
+          <a:fontRef idx="minor">
+            <a:schemeClr val="lt1"/>
+          </a:fontRef>
+        </p:style>
+        <p:txBody>
+          <a:bodyPr rtlCol="0" anchor="ctr"/>
+          <a:lstStyle/>
+          <a:p>
+            <a:pPr algn="ctr"/>
+            <a:endParaRPr lang="ko-KR" altLang="en-US"/>
+          </a:p>
+        </p:txBody>
+      </p:sp>
+      <p:sp>
+        <p:nvSpPr>
+          <p:cNvPr id="36" name="직사각형 35"/>
+          <p:cNvSpPr/>
+          <p:nvPr/>
+        </p:nvSpPr>
+        <p:spPr>
+          <a:xfrm>
+            <a:off x="4257671" y="2398544"/>
+            <a:ext cx="866588" cy="247650"/>
+          </a:xfrm>
+          <a:prstGeom prst="rect">
+            <a:avLst/>
+          </a:prstGeom>
+          <a:solidFill>
+            <a:schemeClr val="bg1"/>
+          </a:solidFill>
+          <a:ln>
+            <a:solidFill>
+              <a:schemeClr val="tx1"/>
+            </a:solidFill>
+          </a:ln>
+        </p:spPr>
+        <p:style>
+          <a:lnRef idx="2">
+            <a:schemeClr val="accent1">
+              <a:shade val="50000"/>
+            </a:schemeClr>
+          </a:lnRef>
+          <a:fillRef idx="1">
+            <a:schemeClr val="accent1"/>
+          </a:fillRef>
+          <a:effectRef idx="0">
+            <a:schemeClr val="accent1"/>
+          </a:effectRef>
+          <a:fontRef idx="minor">
+            <a:schemeClr val="lt1"/>
+          </a:fontRef>
+        </p:style>
+        <p:txBody>
+          <a:bodyPr rtlCol="0" anchor="ctr"/>
+          <a:lstStyle/>
+          <a:p>
+            <a:pPr algn="ctr"/>
+            <a:r>
+              <a:rPr lang="ko-KR" altLang="en-US" sz="1000" smtClean="0">
+                <a:solidFill>
+                  <a:sysClr val="windowText" lastClr="000000"/>
+                </a:solidFill>
+              </a:rPr>
+              <a:t>메이커회원</a:t>
+            </a:r>
+            <a:endParaRPr lang="ko-KR" altLang="en-US" sz="1000" dirty="0">
+              <a:solidFill>
+                <a:sysClr val="windowText" lastClr="000000"/>
+              </a:solidFill>
+            </a:endParaRPr>
+          </a:p>
+        </p:txBody>
+      </p:sp>
+      <p:sp>
+        <p:nvSpPr>
+          <p:cNvPr id="37" name="타원 36"/>
+          <p:cNvSpPr/>
+          <p:nvPr/>
+        </p:nvSpPr>
+        <p:spPr>
+          <a:xfrm>
+            <a:off x="5171601" y="2456737"/>
+            <a:ext cx="111752" cy="134308"/>
+          </a:xfrm>
+          <a:prstGeom prst="ellipse">
+            <a:avLst/>
+          </a:prstGeom>
+          <a:solidFill>
+            <a:schemeClr val="bg1"/>
+          </a:solidFill>
+          <a:ln>
+            <a:solidFill>
+              <a:schemeClr val="tx1"/>
+            </a:solidFill>
+          </a:ln>
+        </p:spPr>
+        <p:style>
+          <a:lnRef idx="2">
+            <a:schemeClr val="accent1">
+              <a:shade val="50000"/>
+            </a:schemeClr>
+          </a:lnRef>
+          <a:fillRef idx="1">
+            <a:schemeClr val="accent1"/>
+          </a:fillRef>
+          <a:effectRef idx="0">
+            <a:schemeClr val="accent1"/>
+          </a:effectRef>
+          <a:fontRef idx="minor">
+            <a:schemeClr val="lt1"/>
+          </a:fontRef>
+        </p:style>
+        <p:txBody>
+          <a:bodyPr rtlCol="0" anchor="ctr"/>
+          <a:lstStyle/>
+          <a:p>
+            <a:pPr algn="ctr"/>
+            <a:endParaRPr lang="ko-KR" altLang="en-US"/>
+          </a:p>
+        </p:txBody>
+      </p:sp>
+      <p:sp>
+        <p:nvSpPr>
+          <p:cNvPr id="38" name="직사각형 37"/>
+          <p:cNvSpPr/>
+          <p:nvPr/>
+        </p:nvSpPr>
+        <p:spPr>
+          <a:xfrm>
+            <a:off x="5367192" y="2398544"/>
+            <a:ext cx="866588" cy="247650"/>
+          </a:xfrm>
+          <a:prstGeom prst="rect">
+            <a:avLst/>
+          </a:prstGeom>
+          <a:solidFill>
+            <a:schemeClr val="bg1"/>
+          </a:solidFill>
+          <a:ln>
+            <a:solidFill>
+              <a:schemeClr val="tx1"/>
+            </a:solidFill>
+          </a:ln>
+        </p:spPr>
+        <p:style>
+          <a:lnRef idx="2">
+            <a:schemeClr val="accent1">
+              <a:shade val="50000"/>
+            </a:schemeClr>
+          </a:lnRef>
+          <a:fillRef idx="1">
+            <a:schemeClr val="accent1"/>
+          </a:fillRef>
+          <a:effectRef idx="0">
+            <a:schemeClr val="accent1"/>
+          </a:effectRef>
+          <a:fontRef idx="minor">
+            <a:schemeClr val="lt1"/>
+          </a:fontRef>
+        </p:style>
+        <p:txBody>
+          <a:bodyPr rtlCol="0" anchor="ctr"/>
+          <a:lstStyle/>
+          <a:p>
+            <a:pPr algn="ctr"/>
+            <a:r>
+              <a:rPr lang="ko-KR" altLang="en-US" sz="1000" dirty="0" smtClean="0">
+                <a:solidFill>
+                  <a:sysClr val="windowText" lastClr="000000"/>
+                </a:solidFill>
+              </a:rPr>
+              <a:t>서포터회원</a:t>
+            </a:r>
+            <a:endParaRPr lang="ko-KR" altLang="en-US" sz="1000" dirty="0">
+              <a:solidFill>
+                <a:sysClr val="windowText" lastClr="000000"/>
+              </a:solidFill>
+            </a:endParaRPr>
+          </a:p>
+        </p:txBody>
+      </p:sp>
+      <p:sp>
+        <p:nvSpPr>
+          <p:cNvPr id="39" name="타원 38"/>
+          <p:cNvSpPr/>
+          <p:nvPr/>
+        </p:nvSpPr>
+        <p:spPr>
+          <a:xfrm>
+            <a:off x="4062080" y="4374036"/>
+            <a:ext cx="111752" cy="134308"/>
+          </a:xfrm>
+          <a:prstGeom prst="ellipse">
+            <a:avLst/>
+          </a:prstGeom>
+          <a:solidFill>
+            <a:schemeClr val="bg1"/>
+          </a:solidFill>
+          <a:ln>
+            <a:solidFill>
+              <a:schemeClr val="tx1"/>
+            </a:solidFill>
+          </a:ln>
+        </p:spPr>
+        <p:style>
+          <a:lnRef idx="2">
+            <a:schemeClr val="accent1">
+              <a:shade val="50000"/>
+            </a:schemeClr>
+          </a:lnRef>
+          <a:fillRef idx="1">
+            <a:schemeClr val="accent1"/>
+          </a:fillRef>
+          <a:effectRef idx="0">
+            <a:schemeClr val="accent1"/>
+          </a:effectRef>
+          <a:fontRef idx="minor">
+            <a:schemeClr val="lt1"/>
+          </a:fontRef>
+        </p:style>
+        <p:txBody>
+          <a:bodyPr rtlCol="0" anchor="ctr"/>
+          <a:lstStyle/>
+          <a:p>
+            <a:pPr algn="ctr"/>
+            <a:endParaRPr lang="ko-KR" altLang="en-US"/>
+          </a:p>
+        </p:txBody>
+      </p:sp>
+      <p:sp>
+        <p:nvSpPr>
+          <p:cNvPr id="41" name="타원 40"/>
+          <p:cNvSpPr/>
+          <p:nvPr/>
+        </p:nvSpPr>
+        <p:spPr>
+          <a:xfrm>
+            <a:off x="5237517" y="4374036"/>
+            <a:ext cx="111752" cy="134308"/>
+          </a:xfrm>
+          <a:prstGeom prst="ellipse">
+            <a:avLst/>
+          </a:prstGeom>
+          <a:solidFill>
+            <a:schemeClr val="bg1"/>
+          </a:solidFill>
+          <a:ln>
+            <a:solidFill>
+              <a:schemeClr val="tx1"/>
+            </a:solidFill>
+          </a:ln>
+        </p:spPr>
+        <p:style>
+          <a:lnRef idx="2">
+            <a:schemeClr val="accent1">
+              <a:shade val="50000"/>
+            </a:schemeClr>
+          </a:lnRef>
+          <a:fillRef idx="1">
+            <a:schemeClr val="accent1"/>
+          </a:fillRef>
+          <a:effectRef idx="0">
+            <a:schemeClr val="accent1"/>
+          </a:effectRef>
+          <a:fontRef idx="minor">
+            <a:schemeClr val="lt1"/>
+          </a:fontRef>
+        </p:style>
+        <p:txBody>
+          <a:bodyPr rtlCol="0" anchor="ctr"/>
+          <a:lstStyle/>
+          <a:p>
+            <a:pPr algn="ctr"/>
+            <a:endParaRPr lang="ko-KR" altLang="en-US"/>
+          </a:p>
+        </p:txBody>
+      </p:sp>
+      <p:sp>
+        <p:nvSpPr>
+          <p:cNvPr id="42" name="직사각형 41"/>
+          <p:cNvSpPr/>
+          <p:nvPr/>
+        </p:nvSpPr>
+        <p:spPr>
+          <a:xfrm>
+            <a:off x="2433305" y="4959972"/>
+            <a:ext cx="1394538" cy="247650"/>
+          </a:xfrm>
+          <a:prstGeom prst="rect">
+            <a:avLst/>
+          </a:prstGeom>
+          <a:solidFill>
+            <a:schemeClr val="bg1"/>
+          </a:solidFill>
+          <a:ln>
+            <a:solidFill>
+              <a:schemeClr val="tx1"/>
+            </a:solidFill>
+          </a:ln>
+        </p:spPr>
+        <p:style>
+          <a:lnRef idx="2">
+            <a:schemeClr val="accent1">
+              <a:shade val="50000"/>
+            </a:schemeClr>
+          </a:lnRef>
+          <a:fillRef idx="1">
+            <a:schemeClr val="accent1"/>
+          </a:fillRef>
+          <a:effectRef idx="0">
+            <a:schemeClr val="accent1"/>
+          </a:effectRef>
+          <a:fontRef idx="minor">
+            <a:schemeClr val="lt1"/>
+          </a:fontRef>
+        </p:style>
+        <p:txBody>
+          <a:bodyPr rtlCol="0" anchor="ctr"/>
+          <a:lstStyle/>
+          <a:p>
+            <a:pPr algn="ctr"/>
+            <a:r>
+              <a:rPr lang="ko-KR" altLang="en-US" sz="1000" dirty="0" smtClean="0">
+                <a:solidFill>
+                  <a:sysClr val="windowText" lastClr="000000"/>
+                </a:solidFill>
+              </a:rPr>
+              <a:t>인증번호 입력</a:t>
+            </a:r>
+            <a:endParaRPr lang="ko-KR" altLang="en-US" sz="1000" dirty="0">
+              <a:solidFill>
+                <a:sysClr val="windowText" lastClr="000000"/>
+              </a:solidFill>
+            </a:endParaRPr>
+          </a:p>
+        </p:txBody>
+      </p:sp>
+      <p:sp>
+        <p:nvSpPr>
+          <p:cNvPr id="43" name="직사각형 42"/>
+          <p:cNvSpPr/>
+          <p:nvPr/>
+        </p:nvSpPr>
+        <p:spPr>
+          <a:xfrm>
+            <a:off x="4062080" y="4944496"/>
+            <a:ext cx="2171700" cy="239634"/>
+          </a:xfrm>
+          <a:prstGeom prst="rect">
+            <a:avLst/>
+          </a:prstGeom>
+          <a:solidFill>
+            <a:schemeClr val="bg1"/>
+          </a:solidFill>
+          <a:ln>
+            <a:solidFill>
+              <a:schemeClr val="tx1"/>
+            </a:solidFill>
+          </a:ln>
+        </p:spPr>
+        <p:style>
+          <a:lnRef idx="2">
+            <a:schemeClr val="accent1">
+              <a:shade val="50000"/>
+            </a:schemeClr>
+          </a:lnRef>
+          <a:fillRef idx="1">
+            <a:schemeClr val="accent1"/>
+          </a:fillRef>
+          <a:effectRef idx="0">
+            <a:schemeClr val="accent1"/>
+          </a:effectRef>
+          <a:fontRef idx="minor">
+            <a:schemeClr val="lt1"/>
+          </a:fontRef>
+        </p:style>
+        <p:txBody>
+          <a:bodyPr rtlCol="0" anchor="ctr"/>
+          <a:lstStyle/>
+          <a:p>
+            <a:pPr algn="ctr"/>
+            <a:endParaRPr lang="ko-KR" altLang="en-US"/>
+          </a:p>
+        </p:txBody>
+      </p:sp>
+      <p:sp>
+        <p:nvSpPr>
+          <p:cNvPr id="44" name="직사각형 43"/>
+          <p:cNvSpPr/>
+          <p:nvPr/>
+        </p:nvSpPr>
+        <p:spPr>
+          <a:xfrm>
+            <a:off x="6447991" y="4950462"/>
+            <a:ext cx="1052614" cy="247650"/>
+          </a:xfrm>
+          <a:prstGeom prst="rect">
+            <a:avLst/>
+          </a:prstGeom>
+          <a:solidFill>
+            <a:schemeClr val="bg1"/>
+          </a:solidFill>
+          <a:ln>
+            <a:solidFill>
+              <a:schemeClr val="tx1"/>
+            </a:solidFill>
+          </a:ln>
+        </p:spPr>
+        <p:style>
+          <a:lnRef idx="2">
+            <a:schemeClr val="accent1">
+              <a:shade val="50000"/>
+            </a:schemeClr>
+          </a:lnRef>
+          <a:fillRef idx="1">
+            <a:schemeClr val="accent1"/>
+          </a:fillRef>
+          <a:effectRef idx="0">
+            <a:schemeClr val="accent1"/>
+          </a:effectRef>
+          <a:fontRef idx="minor">
+            <a:schemeClr val="lt1"/>
+          </a:fontRef>
+        </p:style>
+        <p:txBody>
+          <a:bodyPr rtlCol="0" anchor="ctr"/>
+          <a:lstStyle/>
+          <a:p>
+            <a:pPr algn="ctr"/>
+            <a:r>
+              <a:rPr lang="ko-KR" altLang="en-US" sz="1000" dirty="0" smtClean="0">
+                <a:solidFill>
+                  <a:sysClr val="windowText" lastClr="000000"/>
+                </a:solidFill>
+              </a:rPr>
+              <a:t>인증번호확인</a:t>
+            </a:r>
+            <a:endParaRPr lang="ko-KR" altLang="en-US" sz="1000" dirty="0">
+              <a:solidFill>
+                <a:sysClr val="windowText" lastClr="000000"/>
+              </a:solidFill>
+            </a:endParaRPr>
+          </a:p>
+        </p:txBody>
+      </p:sp>
+      <p:sp>
+        <p:nvSpPr>
+          <p:cNvPr id="45" name="직사각형 44"/>
+          <p:cNvSpPr/>
+          <p:nvPr/>
+        </p:nvSpPr>
+        <p:spPr>
+          <a:xfrm>
+            <a:off x="4062080" y="5383861"/>
+            <a:ext cx="1394538" cy="482788"/>
+          </a:xfrm>
+          <a:prstGeom prst="rect">
+            <a:avLst/>
+          </a:prstGeom>
+          <a:solidFill>
+            <a:schemeClr val="bg1"/>
+          </a:solidFill>
+          <a:ln>
+            <a:solidFill>
+              <a:schemeClr val="tx1"/>
+            </a:solidFill>
+          </a:ln>
+        </p:spPr>
+        <p:style>
+          <a:lnRef idx="2">
+            <a:schemeClr val="accent1">
+              <a:shade val="50000"/>
+            </a:schemeClr>
+          </a:lnRef>
+          <a:fillRef idx="1">
+            <a:schemeClr val="accent1"/>
+          </a:fillRef>
+          <a:effectRef idx="0">
+            <a:schemeClr val="accent1"/>
+          </a:effectRef>
+          <a:fontRef idx="minor">
+            <a:schemeClr val="lt1"/>
+          </a:fontRef>
+        </p:style>
+        <p:txBody>
+          <a:bodyPr rtlCol="0" anchor="ctr"/>
+          <a:lstStyle/>
+          <a:p>
+            <a:pPr algn="ctr"/>
+            <a:r>
+              <a:rPr lang="ko-KR" altLang="en-US" sz="1000" dirty="0" smtClean="0">
+                <a:solidFill>
+                  <a:sysClr val="windowText" lastClr="000000"/>
+                </a:solidFill>
+              </a:rPr>
+              <a:t>회원가입 완료</a:t>
+            </a:r>
+            <a:endParaRPr lang="ko-KR" altLang="en-US" sz="1000" dirty="0">
+              <a:solidFill>
+                <a:sysClr val="windowText" lastClr="000000"/>
+              </a:solidFill>
+            </a:endParaRPr>
+          </a:p>
+        </p:txBody>
+      </p:sp>
+      <p:sp>
+        <p:nvSpPr>
+          <p:cNvPr id="5" name="TextBox 4"/>
+          <p:cNvSpPr txBox="1"/>
+          <p:nvPr/>
+        </p:nvSpPr>
+        <p:spPr>
+          <a:xfrm>
+            <a:off x="3268301" y="1584356"/>
+            <a:ext cx="2308634" cy="446276"/>
+          </a:xfrm>
+          <a:prstGeom prst="rect">
+            <a:avLst/>
+          </a:prstGeom>
+          <a:noFill/>
+          <a:ln>
+            <a:solidFill>
+              <a:schemeClr val="tx1"/>
+            </a:solidFill>
+          </a:ln>
+        </p:spPr>
+        <p:txBody>
+          <a:bodyPr wrap="square" rtlCol="0">
+            <a:spAutoFit/>
+          </a:bodyPr>
+          <a:lstStyle/>
+          <a:p>
+            <a:pPr algn="ctr"/>
+            <a:r>
+              <a:rPr lang="ko-KR" altLang="en-US" sz="2300" dirty="0" smtClean="0"/>
+              <a:t>회원가입</a:t>
+            </a:r>
+            <a:endParaRPr lang="ko-KR" altLang="en-US" sz="2300" dirty="0"/>
+          </a:p>
+        </p:txBody>
+      </p:sp>
+    </p:spTree>
+    <p:extLst>
+      <p:ext uri="{BB962C8B-B14F-4D97-AF65-F5344CB8AC3E}">
+        <p14:creationId xmlns:p14="http://schemas.microsoft.com/office/powerpoint/2010/main" val="3541311805"/>
+      </p:ext>
+    </p:extLst>
+  </p:cSld>
+  <p:clrMapOvr>
+    <a:masterClrMapping/>
+  </p:clrMapOvr>
+  <p:timing>
+    <p:tnLst>
+      <p:par>
+        <p:cTn id="1" dur="indefinite" restart="never" nodeType="tmRoot"/>
+      </p:par>
+    </p:tnLst>
+  </p:timing>
+</p:sld>
+</file>
+
+<file path=ppt/slides/slide3.xml><?xml version="1.0" encoding="utf-8"?>
+<p:sld xmlns:a="http://schemas.openxmlformats.org/drawingml/2006/main" xmlns:r="http://schemas.openxmlformats.org/officeDocument/2006/relationships" xmlns:p="http://schemas.openxmlformats.org/presentationml/2006/main">
+  <p:cSld>
+    <p:spTree>
+      <p:nvGrpSpPr>
+        <p:cNvPr id="1" name=""/>
+        <p:cNvGrpSpPr/>
+        <p:nvPr/>
+      </p:nvGrpSpPr>
+      <p:grpSpPr>
+        <a:xfrm>
+          <a:off x="0" y="0"/>
+          <a:ext cx="0" cy="0"/>
+          <a:chOff x="0" y="0"/>
+          <a:chExt cx="0" cy="0"/>
+        </a:xfrm>
+      </p:grpSpPr>
+      <p:graphicFrame>
+        <p:nvGraphicFramePr>
+          <p:cNvPr id="6" name="표 5"/>
+          <p:cNvGraphicFramePr>
+            <a:graphicFrameLocks noGrp="1"/>
+          </p:cNvGraphicFramePr>
+          <p:nvPr>
+            <p:extLst/>
+          </p:nvPr>
+        </p:nvGraphicFramePr>
+        <p:xfrm>
+          <a:off x="131601" y="115759"/>
+          <a:ext cx="3313726" cy="960120"/>
+        </p:xfrm>
+        <a:graphic>
+          <a:graphicData uri="http://schemas.openxmlformats.org/drawingml/2006/table">
+            <a:tbl>
+              <a:tblPr firstRow="1" bandRow="1">
+                <a:tableStyleId>{5C22544A-7EE6-4342-B048-85BDC9FD1C3A}</a:tableStyleId>
+              </a:tblPr>
+              <a:tblGrid>
+                <a:gridCol w="1656863"/>
+                <a:gridCol w="1656863"/>
+              </a:tblGrid>
+              <a:tr h="271237">
                 <a:tc>
                   <a:txBody>
                     <a:bodyPr/>
                     <a:lstStyle/>
                     <a:p>
-                      <a:pPr marL="0" marR="0" lvl="0" indent="0" algn="ctr" rtl="0">
-                        <a:lnSpc>
-                          <a:spcPct val="100000"/>
-                        </a:lnSpc>
-                        <a:spcBef>
-                          <a:spcPts val="0"/>
-                        </a:spcBef>
-                        <a:spcAft>
-                          <a:spcPts val="0"/>
-                        </a:spcAft>
-                        <a:buNone/>
-                      </a:pPr>
-                      <a:endParaRPr sz="1500" dirty="0"/>
+                      <a:pPr algn="ctr" latinLnBrk="1"/>
+                      <a:r>
+                        <a:rPr lang="ko-KR" altLang="en-US" sz="1500" b="0" dirty="0" smtClean="0">
+                          <a:solidFill>
+                            <a:schemeClr val="tx1"/>
+                          </a:solidFill>
+                        </a:rPr>
+                        <a:t>화면코드</a:t>
+                      </a:r>
+                      <a:endParaRPr lang="ko-KR" altLang="en-US" sz="1500" b="0" dirty="0">
+                        <a:solidFill>
+                          <a:schemeClr val="tx1"/>
+                        </a:solidFill>
+                      </a:endParaRPr>
                     </a:p>
                   </a:txBody>
-                  <a:tcPr marL="91450" marR="91450" marT="45725" marB="45725" anchor="ctr">
-                    <a:lnL w="12700" cap="flat" cmpd="sng">
-                      <a:solidFill>
-                        <a:schemeClr val="dk1"/>
-                      </a:solidFill>
-                      <a:prstDash val="solid"/>
-                      <a:round/>
-                      <a:headEnd type="none" w="sm" len="sm"/>
-                      <a:tailEnd type="none" w="sm" len="sm"/>
+                  <a:tcPr anchor="ctr">
+                    <a:lnL w="12700" cap="flat" cmpd="sng" algn="ctr">
+                      <a:solidFill>
+                        <a:schemeClr val="tx1"/>
+                      </a:solidFill>
+                      <a:prstDash val="solid"/>
+                      <a:round/>
+                      <a:headEnd type="none" w="med" len="med"/>
+                      <a:tailEnd type="none" w="med" len="med"/>
                     </a:lnL>
-                    <a:lnR w="12700" cap="flat" cmpd="sng">
-                      <a:solidFill>
-                        <a:schemeClr val="dk1"/>
-                      </a:solidFill>
-                      <a:prstDash val="solid"/>
-                      <a:round/>
-                      <a:headEnd type="none" w="sm" len="sm"/>
-                      <a:tailEnd type="none" w="sm" len="sm"/>
+                    <a:lnR w="12700" cap="flat" cmpd="sng" algn="ctr">
+                      <a:solidFill>
+                        <a:schemeClr val="tx1"/>
+                      </a:solidFill>
+                      <a:prstDash val="solid"/>
+                      <a:round/>
+                      <a:headEnd type="none" w="med" len="med"/>
+                      <a:tailEnd type="none" w="med" len="med"/>
                     </a:lnR>
-                    <a:lnT w="12700" cap="flat" cmpd="sng">
-                      <a:solidFill>
-                        <a:schemeClr val="dk1"/>
-                      </a:solidFill>
-                      <a:prstDash val="solid"/>
-                      <a:round/>
-                      <a:headEnd type="none" w="sm" len="sm"/>
-                      <a:tailEnd type="none" w="sm" len="sm"/>
+                    <a:lnT w="12700" cap="flat" cmpd="sng" algn="ctr">
+                      <a:solidFill>
+                        <a:schemeClr val="tx1"/>
+                      </a:solidFill>
+                      <a:prstDash val="solid"/>
+                      <a:round/>
+                      <a:headEnd type="none" w="med" len="med"/>
+                      <a:tailEnd type="none" w="med" len="med"/>
                     </a:lnT>
-                    <a:lnB w="12700" cap="flat" cmpd="sng">
-                      <a:solidFill>
-                        <a:schemeClr val="dk1"/>
-                      </a:solidFill>
-                      <a:prstDash val="solid"/>
-                      <a:round/>
-                      <a:headEnd type="none" w="sm" len="sm"/>
-                      <a:tailEnd type="none" w="sm" len="sm"/>
+                    <a:lnB w="12700" cap="flat" cmpd="sng" algn="ctr">
+                      <a:solidFill>
+                        <a:schemeClr val="tx1"/>
+                      </a:solidFill>
+                      <a:prstDash val="solid"/>
+                      <a:round/>
+                      <a:headEnd type="none" w="med" len="med"/>
+                      <a:tailEnd type="none" w="med" len="med"/>
                     </a:lnB>
                     <a:solidFill>
-                      <a:schemeClr val="lt1"/>
+                      <a:schemeClr val="bg1">
+                        <a:lumMod val="85000"/>
+                      </a:schemeClr>
                     </a:solidFill>
                   </a:tcPr>
                 </a:tc>
@@ -5425,124 +6734,114 @@
                     <a:bodyPr/>
                     <a:lstStyle/>
                     <a:p>
-                      <a:pPr marL="0" marR="0" lvl="0" indent="0" algn="l" rtl="0">
-                        <a:lnSpc>
-                          <a:spcPct val="100000"/>
-                        </a:lnSpc>
-                        <a:spcBef>
-                          <a:spcPts val="0"/>
-                        </a:spcBef>
-                        <a:spcAft>
-                          <a:spcPts val="0"/>
-                        </a:spcAft>
-                        <a:buNone/>
-                      </a:pPr>
-                      <a:endParaRPr sz="1500" dirty="0"/>
+                      <a:pPr algn="ctr" fontAlgn="ctr"/>
+                      <a:endParaRPr lang="en-US" sz="1000" b="0" i="0" u="none" strike="noStrike" dirty="0">
+                        <a:solidFill>
+                          <a:srgbClr val="000000"/>
+                        </a:solidFill>
+                        <a:effectLst/>
+                        <a:latin typeface="Arial" panose="020B0604020202020204" pitchFamily="34" charset="0"/>
+                      </a:endParaRPr>
                     </a:p>
                   </a:txBody>
-                  <a:tcPr marL="91450" marR="91450" marT="45725" marB="45725">
-                    <a:lnL w="12700" cap="flat" cmpd="sng">
-                      <a:solidFill>
-                        <a:schemeClr val="dk1"/>
-                      </a:solidFill>
-                      <a:prstDash val="solid"/>
-                      <a:round/>
-                      <a:headEnd type="none" w="sm" len="sm"/>
-                      <a:tailEnd type="none" w="sm" len="sm"/>
+                  <a:tcPr marL="9525" marR="9525" marT="9525" marB="0" anchor="ctr">
+                    <a:lnL w="12700" cap="flat" cmpd="sng" algn="ctr">
+                      <a:solidFill>
+                        <a:schemeClr val="tx1"/>
+                      </a:solidFill>
+                      <a:prstDash val="solid"/>
+                      <a:round/>
+                      <a:headEnd type="none" w="med" len="med"/>
+                      <a:tailEnd type="none" w="med" len="med"/>
                     </a:lnL>
-                    <a:lnR w="12700" cap="flat" cmpd="sng">
-                      <a:solidFill>
-                        <a:schemeClr val="dk1"/>
-                      </a:solidFill>
-                      <a:prstDash val="solid"/>
-                      <a:round/>
-                      <a:headEnd type="none" w="sm" len="sm"/>
-                      <a:tailEnd type="none" w="sm" len="sm"/>
+                    <a:lnR w="12700" cap="flat" cmpd="sng" algn="ctr">
+                      <a:solidFill>
+                        <a:schemeClr val="tx1"/>
+                      </a:solidFill>
+                      <a:prstDash val="solid"/>
+                      <a:round/>
+                      <a:headEnd type="none" w="med" len="med"/>
+                      <a:tailEnd type="none" w="med" len="med"/>
                     </a:lnR>
-                    <a:lnT w="12700" cap="flat" cmpd="sng">
-                      <a:solidFill>
-                        <a:schemeClr val="dk1"/>
-                      </a:solidFill>
-                      <a:prstDash val="solid"/>
-                      <a:round/>
-                      <a:headEnd type="none" w="sm" len="sm"/>
-                      <a:tailEnd type="none" w="sm" len="sm"/>
+                    <a:lnT w="12700" cap="flat" cmpd="sng" algn="ctr">
+                      <a:solidFill>
+                        <a:schemeClr val="tx1"/>
+                      </a:solidFill>
+                      <a:prstDash val="solid"/>
+                      <a:round/>
+                      <a:headEnd type="none" w="med" len="med"/>
+                      <a:tailEnd type="none" w="med" len="med"/>
                     </a:lnT>
-                    <a:lnB w="12700" cap="flat" cmpd="sng">
-                      <a:solidFill>
-                        <a:schemeClr val="dk1"/>
-                      </a:solidFill>
-                      <a:prstDash val="solid"/>
-                      <a:round/>
-                      <a:headEnd type="none" w="sm" len="sm"/>
-                      <a:tailEnd type="none" w="sm" len="sm"/>
+                    <a:lnB w="12700" cap="flat" cmpd="sng" algn="ctr">
+                      <a:solidFill>
+                        <a:schemeClr val="tx1"/>
+                      </a:solidFill>
+                      <a:prstDash val="solid"/>
+                      <a:round/>
+                      <a:headEnd type="none" w="med" len="med"/>
+                      <a:tailEnd type="none" w="med" len="med"/>
                     </a:lnB>
                     <a:solidFill>
-                      <a:schemeClr val="lt1"/>
+                      <a:schemeClr val="bg1"/>
                     </a:solidFill>
                   </a:tcPr>
                 </a:tc>
               </a:tr>
-              <a:tr h="892175">
-                <a:tc>
+              <a:tr h="271237">
+                <a:tc rowSpan="2">
                   <a:txBody>
                     <a:bodyPr/>
                     <a:lstStyle/>
                     <a:p>
-                      <a:pPr marL="0" marR="0" lvl="0" indent="0" algn="ctr" rtl="0">
-                        <a:lnSpc>
-                          <a:spcPct val="100000"/>
-                        </a:lnSpc>
-                        <a:spcBef>
-                          <a:spcPts val="0"/>
-                        </a:spcBef>
-                        <a:spcAft>
-                          <a:spcPts val="0"/>
-                        </a:spcAft>
-                        <a:buNone/>
-                      </a:pPr>
-                      <a:endParaRPr sz="1500" dirty="0"/>
+                      <a:pPr algn="ctr" latinLnBrk="1"/>
+                      <a:r>
+                        <a:rPr lang="ko-KR" altLang="en-US" sz="1500" b="0" dirty="0" err="1" smtClean="0"/>
+                        <a:t>화면명</a:t>
+                      </a:r>
+                      <a:endParaRPr lang="ko-KR" altLang="en-US" sz="1500" b="0" dirty="0"/>
                     </a:p>
                   </a:txBody>
-                  <a:tcPr marL="91450" marR="91450" marT="45725" marB="45725" anchor="ctr">
-                    <a:lnL w="12700" cap="flat" cmpd="sng">
-                      <a:solidFill>
-                        <a:schemeClr val="dk1"/>
-                      </a:solidFill>
-                      <a:prstDash val="solid"/>
-                      <a:round/>
-                      <a:headEnd type="none" w="sm" len="sm"/>
-                      <a:tailEnd type="none" w="sm" len="sm"/>
+                  <a:tcPr anchor="ctr">
+                    <a:lnL w="12700" cap="flat" cmpd="sng" algn="ctr">
+                      <a:solidFill>
+                        <a:schemeClr val="tx1"/>
+                      </a:solidFill>
+                      <a:prstDash val="solid"/>
+                      <a:round/>
+                      <a:headEnd type="none" w="med" len="med"/>
+                      <a:tailEnd type="none" w="med" len="med"/>
                     </a:lnL>
-                    <a:lnR w="12700" cap="flat" cmpd="sng">
-                      <a:solidFill>
-                        <a:schemeClr val="dk1"/>
-                      </a:solidFill>
-                      <a:prstDash val="solid"/>
-                      <a:round/>
-                      <a:headEnd type="none" w="sm" len="sm"/>
-                      <a:tailEnd type="none" w="sm" len="sm"/>
+                    <a:lnR w="12700" cap="flat" cmpd="sng" algn="ctr">
+                      <a:solidFill>
+                        <a:schemeClr val="tx1"/>
+                      </a:solidFill>
+                      <a:prstDash val="solid"/>
+                      <a:round/>
+                      <a:headEnd type="none" w="med" len="med"/>
+                      <a:tailEnd type="none" w="med" len="med"/>
                     </a:lnR>
-                    <a:lnT w="12700" cap="flat" cmpd="sng">
-                      <a:solidFill>
-                        <a:schemeClr val="dk1"/>
-                      </a:solidFill>
-                      <a:prstDash val="solid"/>
-                      <a:round/>
-                      <a:headEnd type="none" w="sm" len="sm"/>
-                      <a:tailEnd type="none" w="sm" len="sm"/>
+                    <a:lnT w="12700" cap="flat" cmpd="sng" algn="ctr">
+                      <a:solidFill>
+                        <a:schemeClr val="tx1"/>
+                      </a:solidFill>
+                      <a:prstDash val="solid"/>
+                      <a:round/>
+                      <a:headEnd type="none" w="med" len="med"/>
+                      <a:tailEnd type="none" w="med" len="med"/>
                     </a:lnT>
-                    <a:lnB w="12700" cap="flat" cmpd="sng">
-                      <a:solidFill>
-                        <a:schemeClr val="dk1"/>
-                      </a:solidFill>
-                      <a:prstDash val="solid"/>
-                      <a:round/>
-                      <a:headEnd type="none" w="sm" len="sm"/>
-                      <a:tailEnd type="none" w="sm" len="sm"/>
+                    <a:lnB w="12700" cap="flat" cmpd="sng" algn="ctr">
+                      <a:solidFill>
+                        <a:schemeClr val="tx1"/>
+                      </a:solidFill>
+                      <a:prstDash val="solid"/>
+                      <a:round/>
+                      <a:headEnd type="none" w="med" len="med"/>
+                      <a:tailEnd type="none" w="med" len="med"/>
                     </a:lnB>
                     <a:solidFill>
-                      <a:schemeClr val="lt1"/>
+                      <a:schemeClr val="bg1">
+                        <a:lumMod val="85000"/>
+                      </a:schemeClr>
                     </a:solidFill>
                   </a:tcPr>
                 </a:tc>
@@ -5551,60 +6850,161 @@
                     <a:bodyPr/>
                     <a:lstStyle/>
                     <a:p>
-                      <a:pPr marL="0" marR="0" lvl="0" indent="0" algn="l" rtl="0">
-                        <a:lnSpc>
-                          <a:spcPct val="100000"/>
-                        </a:lnSpc>
-                        <a:spcBef>
-                          <a:spcPts val="0"/>
-                        </a:spcBef>
-                        <a:spcAft>
-                          <a:spcPts val="0"/>
-                        </a:spcAft>
-                        <a:buNone/>
-                      </a:pPr>
-                      <a:endParaRPr sz="1500" dirty="0"/>
+                      <a:pPr algn="ctr" latinLnBrk="1"/>
+                      <a:endParaRPr lang="ko-KR" altLang="en-US" sz="1500" b="0" dirty="0">
+                        <a:solidFill>
+                          <a:srgbClr val="0070C0"/>
+                        </a:solidFill>
+                      </a:endParaRPr>
                     </a:p>
                   </a:txBody>
-                  <a:tcPr marL="91450" marR="91450" marT="45725" marB="45725">
-                    <a:lnL w="12700" cap="flat" cmpd="sng">
-                      <a:solidFill>
-                        <a:schemeClr val="dk1"/>
-                      </a:solidFill>
-                      <a:prstDash val="solid"/>
-                      <a:round/>
-                      <a:headEnd type="none" w="sm" len="sm"/>
-                      <a:tailEnd type="none" w="sm" len="sm"/>
+                  <a:tcPr anchor="ctr">
+                    <a:lnL w="12700" cap="flat" cmpd="sng" algn="ctr">
+                      <a:solidFill>
+                        <a:schemeClr val="tx1"/>
+                      </a:solidFill>
+                      <a:prstDash val="solid"/>
+                      <a:round/>
+                      <a:headEnd type="none" w="med" len="med"/>
+                      <a:tailEnd type="none" w="med" len="med"/>
                     </a:lnL>
-                    <a:lnR w="12700" cap="flat" cmpd="sng">
-                      <a:solidFill>
-                        <a:schemeClr val="dk1"/>
-                      </a:solidFill>
-                      <a:prstDash val="solid"/>
-                      <a:round/>
-                      <a:headEnd type="none" w="sm" len="sm"/>
-                      <a:tailEnd type="none" w="sm" len="sm"/>
+                    <a:lnR w="12700" cap="flat" cmpd="sng" algn="ctr">
+                      <a:solidFill>
+                        <a:schemeClr val="tx1"/>
+                      </a:solidFill>
+                      <a:prstDash val="solid"/>
+                      <a:round/>
+                      <a:headEnd type="none" w="med" len="med"/>
+                      <a:tailEnd type="none" w="med" len="med"/>
                     </a:lnR>
-                    <a:lnT w="12700" cap="flat" cmpd="sng">
-                      <a:solidFill>
-                        <a:schemeClr val="dk1"/>
-                      </a:solidFill>
-                      <a:prstDash val="solid"/>
-                      <a:round/>
-                      <a:headEnd type="none" w="sm" len="sm"/>
-                      <a:tailEnd type="none" w="sm" len="sm"/>
+                    <a:lnT w="12700" cap="flat" cmpd="sng" algn="ctr">
+                      <a:solidFill>
+                        <a:schemeClr val="tx1"/>
+                      </a:solidFill>
+                      <a:prstDash val="solid"/>
+                      <a:round/>
+                      <a:headEnd type="none" w="med" len="med"/>
+                      <a:tailEnd type="none" w="med" len="med"/>
                     </a:lnT>
-                    <a:lnB w="12700" cap="flat" cmpd="sng">
-                      <a:solidFill>
-                        <a:schemeClr val="dk1"/>
-                      </a:solidFill>
-                      <a:prstDash val="solid"/>
-                      <a:round/>
-                      <a:headEnd type="none" w="sm" len="sm"/>
-                      <a:tailEnd type="none" w="sm" len="sm"/>
+                    <a:lnB w="12700" cap="flat" cmpd="sng" algn="ctr">
+                      <a:solidFill>
+                        <a:schemeClr val="tx1"/>
+                      </a:solidFill>
+                      <a:prstDash val="solid"/>
+                      <a:round/>
+                      <a:headEnd type="none" w="med" len="med"/>
+                      <a:tailEnd type="none" w="med" len="med"/>
                     </a:lnB>
                     <a:solidFill>
-                      <a:schemeClr val="lt1"/>
+                      <a:schemeClr val="bg1"/>
+                    </a:solidFill>
+                  </a:tcPr>
+                </a:tc>
+              </a:tr>
+              <a:tr h="271237">
+                <a:tc vMerge="1">
+                  <a:txBody>
+                    <a:bodyPr/>
+                    <a:lstStyle/>
+                    <a:p>
+                      <a:pPr latinLnBrk="1"/>
+                      <a:endParaRPr lang="ko-KR" altLang="en-US" b="0" dirty="0"/>
+                    </a:p>
+                  </a:txBody>
+                  <a:tcPr>
+                    <a:lnL w="12700" cap="flat" cmpd="sng" algn="ctr">
+                      <a:solidFill>
+                        <a:schemeClr val="tx1"/>
+                      </a:solidFill>
+                      <a:prstDash val="solid"/>
+                      <a:round/>
+                      <a:headEnd type="none" w="med" len="med"/>
+                      <a:tailEnd type="none" w="med" len="med"/>
+                    </a:lnL>
+                    <a:lnR w="12700" cap="flat" cmpd="sng" algn="ctr">
+                      <a:solidFill>
+                        <a:schemeClr val="tx1"/>
+                      </a:solidFill>
+                      <a:prstDash val="solid"/>
+                      <a:round/>
+                      <a:headEnd type="none" w="med" len="med"/>
+                      <a:tailEnd type="none" w="med" len="med"/>
+                    </a:lnR>
+                    <a:lnT w="12700" cap="flat" cmpd="sng" algn="ctr">
+                      <a:solidFill>
+                        <a:schemeClr val="tx1"/>
+                      </a:solidFill>
+                      <a:prstDash val="solid"/>
+                      <a:round/>
+                      <a:headEnd type="none" w="med" len="med"/>
+                      <a:tailEnd type="none" w="med" len="med"/>
+                    </a:lnT>
+                    <a:lnB w="12700" cap="flat" cmpd="sng" algn="ctr">
+                      <a:solidFill>
+                        <a:schemeClr val="tx1"/>
+                      </a:solidFill>
+                      <a:prstDash val="solid"/>
+                      <a:round/>
+                      <a:headEnd type="none" w="med" len="med"/>
+                      <a:tailEnd type="none" w="med" len="med"/>
+                    </a:lnB>
+                    <a:solidFill>
+                      <a:schemeClr val="bg1"/>
+                    </a:solidFill>
+                  </a:tcPr>
+                </a:tc>
+                <a:tc>
+                  <a:txBody>
+                    <a:bodyPr/>
+                    <a:lstStyle/>
+                    <a:p>
+                      <a:pPr algn="ctr" latinLnBrk="1"/>
+                      <a:endParaRPr lang="ko-KR" altLang="en-US" sz="1500" b="0" dirty="0">
+                        <a:solidFill>
+                          <a:srgbClr val="0070C0"/>
+                        </a:solidFill>
+                      </a:endParaRPr>
+                    </a:p>
+                  </a:txBody>
+                  <a:tcPr anchor="ctr">
+                    <a:lnL w="12700" cap="flat" cmpd="sng" algn="ctr">
+                      <a:solidFill>
+                        <a:schemeClr val="tx1"/>
+                      </a:solidFill>
+                      <a:prstDash val="solid"/>
+                      <a:round/>
+                      <a:headEnd type="none" w="med" len="med"/>
+                      <a:tailEnd type="none" w="med" len="med"/>
+                    </a:lnL>
+                    <a:lnR w="12700" cap="flat" cmpd="sng" algn="ctr">
+                      <a:solidFill>
+                        <a:schemeClr val="tx1"/>
+                      </a:solidFill>
+                      <a:prstDash val="solid"/>
+                      <a:round/>
+                      <a:headEnd type="none" w="med" len="med"/>
+                      <a:tailEnd type="none" w="med" len="med"/>
+                    </a:lnR>
+                    <a:lnT w="12700" cap="flat" cmpd="sng" algn="ctr">
+                      <a:solidFill>
+                        <a:schemeClr val="tx1"/>
+                      </a:solidFill>
+                      <a:prstDash val="solid"/>
+                      <a:round/>
+                      <a:headEnd type="none" w="med" len="med"/>
+                      <a:tailEnd type="none" w="med" len="med"/>
+                    </a:lnT>
+                    <a:lnB w="12700" cap="flat" cmpd="sng" algn="ctr">
+                      <a:solidFill>
+                        <a:schemeClr val="tx1"/>
+                      </a:solidFill>
+                      <a:prstDash val="solid"/>
+                      <a:round/>
+                      <a:headEnd type="none" w="med" len="med"/>
+                      <a:tailEnd type="none" w="med" len="med"/>
+                    </a:lnB>
+                    <a:solidFill>
+                      <a:schemeClr val="bg1"/>
                     </a:solidFill>
                   </a:tcPr>
                 </a:tc>
@@ -5613,796 +7013,1874 @@
           </a:graphicData>
         </a:graphic>
       </p:graphicFrame>
-      <p:sp>
-        <p:nvSpPr>
-          <p:cNvPr id="170" name="Google Shape;170;g7c553259d1_0_81"/>
+      <p:graphicFrame>
+        <p:nvGraphicFramePr>
+          <p:cNvPr id="7" name="표 6"/>
+          <p:cNvGraphicFramePr>
+            <a:graphicFrameLocks noGrp="1"/>
+          </p:cNvGraphicFramePr>
+          <p:nvPr>
+            <p:extLst/>
+          </p:nvPr>
+        </p:nvGraphicFramePr>
+        <p:xfrm>
+          <a:off x="9309046" y="197403"/>
+          <a:ext cx="2815494" cy="320040"/>
+        </p:xfrm>
+        <a:graphic>
+          <a:graphicData uri="http://schemas.openxmlformats.org/drawingml/2006/table">
+            <a:tbl>
+              <a:tblPr firstRow="1" bandRow="1">
+                <a:tableStyleId>{5C22544A-7EE6-4342-B048-85BDC9FD1C3A}</a:tableStyleId>
+              </a:tblPr>
+              <a:tblGrid>
+                <a:gridCol w="1407747"/>
+                <a:gridCol w="1407747"/>
+              </a:tblGrid>
+              <a:tr h="265071">
+                <a:tc>
+                  <a:txBody>
+                    <a:bodyPr/>
+                    <a:lstStyle/>
+                    <a:p>
+                      <a:pPr algn="ctr" latinLnBrk="1"/>
+                      <a:r>
+                        <a:rPr lang="ko-KR" altLang="en-US" sz="1500" b="0" dirty="0" smtClean="0">
+                          <a:solidFill>
+                            <a:schemeClr val="tx1"/>
+                          </a:solidFill>
+                        </a:rPr>
+                        <a:t>화면 번호</a:t>
+                      </a:r>
+                      <a:endParaRPr lang="ko-KR" altLang="en-US" sz="1500" b="0" dirty="0">
+                        <a:solidFill>
+                          <a:schemeClr val="tx1"/>
+                        </a:solidFill>
+                      </a:endParaRPr>
+                    </a:p>
+                  </a:txBody>
+                  <a:tcPr anchor="ctr">
+                    <a:lnL w="12700" cap="flat" cmpd="sng" algn="ctr">
+                      <a:solidFill>
+                        <a:schemeClr val="tx1"/>
+                      </a:solidFill>
+                      <a:prstDash val="solid"/>
+                      <a:round/>
+                      <a:headEnd type="none" w="med" len="med"/>
+                      <a:tailEnd type="none" w="med" len="med"/>
+                    </a:lnL>
+                    <a:lnR w="12700" cap="flat" cmpd="sng" algn="ctr">
+                      <a:solidFill>
+                        <a:schemeClr val="tx1"/>
+                      </a:solidFill>
+                      <a:prstDash val="solid"/>
+                      <a:round/>
+                      <a:headEnd type="none" w="med" len="med"/>
+                      <a:tailEnd type="none" w="med" len="med"/>
+                    </a:lnR>
+                    <a:lnT w="12700" cap="flat" cmpd="sng" algn="ctr">
+                      <a:solidFill>
+                        <a:schemeClr val="tx1"/>
+                      </a:solidFill>
+                      <a:prstDash val="solid"/>
+                      <a:round/>
+                      <a:headEnd type="none" w="med" len="med"/>
+                      <a:tailEnd type="none" w="med" len="med"/>
+                    </a:lnT>
+                    <a:lnB w="12700" cap="flat" cmpd="sng" algn="ctr">
+                      <a:solidFill>
+                        <a:schemeClr val="tx1"/>
+                      </a:solidFill>
+                      <a:prstDash val="solid"/>
+                      <a:round/>
+                      <a:headEnd type="none" w="med" len="med"/>
+                      <a:tailEnd type="none" w="med" len="med"/>
+                    </a:lnB>
+                    <a:solidFill>
+                      <a:schemeClr val="bg1">
+                        <a:lumMod val="85000"/>
+                      </a:schemeClr>
+                    </a:solidFill>
+                  </a:tcPr>
+                </a:tc>
+                <a:tc>
+                  <a:txBody>
+                    <a:bodyPr/>
+                    <a:lstStyle/>
+                    <a:p>
+                      <a:pPr algn="ctr" fontAlgn="ctr"/>
+                      <a:endParaRPr lang="en-US" sz="1000" b="0" i="0" u="none" strike="noStrike" dirty="0">
+                        <a:solidFill>
+                          <a:srgbClr val="000000"/>
+                        </a:solidFill>
+                        <a:effectLst/>
+                        <a:latin typeface="Arial" panose="020B0604020202020204" pitchFamily="34" charset="0"/>
+                      </a:endParaRPr>
+                    </a:p>
+                  </a:txBody>
+                  <a:tcPr marL="9525" marR="9525" marT="9525" marB="0" anchor="ctr">
+                    <a:lnL w="12700" cap="flat" cmpd="sng" algn="ctr">
+                      <a:solidFill>
+                        <a:schemeClr val="tx1"/>
+                      </a:solidFill>
+                      <a:prstDash val="solid"/>
+                      <a:round/>
+                      <a:headEnd type="none" w="med" len="med"/>
+                      <a:tailEnd type="none" w="med" len="med"/>
+                    </a:lnL>
+                    <a:lnR w="12700" cap="flat" cmpd="sng" algn="ctr">
+                      <a:solidFill>
+                        <a:schemeClr val="tx1"/>
+                      </a:solidFill>
+                      <a:prstDash val="solid"/>
+                      <a:round/>
+                      <a:headEnd type="none" w="med" len="med"/>
+                      <a:tailEnd type="none" w="med" len="med"/>
+                    </a:lnR>
+                    <a:lnT w="12700" cap="flat" cmpd="sng" algn="ctr">
+                      <a:solidFill>
+                        <a:schemeClr val="tx1"/>
+                      </a:solidFill>
+                      <a:prstDash val="solid"/>
+                      <a:round/>
+                      <a:headEnd type="none" w="med" len="med"/>
+                      <a:tailEnd type="none" w="med" len="med"/>
+                    </a:lnT>
+                    <a:lnB w="12700" cap="flat" cmpd="sng" algn="ctr">
+                      <a:solidFill>
+                        <a:schemeClr val="tx1"/>
+                      </a:solidFill>
+                      <a:prstDash val="solid"/>
+                      <a:round/>
+                      <a:headEnd type="none" w="med" len="med"/>
+                      <a:tailEnd type="none" w="med" len="med"/>
+                    </a:lnB>
+                    <a:solidFill>
+                      <a:schemeClr val="bg1"/>
+                    </a:solidFill>
+                  </a:tcPr>
+                </a:tc>
+              </a:tr>
+            </a:tbl>
+          </a:graphicData>
+        </a:graphic>
+      </p:graphicFrame>
+      <p:graphicFrame>
+        <p:nvGraphicFramePr>
+          <p:cNvPr id="9" name="표 8"/>
+          <p:cNvGraphicFramePr>
+            <a:graphicFrameLocks noGrp="1"/>
+          </p:cNvGraphicFramePr>
+          <p:nvPr>
+            <p:extLst/>
+          </p:nvPr>
+        </p:nvGraphicFramePr>
+        <p:xfrm>
+          <a:off x="6200086" y="197403"/>
+          <a:ext cx="2815494" cy="320040"/>
+        </p:xfrm>
+        <a:graphic>
+          <a:graphicData uri="http://schemas.openxmlformats.org/drawingml/2006/table">
+            <a:tbl>
+              <a:tblPr firstRow="1" bandRow="1">
+                <a:tableStyleId>{5C22544A-7EE6-4342-B048-85BDC9FD1C3A}</a:tableStyleId>
+              </a:tblPr>
+              <a:tblGrid>
+                <a:gridCol w="1407747"/>
+                <a:gridCol w="1407747"/>
+              </a:tblGrid>
+              <a:tr h="265071">
+                <a:tc>
+                  <a:txBody>
+                    <a:bodyPr/>
+                    <a:lstStyle/>
+                    <a:p>
+                      <a:pPr algn="ctr" latinLnBrk="1"/>
+                      <a:endParaRPr lang="ko-KR" altLang="en-US" sz="1500" b="0" dirty="0">
+                        <a:solidFill>
+                          <a:schemeClr val="tx1"/>
+                        </a:solidFill>
+                      </a:endParaRPr>
+                    </a:p>
+                  </a:txBody>
+                  <a:tcPr anchor="ctr">
+                    <a:lnL w="12700" cap="flat" cmpd="sng" algn="ctr">
+                      <a:solidFill>
+                        <a:schemeClr val="tx1"/>
+                      </a:solidFill>
+                      <a:prstDash val="solid"/>
+                      <a:round/>
+                      <a:headEnd type="none" w="med" len="med"/>
+                      <a:tailEnd type="none" w="med" len="med"/>
+                    </a:lnL>
+                    <a:lnR w="12700" cap="flat" cmpd="sng" algn="ctr">
+                      <a:solidFill>
+                        <a:schemeClr val="tx1"/>
+                      </a:solidFill>
+                      <a:prstDash val="solid"/>
+                      <a:round/>
+                      <a:headEnd type="none" w="med" len="med"/>
+                      <a:tailEnd type="none" w="med" len="med"/>
+                    </a:lnR>
+                    <a:lnT w="12700" cap="flat" cmpd="sng" algn="ctr">
+                      <a:solidFill>
+                        <a:schemeClr val="tx1"/>
+                      </a:solidFill>
+                      <a:prstDash val="solid"/>
+                      <a:round/>
+                      <a:headEnd type="none" w="med" len="med"/>
+                      <a:tailEnd type="none" w="med" len="med"/>
+                    </a:lnT>
+                    <a:lnB w="12700" cap="flat" cmpd="sng" algn="ctr">
+                      <a:solidFill>
+                        <a:schemeClr val="tx1"/>
+                      </a:solidFill>
+                      <a:prstDash val="solid"/>
+                      <a:round/>
+                      <a:headEnd type="none" w="med" len="med"/>
+                      <a:tailEnd type="none" w="med" len="med"/>
+                    </a:lnB>
+                    <a:solidFill>
+                      <a:schemeClr val="bg1">
+                        <a:lumMod val="85000"/>
+                      </a:schemeClr>
+                    </a:solidFill>
+                  </a:tcPr>
+                </a:tc>
+                <a:tc>
+                  <a:txBody>
+                    <a:bodyPr/>
+                    <a:lstStyle/>
+                    <a:p>
+                      <a:pPr algn="ctr" latinLnBrk="1"/>
+                      <a:endParaRPr lang="ko-KR" altLang="en-US" sz="1500" b="0" dirty="0">
+                        <a:solidFill>
+                          <a:schemeClr val="tx1"/>
+                        </a:solidFill>
+                      </a:endParaRPr>
+                    </a:p>
+                  </a:txBody>
+                  <a:tcPr anchor="ctr">
+                    <a:lnL w="12700" cap="flat" cmpd="sng" algn="ctr">
+                      <a:solidFill>
+                        <a:schemeClr val="tx1"/>
+                      </a:solidFill>
+                      <a:prstDash val="solid"/>
+                      <a:round/>
+                      <a:headEnd type="none" w="med" len="med"/>
+                      <a:tailEnd type="none" w="med" len="med"/>
+                    </a:lnL>
+                    <a:lnR w="12700" cap="flat" cmpd="sng" algn="ctr">
+                      <a:solidFill>
+                        <a:schemeClr val="tx1"/>
+                      </a:solidFill>
+                      <a:prstDash val="solid"/>
+                      <a:round/>
+                      <a:headEnd type="none" w="med" len="med"/>
+                      <a:tailEnd type="none" w="med" len="med"/>
+                    </a:lnR>
+                    <a:lnT w="12700" cap="flat" cmpd="sng" algn="ctr">
+                      <a:solidFill>
+                        <a:schemeClr val="tx1"/>
+                      </a:solidFill>
+                      <a:prstDash val="solid"/>
+                      <a:round/>
+                      <a:headEnd type="none" w="med" len="med"/>
+                      <a:tailEnd type="none" w="med" len="med"/>
+                    </a:lnT>
+                    <a:lnB w="12700" cap="flat" cmpd="sng" algn="ctr">
+                      <a:solidFill>
+                        <a:schemeClr val="tx1"/>
+                      </a:solidFill>
+                      <a:prstDash val="solid"/>
+                      <a:round/>
+                      <a:headEnd type="none" w="med" len="med"/>
+                      <a:tailEnd type="none" w="med" len="med"/>
+                    </a:lnB>
+                    <a:solidFill>
+                      <a:schemeClr val="bg1"/>
+                    </a:solidFill>
+                  </a:tcPr>
+                </a:tc>
+              </a:tr>
+            </a:tbl>
+          </a:graphicData>
+        </a:graphic>
+      </p:graphicFrame>
+      <p:graphicFrame>
+        <p:nvGraphicFramePr>
+          <p:cNvPr id="14" name="표 13"/>
+          <p:cNvGraphicFramePr>
+            <a:graphicFrameLocks noGrp="1"/>
+          </p:cNvGraphicFramePr>
+          <p:nvPr>
+            <p:extLst/>
+          </p:nvPr>
+        </p:nvGraphicFramePr>
+        <p:xfrm>
+          <a:off x="8509686" y="1289960"/>
+          <a:ext cx="3491813" cy="5349990"/>
+        </p:xfrm>
+        <a:graphic>
+          <a:graphicData uri="http://schemas.openxmlformats.org/drawingml/2006/table">
+            <a:tbl>
+              <a:tblPr firstRow="1" bandRow="1">
+                <a:tableStyleId>{5C22544A-7EE6-4342-B048-85BDC9FD1C3A}</a:tableStyleId>
+              </a:tblPr>
+              <a:tblGrid>
+                <a:gridCol w="342705"/>
+                <a:gridCol w="3149108"/>
+              </a:tblGrid>
+              <a:tr h="378460">
+                <a:tc>
+                  <a:txBody>
+                    <a:bodyPr/>
+                    <a:lstStyle/>
+                    <a:p>
+                      <a:pPr algn="ctr" latinLnBrk="1"/>
+                      <a:r>
+                        <a:rPr lang="en-US" altLang="ko-KR" sz="1500" dirty="0" smtClean="0">
+                          <a:solidFill>
+                            <a:schemeClr val="tx1"/>
+                          </a:solidFill>
+                        </a:rPr>
+                        <a:t>#</a:t>
+                      </a:r>
+                      <a:endParaRPr lang="ko-KR" altLang="en-US" sz="1500" dirty="0">
+                        <a:solidFill>
+                          <a:schemeClr val="tx1"/>
+                        </a:solidFill>
+                      </a:endParaRPr>
+                    </a:p>
+                  </a:txBody>
+                  <a:tcPr anchor="ctr">
+                    <a:lnL w="12700" cap="flat" cmpd="sng" algn="ctr">
+                      <a:solidFill>
+                        <a:schemeClr val="tx1"/>
+                      </a:solidFill>
+                      <a:prstDash val="solid"/>
+                      <a:round/>
+                      <a:headEnd type="none" w="med" len="med"/>
+                      <a:tailEnd type="none" w="med" len="med"/>
+                    </a:lnL>
+                    <a:lnR w="12700" cap="flat" cmpd="sng" algn="ctr">
+                      <a:solidFill>
+                        <a:schemeClr val="tx1"/>
+                      </a:solidFill>
+                      <a:prstDash val="solid"/>
+                      <a:round/>
+                      <a:headEnd type="none" w="med" len="med"/>
+                      <a:tailEnd type="none" w="med" len="med"/>
+                    </a:lnR>
+                    <a:lnT w="12700" cap="flat" cmpd="sng" algn="ctr">
+                      <a:solidFill>
+                        <a:schemeClr val="tx1"/>
+                      </a:solidFill>
+                      <a:prstDash val="solid"/>
+                      <a:round/>
+                      <a:headEnd type="none" w="med" len="med"/>
+                      <a:tailEnd type="none" w="med" len="med"/>
+                    </a:lnT>
+                    <a:lnB w="12700" cap="flat" cmpd="sng" algn="ctr">
+                      <a:solidFill>
+                        <a:schemeClr val="tx1"/>
+                      </a:solidFill>
+                      <a:prstDash val="solid"/>
+                      <a:round/>
+                      <a:headEnd type="none" w="med" len="med"/>
+                      <a:tailEnd type="none" w="med" len="med"/>
+                    </a:lnB>
+                    <a:solidFill>
+                      <a:schemeClr val="bg1">
+                        <a:lumMod val="85000"/>
+                      </a:schemeClr>
+                    </a:solidFill>
+                  </a:tcPr>
+                </a:tc>
+                <a:tc>
+                  <a:txBody>
+                    <a:bodyPr/>
+                    <a:lstStyle/>
+                    <a:p>
+                      <a:pPr algn="ctr" latinLnBrk="1"/>
+                      <a:r>
+                        <a:rPr lang="ko-KR" altLang="en-US" sz="1500" dirty="0" err="1" smtClean="0">
+                          <a:solidFill>
+                            <a:schemeClr val="tx1"/>
+                          </a:solidFill>
+                        </a:rPr>
+                        <a:t>기능명</a:t>
+                      </a:r>
+                      <a:endParaRPr lang="ko-KR" altLang="en-US" sz="1500" dirty="0">
+                        <a:solidFill>
+                          <a:schemeClr val="tx1"/>
+                        </a:solidFill>
+                      </a:endParaRPr>
+                    </a:p>
+                  </a:txBody>
+                  <a:tcPr anchor="ctr">
+                    <a:lnL w="12700" cap="flat" cmpd="sng" algn="ctr">
+                      <a:solidFill>
+                        <a:schemeClr val="tx1"/>
+                      </a:solidFill>
+                      <a:prstDash val="solid"/>
+                      <a:round/>
+                      <a:headEnd type="none" w="med" len="med"/>
+                      <a:tailEnd type="none" w="med" len="med"/>
+                    </a:lnL>
+                    <a:lnR w="12700" cap="flat" cmpd="sng" algn="ctr">
+                      <a:solidFill>
+                        <a:schemeClr val="tx1"/>
+                      </a:solidFill>
+                      <a:prstDash val="solid"/>
+                      <a:round/>
+                      <a:headEnd type="none" w="med" len="med"/>
+                      <a:tailEnd type="none" w="med" len="med"/>
+                    </a:lnR>
+                    <a:lnT w="12700" cap="flat" cmpd="sng" algn="ctr">
+                      <a:solidFill>
+                        <a:schemeClr val="tx1"/>
+                      </a:solidFill>
+                      <a:prstDash val="solid"/>
+                      <a:round/>
+                      <a:headEnd type="none" w="med" len="med"/>
+                      <a:tailEnd type="none" w="med" len="med"/>
+                    </a:lnT>
+                    <a:lnB w="12700" cap="flat" cmpd="sng" algn="ctr">
+                      <a:solidFill>
+                        <a:schemeClr val="tx1"/>
+                      </a:solidFill>
+                      <a:prstDash val="solid"/>
+                      <a:round/>
+                      <a:headEnd type="none" w="med" len="med"/>
+                      <a:tailEnd type="none" w="med" len="med"/>
+                    </a:lnB>
+                    <a:solidFill>
+                      <a:schemeClr val="bg1">
+                        <a:lumMod val="85000"/>
+                      </a:schemeClr>
+                    </a:solidFill>
+                  </a:tcPr>
+                </a:tc>
+              </a:tr>
+              <a:tr h="947993">
+                <a:tc>
+                  <a:txBody>
+                    <a:bodyPr/>
+                    <a:lstStyle/>
+                    <a:p>
+                      <a:pPr algn="ctr" latinLnBrk="1"/>
+                      <a:r>
+                        <a:rPr lang="en-US" altLang="ko-KR" sz="1500" dirty="0" smtClean="0">
+                          <a:solidFill>
+                            <a:schemeClr val="tx1"/>
+                          </a:solidFill>
+                        </a:rPr>
+                        <a:t>1</a:t>
+                      </a:r>
+                      <a:endParaRPr lang="ko-KR" altLang="en-US" sz="1500" dirty="0">
+                        <a:solidFill>
+                          <a:schemeClr val="tx1"/>
+                        </a:solidFill>
+                      </a:endParaRPr>
+                    </a:p>
+                  </a:txBody>
+                  <a:tcPr anchor="ctr">
+                    <a:lnL w="12700" cap="flat" cmpd="sng" algn="ctr">
+                      <a:solidFill>
+                        <a:schemeClr val="tx1"/>
+                      </a:solidFill>
+                      <a:prstDash val="solid"/>
+                      <a:round/>
+                      <a:headEnd type="none" w="med" len="med"/>
+                      <a:tailEnd type="none" w="med" len="med"/>
+                    </a:lnL>
+                    <a:lnR w="12700" cap="flat" cmpd="sng" algn="ctr">
+                      <a:solidFill>
+                        <a:schemeClr val="tx1"/>
+                      </a:solidFill>
+                      <a:prstDash val="solid"/>
+                      <a:round/>
+                      <a:headEnd type="none" w="med" len="med"/>
+                      <a:tailEnd type="none" w="med" len="med"/>
+                    </a:lnR>
+                    <a:lnT w="12700" cap="flat" cmpd="sng" algn="ctr">
+                      <a:solidFill>
+                        <a:schemeClr val="tx1"/>
+                      </a:solidFill>
+                      <a:prstDash val="solid"/>
+                      <a:round/>
+                      <a:headEnd type="none" w="med" len="med"/>
+                      <a:tailEnd type="none" w="med" len="med"/>
+                    </a:lnT>
+                    <a:lnB w="12700" cap="flat" cmpd="sng" algn="ctr">
+                      <a:solidFill>
+                        <a:schemeClr val="tx1"/>
+                      </a:solidFill>
+                      <a:prstDash val="solid"/>
+                      <a:round/>
+                      <a:headEnd type="none" w="med" len="med"/>
+                      <a:tailEnd type="none" w="med" len="med"/>
+                    </a:lnB>
+                    <a:solidFill>
+                      <a:schemeClr val="bg1"/>
+                    </a:solidFill>
+                  </a:tcPr>
+                </a:tc>
+                <a:tc>
+                  <a:txBody>
+                    <a:bodyPr/>
+                    <a:lstStyle/>
+                    <a:p>
+                      <a:pPr algn="l" latinLnBrk="1"/>
+                      <a:endParaRPr lang="en-US" altLang="ko-KR" sz="1500" dirty="0" smtClean="0">
+                        <a:solidFill>
+                          <a:schemeClr val="tx1"/>
+                        </a:solidFill>
+                      </a:endParaRPr>
+                    </a:p>
+                  </a:txBody>
+                  <a:tcPr>
+                    <a:lnL w="12700" cap="flat" cmpd="sng" algn="ctr">
+                      <a:solidFill>
+                        <a:schemeClr val="tx1"/>
+                      </a:solidFill>
+                      <a:prstDash val="solid"/>
+                      <a:round/>
+                      <a:headEnd type="none" w="med" len="med"/>
+                      <a:tailEnd type="none" w="med" len="med"/>
+                    </a:lnL>
+                    <a:lnR w="12700" cap="flat" cmpd="sng" algn="ctr">
+                      <a:solidFill>
+                        <a:schemeClr val="tx1"/>
+                      </a:solidFill>
+                      <a:prstDash val="solid"/>
+                      <a:round/>
+                      <a:headEnd type="none" w="med" len="med"/>
+                      <a:tailEnd type="none" w="med" len="med"/>
+                    </a:lnR>
+                    <a:lnT w="12700" cap="flat" cmpd="sng" algn="ctr">
+                      <a:solidFill>
+                        <a:schemeClr val="tx1"/>
+                      </a:solidFill>
+                      <a:prstDash val="solid"/>
+                      <a:round/>
+                      <a:headEnd type="none" w="med" len="med"/>
+                      <a:tailEnd type="none" w="med" len="med"/>
+                    </a:lnT>
+                    <a:lnB w="12700" cap="flat" cmpd="sng" algn="ctr">
+                      <a:solidFill>
+                        <a:schemeClr val="tx1"/>
+                      </a:solidFill>
+                      <a:prstDash val="solid"/>
+                      <a:round/>
+                      <a:headEnd type="none" w="med" len="med"/>
+                      <a:tailEnd type="none" w="med" len="med"/>
+                    </a:lnB>
+                    <a:solidFill>
+                      <a:schemeClr val="bg1"/>
+                    </a:solidFill>
+                  </a:tcPr>
+                </a:tc>
+              </a:tr>
+              <a:tr h="1179558">
+                <a:tc>
+                  <a:txBody>
+                    <a:bodyPr/>
+                    <a:lstStyle/>
+                    <a:p>
+                      <a:pPr algn="ctr" latinLnBrk="1"/>
+                      <a:r>
+                        <a:rPr lang="en-US" altLang="ko-KR" sz="1500" dirty="0" smtClean="0">
+                          <a:solidFill>
+                            <a:schemeClr val="tx1"/>
+                          </a:solidFill>
+                        </a:rPr>
+                        <a:t>2</a:t>
+                      </a:r>
+                      <a:endParaRPr lang="ko-KR" altLang="en-US" sz="1500" dirty="0">
+                        <a:solidFill>
+                          <a:schemeClr val="tx1"/>
+                        </a:solidFill>
+                      </a:endParaRPr>
+                    </a:p>
+                  </a:txBody>
+                  <a:tcPr anchor="ctr">
+                    <a:lnL w="12700" cap="flat" cmpd="sng" algn="ctr">
+                      <a:solidFill>
+                        <a:schemeClr val="tx1"/>
+                      </a:solidFill>
+                      <a:prstDash val="solid"/>
+                      <a:round/>
+                      <a:headEnd type="none" w="med" len="med"/>
+                      <a:tailEnd type="none" w="med" len="med"/>
+                    </a:lnL>
+                    <a:lnR w="12700" cap="flat" cmpd="sng" algn="ctr">
+                      <a:solidFill>
+                        <a:schemeClr val="tx1"/>
+                      </a:solidFill>
+                      <a:prstDash val="solid"/>
+                      <a:round/>
+                      <a:headEnd type="none" w="med" len="med"/>
+                      <a:tailEnd type="none" w="med" len="med"/>
+                    </a:lnR>
+                    <a:lnT w="12700" cap="flat" cmpd="sng" algn="ctr">
+                      <a:solidFill>
+                        <a:schemeClr val="tx1"/>
+                      </a:solidFill>
+                      <a:prstDash val="solid"/>
+                      <a:round/>
+                      <a:headEnd type="none" w="med" len="med"/>
+                      <a:tailEnd type="none" w="med" len="med"/>
+                    </a:lnT>
+                    <a:lnB w="12700" cap="flat" cmpd="sng" algn="ctr">
+                      <a:solidFill>
+                        <a:schemeClr val="tx1"/>
+                      </a:solidFill>
+                      <a:prstDash val="solid"/>
+                      <a:round/>
+                      <a:headEnd type="none" w="med" len="med"/>
+                      <a:tailEnd type="none" w="med" len="med"/>
+                    </a:lnB>
+                    <a:solidFill>
+                      <a:schemeClr val="bg1"/>
+                    </a:solidFill>
+                  </a:tcPr>
+                </a:tc>
+                <a:tc>
+                  <a:txBody>
+                    <a:bodyPr/>
+                    <a:lstStyle/>
+                    <a:p>
+                      <a:endParaRPr lang="ko-KR" altLang="en-US" sz="1500" dirty="0">
+                        <a:solidFill>
+                          <a:schemeClr val="tx1"/>
+                        </a:solidFill>
+                      </a:endParaRPr>
+                    </a:p>
+                  </a:txBody>
+                  <a:tcPr>
+                    <a:lnL w="12700" cap="flat" cmpd="sng" algn="ctr">
+                      <a:solidFill>
+                        <a:schemeClr val="tx1"/>
+                      </a:solidFill>
+                      <a:prstDash val="solid"/>
+                      <a:round/>
+                      <a:headEnd type="none" w="med" len="med"/>
+                      <a:tailEnd type="none" w="med" len="med"/>
+                    </a:lnL>
+                    <a:lnR w="12700" cap="flat" cmpd="sng" algn="ctr">
+                      <a:solidFill>
+                        <a:schemeClr val="tx1"/>
+                      </a:solidFill>
+                      <a:prstDash val="solid"/>
+                      <a:round/>
+                      <a:headEnd type="none" w="med" len="med"/>
+                      <a:tailEnd type="none" w="med" len="med"/>
+                    </a:lnR>
+                    <a:lnT w="12700" cap="flat" cmpd="sng" algn="ctr">
+                      <a:solidFill>
+                        <a:schemeClr val="tx1"/>
+                      </a:solidFill>
+                      <a:prstDash val="solid"/>
+                      <a:round/>
+                      <a:headEnd type="none" w="med" len="med"/>
+                      <a:tailEnd type="none" w="med" len="med"/>
+                    </a:lnT>
+                    <a:lnB w="12700" cap="flat" cmpd="sng" algn="ctr">
+                      <a:solidFill>
+                        <a:schemeClr val="tx1"/>
+                      </a:solidFill>
+                      <a:prstDash val="solid"/>
+                      <a:round/>
+                      <a:headEnd type="none" w="med" len="med"/>
+                      <a:tailEnd type="none" w="med" len="med"/>
+                    </a:lnB>
+                    <a:solidFill>
+                      <a:schemeClr val="bg1"/>
+                    </a:solidFill>
+                  </a:tcPr>
+                </a:tc>
+              </a:tr>
+              <a:tr h="947993">
+                <a:tc>
+                  <a:txBody>
+                    <a:bodyPr/>
+                    <a:lstStyle/>
+                    <a:p>
+                      <a:pPr algn="ctr" latinLnBrk="1"/>
+                      <a:r>
+                        <a:rPr lang="en-US" altLang="ko-KR" sz="1500" dirty="0" smtClean="0">
+                          <a:solidFill>
+                            <a:schemeClr val="tx1"/>
+                          </a:solidFill>
+                        </a:rPr>
+                        <a:t>3</a:t>
+                      </a:r>
+                      <a:endParaRPr lang="ko-KR" altLang="en-US" sz="1500" dirty="0">
+                        <a:solidFill>
+                          <a:schemeClr val="tx1"/>
+                        </a:solidFill>
+                      </a:endParaRPr>
+                    </a:p>
+                  </a:txBody>
+                  <a:tcPr anchor="ctr">
+                    <a:lnL w="12700" cap="flat" cmpd="sng" algn="ctr">
+                      <a:solidFill>
+                        <a:schemeClr val="tx1"/>
+                      </a:solidFill>
+                      <a:prstDash val="solid"/>
+                      <a:round/>
+                      <a:headEnd type="none" w="med" len="med"/>
+                      <a:tailEnd type="none" w="med" len="med"/>
+                    </a:lnL>
+                    <a:lnR w="12700" cap="flat" cmpd="sng" algn="ctr">
+                      <a:solidFill>
+                        <a:schemeClr val="tx1"/>
+                      </a:solidFill>
+                      <a:prstDash val="solid"/>
+                      <a:round/>
+                      <a:headEnd type="none" w="med" len="med"/>
+                      <a:tailEnd type="none" w="med" len="med"/>
+                    </a:lnR>
+                    <a:lnT w="12700" cap="flat" cmpd="sng" algn="ctr">
+                      <a:solidFill>
+                        <a:schemeClr val="tx1"/>
+                      </a:solidFill>
+                      <a:prstDash val="solid"/>
+                      <a:round/>
+                      <a:headEnd type="none" w="med" len="med"/>
+                      <a:tailEnd type="none" w="med" len="med"/>
+                    </a:lnT>
+                    <a:lnB w="12700" cap="flat" cmpd="sng" algn="ctr">
+                      <a:solidFill>
+                        <a:schemeClr val="tx1"/>
+                      </a:solidFill>
+                      <a:prstDash val="solid"/>
+                      <a:round/>
+                      <a:headEnd type="none" w="med" len="med"/>
+                      <a:tailEnd type="none" w="med" len="med"/>
+                    </a:lnB>
+                    <a:solidFill>
+                      <a:schemeClr val="bg1"/>
+                    </a:solidFill>
+                  </a:tcPr>
+                </a:tc>
+                <a:tc>
+                  <a:txBody>
+                    <a:bodyPr/>
+                    <a:lstStyle/>
+                    <a:p>
+                      <a:pPr algn="l" latinLnBrk="1"/>
+                      <a:endParaRPr lang="en-US" altLang="ko-KR" sz="1500" dirty="0" smtClean="0">
+                        <a:solidFill>
+                          <a:schemeClr val="tx1"/>
+                        </a:solidFill>
+                      </a:endParaRPr>
+                    </a:p>
+                  </a:txBody>
+                  <a:tcPr>
+                    <a:lnL w="12700" cap="flat" cmpd="sng" algn="ctr">
+                      <a:solidFill>
+                        <a:schemeClr val="tx1"/>
+                      </a:solidFill>
+                      <a:prstDash val="solid"/>
+                      <a:round/>
+                      <a:headEnd type="none" w="med" len="med"/>
+                      <a:tailEnd type="none" w="med" len="med"/>
+                    </a:lnL>
+                    <a:lnR w="12700" cap="flat" cmpd="sng" algn="ctr">
+                      <a:solidFill>
+                        <a:schemeClr val="tx1"/>
+                      </a:solidFill>
+                      <a:prstDash val="solid"/>
+                      <a:round/>
+                      <a:headEnd type="none" w="med" len="med"/>
+                      <a:tailEnd type="none" w="med" len="med"/>
+                    </a:lnR>
+                    <a:lnT w="12700" cap="flat" cmpd="sng" algn="ctr">
+                      <a:solidFill>
+                        <a:schemeClr val="tx1"/>
+                      </a:solidFill>
+                      <a:prstDash val="solid"/>
+                      <a:round/>
+                      <a:headEnd type="none" w="med" len="med"/>
+                      <a:tailEnd type="none" w="med" len="med"/>
+                    </a:lnT>
+                    <a:lnB w="12700" cap="flat" cmpd="sng" algn="ctr">
+                      <a:solidFill>
+                        <a:schemeClr val="tx1"/>
+                      </a:solidFill>
+                      <a:prstDash val="solid"/>
+                      <a:round/>
+                      <a:headEnd type="none" w="med" len="med"/>
+                      <a:tailEnd type="none" w="med" len="med"/>
+                    </a:lnB>
+                    <a:solidFill>
+                      <a:schemeClr val="bg1"/>
+                    </a:solidFill>
+                  </a:tcPr>
+                </a:tc>
+              </a:tr>
+              <a:tr h="947993">
+                <a:tc>
+                  <a:txBody>
+                    <a:bodyPr/>
+                    <a:lstStyle/>
+                    <a:p>
+                      <a:pPr algn="ctr" latinLnBrk="1"/>
+                      <a:r>
+                        <a:rPr lang="en-US" altLang="ko-KR" sz="1500" dirty="0" smtClean="0">
+                          <a:solidFill>
+                            <a:schemeClr val="tx1"/>
+                          </a:solidFill>
+                        </a:rPr>
+                        <a:t>4</a:t>
+                      </a:r>
+                      <a:endParaRPr lang="ko-KR" altLang="en-US" sz="1500" dirty="0">
+                        <a:solidFill>
+                          <a:schemeClr val="tx1"/>
+                        </a:solidFill>
+                      </a:endParaRPr>
+                    </a:p>
+                  </a:txBody>
+                  <a:tcPr anchor="ctr">
+                    <a:lnL w="12700" cap="flat" cmpd="sng" algn="ctr">
+                      <a:solidFill>
+                        <a:schemeClr val="tx1"/>
+                      </a:solidFill>
+                      <a:prstDash val="solid"/>
+                      <a:round/>
+                      <a:headEnd type="none" w="med" len="med"/>
+                      <a:tailEnd type="none" w="med" len="med"/>
+                    </a:lnL>
+                    <a:lnR w="12700" cap="flat" cmpd="sng" algn="ctr">
+                      <a:solidFill>
+                        <a:schemeClr val="tx1"/>
+                      </a:solidFill>
+                      <a:prstDash val="solid"/>
+                      <a:round/>
+                      <a:headEnd type="none" w="med" len="med"/>
+                      <a:tailEnd type="none" w="med" len="med"/>
+                    </a:lnR>
+                    <a:lnT w="12700" cap="flat" cmpd="sng" algn="ctr">
+                      <a:solidFill>
+                        <a:schemeClr val="tx1"/>
+                      </a:solidFill>
+                      <a:prstDash val="solid"/>
+                      <a:round/>
+                      <a:headEnd type="none" w="med" len="med"/>
+                      <a:tailEnd type="none" w="med" len="med"/>
+                    </a:lnT>
+                    <a:lnB w="12700" cap="flat" cmpd="sng" algn="ctr">
+                      <a:solidFill>
+                        <a:schemeClr val="tx1"/>
+                      </a:solidFill>
+                      <a:prstDash val="solid"/>
+                      <a:round/>
+                      <a:headEnd type="none" w="med" len="med"/>
+                      <a:tailEnd type="none" w="med" len="med"/>
+                    </a:lnB>
+                    <a:solidFill>
+                      <a:schemeClr val="bg1"/>
+                    </a:solidFill>
+                  </a:tcPr>
+                </a:tc>
+                <a:tc>
+                  <a:txBody>
+                    <a:bodyPr/>
+                    <a:lstStyle/>
+                    <a:p>
+                      <a:pPr algn="l" latinLnBrk="1"/>
+                      <a:endParaRPr lang="ko-KR" altLang="en-US" sz="1500" dirty="0">
+                        <a:solidFill>
+                          <a:schemeClr val="tx1"/>
+                        </a:solidFill>
+                      </a:endParaRPr>
+                    </a:p>
+                  </a:txBody>
+                  <a:tcPr>
+                    <a:lnL w="12700" cap="flat" cmpd="sng" algn="ctr">
+                      <a:solidFill>
+                        <a:schemeClr val="tx1"/>
+                      </a:solidFill>
+                      <a:prstDash val="solid"/>
+                      <a:round/>
+                      <a:headEnd type="none" w="med" len="med"/>
+                      <a:tailEnd type="none" w="med" len="med"/>
+                    </a:lnL>
+                    <a:lnR w="12700" cap="flat" cmpd="sng" algn="ctr">
+                      <a:solidFill>
+                        <a:schemeClr val="tx1"/>
+                      </a:solidFill>
+                      <a:prstDash val="solid"/>
+                      <a:round/>
+                      <a:headEnd type="none" w="med" len="med"/>
+                      <a:tailEnd type="none" w="med" len="med"/>
+                    </a:lnR>
+                    <a:lnT w="12700" cap="flat" cmpd="sng" algn="ctr">
+                      <a:solidFill>
+                        <a:schemeClr val="tx1"/>
+                      </a:solidFill>
+                      <a:prstDash val="solid"/>
+                      <a:round/>
+                      <a:headEnd type="none" w="med" len="med"/>
+                      <a:tailEnd type="none" w="med" len="med"/>
+                    </a:lnT>
+                    <a:lnB w="12700" cap="flat" cmpd="sng" algn="ctr">
+                      <a:solidFill>
+                        <a:schemeClr val="tx1"/>
+                      </a:solidFill>
+                      <a:prstDash val="solid"/>
+                      <a:round/>
+                      <a:headEnd type="none" w="med" len="med"/>
+                      <a:tailEnd type="none" w="med" len="med"/>
+                    </a:lnB>
+                    <a:solidFill>
+                      <a:schemeClr val="bg1"/>
+                    </a:solidFill>
+                  </a:tcPr>
+                </a:tc>
+              </a:tr>
+              <a:tr h="947993">
+                <a:tc>
+                  <a:txBody>
+                    <a:bodyPr/>
+                    <a:lstStyle/>
+                    <a:p>
+                      <a:pPr algn="ctr" latinLnBrk="1"/>
+                      <a:r>
+                        <a:rPr lang="en-US" altLang="ko-KR" sz="1500" dirty="0" smtClean="0">
+                          <a:solidFill>
+                            <a:schemeClr val="tx1"/>
+                          </a:solidFill>
+                        </a:rPr>
+                        <a:t>5</a:t>
+                      </a:r>
+                      <a:endParaRPr lang="ko-KR" altLang="en-US" sz="1500" dirty="0">
+                        <a:solidFill>
+                          <a:schemeClr val="tx1"/>
+                        </a:solidFill>
+                      </a:endParaRPr>
+                    </a:p>
+                  </a:txBody>
+                  <a:tcPr anchor="ctr">
+                    <a:lnL w="12700" cap="flat" cmpd="sng" algn="ctr">
+                      <a:solidFill>
+                        <a:schemeClr val="tx1"/>
+                      </a:solidFill>
+                      <a:prstDash val="solid"/>
+                      <a:round/>
+                      <a:headEnd type="none" w="med" len="med"/>
+                      <a:tailEnd type="none" w="med" len="med"/>
+                    </a:lnL>
+                    <a:lnR w="12700" cap="flat" cmpd="sng" algn="ctr">
+                      <a:solidFill>
+                        <a:schemeClr val="tx1"/>
+                      </a:solidFill>
+                      <a:prstDash val="solid"/>
+                      <a:round/>
+                      <a:headEnd type="none" w="med" len="med"/>
+                      <a:tailEnd type="none" w="med" len="med"/>
+                    </a:lnR>
+                    <a:lnT w="12700" cap="flat" cmpd="sng" algn="ctr">
+                      <a:solidFill>
+                        <a:schemeClr val="tx1"/>
+                      </a:solidFill>
+                      <a:prstDash val="solid"/>
+                      <a:round/>
+                      <a:headEnd type="none" w="med" len="med"/>
+                      <a:tailEnd type="none" w="med" len="med"/>
+                    </a:lnT>
+                    <a:lnB w="12700" cap="flat" cmpd="sng" algn="ctr">
+                      <a:solidFill>
+                        <a:schemeClr val="tx1"/>
+                      </a:solidFill>
+                      <a:prstDash val="solid"/>
+                      <a:round/>
+                      <a:headEnd type="none" w="med" len="med"/>
+                      <a:tailEnd type="none" w="med" len="med"/>
+                    </a:lnB>
+                    <a:solidFill>
+                      <a:schemeClr val="bg1"/>
+                    </a:solidFill>
+                  </a:tcPr>
+                </a:tc>
+                <a:tc>
+                  <a:txBody>
+                    <a:bodyPr/>
+                    <a:lstStyle/>
+                    <a:p>
+                      <a:pPr algn="l" latinLnBrk="1"/>
+                      <a:endParaRPr lang="ko-KR" altLang="en-US" sz="1500" dirty="0">
+                        <a:solidFill>
+                          <a:schemeClr val="tx1"/>
+                        </a:solidFill>
+                      </a:endParaRPr>
+                    </a:p>
+                  </a:txBody>
+                  <a:tcPr>
+                    <a:lnL w="12700" cap="flat" cmpd="sng" algn="ctr">
+                      <a:solidFill>
+                        <a:schemeClr val="tx1"/>
+                      </a:solidFill>
+                      <a:prstDash val="solid"/>
+                      <a:round/>
+                      <a:headEnd type="none" w="med" len="med"/>
+                      <a:tailEnd type="none" w="med" len="med"/>
+                    </a:lnL>
+                    <a:lnR w="12700" cap="flat" cmpd="sng" algn="ctr">
+                      <a:solidFill>
+                        <a:schemeClr val="tx1"/>
+                      </a:solidFill>
+                      <a:prstDash val="solid"/>
+                      <a:round/>
+                      <a:headEnd type="none" w="med" len="med"/>
+                      <a:tailEnd type="none" w="med" len="med"/>
+                    </a:lnR>
+                    <a:lnT w="12700" cap="flat" cmpd="sng" algn="ctr">
+                      <a:solidFill>
+                        <a:schemeClr val="tx1"/>
+                      </a:solidFill>
+                      <a:prstDash val="solid"/>
+                      <a:round/>
+                      <a:headEnd type="none" w="med" len="med"/>
+                      <a:tailEnd type="none" w="med" len="med"/>
+                    </a:lnT>
+                    <a:lnB w="12700" cap="flat" cmpd="sng" algn="ctr">
+                      <a:solidFill>
+                        <a:schemeClr val="tx1"/>
+                      </a:solidFill>
+                      <a:prstDash val="solid"/>
+                      <a:round/>
+                      <a:headEnd type="none" w="med" len="med"/>
+                      <a:tailEnd type="none" w="med" len="med"/>
+                    </a:lnB>
+                    <a:solidFill>
+                      <a:schemeClr val="bg1"/>
+                    </a:solidFill>
+                  </a:tcPr>
+                </a:tc>
+              </a:tr>
+            </a:tbl>
+          </a:graphicData>
+        </a:graphic>
+      </p:graphicFrame>
+      <p:sp>
+        <p:nvSpPr>
+          <p:cNvPr id="40" name="직사각형 39"/>
           <p:cNvSpPr/>
           <p:nvPr/>
         </p:nvSpPr>
         <p:spPr>
           <a:xfrm>
-            <a:off x="4447926" y="4064426"/>
-            <a:ext cx="1503300" cy="403800"/>
+            <a:off x="131601" y="1289960"/>
+            <a:ext cx="8032096" cy="5349994"/>
           </a:xfrm>
           <a:prstGeom prst="rect">
             <a:avLst/>
           </a:prstGeom>
           <a:solidFill>
-            <a:schemeClr val="lt1"/>
+            <a:schemeClr val="bg1"/>
           </a:solidFill>
-          <a:ln w="12700" cap="flat" cmpd="sng">
+          <a:ln>
             <a:solidFill>
-              <a:schemeClr val="dk1"/>
+              <a:schemeClr val="tx1"/>
             </a:solidFill>
-            <a:prstDash val="solid"/>
-            <a:miter lim="800000"/>
-            <a:headEnd type="none" w="sm" len="sm"/>
-            <a:tailEnd type="none" w="sm" len="sm"/>
           </a:ln>
         </p:spPr>
-        <p:txBody>
-          <a:bodyPr spcFirstLastPara="1" wrap="square" lIns="91425" tIns="45700" rIns="91425" bIns="45700" anchor="ctr" anchorCtr="0">
-            <a:noAutofit/>
+        <p:style>
+          <a:lnRef idx="2">
+            <a:schemeClr val="accent1">
+              <a:shade val="50000"/>
+            </a:schemeClr>
+          </a:lnRef>
+          <a:fillRef idx="1">
+            <a:schemeClr val="accent1"/>
+          </a:fillRef>
+          <a:effectRef idx="0">
+            <a:schemeClr val="accent1"/>
+          </a:effectRef>
+          <a:fontRef idx="minor">
+            <a:schemeClr val="lt1"/>
+          </a:fontRef>
+        </p:style>
+        <p:txBody>
+          <a:bodyPr rtlCol="0" anchor="ctr"/>
+          <a:lstStyle/>
+          <a:p>
+            <a:pPr algn="ctr"/>
+            <a:endParaRPr lang="ko-KR" altLang="en-US" sz="1500">
+              <a:solidFill>
+                <a:schemeClr val="tx1"/>
+              </a:solidFill>
+            </a:endParaRPr>
+          </a:p>
+        </p:txBody>
+      </p:sp>
+      <p:sp>
+        <p:nvSpPr>
+          <p:cNvPr id="5" name="TextBox 4"/>
+          <p:cNvSpPr txBox="1"/>
+          <p:nvPr/>
+        </p:nvSpPr>
+        <p:spPr>
+          <a:xfrm>
+            <a:off x="1093699" y="2567738"/>
+            <a:ext cx="1475715" cy="369332"/>
+          </a:xfrm>
+          <a:prstGeom prst="rect">
+            <a:avLst/>
+          </a:prstGeom>
+          <a:noFill/>
+        </p:spPr>
+        <p:txBody>
+          <a:bodyPr wrap="square" rtlCol="0">
+            <a:spAutoFit/>
           </a:bodyPr>
           <a:lstStyle/>
           <a:p>
-            <a:pPr marL="0" marR="0" lvl="0" indent="0" algn="ctr" rtl="0">
-              <a:lnSpc>
-                <a:spcPct val="100000"/>
-              </a:lnSpc>
-              <a:spcBef>
-                <a:spcPts val="0"/>
-              </a:spcBef>
-              <a:spcAft>
-                <a:spcPts val="0"/>
-              </a:spcAft>
-              <a:buClr>
-                <a:srgbClr val="000000"/>
-              </a:buClr>
-              <a:buSzPts val="1800"/>
-              <a:buFont typeface="Arial"/>
-              <a:buNone/>
-            </a:pPr>
-            <a:r>
-              <a:rPr lang="ko-KR" sz="1800" dirty="0">
-                <a:solidFill>
-                  <a:schemeClr val="dk1"/>
-                </a:solidFill>
-                <a:latin typeface="Malgun Gothic"/>
-                <a:ea typeface="Malgun Gothic"/>
-                <a:cs typeface="Malgun Gothic"/>
-                <a:sym typeface="Malgun Gothic"/>
-              </a:rPr>
-              <a:t>가입신청</a:t>
-            </a:r>
-            <a:endParaRPr sz="1800" b="0" i="0" u="none" strike="noStrike" cap="none" dirty="0">
-              <a:solidFill>
-                <a:schemeClr val="dk1"/>
-              </a:solidFill>
-              <a:latin typeface="Malgun Gothic"/>
-              <a:ea typeface="Malgun Gothic"/>
-              <a:cs typeface="Malgun Gothic"/>
-              <a:sym typeface="Malgun Gothic"/>
-            </a:endParaRPr>
-          </a:p>
-        </p:txBody>
-      </p:sp>
-      <p:sp>
-        <p:nvSpPr>
-          <p:cNvPr id="173" name="Google Shape;173;g7c553259d1_0_81"/>
+            <a:r>
+              <a:rPr lang="ko-KR" altLang="en-US" dirty="0" smtClean="0"/>
+              <a:t>로그인</a:t>
+            </a:r>
+            <a:endParaRPr lang="ko-KR" altLang="en-US" dirty="0"/>
+          </a:p>
+        </p:txBody>
+      </p:sp>
+      <p:sp>
+        <p:nvSpPr>
+          <p:cNvPr id="46" name="직사각형 45"/>
           <p:cNvSpPr/>
           <p:nvPr/>
         </p:nvSpPr>
         <p:spPr>
           <a:xfrm>
-            <a:off x="4672970" y="783913"/>
-            <a:ext cx="302700" cy="324600"/>
+            <a:off x="1174876" y="3266955"/>
+            <a:ext cx="769848" cy="247650"/>
           </a:xfrm>
           <a:prstGeom prst="rect">
             <a:avLst/>
           </a:prstGeom>
           <a:solidFill>
-            <a:srgbClr val="FF0000"/>
+            <a:schemeClr val="bg1"/>
           </a:solidFill>
           <a:ln>
-            <a:noFill/>
+            <a:solidFill>
+              <a:schemeClr val="tx1"/>
+            </a:solidFill>
           </a:ln>
         </p:spPr>
-        <p:txBody>
-          <a:bodyPr spcFirstLastPara="1" wrap="square" lIns="91425" tIns="45700" rIns="91425" bIns="45700" anchor="ctr" anchorCtr="0">
-            <a:noAutofit/>
-          </a:bodyPr>
-          <a:lstStyle/>
-          <a:p>
-            <a:pPr marL="0" marR="0" lvl="0" indent="0" algn="ctr" rtl="0">
-              <a:lnSpc>
-                <a:spcPct val="100000"/>
-              </a:lnSpc>
-              <a:spcBef>
-                <a:spcPts val="0"/>
-              </a:spcBef>
-              <a:spcAft>
-                <a:spcPts val="0"/>
-              </a:spcAft>
-              <a:buClr>
-                <a:srgbClr val="000000"/>
-              </a:buClr>
-              <a:buSzPts val="1800"/>
-              <a:buFont typeface="Arial"/>
-              <a:buNone/>
-            </a:pPr>
-            <a:r>
-              <a:rPr lang="ko-KR" sz="1800" b="1" i="0" u="none" strike="noStrike" cap="none" dirty="0">
+        <p:style>
+          <a:lnRef idx="2">
+            <a:schemeClr val="accent1">
+              <a:shade val="50000"/>
+            </a:schemeClr>
+          </a:lnRef>
+          <a:fillRef idx="1">
+            <a:schemeClr val="accent1"/>
+          </a:fillRef>
+          <a:effectRef idx="0">
+            <a:schemeClr val="accent1"/>
+          </a:effectRef>
+          <a:fontRef idx="minor">
+            <a:schemeClr val="lt1"/>
+          </a:fontRef>
+        </p:style>
+        <p:txBody>
+          <a:bodyPr rtlCol="0" anchor="ctr"/>
+          <a:lstStyle/>
+          <a:p>
+            <a:pPr algn="ctr"/>
+            <a:r>
+              <a:rPr lang="ko-KR" altLang="en-US" sz="1000" smtClean="0">
                 <a:solidFill>
-                  <a:schemeClr val="dk1"/>
+                  <a:sysClr val="windowText" lastClr="000000"/>
                 </a:solidFill>
-                <a:latin typeface="Malgun Gothic"/>
-                <a:ea typeface="Malgun Gothic"/>
-                <a:cs typeface="Malgun Gothic"/>
-                <a:sym typeface="Malgun Gothic"/>
               </a:rPr>
-              <a:t>1</a:t>
-            </a:r>
-            <a:endParaRPr sz="1800" b="1" i="0" u="none" strike="noStrike" cap="none" dirty="0">
+              <a:t>아이디</a:t>
+            </a:r>
+            <a:endParaRPr lang="ko-KR" altLang="en-US" sz="1000" dirty="0">
               <a:solidFill>
-                <a:schemeClr val="dk1"/>
+                <a:sysClr val="windowText" lastClr="000000"/>
               </a:solidFill>
-              <a:latin typeface="Malgun Gothic"/>
-              <a:ea typeface="Malgun Gothic"/>
-              <a:cs typeface="Malgun Gothic"/>
-              <a:sym typeface="Malgun Gothic"/>
             </a:endParaRPr>
           </a:p>
         </p:txBody>
       </p:sp>
       <p:sp>
         <p:nvSpPr>
-          <p:cNvPr id="174" name="Google Shape;174;g7c553259d1_0_81"/>
+          <p:cNvPr id="47" name="직사각형 46"/>
           <p:cNvSpPr/>
           <p:nvPr/>
         </p:nvSpPr>
         <p:spPr>
           <a:xfrm>
-            <a:off x="5137963" y="783913"/>
-            <a:ext cx="302700" cy="324600"/>
+            <a:off x="1174876" y="3779471"/>
+            <a:ext cx="769848" cy="247650"/>
           </a:xfrm>
           <a:prstGeom prst="rect">
             <a:avLst/>
           </a:prstGeom>
           <a:solidFill>
-            <a:srgbClr val="FF0000"/>
+            <a:schemeClr val="bg1"/>
           </a:solidFill>
           <a:ln>
-            <a:noFill/>
+            <a:solidFill>
+              <a:schemeClr val="tx1"/>
+            </a:solidFill>
           </a:ln>
         </p:spPr>
-        <p:txBody>
-          <a:bodyPr spcFirstLastPara="1" wrap="square" lIns="91425" tIns="45700" rIns="91425" bIns="45700" anchor="ctr" anchorCtr="0">
-            <a:noAutofit/>
-          </a:bodyPr>
-          <a:lstStyle/>
-          <a:p>
-            <a:pPr marL="0" marR="0" lvl="0" indent="0" algn="ctr" rtl="0">
-              <a:lnSpc>
-                <a:spcPct val="100000"/>
-              </a:lnSpc>
-              <a:spcBef>
-                <a:spcPts val="0"/>
-              </a:spcBef>
-              <a:spcAft>
-                <a:spcPts val="0"/>
-              </a:spcAft>
-              <a:buClr>
-                <a:srgbClr val="000000"/>
-              </a:buClr>
-              <a:buSzPts val="1800"/>
-              <a:buFont typeface="Arial"/>
-              <a:buNone/>
-            </a:pPr>
-            <a:r>
-              <a:rPr lang="ko-KR" sz="1800" b="1" i="0" u="none" strike="noStrike" cap="none" dirty="0">
+        <p:style>
+          <a:lnRef idx="2">
+            <a:schemeClr val="accent1">
+              <a:shade val="50000"/>
+            </a:schemeClr>
+          </a:lnRef>
+          <a:fillRef idx="1">
+            <a:schemeClr val="accent1"/>
+          </a:fillRef>
+          <a:effectRef idx="0">
+            <a:schemeClr val="accent1"/>
+          </a:effectRef>
+          <a:fontRef idx="minor">
+            <a:schemeClr val="lt1"/>
+          </a:fontRef>
+        </p:style>
+        <p:txBody>
+          <a:bodyPr rtlCol="0" anchor="ctr"/>
+          <a:lstStyle/>
+          <a:p>
+            <a:pPr algn="ctr"/>
+            <a:r>
+              <a:rPr lang="ko-KR" altLang="en-US" sz="1000" dirty="0" smtClean="0">
                 <a:solidFill>
-                  <a:schemeClr val="dk1"/>
+                  <a:sysClr val="windowText" lastClr="000000"/>
                 </a:solidFill>
-                <a:latin typeface="Malgun Gothic"/>
-                <a:ea typeface="Malgun Gothic"/>
-                <a:cs typeface="Malgun Gothic"/>
-                <a:sym typeface="Malgun Gothic"/>
               </a:rPr>
-              <a:t>2</a:t>
-            </a:r>
-            <a:endParaRPr sz="1800" b="1" i="0" u="none" strike="noStrike" cap="none" dirty="0">
+              <a:t>비밀번호</a:t>
+            </a:r>
+            <a:endParaRPr lang="ko-KR" altLang="en-US" sz="1000" dirty="0">
               <a:solidFill>
-                <a:schemeClr val="dk1"/>
+                <a:sysClr val="windowText" lastClr="000000"/>
               </a:solidFill>
-              <a:latin typeface="Malgun Gothic"/>
-              <a:ea typeface="Malgun Gothic"/>
-              <a:cs typeface="Malgun Gothic"/>
-              <a:sym typeface="Malgun Gothic"/>
             </a:endParaRPr>
           </a:p>
         </p:txBody>
       </p:sp>
       <p:sp>
         <p:nvSpPr>
-          <p:cNvPr id="175" name="Google Shape;175;g7c553259d1_0_81"/>
+          <p:cNvPr id="48" name="직사각형 47"/>
           <p:cNvSpPr/>
           <p:nvPr/>
         </p:nvSpPr>
         <p:spPr>
           <a:xfrm>
-            <a:off x="4127408" y="1998013"/>
-            <a:ext cx="2231700" cy="278400"/>
+            <a:off x="2184490" y="3266955"/>
+            <a:ext cx="1362698" cy="247650"/>
           </a:xfrm>
           <a:prstGeom prst="rect">
             <a:avLst/>
           </a:prstGeom>
           <a:solidFill>
-            <a:schemeClr val="lt1"/>
+            <a:schemeClr val="bg1"/>
           </a:solidFill>
-          <a:ln w="12700" cap="flat" cmpd="sng">
+          <a:ln>
             <a:solidFill>
-              <a:schemeClr val="dk1"/>
+              <a:schemeClr val="tx1"/>
             </a:solidFill>
-            <a:prstDash val="solid"/>
-            <a:miter lim="800000"/>
-            <a:headEnd type="none" w="sm" len="sm"/>
-            <a:tailEnd type="none" w="sm" len="sm"/>
           </a:ln>
         </p:spPr>
-        <p:txBody>
-          <a:bodyPr spcFirstLastPara="1" wrap="square" lIns="91425" tIns="45700" rIns="91425" bIns="45700" anchor="ctr" anchorCtr="0">
-            <a:noAutofit/>
-          </a:bodyPr>
-          <a:lstStyle/>
-          <a:p>
-            <a:pPr marL="0" marR="0" lvl="0" indent="0" algn="ctr" rtl="0">
-              <a:lnSpc>
-                <a:spcPct val="100000"/>
-              </a:lnSpc>
-              <a:spcBef>
-                <a:spcPts val="0"/>
-              </a:spcBef>
-              <a:spcAft>
-                <a:spcPts val="0"/>
-              </a:spcAft>
-              <a:buClr>
-                <a:srgbClr val="000000"/>
-              </a:buClr>
-              <a:buSzPts val="1500"/>
-              <a:buFont typeface="Arial"/>
-              <a:buNone/>
-            </a:pPr>
-            <a:endParaRPr sz="1500" b="0" i="0" u="none" strike="noStrike" cap="none">
+        <p:style>
+          <a:lnRef idx="2">
+            <a:schemeClr val="accent1">
+              <a:shade val="50000"/>
+            </a:schemeClr>
+          </a:lnRef>
+          <a:fillRef idx="1">
+            <a:schemeClr val="accent1"/>
+          </a:fillRef>
+          <a:effectRef idx="0">
+            <a:schemeClr val="accent1"/>
+          </a:effectRef>
+          <a:fontRef idx="minor">
+            <a:schemeClr val="lt1"/>
+          </a:fontRef>
+        </p:style>
+        <p:txBody>
+          <a:bodyPr rtlCol="0" anchor="ctr"/>
+          <a:lstStyle/>
+          <a:p>
+            <a:pPr algn="ctr"/>
+            <a:endParaRPr lang="ko-KR" altLang="en-US" sz="1000" dirty="0">
               <a:solidFill>
-                <a:schemeClr val="dk1"/>
+                <a:sysClr val="windowText" lastClr="000000"/>
               </a:solidFill>
-              <a:latin typeface="Malgun Gothic"/>
-              <a:ea typeface="Malgun Gothic"/>
-              <a:cs typeface="Malgun Gothic"/>
-              <a:sym typeface="Malgun Gothic"/>
             </a:endParaRPr>
           </a:p>
         </p:txBody>
       </p:sp>
       <p:sp>
         <p:nvSpPr>
-          <p:cNvPr id="176" name="Google Shape;176;g7c553259d1_0_81"/>
+          <p:cNvPr id="49" name="직사각형 48"/>
           <p:cNvSpPr/>
           <p:nvPr/>
         </p:nvSpPr>
         <p:spPr>
           <a:xfrm>
-            <a:off x="4127408" y="2405455"/>
-            <a:ext cx="2231700" cy="278400"/>
+            <a:off x="2184490" y="3779471"/>
+            <a:ext cx="1362698" cy="247650"/>
           </a:xfrm>
           <a:prstGeom prst="rect">
             <a:avLst/>
           </a:prstGeom>
           <a:solidFill>
-            <a:schemeClr val="lt1"/>
+            <a:schemeClr val="bg1"/>
           </a:solidFill>
-          <a:ln w="12700" cap="flat" cmpd="sng">
+          <a:ln>
             <a:solidFill>
-              <a:schemeClr val="dk1"/>
+              <a:schemeClr val="tx1"/>
             </a:solidFill>
-            <a:prstDash val="solid"/>
-            <a:miter lim="800000"/>
-            <a:headEnd type="none" w="sm" len="sm"/>
-            <a:tailEnd type="none" w="sm" len="sm"/>
           </a:ln>
         </p:spPr>
-        <p:txBody>
-          <a:bodyPr spcFirstLastPara="1" wrap="square" lIns="91425" tIns="45700" rIns="91425" bIns="45700" anchor="ctr" anchorCtr="0">
-            <a:noAutofit/>
-          </a:bodyPr>
-          <a:lstStyle/>
-          <a:p>
-            <a:pPr marL="0" marR="0" lvl="0" indent="0" algn="ctr" rtl="0">
-              <a:lnSpc>
-                <a:spcPct val="100000"/>
-              </a:lnSpc>
-              <a:spcBef>
-                <a:spcPts val="0"/>
-              </a:spcBef>
-              <a:spcAft>
-                <a:spcPts val="0"/>
-              </a:spcAft>
-              <a:buClr>
-                <a:srgbClr val="000000"/>
-              </a:buClr>
-              <a:buSzPts val="1500"/>
-              <a:buFont typeface="Arial"/>
-              <a:buNone/>
-            </a:pPr>
-            <a:endParaRPr sz="1500" b="0" i="0" u="none" strike="noStrike" cap="none">
+        <p:style>
+          <a:lnRef idx="2">
+            <a:schemeClr val="accent1">
+              <a:shade val="50000"/>
+            </a:schemeClr>
+          </a:lnRef>
+          <a:fillRef idx="1">
+            <a:schemeClr val="accent1"/>
+          </a:fillRef>
+          <a:effectRef idx="0">
+            <a:schemeClr val="accent1"/>
+          </a:effectRef>
+          <a:fontRef idx="minor">
+            <a:schemeClr val="lt1"/>
+          </a:fontRef>
+        </p:style>
+        <p:txBody>
+          <a:bodyPr rtlCol="0" anchor="ctr"/>
+          <a:lstStyle/>
+          <a:p>
+            <a:pPr algn="ctr"/>
+            <a:endParaRPr lang="ko-KR" altLang="en-US" sz="1000" dirty="0">
               <a:solidFill>
-                <a:schemeClr val="dk1"/>
+                <a:sysClr val="windowText" lastClr="000000"/>
               </a:solidFill>
-              <a:latin typeface="Malgun Gothic"/>
-              <a:ea typeface="Malgun Gothic"/>
-              <a:cs typeface="Malgun Gothic"/>
-              <a:sym typeface="Malgun Gothic"/>
             </a:endParaRPr>
           </a:p>
         </p:txBody>
       </p:sp>
       <p:sp>
         <p:nvSpPr>
-          <p:cNvPr id="196" name="Google Shape;196;g7c553259d1_0_81"/>
+          <p:cNvPr id="50" name="직사각형 49"/>
           <p:cNvSpPr/>
           <p:nvPr/>
         </p:nvSpPr>
         <p:spPr>
           <a:xfrm>
-            <a:off x="5602956" y="783913"/>
-            <a:ext cx="302700" cy="324600"/>
+            <a:off x="1982557" y="4313805"/>
+            <a:ext cx="769848" cy="247650"/>
           </a:xfrm>
           <a:prstGeom prst="rect">
             <a:avLst/>
           </a:prstGeom>
           <a:solidFill>
-            <a:srgbClr val="FF0000"/>
+            <a:schemeClr val="bg1"/>
           </a:solidFill>
           <a:ln>
-            <a:noFill/>
+            <a:solidFill>
+              <a:schemeClr val="tx1"/>
+            </a:solidFill>
           </a:ln>
         </p:spPr>
-        <p:txBody>
-          <a:bodyPr spcFirstLastPara="1" wrap="square" lIns="91425" tIns="45700" rIns="91425" bIns="45700" anchor="ctr" anchorCtr="0">
-            <a:noAutofit/>
-          </a:bodyPr>
-          <a:lstStyle/>
-          <a:p>
-            <a:pPr marL="0" marR="0" lvl="0" indent="0" algn="ctr" rtl="0">
-              <a:lnSpc>
-                <a:spcPct val="100000"/>
-              </a:lnSpc>
-              <a:spcBef>
-                <a:spcPts val="0"/>
-              </a:spcBef>
-              <a:spcAft>
-                <a:spcPts val="0"/>
-              </a:spcAft>
-              <a:buClr>
-                <a:srgbClr val="000000"/>
-              </a:buClr>
-              <a:buSzPts val="1800"/>
-              <a:buFont typeface="Arial"/>
-              <a:buNone/>
-            </a:pPr>
-            <a:r>
-              <a:rPr lang="ko-KR" sz="1800" b="1" i="0" u="none" strike="noStrike" cap="none" dirty="0">
+        <p:style>
+          <a:lnRef idx="2">
+            <a:schemeClr val="accent1">
+              <a:shade val="50000"/>
+            </a:schemeClr>
+          </a:lnRef>
+          <a:fillRef idx="1">
+            <a:schemeClr val="accent1"/>
+          </a:fillRef>
+          <a:effectRef idx="0">
+            <a:schemeClr val="accent1"/>
+          </a:effectRef>
+          <a:fontRef idx="minor">
+            <a:schemeClr val="lt1"/>
+          </a:fontRef>
+        </p:style>
+        <p:txBody>
+          <a:bodyPr rtlCol="0" anchor="ctr"/>
+          <a:lstStyle/>
+          <a:p>
+            <a:pPr algn="ctr"/>
+            <a:r>
+              <a:rPr lang="ko-KR" altLang="en-US" sz="1000" dirty="0" smtClean="0">
                 <a:solidFill>
-                  <a:schemeClr val="dk1"/>
+                  <a:sysClr val="windowText" lastClr="000000"/>
                 </a:solidFill>
-                <a:latin typeface="Malgun Gothic"/>
-                <a:ea typeface="Malgun Gothic"/>
-                <a:cs typeface="Malgun Gothic"/>
-                <a:sym typeface="Malgun Gothic"/>
               </a:rPr>
-              <a:t>3</a:t>
-            </a:r>
-            <a:endParaRPr sz="1800" b="1" i="0" u="none" strike="noStrike" cap="none" dirty="0">
+              <a:t>로그인</a:t>
+            </a:r>
+            <a:endParaRPr lang="ko-KR" altLang="en-US" sz="1000" dirty="0">
               <a:solidFill>
-                <a:schemeClr val="dk1"/>
+                <a:sysClr val="windowText" lastClr="000000"/>
               </a:solidFill>
-              <a:latin typeface="Malgun Gothic"/>
-              <a:ea typeface="Malgun Gothic"/>
-              <a:cs typeface="Malgun Gothic"/>
-              <a:sym typeface="Malgun Gothic"/>
             </a:endParaRPr>
           </a:p>
         </p:txBody>
       </p:sp>
       <p:sp>
         <p:nvSpPr>
-          <p:cNvPr id="204" name="Google Shape;204;g7c553259d1_0_81"/>
+          <p:cNvPr id="51" name="직사각형 50"/>
           <p:cNvSpPr/>
           <p:nvPr/>
         </p:nvSpPr>
         <p:spPr>
           <a:xfrm>
-            <a:off x="6997933" y="783913"/>
-            <a:ext cx="302700" cy="324600"/>
+            <a:off x="4557151" y="4146156"/>
+            <a:ext cx="769848" cy="247650"/>
           </a:xfrm>
           <a:prstGeom prst="rect">
             <a:avLst/>
           </a:prstGeom>
           <a:solidFill>
-            <a:srgbClr val="FF0000"/>
+            <a:schemeClr val="bg1"/>
           </a:solidFill>
           <a:ln>
-            <a:noFill/>
+            <a:solidFill>
+              <a:schemeClr val="tx1"/>
+            </a:solidFill>
           </a:ln>
         </p:spPr>
-        <p:txBody>
-          <a:bodyPr spcFirstLastPara="1" wrap="square" lIns="91425" tIns="45700" rIns="91425" bIns="45700" anchor="ctr" anchorCtr="0">
-            <a:noAutofit/>
-          </a:bodyPr>
-          <a:lstStyle/>
-          <a:p>
-            <a:pPr marL="0" marR="0" lvl="0" indent="0" algn="ctr" rtl="0">
-              <a:lnSpc>
-                <a:spcPct val="100000"/>
-              </a:lnSpc>
-              <a:spcBef>
-                <a:spcPts val="0"/>
-              </a:spcBef>
-              <a:spcAft>
-                <a:spcPts val="0"/>
-              </a:spcAft>
-              <a:buClr>
-                <a:srgbClr val="000000"/>
-              </a:buClr>
-              <a:buSzPts val="1800"/>
-              <a:buFont typeface="Arial"/>
-              <a:buNone/>
-            </a:pPr>
-            <a:r>
-              <a:rPr lang="ko-KR" sz="1800" b="1" i="0" u="none" strike="noStrike" cap="none">
+        <p:style>
+          <a:lnRef idx="2">
+            <a:schemeClr val="accent1">
+              <a:shade val="50000"/>
+            </a:schemeClr>
+          </a:lnRef>
+          <a:fillRef idx="1">
+            <a:schemeClr val="accent1"/>
+          </a:fillRef>
+          <a:effectRef idx="0">
+            <a:schemeClr val="accent1"/>
+          </a:effectRef>
+          <a:fontRef idx="minor">
+            <a:schemeClr val="lt1"/>
+          </a:fontRef>
+        </p:style>
+        <p:txBody>
+          <a:bodyPr rtlCol="0" anchor="ctr"/>
+          <a:lstStyle/>
+          <a:p>
+            <a:pPr algn="ctr"/>
+            <a:r>
+              <a:rPr lang="ko-KR" altLang="en-US" sz="1000" dirty="0" smtClean="0">
                 <a:solidFill>
-                  <a:schemeClr val="dk1"/>
+                  <a:sysClr val="windowText" lastClr="000000"/>
                 </a:solidFill>
-                <a:latin typeface="Malgun Gothic"/>
-                <a:ea typeface="Malgun Gothic"/>
-                <a:cs typeface="Malgun Gothic"/>
-                <a:sym typeface="Malgun Gothic"/>
               </a:rPr>
-              <a:t>6</a:t>
-            </a:r>
-            <a:endParaRPr sz="1800" b="1" i="0" u="none" strike="noStrike" cap="none">
+              <a:t>회원가입</a:t>
+            </a:r>
+            <a:endParaRPr lang="ko-KR" altLang="en-US" sz="1000" dirty="0">
               <a:solidFill>
-                <a:schemeClr val="dk1"/>
+                <a:sysClr val="windowText" lastClr="000000"/>
               </a:solidFill>
-              <a:latin typeface="Malgun Gothic"/>
-              <a:ea typeface="Malgun Gothic"/>
-              <a:cs typeface="Malgun Gothic"/>
-              <a:sym typeface="Malgun Gothic"/>
             </a:endParaRPr>
           </a:p>
         </p:txBody>
       </p:sp>
       <p:sp>
         <p:nvSpPr>
-          <p:cNvPr id="207" name="Google Shape;207;g7c553259d1_0_81"/>
+          <p:cNvPr id="8" name="직사각형 7"/>
           <p:cNvSpPr/>
           <p:nvPr/>
         </p:nvSpPr>
         <p:spPr>
           <a:xfrm>
-            <a:off x="6067949" y="783913"/>
-            <a:ext cx="302700" cy="324600"/>
+            <a:off x="552261" y="1997382"/>
+            <a:ext cx="7327176" cy="3512745"/>
+          </a:xfrm>
+          <a:prstGeom prst="rect">
+            <a:avLst/>
+          </a:prstGeom>
+          <a:noFill/>
+          <a:ln>
+            <a:solidFill>
+              <a:schemeClr val="tx1"/>
+            </a:solidFill>
+          </a:ln>
+        </p:spPr>
+        <p:style>
+          <a:lnRef idx="2">
+            <a:schemeClr val="accent1">
+              <a:shade val="50000"/>
+            </a:schemeClr>
+          </a:lnRef>
+          <a:fillRef idx="1">
+            <a:schemeClr val="accent1"/>
+          </a:fillRef>
+          <a:effectRef idx="0">
+            <a:schemeClr val="accent1"/>
+          </a:effectRef>
+          <a:fontRef idx="minor">
+            <a:schemeClr val="lt1"/>
+          </a:fontRef>
+        </p:style>
+        <p:txBody>
+          <a:bodyPr rtlCol="0" anchor="ctr"/>
+          <a:lstStyle/>
+          <a:p>
+            <a:pPr algn="ctr"/>
+            <a:endParaRPr lang="ko-KR" altLang="en-US">
+              <a:noFill/>
+            </a:endParaRPr>
+          </a:p>
+        </p:txBody>
+      </p:sp>
+      <p:cxnSp>
+        <p:nvCxnSpPr>
+          <p:cNvPr id="11" name="직선 연결선 10"/>
+          <p:cNvCxnSpPr>
+            <a:stCxn id="8" idx="0"/>
+          </p:cNvCxnSpPr>
+          <p:nvPr/>
+        </p:nvCxnSpPr>
+        <p:spPr>
+          <a:xfrm flipH="1">
+            <a:off x="4182701" y="1997382"/>
+            <a:ext cx="33148" cy="3512745"/>
+          </a:xfrm>
+          <a:prstGeom prst="line">
+            <a:avLst/>
+          </a:prstGeom>
+          <a:ln>
+            <a:solidFill>
+              <a:schemeClr val="tx1"/>
+            </a:solidFill>
+          </a:ln>
+        </p:spPr>
+        <p:style>
+          <a:lnRef idx="1">
+            <a:schemeClr val="accent1"/>
+          </a:lnRef>
+          <a:fillRef idx="0">
+            <a:schemeClr val="accent1"/>
+          </a:fillRef>
+          <a:effectRef idx="0">
+            <a:schemeClr val="accent1"/>
+          </a:effectRef>
+          <a:fontRef idx="minor">
+            <a:schemeClr val="tx1"/>
+          </a:fontRef>
+        </p:style>
+      </p:cxnSp>
+      <p:sp>
+        <p:nvSpPr>
+          <p:cNvPr id="54" name="직사각형 53"/>
+          <p:cNvSpPr/>
+          <p:nvPr/>
+        </p:nvSpPr>
+        <p:spPr>
+          <a:xfrm>
+            <a:off x="5530077" y="4146156"/>
+            <a:ext cx="852624" cy="247650"/>
           </a:xfrm>
           <a:prstGeom prst="rect">
             <a:avLst/>
           </a:prstGeom>
           <a:solidFill>
-            <a:srgbClr val="FF0000"/>
+            <a:schemeClr val="bg1"/>
           </a:solidFill>
           <a:ln>
-            <a:noFill/>
+            <a:solidFill>
+              <a:schemeClr val="tx1"/>
+            </a:solidFill>
           </a:ln>
         </p:spPr>
-        <p:txBody>
-          <a:bodyPr spcFirstLastPara="1" wrap="square" lIns="91425" tIns="45700" rIns="91425" bIns="45700" anchor="ctr" anchorCtr="0">
-            <a:noAutofit/>
-          </a:bodyPr>
-          <a:lstStyle/>
-          <a:p>
-            <a:pPr marL="0" marR="0" lvl="0" indent="0" algn="ctr" rtl="0">
-              <a:lnSpc>
-                <a:spcPct val="100000"/>
-              </a:lnSpc>
-              <a:spcBef>
-                <a:spcPts val="0"/>
-              </a:spcBef>
-              <a:spcAft>
-                <a:spcPts val="0"/>
-              </a:spcAft>
-              <a:buClr>
-                <a:srgbClr val="000000"/>
-              </a:buClr>
-              <a:buSzPts val="1800"/>
-              <a:buFont typeface="Arial"/>
-              <a:buNone/>
-            </a:pPr>
-            <a:r>
-              <a:rPr lang="ko-KR" sz="1800" b="1" i="0" u="none" strike="noStrike" cap="none" dirty="0">
+        <p:style>
+          <a:lnRef idx="2">
+            <a:schemeClr val="accent1">
+              <a:shade val="50000"/>
+            </a:schemeClr>
+          </a:lnRef>
+          <a:fillRef idx="1">
+            <a:schemeClr val="accent1"/>
+          </a:fillRef>
+          <a:effectRef idx="0">
+            <a:schemeClr val="accent1"/>
+          </a:effectRef>
+          <a:fontRef idx="minor">
+            <a:schemeClr val="lt1"/>
+          </a:fontRef>
+        </p:style>
+        <p:txBody>
+          <a:bodyPr rtlCol="0" anchor="ctr"/>
+          <a:lstStyle/>
+          <a:p>
+            <a:pPr algn="ctr"/>
+            <a:r>
+              <a:rPr lang="ko-KR" altLang="en-US" sz="1000" smtClean="0">
                 <a:solidFill>
-                  <a:schemeClr val="dk1"/>
+                  <a:sysClr val="windowText" lastClr="000000"/>
                 </a:solidFill>
-                <a:latin typeface="Malgun Gothic"/>
-                <a:ea typeface="Malgun Gothic"/>
-                <a:cs typeface="Malgun Gothic"/>
-                <a:sym typeface="Malgun Gothic"/>
               </a:rPr>
-              <a:t>4</a:t>
-            </a:r>
-            <a:endParaRPr sz="1800" b="1" i="0" u="none" strike="noStrike" cap="none" dirty="0">
+              <a:t>아이디찾기</a:t>
+            </a:r>
+            <a:endParaRPr lang="ko-KR" altLang="en-US" sz="1000" dirty="0">
               <a:solidFill>
-                <a:schemeClr val="dk1"/>
+                <a:sysClr val="windowText" lastClr="000000"/>
               </a:solidFill>
-              <a:latin typeface="Malgun Gothic"/>
-              <a:ea typeface="Malgun Gothic"/>
-              <a:cs typeface="Malgun Gothic"/>
-              <a:sym typeface="Malgun Gothic"/>
             </a:endParaRPr>
           </a:p>
         </p:txBody>
       </p:sp>
       <p:sp>
         <p:nvSpPr>
-          <p:cNvPr id="208" name="Google Shape;208;g7c553259d1_0_81"/>
+          <p:cNvPr id="55" name="직사각형 54"/>
           <p:cNvSpPr/>
           <p:nvPr/>
         </p:nvSpPr>
         <p:spPr>
           <a:xfrm>
-            <a:off x="6532942" y="783913"/>
-            <a:ext cx="302700" cy="324600"/>
+            <a:off x="6585778" y="4146156"/>
+            <a:ext cx="991979" cy="247650"/>
           </a:xfrm>
           <a:prstGeom prst="rect">
             <a:avLst/>
           </a:prstGeom>
           <a:solidFill>
-            <a:srgbClr val="FF0000"/>
+            <a:schemeClr val="bg1"/>
           </a:solidFill>
           <a:ln>
-            <a:noFill/>
+            <a:solidFill>
+              <a:schemeClr val="tx1"/>
+            </a:solidFill>
           </a:ln>
         </p:spPr>
-        <p:txBody>
-          <a:bodyPr spcFirstLastPara="1" wrap="square" lIns="91425" tIns="45700" rIns="91425" bIns="45700" anchor="ctr" anchorCtr="0">
-            <a:noAutofit/>
-          </a:bodyPr>
-          <a:lstStyle/>
-          <a:p>
-            <a:pPr marL="0" marR="0" lvl="0" indent="0" algn="ctr" rtl="0">
-              <a:lnSpc>
-                <a:spcPct val="100000"/>
-              </a:lnSpc>
-              <a:spcBef>
-                <a:spcPts val="0"/>
-              </a:spcBef>
-              <a:spcAft>
-                <a:spcPts val="0"/>
-              </a:spcAft>
-              <a:buClr>
-                <a:srgbClr val="000000"/>
-              </a:buClr>
-              <a:buSzPts val="1800"/>
-              <a:buFont typeface="Arial"/>
-              <a:buNone/>
-            </a:pPr>
-            <a:r>
-              <a:rPr lang="ko-KR" sz="1800" b="1" i="0" u="none" strike="noStrike" cap="none">
+        <p:style>
+          <a:lnRef idx="2">
+            <a:schemeClr val="accent1">
+              <a:shade val="50000"/>
+            </a:schemeClr>
+          </a:lnRef>
+          <a:fillRef idx="1">
+            <a:schemeClr val="accent1"/>
+          </a:fillRef>
+          <a:effectRef idx="0">
+            <a:schemeClr val="accent1"/>
+          </a:effectRef>
+          <a:fontRef idx="minor">
+            <a:schemeClr val="lt1"/>
+          </a:fontRef>
+        </p:style>
+        <p:txBody>
+          <a:bodyPr rtlCol="0" anchor="ctr"/>
+          <a:lstStyle/>
+          <a:p>
+            <a:pPr algn="ctr"/>
+            <a:r>
+              <a:rPr lang="ko-KR" altLang="en-US" sz="1000" smtClean="0">
                 <a:solidFill>
-                  <a:schemeClr val="dk1"/>
+                  <a:sysClr val="windowText" lastClr="000000"/>
                 </a:solidFill>
-                <a:latin typeface="Malgun Gothic"/>
-                <a:ea typeface="Malgun Gothic"/>
-                <a:cs typeface="Malgun Gothic"/>
-                <a:sym typeface="Malgun Gothic"/>
               </a:rPr>
-              <a:t>5</a:t>
-            </a:r>
-            <a:endParaRPr sz="1800" b="1" i="0" u="none" strike="noStrike" cap="none">
+              <a:t>비밀번호찾기</a:t>
+            </a:r>
+            <a:endParaRPr lang="ko-KR" altLang="en-US" sz="1000" dirty="0">
               <a:solidFill>
-                <a:schemeClr val="dk1"/>
+                <a:sysClr val="windowText" lastClr="000000"/>
               </a:solidFill>
-              <a:latin typeface="Malgun Gothic"/>
-              <a:ea typeface="Malgun Gothic"/>
-              <a:cs typeface="Malgun Gothic"/>
-              <a:sym typeface="Malgun Gothic"/>
             </a:endParaRPr>
           </a:p>
         </p:txBody>
       </p:sp>
-      <p:grpSp>
-        <p:nvGrpSpPr>
-          <p:cNvPr id="2" name="그룹 1"/>
-          <p:cNvGrpSpPr/>
-          <p:nvPr/>
-        </p:nvGrpSpPr>
-        <p:grpSpPr>
-          <a:xfrm>
-            <a:off x="4228947" y="3439141"/>
-            <a:ext cx="1037400" cy="278400"/>
-            <a:chOff x="4228947" y="3439141"/>
-            <a:chExt cx="1037400" cy="278400"/>
-          </a:xfrm>
-        </p:grpSpPr>
-        <p:sp>
-          <p:nvSpPr>
-            <p:cNvPr id="181" name="Google Shape;181;g7c553259d1_0_81"/>
-            <p:cNvSpPr/>
-            <p:nvPr/>
-          </p:nvSpPr>
-          <p:spPr>
-            <a:xfrm>
-              <a:off x="4228947" y="3439141"/>
-              <a:ext cx="1037400" cy="278400"/>
-            </a:xfrm>
-            <a:prstGeom prst="rect">
-              <a:avLst/>
-            </a:prstGeom>
-            <a:solidFill>
-              <a:schemeClr val="lt1"/>
-            </a:solidFill>
-            <a:ln w="12700" cap="flat" cmpd="sng">
-              <a:solidFill>
-                <a:schemeClr val="dk1"/>
-              </a:solidFill>
-              <a:prstDash val="solid"/>
-              <a:miter lim="800000"/>
-              <a:headEnd type="none" w="sm" len="sm"/>
-              <a:tailEnd type="none" w="sm" len="sm"/>
-            </a:ln>
-          </p:spPr>
-          <p:txBody>
-            <a:bodyPr spcFirstLastPara="1" wrap="square" lIns="91425" tIns="45700" rIns="91425" bIns="45700" anchor="ctr" anchorCtr="0">
-              <a:noAutofit/>
-            </a:bodyPr>
-            <a:lstStyle/>
-            <a:p>
-              <a:pPr marL="0" marR="0" lvl="0" indent="0" algn="ctr" rtl="0">
-                <a:lnSpc>
-                  <a:spcPct val="100000"/>
-                </a:lnSpc>
-                <a:spcBef>
-                  <a:spcPts val="0"/>
-                </a:spcBef>
-                <a:spcAft>
-                  <a:spcPts val="0"/>
-                </a:spcAft>
-                <a:buClr>
-                  <a:srgbClr val="000000"/>
-                </a:buClr>
-                <a:buSzPts val="1500"/>
-                <a:buFont typeface="Arial"/>
-                <a:buNone/>
-              </a:pPr>
-              <a:endParaRPr sz="1500" b="0" i="0" u="none" strike="noStrike" cap="none">
-                <a:solidFill>
-                  <a:schemeClr val="dk1"/>
-                </a:solidFill>
-                <a:latin typeface="Malgun Gothic"/>
-                <a:ea typeface="Malgun Gothic"/>
-                <a:cs typeface="Malgun Gothic"/>
-                <a:sym typeface="Malgun Gothic"/>
-              </a:endParaRPr>
-            </a:p>
-          </p:txBody>
-        </p:sp>
-        <p:sp>
-          <p:nvSpPr>
-            <p:cNvPr id="209" name="Google Shape;209;g7c553259d1_0_81"/>
-            <p:cNvSpPr/>
-            <p:nvPr/>
-          </p:nvSpPr>
-          <p:spPr>
-            <a:xfrm rot="10800000">
-              <a:off x="4998576" y="3491485"/>
-              <a:ext cx="201000" cy="173700"/>
-            </a:xfrm>
-            <a:prstGeom prst="triangle">
-              <a:avLst>
-                <a:gd name="adj" fmla="val 50000"/>
-              </a:avLst>
-            </a:prstGeom>
-            <a:solidFill>
-              <a:schemeClr val="lt2"/>
-            </a:solidFill>
-            <a:ln w="9525" cap="flat" cmpd="sng">
-              <a:solidFill>
-                <a:schemeClr val="dk2"/>
-              </a:solidFill>
-              <a:prstDash val="solid"/>
-              <a:round/>
-              <a:headEnd type="none" w="sm" len="sm"/>
-              <a:tailEnd type="none" w="sm" len="sm"/>
-            </a:ln>
-          </p:spPr>
-          <p:txBody>
-            <a:bodyPr spcFirstLastPara="1" wrap="square" lIns="91425" tIns="91425" rIns="91425" bIns="91425" anchor="ctr" anchorCtr="0">
-              <a:noAutofit/>
-            </a:bodyPr>
-            <a:lstStyle/>
-            <a:p>
-              <a:pPr marL="0" lvl="0" indent="0" algn="l" rtl="0">
-                <a:spcBef>
-                  <a:spcPts val="0"/>
-                </a:spcBef>
-                <a:spcAft>
-                  <a:spcPts val="0"/>
-                </a:spcAft>
-                <a:buNone/>
-              </a:pPr>
-              <a:endParaRPr/>
-            </a:p>
-          </p:txBody>
-        </p:sp>
-      </p:grpSp>
-      <p:sp>
-        <p:nvSpPr>
-          <p:cNvPr id="216" name="Google Shape;216;g7c553259d1_0_81"/>
+      <p:sp>
+        <p:nvSpPr>
+          <p:cNvPr id="15" name="직사각형 14"/>
           <p:cNvSpPr/>
           <p:nvPr/>
         </p:nvSpPr>
         <p:spPr>
           <a:xfrm>
-            <a:off x="2789128" y="5962005"/>
-            <a:ext cx="5303069" cy="403800"/>
+            <a:off x="4557151" y="3104001"/>
+            <a:ext cx="769848" cy="852369"/>
           </a:xfrm>
           <a:prstGeom prst="rect">
             <a:avLst/>
           </a:prstGeom>
           <a:solidFill>
-            <a:srgbClr val="F4CCCC"/>
+            <a:schemeClr val="bg1"/>
           </a:solidFill>
-          <a:ln w="9525" cap="flat" cmpd="sng">
+          <a:ln>
             <a:solidFill>
-              <a:schemeClr val="dk2"/>
+              <a:schemeClr val="tx1"/>
             </a:solidFill>
-            <a:prstDash val="solid"/>
-            <a:round/>
-            <a:headEnd type="none" w="sm" len="sm"/>
-            <a:tailEnd type="none" w="sm" len="sm"/>
           </a:ln>
         </p:spPr>
-        <p:txBody>
-          <a:bodyPr spcFirstLastPara="1" wrap="square" lIns="91425" tIns="91425" rIns="91425" bIns="91425" anchor="ctr" anchorCtr="0">
-            <a:noAutofit/>
-          </a:bodyPr>
-          <a:lstStyle/>
-          <a:p>
-            <a:pPr marL="0" lvl="0" indent="0" algn="l" rtl="0">
-              <a:spcBef>
-                <a:spcPts val="0"/>
-              </a:spcBef>
-              <a:spcAft>
-                <a:spcPts val="0"/>
-              </a:spcAft>
-              <a:buClr>
-                <a:schemeClr val="dk1"/>
-              </a:buClr>
-              <a:buSzPts val="1100"/>
-              <a:buFont typeface="Arial"/>
-              <a:buNone/>
-            </a:pPr>
-            <a:r>
-              <a:rPr lang="en-US" dirty="0" smtClean="0"/>
-              <a:t>**</a:t>
-            </a:r>
-            <a:endParaRPr dirty="0"/>
+        <p:style>
+          <a:lnRef idx="2">
+            <a:schemeClr val="accent1">
+              <a:shade val="50000"/>
+            </a:schemeClr>
+          </a:lnRef>
+          <a:fillRef idx="1">
+            <a:schemeClr val="accent1"/>
+          </a:fillRef>
+          <a:effectRef idx="0">
+            <a:schemeClr val="accent1"/>
+          </a:effectRef>
+          <a:fontRef idx="minor">
+            <a:schemeClr val="lt1"/>
+          </a:fontRef>
+        </p:style>
+        <p:txBody>
+          <a:bodyPr rtlCol="0" anchor="ctr"/>
+          <a:lstStyle/>
+          <a:p>
+            <a:pPr algn="ctr"/>
+            <a:r>
+              <a:rPr lang="ko-KR" altLang="en-US" sz="1400" dirty="0" smtClean="0">
+                <a:solidFill>
+                  <a:schemeClr val="tx1"/>
+                </a:solidFill>
+              </a:rPr>
+              <a:t>아이콘</a:t>
+            </a:r>
+            <a:endParaRPr lang="ko-KR" altLang="en-US" sz="1400" dirty="0">
+              <a:solidFill>
+                <a:schemeClr val="tx1"/>
+              </a:solidFill>
+            </a:endParaRPr>
+          </a:p>
+        </p:txBody>
+      </p:sp>
+      <p:sp>
+        <p:nvSpPr>
+          <p:cNvPr id="56" name="직사각형 55"/>
+          <p:cNvSpPr/>
+          <p:nvPr/>
+        </p:nvSpPr>
+        <p:spPr>
+          <a:xfrm>
+            <a:off x="5571465" y="3104001"/>
+            <a:ext cx="769848" cy="852369"/>
+          </a:xfrm>
+          <a:prstGeom prst="rect">
+            <a:avLst/>
+          </a:prstGeom>
+          <a:solidFill>
+            <a:schemeClr val="bg1"/>
+          </a:solidFill>
+          <a:ln>
+            <a:solidFill>
+              <a:schemeClr val="tx1"/>
+            </a:solidFill>
+          </a:ln>
+        </p:spPr>
+        <p:style>
+          <a:lnRef idx="2">
+            <a:schemeClr val="accent1">
+              <a:shade val="50000"/>
+            </a:schemeClr>
+          </a:lnRef>
+          <a:fillRef idx="1">
+            <a:schemeClr val="accent1"/>
+          </a:fillRef>
+          <a:effectRef idx="0">
+            <a:schemeClr val="accent1"/>
+          </a:effectRef>
+          <a:fontRef idx="minor">
+            <a:schemeClr val="lt1"/>
+          </a:fontRef>
+        </p:style>
+        <p:txBody>
+          <a:bodyPr rtlCol="0" anchor="ctr"/>
+          <a:lstStyle/>
+          <a:p>
+            <a:pPr algn="ctr"/>
+            <a:r>
+              <a:rPr lang="ko-KR" altLang="en-US" sz="1400" dirty="0" smtClean="0">
+                <a:solidFill>
+                  <a:schemeClr val="tx1"/>
+                </a:solidFill>
+              </a:rPr>
+              <a:t>아이콘</a:t>
+            </a:r>
+            <a:endParaRPr lang="ko-KR" altLang="en-US" sz="1400" dirty="0">
+              <a:solidFill>
+                <a:schemeClr val="tx1"/>
+              </a:solidFill>
+            </a:endParaRPr>
+          </a:p>
+        </p:txBody>
+      </p:sp>
+      <p:sp>
+        <p:nvSpPr>
+          <p:cNvPr id="57" name="직사각형 56"/>
+          <p:cNvSpPr/>
+          <p:nvPr/>
+        </p:nvSpPr>
+        <p:spPr>
+          <a:xfrm>
+            <a:off x="6696843" y="3104001"/>
+            <a:ext cx="769848" cy="852369"/>
+          </a:xfrm>
+          <a:prstGeom prst="rect">
+            <a:avLst/>
+          </a:prstGeom>
+          <a:solidFill>
+            <a:schemeClr val="bg1"/>
+          </a:solidFill>
+          <a:ln>
+            <a:solidFill>
+              <a:schemeClr val="tx1"/>
+            </a:solidFill>
+          </a:ln>
+        </p:spPr>
+        <p:style>
+          <a:lnRef idx="2">
+            <a:schemeClr val="accent1">
+              <a:shade val="50000"/>
+            </a:schemeClr>
+          </a:lnRef>
+          <a:fillRef idx="1">
+            <a:schemeClr val="accent1"/>
+          </a:fillRef>
+          <a:effectRef idx="0">
+            <a:schemeClr val="accent1"/>
+          </a:effectRef>
+          <a:fontRef idx="minor">
+            <a:schemeClr val="lt1"/>
+          </a:fontRef>
+        </p:style>
+        <p:txBody>
+          <a:bodyPr rtlCol="0" anchor="ctr"/>
+          <a:lstStyle/>
+          <a:p>
+            <a:pPr algn="ctr"/>
+            <a:r>
+              <a:rPr lang="ko-KR" altLang="en-US" sz="1400" dirty="0" smtClean="0">
+                <a:solidFill>
+                  <a:schemeClr val="tx1"/>
+                </a:solidFill>
+              </a:rPr>
+              <a:t>아이콘</a:t>
+            </a:r>
+            <a:endParaRPr lang="ko-KR" altLang="en-US" sz="1400" dirty="0">
+              <a:solidFill>
+                <a:schemeClr val="tx1"/>
+              </a:solidFill>
+            </a:endParaRPr>
           </a:p>
         </p:txBody>
       </p:sp>
     </p:spTree>
     <p:extLst>
       <p:ext uri="{BB962C8B-B14F-4D97-AF65-F5344CB8AC3E}">
-        <p14:creationId xmlns:p14="http://schemas.microsoft.com/office/powerpoint/2010/main" val="2165752945"/>
+        <p14:creationId xmlns:p14="http://schemas.microsoft.com/office/powerpoint/2010/main" val="1451833058"/>
       </p:ext>
     </p:extLst>
   </p:cSld>
@@ -6674,7 +9152,7 @@
   <a:extraClrSchemeLst/>
   <a:extLst>
     <a:ext uri="{05A4C25C-085E-4340-85A3-A5531E510DB2}">
-      <thm15:themeFamily xmlns="" xmlns:thm15="http://schemas.microsoft.com/office/thememl/2012/main" name="Office Theme" id="{62F939B6-93AF-4DB8-9C6B-D6C7DFDC589F}" vid="{4A3C46E8-61CC-4603-A589-7422A47A8E4A}"/>
+      <thm15:themeFamily xmlns:thm15="http://schemas.microsoft.com/office/thememl/2012/main" name="Office Theme" id="{62F939B6-93AF-4DB8-9C6B-D6C7DFDC589F}" vid="{4A3C46E8-61CC-4603-A589-7422A47A8E4A}"/>
     </a:ext>
   </a:extLst>
 </a:theme>
@@ -6935,7 +9413,7 @@
   <a:extraClrSchemeLst/>
   <a:extLst>
     <a:ext uri="{05A4C25C-085E-4340-85A3-A5531E510DB2}">
-      <thm15:themeFamily xmlns="" xmlns:thm15="http://schemas.microsoft.com/office/thememl/2012/main" name="Office Theme" id="{62F939B6-93AF-4DB8-9C6B-D6C7DFDC589F}" vid="{4A3C46E8-61CC-4603-A589-7422A47A8E4A}"/>
+      <thm15:themeFamily xmlns:thm15="http://schemas.microsoft.com/office/thememl/2012/main" name="Office Theme" id="{62F939B6-93AF-4DB8-9C6B-D6C7DFDC589F}" vid="{4A3C46E8-61CC-4603-A589-7422A47A8E4A}"/>
     </a:ext>
   </a:extLst>
 </a:theme>

--- a/project03 화면설계서/project03 - 화면 설계서 - 용승.pptx
+++ b/project03 화면설계서/project03 - 화면 설계서 - 용승.pptx
@@ -1873,7 +1873,7 @@
           </a:ln>
           <a:extLst>
             <a:ext uri="{C572A759-6A51-4108-AA02-DFA0A04FC94B}">
-              <ma14:wrappingTextBoxFlag xmlns:ma14="http://schemas.microsoft.com/office/mac/drawingml/2011/main" xmlns:a14="http://schemas.microsoft.com/office/drawing/2010/main" xmlns:m="http://schemas.openxmlformats.org/officeDocument/2006/math" xmlns="" val="1"/>
+              <ma14:wrappingTextBoxFlag xmlns="" xmlns:m="http://schemas.openxmlformats.org/officeDocument/2006/math" xmlns:a14="http://schemas.microsoft.com/office/drawing/2010/main" xmlns:ma14="http://schemas.microsoft.com/office/mac/drawingml/2011/main" val="1"/>
             </a:ext>
           </a:extLst>
         </p:spPr>
@@ -1912,7 +1912,7 @@
           </a:ln>
           <a:extLst>
             <a:ext uri="{C572A759-6A51-4108-AA02-DFA0A04FC94B}">
-              <ma14:wrappingTextBoxFlag xmlns:ma14="http://schemas.microsoft.com/office/mac/drawingml/2011/main" xmlns:a14="http://schemas.microsoft.com/office/drawing/2010/main" xmlns:m="http://schemas.openxmlformats.org/officeDocument/2006/math" xmlns="" val="1"/>
+              <ma14:wrappingTextBoxFlag xmlns="" xmlns:m="http://schemas.openxmlformats.org/officeDocument/2006/math" xmlns:a14="http://schemas.microsoft.com/office/drawing/2010/main" xmlns:ma14="http://schemas.microsoft.com/office/mac/drawingml/2011/main" val="1"/>
             </a:ext>
           </a:extLst>
         </p:spPr>
@@ -2892,6 +2892,108 @@
           </a:prstGeom>
         </p:spPr>
       </p:pic>
+      <p:pic>
+        <p:nvPicPr>
+          <p:cNvPr id="5" name="그림 4"/>
+          <p:cNvPicPr>
+            <a:picLocks noChangeAspect="1"/>
+          </p:cNvPicPr>
+          <p:nvPr/>
+        </p:nvPicPr>
+        <p:blipFill>
+          <a:blip r:embed="rId3"/>
+          <a:stretch>
+            <a:fillRect/>
+          </a:stretch>
+        </p:blipFill>
+        <p:spPr>
+          <a:xfrm>
+            <a:off x="189132" y="1446879"/>
+            <a:ext cx="2327731" cy="1007411"/>
+          </a:xfrm>
+          <a:prstGeom prst="rect">
+            <a:avLst/>
+          </a:prstGeom>
+        </p:spPr>
+      </p:pic>
+      <p:sp>
+        <p:nvSpPr>
+          <p:cNvPr id="6" name="오른쪽 화살표 5"/>
+          <p:cNvSpPr/>
+          <p:nvPr/>
+        </p:nvSpPr>
+        <p:spPr>
+          <a:xfrm rot="5400000">
+            <a:off x="1774477" y="2381166"/>
+            <a:ext cx="470780" cy="416122"/>
+          </a:xfrm>
+          <a:prstGeom prst="rightArrow">
+            <a:avLst/>
+          </a:prstGeom>
+          <a:solidFill>
+            <a:srgbClr val="FF0000"/>
+          </a:solidFill>
+          <a:ln w="12700" cap="flat">
+            <a:solidFill>
+              <a:srgbClr val="FF0000"/>
+            </a:solidFill>
+            <a:prstDash val="solid"/>
+            <a:miter lim="800000"/>
+          </a:ln>
+          <a:effectLst/>
+          <a:sp3d/>
+        </p:spPr>
+        <p:style>
+          <a:lnRef idx="0">
+            <a:scrgbClr r="0" g="0" b="0"/>
+          </a:lnRef>
+          <a:fillRef idx="0">
+            <a:scrgbClr r="0" g="0" b="0"/>
+          </a:fillRef>
+          <a:effectRef idx="0">
+            <a:scrgbClr r="0" g="0" b="0"/>
+          </a:effectRef>
+          <a:fontRef idx="none"/>
+        </p:style>
+        <p:txBody>
+          <a:bodyPr rot="0" spcFirstLastPara="1" vertOverflow="overflow" horzOverflow="overflow" vert="horz" wrap="square" lIns="45719" tIns="45719" rIns="45719" bIns="45719" numCol="1" spcCol="38100" rtlCol="0" anchor="ctr">
+            <a:spAutoFit/>
+          </a:bodyPr>
+          <a:lstStyle/>
+          <a:p>
+            <a:pPr marL="0" marR="0" indent="0" algn="l" defTabSz="914400" rtl="0" fontAlgn="auto" latinLnBrk="0" hangingPunct="0">
+              <a:lnSpc>
+                <a:spcPct val="100000"/>
+              </a:lnSpc>
+              <a:spcBef>
+                <a:spcPts val="0"/>
+              </a:spcBef>
+              <a:spcAft>
+                <a:spcPts val="0"/>
+              </a:spcAft>
+              <a:buClrTx/>
+              <a:buSzTx/>
+              <a:buFontTx/>
+              <a:buNone/>
+              <a:tabLst/>
+            </a:pPr>
+            <a:endParaRPr kumimoji="0" lang="ko-KR" altLang="en-US" sz="1800" b="0" i="0" u="none" strike="noStrike" cap="none" spc="0" normalizeH="0" baseline="0">
+              <a:ln>
+                <a:noFill/>
+              </a:ln>
+              <a:solidFill>
+                <a:srgbClr val="000000"/>
+              </a:solidFill>
+              <a:effectLst/>
+              <a:uFillTx/>
+              <a:latin typeface="+mn-lt"/>
+              <a:ea typeface="+mn-ea"/>
+              <a:cs typeface="+mn-cs"/>
+              <a:sym typeface="맑은 고딕"/>
+            </a:endParaRPr>
+          </a:p>
+        </p:txBody>
+      </p:sp>
     </p:spTree>
     <p:extLst>
       <p:ext uri="{BB962C8B-B14F-4D97-AF65-F5344CB8AC3E}">
@@ -3952,7 +4054,7 @@
           </a:ln>
           <a:extLst>
             <a:ext uri="{C572A759-6A51-4108-AA02-DFA0A04FC94B}">
-              <ma14:wrappingTextBoxFlag xmlns:ma14="http://schemas.microsoft.com/office/mac/drawingml/2011/main" xmlns:a14="http://schemas.microsoft.com/office/drawing/2010/main" xmlns:m="http://schemas.openxmlformats.org/officeDocument/2006/math" xmlns="" val="1"/>
+              <ma14:wrappingTextBoxFlag xmlns="" xmlns:m="http://schemas.openxmlformats.org/officeDocument/2006/math" xmlns:a14="http://schemas.microsoft.com/office/drawing/2010/main" xmlns:ma14="http://schemas.microsoft.com/office/mac/drawingml/2011/main" val="1"/>
             </a:ext>
           </a:extLst>
         </p:spPr>
@@ -4043,7 +4145,7 @@
             <a:effectLst/>
             <a:extLst>
               <a:ext uri="{C572A759-6A51-4108-AA02-DFA0A04FC94B}">
-                <ma14:wrappingTextBoxFlag xmlns:ma14="http://schemas.microsoft.com/office/mac/drawingml/2011/main" xmlns:a14="http://schemas.microsoft.com/office/drawing/2010/main" xmlns:m="http://schemas.openxmlformats.org/officeDocument/2006/math" xmlns="" val="1"/>
+                <ma14:wrappingTextBoxFlag xmlns="" xmlns:m="http://schemas.openxmlformats.org/officeDocument/2006/math" xmlns:a14="http://schemas.microsoft.com/office/drawing/2010/main" xmlns:ma14="http://schemas.microsoft.com/office/mac/drawingml/2011/main" val="1"/>
               </a:ext>
             </a:extLst>
           </p:spPr>
@@ -4139,7 +4241,7 @@
             <a:effectLst/>
             <a:extLst>
               <a:ext uri="{C572A759-6A51-4108-AA02-DFA0A04FC94B}">
-                <ma14:wrappingTextBoxFlag xmlns:ma14="http://schemas.microsoft.com/office/mac/drawingml/2011/main" xmlns:a14="http://schemas.microsoft.com/office/drawing/2010/main" xmlns:m="http://schemas.openxmlformats.org/officeDocument/2006/math" xmlns="" val="1"/>
+                <ma14:wrappingTextBoxFlag xmlns="" xmlns:m="http://schemas.openxmlformats.org/officeDocument/2006/math" xmlns:a14="http://schemas.microsoft.com/office/drawing/2010/main" xmlns:ma14="http://schemas.microsoft.com/office/mac/drawingml/2011/main" val="1"/>
               </a:ext>
             </a:extLst>
           </p:spPr>
@@ -4305,7 +4407,7 @@
             <a:effectLst/>
             <a:extLst>
               <a:ext uri="{C572A759-6A51-4108-AA02-DFA0A04FC94B}">
-                <ma14:wrappingTextBoxFlag xmlns:ma14="http://schemas.microsoft.com/office/mac/drawingml/2011/main" xmlns:a14="http://schemas.microsoft.com/office/drawing/2010/main" xmlns:m="http://schemas.openxmlformats.org/officeDocument/2006/math" xmlns="" val="1"/>
+                <ma14:wrappingTextBoxFlag xmlns="" xmlns:m="http://schemas.openxmlformats.org/officeDocument/2006/math" xmlns:a14="http://schemas.microsoft.com/office/drawing/2010/main" xmlns:ma14="http://schemas.microsoft.com/office/mac/drawingml/2011/main" val="1"/>
               </a:ext>
             </a:extLst>
           </p:spPr>
@@ -4401,7 +4503,7 @@
             <a:effectLst/>
             <a:extLst>
               <a:ext uri="{C572A759-6A51-4108-AA02-DFA0A04FC94B}">
-                <ma14:wrappingTextBoxFlag xmlns:ma14="http://schemas.microsoft.com/office/mac/drawingml/2011/main" xmlns:a14="http://schemas.microsoft.com/office/drawing/2010/main" xmlns:m="http://schemas.openxmlformats.org/officeDocument/2006/math" xmlns="" val="1"/>
+                <ma14:wrappingTextBoxFlag xmlns="" xmlns:m="http://schemas.openxmlformats.org/officeDocument/2006/math" xmlns:a14="http://schemas.microsoft.com/office/drawing/2010/main" xmlns:ma14="http://schemas.microsoft.com/office/mac/drawingml/2011/main" val="1"/>
               </a:ext>
             </a:extLst>
           </p:spPr>
@@ -4560,7 +4662,7 @@
             <a:effectLst/>
             <a:extLst>
               <a:ext uri="{C572A759-6A51-4108-AA02-DFA0A04FC94B}">
-                <ma14:wrappingTextBoxFlag xmlns:ma14="http://schemas.microsoft.com/office/mac/drawingml/2011/main" xmlns:a14="http://schemas.microsoft.com/office/drawing/2010/main" xmlns:m="http://schemas.openxmlformats.org/officeDocument/2006/math" xmlns="" val="1"/>
+                <ma14:wrappingTextBoxFlag xmlns="" xmlns:m="http://schemas.openxmlformats.org/officeDocument/2006/math" xmlns:a14="http://schemas.microsoft.com/office/drawing/2010/main" xmlns:ma14="http://schemas.microsoft.com/office/mac/drawingml/2011/main" val="1"/>
               </a:ext>
             </a:extLst>
           </p:spPr>
@@ -4656,7 +4758,7 @@
             <a:effectLst/>
             <a:extLst>
               <a:ext uri="{C572A759-6A51-4108-AA02-DFA0A04FC94B}">
-                <ma14:wrappingTextBoxFlag xmlns:ma14="http://schemas.microsoft.com/office/mac/drawingml/2011/main" xmlns:a14="http://schemas.microsoft.com/office/drawing/2010/main" xmlns:m="http://schemas.openxmlformats.org/officeDocument/2006/math" xmlns="" val="1"/>
+                <ma14:wrappingTextBoxFlag xmlns="" xmlns:m="http://schemas.openxmlformats.org/officeDocument/2006/math" xmlns:a14="http://schemas.microsoft.com/office/drawing/2010/main" xmlns:ma14="http://schemas.microsoft.com/office/mac/drawingml/2011/main" val="1"/>
               </a:ext>
             </a:extLst>
           </p:spPr>
@@ -4839,7 +4941,7 @@
             <a:effectLst/>
             <a:extLst>
               <a:ext uri="{C572A759-6A51-4108-AA02-DFA0A04FC94B}">
-                <ma14:wrappingTextBoxFlag xmlns:ma14="http://schemas.microsoft.com/office/mac/drawingml/2011/main" xmlns:a14="http://schemas.microsoft.com/office/drawing/2010/main" xmlns:m="http://schemas.openxmlformats.org/officeDocument/2006/math" xmlns="" val="1"/>
+                <ma14:wrappingTextBoxFlag xmlns="" xmlns:m="http://schemas.openxmlformats.org/officeDocument/2006/math" xmlns:a14="http://schemas.microsoft.com/office/drawing/2010/main" xmlns:ma14="http://schemas.microsoft.com/office/mac/drawingml/2011/main" val="1"/>
               </a:ext>
             </a:extLst>
           </p:spPr>
@@ -4935,7 +5037,7 @@
             <a:effectLst/>
             <a:extLst>
               <a:ext uri="{C572A759-6A51-4108-AA02-DFA0A04FC94B}">
-                <ma14:wrappingTextBoxFlag xmlns:ma14="http://schemas.microsoft.com/office/mac/drawingml/2011/main" xmlns:a14="http://schemas.microsoft.com/office/drawing/2010/main" xmlns:m="http://schemas.openxmlformats.org/officeDocument/2006/math" xmlns="" val="1"/>
+                <ma14:wrappingTextBoxFlag xmlns="" xmlns:m="http://schemas.openxmlformats.org/officeDocument/2006/math" xmlns:a14="http://schemas.microsoft.com/office/drawing/2010/main" xmlns:ma14="http://schemas.microsoft.com/office/mac/drawingml/2011/main" val="1"/>
               </a:ext>
             </a:extLst>
           </p:spPr>
@@ -5112,7 +5214,7 @@
             <a:effectLst/>
             <a:extLst>
               <a:ext uri="{C572A759-6A51-4108-AA02-DFA0A04FC94B}">
-                <ma14:wrappingTextBoxFlag xmlns:ma14="http://schemas.microsoft.com/office/mac/drawingml/2011/main" xmlns:a14="http://schemas.microsoft.com/office/drawing/2010/main" xmlns:m="http://schemas.openxmlformats.org/officeDocument/2006/math" xmlns="" val="1"/>
+                <ma14:wrappingTextBoxFlag xmlns="" xmlns:m="http://schemas.openxmlformats.org/officeDocument/2006/math" xmlns:a14="http://schemas.microsoft.com/office/drawing/2010/main" xmlns:ma14="http://schemas.microsoft.com/office/mac/drawingml/2011/main" val="1"/>
               </a:ext>
             </a:extLst>
           </p:spPr>
@@ -6349,7 +6451,7 @@
           </a:ln>
           <a:extLst>
             <a:ext uri="{C572A759-6A51-4108-AA02-DFA0A04FC94B}">
-              <ma14:wrappingTextBoxFlag xmlns:ma14="http://schemas.microsoft.com/office/mac/drawingml/2011/main" xmlns:a14="http://schemas.microsoft.com/office/drawing/2010/main" xmlns:m="http://schemas.openxmlformats.org/officeDocument/2006/math" xmlns="" val="1"/>
+              <ma14:wrappingTextBoxFlag xmlns="" xmlns:m="http://schemas.openxmlformats.org/officeDocument/2006/math" xmlns:a14="http://schemas.microsoft.com/office/drawing/2010/main" xmlns:ma14="http://schemas.microsoft.com/office/mac/drawingml/2011/main" val="1"/>
             </a:ext>
           </a:extLst>
         </p:spPr>
@@ -6440,7 +6542,7 @@
             <a:effectLst/>
             <a:extLst>
               <a:ext uri="{C572A759-6A51-4108-AA02-DFA0A04FC94B}">
-                <ma14:wrappingTextBoxFlag xmlns:ma14="http://schemas.microsoft.com/office/mac/drawingml/2011/main" xmlns:a14="http://schemas.microsoft.com/office/drawing/2010/main" xmlns:m="http://schemas.openxmlformats.org/officeDocument/2006/math" xmlns="" val="1"/>
+                <ma14:wrappingTextBoxFlag xmlns="" xmlns:m="http://schemas.openxmlformats.org/officeDocument/2006/math" xmlns:a14="http://schemas.microsoft.com/office/drawing/2010/main" xmlns:ma14="http://schemas.microsoft.com/office/mac/drawingml/2011/main" val="1"/>
               </a:ext>
             </a:extLst>
           </p:spPr>
@@ -6536,7 +6638,7 @@
             <a:effectLst/>
             <a:extLst>
               <a:ext uri="{C572A759-6A51-4108-AA02-DFA0A04FC94B}">
-                <ma14:wrappingTextBoxFlag xmlns:ma14="http://schemas.microsoft.com/office/mac/drawingml/2011/main" xmlns:a14="http://schemas.microsoft.com/office/drawing/2010/main" xmlns:m="http://schemas.openxmlformats.org/officeDocument/2006/math" xmlns="" val="1"/>
+                <ma14:wrappingTextBoxFlag xmlns="" xmlns:m="http://schemas.openxmlformats.org/officeDocument/2006/math" xmlns:a14="http://schemas.microsoft.com/office/drawing/2010/main" xmlns:ma14="http://schemas.microsoft.com/office/mac/drawingml/2011/main" val="1"/>
               </a:ext>
             </a:extLst>
           </p:spPr>
@@ -6702,7 +6804,7 @@
             <a:effectLst/>
             <a:extLst>
               <a:ext uri="{C572A759-6A51-4108-AA02-DFA0A04FC94B}">
-                <ma14:wrappingTextBoxFlag xmlns:ma14="http://schemas.microsoft.com/office/mac/drawingml/2011/main" xmlns:a14="http://schemas.microsoft.com/office/drawing/2010/main" xmlns:m="http://schemas.openxmlformats.org/officeDocument/2006/math" xmlns="" val="1"/>
+                <ma14:wrappingTextBoxFlag xmlns="" xmlns:m="http://schemas.openxmlformats.org/officeDocument/2006/math" xmlns:a14="http://schemas.microsoft.com/office/drawing/2010/main" xmlns:ma14="http://schemas.microsoft.com/office/mac/drawingml/2011/main" val="1"/>
               </a:ext>
             </a:extLst>
           </p:spPr>
@@ -6798,7 +6900,7 @@
             <a:effectLst/>
             <a:extLst>
               <a:ext uri="{C572A759-6A51-4108-AA02-DFA0A04FC94B}">
-                <ma14:wrappingTextBoxFlag xmlns:ma14="http://schemas.microsoft.com/office/mac/drawingml/2011/main" xmlns:a14="http://schemas.microsoft.com/office/drawing/2010/main" xmlns:m="http://schemas.openxmlformats.org/officeDocument/2006/math" xmlns="" val="1"/>
+                <ma14:wrappingTextBoxFlag xmlns="" xmlns:m="http://schemas.openxmlformats.org/officeDocument/2006/math" xmlns:a14="http://schemas.microsoft.com/office/drawing/2010/main" xmlns:ma14="http://schemas.microsoft.com/office/mac/drawingml/2011/main" val="1"/>
               </a:ext>
             </a:extLst>
           </p:spPr>
@@ -6894,7 +6996,7 @@
             <a:effectLst/>
             <a:extLst>
               <a:ext uri="{C572A759-6A51-4108-AA02-DFA0A04FC94B}">
-                <ma14:wrappingTextBoxFlag xmlns:ma14="http://schemas.microsoft.com/office/mac/drawingml/2011/main" xmlns:a14="http://schemas.microsoft.com/office/drawing/2010/main" xmlns:m="http://schemas.openxmlformats.org/officeDocument/2006/math" xmlns="" val="1"/>
+                <ma14:wrappingTextBoxFlag xmlns="" xmlns:m="http://schemas.openxmlformats.org/officeDocument/2006/math" xmlns:a14="http://schemas.microsoft.com/office/drawing/2010/main" xmlns:ma14="http://schemas.microsoft.com/office/mac/drawingml/2011/main" val="1"/>
               </a:ext>
             </a:extLst>
           </p:spPr>
@@ -6976,7 +7078,7 @@
           </a:ln>
           <a:extLst>
             <a:ext uri="{C572A759-6A51-4108-AA02-DFA0A04FC94B}">
-              <ma14:wrappingTextBoxFlag xmlns:ma14="http://schemas.microsoft.com/office/mac/drawingml/2011/main" xmlns:a14="http://schemas.microsoft.com/office/drawing/2010/main" xmlns:m="http://schemas.openxmlformats.org/officeDocument/2006/math" xmlns="" val="1"/>
+              <ma14:wrappingTextBoxFlag xmlns="" xmlns:m="http://schemas.openxmlformats.org/officeDocument/2006/math" xmlns:a14="http://schemas.microsoft.com/office/drawing/2010/main" xmlns:ma14="http://schemas.microsoft.com/office/mac/drawingml/2011/main" val="1"/>
             </a:ext>
           </a:extLst>
         </p:spPr>
@@ -7067,7 +7169,7 @@
             <a:effectLst/>
             <a:extLst>
               <a:ext uri="{C572A759-6A51-4108-AA02-DFA0A04FC94B}">
-                <ma14:wrappingTextBoxFlag xmlns:ma14="http://schemas.microsoft.com/office/mac/drawingml/2011/main" xmlns:a14="http://schemas.microsoft.com/office/drawing/2010/main" xmlns:m="http://schemas.openxmlformats.org/officeDocument/2006/math" xmlns="" val="1"/>
+                <ma14:wrappingTextBoxFlag xmlns="" xmlns:m="http://schemas.openxmlformats.org/officeDocument/2006/math" xmlns:a14="http://schemas.microsoft.com/office/drawing/2010/main" xmlns:ma14="http://schemas.microsoft.com/office/mac/drawingml/2011/main" val="1"/>
               </a:ext>
             </a:extLst>
           </p:spPr>
@@ -7163,7 +7265,7 @@
             <a:effectLst/>
             <a:extLst>
               <a:ext uri="{C572A759-6A51-4108-AA02-DFA0A04FC94B}">
-                <ma14:wrappingTextBoxFlag xmlns:ma14="http://schemas.microsoft.com/office/mac/drawingml/2011/main" xmlns:a14="http://schemas.microsoft.com/office/drawing/2010/main" xmlns:m="http://schemas.openxmlformats.org/officeDocument/2006/math" xmlns="" val="1"/>
+                <ma14:wrappingTextBoxFlag xmlns="" xmlns:m="http://schemas.openxmlformats.org/officeDocument/2006/math" xmlns:a14="http://schemas.microsoft.com/office/drawing/2010/main" xmlns:ma14="http://schemas.microsoft.com/office/mac/drawingml/2011/main" val="1"/>
               </a:ext>
             </a:extLst>
           </p:spPr>
@@ -7329,7 +7431,7 @@
             <a:effectLst/>
             <a:extLst>
               <a:ext uri="{C572A759-6A51-4108-AA02-DFA0A04FC94B}">
-                <ma14:wrappingTextBoxFlag xmlns:ma14="http://schemas.microsoft.com/office/mac/drawingml/2011/main" xmlns:a14="http://schemas.microsoft.com/office/drawing/2010/main" xmlns:m="http://schemas.openxmlformats.org/officeDocument/2006/math" xmlns="" val="1"/>
+                <ma14:wrappingTextBoxFlag xmlns="" xmlns:m="http://schemas.openxmlformats.org/officeDocument/2006/math" xmlns:a14="http://schemas.microsoft.com/office/drawing/2010/main" xmlns:ma14="http://schemas.microsoft.com/office/mac/drawingml/2011/main" val="1"/>
               </a:ext>
             </a:extLst>
           </p:spPr>
@@ -7425,7 +7527,7 @@
             <a:effectLst/>
             <a:extLst>
               <a:ext uri="{C572A759-6A51-4108-AA02-DFA0A04FC94B}">
-                <ma14:wrappingTextBoxFlag xmlns:ma14="http://schemas.microsoft.com/office/mac/drawingml/2011/main" xmlns:a14="http://schemas.microsoft.com/office/drawing/2010/main" xmlns:m="http://schemas.openxmlformats.org/officeDocument/2006/math" xmlns="" val="1"/>
+                <ma14:wrappingTextBoxFlag xmlns="" xmlns:m="http://schemas.openxmlformats.org/officeDocument/2006/math" xmlns:a14="http://schemas.microsoft.com/office/drawing/2010/main" xmlns:ma14="http://schemas.microsoft.com/office/mac/drawingml/2011/main" val="1"/>
               </a:ext>
             </a:extLst>
           </p:spPr>
@@ -7521,7 +7623,7 @@
             <a:effectLst/>
             <a:extLst>
               <a:ext uri="{C572A759-6A51-4108-AA02-DFA0A04FC94B}">
-                <ma14:wrappingTextBoxFlag xmlns:ma14="http://schemas.microsoft.com/office/mac/drawingml/2011/main" xmlns:a14="http://schemas.microsoft.com/office/drawing/2010/main" xmlns:m="http://schemas.openxmlformats.org/officeDocument/2006/math" xmlns="" val="1"/>
+                <ma14:wrappingTextBoxFlag xmlns="" xmlns:m="http://schemas.openxmlformats.org/officeDocument/2006/math" xmlns:a14="http://schemas.microsoft.com/office/drawing/2010/main" xmlns:ma14="http://schemas.microsoft.com/office/mac/drawingml/2011/main" val="1"/>
               </a:ext>
             </a:extLst>
           </p:spPr>
@@ -7698,7 +7800,7 @@
             <a:effectLst/>
             <a:extLst>
               <a:ext uri="{C572A759-6A51-4108-AA02-DFA0A04FC94B}">
-                <ma14:wrappingTextBoxFlag xmlns:ma14="http://schemas.microsoft.com/office/mac/drawingml/2011/main" xmlns:a14="http://schemas.microsoft.com/office/drawing/2010/main" xmlns:m="http://schemas.openxmlformats.org/officeDocument/2006/math" xmlns="" val="1"/>
+                <ma14:wrappingTextBoxFlag xmlns="" xmlns:m="http://schemas.openxmlformats.org/officeDocument/2006/math" xmlns:a14="http://schemas.microsoft.com/office/drawing/2010/main" xmlns:ma14="http://schemas.microsoft.com/office/mac/drawingml/2011/main" val="1"/>
               </a:ext>
             </a:extLst>
           </p:spPr>
@@ -8875,7 +8977,7 @@
           </a:ln>
           <a:extLst>
             <a:ext uri="{C572A759-6A51-4108-AA02-DFA0A04FC94B}">
-              <ma14:wrappingTextBoxFlag xmlns:ma14="http://schemas.microsoft.com/office/mac/drawingml/2011/main" xmlns:a14="http://schemas.microsoft.com/office/drawing/2010/main" xmlns:m="http://schemas.openxmlformats.org/officeDocument/2006/math" xmlns="" val="1"/>
+              <ma14:wrappingTextBoxFlag xmlns="" xmlns:m="http://schemas.openxmlformats.org/officeDocument/2006/math" xmlns:a14="http://schemas.microsoft.com/office/drawing/2010/main" xmlns:ma14="http://schemas.microsoft.com/office/mac/drawingml/2011/main" val="1"/>
             </a:ext>
           </a:extLst>
         </p:spPr>
@@ -8974,7 +9076,7 @@
             <a:effectLst/>
             <a:extLst>
               <a:ext uri="{C572A759-6A51-4108-AA02-DFA0A04FC94B}">
-                <ma14:wrappingTextBoxFlag xmlns:ma14="http://schemas.microsoft.com/office/mac/drawingml/2011/main" xmlns:a14="http://schemas.microsoft.com/office/drawing/2010/main" xmlns:m="http://schemas.openxmlformats.org/officeDocument/2006/math" xmlns="" val="1"/>
+                <ma14:wrappingTextBoxFlag xmlns="" xmlns:m="http://schemas.openxmlformats.org/officeDocument/2006/math" xmlns:a14="http://schemas.microsoft.com/office/drawing/2010/main" xmlns:ma14="http://schemas.microsoft.com/office/mac/drawingml/2011/main" val="1"/>
               </a:ext>
             </a:extLst>
           </p:spPr>
@@ -9057,7 +9159,7 @@
           </a:ln>
           <a:extLst>
             <a:ext uri="{C572A759-6A51-4108-AA02-DFA0A04FC94B}">
-              <ma14:wrappingTextBoxFlag xmlns:ma14="http://schemas.microsoft.com/office/mac/drawingml/2011/main" xmlns:a14="http://schemas.microsoft.com/office/drawing/2010/main" xmlns:m="http://schemas.openxmlformats.org/officeDocument/2006/math" xmlns="" val="1"/>
+              <ma14:wrappingTextBoxFlag xmlns="" xmlns:m="http://schemas.openxmlformats.org/officeDocument/2006/math" xmlns:a14="http://schemas.microsoft.com/office/drawing/2010/main" xmlns:ma14="http://schemas.microsoft.com/office/mac/drawingml/2011/main" val="1"/>
             </a:ext>
           </a:extLst>
         </p:spPr>
@@ -9171,7 +9273,7 @@
             <a:effectLst/>
             <a:extLst>
               <a:ext uri="{C572A759-6A51-4108-AA02-DFA0A04FC94B}">
-                <ma14:wrappingTextBoxFlag xmlns:ma14="http://schemas.microsoft.com/office/mac/drawingml/2011/main" xmlns:a14="http://schemas.microsoft.com/office/drawing/2010/main" xmlns:m="http://schemas.openxmlformats.org/officeDocument/2006/math" xmlns="" val="1"/>
+                <ma14:wrappingTextBoxFlag xmlns="" xmlns:m="http://schemas.openxmlformats.org/officeDocument/2006/math" xmlns:a14="http://schemas.microsoft.com/office/drawing/2010/main" xmlns:ma14="http://schemas.microsoft.com/office/mac/drawingml/2011/main" val="1"/>
               </a:ext>
             </a:extLst>
           </p:spPr>
@@ -9275,7 +9377,7 @@
             <a:effectLst/>
             <a:extLst>
               <a:ext uri="{C572A759-6A51-4108-AA02-DFA0A04FC94B}">
-                <ma14:wrappingTextBoxFlag xmlns:ma14="http://schemas.microsoft.com/office/mac/drawingml/2011/main" xmlns:a14="http://schemas.microsoft.com/office/drawing/2010/main" xmlns:m="http://schemas.openxmlformats.org/officeDocument/2006/math" xmlns="" val="1"/>
+                <ma14:wrappingTextBoxFlag xmlns="" xmlns:m="http://schemas.openxmlformats.org/officeDocument/2006/math" xmlns:a14="http://schemas.microsoft.com/office/drawing/2010/main" xmlns:ma14="http://schemas.microsoft.com/office/mac/drawingml/2011/main" val="1"/>
               </a:ext>
             </a:extLst>
           </p:spPr>
@@ -9379,7 +9481,7 @@
             <a:effectLst/>
             <a:extLst>
               <a:ext uri="{C572A759-6A51-4108-AA02-DFA0A04FC94B}">
-                <ma14:wrappingTextBoxFlag xmlns:ma14="http://schemas.microsoft.com/office/mac/drawingml/2011/main" xmlns:a14="http://schemas.microsoft.com/office/drawing/2010/main" xmlns:m="http://schemas.openxmlformats.org/officeDocument/2006/math" xmlns="" val="1"/>
+                <ma14:wrappingTextBoxFlag xmlns="" xmlns:m="http://schemas.openxmlformats.org/officeDocument/2006/math" xmlns:a14="http://schemas.microsoft.com/office/drawing/2010/main" xmlns:ma14="http://schemas.microsoft.com/office/mac/drawingml/2011/main" val="1"/>
               </a:ext>
             </a:extLst>
           </p:spPr>
@@ -10520,7 +10622,7 @@
           </a:ln>
           <a:extLst>
             <a:ext uri="{C572A759-6A51-4108-AA02-DFA0A04FC94B}">
-              <ma14:wrappingTextBoxFlag xmlns:ma14="http://schemas.microsoft.com/office/mac/drawingml/2011/main" xmlns:a14="http://schemas.microsoft.com/office/drawing/2010/main" xmlns:m="http://schemas.openxmlformats.org/officeDocument/2006/math" xmlns="" val="1"/>
+              <ma14:wrappingTextBoxFlag xmlns="" xmlns:m="http://schemas.openxmlformats.org/officeDocument/2006/math" xmlns:a14="http://schemas.microsoft.com/office/drawing/2010/main" xmlns:ma14="http://schemas.microsoft.com/office/mac/drawingml/2011/main" val="1"/>
             </a:ext>
           </a:extLst>
         </p:spPr>
@@ -10662,7 +10764,7 @@
           </a:ln>
           <a:extLst>
             <a:ext uri="{C572A759-6A51-4108-AA02-DFA0A04FC94B}">
-              <ma14:wrappingTextBoxFlag xmlns:ma14="http://schemas.microsoft.com/office/mac/drawingml/2011/main" xmlns:a14="http://schemas.microsoft.com/office/drawing/2010/main" xmlns:m="http://schemas.openxmlformats.org/officeDocument/2006/math" xmlns="" val="1"/>
+              <ma14:wrappingTextBoxFlag xmlns="" xmlns:m="http://schemas.openxmlformats.org/officeDocument/2006/math" xmlns:a14="http://schemas.microsoft.com/office/drawing/2010/main" xmlns:ma14="http://schemas.microsoft.com/office/mac/drawingml/2011/main" val="1"/>
             </a:ext>
           </a:extLst>
         </p:spPr>
@@ -10757,7 +10859,7 @@
             <a:effectLst/>
             <a:extLst>
               <a:ext uri="{C572A759-6A51-4108-AA02-DFA0A04FC94B}">
-                <ma14:wrappingTextBoxFlag xmlns:ma14="http://schemas.microsoft.com/office/mac/drawingml/2011/main" xmlns:a14="http://schemas.microsoft.com/office/drawing/2010/main" xmlns:m="http://schemas.openxmlformats.org/officeDocument/2006/math" xmlns="" val="1"/>
+                <ma14:wrappingTextBoxFlag xmlns="" xmlns:m="http://schemas.openxmlformats.org/officeDocument/2006/math" xmlns:a14="http://schemas.microsoft.com/office/drawing/2010/main" xmlns:ma14="http://schemas.microsoft.com/office/mac/drawingml/2011/main" val="1"/>
               </a:ext>
             </a:extLst>
           </p:spPr>
@@ -11878,7 +11980,7 @@
           </a:ln>
           <a:extLst>
             <a:ext uri="{C572A759-6A51-4108-AA02-DFA0A04FC94B}">
-              <ma14:wrappingTextBoxFlag xmlns:ma14="http://schemas.microsoft.com/office/mac/drawingml/2011/main" xmlns:a14="http://schemas.microsoft.com/office/drawing/2010/main" xmlns:m="http://schemas.openxmlformats.org/officeDocument/2006/math" xmlns="" val="1"/>
+              <ma14:wrappingTextBoxFlag xmlns="" xmlns:m="http://schemas.openxmlformats.org/officeDocument/2006/math" xmlns:a14="http://schemas.microsoft.com/office/drawing/2010/main" xmlns:ma14="http://schemas.microsoft.com/office/mac/drawingml/2011/main" val="1"/>
             </a:ext>
           </a:extLst>
         </p:spPr>
@@ -11963,7 +12065,7 @@
           </a:ln>
           <a:extLst>
             <a:ext uri="{C572A759-6A51-4108-AA02-DFA0A04FC94B}">
-              <ma14:wrappingTextBoxFlag xmlns:ma14="http://schemas.microsoft.com/office/mac/drawingml/2011/main" xmlns:a14="http://schemas.microsoft.com/office/drawing/2010/main" xmlns:m="http://schemas.openxmlformats.org/officeDocument/2006/math" xmlns="" val="1"/>
+              <ma14:wrappingTextBoxFlag xmlns="" xmlns:m="http://schemas.openxmlformats.org/officeDocument/2006/math" xmlns:a14="http://schemas.microsoft.com/office/drawing/2010/main" xmlns:ma14="http://schemas.microsoft.com/office/mac/drawingml/2011/main" val="1"/>
             </a:ext>
           </a:extLst>
         </p:spPr>
@@ -12058,7 +12160,7 @@
             <a:effectLst/>
             <a:extLst>
               <a:ext uri="{C572A759-6A51-4108-AA02-DFA0A04FC94B}">
-                <ma14:wrappingTextBoxFlag xmlns:ma14="http://schemas.microsoft.com/office/mac/drawingml/2011/main" xmlns:a14="http://schemas.microsoft.com/office/drawing/2010/main" xmlns:m="http://schemas.openxmlformats.org/officeDocument/2006/math" xmlns="" val="1"/>
+                <ma14:wrappingTextBoxFlag xmlns="" xmlns:m="http://schemas.openxmlformats.org/officeDocument/2006/math" xmlns:a14="http://schemas.microsoft.com/office/drawing/2010/main" xmlns:ma14="http://schemas.microsoft.com/office/mac/drawingml/2011/main" val="1"/>
               </a:ext>
             </a:extLst>
           </p:spPr>
@@ -12193,7 +12295,7 @@
             <a:effectLst/>
             <a:extLst>
               <a:ext uri="{C572A759-6A51-4108-AA02-DFA0A04FC94B}">
-                <ma14:wrappingTextBoxFlag xmlns:ma14="http://schemas.microsoft.com/office/mac/drawingml/2011/main" xmlns:a14="http://schemas.microsoft.com/office/drawing/2010/main" xmlns:m="http://schemas.openxmlformats.org/officeDocument/2006/math" xmlns="" val="1"/>
+                <ma14:wrappingTextBoxFlag xmlns="" xmlns:m="http://schemas.openxmlformats.org/officeDocument/2006/math" xmlns:a14="http://schemas.microsoft.com/office/drawing/2010/main" xmlns:ma14="http://schemas.microsoft.com/office/mac/drawingml/2011/main" val="1"/>
               </a:ext>
             </a:extLst>
           </p:spPr>
@@ -12328,7 +12430,7 @@
             <a:effectLst/>
             <a:extLst>
               <a:ext uri="{C572A759-6A51-4108-AA02-DFA0A04FC94B}">
-                <ma14:wrappingTextBoxFlag xmlns:ma14="http://schemas.microsoft.com/office/mac/drawingml/2011/main" xmlns:a14="http://schemas.microsoft.com/office/drawing/2010/main" xmlns:m="http://schemas.openxmlformats.org/officeDocument/2006/math" xmlns="" val="1"/>
+                <ma14:wrappingTextBoxFlag xmlns="" xmlns:m="http://schemas.openxmlformats.org/officeDocument/2006/math" xmlns:a14="http://schemas.microsoft.com/office/drawing/2010/main" xmlns:ma14="http://schemas.microsoft.com/office/mac/drawingml/2011/main" val="1"/>
               </a:ext>
             </a:extLst>
           </p:spPr>
@@ -12424,7 +12526,7 @@
             <a:effectLst/>
             <a:extLst>
               <a:ext uri="{C572A759-6A51-4108-AA02-DFA0A04FC94B}">
-                <ma14:wrappingTextBoxFlag xmlns:ma14="http://schemas.microsoft.com/office/mac/drawingml/2011/main" xmlns:a14="http://schemas.microsoft.com/office/drawing/2010/main" xmlns:m="http://schemas.openxmlformats.org/officeDocument/2006/math" xmlns="" val="1"/>
+                <ma14:wrappingTextBoxFlag xmlns="" xmlns:m="http://schemas.openxmlformats.org/officeDocument/2006/math" xmlns:a14="http://schemas.microsoft.com/office/drawing/2010/main" xmlns:ma14="http://schemas.microsoft.com/office/mac/drawingml/2011/main" val="1"/>
               </a:ext>
             </a:extLst>
           </p:spPr>
@@ -12559,7 +12661,7 @@
             <a:effectLst/>
             <a:extLst>
               <a:ext uri="{C572A759-6A51-4108-AA02-DFA0A04FC94B}">
-                <ma14:wrappingTextBoxFlag xmlns:ma14="http://schemas.microsoft.com/office/mac/drawingml/2011/main" xmlns:a14="http://schemas.microsoft.com/office/drawing/2010/main" xmlns:m="http://schemas.openxmlformats.org/officeDocument/2006/math" xmlns="" val="1"/>
+                <ma14:wrappingTextBoxFlag xmlns="" xmlns:m="http://schemas.openxmlformats.org/officeDocument/2006/math" xmlns:a14="http://schemas.microsoft.com/office/drawing/2010/main" xmlns:ma14="http://schemas.microsoft.com/office/mac/drawingml/2011/main" val="1"/>
               </a:ext>
             </a:extLst>
           </p:spPr>
@@ -12694,7 +12796,7 @@
             <a:effectLst/>
             <a:extLst>
               <a:ext uri="{C572A759-6A51-4108-AA02-DFA0A04FC94B}">
-                <ma14:wrappingTextBoxFlag xmlns:ma14="http://schemas.microsoft.com/office/mac/drawingml/2011/main" xmlns:a14="http://schemas.microsoft.com/office/drawing/2010/main" xmlns:m="http://schemas.openxmlformats.org/officeDocument/2006/math" xmlns="" val="1"/>
+                <ma14:wrappingTextBoxFlag xmlns="" xmlns:m="http://schemas.openxmlformats.org/officeDocument/2006/math" xmlns:a14="http://schemas.microsoft.com/office/drawing/2010/main" xmlns:ma14="http://schemas.microsoft.com/office/mac/drawingml/2011/main" val="1"/>
               </a:ext>
             </a:extLst>
           </p:spPr>
@@ -12829,7 +12931,7 @@
             <a:effectLst/>
             <a:extLst>
               <a:ext uri="{C572A759-6A51-4108-AA02-DFA0A04FC94B}">
-                <ma14:wrappingTextBoxFlag xmlns:ma14="http://schemas.microsoft.com/office/mac/drawingml/2011/main" xmlns:a14="http://schemas.microsoft.com/office/drawing/2010/main" xmlns:m="http://schemas.openxmlformats.org/officeDocument/2006/math" xmlns="" val="1"/>
+                <ma14:wrappingTextBoxFlag xmlns="" xmlns:m="http://schemas.openxmlformats.org/officeDocument/2006/math" xmlns:a14="http://schemas.microsoft.com/office/drawing/2010/main" xmlns:ma14="http://schemas.microsoft.com/office/mac/drawingml/2011/main" val="1"/>
               </a:ext>
             </a:extLst>
           </p:spPr>
@@ -12925,7 +13027,7 @@
             <a:effectLst/>
             <a:extLst>
               <a:ext uri="{C572A759-6A51-4108-AA02-DFA0A04FC94B}">
-                <ma14:wrappingTextBoxFlag xmlns:ma14="http://schemas.microsoft.com/office/mac/drawingml/2011/main" xmlns:a14="http://schemas.microsoft.com/office/drawing/2010/main" xmlns:m="http://schemas.openxmlformats.org/officeDocument/2006/math" xmlns="" val="1"/>
+                <ma14:wrappingTextBoxFlag xmlns="" xmlns:m="http://schemas.openxmlformats.org/officeDocument/2006/math" xmlns:a14="http://schemas.microsoft.com/office/drawing/2010/main" xmlns:ma14="http://schemas.microsoft.com/office/mac/drawingml/2011/main" val="1"/>
               </a:ext>
             </a:extLst>
           </p:spPr>
@@ -12967,7 +13069,7 @@
           </a:ln>
           <a:extLst>
             <a:ext uri="{C572A759-6A51-4108-AA02-DFA0A04FC94B}">
-              <ma14:wrappingTextBoxFlag xmlns:ma14="http://schemas.microsoft.com/office/mac/drawingml/2011/main" xmlns:a14="http://schemas.microsoft.com/office/drawing/2010/main" xmlns:m="http://schemas.openxmlformats.org/officeDocument/2006/math" xmlns="" val="1"/>
+              <ma14:wrappingTextBoxFlag xmlns="" xmlns:m="http://schemas.openxmlformats.org/officeDocument/2006/math" xmlns:a14="http://schemas.microsoft.com/office/drawing/2010/main" xmlns:ma14="http://schemas.microsoft.com/office/mac/drawingml/2011/main" val="1"/>
             </a:ext>
           </a:extLst>
         </p:spPr>
@@ -13062,7 +13164,7 @@
             <a:effectLst/>
             <a:extLst>
               <a:ext uri="{C572A759-6A51-4108-AA02-DFA0A04FC94B}">
-                <ma14:wrappingTextBoxFlag xmlns:ma14="http://schemas.microsoft.com/office/mac/drawingml/2011/main" xmlns:a14="http://schemas.microsoft.com/office/drawing/2010/main" xmlns:m="http://schemas.openxmlformats.org/officeDocument/2006/math" xmlns="" val="1"/>
+                <ma14:wrappingTextBoxFlag xmlns="" xmlns:m="http://schemas.openxmlformats.org/officeDocument/2006/math" xmlns:a14="http://schemas.microsoft.com/office/drawing/2010/main" xmlns:ma14="http://schemas.microsoft.com/office/mac/drawingml/2011/main" val="1"/>
               </a:ext>
             </a:extLst>
           </p:spPr>
@@ -13158,7 +13260,7 @@
             <a:effectLst/>
             <a:extLst>
               <a:ext uri="{C572A759-6A51-4108-AA02-DFA0A04FC94B}">
-                <ma14:wrappingTextBoxFlag xmlns:ma14="http://schemas.microsoft.com/office/mac/drawingml/2011/main" xmlns:a14="http://schemas.microsoft.com/office/drawing/2010/main" xmlns:m="http://schemas.openxmlformats.org/officeDocument/2006/math" xmlns="" val="1"/>
+                <ma14:wrappingTextBoxFlag xmlns="" xmlns:m="http://schemas.openxmlformats.org/officeDocument/2006/math" xmlns:a14="http://schemas.microsoft.com/office/drawing/2010/main" xmlns:ma14="http://schemas.microsoft.com/office/mac/drawingml/2011/main" val="1"/>
               </a:ext>
             </a:extLst>
           </p:spPr>
@@ -13254,7 +13356,7 @@
             <a:effectLst/>
             <a:extLst>
               <a:ext uri="{C572A759-6A51-4108-AA02-DFA0A04FC94B}">
-                <ma14:wrappingTextBoxFlag xmlns:ma14="http://schemas.microsoft.com/office/mac/drawingml/2011/main" xmlns:a14="http://schemas.microsoft.com/office/drawing/2010/main" xmlns:m="http://schemas.openxmlformats.org/officeDocument/2006/math" xmlns="" val="1"/>
+                <ma14:wrappingTextBoxFlag xmlns="" xmlns:m="http://schemas.openxmlformats.org/officeDocument/2006/math" xmlns:a14="http://schemas.microsoft.com/office/drawing/2010/main" xmlns:ma14="http://schemas.microsoft.com/office/mac/drawingml/2011/main" val="1"/>
               </a:ext>
             </a:extLst>
           </p:spPr>
@@ -13350,7 +13452,7 @@
             <a:effectLst/>
             <a:extLst>
               <a:ext uri="{C572A759-6A51-4108-AA02-DFA0A04FC94B}">
-                <ma14:wrappingTextBoxFlag xmlns:ma14="http://schemas.microsoft.com/office/mac/drawingml/2011/main" xmlns:a14="http://schemas.microsoft.com/office/drawing/2010/main" xmlns:m="http://schemas.openxmlformats.org/officeDocument/2006/math" xmlns="" val="1"/>
+                <ma14:wrappingTextBoxFlag xmlns="" xmlns:m="http://schemas.openxmlformats.org/officeDocument/2006/math" xmlns:a14="http://schemas.microsoft.com/office/drawing/2010/main" xmlns:ma14="http://schemas.microsoft.com/office/mac/drawingml/2011/main" val="1"/>
               </a:ext>
             </a:extLst>
           </p:spPr>
@@ -13446,7 +13548,7 @@
             <a:effectLst/>
             <a:extLst>
               <a:ext uri="{C572A759-6A51-4108-AA02-DFA0A04FC94B}">
-                <ma14:wrappingTextBoxFlag xmlns:ma14="http://schemas.microsoft.com/office/mac/drawingml/2011/main" xmlns:a14="http://schemas.microsoft.com/office/drawing/2010/main" xmlns:m="http://schemas.openxmlformats.org/officeDocument/2006/math" xmlns="" val="1"/>
+                <ma14:wrappingTextBoxFlag xmlns="" xmlns:m="http://schemas.openxmlformats.org/officeDocument/2006/math" xmlns:a14="http://schemas.microsoft.com/office/drawing/2010/main" xmlns:ma14="http://schemas.microsoft.com/office/mac/drawingml/2011/main" val="1"/>
               </a:ext>
             </a:extLst>
           </p:spPr>
@@ -13581,7 +13683,7 @@
             <a:effectLst/>
             <a:extLst>
               <a:ext uri="{C572A759-6A51-4108-AA02-DFA0A04FC94B}">
-                <ma14:wrappingTextBoxFlag xmlns:ma14="http://schemas.microsoft.com/office/mac/drawingml/2011/main" xmlns:a14="http://schemas.microsoft.com/office/drawing/2010/main" xmlns:m="http://schemas.openxmlformats.org/officeDocument/2006/math" xmlns="" val="1"/>
+                <ma14:wrappingTextBoxFlag xmlns="" xmlns:m="http://schemas.openxmlformats.org/officeDocument/2006/math" xmlns:a14="http://schemas.microsoft.com/office/drawing/2010/main" xmlns:ma14="http://schemas.microsoft.com/office/mac/drawingml/2011/main" val="1"/>
               </a:ext>
             </a:extLst>
           </p:spPr>
@@ -13677,7 +13779,7 @@
             <a:effectLst/>
             <a:extLst>
               <a:ext uri="{C572A759-6A51-4108-AA02-DFA0A04FC94B}">
-                <ma14:wrappingTextBoxFlag xmlns:ma14="http://schemas.microsoft.com/office/mac/drawingml/2011/main" xmlns:a14="http://schemas.microsoft.com/office/drawing/2010/main" xmlns:m="http://schemas.openxmlformats.org/officeDocument/2006/math" xmlns="" val="1"/>
+                <ma14:wrappingTextBoxFlag xmlns="" xmlns:m="http://schemas.openxmlformats.org/officeDocument/2006/math" xmlns:a14="http://schemas.microsoft.com/office/drawing/2010/main" xmlns:ma14="http://schemas.microsoft.com/office/mac/drawingml/2011/main" val="1"/>
               </a:ext>
             </a:extLst>
           </p:spPr>
@@ -13812,7 +13914,7 @@
             <a:effectLst/>
             <a:extLst>
               <a:ext uri="{C572A759-6A51-4108-AA02-DFA0A04FC94B}">
-                <ma14:wrappingTextBoxFlag xmlns:ma14="http://schemas.microsoft.com/office/mac/drawingml/2011/main" xmlns:a14="http://schemas.microsoft.com/office/drawing/2010/main" xmlns:m="http://schemas.openxmlformats.org/officeDocument/2006/math" xmlns="" val="1"/>
+                <ma14:wrappingTextBoxFlag xmlns="" xmlns:m="http://schemas.openxmlformats.org/officeDocument/2006/math" xmlns:a14="http://schemas.microsoft.com/office/drawing/2010/main" xmlns:ma14="http://schemas.microsoft.com/office/mac/drawingml/2011/main" val="1"/>
               </a:ext>
             </a:extLst>
           </p:spPr>
@@ -13908,7 +14010,7 @@
             <a:effectLst/>
             <a:extLst>
               <a:ext uri="{C572A759-6A51-4108-AA02-DFA0A04FC94B}">
-                <ma14:wrappingTextBoxFlag xmlns:ma14="http://schemas.microsoft.com/office/mac/drawingml/2011/main" xmlns:a14="http://schemas.microsoft.com/office/drawing/2010/main" xmlns:m="http://schemas.openxmlformats.org/officeDocument/2006/math" xmlns="" val="1"/>
+                <ma14:wrappingTextBoxFlag xmlns="" xmlns:m="http://schemas.openxmlformats.org/officeDocument/2006/math" xmlns:a14="http://schemas.microsoft.com/office/drawing/2010/main" xmlns:ma14="http://schemas.microsoft.com/office/mac/drawingml/2011/main" val="1"/>
               </a:ext>
             </a:extLst>
           </p:spPr>
@@ -14008,7 +14110,7 @@
             <a:effectLst/>
             <a:extLst>
               <a:ext uri="{C572A759-6A51-4108-AA02-DFA0A04FC94B}">
-                <ma14:wrappingTextBoxFlag xmlns:ma14="http://schemas.microsoft.com/office/mac/drawingml/2011/main" xmlns:a14="http://schemas.microsoft.com/office/drawing/2010/main" xmlns:m="http://schemas.openxmlformats.org/officeDocument/2006/math" xmlns="" val="1"/>
+                <ma14:wrappingTextBoxFlag xmlns="" xmlns:m="http://schemas.openxmlformats.org/officeDocument/2006/math" xmlns:a14="http://schemas.microsoft.com/office/drawing/2010/main" xmlns:ma14="http://schemas.microsoft.com/office/mac/drawingml/2011/main" val="1"/>
               </a:ext>
             </a:extLst>
           </p:spPr>
@@ -14112,7 +14214,7 @@
             <a:effectLst/>
             <a:extLst>
               <a:ext uri="{C572A759-6A51-4108-AA02-DFA0A04FC94B}">
-                <ma14:wrappingTextBoxFlag xmlns:ma14="http://schemas.microsoft.com/office/mac/drawingml/2011/main" xmlns:a14="http://schemas.microsoft.com/office/drawing/2010/main" xmlns:m="http://schemas.openxmlformats.org/officeDocument/2006/math" xmlns="" val="1"/>
+                <ma14:wrappingTextBoxFlag xmlns="" xmlns:m="http://schemas.openxmlformats.org/officeDocument/2006/math" xmlns:a14="http://schemas.microsoft.com/office/drawing/2010/main" xmlns:ma14="http://schemas.microsoft.com/office/mac/drawingml/2011/main" val="1"/>
               </a:ext>
             </a:extLst>
           </p:spPr>
@@ -14216,7 +14318,7 @@
             <a:effectLst/>
             <a:extLst>
               <a:ext uri="{C572A759-6A51-4108-AA02-DFA0A04FC94B}">
-                <ma14:wrappingTextBoxFlag xmlns:ma14="http://schemas.microsoft.com/office/mac/drawingml/2011/main" xmlns:a14="http://schemas.microsoft.com/office/drawing/2010/main" xmlns:m="http://schemas.openxmlformats.org/officeDocument/2006/math" xmlns="" val="1"/>
+                <ma14:wrappingTextBoxFlag xmlns="" xmlns:m="http://schemas.openxmlformats.org/officeDocument/2006/math" xmlns:a14="http://schemas.microsoft.com/office/drawing/2010/main" xmlns:ma14="http://schemas.microsoft.com/office/mac/drawingml/2011/main" val="1"/>
               </a:ext>
             </a:extLst>
           </p:spPr>
@@ -15324,7 +15426,7 @@
           </a:ln>
           <a:extLst>
             <a:ext uri="{C572A759-6A51-4108-AA02-DFA0A04FC94B}">
-              <ma14:wrappingTextBoxFlag xmlns:ma14="http://schemas.microsoft.com/office/mac/drawingml/2011/main" xmlns:a14="http://schemas.microsoft.com/office/drawing/2010/main" xmlns:m="http://schemas.openxmlformats.org/officeDocument/2006/math" xmlns="" val="1"/>
+              <ma14:wrappingTextBoxFlag xmlns="" xmlns:m="http://schemas.openxmlformats.org/officeDocument/2006/math" xmlns:a14="http://schemas.microsoft.com/office/drawing/2010/main" xmlns:ma14="http://schemas.microsoft.com/office/mac/drawingml/2011/main" val="1"/>
             </a:ext>
           </a:extLst>
         </p:spPr>
@@ -18274,7 +18376,7 @@
             <a:effectLst/>
             <a:extLst>
               <a:ext uri="{C572A759-6A51-4108-AA02-DFA0A04FC94B}">
-                <ma14:wrappingTextBoxFlag xmlns:ma14="http://schemas.microsoft.com/office/mac/drawingml/2011/main" xmlns:a14="http://schemas.microsoft.com/office/drawing/2010/main" xmlns:m="http://schemas.openxmlformats.org/officeDocument/2006/math" xmlns="" val="1"/>
+                <ma14:wrappingTextBoxFlag xmlns="" xmlns:m="http://schemas.openxmlformats.org/officeDocument/2006/math" xmlns:a14="http://schemas.microsoft.com/office/drawing/2010/main" xmlns:ma14="http://schemas.microsoft.com/office/mac/drawingml/2011/main" val="1"/>
               </a:ext>
             </a:extLst>
           </p:spPr>
@@ -19438,7 +19540,7 @@
           </a:ln>
           <a:extLst>
             <a:ext uri="{C572A759-6A51-4108-AA02-DFA0A04FC94B}">
-              <ma14:wrappingTextBoxFlag xmlns:ma14="http://schemas.microsoft.com/office/mac/drawingml/2011/main" xmlns:a14="http://schemas.microsoft.com/office/drawing/2010/main" xmlns:m="http://schemas.openxmlformats.org/officeDocument/2006/math" xmlns="" val="1"/>
+              <ma14:wrappingTextBoxFlag xmlns="" xmlns:m="http://schemas.openxmlformats.org/officeDocument/2006/math" xmlns:a14="http://schemas.microsoft.com/office/drawing/2010/main" xmlns:ma14="http://schemas.microsoft.com/office/mac/drawingml/2011/main" val="1"/>
             </a:ext>
           </a:extLst>
         </p:spPr>
@@ -19518,7 +19620,7 @@
           </a:ln>
           <a:extLst>
             <a:ext uri="{C572A759-6A51-4108-AA02-DFA0A04FC94B}">
-              <ma14:wrappingTextBoxFlag xmlns:ma14="http://schemas.microsoft.com/office/mac/drawingml/2011/main" xmlns:a14="http://schemas.microsoft.com/office/drawing/2010/main" xmlns:m="http://schemas.openxmlformats.org/officeDocument/2006/math" xmlns="" val="1"/>
+              <ma14:wrappingTextBoxFlag xmlns="" xmlns:m="http://schemas.openxmlformats.org/officeDocument/2006/math" xmlns:a14="http://schemas.microsoft.com/office/drawing/2010/main" xmlns:ma14="http://schemas.microsoft.com/office/mac/drawingml/2011/main" val="1"/>
             </a:ext>
           </a:extLst>
         </p:spPr>
@@ -19570,7 +19672,7 @@
           </a:ln>
           <a:extLst>
             <a:ext uri="{C572A759-6A51-4108-AA02-DFA0A04FC94B}">
-              <ma14:wrappingTextBoxFlag xmlns:ma14="http://schemas.microsoft.com/office/mac/drawingml/2011/main" xmlns:a14="http://schemas.microsoft.com/office/drawing/2010/main" xmlns:m="http://schemas.openxmlformats.org/officeDocument/2006/math" xmlns="" val="1"/>
+              <ma14:wrappingTextBoxFlag xmlns="" xmlns:m="http://schemas.openxmlformats.org/officeDocument/2006/math" xmlns:a14="http://schemas.microsoft.com/office/drawing/2010/main" xmlns:ma14="http://schemas.microsoft.com/office/mac/drawingml/2011/main" val="1"/>
             </a:ext>
           </a:extLst>
         </p:spPr>
@@ -19616,7 +19718,7 @@
           </a:ln>
           <a:extLst>
             <a:ext uri="{C572A759-6A51-4108-AA02-DFA0A04FC94B}">
-              <ma14:wrappingTextBoxFlag xmlns:ma14="http://schemas.microsoft.com/office/mac/drawingml/2011/main" xmlns:a14="http://schemas.microsoft.com/office/drawing/2010/main" xmlns:m="http://schemas.openxmlformats.org/officeDocument/2006/math" xmlns="" val="1"/>
+              <ma14:wrappingTextBoxFlag xmlns="" xmlns:m="http://schemas.openxmlformats.org/officeDocument/2006/math" xmlns:a14="http://schemas.microsoft.com/office/drawing/2010/main" xmlns:ma14="http://schemas.microsoft.com/office/mac/drawingml/2011/main" val="1"/>
             </a:ext>
           </a:extLst>
         </p:spPr>
@@ -20716,7 +20818,7 @@
           </a:ln>
           <a:extLst>
             <a:ext uri="{C572A759-6A51-4108-AA02-DFA0A04FC94B}">
-              <ma14:wrappingTextBoxFlag xmlns:ma14="http://schemas.microsoft.com/office/mac/drawingml/2011/main" xmlns:a14="http://schemas.microsoft.com/office/drawing/2010/main" xmlns:m="http://schemas.openxmlformats.org/officeDocument/2006/math" xmlns="" val="1"/>
+              <ma14:wrappingTextBoxFlag xmlns="" xmlns:m="http://schemas.openxmlformats.org/officeDocument/2006/math" xmlns:a14="http://schemas.microsoft.com/office/drawing/2010/main" xmlns:ma14="http://schemas.microsoft.com/office/mac/drawingml/2011/main" val="1"/>
             </a:ext>
           </a:extLst>
         </p:spPr>
@@ -21874,7 +21976,7 @@
           </a:ln>
           <a:extLst>
             <a:ext uri="{C572A759-6A51-4108-AA02-DFA0A04FC94B}">
-              <ma14:wrappingTextBoxFlag xmlns:ma14="http://schemas.microsoft.com/office/mac/drawingml/2011/main" xmlns:a14="http://schemas.microsoft.com/office/drawing/2010/main" xmlns:m="http://schemas.openxmlformats.org/officeDocument/2006/math" xmlns="" val="1"/>
+              <ma14:wrappingTextBoxFlag xmlns="" xmlns:m="http://schemas.openxmlformats.org/officeDocument/2006/math" xmlns:a14="http://schemas.microsoft.com/office/drawing/2010/main" xmlns:ma14="http://schemas.microsoft.com/office/mac/drawingml/2011/main" val="1"/>
             </a:ext>
           </a:extLst>
         </p:spPr>
@@ -23070,7 +23172,7 @@
             <a:effectLst/>
             <a:extLst>
               <a:ext uri="{C572A759-6A51-4108-AA02-DFA0A04FC94B}">
-                <ma14:wrappingTextBoxFlag xmlns:ma14="http://schemas.microsoft.com/office/mac/drawingml/2011/main" xmlns:a14="http://schemas.microsoft.com/office/drawing/2010/main" xmlns:m="http://schemas.openxmlformats.org/officeDocument/2006/math" xmlns="" val="1"/>
+                <ma14:wrappingTextBoxFlag xmlns="" xmlns:m="http://schemas.openxmlformats.org/officeDocument/2006/math" xmlns:a14="http://schemas.microsoft.com/office/drawing/2010/main" xmlns:ma14="http://schemas.microsoft.com/office/mac/drawingml/2011/main" val="1"/>
               </a:ext>
             </a:extLst>
           </p:spPr>
@@ -23170,7 +23272,7 @@
             <a:effectLst/>
             <a:extLst>
               <a:ext uri="{C572A759-6A51-4108-AA02-DFA0A04FC94B}">
-                <ma14:wrappingTextBoxFlag xmlns:ma14="http://schemas.microsoft.com/office/mac/drawingml/2011/main" xmlns:a14="http://schemas.microsoft.com/office/drawing/2010/main" xmlns:m="http://schemas.openxmlformats.org/officeDocument/2006/math" xmlns="" val="1"/>
+                <ma14:wrappingTextBoxFlag xmlns="" xmlns:m="http://schemas.openxmlformats.org/officeDocument/2006/math" xmlns:a14="http://schemas.microsoft.com/office/drawing/2010/main" xmlns:ma14="http://schemas.microsoft.com/office/mac/drawingml/2011/main" val="1"/>
               </a:ext>
             </a:extLst>
           </p:spPr>
@@ -24030,7 +24132,7 @@
           </a:ln>
           <a:extLst>
             <a:ext uri="{C572A759-6A51-4108-AA02-DFA0A04FC94B}">
-              <ma14:wrappingTextBoxFlag xmlns:ma14="http://schemas.microsoft.com/office/mac/drawingml/2011/main" xmlns:a14="http://schemas.microsoft.com/office/drawing/2010/main" xmlns:m="http://schemas.openxmlformats.org/officeDocument/2006/math" xmlns="" val="1"/>
+              <ma14:wrappingTextBoxFlag xmlns="" xmlns:m="http://schemas.openxmlformats.org/officeDocument/2006/math" xmlns:a14="http://schemas.microsoft.com/office/drawing/2010/main" xmlns:ma14="http://schemas.microsoft.com/office/mac/drawingml/2011/main" val="1"/>
             </a:ext>
           </a:extLst>
         </p:spPr>
@@ -24065,7 +24167,7 @@
           </a:ln>
           <a:extLst>
             <a:ext uri="{C572A759-6A51-4108-AA02-DFA0A04FC94B}">
-              <ma14:wrappingTextBoxFlag xmlns:ma14="http://schemas.microsoft.com/office/mac/drawingml/2011/main" xmlns:a14="http://schemas.microsoft.com/office/drawing/2010/main" xmlns:m="http://schemas.openxmlformats.org/officeDocument/2006/math" xmlns="" val="1"/>
+              <ma14:wrappingTextBoxFlag xmlns="" xmlns:m="http://schemas.openxmlformats.org/officeDocument/2006/math" xmlns:a14="http://schemas.microsoft.com/office/drawing/2010/main" xmlns:ma14="http://schemas.microsoft.com/office/mac/drawingml/2011/main" val="1"/>
             </a:ext>
           </a:extLst>
         </p:spPr>
@@ -24145,7 +24247,7 @@
           </a:ln>
           <a:extLst>
             <a:ext uri="{C572A759-6A51-4108-AA02-DFA0A04FC94B}">
-              <ma14:wrappingTextBoxFlag xmlns:ma14="http://schemas.microsoft.com/office/mac/drawingml/2011/main" xmlns:a14="http://schemas.microsoft.com/office/drawing/2010/main" xmlns:m="http://schemas.openxmlformats.org/officeDocument/2006/math" xmlns="" val="1"/>
+              <ma14:wrappingTextBoxFlag xmlns="" xmlns:m="http://schemas.openxmlformats.org/officeDocument/2006/math" xmlns:a14="http://schemas.microsoft.com/office/drawing/2010/main" xmlns:ma14="http://schemas.microsoft.com/office/mac/drawingml/2011/main" val="1"/>
             </a:ext>
           </a:extLst>
         </p:spPr>
@@ -24180,7 +24282,7 @@
           </a:ln>
           <a:extLst>
             <a:ext uri="{C572A759-6A51-4108-AA02-DFA0A04FC94B}">
-              <ma14:wrappingTextBoxFlag xmlns:ma14="http://schemas.microsoft.com/office/mac/drawingml/2011/main" xmlns:a14="http://schemas.microsoft.com/office/drawing/2010/main" xmlns:m="http://schemas.openxmlformats.org/officeDocument/2006/math" xmlns="" val="1"/>
+              <ma14:wrappingTextBoxFlag xmlns="" xmlns:m="http://schemas.openxmlformats.org/officeDocument/2006/math" xmlns:a14="http://schemas.microsoft.com/office/drawing/2010/main" xmlns:ma14="http://schemas.microsoft.com/office/mac/drawingml/2011/main" val="1"/>
             </a:ext>
           </a:extLst>
         </p:spPr>
@@ -24259,7 +24361,7 @@
           </a:ln>
           <a:extLst>
             <a:ext uri="{C572A759-6A51-4108-AA02-DFA0A04FC94B}">
-              <ma14:wrappingTextBoxFlag xmlns:ma14="http://schemas.microsoft.com/office/mac/drawingml/2011/main" xmlns:a14="http://schemas.microsoft.com/office/drawing/2010/main" xmlns:m="http://schemas.openxmlformats.org/officeDocument/2006/math" xmlns="" val="1"/>
+              <ma14:wrappingTextBoxFlag xmlns="" xmlns:m="http://schemas.openxmlformats.org/officeDocument/2006/math" xmlns:a14="http://schemas.microsoft.com/office/drawing/2010/main" xmlns:ma14="http://schemas.microsoft.com/office/mac/drawingml/2011/main" val="1"/>
             </a:ext>
           </a:extLst>
         </p:spPr>
@@ -24294,7 +24396,7 @@
           </a:ln>
           <a:extLst>
             <a:ext uri="{C572A759-6A51-4108-AA02-DFA0A04FC94B}">
-              <ma14:wrappingTextBoxFlag xmlns:ma14="http://schemas.microsoft.com/office/mac/drawingml/2011/main" xmlns:a14="http://schemas.microsoft.com/office/drawing/2010/main" xmlns:m="http://schemas.openxmlformats.org/officeDocument/2006/math" xmlns="" val="1"/>
+              <ma14:wrappingTextBoxFlag xmlns="" xmlns:m="http://schemas.openxmlformats.org/officeDocument/2006/math" xmlns:a14="http://schemas.microsoft.com/office/drawing/2010/main" xmlns:ma14="http://schemas.microsoft.com/office/mac/drawingml/2011/main" val="1"/>
             </a:ext>
           </a:extLst>
         </p:spPr>
@@ -24373,7 +24475,7 @@
           </a:ln>
           <a:extLst>
             <a:ext uri="{C572A759-6A51-4108-AA02-DFA0A04FC94B}">
-              <ma14:wrappingTextBoxFlag xmlns:ma14="http://schemas.microsoft.com/office/mac/drawingml/2011/main" xmlns:a14="http://schemas.microsoft.com/office/drawing/2010/main" xmlns:m="http://schemas.openxmlformats.org/officeDocument/2006/math" xmlns="" val="1"/>
+              <ma14:wrappingTextBoxFlag xmlns="" xmlns:m="http://schemas.openxmlformats.org/officeDocument/2006/math" xmlns:a14="http://schemas.microsoft.com/office/drawing/2010/main" xmlns:ma14="http://schemas.microsoft.com/office/mac/drawingml/2011/main" val="1"/>
             </a:ext>
           </a:extLst>
         </p:spPr>
@@ -24408,7 +24510,7 @@
           </a:ln>
           <a:extLst>
             <a:ext uri="{C572A759-6A51-4108-AA02-DFA0A04FC94B}">
-              <ma14:wrappingTextBoxFlag xmlns:ma14="http://schemas.microsoft.com/office/mac/drawingml/2011/main" xmlns:a14="http://schemas.microsoft.com/office/drawing/2010/main" xmlns:m="http://schemas.openxmlformats.org/officeDocument/2006/math" xmlns="" val="1"/>
+              <ma14:wrappingTextBoxFlag xmlns="" xmlns:m="http://schemas.openxmlformats.org/officeDocument/2006/math" xmlns:a14="http://schemas.microsoft.com/office/drawing/2010/main" xmlns:ma14="http://schemas.microsoft.com/office/mac/drawingml/2011/main" val="1"/>
             </a:ext>
           </a:extLst>
         </p:spPr>
@@ -24541,7 +24643,7 @@
             <a:effectLst/>
             <a:extLst>
               <a:ext uri="{C572A759-6A51-4108-AA02-DFA0A04FC94B}">
-                <ma14:wrappingTextBoxFlag xmlns:ma14="http://schemas.microsoft.com/office/mac/drawingml/2011/main" xmlns:a14="http://schemas.microsoft.com/office/drawing/2010/main" xmlns:m="http://schemas.openxmlformats.org/officeDocument/2006/math" xmlns="" val="1"/>
+                <ma14:wrappingTextBoxFlag xmlns="" xmlns:m="http://schemas.openxmlformats.org/officeDocument/2006/math" xmlns:a14="http://schemas.microsoft.com/office/drawing/2010/main" xmlns:ma14="http://schemas.microsoft.com/office/mac/drawingml/2011/main" val="1"/>
               </a:ext>
             </a:extLst>
           </p:spPr>
@@ -24637,7 +24739,7 @@
             <a:effectLst/>
             <a:extLst>
               <a:ext uri="{C572A759-6A51-4108-AA02-DFA0A04FC94B}">
-                <ma14:wrappingTextBoxFlag xmlns:ma14="http://schemas.microsoft.com/office/mac/drawingml/2011/main" xmlns:a14="http://schemas.microsoft.com/office/drawing/2010/main" xmlns:m="http://schemas.openxmlformats.org/officeDocument/2006/math" xmlns="" val="1"/>
+                <ma14:wrappingTextBoxFlag xmlns="" xmlns:m="http://schemas.openxmlformats.org/officeDocument/2006/math" xmlns:a14="http://schemas.microsoft.com/office/drawing/2010/main" xmlns:ma14="http://schemas.microsoft.com/office/mac/drawingml/2011/main" val="1"/>
               </a:ext>
             </a:extLst>
           </p:spPr>
@@ -24995,7 +25097,7 @@
             <a:effectLst/>
             <a:extLst>
               <a:ext uri="{C572A759-6A51-4108-AA02-DFA0A04FC94B}">
-                <ma14:wrappingTextBoxFlag xmlns:ma14="http://schemas.microsoft.com/office/mac/drawingml/2011/main" xmlns:a14="http://schemas.microsoft.com/office/drawing/2010/main" xmlns:m="http://schemas.openxmlformats.org/officeDocument/2006/math" xmlns="" val="1"/>
+                <ma14:wrappingTextBoxFlag xmlns="" xmlns:m="http://schemas.openxmlformats.org/officeDocument/2006/math" xmlns:a14="http://schemas.microsoft.com/office/drawing/2010/main" xmlns:ma14="http://schemas.microsoft.com/office/mac/drawingml/2011/main" val="1"/>
               </a:ext>
             </a:extLst>
           </p:spPr>
@@ -25099,7 +25201,7 @@
             <a:effectLst/>
             <a:extLst>
               <a:ext uri="{C572A759-6A51-4108-AA02-DFA0A04FC94B}">
-                <ma14:wrappingTextBoxFlag xmlns:ma14="http://schemas.microsoft.com/office/mac/drawingml/2011/main" xmlns:a14="http://schemas.microsoft.com/office/drawing/2010/main" xmlns:m="http://schemas.openxmlformats.org/officeDocument/2006/math" xmlns="" val="1"/>
+                <ma14:wrappingTextBoxFlag xmlns="" xmlns:m="http://schemas.openxmlformats.org/officeDocument/2006/math" xmlns:a14="http://schemas.microsoft.com/office/drawing/2010/main" xmlns:ma14="http://schemas.microsoft.com/office/mac/drawingml/2011/main" val="1"/>
               </a:ext>
             </a:extLst>
           </p:spPr>
@@ -25203,7 +25305,7 @@
             <a:effectLst/>
             <a:extLst>
               <a:ext uri="{C572A759-6A51-4108-AA02-DFA0A04FC94B}">
-                <ma14:wrappingTextBoxFlag xmlns:ma14="http://schemas.microsoft.com/office/mac/drawingml/2011/main" xmlns:a14="http://schemas.microsoft.com/office/drawing/2010/main" xmlns:m="http://schemas.openxmlformats.org/officeDocument/2006/math" xmlns="" val="1"/>
+                <ma14:wrappingTextBoxFlag xmlns="" xmlns:m="http://schemas.openxmlformats.org/officeDocument/2006/math" xmlns:a14="http://schemas.microsoft.com/office/drawing/2010/main" xmlns:ma14="http://schemas.microsoft.com/office/mac/drawingml/2011/main" val="1"/>
               </a:ext>
             </a:extLst>
           </p:spPr>
@@ -26328,7 +26430,7 @@
           </a:ln>
           <a:extLst>
             <a:ext uri="{C572A759-6A51-4108-AA02-DFA0A04FC94B}">
-              <ma14:wrappingTextBoxFlag xmlns:ma14="http://schemas.microsoft.com/office/mac/drawingml/2011/main" xmlns:a14="http://schemas.microsoft.com/office/drawing/2010/main" xmlns:m="http://schemas.openxmlformats.org/officeDocument/2006/math" xmlns="" val="1"/>
+              <ma14:wrappingTextBoxFlag xmlns="" xmlns:m="http://schemas.openxmlformats.org/officeDocument/2006/math" xmlns:a14="http://schemas.microsoft.com/office/drawing/2010/main" xmlns:ma14="http://schemas.microsoft.com/office/mac/drawingml/2011/main" val="1"/>
             </a:ext>
           </a:extLst>
         </p:spPr>
@@ -26368,7 +26470,7 @@
           </a:ln>
           <a:extLst>
             <a:ext uri="{C572A759-6A51-4108-AA02-DFA0A04FC94B}">
-              <ma14:wrappingTextBoxFlag xmlns:ma14="http://schemas.microsoft.com/office/mac/drawingml/2011/main" xmlns:a14="http://schemas.microsoft.com/office/drawing/2010/main" xmlns:m="http://schemas.openxmlformats.org/officeDocument/2006/math" xmlns="" val="1"/>
+              <ma14:wrappingTextBoxFlag xmlns="" xmlns:m="http://schemas.openxmlformats.org/officeDocument/2006/math" xmlns:a14="http://schemas.microsoft.com/office/drawing/2010/main" xmlns:ma14="http://schemas.microsoft.com/office/mac/drawingml/2011/main" val="1"/>
             </a:ext>
           </a:extLst>
         </p:spPr>
@@ -26414,7 +26516,7 @@
           </a:ln>
           <a:extLst>
             <a:ext uri="{C572A759-6A51-4108-AA02-DFA0A04FC94B}">
-              <ma14:wrappingTextBoxFlag xmlns:ma14="http://schemas.microsoft.com/office/mac/drawingml/2011/main" xmlns:a14="http://schemas.microsoft.com/office/drawing/2010/main" xmlns:m="http://schemas.openxmlformats.org/officeDocument/2006/math" xmlns="" val="1"/>
+              <ma14:wrappingTextBoxFlag xmlns="" xmlns:m="http://schemas.openxmlformats.org/officeDocument/2006/math" xmlns:a14="http://schemas.microsoft.com/office/drawing/2010/main" xmlns:ma14="http://schemas.microsoft.com/office/mac/drawingml/2011/main" val="1"/>
             </a:ext>
           </a:extLst>
         </p:spPr>
@@ -26456,7 +26558,7 @@
           </a:ln>
           <a:extLst>
             <a:ext uri="{C572A759-6A51-4108-AA02-DFA0A04FC94B}">
-              <ma14:wrappingTextBoxFlag xmlns:ma14="http://schemas.microsoft.com/office/mac/drawingml/2011/main" xmlns:a14="http://schemas.microsoft.com/office/drawing/2010/main" xmlns:m="http://schemas.openxmlformats.org/officeDocument/2006/math" xmlns="" val="1"/>
+              <ma14:wrappingTextBoxFlag xmlns="" xmlns:m="http://schemas.openxmlformats.org/officeDocument/2006/math" xmlns:a14="http://schemas.microsoft.com/office/drawing/2010/main" xmlns:ma14="http://schemas.microsoft.com/office/mac/drawingml/2011/main" val="1"/>
             </a:ext>
           </a:extLst>
         </p:spPr>
@@ -26507,7 +26609,7 @@
           </a:ln>
           <a:extLst>
             <a:ext uri="{C572A759-6A51-4108-AA02-DFA0A04FC94B}">
-              <ma14:wrappingTextBoxFlag xmlns:ma14="http://schemas.microsoft.com/office/mac/drawingml/2011/main" xmlns:a14="http://schemas.microsoft.com/office/drawing/2010/main" xmlns:m="http://schemas.openxmlformats.org/officeDocument/2006/math" xmlns="" val="1"/>
+              <ma14:wrappingTextBoxFlag xmlns="" xmlns:m="http://schemas.openxmlformats.org/officeDocument/2006/math" xmlns:a14="http://schemas.microsoft.com/office/drawing/2010/main" xmlns:ma14="http://schemas.microsoft.com/office/mac/drawingml/2011/main" val="1"/>
             </a:ext>
           </a:extLst>
         </p:spPr>
@@ -26550,7 +26652,7 @@
           </a:ln>
           <a:extLst>
             <a:ext uri="{C572A759-6A51-4108-AA02-DFA0A04FC94B}">
-              <ma14:wrappingTextBoxFlag xmlns:ma14="http://schemas.microsoft.com/office/mac/drawingml/2011/main" xmlns:a14="http://schemas.microsoft.com/office/drawing/2010/main" xmlns:m="http://schemas.openxmlformats.org/officeDocument/2006/math" xmlns="" val="1"/>
+              <ma14:wrappingTextBoxFlag xmlns="" xmlns:m="http://schemas.openxmlformats.org/officeDocument/2006/math" xmlns:a14="http://schemas.microsoft.com/office/drawing/2010/main" xmlns:ma14="http://schemas.microsoft.com/office/mac/drawingml/2011/main" val="1"/>
             </a:ext>
           </a:extLst>
         </p:spPr>
@@ -26600,7 +26702,7 @@
           </a:ln>
           <a:extLst>
             <a:ext uri="{C572A759-6A51-4108-AA02-DFA0A04FC94B}">
-              <ma14:wrappingTextBoxFlag xmlns:ma14="http://schemas.microsoft.com/office/mac/drawingml/2011/main" xmlns:a14="http://schemas.microsoft.com/office/drawing/2010/main" xmlns:m="http://schemas.openxmlformats.org/officeDocument/2006/math" xmlns="" val="1"/>
+              <ma14:wrappingTextBoxFlag xmlns="" xmlns:m="http://schemas.openxmlformats.org/officeDocument/2006/math" xmlns:a14="http://schemas.microsoft.com/office/drawing/2010/main" xmlns:ma14="http://schemas.microsoft.com/office/mac/drawingml/2011/main" val="1"/>
             </a:ext>
           </a:extLst>
         </p:spPr>
@@ -26646,7 +26748,7 @@
           </a:ln>
           <a:extLst>
             <a:ext uri="{C572A759-6A51-4108-AA02-DFA0A04FC94B}">
-              <ma14:wrappingTextBoxFlag xmlns:ma14="http://schemas.microsoft.com/office/mac/drawingml/2011/main" xmlns:a14="http://schemas.microsoft.com/office/drawing/2010/main" xmlns:m="http://schemas.openxmlformats.org/officeDocument/2006/math" xmlns="" val="1"/>
+              <ma14:wrappingTextBoxFlag xmlns="" xmlns:m="http://schemas.openxmlformats.org/officeDocument/2006/math" xmlns:a14="http://schemas.microsoft.com/office/drawing/2010/main" xmlns:ma14="http://schemas.microsoft.com/office/mac/drawingml/2011/main" val="1"/>
             </a:ext>
           </a:extLst>
         </p:spPr>
@@ -26686,7 +26788,7 @@
           </a:ln>
           <a:extLst>
             <a:ext uri="{C572A759-6A51-4108-AA02-DFA0A04FC94B}">
-              <ma14:wrappingTextBoxFlag xmlns:ma14="http://schemas.microsoft.com/office/mac/drawingml/2011/main" xmlns:a14="http://schemas.microsoft.com/office/drawing/2010/main" xmlns:m="http://schemas.openxmlformats.org/officeDocument/2006/math" xmlns="" val="1"/>
+              <ma14:wrappingTextBoxFlag xmlns="" xmlns:m="http://schemas.openxmlformats.org/officeDocument/2006/math" xmlns:a14="http://schemas.microsoft.com/office/drawing/2010/main" xmlns:ma14="http://schemas.microsoft.com/office/mac/drawingml/2011/main" val="1"/>
             </a:ext>
           </a:extLst>
         </p:spPr>
@@ -26731,7 +26833,7 @@
           </a:ln>
           <a:extLst>
             <a:ext uri="{C572A759-6A51-4108-AA02-DFA0A04FC94B}">
-              <ma14:wrappingTextBoxFlag xmlns:ma14="http://schemas.microsoft.com/office/mac/drawingml/2011/main" xmlns:a14="http://schemas.microsoft.com/office/drawing/2010/main" xmlns:m="http://schemas.openxmlformats.org/officeDocument/2006/math" xmlns="" val="1"/>
+              <ma14:wrappingTextBoxFlag xmlns="" xmlns:m="http://schemas.openxmlformats.org/officeDocument/2006/math" xmlns:a14="http://schemas.microsoft.com/office/drawing/2010/main" xmlns:ma14="http://schemas.microsoft.com/office/mac/drawingml/2011/main" val="1"/>
             </a:ext>
           </a:extLst>
         </p:spPr>
@@ -27044,7 +27146,7 @@
             <a:effectLst/>
             <a:extLst>
               <a:ext uri="{C572A759-6A51-4108-AA02-DFA0A04FC94B}">
-                <ma14:wrappingTextBoxFlag xmlns:ma14="http://schemas.microsoft.com/office/mac/drawingml/2011/main" xmlns:a14="http://schemas.microsoft.com/office/drawing/2010/main" xmlns:m="http://schemas.openxmlformats.org/officeDocument/2006/math" xmlns="" val="1"/>
+                <ma14:wrappingTextBoxFlag xmlns="" xmlns:m="http://schemas.openxmlformats.org/officeDocument/2006/math" xmlns:a14="http://schemas.microsoft.com/office/drawing/2010/main" xmlns:ma14="http://schemas.microsoft.com/office/mac/drawingml/2011/main" val="1"/>
               </a:ext>
             </a:extLst>
           </p:spPr>
@@ -28184,7 +28286,7 @@
           </a:ln>
           <a:extLst>
             <a:ext uri="{C572A759-6A51-4108-AA02-DFA0A04FC94B}">
-              <ma14:wrappingTextBoxFlag xmlns:ma14="http://schemas.microsoft.com/office/mac/drawingml/2011/main" xmlns:a14="http://schemas.microsoft.com/office/drawing/2010/main" xmlns:m="http://schemas.openxmlformats.org/officeDocument/2006/math" xmlns="" val="1"/>
+              <ma14:wrappingTextBoxFlag xmlns="" xmlns:m="http://schemas.openxmlformats.org/officeDocument/2006/math" xmlns:a14="http://schemas.microsoft.com/office/drawing/2010/main" xmlns:ma14="http://schemas.microsoft.com/office/mac/drawingml/2011/main" val="1"/>
             </a:ext>
           </a:extLst>
         </p:spPr>
@@ -28234,7 +28336,7 @@
           </a:ln>
           <a:extLst>
             <a:ext uri="{C572A759-6A51-4108-AA02-DFA0A04FC94B}">
-              <ma14:wrappingTextBoxFlag xmlns:ma14="http://schemas.microsoft.com/office/mac/drawingml/2011/main" xmlns:a14="http://schemas.microsoft.com/office/drawing/2010/main" xmlns:m="http://schemas.openxmlformats.org/officeDocument/2006/math" xmlns="" val="1"/>
+              <ma14:wrappingTextBoxFlag xmlns="" xmlns:m="http://schemas.openxmlformats.org/officeDocument/2006/math" xmlns:a14="http://schemas.microsoft.com/office/drawing/2010/main" xmlns:ma14="http://schemas.microsoft.com/office/mac/drawingml/2011/main" val="1"/>
             </a:ext>
           </a:extLst>
         </p:spPr>
@@ -28274,7 +28376,7 @@
           </a:ln>
           <a:extLst>
             <a:ext uri="{C572A759-6A51-4108-AA02-DFA0A04FC94B}">
-              <ma14:wrappingTextBoxFlag xmlns:ma14="http://schemas.microsoft.com/office/mac/drawingml/2011/main" xmlns:a14="http://schemas.microsoft.com/office/drawing/2010/main" xmlns:m="http://schemas.openxmlformats.org/officeDocument/2006/math" xmlns="" val="1"/>
+              <ma14:wrappingTextBoxFlag xmlns="" xmlns:m="http://schemas.openxmlformats.org/officeDocument/2006/math" xmlns:a14="http://schemas.microsoft.com/office/drawing/2010/main" xmlns:ma14="http://schemas.microsoft.com/office/mac/drawingml/2011/main" val="1"/>
             </a:ext>
           </a:extLst>
         </p:spPr>
@@ -28320,7 +28422,7 @@
           </a:ln>
           <a:extLst>
             <a:ext uri="{C572A759-6A51-4108-AA02-DFA0A04FC94B}">
-              <ma14:wrappingTextBoxFlag xmlns:ma14="http://schemas.microsoft.com/office/mac/drawingml/2011/main" xmlns:a14="http://schemas.microsoft.com/office/drawing/2010/main" xmlns:m="http://schemas.openxmlformats.org/officeDocument/2006/math" xmlns="" val="1"/>
+              <ma14:wrappingTextBoxFlag xmlns="" xmlns:m="http://schemas.openxmlformats.org/officeDocument/2006/math" xmlns:a14="http://schemas.microsoft.com/office/drawing/2010/main" xmlns:ma14="http://schemas.microsoft.com/office/mac/drawingml/2011/main" val="1"/>
             </a:ext>
           </a:extLst>
         </p:spPr>
@@ -28370,7 +28472,7 @@
           </a:ln>
           <a:extLst>
             <a:ext uri="{C572A759-6A51-4108-AA02-DFA0A04FC94B}">
-              <ma14:wrappingTextBoxFlag xmlns:ma14="http://schemas.microsoft.com/office/mac/drawingml/2011/main" xmlns:a14="http://schemas.microsoft.com/office/drawing/2010/main" xmlns:m="http://schemas.openxmlformats.org/officeDocument/2006/math" xmlns="" val="1"/>
+              <ma14:wrappingTextBoxFlag xmlns="" xmlns:m="http://schemas.openxmlformats.org/officeDocument/2006/math" xmlns:a14="http://schemas.microsoft.com/office/drawing/2010/main" xmlns:ma14="http://schemas.microsoft.com/office/mac/drawingml/2011/main" val="1"/>
             </a:ext>
           </a:extLst>
         </p:spPr>
@@ -28447,7 +28549,7 @@
           </a:ln>
           <a:extLst>
             <a:ext uri="{C572A759-6A51-4108-AA02-DFA0A04FC94B}">
-              <ma14:wrappingTextBoxFlag xmlns:ma14="http://schemas.microsoft.com/office/mac/drawingml/2011/main" xmlns:a14="http://schemas.microsoft.com/office/drawing/2010/main" xmlns:m="http://schemas.openxmlformats.org/officeDocument/2006/math" xmlns="" val="1"/>
+              <ma14:wrappingTextBoxFlag xmlns="" xmlns:m="http://schemas.openxmlformats.org/officeDocument/2006/math" xmlns:a14="http://schemas.microsoft.com/office/drawing/2010/main" xmlns:ma14="http://schemas.microsoft.com/office/mac/drawingml/2011/main" val="1"/>
             </a:ext>
           </a:extLst>
         </p:spPr>
@@ -28492,7 +28594,7 @@
           </a:ln>
           <a:extLst>
             <a:ext uri="{C572A759-6A51-4108-AA02-DFA0A04FC94B}">
-              <ma14:wrappingTextBoxFlag xmlns:ma14="http://schemas.microsoft.com/office/mac/drawingml/2011/main" xmlns:a14="http://schemas.microsoft.com/office/drawing/2010/main" xmlns:m="http://schemas.openxmlformats.org/officeDocument/2006/math" xmlns="" val="1"/>
+              <ma14:wrappingTextBoxFlag xmlns="" xmlns:m="http://schemas.openxmlformats.org/officeDocument/2006/math" xmlns:a14="http://schemas.microsoft.com/office/drawing/2010/main" xmlns:ma14="http://schemas.microsoft.com/office/mac/drawingml/2011/main" val="1"/>
             </a:ext>
           </a:extLst>
         </p:spPr>
@@ -28537,7 +28639,7 @@
           </a:ln>
           <a:extLst>
             <a:ext uri="{C572A759-6A51-4108-AA02-DFA0A04FC94B}">
-              <ma14:wrappingTextBoxFlag xmlns:ma14="http://schemas.microsoft.com/office/mac/drawingml/2011/main" xmlns:a14="http://schemas.microsoft.com/office/drawing/2010/main" xmlns:m="http://schemas.openxmlformats.org/officeDocument/2006/math" xmlns="" val="1"/>
+              <ma14:wrappingTextBoxFlag xmlns="" xmlns:m="http://schemas.openxmlformats.org/officeDocument/2006/math" xmlns:a14="http://schemas.microsoft.com/office/drawing/2010/main" xmlns:ma14="http://schemas.microsoft.com/office/mac/drawingml/2011/main" val="1"/>
             </a:ext>
           </a:extLst>
         </p:spPr>
@@ -28630,6 +28732,54 @@
           <a:xfrm>
             <a:off x="0" y="145143"/>
             <a:ext cx="12192000" cy="6567714"/>
+          </a:xfrm>
+          <a:prstGeom prst="rect">
+            <a:avLst/>
+          </a:prstGeom>
+        </p:spPr>
+      </p:pic>
+      <p:pic>
+        <p:nvPicPr>
+          <p:cNvPr id="2" name="그림 1"/>
+          <p:cNvPicPr>
+            <a:picLocks noChangeAspect="1"/>
+          </p:cNvPicPr>
+          <p:nvPr/>
+        </p:nvPicPr>
+        <p:blipFill>
+          <a:blip r:embed="rId3"/>
+          <a:stretch>
+            <a:fillRect/>
+          </a:stretch>
+        </p:blipFill>
+        <p:spPr>
+          <a:xfrm>
+            <a:off x="1125694" y="919728"/>
+            <a:ext cx="2009775" cy="1704975"/>
+          </a:xfrm>
+          <a:prstGeom prst="rect">
+            <a:avLst/>
+          </a:prstGeom>
+        </p:spPr>
+      </p:pic>
+      <p:pic>
+        <p:nvPicPr>
+          <p:cNvPr id="3" name="그림 2"/>
+          <p:cNvPicPr>
+            <a:picLocks noChangeAspect="1"/>
+          </p:cNvPicPr>
+          <p:nvPr/>
+        </p:nvPicPr>
+        <p:blipFill>
+          <a:blip r:embed="rId4"/>
+          <a:stretch>
+            <a:fillRect/>
+          </a:stretch>
+        </p:blipFill>
+        <p:spPr>
+          <a:xfrm>
+            <a:off x="7441948" y="4730860"/>
+            <a:ext cx="2506240" cy="1715208"/>
           </a:xfrm>
           <a:prstGeom prst="rect">
             <a:avLst/>
@@ -29744,7 +29894,7 @@
           </a:ln>
           <a:extLst>
             <a:ext uri="{C572A759-6A51-4108-AA02-DFA0A04FC94B}">
-              <ma14:wrappingTextBoxFlag xmlns:ma14="http://schemas.microsoft.com/office/mac/drawingml/2011/main" xmlns:a14="http://schemas.microsoft.com/office/drawing/2010/main" xmlns:m="http://schemas.openxmlformats.org/officeDocument/2006/math" xmlns="" val="1"/>
+              <ma14:wrappingTextBoxFlag xmlns="" xmlns:m="http://schemas.openxmlformats.org/officeDocument/2006/math" xmlns:a14="http://schemas.microsoft.com/office/drawing/2010/main" xmlns:ma14="http://schemas.microsoft.com/office/mac/drawingml/2011/main" val="1"/>
             </a:ext>
           </a:extLst>
         </p:spPr>
@@ -29839,7 +29989,7 @@
             <a:effectLst/>
             <a:extLst>
               <a:ext uri="{C572A759-6A51-4108-AA02-DFA0A04FC94B}">
-                <ma14:wrappingTextBoxFlag xmlns:ma14="http://schemas.microsoft.com/office/mac/drawingml/2011/main" xmlns:a14="http://schemas.microsoft.com/office/drawing/2010/main" xmlns:m="http://schemas.openxmlformats.org/officeDocument/2006/math" xmlns="" val="1"/>
+                <ma14:wrappingTextBoxFlag xmlns="" xmlns:m="http://schemas.openxmlformats.org/officeDocument/2006/math" xmlns:a14="http://schemas.microsoft.com/office/drawing/2010/main" xmlns:ma14="http://schemas.microsoft.com/office/mac/drawingml/2011/main" val="1"/>
               </a:ext>
             </a:extLst>
           </p:spPr>
@@ -29935,7 +30085,7 @@
             <a:effectLst/>
             <a:extLst>
               <a:ext uri="{C572A759-6A51-4108-AA02-DFA0A04FC94B}">
-                <ma14:wrappingTextBoxFlag xmlns:ma14="http://schemas.microsoft.com/office/mac/drawingml/2011/main" xmlns:a14="http://schemas.microsoft.com/office/drawing/2010/main" xmlns:m="http://schemas.openxmlformats.org/officeDocument/2006/math" xmlns="" val="1"/>
+                <ma14:wrappingTextBoxFlag xmlns="" xmlns:m="http://schemas.openxmlformats.org/officeDocument/2006/math" xmlns:a14="http://schemas.microsoft.com/office/drawing/2010/main" xmlns:ma14="http://schemas.microsoft.com/office/mac/drawingml/2011/main" val="1"/>
               </a:ext>
             </a:extLst>
           </p:spPr>
@@ -30031,7 +30181,7 @@
             <a:effectLst/>
             <a:extLst>
               <a:ext uri="{C572A759-6A51-4108-AA02-DFA0A04FC94B}">
-                <ma14:wrappingTextBoxFlag xmlns:ma14="http://schemas.microsoft.com/office/mac/drawingml/2011/main" xmlns:a14="http://schemas.microsoft.com/office/drawing/2010/main" xmlns:m="http://schemas.openxmlformats.org/officeDocument/2006/math" xmlns="" val="1"/>
+                <ma14:wrappingTextBoxFlag xmlns="" xmlns:m="http://schemas.openxmlformats.org/officeDocument/2006/math" xmlns:a14="http://schemas.microsoft.com/office/drawing/2010/main" xmlns:ma14="http://schemas.microsoft.com/office/mac/drawingml/2011/main" val="1"/>
               </a:ext>
             </a:extLst>
           </p:spPr>
@@ -30127,7 +30277,7 @@
             <a:effectLst/>
             <a:extLst>
               <a:ext uri="{C572A759-6A51-4108-AA02-DFA0A04FC94B}">
-                <ma14:wrappingTextBoxFlag xmlns:ma14="http://schemas.microsoft.com/office/mac/drawingml/2011/main" xmlns:a14="http://schemas.microsoft.com/office/drawing/2010/main" xmlns:m="http://schemas.openxmlformats.org/officeDocument/2006/math" xmlns="" val="1"/>
+                <ma14:wrappingTextBoxFlag xmlns="" xmlns:m="http://schemas.openxmlformats.org/officeDocument/2006/math" xmlns:a14="http://schemas.microsoft.com/office/drawing/2010/main" xmlns:ma14="http://schemas.microsoft.com/office/mac/drawingml/2011/main" val="1"/>
               </a:ext>
             </a:extLst>
           </p:spPr>
@@ -30223,7 +30373,7 @@
             <a:effectLst/>
             <a:extLst>
               <a:ext uri="{C572A759-6A51-4108-AA02-DFA0A04FC94B}">
-                <ma14:wrappingTextBoxFlag xmlns:ma14="http://schemas.microsoft.com/office/mac/drawingml/2011/main" xmlns:a14="http://schemas.microsoft.com/office/drawing/2010/main" xmlns:m="http://schemas.openxmlformats.org/officeDocument/2006/math" xmlns="" val="1"/>
+                <ma14:wrappingTextBoxFlag xmlns="" xmlns:m="http://schemas.openxmlformats.org/officeDocument/2006/math" xmlns:a14="http://schemas.microsoft.com/office/drawing/2010/main" xmlns:ma14="http://schemas.microsoft.com/office/mac/drawingml/2011/main" val="1"/>
               </a:ext>
             </a:extLst>
           </p:spPr>
@@ -30319,7 +30469,7 @@
             <a:effectLst/>
             <a:extLst>
               <a:ext uri="{C572A759-6A51-4108-AA02-DFA0A04FC94B}">
-                <ma14:wrappingTextBoxFlag xmlns:ma14="http://schemas.microsoft.com/office/mac/drawingml/2011/main" xmlns:a14="http://schemas.microsoft.com/office/drawing/2010/main" xmlns:m="http://schemas.openxmlformats.org/officeDocument/2006/math" xmlns="" val="1"/>
+                <ma14:wrappingTextBoxFlag xmlns="" xmlns:m="http://schemas.openxmlformats.org/officeDocument/2006/math" xmlns:a14="http://schemas.microsoft.com/office/drawing/2010/main" xmlns:ma14="http://schemas.microsoft.com/office/mac/drawingml/2011/main" val="1"/>
               </a:ext>
             </a:extLst>
           </p:spPr>
@@ -30610,7 +30760,7 @@
             <a:effectLst/>
             <a:extLst>
               <a:ext uri="{C572A759-6A51-4108-AA02-DFA0A04FC94B}">
-                <ma14:wrappingTextBoxFlag xmlns:ma14="http://schemas.microsoft.com/office/mac/drawingml/2011/main" xmlns:a14="http://schemas.microsoft.com/office/drawing/2010/main" xmlns:m="http://schemas.openxmlformats.org/officeDocument/2006/math" xmlns="" val="1"/>
+                <ma14:wrappingTextBoxFlag xmlns="" xmlns:m="http://schemas.openxmlformats.org/officeDocument/2006/math" xmlns:a14="http://schemas.microsoft.com/office/drawing/2010/main" xmlns:ma14="http://schemas.microsoft.com/office/mac/drawingml/2011/main" val="1"/>
               </a:ext>
             </a:extLst>
           </p:spPr>
@@ -30706,7 +30856,7 @@
             <a:effectLst/>
             <a:extLst>
               <a:ext uri="{C572A759-6A51-4108-AA02-DFA0A04FC94B}">
-                <ma14:wrappingTextBoxFlag xmlns:ma14="http://schemas.microsoft.com/office/mac/drawingml/2011/main" xmlns:a14="http://schemas.microsoft.com/office/drawing/2010/main" xmlns:m="http://schemas.openxmlformats.org/officeDocument/2006/math" xmlns="" val="1"/>
+                <ma14:wrappingTextBoxFlag xmlns="" xmlns:m="http://schemas.openxmlformats.org/officeDocument/2006/math" xmlns:a14="http://schemas.microsoft.com/office/drawing/2010/main" xmlns:ma14="http://schemas.microsoft.com/office/mac/drawingml/2011/main" val="1"/>
               </a:ext>
             </a:extLst>
           </p:spPr>
@@ -30841,7 +30991,7 @@
             <a:effectLst/>
             <a:extLst>
               <a:ext uri="{C572A759-6A51-4108-AA02-DFA0A04FC94B}">
-                <ma14:wrappingTextBoxFlag xmlns:ma14="http://schemas.microsoft.com/office/mac/drawingml/2011/main" xmlns:a14="http://schemas.microsoft.com/office/drawing/2010/main" xmlns:m="http://schemas.openxmlformats.org/officeDocument/2006/math" xmlns="" val="1"/>
+                <ma14:wrappingTextBoxFlag xmlns="" xmlns:m="http://schemas.openxmlformats.org/officeDocument/2006/math" xmlns:a14="http://schemas.microsoft.com/office/drawing/2010/main" xmlns:ma14="http://schemas.microsoft.com/office/mac/drawingml/2011/main" val="1"/>
               </a:ext>
             </a:extLst>
           </p:spPr>
@@ -30937,7 +31087,7 @@
             <a:effectLst/>
             <a:extLst>
               <a:ext uri="{C572A759-6A51-4108-AA02-DFA0A04FC94B}">
-                <ma14:wrappingTextBoxFlag xmlns:ma14="http://schemas.microsoft.com/office/mac/drawingml/2011/main" xmlns:a14="http://schemas.microsoft.com/office/drawing/2010/main" xmlns:m="http://schemas.openxmlformats.org/officeDocument/2006/math" xmlns="" val="1"/>
+                <ma14:wrappingTextBoxFlag xmlns="" xmlns:m="http://schemas.openxmlformats.org/officeDocument/2006/math" xmlns:a14="http://schemas.microsoft.com/office/drawing/2010/main" xmlns:ma14="http://schemas.microsoft.com/office/mac/drawingml/2011/main" val="1"/>
               </a:ext>
             </a:extLst>
           </p:spPr>
@@ -31033,7 +31183,7 @@
             <a:effectLst/>
             <a:extLst>
               <a:ext uri="{C572A759-6A51-4108-AA02-DFA0A04FC94B}">
-                <ma14:wrappingTextBoxFlag xmlns:ma14="http://schemas.microsoft.com/office/mac/drawingml/2011/main" xmlns:a14="http://schemas.microsoft.com/office/drawing/2010/main" xmlns:m="http://schemas.openxmlformats.org/officeDocument/2006/math" xmlns="" val="1"/>
+                <ma14:wrappingTextBoxFlag xmlns="" xmlns:m="http://schemas.openxmlformats.org/officeDocument/2006/math" xmlns:a14="http://schemas.microsoft.com/office/drawing/2010/main" xmlns:ma14="http://schemas.microsoft.com/office/mac/drawingml/2011/main" val="1"/>
               </a:ext>
             </a:extLst>
           </p:spPr>
@@ -31129,7 +31279,7 @@
             <a:effectLst/>
             <a:extLst>
               <a:ext uri="{C572A759-6A51-4108-AA02-DFA0A04FC94B}">
-                <ma14:wrappingTextBoxFlag xmlns:ma14="http://schemas.microsoft.com/office/mac/drawingml/2011/main" xmlns:a14="http://schemas.microsoft.com/office/drawing/2010/main" xmlns:m="http://schemas.openxmlformats.org/officeDocument/2006/math" xmlns="" val="1"/>
+                <ma14:wrappingTextBoxFlag xmlns="" xmlns:m="http://schemas.openxmlformats.org/officeDocument/2006/math" xmlns:a14="http://schemas.microsoft.com/office/drawing/2010/main" xmlns:ma14="http://schemas.microsoft.com/office/mac/drawingml/2011/main" val="1"/>
               </a:ext>
             </a:extLst>
           </p:spPr>
@@ -31264,7 +31414,7 @@
             <a:effectLst/>
             <a:extLst>
               <a:ext uri="{C572A759-6A51-4108-AA02-DFA0A04FC94B}">
-                <ma14:wrappingTextBoxFlag xmlns:ma14="http://schemas.microsoft.com/office/mac/drawingml/2011/main" xmlns:a14="http://schemas.microsoft.com/office/drawing/2010/main" xmlns:m="http://schemas.openxmlformats.org/officeDocument/2006/math" xmlns="" val="1"/>
+                <ma14:wrappingTextBoxFlag xmlns="" xmlns:m="http://schemas.openxmlformats.org/officeDocument/2006/math" xmlns:a14="http://schemas.microsoft.com/office/drawing/2010/main" xmlns:ma14="http://schemas.microsoft.com/office/mac/drawingml/2011/main" val="1"/>
               </a:ext>
             </a:extLst>
           </p:spPr>
@@ -31399,7 +31549,7 @@
             <a:effectLst/>
             <a:extLst>
               <a:ext uri="{C572A759-6A51-4108-AA02-DFA0A04FC94B}">
-                <ma14:wrappingTextBoxFlag xmlns:ma14="http://schemas.microsoft.com/office/mac/drawingml/2011/main" xmlns:a14="http://schemas.microsoft.com/office/drawing/2010/main" xmlns:m="http://schemas.openxmlformats.org/officeDocument/2006/math" xmlns="" val="1"/>
+                <ma14:wrappingTextBoxFlag xmlns="" xmlns:m="http://schemas.openxmlformats.org/officeDocument/2006/math" xmlns:a14="http://schemas.microsoft.com/office/drawing/2010/main" xmlns:ma14="http://schemas.microsoft.com/office/mac/drawingml/2011/main" val="1"/>
               </a:ext>
             </a:extLst>
           </p:spPr>
@@ -31573,7 +31723,7 @@
             <a:effectLst/>
             <a:extLst>
               <a:ext uri="{C572A759-6A51-4108-AA02-DFA0A04FC94B}">
-                <ma14:wrappingTextBoxFlag xmlns:ma14="http://schemas.microsoft.com/office/mac/drawingml/2011/main" xmlns:a14="http://schemas.microsoft.com/office/drawing/2010/main" xmlns:m="http://schemas.openxmlformats.org/officeDocument/2006/math" xmlns="" val="1"/>
+                <ma14:wrappingTextBoxFlag xmlns="" xmlns:m="http://schemas.openxmlformats.org/officeDocument/2006/math" xmlns:a14="http://schemas.microsoft.com/office/drawing/2010/main" xmlns:ma14="http://schemas.microsoft.com/office/mac/drawingml/2011/main" val="1"/>
               </a:ext>
             </a:extLst>
           </p:spPr>
@@ -31708,7 +31858,7 @@
             <a:effectLst/>
             <a:extLst>
               <a:ext uri="{C572A759-6A51-4108-AA02-DFA0A04FC94B}">
-                <ma14:wrappingTextBoxFlag xmlns:ma14="http://schemas.microsoft.com/office/mac/drawingml/2011/main" xmlns:a14="http://schemas.microsoft.com/office/drawing/2010/main" xmlns:m="http://schemas.openxmlformats.org/officeDocument/2006/math" xmlns="" val="1"/>
+                <ma14:wrappingTextBoxFlag xmlns="" xmlns:m="http://schemas.openxmlformats.org/officeDocument/2006/math" xmlns:a14="http://schemas.microsoft.com/office/drawing/2010/main" xmlns:ma14="http://schemas.microsoft.com/office/mac/drawingml/2011/main" val="1"/>
               </a:ext>
             </a:extLst>
           </p:spPr>
@@ -31804,7 +31954,7 @@
             <a:effectLst/>
             <a:extLst>
               <a:ext uri="{C572A759-6A51-4108-AA02-DFA0A04FC94B}">
-                <ma14:wrappingTextBoxFlag xmlns:ma14="http://schemas.microsoft.com/office/mac/drawingml/2011/main" xmlns:a14="http://schemas.microsoft.com/office/drawing/2010/main" xmlns:m="http://schemas.openxmlformats.org/officeDocument/2006/math" xmlns="" val="1"/>
+                <ma14:wrappingTextBoxFlag xmlns="" xmlns:m="http://schemas.openxmlformats.org/officeDocument/2006/math" xmlns:a14="http://schemas.microsoft.com/office/drawing/2010/main" xmlns:ma14="http://schemas.microsoft.com/office/mac/drawingml/2011/main" val="1"/>
               </a:ext>
             </a:extLst>
           </p:spPr>
@@ -31846,7 +31996,7 @@
           </a:ln>
           <a:extLst>
             <a:ext uri="{C572A759-6A51-4108-AA02-DFA0A04FC94B}">
-              <ma14:wrappingTextBoxFlag xmlns:ma14="http://schemas.microsoft.com/office/mac/drawingml/2011/main" xmlns:a14="http://schemas.microsoft.com/office/drawing/2010/main" xmlns:m="http://schemas.openxmlformats.org/officeDocument/2006/math" xmlns="" val="1"/>
+              <ma14:wrappingTextBoxFlag xmlns="" xmlns:m="http://schemas.openxmlformats.org/officeDocument/2006/math" xmlns:a14="http://schemas.microsoft.com/office/drawing/2010/main" xmlns:ma14="http://schemas.microsoft.com/office/mac/drawingml/2011/main" val="1"/>
             </a:ext>
           </a:extLst>
         </p:spPr>
@@ -31941,7 +32091,7 @@
             <a:effectLst/>
             <a:extLst>
               <a:ext uri="{C572A759-6A51-4108-AA02-DFA0A04FC94B}">
-                <ma14:wrappingTextBoxFlag xmlns:ma14="http://schemas.microsoft.com/office/mac/drawingml/2011/main" xmlns:a14="http://schemas.microsoft.com/office/drawing/2010/main" xmlns:m="http://schemas.openxmlformats.org/officeDocument/2006/math" xmlns="" val="1"/>
+                <ma14:wrappingTextBoxFlag xmlns="" xmlns:m="http://schemas.openxmlformats.org/officeDocument/2006/math" xmlns:a14="http://schemas.microsoft.com/office/drawing/2010/main" xmlns:ma14="http://schemas.microsoft.com/office/mac/drawingml/2011/main" val="1"/>
               </a:ext>
             </a:extLst>
           </p:spPr>
@@ -32076,7 +32226,7 @@
             <a:effectLst/>
             <a:extLst>
               <a:ext uri="{C572A759-6A51-4108-AA02-DFA0A04FC94B}">
-                <ma14:wrappingTextBoxFlag xmlns:ma14="http://schemas.microsoft.com/office/mac/drawingml/2011/main" xmlns:a14="http://schemas.microsoft.com/office/drawing/2010/main" xmlns:m="http://schemas.openxmlformats.org/officeDocument/2006/math" xmlns="" val="1"/>
+                <ma14:wrappingTextBoxFlag xmlns="" xmlns:m="http://schemas.openxmlformats.org/officeDocument/2006/math" xmlns:a14="http://schemas.microsoft.com/office/drawing/2010/main" xmlns:ma14="http://schemas.microsoft.com/office/mac/drawingml/2011/main" val="1"/>
               </a:ext>
             </a:extLst>
           </p:spPr>
@@ -32172,7 +32322,7 @@
             <a:effectLst/>
             <a:extLst>
               <a:ext uri="{C572A759-6A51-4108-AA02-DFA0A04FC94B}">
-                <ma14:wrappingTextBoxFlag xmlns:ma14="http://schemas.microsoft.com/office/mac/drawingml/2011/main" xmlns:a14="http://schemas.microsoft.com/office/drawing/2010/main" xmlns:m="http://schemas.openxmlformats.org/officeDocument/2006/math" xmlns="" val="1"/>
+                <ma14:wrappingTextBoxFlag xmlns="" xmlns:m="http://schemas.openxmlformats.org/officeDocument/2006/math" xmlns:a14="http://schemas.microsoft.com/office/drawing/2010/main" xmlns:ma14="http://schemas.microsoft.com/office/mac/drawingml/2011/main" val="1"/>
               </a:ext>
             </a:extLst>
           </p:spPr>
@@ -32307,7 +32457,7 @@
             <a:effectLst/>
             <a:extLst>
               <a:ext uri="{C572A759-6A51-4108-AA02-DFA0A04FC94B}">
-                <ma14:wrappingTextBoxFlag xmlns:ma14="http://schemas.microsoft.com/office/mac/drawingml/2011/main" xmlns:a14="http://schemas.microsoft.com/office/drawing/2010/main" xmlns:m="http://schemas.openxmlformats.org/officeDocument/2006/math" xmlns="" val="1"/>
+                <ma14:wrappingTextBoxFlag xmlns="" xmlns:m="http://schemas.openxmlformats.org/officeDocument/2006/math" xmlns:a14="http://schemas.microsoft.com/office/drawing/2010/main" xmlns:ma14="http://schemas.microsoft.com/office/mac/drawingml/2011/main" val="1"/>
               </a:ext>
             </a:extLst>
           </p:spPr>
@@ -32403,7 +32553,7 @@
             <a:effectLst/>
             <a:extLst>
               <a:ext uri="{C572A759-6A51-4108-AA02-DFA0A04FC94B}">
-                <ma14:wrappingTextBoxFlag xmlns:ma14="http://schemas.microsoft.com/office/mac/drawingml/2011/main" xmlns:a14="http://schemas.microsoft.com/office/drawing/2010/main" xmlns:m="http://schemas.openxmlformats.org/officeDocument/2006/math" xmlns="" val="1"/>
+                <ma14:wrappingTextBoxFlag xmlns="" xmlns:m="http://schemas.openxmlformats.org/officeDocument/2006/math" xmlns:a14="http://schemas.microsoft.com/office/drawing/2010/main" xmlns:ma14="http://schemas.microsoft.com/office/mac/drawingml/2011/main" val="1"/>
               </a:ext>
             </a:extLst>
           </p:spPr>
@@ -32543,7 +32693,7 @@
         </p:blipFill>
         <p:spPr>
           <a:xfrm>
-            <a:off x="0" y="18143"/>
+            <a:off x="0" y="0"/>
             <a:ext cx="12192000" cy="6821714"/>
           </a:xfrm>
           <a:prstGeom prst="rect">
@@ -32551,6 +32701,108 @@
           </a:prstGeom>
         </p:spPr>
       </p:pic>
+      <p:pic>
+        <p:nvPicPr>
+          <p:cNvPr id="5" name="그림 4"/>
+          <p:cNvPicPr>
+            <a:picLocks noChangeAspect="1"/>
+          </p:cNvPicPr>
+          <p:nvPr/>
+        </p:nvPicPr>
+        <p:blipFill>
+          <a:blip r:embed="rId3"/>
+          <a:stretch>
+            <a:fillRect/>
+          </a:stretch>
+        </p:blipFill>
+        <p:spPr>
+          <a:xfrm>
+            <a:off x="142498" y="2302365"/>
+            <a:ext cx="3487941" cy="3069974"/>
+          </a:xfrm>
+          <a:prstGeom prst="rect">
+            <a:avLst/>
+          </a:prstGeom>
+        </p:spPr>
+      </p:pic>
+      <p:sp>
+        <p:nvSpPr>
+          <p:cNvPr id="6" name="오른쪽 화살표 5"/>
+          <p:cNvSpPr/>
+          <p:nvPr/>
+        </p:nvSpPr>
+        <p:spPr>
+          <a:xfrm>
+            <a:off x="3739081" y="3585172"/>
+            <a:ext cx="470780" cy="416122"/>
+          </a:xfrm>
+          <a:prstGeom prst="rightArrow">
+            <a:avLst/>
+          </a:prstGeom>
+          <a:solidFill>
+            <a:srgbClr val="FF0000"/>
+          </a:solidFill>
+          <a:ln w="12700" cap="flat">
+            <a:solidFill>
+              <a:srgbClr val="FF0000"/>
+            </a:solidFill>
+            <a:prstDash val="solid"/>
+            <a:miter lim="800000"/>
+          </a:ln>
+          <a:effectLst/>
+          <a:sp3d/>
+        </p:spPr>
+        <p:style>
+          <a:lnRef idx="0">
+            <a:scrgbClr r="0" g="0" b="0"/>
+          </a:lnRef>
+          <a:fillRef idx="0">
+            <a:scrgbClr r="0" g="0" b="0"/>
+          </a:fillRef>
+          <a:effectRef idx="0">
+            <a:scrgbClr r="0" g="0" b="0"/>
+          </a:effectRef>
+          <a:fontRef idx="none"/>
+        </p:style>
+        <p:txBody>
+          <a:bodyPr rot="0" spcFirstLastPara="1" vertOverflow="overflow" horzOverflow="overflow" vert="horz" wrap="square" lIns="45719" tIns="45719" rIns="45719" bIns="45719" numCol="1" spcCol="38100" rtlCol="0" anchor="ctr">
+            <a:spAutoFit/>
+          </a:bodyPr>
+          <a:lstStyle/>
+          <a:p>
+            <a:pPr marL="0" marR="0" indent="0" algn="l" defTabSz="914400" rtl="0" fontAlgn="auto" latinLnBrk="0" hangingPunct="0">
+              <a:lnSpc>
+                <a:spcPct val="100000"/>
+              </a:lnSpc>
+              <a:spcBef>
+                <a:spcPts val="0"/>
+              </a:spcBef>
+              <a:spcAft>
+                <a:spcPts val="0"/>
+              </a:spcAft>
+              <a:buClrTx/>
+              <a:buSzTx/>
+              <a:buFontTx/>
+              <a:buNone/>
+              <a:tabLst/>
+            </a:pPr>
+            <a:endParaRPr kumimoji="0" lang="ko-KR" altLang="en-US" sz="1800" b="0" i="0" u="none" strike="noStrike" cap="none" spc="0" normalizeH="0" baseline="0">
+              <a:ln>
+                <a:noFill/>
+              </a:ln>
+              <a:solidFill>
+                <a:srgbClr val="000000"/>
+              </a:solidFill>
+              <a:effectLst/>
+              <a:uFillTx/>
+              <a:latin typeface="+mn-lt"/>
+              <a:ea typeface="+mn-ea"/>
+              <a:cs typeface="+mn-cs"/>
+              <a:sym typeface="맑은 고딕"/>
+            </a:endParaRPr>
+          </a:p>
+        </p:txBody>
+      </p:sp>
     </p:spTree>
     <p:extLst>
       <p:ext uri="{BB962C8B-B14F-4D97-AF65-F5344CB8AC3E}">
@@ -33616,7 +33868,7 @@
           </a:ln>
           <a:extLst>
             <a:ext uri="{C572A759-6A51-4108-AA02-DFA0A04FC94B}">
-              <ma14:wrappingTextBoxFlag xmlns:ma14="http://schemas.microsoft.com/office/mac/drawingml/2011/main" xmlns:a14="http://schemas.microsoft.com/office/drawing/2010/main" xmlns:m="http://schemas.openxmlformats.org/officeDocument/2006/math" xmlns="" val="1"/>
+              <ma14:wrappingTextBoxFlag xmlns="" xmlns:m="http://schemas.openxmlformats.org/officeDocument/2006/math" xmlns:a14="http://schemas.microsoft.com/office/drawing/2010/main" xmlns:ma14="http://schemas.microsoft.com/office/mac/drawingml/2011/main" val="1"/>
             </a:ext>
           </a:extLst>
         </p:spPr>
@@ -33707,7 +33959,7 @@
             <a:effectLst/>
             <a:extLst>
               <a:ext uri="{C572A759-6A51-4108-AA02-DFA0A04FC94B}">
-                <ma14:wrappingTextBoxFlag xmlns:ma14="http://schemas.microsoft.com/office/mac/drawingml/2011/main" xmlns:a14="http://schemas.microsoft.com/office/drawing/2010/main" xmlns:m="http://schemas.openxmlformats.org/officeDocument/2006/math" xmlns="" val="1"/>
+                <ma14:wrappingTextBoxFlag xmlns="" xmlns:m="http://schemas.openxmlformats.org/officeDocument/2006/math" xmlns:a14="http://schemas.microsoft.com/office/drawing/2010/main" xmlns:ma14="http://schemas.microsoft.com/office/mac/drawingml/2011/main" val="1"/>
               </a:ext>
             </a:extLst>
           </p:spPr>
@@ -33803,7 +34055,7 @@
             <a:effectLst/>
             <a:extLst>
               <a:ext uri="{C572A759-6A51-4108-AA02-DFA0A04FC94B}">
-                <ma14:wrappingTextBoxFlag xmlns:ma14="http://schemas.microsoft.com/office/mac/drawingml/2011/main" xmlns:a14="http://schemas.microsoft.com/office/drawing/2010/main" xmlns:m="http://schemas.openxmlformats.org/officeDocument/2006/math" xmlns="" val="1"/>
+                <ma14:wrappingTextBoxFlag xmlns="" xmlns:m="http://schemas.openxmlformats.org/officeDocument/2006/math" xmlns:a14="http://schemas.microsoft.com/office/drawing/2010/main" xmlns:ma14="http://schemas.microsoft.com/office/mac/drawingml/2011/main" val="1"/>
               </a:ext>
             </a:extLst>
           </p:spPr>
@@ -33969,7 +34221,7 @@
             <a:effectLst/>
             <a:extLst>
               <a:ext uri="{C572A759-6A51-4108-AA02-DFA0A04FC94B}">
-                <ma14:wrappingTextBoxFlag xmlns:ma14="http://schemas.microsoft.com/office/mac/drawingml/2011/main" xmlns:a14="http://schemas.microsoft.com/office/drawing/2010/main" xmlns:m="http://schemas.openxmlformats.org/officeDocument/2006/math" xmlns="" val="1"/>
+                <ma14:wrappingTextBoxFlag xmlns="" xmlns:m="http://schemas.openxmlformats.org/officeDocument/2006/math" xmlns:a14="http://schemas.microsoft.com/office/drawing/2010/main" xmlns:ma14="http://schemas.microsoft.com/office/mac/drawingml/2011/main" val="1"/>
               </a:ext>
             </a:extLst>
           </p:spPr>
@@ -34065,7 +34317,7 @@
             <a:effectLst/>
             <a:extLst>
               <a:ext uri="{C572A759-6A51-4108-AA02-DFA0A04FC94B}">
-                <ma14:wrappingTextBoxFlag xmlns:ma14="http://schemas.microsoft.com/office/mac/drawingml/2011/main" xmlns:a14="http://schemas.microsoft.com/office/drawing/2010/main" xmlns:m="http://schemas.openxmlformats.org/officeDocument/2006/math" xmlns="" val="1"/>
+                <ma14:wrappingTextBoxFlag xmlns="" xmlns:m="http://schemas.openxmlformats.org/officeDocument/2006/math" xmlns:a14="http://schemas.microsoft.com/office/drawing/2010/main" xmlns:ma14="http://schemas.microsoft.com/office/mac/drawingml/2011/main" val="1"/>
               </a:ext>
             </a:extLst>
           </p:spPr>
@@ -34224,7 +34476,7 @@
             <a:effectLst/>
             <a:extLst>
               <a:ext uri="{C572A759-6A51-4108-AA02-DFA0A04FC94B}">
-                <ma14:wrappingTextBoxFlag xmlns:ma14="http://schemas.microsoft.com/office/mac/drawingml/2011/main" xmlns:a14="http://schemas.microsoft.com/office/drawing/2010/main" xmlns:m="http://schemas.openxmlformats.org/officeDocument/2006/math" xmlns="" val="1"/>
+                <ma14:wrappingTextBoxFlag xmlns="" xmlns:m="http://schemas.openxmlformats.org/officeDocument/2006/math" xmlns:a14="http://schemas.microsoft.com/office/drawing/2010/main" xmlns:ma14="http://schemas.microsoft.com/office/mac/drawingml/2011/main" val="1"/>
               </a:ext>
             </a:extLst>
           </p:spPr>
@@ -34320,7 +34572,7 @@
             <a:effectLst/>
             <a:extLst>
               <a:ext uri="{C572A759-6A51-4108-AA02-DFA0A04FC94B}">
-                <ma14:wrappingTextBoxFlag xmlns:ma14="http://schemas.microsoft.com/office/mac/drawingml/2011/main" xmlns:a14="http://schemas.microsoft.com/office/drawing/2010/main" xmlns:m="http://schemas.openxmlformats.org/officeDocument/2006/math" xmlns="" val="1"/>
+                <ma14:wrappingTextBoxFlag xmlns="" xmlns:m="http://schemas.openxmlformats.org/officeDocument/2006/math" xmlns:a14="http://schemas.microsoft.com/office/drawing/2010/main" xmlns:ma14="http://schemas.microsoft.com/office/mac/drawingml/2011/main" val="1"/>
               </a:ext>
             </a:extLst>
           </p:spPr>
@@ -34507,7 +34759,7 @@
             <a:effectLst/>
             <a:extLst>
               <a:ext uri="{C572A759-6A51-4108-AA02-DFA0A04FC94B}">
-                <ma14:wrappingTextBoxFlag xmlns:ma14="http://schemas.microsoft.com/office/mac/drawingml/2011/main" xmlns:a14="http://schemas.microsoft.com/office/drawing/2010/main" xmlns:m="http://schemas.openxmlformats.org/officeDocument/2006/math" xmlns="" val="1"/>
+                <ma14:wrappingTextBoxFlag xmlns="" xmlns:m="http://schemas.openxmlformats.org/officeDocument/2006/math" xmlns:a14="http://schemas.microsoft.com/office/drawing/2010/main" xmlns:ma14="http://schemas.microsoft.com/office/mac/drawingml/2011/main" val="1"/>
               </a:ext>
             </a:extLst>
           </p:spPr>
@@ -34640,7 +34892,7 @@
             <a:effectLst/>
             <a:extLst>
               <a:ext uri="{C572A759-6A51-4108-AA02-DFA0A04FC94B}">
-                <ma14:wrappingTextBoxFlag xmlns:ma14="http://schemas.microsoft.com/office/mac/drawingml/2011/main" xmlns:a14="http://schemas.microsoft.com/office/drawing/2010/main" xmlns:m="http://schemas.openxmlformats.org/officeDocument/2006/math" xmlns="" val="1"/>
+                <ma14:wrappingTextBoxFlag xmlns="" xmlns:m="http://schemas.openxmlformats.org/officeDocument/2006/math" xmlns:a14="http://schemas.microsoft.com/office/drawing/2010/main" xmlns:ma14="http://schemas.microsoft.com/office/mac/drawingml/2011/main" val="1"/>
               </a:ext>
             </a:extLst>
           </p:spPr>
@@ -34734,6 +34986,156 @@
           </a:prstGeom>
         </p:spPr>
       </p:pic>
+      <p:pic>
+        <p:nvPicPr>
+          <p:cNvPr id="2" name="그림 1"/>
+          <p:cNvPicPr>
+            <a:picLocks noChangeAspect="1"/>
+          </p:cNvPicPr>
+          <p:nvPr/>
+        </p:nvPicPr>
+        <p:blipFill>
+          <a:blip r:embed="rId3"/>
+          <a:stretch>
+            <a:fillRect/>
+          </a:stretch>
+        </p:blipFill>
+        <p:spPr>
+          <a:xfrm>
+            <a:off x="207428" y="2908945"/>
+            <a:ext cx="2418077" cy="717172"/>
+          </a:xfrm>
+          <a:prstGeom prst="rect">
+            <a:avLst/>
+          </a:prstGeom>
+        </p:spPr>
+      </p:pic>
+      <p:pic>
+        <p:nvPicPr>
+          <p:cNvPr id="5" name="그림 4"/>
+          <p:cNvPicPr>
+            <a:picLocks noChangeAspect="1"/>
+          </p:cNvPicPr>
+          <p:nvPr/>
+        </p:nvPicPr>
+        <p:blipFill>
+          <a:blip r:embed="rId4"/>
+          <a:stretch>
+            <a:fillRect/>
+          </a:stretch>
+        </p:blipFill>
+        <p:spPr>
+          <a:xfrm>
+            <a:off x="6096000" y="385716"/>
+            <a:ext cx="5551581" cy="2131148"/>
+          </a:xfrm>
+          <a:prstGeom prst="rect">
+            <a:avLst/>
+          </a:prstGeom>
+        </p:spPr>
+      </p:pic>
+      <p:sp>
+        <p:nvSpPr>
+          <p:cNvPr id="6" name="오른쪽 화살표 5"/>
+          <p:cNvSpPr/>
+          <p:nvPr/>
+        </p:nvSpPr>
+        <p:spPr>
+          <a:xfrm rot="2124478">
+            <a:off x="1394232" y="3793233"/>
+            <a:ext cx="470780" cy="416122"/>
+          </a:xfrm>
+          <a:prstGeom prst="rightArrow">
+            <a:avLst/>
+          </a:prstGeom>
+          <a:solidFill>
+            <a:srgbClr val="FF0000"/>
+          </a:solidFill>
+          <a:ln w="12700" cap="flat">
+            <a:solidFill>
+              <a:srgbClr val="FF0000"/>
+            </a:solidFill>
+            <a:prstDash val="solid"/>
+            <a:miter lim="800000"/>
+          </a:ln>
+          <a:effectLst/>
+          <a:sp3d/>
+        </p:spPr>
+        <p:style>
+          <a:lnRef idx="0">
+            <a:scrgbClr r="0" g="0" b="0"/>
+          </a:lnRef>
+          <a:fillRef idx="0">
+            <a:scrgbClr r="0" g="0" b="0"/>
+          </a:fillRef>
+          <a:effectRef idx="0">
+            <a:scrgbClr r="0" g="0" b="0"/>
+          </a:effectRef>
+          <a:fontRef idx="none"/>
+        </p:style>
+        <p:txBody>
+          <a:bodyPr rot="0" spcFirstLastPara="1" vertOverflow="overflow" horzOverflow="overflow" vert="horz" wrap="square" lIns="45719" tIns="45719" rIns="45719" bIns="45719" numCol="1" spcCol="38100" rtlCol="0" anchor="ctr">
+            <a:spAutoFit/>
+          </a:bodyPr>
+          <a:lstStyle/>
+          <a:p>
+            <a:pPr marL="0" marR="0" indent="0" algn="l" defTabSz="914400" rtl="0" fontAlgn="auto" latinLnBrk="0" hangingPunct="0">
+              <a:lnSpc>
+                <a:spcPct val="100000"/>
+              </a:lnSpc>
+              <a:spcBef>
+                <a:spcPts val="0"/>
+              </a:spcBef>
+              <a:spcAft>
+                <a:spcPts val="0"/>
+              </a:spcAft>
+              <a:buClrTx/>
+              <a:buSzTx/>
+              <a:buFontTx/>
+              <a:buNone/>
+              <a:tabLst/>
+            </a:pPr>
+            <a:endParaRPr kumimoji="0" lang="ko-KR" altLang="en-US" sz="1800" b="0" i="0" u="none" strike="noStrike" cap="none" spc="0" normalizeH="0" baseline="0">
+              <a:ln>
+                <a:noFill/>
+              </a:ln>
+              <a:solidFill>
+                <a:srgbClr val="000000"/>
+              </a:solidFill>
+              <a:effectLst/>
+              <a:uFillTx/>
+              <a:latin typeface="+mn-lt"/>
+              <a:ea typeface="+mn-ea"/>
+              <a:cs typeface="+mn-cs"/>
+              <a:sym typeface="맑은 고딕"/>
+            </a:endParaRPr>
+          </a:p>
+        </p:txBody>
+      </p:sp>
+      <p:pic>
+        <p:nvPicPr>
+          <p:cNvPr id="7" name="그림 6"/>
+          <p:cNvPicPr>
+            <a:picLocks noChangeAspect="1"/>
+          </p:cNvPicPr>
+          <p:nvPr/>
+        </p:nvPicPr>
+        <p:blipFill>
+          <a:blip r:embed="rId5"/>
+          <a:stretch>
+            <a:fillRect/>
+          </a:stretch>
+        </p:blipFill>
+        <p:spPr>
+          <a:xfrm>
+            <a:off x="3810243" y="524583"/>
+            <a:ext cx="1991976" cy="2206390"/>
+          </a:xfrm>
+          <a:prstGeom prst="rect">
+            <a:avLst/>
+          </a:prstGeom>
+        </p:spPr>
+      </p:pic>
     </p:spTree>
     <p:extLst>
       <p:ext uri="{BB962C8B-B14F-4D97-AF65-F5344CB8AC3E}">
@@ -35794,7 +36196,7 @@
           </a:ln>
           <a:extLst>
             <a:ext uri="{C572A759-6A51-4108-AA02-DFA0A04FC94B}">
-              <ma14:wrappingTextBoxFlag xmlns:ma14="http://schemas.microsoft.com/office/mac/drawingml/2011/main" xmlns:a14="http://schemas.microsoft.com/office/drawing/2010/main" xmlns:m="http://schemas.openxmlformats.org/officeDocument/2006/math" xmlns="" val="1"/>
+              <ma14:wrappingTextBoxFlag xmlns="" xmlns:m="http://schemas.openxmlformats.org/officeDocument/2006/math" xmlns:a14="http://schemas.microsoft.com/office/drawing/2010/main" xmlns:ma14="http://schemas.microsoft.com/office/mac/drawingml/2011/main" val="1"/>
             </a:ext>
           </a:extLst>
         </p:spPr>
@@ -35885,7 +36287,7 @@
             <a:effectLst/>
             <a:extLst>
               <a:ext uri="{C572A759-6A51-4108-AA02-DFA0A04FC94B}">
-                <ma14:wrappingTextBoxFlag xmlns:ma14="http://schemas.microsoft.com/office/mac/drawingml/2011/main" xmlns:a14="http://schemas.microsoft.com/office/drawing/2010/main" xmlns:m="http://schemas.openxmlformats.org/officeDocument/2006/math" xmlns="" val="1"/>
+                <ma14:wrappingTextBoxFlag xmlns="" xmlns:m="http://schemas.openxmlformats.org/officeDocument/2006/math" xmlns:a14="http://schemas.microsoft.com/office/drawing/2010/main" xmlns:ma14="http://schemas.microsoft.com/office/mac/drawingml/2011/main" val="1"/>
               </a:ext>
             </a:extLst>
           </p:spPr>
@@ -35981,7 +36383,7 @@
             <a:effectLst/>
             <a:extLst>
               <a:ext uri="{C572A759-6A51-4108-AA02-DFA0A04FC94B}">
-                <ma14:wrappingTextBoxFlag xmlns:ma14="http://schemas.microsoft.com/office/mac/drawingml/2011/main" xmlns:a14="http://schemas.microsoft.com/office/drawing/2010/main" xmlns:m="http://schemas.openxmlformats.org/officeDocument/2006/math" xmlns="" val="1"/>
+                <ma14:wrappingTextBoxFlag xmlns="" xmlns:m="http://schemas.openxmlformats.org/officeDocument/2006/math" xmlns:a14="http://schemas.microsoft.com/office/drawing/2010/main" xmlns:ma14="http://schemas.microsoft.com/office/mac/drawingml/2011/main" val="1"/>
               </a:ext>
             </a:extLst>
           </p:spPr>
@@ -36147,7 +36549,7 @@
             <a:effectLst/>
             <a:extLst>
               <a:ext uri="{C572A759-6A51-4108-AA02-DFA0A04FC94B}">
-                <ma14:wrappingTextBoxFlag xmlns:ma14="http://schemas.microsoft.com/office/mac/drawingml/2011/main" xmlns:a14="http://schemas.microsoft.com/office/drawing/2010/main" xmlns:m="http://schemas.openxmlformats.org/officeDocument/2006/math" xmlns="" val="1"/>
+                <ma14:wrappingTextBoxFlag xmlns="" xmlns:m="http://schemas.openxmlformats.org/officeDocument/2006/math" xmlns:a14="http://schemas.microsoft.com/office/drawing/2010/main" xmlns:ma14="http://schemas.microsoft.com/office/mac/drawingml/2011/main" val="1"/>
               </a:ext>
             </a:extLst>
           </p:spPr>
@@ -36243,7 +36645,7 @@
             <a:effectLst/>
             <a:extLst>
               <a:ext uri="{C572A759-6A51-4108-AA02-DFA0A04FC94B}">
-                <ma14:wrappingTextBoxFlag xmlns:ma14="http://schemas.microsoft.com/office/mac/drawingml/2011/main" xmlns:a14="http://schemas.microsoft.com/office/drawing/2010/main" xmlns:m="http://schemas.openxmlformats.org/officeDocument/2006/math" xmlns="" val="1"/>
+                <ma14:wrappingTextBoxFlag xmlns="" xmlns:m="http://schemas.openxmlformats.org/officeDocument/2006/math" xmlns:a14="http://schemas.microsoft.com/office/drawing/2010/main" xmlns:ma14="http://schemas.microsoft.com/office/mac/drawingml/2011/main" val="1"/>
               </a:ext>
             </a:extLst>
           </p:spPr>
@@ -36373,7 +36775,7 @@
             <a:effectLst/>
             <a:extLst>
               <a:ext uri="{C572A759-6A51-4108-AA02-DFA0A04FC94B}">
-                <ma14:wrappingTextBoxFlag xmlns:ma14="http://schemas.microsoft.com/office/mac/drawingml/2011/main" xmlns:a14="http://schemas.microsoft.com/office/drawing/2010/main" xmlns:m="http://schemas.openxmlformats.org/officeDocument/2006/math" xmlns="" val="1"/>
+                <ma14:wrappingTextBoxFlag xmlns="" xmlns:m="http://schemas.openxmlformats.org/officeDocument/2006/math" xmlns:a14="http://schemas.microsoft.com/office/drawing/2010/main" xmlns:ma14="http://schemas.microsoft.com/office/mac/drawingml/2011/main" val="1"/>
               </a:ext>
             </a:extLst>
           </p:spPr>
@@ -36469,7 +36871,7 @@
             <a:effectLst/>
             <a:extLst>
               <a:ext uri="{C572A759-6A51-4108-AA02-DFA0A04FC94B}">
-                <ma14:wrappingTextBoxFlag xmlns:ma14="http://schemas.microsoft.com/office/mac/drawingml/2011/main" xmlns:a14="http://schemas.microsoft.com/office/drawing/2010/main" xmlns:m="http://schemas.openxmlformats.org/officeDocument/2006/math" xmlns="" val="1"/>
+                <ma14:wrappingTextBoxFlag xmlns="" xmlns:m="http://schemas.openxmlformats.org/officeDocument/2006/math" xmlns:a14="http://schemas.microsoft.com/office/drawing/2010/main" xmlns:ma14="http://schemas.microsoft.com/office/mac/drawingml/2011/main" val="1"/>
               </a:ext>
             </a:extLst>
           </p:spPr>
@@ -37584,7 +37986,7 @@
           </a:ln>
           <a:extLst>
             <a:ext uri="{C572A759-6A51-4108-AA02-DFA0A04FC94B}">
-              <ma14:wrappingTextBoxFlag xmlns:ma14="http://schemas.microsoft.com/office/mac/drawingml/2011/main" xmlns:a14="http://schemas.microsoft.com/office/drawing/2010/main" xmlns:m="http://schemas.openxmlformats.org/officeDocument/2006/math" xmlns="" val="1"/>
+              <ma14:wrappingTextBoxFlag xmlns="" xmlns:m="http://schemas.openxmlformats.org/officeDocument/2006/math" xmlns:a14="http://schemas.microsoft.com/office/drawing/2010/main" xmlns:ma14="http://schemas.microsoft.com/office/mac/drawingml/2011/main" val="1"/>
             </a:ext>
           </a:extLst>
         </p:spPr>
@@ -37675,7 +38077,7 @@
             <a:effectLst/>
             <a:extLst>
               <a:ext uri="{C572A759-6A51-4108-AA02-DFA0A04FC94B}">
-                <ma14:wrappingTextBoxFlag xmlns:ma14="http://schemas.microsoft.com/office/mac/drawingml/2011/main" xmlns:a14="http://schemas.microsoft.com/office/drawing/2010/main" xmlns:m="http://schemas.openxmlformats.org/officeDocument/2006/math" xmlns="" val="1"/>
+                <ma14:wrappingTextBoxFlag xmlns="" xmlns:m="http://schemas.openxmlformats.org/officeDocument/2006/math" xmlns:a14="http://schemas.microsoft.com/office/drawing/2010/main" xmlns:ma14="http://schemas.microsoft.com/office/mac/drawingml/2011/main" val="1"/>
               </a:ext>
             </a:extLst>
           </p:spPr>
@@ -37771,7 +38173,7 @@
             <a:effectLst/>
             <a:extLst>
               <a:ext uri="{C572A759-6A51-4108-AA02-DFA0A04FC94B}">
-                <ma14:wrappingTextBoxFlag xmlns:ma14="http://schemas.microsoft.com/office/mac/drawingml/2011/main" xmlns:a14="http://schemas.microsoft.com/office/drawing/2010/main" xmlns:m="http://schemas.openxmlformats.org/officeDocument/2006/math" xmlns="" val="1"/>
+                <ma14:wrappingTextBoxFlag xmlns="" xmlns:m="http://schemas.openxmlformats.org/officeDocument/2006/math" xmlns:a14="http://schemas.microsoft.com/office/drawing/2010/main" xmlns:ma14="http://schemas.microsoft.com/office/mac/drawingml/2011/main" val="1"/>
               </a:ext>
             </a:extLst>
           </p:spPr>
@@ -37937,7 +38339,7 @@
             <a:effectLst/>
             <a:extLst>
               <a:ext uri="{C572A759-6A51-4108-AA02-DFA0A04FC94B}">
-                <ma14:wrappingTextBoxFlag xmlns:ma14="http://schemas.microsoft.com/office/mac/drawingml/2011/main" xmlns:a14="http://schemas.microsoft.com/office/drawing/2010/main" xmlns:m="http://schemas.openxmlformats.org/officeDocument/2006/math" xmlns="" val="1"/>
+                <ma14:wrappingTextBoxFlag xmlns="" xmlns:m="http://schemas.openxmlformats.org/officeDocument/2006/math" xmlns:a14="http://schemas.microsoft.com/office/drawing/2010/main" xmlns:ma14="http://schemas.microsoft.com/office/mac/drawingml/2011/main" val="1"/>
               </a:ext>
             </a:extLst>
           </p:spPr>
@@ -38033,7 +38435,7 @@
             <a:effectLst/>
             <a:extLst>
               <a:ext uri="{C572A759-6A51-4108-AA02-DFA0A04FC94B}">
-                <ma14:wrappingTextBoxFlag xmlns:ma14="http://schemas.microsoft.com/office/mac/drawingml/2011/main" xmlns:a14="http://schemas.microsoft.com/office/drawing/2010/main" xmlns:m="http://schemas.openxmlformats.org/officeDocument/2006/math" xmlns="" val="1"/>
+                <ma14:wrappingTextBoxFlag xmlns="" xmlns:m="http://schemas.openxmlformats.org/officeDocument/2006/math" xmlns:a14="http://schemas.microsoft.com/office/drawing/2010/main" xmlns:ma14="http://schemas.microsoft.com/office/mac/drawingml/2011/main" val="1"/>
               </a:ext>
             </a:extLst>
           </p:spPr>
@@ -38192,7 +38594,7 @@
             <a:effectLst/>
             <a:extLst>
               <a:ext uri="{C572A759-6A51-4108-AA02-DFA0A04FC94B}">
-                <ma14:wrappingTextBoxFlag xmlns:ma14="http://schemas.microsoft.com/office/mac/drawingml/2011/main" xmlns:a14="http://schemas.microsoft.com/office/drawing/2010/main" xmlns:m="http://schemas.openxmlformats.org/officeDocument/2006/math" xmlns="" val="1"/>
+                <ma14:wrappingTextBoxFlag xmlns="" xmlns:m="http://schemas.openxmlformats.org/officeDocument/2006/math" xmlns:a14="http://schemas.microsoft.com/office/drawing/2010/main" xmlns:ma14="http://schemas.microsoft.com/office/mac/drawingml/2011/main" val="1"/>
               </a:ext>
             </a:extLst>
           </p:spPr>
@@ -38288,7 +38690,7 @@
             <a:effectLst/>
             <a:extLst>
               <a:ext uri="{C572A759-6A51-4108-AA02-DFA0A04FC94B}">
-                <ma14:wrappingTextBoxFlag xmlns:ma14="http://schemas.microsoft.com/office/mac/drawingml/2011/main" xmlns:a14="http://schemas.microsoft.com/office/drawing/2010/main" xmlns:m="http://schemas.openxmlformats.org/officeDocument/2006/math" xmlns="" val="1"/>
+                <ma14:wrappingTextBoxFlag xmlns="" xmlns:m="http://schemas.openxmlformats.org/officeDocument/2006/math" xmlns:a14="http://schemas.microsoft.com/office/drawing/2010/main" xmlns:ma14="http://schemas.microsoft.com/office/mac/drawingml/2011/main" val="1"/>
               </a:ext>
             </a:extLst>
           </p:spPr>
@@ -38475,7 +38877,7 @@
             <a:effectLst/>
             <a:extLst>
               <a:ext uri="{C572A759-6A51-4108-AA02-DFA0A04FC94B}">
-                <ma14:wrappingTextBoxFlag xmlns:ma14="http://schemas.microsoft.com/office/mac/drawingml/2011/main" xmlns:a14="http://schemas.microsoft.com/office/drawing/2010/main" xmlns:m="http://schemas.openxmlformats.org/officeDocument/2006/math" xmlns="" val="1"/>
+                <ma14:wrappingTextBoxFlag xmlns="" xmlns:m="http://schemas.openxmlformats.org/officeDocument/2006/math" xmlns:a14="http://schemas.microsoft.com/office/drawing/2010/main" xmlns:ma14="http://schemas.microsoft.com/office/mac/drawingml/2011/main" val="1"/>
               </a:ext>
             </a:extLst>
           </p:spPr>
@@ -38575,7 +38977,7 @@
             <a:effectLst/>
             <a:extLst>
               <a:ext uri="{C572A759-6A51-4108-AA02-DFA0A04FC94B}">
-                <ma14:wrappingTextBoxFlag xmlns:ma14="http://schemas.microsoft.com/office/mac/drawingml/2011/main" xmlns:a14="http://schemas.microsoft.com/office/drawing/2010/main" xmlns:m="http://schemas.openxmlformats.org/officeDocument/2006/math" xmlns="" val="1"/>
+                <ma14:wrappingTextBoxFlag xmlns="" xmlns:m="http://schemas.openxmlformats.org/officeDocument/2006/math" xmlns:a14="http://schemas.microsoft.com/office/drawing/2010/main" xmlns:ma14="http://schemas.microsoft.com/office/mac/drawingml/2011/main" val="1"/>
               </a:ext>
             </a:extLst>
           </p:spPr>
@@ -38671,7 +39073,7 @@
             <a:effectLst/>
             <a:extLst>
               <a:ext uri="{C572A759-6A51-4108-AA02-DFA0A04FC94B}">
-                <ma14:wrappingTextBoxFlag xmlns:ma14="http://schemas.microsoft.com/office/mac/drawingml/2011/main" xmlns:a14="http://schemas.microsoft.com/office/drawing/2010/main" xmlns:m="http://schemas.openxmlformats.org/officeDocument/2006/math" xmlns="" val="1"/>
+                <ma14:wrappingTextBoxFlag xmlns="" xmlns:m="http://schemas.openxmlformats.org/officeDocument/2006/math" xmlns:a14="http://schemas.microsoft.com/office/drawing/2010/main" xmlns:ma14="http://schemas.microsoft.com/office/mac/drawingml/2011/main" val="1"/>
               </a:ext>
             </a:extLst>
           </p:spPr>

--- a/project03 화면설계서/project03 - 화면 설계서 - 용승.pptx
+++ b/project03 화면설계서/project03 - 화면 설계서 - 용승.pptx
@@ -1875,7 +1875,7 @@
           </a:ln>
           <a:extLst>
             <a:ext uri="{C572A759-6A51-4108-AA02-DFA0A04FC94B}">
-              <ma14:wrappingTextBoxFlag xmlns="" xmlns:m="http://schemas.openxmlformats.org/officeDocument/2006/math" xmlns:a14="http://schemas.microsoft.com/office/drawing/2010/main" xmlns:ma14="http://schemas.microsoft.com/office/mac/drawingml/2011/main" val="1"/>
+              <ma14:wrappingTextBoxFlag xmlns:ma14="http://schemas.microsoft.com/office/mac/drawingml/2011/main" xmlns:a14="http://schemas.microsoft.com/office/drawing/2010/main" xmlns:m="http://schemas.openxmlformats.org/officeDocument/2006/math" xmlns="" val="1"/>
             </a:ext>
           </a:extLst>
         </p:spPr>
@@ -1914,7 +1914,7 @@
           </a:ln>
           <a:extLst>
             <a:ext uri="{C572A759-6A51-4108-AA02-DFA0A04FC94B}">
-              <ma14:wrappingTextBoxFlag xmlns="" xmlns:m="http://schemas.openxmlformats.org/officeDocument/2006/math" xmlns:a14="http://schemas.microsoft.com/office/drawing/2010/main" xmlns:ma14="http://schemas.microsoft.com/office/mac/drawingml/2011/main" val="1"/>
+              <ma14:wrappingTextBoxFlag xmlns:ma14="http://schemas.microsoft.com/office/mac/drawingml/2011/main" xmlns:a14="http://schemas.microsoft.com/office/drawing/2010/main" xmlns:m="http://schemas.openxmlformats.org/officeDocument/2006/math" xmlns="" val="1"/>
             </a:ext>
           </a:extLst>
         </p:spPr>
@@ -3871,7 +3871,7 @@
           </a:ln>
           <a:extLst>
             <a:ext uri="{C572A759-6A51-4108-AA02-DFA0A04FC94B}">
-              <ma14:wrappingTextBoxFlag xmlns="" xmlns:m="http://schemas.openxmlformats.org/officeDocument/2006/math" xmlns:a14="http://schemas.microsoft.com/office/drawing/2010/main" xmlns:ma14="http://schemas.microsoft.com/office/mac/drawingml/2011/main" val="1"/>
+              <ma14:wrappingTextBoxFlag xmlns:ma14="http://schemas.microsoft.com/office/mac/drawingml/2011/main" xmlns:a14="http://schemas.microsoft.com/office/drawing/2010/main" xmlns:m="http://schemas.openxmlformats.org/officeDocument/2006/math" xmlns="" val="1"/>
             </a:ext>
           </a:extLst>
         </p:spPr>
@@ -3962,7 +3962,7 @@
             <a:effectLst/>
             <a:extLst>
               <a:ext uri="{C572A759-6A51-4108-AA02-DFA0A04FC94B}">
-                <ma14:wrappingTextBoxFlag xmlns="" xmlns:m="http://schemas.openxmlformats.org/officeDocument/2006/math" xmlns:a14="http://schemas.microsoft.com/office/drawing/2010/main" xmlns:ma14="http://schemas.microsoft.com/office/mac/drawingml/2011/main" val="1"/>
+                <ma14:wrappingTextBoxFlag xmlns:ma14="http://schemas.microsoft.com/office/mac/drawingml/2011/main" xmlns:a14="http://schemas.microsoft.com/office/drawing/2010/main" xmlns:m="http://schemas.openxmlformats.org/officeDocument/2006/math" xmlns="" val="1"/>
               </a:ext>
             </a:extLst>
           </p:spPr>
@@ -4058,7 +4058,7 @@
             <a:effectLst/>
             <a:extLst>
               <a:ext uri="{C572A759-6A51-4108-AA02-DFA0A04FC94B}">
-                <ma14:wrappingTextBoxFlag xmlns="" xmlns:m="http://schemas.openxmlformats.org/officeDocument/2006/math" xmlns:a14="http://schemas.microsoft.com/office/drawing/2010/main" xmlns:ma14="http://schemas.microsoft.com/office/mac/drawingml/2011/main" val="1"/>
+                <ma14:wrappingTextBoxFlag xmlns:ma14="http://schemas.microsoft.com/office/mac/drawingml/2011/main" xmlns:a14="http://schemas.microsoft.com/office/drawing/2010/main" xmlns:m="http://schemas.openxmlformats.org/officeDocument/2006/math" xmlns="" val="1"/>
               </a:ext>
             </a:extLst>
           </p:spPr>
@@ -4224,7 +4224,7 @@
             <a:effectLst/>
             <a:extLst>
               <a:ext uri="{C572A759-6A51-4108-AA02-DFA0A04FC94B}">
-                <ma14:wrappingTextBoxFlag xmlns="" xmlns:m="http://schemas.openxmlformats.org/officeDocument/2006/math" xmlns:a14="http://schemas.microsoft.com/office/drawing/2010/main" xmlns:ma14="http://schemas.microsoft.com/office/mac/drawingml/2011/main" val="1"/>
+                <ma14:wrappingTextBoxFlag xmlns:ma14="http://schemas.microsoft.com/office/mac/drawingml/2011/main" xmlns:a14="http://schemas.microsoft.com/office/drawing/2010/main" xmlns:m="http://schemas.openxmlformats.org/officeDocument/2006/math" xmlns="" val="1"/>
               </a:ext>
             </a:extLst>
           </p:spPr>
@@ -4320,7 +4320,7 @@
             <a:effectLst/>
             <a:extLst>
               <a:ext uri="{C572A759-6A51-4108-AA02-DFA0A04FC94B}">
-                <ma14:wrappingTextBoxFlag xmlns="" xmlns:m="http://schemas.openxmlformats.org/officeDocument/2006/math" xmlns:a14="http://schemas.microsoft.com/office/drawing/2010/main" xmlns:ma14="http://schemas.microsoft.com/office/mac/drawingml/2011/main" val="1"/>
+                <ma14:wrappingTextBoxFlag xmlns:ma14="http://schemas.microsoft.com/office/mac/drawingml/2011/main" xmlns:a14="http://schemas.microsoft.com/office/drawing/2010/main" xmlns:m="http://schemas.openxmlformats.org/officeDocument/2006/math" xmlns="" val="1"/>
               </a:ext>
             </a:extLst>
           </p:spPr>
@@ -4479,7 +4479,7 @@
             <a:effectLst/>
             <a:extLst>
               <a:ext uri="{C572A759-6A51-4108-AA02-DFA0A04FC94B}">
-                <ma14:wrappingTextBoxFlag xmlns="" xmlns:m="http://schemas.openxmlformats.org/officeDocument/2006/math" xmlns:a14="http://schemas.microsoft.com/office/drawing/2010/main" xmlns:ma14="http://schemas.microsoft.com/office/mac/drawingml/2011/main" val="1"/>
+                <ma14:wrappingTextBoxFlag xmlns:ma14="http://schemas.microsoft.com/office/mac/drawingml/2011/main" xmlns:a14="http://schemas.microsoft.com/office/drawing/2010/main" xmlns:m="http://schemas.openxmlformats.org/officeDocument/2006/math" xmlns="" val="1"/>
               </a:ext>
             </a:extLst>
           </p:spPr>
@@ -4575,7 +4575,7 @@
             <a:effectLst/>
             <a:extLst>
               <a:ext uri="{C572A759-6A51-4108-AA02-DFA0A04FC94B}">
-                <ma14:wrappingTextBoxFlag xmlns="" xmlns:m="http://schemas.openxmlformats.org/officeDocument/2006/math" xmlns:a14="http://schemas.microsoft.com/office/drawing/2010/main" xmlns:ma14="http://schemas.microsoft.com/office/mac/drawingml/2011/main" val="1"/>
+                <ma14:wrappingTextBoxFlag xmlns:ma14="http://schemas.microsoft.com/office/mac/drawingml/2011/main" xmlns:a14="http://schemas.microsoft.com/office/drawing/2010/main" xmlns:m="http://schemas.openxmlformats.org/officeDocument/2006/math" xmlns="" val="1"/>
               </a:ext>
             </a:extLst>
           </p:spPr>
@@ -4762,7 +4762,7 @@
             <a:effectLst/>
             <a:extLst>
               <a:ext uri="{C572A759-6A51-4108-AA02-DFA0A04FC94B}">
-                <ma14:wrappingTextBoxFlag xmlns="" xmlns:m="http://schemas.openxmlformats.org/officeDocument/2006/math" xmlns:a14="http://schemas.microsoft.com/office/drawing/2010/main" xmlns:ma14="http://schemas.microsoft.com/office/mac/drawingml/2011/main" val="1"/>
+                <ma14:wrappingTextBoxFlag xmlns:ma14="http://schemas.microsoft.com/office/mac/drawingml/2011/main" xmlns:a14="http://schemas.microsoft.com/office/drawing/2010/main" xmlns:m="http://schemas.openxmlformats.org/officeDocument/2006/math" xmlns="" val="1"/>
               </a:ext>
             </a:extLst>
           </p:spPr>
@@ -4862,7 +4862,7 @@
             <a:effectLst/>
             <a:extLst>
               <a:ext uri="{C572A759-6A51-4108-AA02-DFA0A04FC94B}">
-                <ma14:wrappingTextBoxFlag xmlns="" xmlns:m="http://schemas.openxmlformats.org/officeDocument/2006/math" xmlns:a14="http://schemas.microsoft.com/office/drawing/2010/main" xmlns:ma14="http://schemas.microsoft.com/office/mac/drawingml/2011/main" val="1"/>
+                <ma14:wrappingTextBoxFlag xmlns:ma14="http://schemas.microsoft.com/office/mac/drawingml/2011/main" xmlns:a14="http://schemas.microsoft.com/office/drawing/2010/main" xmlns:m="http://schemas.openxmlformats.org/officeDocument/2006/math" xmlns="" val="1"/>
               </a:ext>
             </a:extLst>
           </p:spPr>
@@ -4958,7 +4958,7 @@
             <a:effectLst/>
             <a:extLst>
               <a:ext uri="{C572A759-6A51-4108-AA02-DFA0A04FC94B}">
-                <ma14:wrappingTextBoxFlag xmlns="" xmlns:m="http://schemas.openxmlformats.org/officeDocument/2006/math" xmlns:a14="http://schemas.microsoft.com/office/drawing/2010/main" xmlns:ma14="http://schemas.microsoft.com/office/mac/drawingml/2011/main" val="1"/>
+                <ma14:wrappingTextBoxFlag xmlns:ma14="http://schemas.microsoft.com/office/mac/drawingml/2011/main" xmlns:a14="http://schemas.microsoft.com/office/drawing/2010/main" xmlns:m="http://schemas.openxmlformats.org/officeDocument/2006/math" xmlns="" val="1"/>
               </a:ext>
             </a:extLst>
           </p:spPr>
@@ -6310,7 +6310,7 @@
           </a:ln>
           <a:extLst>
             <a:ext uri="{C572A759-6A51-4108-AA02-DFA0A04FC94B}">
-              <ma14:wrappingTextBoxFlag xmlns="" xmlns:m="http://schemas.openxmlformats.org/officeDocument/2006/math" xmlns:a14="http://schemas.microsoft.com/office/drawing/2010/main" xmlns:ma14="http://schemas.microsoft.com/office/mac/drawingml/2011/main" val="1"/>
+              <ma14:wrappingTextBoxFlag xmlns:ma14="http://schemas.microsoft.com/office/mac/drawingml/2011/main" xmlns:a14="http://schemas.microsoft.com/office/drawing/2010/main" xmlns:m="http://schemas.openxmlformats.org/officeDocument/2006/math" xmlns="" val="1"/>
             </a:ext>
           </a:extLst>
         </p:spPr>
@@ -6401,7 +6401,7 @@
             <a:effectLst/>
             <a:extLst>
               <a:ext uri="{C572A759-6A51-4108-AA02-DFA0A04FC94B}">
-                <ma14:wrappingTextBoxFlag xmlns="" xmlns:m="http://schemas.openxmlformats.org/officeDocument/2006/math" xmlns:a14="http://schemas.microsoft.com/office/drawing/2010/main" xmlns:ma14="http://schemas.microsoft.com/office/mac/drawingml/2011/main" val="1"/>
+                <ma14:wrappingTextBoxFlag xmlns:ma14="http://schemas.microsoft.com/office/mac/drawingml/2011/main" xmlns:a14="http://schemas.microsoft.com/office/drawing/2010/main" xmlns:m="http://schemas.openxmlformats.org/officeDocument/2006/math" xmlns="" val="1"/>
               </a:ext>
             </a:extLst>
           </p:spPr>
@@ -6497,7 +6497,7 @@
             <a:effectLst/>
             <a:extLst>
               <a:ext uri="{C572A759-6A51-4108-AA02-DFA0A04FC94B}">
-                <ma14:wrappingTextBoxFlag xmlns="" xmlns:m="http://schemas.openxmlformats.org/officeDocument/2006/math" xmlns:a14="http://schemas.microsoft.com/office/drawing/2010/main" xmlns:ma14="http://schemas.microsoft.com/office/mac/drawingml/2011/main" val="1"/>
+                <ma14:wrappingTextBoxFlag xmlns:ma14="http://schemas.microsoft.com/office/mac/drawingml/2011/main" xmlns:a14="http://schemas.microsoft.com/office/drawing/2010/main" xmlns:m="http://schemas.openxmlformats.org/officeDocument/2006/math" xmlns="" val="1"/>
               </a:ext>
             </a:extLst>
           </p:spPr>
@@ -6663,7 +6663,7 @@
             <a:effectLst/>
             <a:extLst>
               <a:ext uri="{C572A759-6A51-4108-AA02-DFA0A04FC94B}">
-                <ma14:wrappingTextBoxFlag xmlns="" xmlns:m="http://schemas.openxmlformats.org/officeDocument/2006/math" xmlns:a14="http://schemas.microsoft.com/office/drawing/2010/main" xmlns:ma14="http://schemas.microsoft.com/office/mac/drawingml/2011/main" val="1"/>
+                <ma14:wrappingTextBoxFlag xmlns:ma14="http://schemas.microsoft.com/office/mac/drawingml/2011/main" xmlns:a14="http://schemas.microsoft.com/office/drawing/2010/main" xmlns:m="http://schemas.openxmlformats.org/officeDocument/2006/math" xmlns="" val="1"/>
               </a:ext>
             </a:extLst>
           </p:spPr>
@@ -6759,7 +6759,7 @@
             <a:effectLst/>
             <a:extLst>
               <a:ext uri="{C572A759-6A51-4108-AA02-DFA0A04FC94B}">
-                <ma14:wrappingTextBoxFlag xmlns="" xmlns:m="http://schemas.openxmlformats.org/officeDocument/2006/math" xmlns:a14="http://schemas.microsoft.com/office/drawing/2010/main" xmlns:ma14="http://schemas.microsoft.com/office/mac/drawingml/2011/main" val="1"/>
+                <ma14:wrappingTextBoxFlag xmlns:ma14="http://schemas.microsoft.com/office/mac/drawingml/2011/main" xmlns:a14="http://schemas.microsoft.com/office/drawing/2010/main" xmlns:m="http://schemas.openxmlformats.org/officeDocument/2006/math" xmlns="" val="1"/>
               </a:ext>
             </a:extLst>
           </p:spPr>
@@ -6918,7 +6918,7 @@
             <a:effectLst/>
             <a:extLst>
               <a:ext uri="{C572A759-6A51-4108-AA02-DFA0A04FC94B}">
-                <ma14:wrappingTextBoxFlag xmlns="" xmlns:m="http://schemas.openxmlformats.org/officeDocument/2006/math" xmlns:a14="http://schemas.microsoft.com/office/drawing/2010/main" xmlns:ma14="http://schemas.microsoft.com/office/mac/drawingml/2011/main" val="1"/>
+                <ma14:wrappingTextBoxFlag xmlns:ma14="http://schemas.microsoft.com/office/mac/drawingml/2011/main" xmlns:a14="http://schemas.microsoft.com/office/drawing/2010/main" xmlns:m="http://schemas.openxmlformats.org/officeDocument/2006/math" xmlns="" val="1"/>
               </a:ext>
             </a:extLst>
           </p:spPr>
@@ -7014,7 +7014,7 @@
             <a:effectLst/>
             <a:extLst>
               <a:ext uri="{C572A759-6A51-4108-AA02-DFA0A04FC94B}">
-                <ma14:wrappingTextBoxFlag xmlns="" xmlns:m="http://schemas.openxmlformats.org/officeDocument/2006/math" xmlns:a14="http://schemas.microsoft.com/office/drawing/2010/main" xmlns:ma14="http://schemas.microsoft.com/office/mac/drawingml/2011/main" val="1"/>
+                <ma14:wrappingTextBoxFlag xmlns:ma14="http://schemas.microsoft.com/office/mac/drawingml/2011/main" xmlns:a14="http://schemas.microsoft.com/office/drawing/2010/main" xmlns:m="http://schemas.openxmlformats.org/officeDocument/2006/math" xmlns="" val="1"/>
               </a:ext>
             </a:extLst>
           </p:spPr>
@@ -7197,7 +7197,7 @@
             <a:effectLst/>
             <a:extLst>
               <a:ext uri="{C572A759-6A51-4108-AA02-DFA0A04FC94B}">
-                <ma14:wrappingTextBoxFlag xmlns="" xmlns:m="http://schemas.openxmlformats.org/officeDocument/2006/math" xmlns:a14="http://schemas.microsoft.com/office/drawing/2010/main" xmlns:ma14="http://schemas.microsoft.com/office/mac/drawingml/2011/main" val="1"/>
+                <ma14:wrappingTextBoxFlag xmlns:ma14="http://schemas.microsoft.com/office/mac/drawingml/2011/main" xmlns:a14="http://schemas.microsoft.com/office/drawing/2010/main" xmlns:m="http://schemas.openxmlformats.org/officeDocument/2006/math" xmlns="" val="1"/>
               </a:ext>
             </a:extLst>
           </p:spPr>
@@ -7293,7 +7293,7 @@
             <a:effectLst/>
             <a:extLst>
               <a:ext uri="{C572A759-6A51-4108-AA02-DFA0A04FC94B}">
-                <ma14:wrappingTextBoxFlag xmlns="" xmlns:m="http://schemas.openxmlformats.org/officeDocument/2006/math" xmlns:a14="http://schemas.microsoft.com/office/drawing/2010/main" xmlns:ma14="http://schemas.microsoft.com/office/mac/drawingml/2011/main" val="1"/>
+                <ma14:wrappingTextBoxFlag xmlns:ma14="http://schemas.microsoft.com/office/mac/drawingml/2011/main" xmlns:a14="http://schemas.microsoft.com/office/drawing/2010/main" xmlns:m="http://schemas.openxmlformats.org/officeDocument/2006/math" xmlns="" val="1"/>
               </a:ext>
             </a:extLst>
           </p:spPr>
@@ -7470,7 +7470,7 @@
             <a:effectLst/>
             <a:extLst>
               <a:ext uri="{C572A759-6A51-4108-AA02-DFA0A04FC94B}">
-                <ma14:wrappingTextBoxFlag xmlns="" xmlns:m="http://schemas.openxmlformats.org/officeDocument/2006/math" xmlns:a14="http://schemas.microsoft.com/office/drawing/2010/main" xmlns:ma14="http://schemas.microsoft.com/office/mac/drawingml/2011/main" val="1"/>
+                <ma14:wrappingTextBoxFlag xmlns:ma14="http://schemas.microsoft.com/office/mac/drawingml/2011/main" xmlns:a14="http://schemas.microsoft.com/office/drawing/2010/main" xmlns:m="http://schemas.openxmlformats.org/officeDocument/2006/math" xmlns="" val="1"/>
               </a:ext>
             </a:extLst>
           </p:spPr>
@@ -8707,7 +8707,7 @@
           </a:ln>
           <a:extLst>
             <a:ext uri="{C572A759-6A51-4108-AA02-DFA0A04FC94B}">
-              <ma14:wrappingTextBoxFlag xmlns="" xmlns:m="http://schemas.openxmlformats.org/officeDocument/2006/math" xmlns:a14="http://schemas.microsoft.com/office/drawing/2010/main" xmlns:ma14="http://schemas.microsoft.com/office/mac/drawingml/2011/main" val="1"/>
+              <ma14:wrappingTextBoxFlag xmlns:ma14="http://schemas.microsoft.com/office/mac/drawingml/2011/main" xmlns:a14="http://schemas.microsoft.com/office/drawing/2010/main" xmlns:m="http://schemas.openxmlformats.org/officeDocument/2006/math" xmlns="" val="1"/>
             </a:ext>
           </a:extLst>
         </p:spPr>
@@ -8798,7 +8798,7 @@
             <a:effectLst/>
             <a:extLst>
               <a:ext uri="{C572A759-6A51-4108-AA02-DFA0A04FC94B}">
-                <ma14:wrappingTextBoxFlag xmlns="" xmlns:m="http://schemas.openxmlformats.org/officeDocument/2006/math" xmlns:a14="http://schemas.microsoft.com/office/drawing/2010/main" xmlns:ma14="http://schemas.microsoft.com/office/mac/drawingml/2011/main" val="1"/>
+                <ma14:wrappingTextBoxFlag xmlns:ma14="http://schemas.microsoft.com/office/mac/drawingml/2011/main" xmlns:a14="http://schemas.microsoft.com/office/drawing/2010/main" xmlns:m="http://schemas.openxmlformats.org/officeDocument/2006/math" xmlns="" val="1"/>
               </a:ext>
             </a:extLst>
           </p:spPr>
@@ -8894,7 +8894,7 @@
             <a:effectLst/>
             <a:extLst>
               <a:ext uri="{C572A759-6A51-4108-AA02-DFA0A04FC94B}">
-                <ma14:wrappingTextBoxFlag xmlns="" xmlns:m="http://schemas.openxmlformats.org/officeDocument/2006/math" xmlns:a14="http://schemas.microsoft.com/office/drawing/2010/main" xmlns:ma14="http://schemas.microsoft.com/office/mac/drawingml/2011/main" val="1"/>
+                <ma14:wrappingTextBoxFlag xmlns:ma14="http://schemas.microsoft.com/office/mac/drawingml/2011/main" xmlns:a14="http://schemas.microsoft.com/office/drawing/2010/main" xmlns:m="http://schemas.openxmlformats.org/officeDocument/2006/math" xmlns="" val="1"/>
               </a:ext>
             </a:extLst>
           </p:spPr>
@@ -9060,7 +9060,7 @@
             <a:effectLst/>
             <a:extLst>
               <a:ext uri="{C572A759-6A51-4108-AA02-DFA0A04FC94B}">
-                <ma14:wrappingTextBoxFlag xmlns="" xmlns:m="http://schemas.openxmlformats.org/officeDocument/2006/math" xmlns:a14="http://schemas.microsoft.com/office/drawing/2010/main" xmlns:ma14="http://schemas.microsoft.com/office/mac/drawingml/2011/main" val="1"/>
+                <ma14:wrappingTextBoxFlag xmlns:ma14="http://schemas.microsoft.com/office/mac/drawingml/2011/main" xmlns:a14="http://schemas.microsoft.com/office/drawing/2010/main" xmlns:m="http://schemas.openxmlformats.org/officeDocument/2006/math" xmlns="" val="1"/>
               </a:ext>
             </a:extLst>
           </p:spPr>
@@ -9156,7 +9156,7 @@
             <a:effectLst/>
             <a:extLst>
               <a:ext uri="{C572A759-6A51-4108-AA02-DFA0A04FC94B}">
-                <ma14:wrappingTextBoxFlag xmlns="" xmlns:m="http://schemas.openxmlformats.org/officeDocument/2006/math" xmlns:a14="http://schemas.microsoft.com/office/drawing/2010/main" xmlns:ma14="http://schemas.microsoft.com/office/mac/drawingml/2011/main" val="1"/>
+                <ma14:wrappingTextBoxFlag xmlns:ma14="http://schemas.microsoft.com/office/mac/drawingml/2011/main" xmlns:a14="http://schemas.microsoft.com/office/drawing/2010/main" xmlns:m="http://schemas.openxmlformats.org/officeDocument/2006/math" xmlns="" val="1"/>
               </a:ext>
             </a:extLst>
           </p:spPr>
@@ -9252,7 +9252,7 @@
             <a:effectLst/>
             <a:extLst>
               <a:ext uri="{C572A759-6A51-4108-AA02-DFA0A04FC94B}">
-                <ma14:wrappingTextBoxFlag xmlns="" xmlns:m="http://schemas.openxmlformats.org/officeDocument/2006/math" xmlns:a14="http://schemas.microsoft.com/office/drawing/2010/main" xmlns:ma14="http://schemas.microsoft.com/office/mac/drawingml/2011/main" val="1"/>
+                <ma14:wrappingTextBoxFlag xmlns:ma14="http://schemas.microsoft.com/office/mac/drawingml/2011/main" xmlns:a14="http://schemas.microsoft.com/office/drawing/2010/main" xmlns:m="http://schemas.openxmlformats.org/officeDocument/2006/math" xmlns="" val="1"/>
               </a:ext>
             </a:extLst>
           </p:spPr>
@@ -9334,7 +9334,7 @@
           </a:ln>
           <a:extLst>
             <a:ext uri="{C572A759-6A51-4108-AA02-DFA0A04FC94B}">
-              <ma14:wrappingTextBoxFlag xmlns="" xmlns:m="http://schemas.openxmlformats.org/officeDocument/2006/math" xmlns:a14="http://schemas.microsoft.com/office/drawing/2010/main" xmlns:ma14="http://schemas.microsoft.com/office/mac/drawingml/2011/main" val="1"/>
+              <ma14:wrappingTextBoxFlag xmlns:ma14="http://schemas.microsoft.com/office/mac/drawingml/2011/main" xmlns:a14="http://schemas.microsoft.com/office/drawing/2010/main" xmlns:m="http://schemas.openxmlformats.org/officeDocument/2006/math" xmlns="" val="1"/>
             </a:ext>
           </a:extLst>
         </p:spPr>
@@ -9425,7 +9425,7 @@
             <a:effectLst/>
             <a:extLst>
               <a:ext uri="{C572A759-6A51-4108-AA02-DFA0A04FC94B}">
-                <ma14:wrappingTextBoxFlag xmlns="" xmlns:m="http://schemas.openxmlformats.org/officeDocument/2006/math" xmlns:a14="http://schemas.microsoft.com/office/drawing/2010/main" xmlns:ma14="http://schemas.microsoft.com/office/mac/drawingml/2011/main" val="1"/>
+                <ma14:wrappingTextBoxFlag xmlns:ma14="http://schemas.microsoft.com/office/mac/drawingml/2011/main" xmlns:a14="http://schemas.microsoft.com/office/drawing/2010/main" xmlns:m="http://schemas.openxmlformats.org/officeDocument/2006/math" xmlns="" val="1"/>
               </a:ext>
             </a:extLst>
           </p:spPr>
@@ -9521,7 +9521,7 @@
             <a:effectLst/>
             <a:extLst>
               <a:ext uri="{C572A759-6A51-4108-AA02-DFA0A04FC94B}">
-                <ma14:wrappingTextBoxFlag xmlns="" xmlns:m="http://schemas.openxmlformats.org/officeDocument/2006/math" xmlns:a14="http://schemas.microsoft.com/office/drawing/2010/main" xmlns:ma14="http://schemas.microsoft.com/office/mac/drawingml/2011/main" val="1"/>
+                <ma14:wrappingTextBoxFlag xmlns:ma14="http://schemas.microsoft.com/office/mac/drawingml/2011/main" xmlns:a14="http://schemas.microsoft.com/office/drawing/2010/main" xmlns:m="http://schemas.openxmlformats.org/officeDocument/2006/math" xmlns="" val="1"/>
               </a:ext>
             </a:extLst>
           </p:spPr>
@@ -9687,7 +9687,7 @@
             <a:effectLst/>
             <a:extLst>
               <a:ext uri="{C572A759-6A51-4108-AA02-DFA0A04FC94B}">
-                <ma14:wrappingTextBoxFlag xmlns="" xmlns:m="http://schemas.openxmlformats.org/officeDocument/2006/math" xmlns:a14="http://schemas.microsoft.com/office/drawing/2010/main" xmlns:ma14="http://schemas.microsoft.com/office/mac/drawingml/2011/main" val="1"/>
+                <ma14:wrappingTextBoxFlag xmlns:ma14="http://schemas.microsoft.com/office/mac/drawingml/2011/main" xmlns:a14="http://schemas.microsoft.com/office/drawing/2010/main" xmlns:m="http://schemas.openxmlformats.org/officeDocument/2006/math" xmlns="" val="1"/>
               </a:ext>
             </a:extLst>
           </p:spPr>
@@ -9783,7 +9783,7 @@
             <a:effectLst/>
             <a:extLst>
               <a:ext uri="{C572A759-6A51-4108-AA02-DFA0A04FC94B}">
-                <ma14:wrappingTextBoxFlag xmlns="" xmlns:m="http://schemas.openxmlformats.org/officeDocument/2006/math" xmlns:a14="http://schemas.microsoft.com/office/drawing/2010/main" xmlns:ma14="http://schemas.microsoft.com/office/mac/drawingml/2011/main" val="1"/>
+                <ma14:wrappingTextBoxFlag xmlns:ma14="http://schemas.microsoft.com/office/mac/drawingml/2011/main" xmlns:a14="http://schemas.microsoft.com/office/drawing/2010/main" xmlns:m="http://schemas.openxmlformats.org/officeDocument/2006/math" xmlns="" val="1"/>
               </a:ext>
             </a:extLst>
           </p:spPr>
@@ -9879,7 +9879,7 @@
             <a:effectLst/>
             <a:extLst>
               <a:ext uri="{C572A759-6A51-4108-AA02-DFA0A04FC94B}">
-                <ma14:wrappingTextBoxFlag xmlns="" xmlns:m="http://schemas.openxmlformats.org/officeDocument/2006/math" xmlns:a14="http://schemas.microsoft.com/office/drawing/2010/main" xmlns:ma14="http://schemas.microsoft.com/office/mac/drawingml/2011/main" val="1"/>
+                <ma14:wrappingTextBoxFlag xmlns:ma14="http://schemas.microsoft.com/office/mac/drawingml/2011/main" xmlns:a14="http://schemas.microsoft.com/office/drawing/2010/main" xmlns:m="http://schemas.openxmlformats.org/officeDocument/2006/math" xmlns="" val="1"/>
               </a:ext>
             </a:extLst>
           </p:spPr>
@@ -10056,7 +10056,7 @@
             <a:effectLst/>
             <a:extLst>
               <a:ext uri="{C572A759-6A51-4108-AA02-DFA0A04FC94B}">
-                <ma14:wrappingTextBoxFlag xmlns="" xmlns:m="http://schemas.openxmlformats.org/officeDocument/2006/math" xmlns:a14="http://schemas.microsoft.com/office/drawing/2010/main" xmlns:ma14="http://schemas.microsoft.com/office/mac/drawingml/2011/main" val="1"/>
+                <ma14:wrappingTextBoxFlag xmlns:ma14="http://schemas.microsoft.com/office/mac/drawingml/2011/main" xmlns:a14="http://schemas.microsoft.com/office/drawing/2010/main" xmlns:m="http://schemas.openxmlformats.org/officeDocument/2006/math" xmlns="" val="1"/>
               </a:ext>
             </a:extLst>
           </p:spPr>
@@ -11233,7 +11233,7 @@
           </a:ln>
           <a:extLst>
             <a:ext uri="{C572A759-6A51-4108-AA02-DFA0A04FC94B}">
-              <ma14:wrappingTextBoxFlag xmlns="" xmlns:m="http://schemas.openxmlformats.org/officeDocument/2006/math" xmlns:a14="http://schemas.microsoft.com/office/drawing/2010/main" xmlns:ma14="http://schemas.microsoft.com/office/mac/drawingml/2011/main" val="1"/>
+              <ma14:wrappingTextBoxFlag xmlns:ma14="http://schemas.microsoft.com/office/mac/drawingml/2011/main" xmlns:a14="http://schemas.microsoft.com/office/drawing/2010/main" xmlns:m="http://schemas.openxmlformats.org/officeDocument/2006/math" xmlns="" val="1"/>
             </a:ext>
           </a:extLst>
         </p:spPr>
@@ -11332,7 +11332,7 @@
             <a:effectLst/>
             <a:extLst>
               <a:ext uri="{C572A759-6A51-4108-AA02-DFA0A04FC94B}">
-                <ma14:wrappingTextBoxFlag xmlns="" xmlns:m="http://schemas.openxmlformats.org/officeDocument/2006/math" xmlns:a14="http://schemas.microsoft.com/office/drawing/2010/main" xmlns:ma14="http://schemas.microsoft.com/office/mac/drawingml/2011/main" val="1"/>
+                <ma14:wrappingTextBoxFlag xmlns:ma14="http://schemas.microsoft.com/office/mac/drawingml/2011/main" xmlns:a14="http://schemas.microsoft.com/office/drawing/2010/main" xmlns:m="http://schemas.openxmlformats.org/officeDocument/2006/math" xmlns="" val="1"/>
               </a:ext>
             </a:extLst>
           </p:spPr>
@@ -11415,7 +11415,7 @@
           </a:ln>
           <a:extLst>
             <a:ext uri="{C572A759-6A51-4108-AA02-DFA0A04FC94B}">
-              <ma14:wrappingTextBoxFlag xmlns="" xmlns:m="http://schemas.openxmlformats.org/officeDocument/2006/math" xmlns:a14="http://schemas.microsoft.com/office/drawing/2010/main" xmlns:ma14="http://schemas.microsoft.com/office/mac/drawingml/2011/main" val="1"/>
+              <ma14:wrappingTextBoxFlag xmlns:ma14="http://schemas.microsoft.com/office/mac/drawingml/2011/main" xmlns:a14="http://schemas.microsoft.com/office/drawing/2010/main" xmlns:m="http://schemas.openxmlformats.org/officeDocument/2006/math" xmlns="" val="1"/>
             </a:ext>
           </a:extLst>
         </p:spPr>
@@ -11529,7 +11529,7 @@
             <a:effectLst/>
             <a:extLst>
               <a:ext uri="{C572A759-6A51-4108-AA02-DFA0A04FC94B}">
-                <ma14:wrappingTextBoxFlag xmlns="" xmlns:m="http://schemas.openxmlformats.org/officeDocument/2006/math" xmlns:a14="http://schemas.microsoft.com/office/drawing/2010/main" xmlns:ma14="http://schemas.microsoft.com/office/mac/drawingml/2011/main" val="1"/>
+                <ma14:wrappingTextBoxFlag xmlns:ma14="http://schemas.microsoft.com/office/mac/drawingml/2011/main" xmlns:a14="http://schemas.microsoft.com/office/drawing/2010/main" xmlns:m="http://schemas.openxmlformats.org/officeDocument/2006/math" xmlns="" val="1"/>
               </a:ext>
             </a:extLst>
           </p:spPr>
@@ -11633,7 +11633,7 @@
             <a:effectLst/>
             <a:extLst>
               <a:ext uri="{C572A759-6A51-4108-AA02-DFA0A04FC94B}">
-                <ma14:wrappingTextBoxFlag xmlns="" xmlns:m="http://schemas.openxmlformats.org/officeDocument/2006/math" xmlns:a14="http://schemas.microsoft.com/office/drawing/2010/main" xmlns:ma14="http://schemas.microsoft.com/office/mac/drawingml/2011/main" val="1"/>
+                <ma14:wrappingTextBoxFlag xmlns:ma14="http://schemas.microsoft.com/office/mac/drawingml/2011/main" xmlns:a14="http://schemas.microsoft.com/office/drawing/2010/main" xmlns:m="http://schemas.openxmlformats.org/officeDocument/2006/math" xmlns="" val="1"/>
               </a:ext>
             </a:extLst>
           </p:spPr>
@@ -11737,7 +11737,7 @@
             <a:effectLst/>
             <a:extLst>
               <a:ext uri="{C572A759-6A51-4108-AA02-DFA0A04FC94B}">
-                <ma14:wrappingTextBoxFlag xmlns="" xmlns:m="http://schemas.openxmlformats.org/officeDocument/2006/math" xmlns:a14="http://schemas.microsoft.com/office/drawing/2010/main" xmlns:ma14="http://schemas.microsoft.com/office/mac/drawingml/2011/main" val="1"/>
+                <ma14:wrappingTextBoxFlag xmlns:ma14="http://schemas.microsoft.com/office/mac/drawingml/2011/main" xmlns:a14="http://schemas.microsoft.com/office/drawing/2010/main" xmlns:m="http://schemas.openxmlformats.org/officeDocument/2006/math" xmlns="" val="1"/>
               </a:ext>
             </a:extLst>
           </p:spPr>
@@ -12878,7 +12878,7 @@
           </a:ln>
           <a:extLst>
             <a:ext uri="{C572A759-6A51-4108-AA02-DFA0A04FC94B}">
-              <ma14:wrappingTextBoxFlag xmlns="" xmlns:m="http://schemas.openxmlformats.org/officeDocument/2006/math" xmlns:a14="http://schemas.microsoft.com/office/drawing/2010/main" xmlns:ma14="http://schemas.microsoft.com/office/mac/drawingml/2011/main" val="1"/>
+              <ma14:wrappingTextBoxFlag xmlns:ma14="http://schemas.microsoft.com/office/mac/drawingml/2011/main" xmlns:a14="http://schemas.microsoft.com/office/drawing/2010/main" xmlns:m="http://schemas.openxmlformats.org/officeDocument/2006/math" xmlns="" val="1"/>
             </a:ext>
           </a:extLst>
         </p:spPr>
@@ -13020,7 +13020,7 @@
           </a:ln>
           <a:extLst>
             <a:ext uri="{C572A759-6A51-4108-AA02-DFA0A04FC94B}">
-              <ma14:wrappingTextBoxFlag xmlns="" xmlns:m="http://schemas.openxmlformats.org/officeDocument/2006/math" xmlns:a14="http://schemas.microsoft.com/office/drawing/2010/main" xmlns:ma14="http://schemas.microsoft.com/office/mac/drawingml/2011/main" val="1"/>
+              <ma14:wrappingTextBoxFlag xmlns:ma14="http://schemas.microsoft.com/office/mac/drawingml/2011/main" xmlns:a14="http://schemas.microsoft.com/office/drawing/2010/main" xmlns:m="http://schemas.openxmlformats.org/officeDocument/2006/math" xmlns="" val="1"/>
             </a:ext>
           </a:extLst>
         </p:spPr>
@@ -13115,7 +13115,7 @@
             <a:effectLst/>
             <a:extLst>
               <a:ext uri="{C572A759-6A51-4108-AA02-DFA0A04FC94B}">
-                <ma14:wrappingTextBoxFlag xmlns="" xmlns:m="http://schemas.openxmlformats.org/officeDocument/2006/math" xmlns:a14="http://schemas.microsoft.com/office/drawing/2010/main" xmlns:ma14="http://schemas.microsoft.com/office/mac/drawingml/2011/main" val="1"/>
+                <ma14:wrappingTextBoxFlag xmlns:ma14="http://schemas.microsoft.com/office/mac/drawingml/2011/main" xmlns:a14="http://schemas.microsoft.com/office/drawing/2010/main" xmlns:m="http://schemas.openxmlformats.org/officeDocument/2006/math" xmlns="" val="1"/>
               </a:ext>
             </a:extLst>
           </p:spPr>
@@ -14236,7 +14236,7 @@
           </a:ln>
           <a:extLst>
             <a:ext uri="{C572A759-6A51-4108-AA02-DFA0A04FC94B}">
-              <ma14:wrappingTextBoxFlag xmlns="" xmlns:m="http://schemas.openxmlformats.org/officeDocument/2006/math" xmlns:a14="http://schemas.microsoft.com/office/drawing/2010/main" xmlns:ma14="http://schemas.microsoft.com/office/mac/drawingml/2011/main" val="1"/>
+              <ma14:wrappingTextBoxFlag xmlns:ma14="http://schemas.microsoft.com/office/mac/drawingml/2011/main" xmlns:a14="http://schemas.microsoft.com/office/drawing/2010/main" xmlns:m="http://schemas.openxmlformats.org/officeDocument/2006/math" xmlns="" val="1"/>
             </a:ext>
           </a:extLst>
         </p:spPr>
@@ -14321,7 +14321,7 @@
           </a:ln>
           <a:extLst>
             <a:ext uri="{C572A759-6A51-4108-AA02-DFA0A04FC94B}">
-              <ma14:wrappingTextBoxFlag xmlns="" xmlns:m="http://schemas.openxmlformats.org/officeDocument/2006/math" xmlns:a14="http://schemas.microsoft.com/office/drawing/2010/main" xmlns:ma14="http://schemas.microsoft.com/office/mac/drawingml/2011/main" val="1"/>
+              <ma14:wrappingTextBoxFlag xmlns:ma14="http://schemas.microsoft.com/office/mac/drawingml/2011/main" xmlns:a14="http://schemas.microsoft.com/office/drawing/2010/main" xmlns:m="http://schemas.openxmlformats.org/officeDocument/2006/math" xmlns="" val="1"/>
             </a:ext>
           </a:extLst>
         </p:spPr>
@@ -14416,7 +14416,7 @@
             <a:effectLst/>
             <a:extLst>
               <a:ext uri="{C572A759-6A51-4108-AA02-DFA0A04FC94B}">
-                <ma14:wrappingTextBoxFlag xmlns="" xmlns:m="http://schemas.openxmlformats.org/officeDocument/2006/math" xmlns:a14="http://schemas.microsoft.com/office/drawing/2010/main" xmlns:ma14="http://schemas.microsoft.com/office/mac/drawingml/2011/main" val="1"/>
+                <ma14:wrappingTextBoxFlag xmlns:ma14="http://schemas.microsoft.com/office/mac/drawingml/2011/main" xmlns:a14="http://schemas.microsoft.com/office/drawing/2010/main" xmlns:m="http://schemas.openxmlformats.org/officeDocument/2006/math" xmlns="" val="1"/>
               </a:ext>
             </a:extLst>
           </p:spPr>
@@ -14551,7 +14551,7 @@
             <a:effectLst/>
             <a:extLst>
               <a:ext uri="{C572A759-6A51-4108-AA02-DFA0A04FC94B}">
-                <ma14:wrappingTextBoxFlag xmlns="" xmlns:m="http://schemas.openxmlformats.org/officeDocument/2006/math" xmlns:a14="http://schemas.microsoft.com/office/drawing/2010/main" xmlns:ma14="http://schemas.microsoft.com/office/mac/drawingml/2011/main" val="1"/>
+                <ma14:wrappingTextBoxFlag xmlns:ma14="http://schemas.microsoft.com/office/mac/drawingml/2011/main" xmlns:a14="http://schemas.microsoft.com/office/drawing/2010/main" xmlns:m="http://schemas.openxmlformats.org/officeDocument/2006/math" xmlns="" val="1"/>
               </a:ext>
             </a:extLst>
           </p:spPr>
@@ -14686,7 +14686,7 @@
             <a:effectLst/>
             <a:extLst>
               <a:ext uri="{C572A759-6A51-4108-AA02-DFA0A04FC94B}">
-                <ma14:wrappingTextBoxFlag xmlns="" xmlns:m="http://schemas.openxmlformats.org/officeDocument/2006/math" xmlns:a14="http://schemas.microsoft.com/office/drawing/2010/main" xmlns:ma14="http://schemas.microsoft.com/office/mac/drawingml/2011/main" val="1"/>
+                <ma14:wrappingTextBoxFlag xmlns:ma14="http://schemas.microsoft.com/office/mac/drawingml/2011/main" xmlns:a14="http://schemas.microsoft.com/office/drawing/2010/main" xmlns:m="http://schemas.openxmlformats.org/officeDocument/2006/math" xmlns="" val="1"/>
               </a:ext>
             </a:extLst>
           </p:spPr>
@@ -14782,7 +14782,7 @@
             <a:effectLst/>
             <a:extLst>
               <a:ext uri="{C572A759-6A51-4108-AA02-DFA0A04FC94B}">
-                <ma14:wrappingTextBoxFlag xmlns="" xmlns:m="http://schemas.openxmlformats.org/officeDocument/2006/math" xmlns:a14="http://schemas.microsoft.com/office/drawing/2010/main" xmlns:ma14="http://schemas.microsoft.com/office/mac/drawingml/2011/main" val="1"/>
+                <ma14:wrappingTextBoxFlag xmlns:ma14="http://schemas.microsoft.com/office/mac/drawingml/2011/main" xmlns:a14="http://schemas.microsoft.com/office/drawing/2010/main" xmlns:m="http://schemas.openxmlformats.org/officeDocument/2006/math" xmlns="" val="1"/>
               </a:ext>
             </a:extLst>
           </p:spPr>
@@ -14917,7 +14917,7 @@
             <a:effectLst/>
             <a:extLst>
               <a:ext uri="{C572A759-6A51-4108-AA02-DFA0A04FC94B}">
-                <ma14:wrappingTextBoxFlag xmlns="" xmlns:m="http://schemas.openxmlformats.org/officeDocument/2006/math" xmlns:a14="http://schemas.microsoft.com/office/drawing/2010/main" xmlns:ma14="http://schemas.microsoft.com/office/mac/drawingml/2011/main" val="1"/>
+                <ma14:wrappingTextBoxFlag xmlns:ma14="http://schemas.microsoft.com/office/mac/drawingml/2011/main" xmlns:a14="http://schemas.microsoft.com/office/drawing/2010/main" xmlns:m="http://schemas.openxmlformats.org/officeDocument/2006/math" xmlns="" val="1"/>
               </a:ext>
             </a:extLst>
           </p:spPr>
@@ -15052,7 +15052,7 @@
             <a:effectLst/>
             <a:extLst>
               <a:ext uri="{C572A759-6A51-4108-AA02-DFA0A04FC94B}">
-                <ma14:wrappingTextBoxFlag xmlns="" xmlns:m="http://schemas.openxmlformats.org/officeDocument/2006/math" xmlns:a14="http://schemas.microsoft.com/office/drawing/2010/main" xmlns:ma14="http://schemas.microsoft.com/office/mac/drawingml/2011/main" val="1"/>
+                <ma14:wrappingTextBoxFlag xmlns:ma14="http://schemas.microsoft.com/office/mac/drawingml/2011/main" xmlns:a14="http://schemas.microsoft.com/office/drawing/2010/main" xmlns:m="http://schemas.openxmlformats.org/officeDocument/2006/math" xmlns="" val="1"/>
               </a:ext>
             </a:extLst>
           </p:spPr>
@@ -15187,7 +15187,7 @@
             <a:effectLst/>
             <a:extLst>
               <a:ext uri="{C572A759-6A51-4108-AA02-DFA0A04FC94B}">
-                <ma14:wrappingTextBoxFlag xmlns="" xmlns:m="http://schemas.openxmlformats.org/officeDocument/2006/math" xmlns:a14="http://schemas.microsoft.com/office/drawing/2010/main" xmlns:ma14="http://schemas.microsoft.com/office/mac/drawingml/2011/main" val="1"/>
+                <ma14:wrappingTextBoxFlag xmlns:ma14="http://schemas.microsoft.com/office/mac/drawingml/2011/main" xmlns:a14="http://schemas.microsoft.com/office/drawing/2010/main" xmlns:m="http://schemas.openxmlformats.org/officeDocument/2006/math" xmlns="" val="1"/>
               </a:ext>
             </a:extLst>
           </p:spPr>
@@ -15283,7 +15283,7 @@
             <a:effectLst/>
             <a:extLst>
               <a:ext uri="{C572A759-6A51-4108-AA02-DFA0A04FC94B}">
-                <ma14:wrappingTextBoxFlag xmlns="" xmlns:m="http://schemas.openxmlformats.org/officeDocument/2006/math" xmlns:a14="http://schemas.microsoft.com/office/drawing/2010/main" xmlns:ma14="http://schemas.microsoft.com/office/mac/drawingml/2011/main" val="1"/>
+                <ma14:wrappingTextBoxFlag xmlns:ma14="http://schemas.microsoft.com/office/mac/drawingml/2011/main" xmlns:a14="http://schemas.microsoft.com/office/drawing/2010/main" xmlns:m="http://schemas.openxmlformats.org/officeDocument/2006/math" xmlns="" val="1"/>
               </a:ext>
             </a:extLst>
           </p:spPr>
@@ -15325,7 +15325,7 @@
           </a:ln>
           <a:extLst>
             <a:ext uri="{C572A759-6A51-4108-AA02-DFA0A04FC94B}">
-              <ma14:wrappingTextBoxFlag xmlns="" xmlns:m="http://schemas.openxmlformats.org/officeDocument/2006/math" xmlns:a14="http://schemas.microsoft.com/office/drawing/2010/main" xmlns:ma14="http://schemas.microsoft.com/office/mac/drawingml/2011/main" val="1"/>
+              <ma14:wrappingTextBoxFlag xmlns:ma14="http://schemas.microsoft.com/office/mac/drawingml/2011/main" xmlns:a14="http://schemas.microsoft.com/office/drawing/2010/main" xmlns:m="http://schemas.openxmlformats.org/officeDocument/2006/math" xmlns="" val="1"/>
             </a:ext>
           </a:extLst>
         </p:spPr>
@@ -15420,7 +15420,7 @@
             <a:effectLst/>
             <a:extLst>
               <a:ext uri="{C572A759-6A51-4108-AA02-DFA0A04FC94B}">
-                <ma14:wrappingTextBoxFlag xmlns="" xmlns:m="http://schemas.openxmlformats.org/officeDocument/2006/math" xmlns:a14="http://schemas.microsoft.com/office/drawing/2010/main" xmlns:ma14="http://schemas.microsoft.com/office/mac/drawingml/2011/main" val="1"/>
+                <ma14:wrappingTextBoxFlag xmlns:ma14="http://schemas.microsoft.com/office/mac/drawingml/2011/main" xmlns:a14="http://schemas.microsoft.com/office/drawing/2010/main" xmlns:m="http://schemas.openxmlformats.org/officeDocument/2006/math" xmlns="" val="1"/>
               </a:ext>
             </a:extLst>
           </p:spPr>
@@ -15516,7 +15516,7 @@
             <a:effectLst/>
             <a:extLst>
               <a:ext uri="{C572A759-6A51-4108-AA02-DFA0A04FC94B}">
-                <ma14:wrappingTextBoxFlag xmlns="" xmlns:m="http://schemas.openxmlformats.org/officeDocument/2006/math" xmlns:a14="http://schemas.microsoft.com/office/drawing/2010/main" xmlns:ma14="http://schemas.microsoft.com/office/mac/drawingml/2011/main" val="1"/>
+                <ma14:wrappingTextBoxFlag xmlns:ma14="http://schemas.microsoft.com/office/mac/drawingml/2011/main" xmlns:a14="http://schemas.microsoft.com/office/drawing/2010/main" xmlns:m="http://schemas.openxmlformats.org/officeDocument/2006/math" xmlns="" val="1"/>
               </a:ext>
             </a:extLst>
           </p:spPr>
@@ -15612,7 +15612,7 @@
             <a:effectLst/>
             <a:extLst>
               <a:ext uri="{C572A759-6A51-4108-AA02-DFA0A04FC94B}">
-                <ma14:wrappingTextBoxFlag xmlns="" xmlns:m="http://schemas.openxmlformats.org/officeDocument/2006/math" xmlns:a14="http://schemas.microsoft.com/office/drawing/2010/main" xmlns:ma14="http://schemas.microsoft.com/office/mac/drawingml/2011/main" val="1"/>
+                <ma14:wrappingTextBoxFlag xmlns:ma14="http://schemas.microsoft.com/office/mac/drawingml/2011/main" xmlns:a14="http://schemas.microsoft.com/office/drawing/2010/main" xmlns:m="http://schemas.openxmlformats.org/officeDocument/2006/math" xmlns="" val="1"/>
               </a:ext>
             </a:extLst>
           </p:spPr>
@@ -15708,7 +15708,7 @@
             <a:effectLst/>
             <a:extLst>
               <a:ext uri="{C572A759-6A51-4108-AA02-DFA0A04FC94B}">
-                <ma14:wrappingTextBoxFlag xmlns="" xmlns:m="http://schemas.openxmlformats.org/officeDocument/2006/math" xmlns:a14="http://schemas.microsoft.com/office/drawing/2010/main" xmlns:ma14="http://schemas.microsoft.com/office/mac/drawingml/2011/main" val="1"/>
+                <ma14:wrappingTextBoxFlag xmlns:ma14="http://schemas.microsoft.com/office/mac/drawingml/2011/main" xmlns:a14="http://schemas.microsoft.com/office/drawing/2010/main" xmlns:m="http://schemas.openxmlformats.org/officeDocument/2006/math" xmlns="" val="1"/>
               </a:ext>
             </a:extLst>
           </p:spPr>
@@ -15804,7 +15804,7 @@
             <a:effectLst/>
             <a:extLst>
               <a:ext uri="{C572A759-6A51-4108-AA02-DFA0A04FC94B}">
-                <ma14:wrappingTextBoxFlag xmlns="" xmlns:m="http://schemas.openxmlformats.org/officeDocument/2006/math" xmlns:a14="http://schemas.microsoft.com/office/drawing/2010/main" xmlns:ma14="http://schemas.microsoft.com/office/mac/drawingml/2011/main" val="1"/>
+                <ma14:wrappingTextBoxFlag xmlns:ma14="http://schemas.microsoft.com/office/mac/drawingml/2011/main" xmlns:a14="http://schemas.microsoft.com/office/drawing/2010/main" xmlns:m="http://schemas.openxmlformats.org/officeDocument/2006/math" xmlns="" val="1"/>
               </a:ext>
             </a:extLst>
           </p:spPr>
@@ -15939,7 +15939,7 @@
             <a:effectLst/>
             <a:extLst>
               <a:ext uri="{C572A759-6A51-4108-AA02-DFA0A04FC94B}">
-                <ma14:wrappingTextBoxFlag xmlns="" xmlns:m="http://schemas.openxmlformats.org/officeDocument/2006/math" xmlns:a14="http://schemas.microsoft.com/office/drawing/2010/main" xmlns:ma14="http://schemas.microsoft.com/office/mac/drawingml/2011/main" val="1"/>
+                <ma14:wrappingTextBoxFlag xmlns:ma14="http://schemas.microsoft.com/office/mac/drawingml/2011/main" xmlns:a14="http://schemas.microsoft.com/office/drawing/2010/main" xmlns:m="http://schemas.openxmlformats.org/officeDocument/2006/math" xmlns="" val="1"/>
               </a:ext>
             </a:extLst>
           </p:spPr>
@@ -16035,7 +16035,7 @@
             <a:effectLst/>
             <a:extLst>
               <a:ext uri="{C572A759-6A51-4108-AA02-DFA0A04FC94B}">
-                <ma14:wrappingTextBoxFlag xmlns="" xmlns:m="http://schemas.openxmlformats.org/officeDocument/2006/math" xmlns:a14="http://schemas.microsoft.com/office/drawing/2010/main" xmlns:ma14="http://schemas.microsoft.com/office/mac/drawingml/2011/main" val="1"/>
+                <ma14:wrappingTextBoxFlag xmlns:ma14="http://schemas.microsoft.com/office/mac/drawingml/2011/main" xmlns:a14="http://schemas.microsoft.com/office/drawing/2010/main" xmlns:m="http://schemas.openxmlformats.org/officeDocument/2006/math" xmlns="" val="1"/>
               </a:ext>
             </a:extLst>
           </p:spPr>
@@ -16170,7 +16170,7 @@
             <a:effectLst/>
             <a:extLst>
               <a:ext uri="{C572A759-6A51-4108-AA02-DFA0A04FC94B}">
-                <ma14:wrappingTextBoxFlag xmlns="" xmlns:m="http://schemas.openxmlformats.org/officeDocument/2006/math" xmlns:a14="http://schemas.microsoft.com/office/drawing/2010/main" xmlns:ma14="http://schemas.microsoft.com/office/mac/drawingml/2011/main" val="1"/>
+                <ma14:wrappingTextBoxFlag xmlns:ma14="http://schemas.microsoft.com/office/mac/drawingml/2011/main" xmlns:a14="http://schemas.microsoft.com/office/drawing/2010/main" xmlns:m="http://schemas.openxmlformats.org/officeDocument/2006/math" xmlns="" val="1"/>
               </a:ext>
             </a:extLst>
           </p:spPr>
@@ -16266,7 +16266,7 @@
             <a:effectLst/>
             <a:extLst>
               <a:ext uri="{C572A759-6A51-4108-AA02-DFA0A04FC94B}">
-                <ma14:wrappingTextBoxFlag xmlns="" xmlns:m="http://schemas.openxmlformats.org/officeDocument/2006/math" xmlns:a14="http://schemas.microsoft.com/office/drawing/2010/main" xmlns:ma14="http://schemas.microsoft.com/office/mac/drawingml/2011/main" val="1"/>
+                <ma14:wrappingTextBoxFlag xmlns:ma14="http://schemas.microsoft.com/office/mac/drawingml/2011/main" xmlns:a14="http://schemas.microsoft.com/office/drawing/2010/main" xmlns:m="http://schemas.openxmlformats.org/officeDocument/2006/math" xmlns="" val="1"/>
               </a:ext>
             </a:extLst>
           </p:spPr>
@@ -16366,7 +16366,7 @@
             <a:effectLst/>
             <a:extLst>
               <a:ext uri="{C572A759-6A51-4108-AA02-DFA0A04FC94B}">
-                <ma14:wrappingTextBoxFlag xmlns="" xmlns:m="http://schemas.openxmlformats.org/officeDocument/2006/math" xmlns:a14="http://schemas.microsoft.com/office/drawing/2010/main" xmlns:ma14="http://schemas.microsoft.com/office/mac/drawingml/2011/main" val="1"/>
+                <ma14:wrappingTextBoxFlag xmlns:ma14="http://schemas.microsoft.com/office/mac/drawingml/2011/main" xmlns:a14="http://schemas.microsoft.com/office/drawing/2010/main" xmlns:m="http://schemas.openxmlformats.org/officeDocument/2006/math" xmlns="" val="1"/>
               </a:ext>
             </a:extLst>
           </p:spPr>
@@ -16470,7 +16470,7 @@
             <a:effectLst/>
             <a:extLst>
               <a:ext uri="{C572A759-6A51-4108-AA02-DFA0A04FC94B}">
-                <ma14:wrappingTextBoxFlag xmlns="" xmlns:m="http://schemas.openxmlformats.org/officeDocument/2006/math" xmlns:a14="http://schemas.microsoft.com/office/drawing/2010/main" xmlns:ma14="http://schemas.microsoft.com/office/mac/drawingml/2011/main" val="1"/>
+                <ma14:wrappingTextBoxFlag xmlns:ma14="http://schemas.microsoft.com/office/mac/drawingml/2011/main" xmlns:a14="http://schemas.microsoft.com/office/drawing/2010/main" xmlns:m="http://schemas.openxmlformats.org/officeDocument/2006/math" xmlns="" val="1"/>
               </a:ext>
             </a:extLst>
           </p:spPr>
@@ -16574,7 +16574,7 @@
             <a:effectLst/>
             <a:extLst>
               <a:ext uri="{C572A759-6A51-4108-AA02-DFA0A04FC94B}">
-                <ma14:wrappingTextBoxFlag xmlns="" xmlns:m="http://schemas.openxmlformats.org/officeDocument/2006/math" xmlns:a14="http://schemas.microsoft.com/office/drawing/2010/main" xmlns:ma14="http://schemas.microsoft.com/office/mac/drawingml/2011/main" val="1"/>
+                <ma14:wrappingTextBoxFlag xmlns:ma14="http://schemas.microsoft.com/office/mac/drawingml/2011/main" xmlns:a14="http://schemas.microsoft.com/office/drawing/2010/main" xmlns:m="http://schemas.openxmlformats.org/officeDocument/2006/math" xmlns="" val="1"/>
               </a:ext>
             </a:extLst>
           </p:spPr>
@@ -17148,7 +17148,7 @@
                         </a:defRPr>
                       </a:pPr>
                       <a:r>
-                        <a:rPr sz="1500" b="1"/>
+                        <a:rPr sz="1500" b="1" dirty="0"/>
                         <a:t>#</a:t>
                       </a:r>
                     </a:p>
@@ -17513,7 +17513,7 @@
                       <a:pPr algn="l">
                         <a:defRPr sz="1500"/>
                       </a:pPr>
-                      <a:endParaRPr/>
+                      <a:endParaRPr dirty="0"/>
                     </a:p>
                   </a:txBody>
                   <a:tcPr marL="45720" marR="45720" horzOverflow="overflow">
@@ -17682,7 +17682,7 @@
           </a:ln>
           <a:extLst>
             <a:ext uri="{C572A759-6A51-4108-AA02-DFA0A04FC94B}">
-              <ma14:wrappingTextBoxFlag xmlns="" xmlns:m="http://schemas.openxmlformats.org/officeDocument/2006/math" xmlns:a14="http://schemas.microsoft.com/office/drawing/2010/main" xmlns:ma14="http://schemas.microsoft.com/office/mac/drawingml/2011/main" val="1"/>
+              <ma14:wrappingTextBoxFlag xmlns:ma14="http://schemas.microsoft.com/office/mac/drawingml/2011/main" xmlns:a14="http://schemas.microsoft.com/office/drawing/2010/main" xmlns:m="http://schemas.openxmlformats.org/officeDocument/2006/math" xmlns="" val="1"/>
             </a:ext>
           </a:extLst>
         </p:spPr>
@@ -20632,7 +20632,7 @@
             <a:effectLst/>
             <a:extLst>
               <a:ext uri="{C572A759-6A51-4108-AA02-DFA0A04FC94B}">
-                <ma14:wrappingTextBoxFlag xmlns="" xmlns:m="http://schemas.openxmlformats.org/officeDocument/2006/math" xmlns:a14="http://schemas.microsoft.com/office/drawing/2010/main" xmlns:ma14="http://schemas.microsoft.com/office/mac/drawingml/2011/main" val="1"/>
+                <ma14:wrappingTextBoxFlag xmlns:ma14="http://schemas.microsoft.com/office/mac/drawingml/2011/main" xmlns:a14="http://schemas.microsoft.com/office/drawing/2010/main" xmlns:m="http://schemas.openxmlformats.org/officeDocument/2006/math" xmlns="" val="1"/>
               </a:ext>
             </a:extLst>
           </p:spPr>
@@ -21853,7 +21853,7 @@
           </a:ln>
           <a:extLst>
             <a:ext uri="{C572A759-6A51-4108-AA02-DFA0A04FC94B}">
-              <ma14:wrappingTextBoxFlag xmlns="" xmlns:m="http://schemas.openxmlformats.org/officeDocument/2006/math" xmlns:a14="http://schemas.microsoft.com/office/drawing/2010/main" xmlns:ma14="http://schemas.microsoft.com/office/mac/drawingml/2011/main" val="1"/>
+              <ma14:wrappingTextBoxFlag xmlns:ma14="http://schemas.microsoft.com/office/mac/drawingml/2011/main" xmlns:a14="http://schemas.microsoft.com/office/drawing/2010/main" xmlns:m="http://schemas.openxmlformats.org/officeDocument/2006/math" xmlns="" val="1"/>
             </a:ext>
           </a:extLst>
         </p:spPr>
@@ -21888,7 +21888,7 @@
           </a:ln>
           <a:extLst>
             <a:ext uri="{C572A759-6A51-4108-AA02-DFA0A04FC94B}">
-              <ma14:wrappingTextBoxFlag xmlns="" xmlns:m="http://schemas.openxmlformats.org/officeDocument/2006/math" xmlns:a14="http://schemas.microsoft.com/office/drawing/2010/main" xmlns:ma14="http://schemas.microsoft.com/office/mac/drawingml/2011/main" val="1"/>
+              <ma14:wrappingTextBoxFlag xmlns:ma14="http://schemas.microsoft.com/office/mac/drawingml/2011/main" xmlns:a14="http://schemas.microsoft.com/office/drawing/2010/main" xmlns:m="http://schemas.openxmlformats.org/officeDocument/2006/math" xmlns="" val="1"/>
             </a:ext>
           </a:extLst>
         </p:spPr>
@@ -21968,7 +21968,7 @@
           </a:ln>
           <a:extLst>
             <a:ext uri="{C572A759-6A51-4108-AA02-DFA0A04FC94B}">
-              <ma14:wrappingTextBoxFlag xmlns="" xmlns:m="http://schemas.openxmlformats.org/officeDocument/2006/math" xmlns:a14="http://schemas.microsoft.com/office/drawing/2010/main" xmlns:ma14="http://schemas.microsoft.com/office/mac/drawingml/2011/main" val="1"/>
+              <ma14:wrappingTextBoxFlag xmlns:ma14="http://schemas.microsoft.com/office/mac/drawingml/2011/main" xmlns:a14="http://schemas.microsoft.com/office/drawing/2010/main" xmlns:m="http://schemas.openxmlformats.org/officeDocument/2006/math" xmlns="" val="1"/>
             </a:ext>
           </a:extLst>
         </p:spPr>
@@ -22003,7 +22003,7 @@
           </a:ln>
           <a:extLst>
             <a:ext uri="{C572A759-6A51-4108-AA02-DFA0A04FC94B}">
-              <ma14:wrappingTextBoxFlag xmlns="" xmlns:m="http://schemas.openxmlformats.org/officeDocument/2006/math" xmlns:a14="http://schemas.microsoft.com/office/drawing/2010/main" xmlns:ma14="http://schemas.microsoft.com/office/mac/drawingml/2011/main" val="1"/>
+              <ma14:wrappingTextBoxFlag xmlns:ma14="http://schemas.microsoft.com/office/mac/drawingml/2011/main" xmlns:a14="http://schemas.microsoft.com/office/drawing/2010/main" xmlns:m="http://schemas.openxmlformats.org/officeDocument/2006/math" xmlns="" val="1"/>
             </a:ext>
           </a:extLst>
         </p:spPr>
@@ -22082,7 +22082,7 @@
           </a:ln>
           <a:extLst>
             <a:ext uri="{C572A759-6A51-4108-AA02-DFA0A04FC94B}">
-              <ma14:wrappingTextBoxFlag xmlns="" xmlns:m="http://schemas.openxmlformats.org/officeDocument/2006/math" xmlns:a14="http://schemas.microsoft.com/office/drawing/2010/main" xmlns:ma14="http://schemas.microsoft.com/office/mac/drawingml/2011/main" val="1"/>
+              <ma14:wrappingTextBoxFlag xmlns:ma14="http://schemas.microsoft.com/office/mac/drawingml/2011/main" xmlns:a14="http://schemas.microsoft.com/office/drawing/2010/main" xmlns:m="http://schemas.openxmlformats.org/officeDocument/2006/math" xmlns="" val="1"/>
             </a:ext>
           </a:extLst>
         </p:spPr>
@@ -22117,7 +22117,7 @@
           </a:ln>
           <a:extLst>
             <a:ext uri="{C572A759-6A51-4108-AA02-DFA0A04FC94B}">
-              <ma14:wrappingTextBoxFlag xmlns="" xmlns:m="http://schemas.openxmlformats.org/officeDocument/2006/math" xmlns:a14="http://schemas.microsoft.com/office/drawing/2010/main" xmlns:ma14="http://schemas.microsoft.com/office/mac/drawingml/2011/main" val="1"/>
+              <ma14:wrappingTextBoxFlag xmlns:ma14="http://schemas.microsoft.com/office/mac/drawingml/2011/main" xmlns:a14="http://schemas.microsoft.com/office/drawing/2010/main" xmlns:m="http://schemas.openxmlformats.org/officeDocument/2006/math" xmlns="" val="1"/>
             </a:ext>
           </a:extLst>
         </p:spPr>
@@ -22196,7 +22196,7 @@
           </a:ln>
           <a:extLst>
             <a:ext uri="{C572A759-6A51-4108-AA02-DFA0A04FC94B}">
-              <ma14:wrappingTextBoxFlag xmlns="" xmlns:m="http://schemas.openxmlformats.org/officeDocument/2006/math" xmlns:a14="http://schemas.microsoft.com/office/drawing/2010/main" xmlns:ma14="http://schemas.microsoft.com/office/mac/drawingml/2011/main" val="1"/>
+              <ma14:wrappingTextBoxFlag xmlns:ma14="http://schemas.microsoft.com/office/mac/drawingml/2011/main" xmlns:a14="http://schemas.microsoft.com/office/drawing/2010/main" xmlns:m="http://schemas.openxmlformats.org/officeDocument/2006/math" xmlns="" val="1"/>
             </a:ext>
           </a:extLst>
         </p:spPr>
@@ -22231,7 +22231,7 @@
           </a:ln>
           <a:extLst>
             <a:ext uri="{C572A759-6A51-4108-AA02-DFA0A04FC94B}">
-              <ma14:wrappingTextBoxFlag xmlns="" xmlns:m="http://schemas.openxmlformats.org/officeDocument/2006/math" xmlns:a14="http://schemas.microsoft.com/office/drawing/2010/main" xmlns:ma14="http://schemas.microsoft.com/office/mac/drawingml/2011/main" val="1"/>
+              <ma14:wrappingTextBoxFlag xmlns:ma14="http://schemas.microsoft.com/office/mac/drawingml/2011/main" xmlns:a14="http://schemas.microsoft.com/office/drawing/2010/main" xmlns:m="http://schemas.openxmlformats.org/officeDocument/2006/math" xmlns="" val="1"/>
             </a:ext>
           </a:extLst>
         </p:spPr>
@@ -22364,7 +22364,7 @@
             <a:effectLst/>
             <a:extLst>
               <a:ext uri="{C572A759-6A51-4108-AA02-DFA0A04FC94B}">
-                <ma14:wrappingTextBoxFlag xmlns="" xmlns:m="http://schemas.openxmlformats.org/officeDocument/2006/math" xmlns:a14="http://schemas.microsoft.com/office/drawing/2010/main" xmlns:ma14="http://schemas.microsoft.com/office/mac/drawingml/2011/main" val="1"/>
+                <ma14:wrappingTextBoxFlag xmlns:ma14="http://schemas.microsoft.com/office/mac/drawingml/2011/main" xmlns:a14="http://schemas.microsoft.com/office/drawing/2010/main" xmlns:m="http://schemas.openxmlformats.org/officeDocument/2006/math" xmlns="" val="1"/>
               </a:ext>
             </a:extLst>
           </p:spPr>
@@ -22460,7 +22460,7 @@
             <a:effectLst/>
             <a:extLst>
               <a:ext uri="{C572A759-6A51-4108-AA02-DFA0A04FC94B}">
-                <ma14:wrappingTextBoxFlag xmlns="" xmlns:m="http://schemas.openxmlformats.org/officeDocument/2006/math" xmlns:a14="http://schemas.microsoft.com/office/drawing/2010/main" xmlns:ma14="http://schemas.microsoft.com/office/mac/drawingml/2011/main" val="1"/>
+                <ma14:wrappingTextBoxFlag xmlns:ma14="http://schemas.microsoft.com/office/mac/drawingml/2011/main" xmlns:a14="http://schemas.microsoft.com/office/drawing/2010/main" xmlns:m="http://schemas.openxmlformats.org/officeDocument/2006/math" xmlns="" val="1"/>
               </a:ext>
             </a:extLst>
           </p:spPr>
@@ -22818,7 +22818,7 @@
             <a:effectLst/>
             <a:extLst>
               <a:ext uri="{C572A759-6A51-4108-AA02-DFA0A04FC94B}">
-                <ma14:wrappingTextBoxFlag xmlns="" xmlns:m="http://schemas.openxmlformats.org/officeDocument/2006/math" xmlns:a14="http://schemas.microsoft.com/office/drawing/2010/main" xmlns:ma14="http://schemas.microsoft.com/office/mac/drawingml/2011/main" val="1"/>
+                <ma14:wrappingTextBoxFlag xmlns:ma14="http://schemas.microsoft.com/office/mac/drawingml/2011/main" xmlns:a14="http://schemas.microsoft.com/office/drawing/2010/main" xmlns:m="http://schemas.openxmlformats.org/officeDocument/2006/math" xmlns="" val="1"/>
               </a:ext>
             </a:extLst>
           </p:spPr>
@@ -22922,7 +22922,7 @@
             <a:effectLst/>
             <a:extLst>
               <a:ext uri="{C572A759-6A51-4108-AA02-DFA0A04FC94B}">
-                <ma14:wrappingTextBoxFlag xmlns="" xmlns:m="http://schemas.openxmlformats.org/officeDocument/2006/math" xmlns:a14="http://schemas.microsoft.com/office/drawing/2010/main" xmlns:ma14="http://schemas.microsoft.com/office/mac/drawingml/2011/main" val="1"/>
+                <ma14:wrappingTextBoxFlag xmlns:ma14="http://schemas.microsoft.com/office/mac/drawingml/2011/main" xmlns:a14="http://schemas.microsoft.com/office/drawing/2010/main" xmlns:m="http://schemas.openxmlformats.org/officeDocument/2006/math" xmlns="" val="1"/>
               </a:ext>
             </a:extLst>
           </p:spPr>
@@ -23026,7 +23026,7 @@
             <a:effectLst/>
             <a:extLst>
               <a:ext uri="{C572A759-6A51-4108-AA02-DFA0A04FC94B}">
-                <ma14:wrappingTextBoxFlag xmlns="" xmlns:m="http://schemas.openxmlformats.org/officeDocument/2006/math" xmlns:a14="http://schemas.microsoft.com/office/drawing/2010/main" xmlns:ma14="http://schemas.microsoft.com/office/mac/drawingml/2011/main" val="1"/>
+                <ma14:wrappingTextBoxFlag xmlns:ma14="http://schemas.microsoft.com/office/mac/drawingml/2011/main" xmlns:a14="http://schemas.microsoft.com/office/drawing/2010/main" xmlns:m="http://schemas.openxmlformats.org/officeDocument/2006/math" xmlns="" val="1"/>
               </a:ext>
             </a:extLst>
           </p:spPr>
@@ -24190,7 +24190,7 @@
           </a:ln>
           <a:extLst>
             <a:ext uri="{C572A759-6A51-4108-AA02-DFA0A04FC94B}">
-              <ma14:wrappingTextBoxFlag xmlns="" xmlns:m="http://schemas.openxmlformats.org/officeDocument/2006/math" xmlns:a14="http://schemas.microsoft.com/office/drawing/2010/main" xmlns:ma14="http://schemas.microsoft.com/office/mac/drawingml/2011/main" val="1"/>
+              <ma14:wrappingTextBoxFlag xmlns:ma14="http://schemas.microsoft.com/office/mac/drawingml/2011/main" xmlns:a14="http://schemas.microsoft.com/office/drawing/2010/main" xmlns:m="http://schemas.openxmlformats.org/officeDocument/2006/math" xmlns="" val="1"/>
             </a:ext>
           </a:extLst>
         </p:spPr>
@@ -24270,7 +24270,7 @@
           </a:ln>
           <a:extLst>
             <a:ext uri="{C572A759-6A51-4108-AA02-DFA0A04FC94B}">
-              <ma14:wrappingTextBoxFlag xmlns="" xmlns:m="http://schemas.openxmlformats.org/officeDocument/2006/math" xmlns:a14="http://schemas.microsoft.com/office/drawing/2010/main" xmlns:ma14="http://schemas.microsoft.com/office/mac/drawingml/2011/main" val="1"/>
+              <ma14:wrappingTextBoxFlag xmlns:ma14="http://schemas.microsoft.com/office/mac/drawingml/2011/main" xmlns:a14="http://schemas.microsoft.com/office/drawing/2010/main" xmlns:m="http://schemas.openxmlformats.org/officeDocument/2006/math" xmlns="" val="1"/>
             </a:ext>
           </a:extLst>
         </p:spPr>
@@ -24322,7 +24322,7 @@
           </a:ln>
           <a:extLst>
             <a:ext uri="{C572A759-6A51-4108-AA02-DFA0A04FC94B}">
-              <ma14:wrappingTextBoxFlag xmlns="" xmlns:m="http://schemas.openxmlformats.org/officeDocument/2006/math" xmlns:a14="http://schemas.microsoft.com/office/drawing/2010/main" xmlns:ma14="http://schemas.microsoft.com/office/mac/drawingml/2011/main" val="1"/>
+              <ma14:wrappingTextBoxFlag xmlns:ma14="http://schemas.microsoft.com/office/mac/drawingml/2011/main" xmlns:a14="http://schemas.microsoft.com/office/drawing/2010/main" xmlns:m="http://schemas.openxmlformats.org/officeDocument/2006/math" xmlns="" val="1"/>
             </a:ext>
           </a:extLst>
         </p:spPr>
@@ -24368,7 +24368,7 @@
           </a:ln>
           <a:extLst>
             <a:ext uri="{C572A759-6A51-4108-AA02-DFA0A04FC94B}">
-              <ma14:wrappingTextBoxFlag xmlns="" xmlns:m="http://schemas.openxmlformats.org/officeDocument/2006/math" xmlns:a14="http://schemas.microsoft.com/office/drawing/2010/main" xmlns:ma14="http://schemas.microsoft.com/office/mac/drawingml/2011/main" val="1"/>
+              <ma14:wrappingTextBoxFlag xmlns:ma14="http://schemas.microsoft.com/office/mac/drawingml/2011/main" xmlns:a14="http://schemas.microsoft.com/office/drawing/2010/main" xmlns:m="http://schemas.openxmlformats.org/officeDocument/2006/math" xmlns="" val="1"/>
             </a:ext>
           </a:extLst>
         </p:spPr>
@@ -25468,7 +25468,7 @@
           </a:ln>
           <a:extLst>
             <a:ext uri="{C572A759-6A51-4108-AA02-DFA0A04FC94B}">
-              <ma14:wrappingTextBoxFlag xmlns="" xmlns:m="http://schemas.openxmlformats.org/officeDocument/2006/math" xmlns:a14="http://schemas.microsoft.com/office/drawing/2010/main" xmlns:ma14="http://schemas.microsoft.com/office/mac/drawingml/2011/main" val="1"/>
+              <ma14:wrappingTextBoxFlag xmlns:ma14="http://schemas.microsoft.com/office/mac/drawingml/2011/main" xmlns:a14="http://schemas.microsoft.com/office/drawing/2010/main" xmlns:m="http://schemas.openxmlformats.org/officeDocument/2006/math" xmlns="" val="1"/>
             </a:ext>
           </a:extLst>
         </p:spPr>
@@ -26626,7 +26626,7 @@
           </a:ln>
           <a:extLst>
             <a:ext uri="{C572A759-6A51-4108-AA02-DFA0A04FC94B}">
-              <ma14:wrappingTextBoxFlag xmlns="" xmlns:m="http://schemas.openxmlformats.org/officeDocument/2006/math" xmlns:a14="http://schemas.microsoft.com/office/drawing/2010/main" xmlns:ma14="http://schemas.microsoft.com/office/mac/drawingml/2011/main" val="1"/>
+              <ma14:wrappingTextBoxFlag xmlns:ma14="http://schemas.microsoft.com/office/mac/drawingml/2011/main" xmlns:a14="http://schemas.microsoft.com/office/drawing/2010/main" xmlns:m="http://schemas.openxmlformats.org/officeDocument/2006/math" xmlns="" val="1"/>
             </a:ext>
           </a:extLst>
         </p:spPr>
@@ -27822,7 +27822,7 @@
             <a:effectLst/>
             <a:extLst>
               <a:ext uri="{C572A759-6A51-4108-AA02-DFA0A04FC94B}">
-                <ma14:wrappingTextBoxFlag xmlns="" xmlns:m="http://schemas.openxmlformats.org/officeDocument/2006/math" xmlns:a14="http://schemas.microsoft.com/office/drawing/2010/main" xmlns:ma14="http://schemas.microsoft.com/office/mac/drawingml/2011/main" val="1"/>
+                <ma14:wrappingTextBoxFlag xmlns:ma14="http://schemas.microsoft.com/office/mac/drawingml/2011/main" xmlns:a14="http://schemas.microsoft.com/office/drawing/2010/main" xmlns:m="http://schemas.openxmlformats.org/officeDocument/2006/math" xmlns="" val="1"/>
               </a:ext>
             </a:extLst>
           </p:spPr>
@@ -27922,7 +27922,7 @@
             <a:effectLst/>
             <a:extLst>
               <a:ext uri="{C572A759-6A51-4108-AA02-DFA0A04FC94B}">
-                <ma14:wrappingTextBoxFlag xmlns="" xmlns:m="http://schemas.openxmlformats.org/officeDocument/2006/math" xmlns:a14="http://schemas.microsoft.com/office/drawing/2010/main" xmlns:ma14="http://schemas.microsoft.com/office/mac/drawingml/2011/main" val="1"/>
+                <ma14:wrappingTextBoxFlag xmlns:ma14="http://schemas.microsoft.com/office/mac/drawingml/2011/main" xmlns:a14="http://schemas.microsoft.com/office/drawing/2010/main" xmlns:m="http://schemas.openxmlformats.org/officeDocument/2006/math" xmlns="" val="1"/>
               </a:ext>
             </a:extLst>
           </p:spPr>
@@ -29047,7 +29047,7 @@
           </a:ln>
           <a:extLst>
             <a:ext uri="{C572A759-6A51-4108-AA02-DFA0A04FC94B}">
-              <ma14:wrappingTextBoxFlag xmlns="" xmlns:m="http://schemas.openxmlformats.org/officeDocument/2006/math" xmlns:a14="http://schemas.microsoft.com/office/drawing/2010/main" xmlns:ma14="http://schemas.microsoft.com/office/mac/drawingml/2011/main" val="1"/>
+              <ma14:wrappingTextBoxFlag xmlns:ma14="http://schemas.microsoft.com/office/mac/drawingml/2011/main" xmlns:a14="http://schemas.microsoft.com/office/drawing/2010/main" xmlns:m="http://schemas.openxmlformats.org/officeDocument/2006/math" xmlns="" val="1"/>
             </a:ext>
           </a:extLst>
         </p:spPr>
@@ -29087,7 +29087,7 @@
           </a:ln>
           <a:extLst>
             <a:ext uri="{C572A759-6A51-4108-AA02-DFA0A04FC94B}">
-              <ma14:wrappingTextBoxFlag xmlns="" xmlns:m="http://schemas.openxmlformats.org/officeDocument/2006/math" xmlns:a14="http://schemas.microsoft.com/office/drawing/2010/main" xmlns:ma14="http://schemas.microsoft.com/office/mac/drawingml/2011/main" val="1"/>
+              <ma14:wrappingTextBoxFlag xmlns:ma14="http://schemas.microsoft.com/office/mac/drawingml/2011/main" xmlns:a14="http://schemas.microsoft.com/office/drawing/2010/main" xmlns:m="http://schemas.openxmlformats.org/officeDocument/2006/math" xmlns="" val="1"/>
             </a:ext>
           </a:extLst>
         </p:spPr>
@@ -29133,7 +29133,7 @@
           </a:ln>
           <a:extLst>
             <a:ext uri="{C572A759-6A51-4108-AA02-DFA0A04FC94B}">
-              <ma14:wrappingTextBoxFlag xmlns="" xmlns:m="http://schemas.openxmlformats.org/officeDocument/2006/math" xmlns:a14="http://schemas.microsoft.com/office/drawing/2010/main" xmlns:ma14="http://schemas.microsoft.com/office/mac/drawingml/2011/main" val="1"/>
+              <ma14:wrappingTextBoxFlag xmlns:ma14="http://schemas.microsoft.com/office/mac/drawingml/2011/main" xmlns:a14="http://schemas.microsoft.com/office/drawing/2010/main" xmlns:m="http://schemas.openxmlformats.org/officeDocument/2006/math" xmlns="" val="1"/>
             </a:ext>
           </a:extLst>
         </p:spPr>
@@ -29175,7 +29175,7 @@
           </a:ln>
           <a:extLst>
             <a:ext uri="{C572A759-6A51-4108-AA02-DFA0A04FC94B}">
-              <ma14:wrappingTextBoxFlag xmlns="" xmlns:m="http://schemas.openxmlformats.org/officeDocument/2006/math" xmlns:a14="http://schemas.microsoft.com/office/drawing/2010/main" xmlns:ma14="http://schemas.microsoft.com/office/mac/drawingml/2011/main" val="1"/>
+              <ma14:wrappingTextBoxFlag xmlns:ma14="http://schemas.microsoft.com/office/mac/drawingml/2011/main" xmlns:a14="http://schemas.microsoft.com/office/drawing/2010/main" xmlns:m="http://schemas.openxmlformats.org/officeDocument/2006/math" xmlns="" val="1"/>
             </a:ext>
           </a:extLst>
         </p:spPr>
@@ -29226,7 +29226,7 @@
           </a:ln>
           <a:extLst>
             <a:ext uri="{C572A759-6A51-4108-AA02-DFA0A04FC94B}">
-              <ma14:wrappingTextBoxFlag xmlns="" xmlns:m="http://schemas.openxmlformats.org/officeDocument/2006/math" xmlns:a14="http://schemas.microsoft.com/office/drawing/2010/main" xmlns:ma14="http://schemas.microsoft.com/office/mac/drawingml/2011/main" val="1"/>
+              <ma14:wrappingTextBoxFlag xmlns:ma14="http://schemas.microsoft.com/office/mac/drawingml/2011/main" xmlns:a14="http://schemas.microsoft.com/office/drawing/2010/main" xmlns:m="http://schemas.openxmlformats.org/officeDocument/2006/math" xmlns="" val="1"/>
             </a:ext>
           </a:extLst>
         </p:spPr>
@@ -29269,7 +29269,7 @@
           </a:ln>
           <a:extLst>
             <a:ext uri="{C572A759-6A51-4108-AA02-DFA0A04FC94B}">
-              <ma14:wrappingTextBoxFlag xmlns="" xmlns:m="http://schemas.openxmlformats.org/officeDocument/2006/math" xmlns:a14="http://schemas.microsoft.com/office/drawing/2010/main" xmlns:ma14="http://schemas.microsoft.com/office/mac/drawingml/2011/main" val="1"/>
+              <ma14:wrappingTextBoxFlag xmlns:ma14="http://schemas.microsoft.com/office/mac/drawingml/2011/main" xmlns:a14="http://schemas.microsoft.com/office/drawing/2010/main" xmlns:m="http://schemas.openxmlformats.org/officeDocument/2006/math" xmlns="" val="1"/>
             </a:ext>
           </a:extLst>
         </p:spPr>
@@ -29319,7 +29319,7 @@
           </a:ln>
           <a:extLst>
             <a:ext uri="{C572A759-6A51-4108-AA02-DFA0A04FC94B}">
-              <ma14:wrappingTextBoxFlag xmlns="" xmlns:m="http://schemas.openxmlformats.org/officeDocument/2006/math" xmlns:a14="http://schemas.microsoft.com/office/drawing/2010/main" xmlns:ma14="http://schemas.microsoft.com/office/mac/drawingml/2011/main" val="1"/>
+              <ma14:wrappingTextBoxFlag xmlns:ma14="http://schemas.microsoft.com/office/mac/drawingml/2011/main" xmlns:a14="http://schemas.microsoft.com/office/drawing/2010/main" xmlns:m="http://schemas.openxmlformats.org/officeDocument/2006/math" xmlns="" val="1"/>
             </a:ext>
           </a:extLst>
         </p:spPr>
@@ -29365,7 +29365,7 @@
           </a:ln>
           <a:extLst>
             <a:ext uri="{C572A759-6A51-4108-AA02-DFA0A04FC94B}">
-              <ma14:wrappingTextBoxFlag xmlns="" xmlns:m="http://schemas.openxmlformats.org/officeDocument/2006/math" xmlns:a14="http://schemas.microsoft.com/office/drawing/2010/main" xmlns:ma14="http://schemas.microsoft.com/office/mac/drawingml/2011/main" val="1"/>
+              <ma14:wrappingTextBoxFlag xmlns:ma14="http://schemas.microsoft.com/office/mac/drawingml/2011/main" xmlns:a14="http://schemas.microsoft.com/office/drawing/2010/main" xmlns:m="http://schemas.openxmlformats.org/officeDocument/2006/math" xmlns="" val="1"/>
             </a:ext>
           </a:extLst>
         </p:spPr>
@@ -29405,7 +29405,7 @@
           </a:ln>
           <a:extLst>
             <a:ext uri="{C572A759-6A51-4108-AA02-DFA0A04FC94B}">
-              <ma14:wrappingTextBoxFlag xmlns="" xmlns:m="http://schemas.openxmlformats.org/officeDocument/2006/math" xmlns:a14="http://schemas.microsoft.com/office/drawing/2010/main" xmlns:ma14="http://schemas.microsoft.com/office/mac/drawingml/2011/main" val="1"/>
+              <ma14:wrappingTextBoxFlag xmlns:ma14="http://schemas.microsoft.com/office/mac/drawingml/2011/main" xmlns:a14="http://schemas.microsoft.com/office/drawing/2010/main" xmlns:m="http://schemas.openxmlformats.org/officeDocument/2006/math" xmlns="" val="1"/>
             </a:ext>
           </a:extLst>
         </p:spPr>
@@ -29450,7 +29450,7 @@
           </a:ln>
           <a:extLst>
             <a:ext uri="{C572A759-6A51-4108-AA02-DFA0A04FC94B}">
-              <ma14:wrappingTextBoxFlag xmlns="" xmlns:m="http://schemas.openxmlformats.org/officeDocument/2006/math" xmlns:a14="http://schemas.microsoft.com/office/drawing/2010/main" xmlns:ma14="http://schemas.microsoft.com/office/mac/drawingml/2011/main" val="1"/>
+              <ma14:wrappingTextBoxFlag xmlns:ma14="http://schemas.microsoft.com/office/mac/drawingml/2011/main" xmlns:a14="http://schemas.microsoft.com/office/drawing/2010/main" xmlns:m="http://schemas.openxmlformats.org/officeDocument/2006/math" xmlns="" val="1"/>
             </a:ext>
           </a:extLst>
         </p:spPr>
@@ -29763,7 +29763,7 @@
             <a:effectLst/>
             <a:extLst>
               <a:ext uri="{C572A759-6A51-4108-AA02-DFA0A04FC94B}">
-                <ma14:wrappingTextBoxFlag xmlns="" xmlns:m="http://schemas.openxmlformats.org/officeDocument/2006/math" xmlns:a14="http://schemas.microsoft.com/office/drawing/2010/main" xmlns:ma14="http://schemas.microsoft.com/office/mac/drawingml/2011/main" val="1"/>
+                <ma14:wrappingTextBoxFlag xmlns:ma14="http://schemas.microsoft.com/office/mac/drawingml/2011/main" xmlns:a14="http://schemas.microsoft.com/office/drawing/2010/main" xmlns:m="http://schemas.openxmlformats.org/officeDocument/2006/math" xmlns="" val="1"/>
               </a:ext>
             </a:extLst>
           </p:spPr>
@@ -30903,7 +30903,7 @@
           </a:ln>
           <a:extLst>
             <a:ext uri="{C572A759-6A51-4108-AA02-DFA0A04FC94B}">
-              <ma14:wrappingTextBoxFlag xmlns="" xmlns:m="http://schemas.openxmlformats.org/officeDocument/2006/math" xmlns:a14="http://schemas.microsoft.com/office/drawing/2010/main" xmlns:ma14="http://schemas.microsoft.com/office/mac/drawingml/2011/main" val="1"/>
+              <ma14:wrappingTextBoxFlag xmlns:ma14="http://schemas.microsoft.com/office/mac/drawingml/2011/main" xmlns:a14="http://schemas.microsoft.com/office/drawing/2010/main" xmlns:m="http://schemas.openxmlformats.org/officeDocument/2006/math" xmlns="" val="1"/>
             </a:ext>
           </a:extLst>
         </p:spPr>
@@ -30953,7 +30953,7 @@
           </a:ln>
           <a:extLst>
             <a:ext uri="{C572A759-6A51-4108-AA02-DFA0A04FC94B}">
-              <ma14:wrappingTextBoxFlag xmlns="" xmlns:m="http://schemas.openxmlformats.org/officeDocument/2006/math" xmlns:a14="http://schemas.microsoft.com/office/drawing/2010/main" xmlns:ma14="http://schemas.microsoft.com/office/mac/drawingml/2011/main" val="1"/>
+              <ma14:wrappingTextBoxFlag xmlns:ma14="http://schemas.microsoft.com/office/mac/drawingml/2011/main" xmlns:a14="http://schemas.microsoft.com/office/drawing/2010/main" xmlns:m="http://schemas.openxmlformats.org/officeDocument/2006/math" xmlns="" val="1"/>
             </a:ext>
           </a:extLst>
         </p:spPr>
@@ -30993,7 +30993,7 @@
           </a:ln>
           <a:extLst>
             <a:ext uri="{C572A759-6A51-4108-AA02-DFA0A04FC94B}">
-              <ma14:wrappingTextBoxFlag xmlns="" xmlns:m="http://schemas.openxmlformats.org/officeDocument/2006/math" xmlns:a14="http://schemas.microsoft.com/office/drawing/2010/main" xmlns:ma14="http://schemas.microsoft.com/office/mac/drawingml/2011/main" val="1"/>
+              <ma14:wrappingTextBoxFlag xmlns:ma14="http://schemas.microsoft.com/office/mac/drawingml/2011/main" xmlns:a14="http://schemas.microsoft.com/office/drawing/2010/main" xmlns:m="http://schemas.openxmlformats.org/officeDocument/2006/math" xmlns="" val="1"/>
             </a:ext>
           </a:extLst>
         </p:spPr>
@@ -31039,7 +31039,7 @@
           </a:ln>
           <a:extLst>
             <a:ext uri="{C572A759-6A51-4108-AA02-DFA0A04FC94B}">
-              <ma14:wrappingTextBoxFlag xmlns="" xmlns:m="http://schemas.openxmlformats.org/officeDocument/2006/math" xmlns:a14="http://schemas.microsoft.com/office/drawing/2010/main" xmlns:ma14="http://schemas.microsoft.com/office/mac/drawingml/2011/main" val="1"/>
+              <ma14:wrappingTextBoxFlag xmlns:ma14="http://schemas.microsoft.com/office/mac/drawingml/2011/main" xmlns:a14="http://schemas.microsoft.com/office/drawing/2010/main" xmlns:m="http://schemas.openxmlformats.org/officeDocument/2006/math" xmlns="" val="1"/>
             </a:ext>
           </a:extLst>
         </p:spPr>
@@ -31089,7 +31089,7 @@
           </a:ln>
           <a:extLst>
             <a:ext uri="{C572A759-6A51-4108-AA02-DFA0A04FC94B}">
-              <ma14:wrappingTextBoxFlag xmlns="" xmlns:m="http://schemas.openxmlformats.org/officeDocument/2006/math" xmlns:a14="http://schemas.microsoft.com/office/drawing/2010/main" xmlns:ma14="http://schemas.microsoft.com/office/mac/drawingml/2011/main" val="1"/>
+              <ma14:wrappingTextBoxFlag xmlns:ma14="http://schemas.microsoft.com/office/mac/drawingml/2011/main" xmlns:a14="http://schemas.microsoft.com/office/drawing/2010/main" xmlns:m="http://schemas.openxmlformats.org/officeDocument/2006/math" xmlns="" val="1"/>
             </a:ext>
           </a:extLst>
         </p:spPr>
@@ -31166,7 +31166,7 @@
           </a:ln>
           <a:extLst>
             <a:ext uri="{C572A759-6A51-4108-AA02-DFA0A04FC94B}">
-              <ma14:wrappingTextBoxFlag xmlns="" xmlns:m="http://schemas.openxmlformats.org/officeDocument/2006/math" xmlns:a14="http://schemas.microsoft.com/office/drawing/2010/main" xmlns:ma14="http://schemas.microsoft.com/office/mac/drawingml/2011/main" val="1"/>
+              <ma14:wrappingTextBoxFlag xmlns:ma14="http://schemas.microsoft.com/office/mac/drawingml/2011/main" xmlns:a14="http://schemas.microsoft.com/office/drawing/2010/main" xmlns:m="http://schemas.openxmlformats.org/officeDocument/2006/math" xmlns="" val="1"/>
             </a:ext>
           </a:extLst>
         </p:spPr>
@@ -31211,7 +31211,7 @@
           </a:ln>
           <a:extLst>
             <a:ext uri="{C572A759-6A51-4108-AA02-DFA0A04FC94B}">
-              <ma14:wrappingTextBoxFlag xmlns="" xmlns:m="http://schemas.openxmlformats.org/officeDocument/2006/math" xmlns:a14="http://schemas.microsoft.com/office/drawing/2010/main" xmlns:ma14="http://schemas.microsoft.com/office/mac/drawingml/2011/main" val="1"/>
+              <ma14:wrappingTextBoxFlag xmlns:ma14="http://schemas.microsoft.com/office/mac/drawingml/2011/main" xmlns:a14="http://schemas.microsoft.com/office/drawing/2010/main" xmlns:m="http://schemas.openxmlformats.org/officeDocument/2006/math" xmlns="" val="1"/>
             </a:ext>
           </a:extLst>
         </p:spPr>
@@ -31256,7 +31256,7 @@
           </a:ln>
           <a:extLst>
             <a:ext uri="{C572A759-6A51-4108-AA02-DFA0A04FC94B}">
-              <ma14:wrappingTextBoxFlag xmlns="" xmlns:m="http://schemas.openxmlformats.org/officeDocument/2006/math" xmlns:a14="http://schemas.microsoft.com/office/drawing/2010/main" xmlns:ma14="http://schemas.microsoft.com/office/mac/drawingml/2011/main" val="1"/>
+              <ma14:wrappingTextBoxFlag xmlns:ma14="http://schemas.microsoft.com/office/mac/drawingml/2011/main" xmlns:a14="http://schemas.microsoft.com/office/drawing/2010/main" xmlns:m="http://schemas.openxmlformats.org/officeDocument/2006/math" xmlns="" val="1"/>
             </a:ext>
           </a:extLst>
         </p:spPr>
@@ -32511,7 +32511,7 @@
           </a:ln>
           <a:extLst>
             <a:ext uri="{C572A759-6A51-4108-AA02-DFA0A04FC94B}">
-              <ma14:wrappingTextBoxFlag xmlns="" xmlns:m="http://schemas.openxmlformats.org/officeDocument/2006/math" xmlns:a14="http://schemas.microsoft.com/office/drawing/2010/main" xmlns:ma14="http://schemas.microsoft.com/office/mac/drawingml/2011/main" val="1"/>
+              <ma14:wrappingTextBoxFlag xmlns:ma14="http://schemas.microsoft.com/office/mac/drawingml/2011/main" xmlns:a14="http://schemas.microsoft.com/office/drawing/2010/main" xmlns:m="http://schemas.openxmlformats.org/officeDocument/2006/math" xmlns="" val="1"/>
             </a:ext>
           </a:extLst>
         </p:spPr>
@@ -32606,7 +32606,7 @@
             <a:effectLst/>
             <a:extLst>
               <a:ext uri="{C572A759-6A51-4108-AA02-DFA0A04FC94B}">
-                <ma14:wrappingTextBoxFlag xmlns="" xmlns:m="http://schemas.openxmlformats.org/officeDocument/2006/math" xmlns:a14="http://schemas.microsoft.com/office/drawing/2010/main" xmlns:ma14="http://schemas.microsoft.com/office/mac/drawingml/2011/main" val="1"/>
+                <ma14:wrappingTextBoxFlag xmlns:ma14="http://schemas.microsoft.com/office/mac/drawingml/2011/main" xmlns:a14="http://schemas.microsoft.com/office/drawing/2010/main" xmlns:m="http://schemas.openxmlformats.org/officeDocument/2006/math" xmlns="" val="1"/>
               </a:ext>
             </a:extLst>
           </p:spPr>
@@ -32702,7 +32702,7 @@
             <a:effectLst/>
             <a:extLst>
               <a:ext uri="{C572A759-6A51-4108-AA02-DFA0A04FC94B}">
-                <ma14:wrappingTextBoxFlag xmlns="" xmlns:m="http://schemas.openxmlformats.org/officeDocument/2006/math" xmlns:a14="http://schemas.microsoft.com/office/drawing/2010/main" xmlns:ma14="http://schemas.microsoft.com/office/mac/drawingml/2011/main" val="1"/>
+                <ma14:wrappingTextBoxFlag xmlns:ma14="http://schemas.microsoft.com/office/mac/drawingml/2011/main" xmlns:a14="http://schemas.microsoft.com/office/drawing/2010/main" xmlns:m="http://schemas.openxmlformats.org/officeDocument/2006/math" xmlns="" val="1"/>
               </a:ext>
             </a:extLst>
           </p:spPr>
@@ -32798,7 +32798,7 @@
             <a:effectLst/>
             <a:extLst>
               <a:ext uri="{C572A759-6A51-4108-AA02-DFA0A04FC94B}">
-                <ma14:wrappingTextBoxFlag xmlns="" xmlns:m="http://schemas.openxmlformats.org/officeDocument/2006/math" xmlns:a14="http://schemas.microsoft.com/office/drawing/2010/main" xmlns:ma14="http://schemas.microsoft.com/office/mac/drawingml/2011/main" val="1"/>
+                <ma14:wrappingTextBoxFlag xmlns:ma14="http://schemas.microsoft.com/office/mac/drawingml/2011/main" xmlns:a14="http://schemas.microsoft.com/office/drawing/2010/main" xmlns:m="http://schemas.openxmlformats.org/officeDocument/2006/math" xmlns="" val="1"/>
               </a:ext>
             </a:extLst>
           </p:spPr>
@@ -32894,7 +32894,7 @@
             <a:effectLst/>
             <a:extLst>
               <a:ext uri="{C572A759-6A51-4108-AA02-DFA0A04FC94B}">
-                <ma14:wrappingTextBoxFlag xmlns="" xmlns:m="http://schemas.openxmlformats.org/officeDocument/2006/math" xmlns:a14="http://schemas.microsoft.com/office/drawing/2010/main" xmlns:ma14="http://schemas.microsoft.com/office/mac/drawingml/2011/main" val="1"/>
+                <ma14:wrappingTextBoxFlag xmlns:ma14="http://schemas.microsoft.com/office/mac/drawingml/2011/main" xmlns:a14="http://schemas.microsoft.com/office/drawing/2010/main" xmlns:m="http://schemas.openxmlformats.org/officeDocument/2006/math" xmlns="" val="1"/>
               </a:ext>
             </a:extLst>
           </p:spPr>
@@ -32990,7 +32990,7 @@
             <a:effectLst/>
             <a:extLst>
               <a:ext uri="{C572A759-6A51-4108-AA02-DFA0A04FC94B}">
-                <ma14:wrappingTextBoxFlag xmlns="" xmlns:m="http://schemas.openxmlformats.org/officeDocument/2006/math" xmlns:a14="http://schemas.microsoft.com/office/drawing/2010/main" xmlns:ma14="http://schemas.microsoft.com/office/mac/drawingml/2011/main" val="1"/>
+                <ma14:wrappingTextBoxFlag xmlns:ma14="http://schemas.microsoft.com/office/mac/drawingml/2011/main" xmlns:a14="http://schemas.microsoft.com/office/drawing/2010/main" xmlns:m="http://schemas.openxmlformats.org/officeDocument/2006/math" xmlns="" val="1"/>
               </a:ext>
             </a:extLst>
           </p:spPr>
@@ -33086,7 +33086,7 @@
             <a:effectLst/>
             <a:extLst>
               <a:ext uri="{C572A759-6A51-4108-AA02-DFA0A04FC94B}">
-                <ma14:wrappingTextBoxFlag xmlns="" xmlns:m="http://schemas.openxmlformats.org/officeDocument/2006/math" xmlns:a14="http://schemas.microsoft.com/office/drawing/2010/main" xmlns:ma14="http://schemas.microsoft.com/office/mac/drawingml/2011/main" val="1"/>
+                <ma14:wrappingTextBoxFlag xmlns:ma14="http://schemas.microsoft.com/office/mac/drawingml/2011/main" xmlns:a14="http://schemas.microsoft.com/office/drawing/2010/main" xmlns:m="http://schemas.openxmlformats.org/officeDocument/2006/math" xmlns="" val="1"/>
               </a:ext>
             </a:extLst>
           </p:spPr>
@@ -33377,7 +33377,7 @@
             <a:effectLst/>
             <a:extLst>
               <a:ext uri="{C572A759-6A51-4108-AA02-DFA0A04FC94B}">
-                <ma14:wrappingTextBoxFlag xmlns="" xmlns:m="http://schemas.openxmlformats.org/officeDocument/2006/math" xmlns:a14="http://schemas.microsoft.com/office/drawing/2010/main" xmlns:ma14="http://schemas.microsoft.com/office/mac/drawingml/2011/main" val="1"/>
+                <ma14:wrappingTextBoxFlag xmlns:ma14="http://schemas.microsoft.com/office/mac/drawingml/2011/main" xmlns:a14="http://schemas.microsoft.com/office/drawing/2010/main" xmlns:m="http://schemas.openxmlformats.org/officeDocument/2006/math" xmlns="" val="1"/>
               </a:ext>
             </a:extLst>
           </p:spPr>
@@ -33473,7 +33473,7 @@
             <a:effectLst/>
             <a:extLst>
               <a:ext uri="{C572A759-6A51-4108-AA02-DFA0A04FC94B}">
-                <ma14:wrappingTextBoxFlag xmlns="" xmlns:m="http://schemas.openxmlformats.org/officeDocument/2006/math" xmlns:a14="http://schemas.microsoft.com/office/drawing/2010/main" xmlns:ma14="http://schemas.microsoft.com/office/mac/drawingml/2011/main" val="1"/>
+                <ma14:wrappingTextBoxFlag xmlns:ma14="http://schemas.microsoft.com/office/mac/drawingml/2011/main" xmlns:a14="http://schemas.microsoft.com/office/drawing/2010/main" xmlns:m="http://schemas.openxmlformats.org/officeDocument/2006/math" xmlns="" val="1"/>
               </a:ext>
             </a:extLst>
           </p:spPr>
@@ -33608,7 +33608,7 @@
             <a:effectLst/>
             <a:extLst>
               <a:ext uri="{C572A759-6A51-4108-AA02-DFA0A04FC94B}">
-                <ma14:wrappingTextBoxFlag xmlns="" xmlns:m="http://schemas.openxmlformats.org/officeDocument/2006/math" xmlns:a14="http://schemas.microsoft.com/office/drawing/2010/main" xmlns:ma14="http://schemas.microsoft.com/office/mac/drawingml/2011/main" val="1"/>
+                <ma14:wrappingTextBoxFlag xmlns:ma14="http://schemas.microsoft.com/office/mac/drawingml/2011/main" xmlns:a14="http://schemas.microsoft.com/office/drawing/2010/main" xmlns:m="http://schemas.openxmlformats.org/officeDocument/2006/math" xmlns="" val="1"/>
               </a:ext>
             </a:extLst>
           </p:spPr>
@@ -33704,7 +33704,7 @@
             <a:effectLst/>
             <a:extLst>
               <a:ext uri="{C572A759-6A51-4108-AA02-DFA0A04FC94B}">
-                <ma14:wrappingTextBoxFlag xmlns="" xmlns:m="http://schemas.openxmlformats.org/officeDocument/2006/math" xmlns:a14="http://schemas.microsoft.com/office/drawing/2010/main" xmlns:ma14="http://schemas.microsoft.com/office/mac/drawingml/2011/main" val="1"/>
+                <ma14:wrappingTextBoxFlag xmlns:ma14="http://schemas.microsoft.com/office/mac/drawingml/2011/main" xmlns:a14="http://schemas.microsoft.com/office/drawing/2010/main" xmlns:m="http://schemas.openxmlformats.org/officeDocument/2006/math" xmlns="" val="1"/>
               </a:ext>
             </a:extLst>
           </p:spPr>
@@ -33800,7 +33800,7 @@
             <a:effectLst/>
             <a:extLst>
               <a:ext uri="{C572A759-6A51-4108-AA02-DFA0A04FC94B}">
-                <ma14:wrappingTextBoxFlag xmlns="" xmlns:m="http://schemas.openxmlformats.org/officeDocument/2006/math" xmlns:a14="http://schemas.microsoft.com/office/drawing/2010/main" xmlns:ma14="http://schemas.microsoft.com/office/mac/drawingml/2011/main" val="1"/>
+                <ma14:wrappingTextBoxFlag xmlns:ma14="http://schemas.microsoft.com/office/mac/drawingml/2011/main" xmlns:a14="http://schemas.microsoft.com/office/drawing/2010/main" xmlns:m="http://schemas.openxmlformats.org/officeDocument/2006/math" xmlns="" val="1"/>
               </a:ext>
             </a:extLst>
           </p:spPr>
@@ -33896,7 +33896,7 @@
             <a:effectLst/>
             <a:extLst>
               <a:ext uri="{C572A759-6A51-4108-AA02-DFA0A04FC94B}">
-                <ma14:wrappingTextBoxFlag xmlns="" xmlns:m="http://schemas.openxmlformats.org/officeDocument/2006/math" xmlns:a14="http://schemas.microsoft.com/office/drawing/2010/main" xmlns:ma14="http://schemas.microsoft.com/office/mac/drawingml/2011/main" val="1"/>
+                <ma14:wrappingTextBoxFlag xmlns:ma14="http://schemas.microsoft.com/office/mac/drawingml/2011/main" xmlns:a14="http://schemas.microsoft.com/office/drawing/2010/main" xmlns:m="http://schemas.openxmlformats.org/officeDocument/2006/math" xmlns="" val="1"/>
               </a:ext>
             </a:extLst>
           </p:spPr>
@@ -34031,7 +34031,7 @@
             <a:effectLst/>
             <a:extLst>
               <a:ext uri="{C572A759-6A51-4108-AA02-DFA0A04FC94B}">
-                <ma14:wrappingTextBoxFlag xmlns="" xmlns:m="http://schemas.openxmlformats.org/officeDocument/2006/math" xmlns:a14="http://schemas.microsoft.com/office/drawing/2010/main" xmlns:ma14="http://schemas.microsoft.com/office/mac/drawingml/2011/main" val="1"/>
+                <ma14:wrappingTextBoxFlag xmlns:ma14="http://schemas.microsoft.com/office/mac/drawingml/2011/main" xmlns:a14="http://schemas.microsoft.com/office/drawing/2010/main" xmlns:m="http://schemas.openxmlformats.org/officeDocument/2006/math" xmlns="" val="1"/>
               </a:ext>
             </a:extLst>
           </p:spPr>
@@ -34166,7 +34166,7 @@
             <a:effectLst/>
             <a:extLst>
               <a:ext uri="{C572A759-6A51-4108-AA02-DFA0A04FC94B}">
-                <ma14:wrappingTextBoxFlag xmlns="" xmlns:m="http://schemas.openxmlformats.org/officeDocument/2006/math" xmlns:a14="http://schemas.microsoft.com/office/drawing/2010/main" xmlns:ma14="http://schemas.microsoft.com/office/mac/drawingml/2011/main" val="1"/>
+                <ma14:wrappingTextBoxFlag xmlns:ma14="http://schemas.microsoft.com/office/mac/drawingml/2011/main" xmlns:a14="http://schemas.microsoft.com/office/drawing/2010/main" xmlns:m="http://schemas.openxmlformats.org/officeDocument/2006/math" xmlns="" val="1"/>
               </a:ext>
             </a:extLst>
           </p:spPr>
@@ -34340,7 +34340,7 @@
             <a:effectLst/>
             <a:extLst>
               <a:ext uri="{C572A759-6A51-4108-AA02-DFA0A04FC94B}">
-                <ma14:wrappingTextBoxFlag xmlns="" xmlns:m="http://schemas.openxmlformats.org/officeDocument/2006/math" xmlns:a14="http://schemas.microsoft.com/office/drawing/2010/main" xmlns:ma14="http://schemas.microsoft.com/office/mac/drawingml/2011/main" val="1"/>
+                <ma14:wrappingTextBoxFlag xmlns:ma14="http://schemas.microsoft.com/office/mac/drawingml/2011/main" xmlns:a14="http://schemas.microsoft.com/office/drawing/2010/main" xmlns:m="http://schemas.openxmlformats.org/officeDocument/2006/math" xmlns="" val="1"/>
               </a:ext>
             </a:extLst>
           </p:spPr>
@@ -34475,7 +34475,7 @@
             <a:effectLst/>
             <a:extLst>
               <a:ext uri="{C572A759-6A51-4108-AA02-DFA0A04FC94B}">
-                <ma14:wrappingTextBoxFlag xmlns="" xmlns:m="http://schemas.openxmlformats.org/officeDocument/2006/math" xmlns:a14="http://schemas.microsoft.com/office/drawing/2010/main" xmlns:ma14="http://schemas.microsoft.com/office/mac/drawingml/2011/main" val="1"/>
+                <ma14:wrappingTextBoxFlag xmlns:ma14="http://schemas.microsoft.com/office/mac/drawingml/2011/main" xmlns:a14="http://schemas.microsoft.com/office/drawing/2010/main" xmlns:m="http://schemas.openxmlformats.org/officeDocument/2006/math" xmlns="" val="1"/>
               </a:ext>
             </a:extLst>
           </p:spPr>
@@ -34571,7 +34571,7 @@
             <a:effectLst/>
             <a:extLst>
               <a:ext uri="{C572A759-6A51-4108-AA02-DFA0A04FC94B}">
-                <ma14:wrappingTextBoxFlag xmlns="" xmlns:m="http://schemas.openxmlformats.org/officeDocument/2006/math" xmlns:a14="http://schemas.microsoft.com/office/drawing/2010/main" xmlns:ma14="http://schemas.microsoft.com/office/mac/drawingml/2011/main" val="1"/>
+                <ma14:wrappingTextBoxFlag xmlns:ma14="http://schemas.microsoft.com/office/mac/drawingml/2011/main" xmlns:a14="http://schemas.microsoft.com/office/drawing/2010/main" xmlns:m="http://schemas.openxmlformats.org/officeDocument/2006/math" xmlns="" val="1"/>
               </a:ext>
             </a:extLst>
           </p:spPr>
@@ -34613,7 +34613,7 @@
           </a:ln>
           <a:extLst>
             <a:ext uri="{C572A759-6A51-4108-AA02-DFA0A04FC94B}">
-              <ma14:wrappingTextBoxFlag xmlns="" xmlns:m="http://schemas.openxmlformats.org/officeDocument/2006/math" xmlns:a14="http://schemas.microsoft.com/office/drawing/2010/main" xmlns:ma14="http://schemas.microsoft.com/office/mac/drawingml/2011/main" val="1"/>
+              <ma14:wrappingTextBoxFlag xmlns:ma14="http://schemas.microsoft.com/office/mac/drawingml/2011/main" xmlns:a14="http://schemas.microsoft.com/office/drawing/2010/main" xmlns:m="http://schemas.openxmlformats.org/officeDocument/2006/math" xmlns="" val="1"/>
             </a:ext>
           </a:extLst>
         </p:spPr>
@@ -34708,7 +34708,7 @@
             <a:effectLst/>
             <a:extLst>
               <a:ext uri="{C572A759-6A51-4108-AA02-DFA0A04FC94B}">
-                <ma14:wrappingTextBoxFlag xmlns="" xmlns:m="http://schemas.openxmlformats.org/officeDocument/2006/math" xmlns:a14="http://schemas.microsoft.com/office/drawing/2010/main" xmlns:ma14="http://schemas.microsoft.com/office/mac/drawingml/2011/main" val="1"/>
+                <ma14:wrappingTextBoxFlag xmlns:ma14="http://schemas.microsoft.com/office/mac/drawingml/2011/main" xmlns:a14="http://schemas.microsoft.com/office/drawing/2010/main" xmlns:m="http://schemas.openxmlformats.org/officeDocument/2006/math" xmlns="" val="1"/>
               </a:ext>
             </a:extLst>
           </p:spPr>
@@ -34843,7 +34843,7 @@
             <a:effectLst/>
             <a:extLst>
               <a:ext uri="{C572A759-6A51-4108-AA02-DFA0A04FC94B}">
-                <ma14:wrappingTextBoxFlag xmlns="" xmlns:m="http://schemas.openxmlformats.org/officeDocument/2006/math" xmlns:a14="http://schemas.microsoft.com/office/drawing/2010/main" xmlns:ma14="http://schemas.microsoft.com/office/mac/drawingml/2011/main" val="1"/>
+                <ma14:wrappingTextBoxFlag xmlns:ma14="http://schemas.microsoft.com/office/mac/drawingml/2011/main" xmlns:a14="http://schemas.microsoft.com/office/drawing/2010/main" xmlns:m="http://schemas.openxmlformats.org/officeDocument/2006/math" xmlns="" val="1"/>
               </a:ext>
             </a:extLst>
           </p:spPr>
@@ -34939,7 +34939,7 @@
             <a:effectLst/>
             <a:extLst>
               <a:ext uri="{C572A759-6A51-4108-AA02-DFA0A04FC94B}">
-                <ma14:wrappingTextBoxFlag xmlns="" xmlns:m="http://schemas.openxmlformats.org/officeDocument/2006/math" xmlns:a14="http://schemas.microsoft.com/office/drawing/2010/main" xmlns:ma14="http://schemas.microsoft.com/office/mac/drawingml/2011/main" val="1"/>
+                <ma14:wrappingTextBoxFlag xmlns:ma14="http://schemas.microsoft.com/office/mac/drawingml/2011/main" xmlns:a14="http://schemas.microsoft.com/office/drawing/2010/main" xmlns:m="http://schemas.openxmlformats.org/officeDocument/2006/math" xmlns="" val="1"/>
               </a:ext>
             </a:extLst>
           </p:spPr>
@@ -35074,7 +35074,7 @@
             <a:effectLst/>
             <a:extLst>
               <a:ext uri="{C572A759-6A51-4108-AA02-DFA0A04FC94B}">
-                <ma14:wrappingTextBoxFlag xmlns="" xmlns:m="http://schemas.openxmlformats.org/officeDocument/2006/math" xmlns:a14="http://schemas.microsoft.com/office/drawing/2010/main" xmlns:ma14="http://schemas.microsoft.com/office/mac/drawingml/2011/main" val="1"/>
+                <ma14:wrappingTextBoxFlag xmlns:ma14="http://schemas.microsoft.com/office/mac/drawingml/2011/main" xmlns:a14="http://schemas.microsoft.com/office/drawing/2010/main" xmlns:m="http://schemas.openxmlformats.org/officeDocument/2006/math" xmlns="" val="1"/>
               </a:ext>
             </a:extLst>
           </p:spPr>
@@ -35170,7 +35170,7 @@
             <a:effectLst/>
             <a:extLst>
               <a:ext uri="{C572A759-6A51-4108-AA02-DFA0A04FC94B}">
-                <ma14:wrappingTextBoxFlag xmlns="" xmlns:m="http://schemas.openxmlformats.org/officeDocument/2006/math" xmlns:a14="http://schemas.microsoft.com/office/drawing/2010/main" xmlns:ma14="http://schemas.microsoft.com/office/mac/drawingml/2011/main" val="1"/>
+                <ma14:wrappingTextBoxFlag xmlns:ma14="http://schemas.microsoft.com/office/mac/drawingml/2011/main" xmlns:a14="http://schemas.microsoft.com/office/drawing/2010/main" xmlns:m="http://schemas.openxmlformats.org/officeDocument/2006/math" xmlns="" val="1"/>
               </a:ext>
             </a:extLst>
           </p:spPr>
@@ -36495,7 +36495,7 @@
           </a:ln>
           <a:extLst>
             <a:ext uri="{C572A759-6A51-4108-AA02-DFA0A04FC94B}">
-              <ma14:wrappingTextBoxFlag xmlns="" xmlns:m="http://schemas.openxmlformats.org/officeDocument/2006/math" xmlns:a14="http://schemas.microsoft.com/office/drawing/2010/main" xmlns:ma14="http://schemas.microsoft.com/office/mac/drawingml/2011/main" val="1"/>
+              <ma14:wrappingTextBoxFlag xmlns:ma14="http://schemas.microsoft.com/office/mac/drawingml/2011/main" xmlns:a14="http://schemas.microsoft.com/office/drawing/2010/main" xmlns:m="http://schemas.openxmlformats.org/officeDocument/2006/math" xmlns="" val="1"/>
             </a:ext>
           </a:extLst>
         </p:spPr>
@@ -36586,7 +36586,7 @@
             <a:effectLst/>
             <a:extLst>
               <a:ext uri="{C572A759-6A51-4108-AA02-DFA0A04FC94B}">
-                <ma14:wrappingTextBoxFlag xmlns="" xmlns:m="http://schemas.openxmlformats.org/officeDocument/2006/math" xmlns:a14="http://schemas.microsoft.com/office/drawing/2010/main" xmlns:ma14="http://schemas.microsoft.com/office/mac/drawingml/2011/main" val="1"/>
+                <ma14:wrappingTextBoxFlag xmlns:ma14="http://schemas.microsoft.com/office/mac/drawingml/2011/main" xmlns:a14="http://schemas.microsoft.com/office/drawing/2010/main" xmlns:m="http://schemas.openxmlformats.org/officeDocument/2006/math" xmlns="" val="1"/>
               </a:ext>
             </a:extLst>
           </p:spPr>
@@ -36682,7 +36682,7 @@
             <a:effectLst/>
             <a:extLst>
               <a:ext uri="{C572A759-6A51-4108-AA02-DFA0A04FC94B}">
-                <ma14:wrappingTextBoxFlag xmlns="" xmlns:m="http://schemas.openxmlformats.org/officeDocument/2006/math" xmlns:a14="http://schemas.microsoft.com/office/drawing/2010/main" xmlns:ma14="http://schemas.microsoft.com/office/mac/drawingml/2011/main" val="1"/>
+                <ma14:wrappingTextBoxFlag xmlns:ma14="http://schemas.microsoft.com/office/mac/drawingml/2011/main" xmlns:a14="http://schemas.microsoft.com/office/drawing/2010/main" xmlns:m="http://schemas.openxmlformats.org/officeDocument/2006/math" xmlns="" val="1"/>
               </a:ext>
             </a:extLst>
           </p:spPr>
@@ -36848,7 +36848,7 @@
             <a:effectLst/>
             <a:extLst>
               <a:ext uri="{C572A759-6A51-4108-AA02-DFA0A04FC94B}">
-                <ma14:wrappingTextBoxFlag xmlns="" xmlns:m="http://schemas.openxmlformats.org/officeDocument/2006/math" xmlns:a14="http://schemas.microsoft.com/office/drawing/2010/main" xmlns:ma14="http://schemas.microsoft.com/office/mac/drawingml/2011/main" val="1"/>
+                <ma14:wrappingTextBoxFlag xmlns:ma14="http://schemas.microsoft.com/office/mac/drawingml/2011/main" xmlns:a14="http://schemas.microsoft.com/office/drawing/2010/main" xmlns:m="http://schemas.openxmlformats.org/officeDocument/2006/math" xmlns="" val="1"/>
               </a:ext>
             </a:extLst>
           </p:spPr>
@@ -36944,7 +36944,7 @@
             <a:effectLst/>
             <a:extLst>
               <a:ext uri="{C572A759-6A51-4108-AA02-DFA0A04FC94B}">
-                <ma14:wrappingTextBoxFlag xmlns="" xmlns:m="http://schemas.openxmlformats.org/officeDocument/2006/math" xmlns:a14="http://schemas.microsoft.com/office/drawing/2010/main" xmlns:ma14="http://schemas.microsoft.com/office/mac/drawingml/2011/main" val="1"/>
+                <ma14:wrappingTextBoxFlag xmlns:ma14="http://schemas.microsoft.com/office/mac/drawingml/2011/main" xmlns:a14="http://schemas.microsoft.com/office/drawing/2010/main" xmlns:m="http://schemas.openxmlformats.org/officeDocument/2006/math" xmlns="" val="1"/>
               </a:ext>
             </a:extLst>
           </p:spPr>
@@ -37103,7 +37103,7 @@
             <a:effectLst/>
             <a:extLst>
               <a:ext uri="{C572A759-6A51-4108-AA02-DFA0A04FC94B}">
-                <ma14:wrappingTextBoxFlag xmlns="" xmlns:m="http://schemas.openxmlformats.org/officeDocument/2006/math" xmlns:a14="http://schemas.microsoft.com/office/drawing/2010/main" xmlns:ma14="http://schemas.microsoft.com/office/mac/drawingml/2011/main" val="1"/>
+                <ma14:wrappingTextBoxFlag xmlns:ma14="http://schemas.microsoft.com/office/mac/drawingml/2011/main" xmlns:a14="http://schemas.microsoft.com/office/drawing/2010/main" xmlns:m="http://schemas.openxmlformats.org/officeDocument/2006/math" xmlns="" val="1"/>
               </a:ext>
             </a:extLst>
           </p:spPr>
@@ -37199,7 +37199,7 @@
             <a:effectLst/>
             <a:extLst>
               <a:ext uri="{C572A759-6A51-4108-AA02-DFA0A04FC94B}">
-                <ma14:wrappingTextBoxFlag xmlns="" xmlns:m="http://schemas.openxmlformats.org/officeDocument/2006/math" xmlns:a14="http://schemas.microsoft.com/office/drawing/2010/main" xmlns:ma14="http://schemas.microsoft.com/office/mac/drawingml/2011/main" val="1"/>
+                <ma14:wrappingTextBoxFlag xmlns:ma14="http://schemas.microsoft.com/office/mac/drawingml/2011/main" xmlns:a14="http://schemas.microsoft.com/office/drawing/2010/main" xmlns:m="http://schemas.openxmlformats.org/officeDocument/2006/math" xmlns="" val="1"/>
               </a:ext>
             </a:extLst>
           </p:spPr>
@@ -37386,7 +37386,7 @@
             <a:effectLst/>
             <a:extLst>
               <a:ext uri="{C572A759-6A51-4108-AA02-DFA0A04FC94B}">
-                <ma14:wrappingTextBoxFlag xmlns="" xmlns:m="http://schemas.openxmlformats.org/officeDocument/2006/math" xmlns:a14="http://schemas.microsoft.com/office/drawing/2010/main" xmlns:ma14="http://schemas.microsoft.com/office/mac/drawingml/2011/main" val="1"/>
+                <ma14:wrappingTextBoxFlag xmlns:ma14="http://schemas.microsoft.com/office/mac/drawingml/2011/main" xmlns:a14="http://schemas.microsoft.com/office/drawing/2010/main" xmlns:m="http://schemas.openxmlformats.org/officeDocument/2006/math" xmlns="" val="1"/>
               </a:ext>
             </a:extLst>
           </p:spPr>
@@ -37519,7 +37519,7 @@
             <a:effectLst/>
             <a:extLst>
               <a:ext uri="{C572A759-6A51-4108-AA02-DFA0A04FC94B}">
-                <ma14:wrappingTextBoxFlag xmlns="" xmlns:m="http://schemas.openxmlformats.org/officeDocument/2006/math" xmlns:a14="http://schemas.microsoft.com/office/drawing/2010/main" xmlns:ma14="http://schemas.microsoft.com/office/mac/drawingml/2011/main" val="1"/>
+                <ma14:wrappingTextBoxFlag xmlns:ma14="http://schemas.microsoft.com/office/mac/drawingml/2011/main" xmlns:a14="http://schemas.microsoft.com/office/drawing/2010/main" xmlns:m="http://schemas.openxmlformats.org/officeDocument/2006/math" xmlns="" val="1"/>
               </a:ext>
             </a:extLst>
           </p:spPr>
@@ -37570,28 +37570,9 @@
           <a:chExt cx="0" cy="0"/>
         </a:xfrm>
       </p:grpSpPr>
-      <p:sp>
-        <p:nvSpPr>
-          <p:cNvPr id="3" name="텍스트 개체 틀 2"/>
-          <p:cNvSpPr>
-            <a:spLocks noGrp="1"/>
-          </p:cNvSpPr>
-          <p:nvPr>
-            <p:ph type="body" idx="1"/>
-          </p:nvPr>
-        </p:nvSpPr>
-        <p:spPr/>
-        <p:txBody>
-          <a:bodyPr/>
-          <a:lstStyle/>
-          <a:p>
-            <a:endParaRPr lang="ko-KR" altLang="en-US"/>
-          </a:p>
-        </p:txBody>
-      </p:sp>
       <p:pic>
         <p:nvPicPr>
-          <p:cNvPr id="4" name="그림 3"/>
+          <p:cNvPr id="9" name="그림 8"/>
           <p:cNvPicPr>
             <a:picLocks noChangeAspect="1"/>
           </p:cNvPicPr>
@@ -37605,8 +37586,8 @@
         </p:blipFill>
         <p:spPr>
           <a:xfrm>
-            <a:off x="0" y="226337"/>
-            <a:ext cx="12192000" cy="6409853"/>
+            <a:off x="0" y="1062231"/>
+            <a:ext cx="12192000" cy="4733538"/>
           </a:xfrm>
           <a:prstGeom prst="rect">
             <a:avLst/>
@@ -37629,7 +37610,7 @@
         </p:blipFill>
         <p:spPr>
           <a:xfrm>
-            <a:off x="207428" y="2908945"/>
+            <a:off x="108179" y="2709334"/>
             <a:ext cx="2418077" cy="717172"/>
           </a:xfrm>
           <a:prstGeom prst="rect">
@@ -37763,6 +37744,54 @@
           </a:prstGeom>
         </p:spPr>
       </p:pic>
+      <p:pic>
+        <p:nvPicPr>
+          <p:cNvPr id="10" name="그림 9"/>
+          <p:cNvPicPr>
+            <a:picLocks noChangeAspect="1"/>
+          </p:cNvPicPr>
+          <p:nvPr/>
+        </p:nvPicPr>
+        <p:blipFill>
+          <a:blip r:embed="rId6"/>
+          <a:stretch>
+            <a:fillRect/>
+          </a:stretch>
+        </p:blipFill>
+        <p:spPr>
+          <a:xfrm>
+            <a:off x="4894199" y="4071089"/>
+            <a:ext cx="5210175" cy="942975"/>
+          </a:xfrm>
+          <a:prstGeom prst="rect">
+            <a:avLst/>
+          </a:prstGeom>
+        </p:spPr>
+      </p:pic>
+      <p:pic>
+        <p:nvPicPr>
+          <p:cNvPr id="11" name="그림 10"/>
+          <p:cNvPicPr>
+            <a:picLocks noChangeAspect="1"/>
+          </p:cNvPicPr>
+          <p:nvPr/>
+        </p:nvPicPr>
+        <p:blipFill>
+          <a:blip r:embed="rId7"/>
+          <a:stretch>
+            <a:fillRect/>
+          </a:stretch>
+        </p:blipFill>
+        <p:spPr>
+          <a:xfrm>
+            <a:off x="4894199" y="5201782"/>
+            <a:ext cx="4191000" cy="800100"/>
+          </a:xfrm>
+          <a:prstGeom prst="rect">
+            <a:avLst/>
+          </a:prstGeom>
+        </p:spPr>
+      </p:pic>
     </p:spTree>
     <p:extLst>
       <p:ext uri="{BB962C8B-B14F-4D97-AF65-F5344CB8AC3E}">
@@ -38823,7 +38852,7 @@
           </a:ln>
           <a:extLst>
             <a:ext uri="{C572A759-6A51-4108-AA02-DFA0A04FC94B}">
-              <ma14:wrappingTextBoxFlag xmlns="" xmlns:m="http://schemas.openxmlformats.org/officeDocument/2006/math" xmlns:a14="http://schemas.microsoft.com/office/drawing/2010/main" xmlns:ma14="http://schemas.microsoft.com/office/mac/drawingml/2011/main" val="1"/>
+              <ma14:wrappingTextBoxFlag xmlns:ma14="http://schemas.microsoft.com/office/mac/drawingml/2011/main" xmlns:a14="http://schemas.microsoft.com/office/drawing/2010/main" xmlns:m="http://schemas.openxmlformats.org/officeDocument/2006/math" xmlns="" val="1"/>
             </a:ext>
           </a:extLst>
         </p:spPr>
@@ -38914,7 +38943,7 @@
             <a:effectLst/>
             <a:extLst>
               <a:ext uri="{C572A759-6A51-4108-AA02-DFA0A04FC94B}">
-                <ma14:wrappingTextBoxFlag xmlns="" xmlns:m="http://schemas.openxmlformats.org/officeDocument/2006/math" xmlns:a14="http://schemas.microsoft.com/office/drawing/2010/main" xmlns:ma14="http://schemas.microsoft.com/office/mac/drawingml/2011/main" val="1"/>
+                <ma14:wrappingTextBoxFlag xmlns:ma14="http://schemas.microsoft.com/office/mac/drawingml/2011/main" xmlns:a14="http://schemas.microsoft.com/office/drawing/2010/main" xmlns:m="http://schemas.openxmlformats.org/officeDocument/2006/math" xmlns="" val="1"/>
               </a:ext>
             </a:extLst>
           </p:spPr>
@@ -39010,7 +39039,7 @@
             <a:effectLst/>
             <a:extLst>
               <a:ext uri="{C572A759-6A51-4108-AA02-DFA0A04FC94B}">
-                <ma14:wrappingTextBoxFlag xmlns="" xmlns:m="http://schemas.openxmlformats.org/officeDocument/2006/math" xmlns:a14="http://schemas.microsoft.com/office/drawing/2010/main" xmlns:ma14="http://schemas.microsoft.com/office/mac/drawingml/2011/main" val="1"/>
+                <ma14:wrappingTextBoxFlag xmlns:ma14="http://schemas.microsoft.com/office/mac/drawingml/2011/main" xmlns:a14="http://schemas.microsoft.com/office/drawing/2010/main" xmlns:m="http://schemas.openxmlformats.org/officeDocument/2006/math" xmlns="" val="1"/>
               </a:ext>
             </a:extLst>
           </p:spPr>
@@ -39176,7 +39205,7 @@
             <a:effectLst/>
             <a:extLst>
               <a:ext uri="{C572A759-6A51-4108-AA02-DFA0A04FC94B}">
-                <ma14:wrappingTextBoxFlag xmlns="" xmlns:m="http://schemas.openxmlformats.org/officeDocument/2006/math" xmlns:a14="http://schemas.microsoft.com/office/drawing/2010/main" xmlns:ma14="http://schemas.microsoft.com/office/mac/drawingml/2011/main" val="1"/>
+                <ma14:wrappingTextBoxFlag xmlns:ma14="http://schemas.microsoft.com/office/mac/drawingml/2011/main" xmlns:a14="http://schemas.microsoft.com/office/drawing/2010/main" xmlns:m="http://schemas.openxmlformats.org/officeDocument/2006/math" xmlns="" val="1"/>
               </a:ext>
             </a:extLst>
           </p:spPr>
@@ -39272,7 +39301,7 @@
             <a:effectLst/>
             <a:extLst>
               <a:ext uri="{C572A759-6A51-4108-AA02-DFA0A04FC94B}">
-                <ma14:wrappingTextBoxFlag xmlns="" xmlns:m="http://schemas.openxmlformats.org/officeDocument/2006/math" xmlns:a14="http://schemas.microsoft.com/office/drawing/2010/main" xmlns:ma14="http://schemas.microsoft.com/office/mac/drawingml/2011/main" val="1"/>
+                <ma14:wrappingTextBoxFlag xmlns:ma14="http://schemas.microsoft.com/office/mac/drawingml/2011/main" xmlns:a14="http://schemas.microsoft.com/office/drawing/2010/main" xmlns:m="http://schemas.openxmlformats.org/officeDocument/2006/math" xmlns="" val="1"/>
               </a:ext>
             </a:extLst>
           </p:spPr>
@@ -39402,7 +39431,7 @@
             <a:effectLst/>
             <a:extLst>
               <a:ext uri="{C572A759-6A51-4108-AA02-DFA0A04FC94B}">
-                <ma14:wrappingTextBoxFlag xmlns="" xmlns:m="http://schemas.openxmlformats.org/officeDocument/2006/math" xmlns:a14="http://schemas.microsoft.com/office/drawing/2010/main" xmlns:ma14="http://schemas.microsoft.com/office/mac/drawingml/2011/main" val="1"/>
+                <ma14:wrappingTextBoxFlag xmlns:ma14="http://schemas.microsoft.com/office/mac/drawingml/2011/main" xmlns:a14="http://schemas.microsoft.com/office/drawing/2010/main" xmlns:m="http://schemas.openxmlformats.org/officeDocument/2006/math" xmlns="" val="1"/>
               </a:ext>
             </a:extLst>
           </p:spPr>
@@ -39498,7 +39527,7 @@
             <a:effectLst/>
             <a:extLst>
               <a:ext uri="{C572A759-6A51-4108-AA02-DFA0A04FC94B}">
-                <ma14:wrappingTextBoxFlag xmlns="" xmlns:m="http://schemas.openxmlformats.org/officeDocument/2006/math" xmlns:a14="http://schemas.microsoft.com/office/drawing/2010/main" xmlns:ma14="http://schemas.microsoft.com/office/mac/drawingml/2011/main" val="1"/>
+                <ma14:wrappingTextBoxFlag xmlns:ma14="http://schemas.microsoft.com/office/mac/drawingml/2011/main" xmlns:a14="http://schemas.microsoft.com/office/drawing/2010/main" xmlns:m="http://schemas.openxmlformats.org/officeDocument/2006/math" xmlns="" val="1"/>
               </a:ext>
             </a:extLst>
           </p:spPr>

--- a/project03 화면설계서/project03 - 화면 설계서 - 용승.pptx
+++ b/project03 화면설계서/project03 - 화면 설계서 - 용승.pptx
@@ -1875,7 +1875,7 @@
           </a:ln>
           <a:extLst>
             <a:ext uri="{C572A759-6A51-4108-AA02-DFA0A04FC94B}">
-              <ma14:wrappingTextBoxFlag xmlns:ma14="http://schemas.microsoft.com/office/mac/drawingml/2011/main" xmlns:a14="http://schemas.microsoft.com/office/drawing/2010/main" xmlns:m="http://schemas.openxmlformats.org/officeDocument/2006/math" xmlns="" val="1"/>
+              <ma14:wrappingTextBoxFlag xmlns="" xmlns:m="http://schemas.openxmlformats.org/officeDocument/2006/math" xmlns:a14="http://schemas.microsoft.com/office/drawing/2010/main" xmlns:ma14="http://schemas.microsoft.com/office/mac/drawingml/2011/main" val="1"/>
             </a:ext>
           </a:extLst>
         </p:spPr>
@@ -1914,7 +1914,7 @@
           </a:ln>
           <a:extLst>
             <a:ext uri="{C572A759-6A51-4108-AA02-DFA0A04FC94B}">
-              <ma14:wrappingTextBoxFlag xmlns:ma14="http://schemas.microsoft.com/office/mac/drawingml/2011/main" xmlns:a14="http://schemas.microsoft.com/office/drawing/2010/main" xmlns:m="http://schemas.openxmlformats.org/officeDocument/2006/math" xmlns="" val="1"/>
+              <ma14:wrappingTextBoxFlag xmlns="" xmlns:m="http://schemas.openxmlformats.org/officeDocument/2006/math" xmlns:a14="http://schemas.microsoft.com/office/drawing/2010/main" xmlns:ma14="http://schemas.microsoft.com/office/mac/drawingml/2011/main" val="1"/>
             </a:ext>
           </a:extLst>
         </p:spPr>
@@ -3871,7 +3871,7 @@
           </a:ln>
           <a:extLst>
             <a:ext uri="{C572A759-6A51-4108-AA02-DFA0A04FC94B}">
-              <ma14:wrappingTextBoxFlag xmlns:ma14="http://schemas.microsoft.com/office/mac/drawingml/2011/main" xmlns:a14="http://schemas.microsoft.com/office/drawing/2010/main" xmlns:m="http://schemas.openxmlformats.org/officeDocument/2006/math" xmlns="" val="1"/>
+              <ma14:wrappingTextBoxFlag xmlns="" xmlns:m="http://schemas.openxmlformats.org/officeDocument/2006/math" xmlns:a14="http://schemas.microsoft.com/office/drawing/2010/main" xmlns:ma14="http://schemas.microsoft.com/office/mac/drawingml/2011/main" val="1"/>
             </a:ext>
           </a:extLst>
         </p:spPr>
@@ -3962,7 +3962,7 @@
             <a:effectLst/>
             <a:extLst>
               <a:ext uri="{C572A759-6A51-4108-AA02-DFA0A04FC94B}">
-                <ma14:wrappingTextBoxFlag xmlns:ma14="http://schemas.microsoft.com/office/mac/drawingml/2011/main" xmlns:a14="http://schemas.microsoft.com/office/drawing/2010/main" xmlns:m="http://schemas.openxmlformats.org/officeDocument/2006/math" xmlns="" val="1"/>
+                <ma14:wrappingTextBoxFlag xmlns="" xmlns:m="http://schemas.openxmlformats.org/officeDocument/2006/math" xmlns:a14="http://schemas.microsoft.com/office/drawing/2010/main" xmlns:ma14="http://schemas.microsoft.com/office/mac/drawingml/2011/main" val="1"/>
               </a:ext>
             </a:extLst>
           </p:spPr>
@@ -4058,7 +4058,7 @@
             <a:effectLst/>
             <a:extLst>
               <a:ext uri="{C572A759-6A51-4108-AA02-DFA0A04FC94B}">
-                <ma14:wrappingTextBoxFlag xmlns:ma14="http://schemas.microsoft.com/office/mac/drawingml/2011/main" xmlns:a14="http://schemas.microsoft.com/office/drawing/2010/main" xmlns:m="http://schemas.openxmlformats.org/officeDocument/2006/math" xmlns="" val="1"/>
+                <ma14:wrappingTextBoxFlag xmlns="" xmlns:m="http://schemas.openxmlformats.org/officeDocument/2006/math" xmlns:a14="http://schemas.microsoft.com/office/drawing/2010/main" xmlns:ma14="http://schemas.microsoft.com/office/mac/drawingml/2011/main" val="1"/>
               </a:ext>
             </a:extLst>
           </p:spPr>
@@ -4224,7 +4224,7 @@
             <a:effectLst/>
             <a:extLst>
               <a:ext uri="{C572A759-6A51-4108-AA02-DFA0A04FC94B}">
-                <ma14:wrappingTextBoxFlag xmlns:ma14="http://schemas.microsoft.com/office/mac/drawingml/2011/main" xmlns:a14="http://schemas.microsoft.com/office/drawing/2010/main" xmlns:m="http://schemas.openxmlformats.org/officeDocument/2006/math" xmlns="" val="1"/>
+                <ma14:wrappingTextBoxFlag xmlns="" xmlns:m="http://schemas.openxmlformats.org/officeDocument/2006/math" xmlns:a14="http://schemas.microsoft.com/office/drawing/2010/main" xmlns:ma14="http://schemas.microsoft.com/office/mac/drawingml/2011/main" val="1"/>
               </a:ext>
             </a:extLst>
           </p:spPr>
@@ -4320,7 +4320,7 @@
             <a:effectLst/>
             <a:extLst>
               <a:ext uri="{C572A759-6A51-4108-AA02-DFA0A04FC94B}">
-                <ma14:wrappingTextBoxFlag xmlns:ma14="http://schemas.microsoft.com/office/mac/drawingml/2011/main" xmlns:a14="http://schemas.microsoft.com/office/drawing/2010/main" xmlns:m="http://schemas.openxmlformats.org/officeDocument/2006/math" xmlns="" val="1"/>
+                <ma14:wrappingTextBoxFlag xmlns="" xmlns:m="http://schemas.openxmlformats.org/officeDocument/2006/math" xmlns:a14="http://schemas.microsoft.com/office/drawing/2010/main" xmlns:ma14="http://schemas.microsoft.com/office/mac/drawingml/2011/main" val="1"/>
               </a:ext>
             </a:extLst>
           </p:spPr>
@@ -4479,7 +4479,7 @@
             <a:effectLst/>
             <a:extLst>
               <a:ext uri="{C572A759-6A51-4108-AA02-DFA0A04FC94B}">
-                <ma14:wrappingTextBoxFlag xmlns:ma14="http://schemas.microsoft.com/office/mac/drawingml/2011/main" xmlns:a14="http://schemas.microsoft.com/office/drawing/2010/main" xmlns:m="http://schemas.openxmlformats.org/officeDocument/2006/math" xmlns="" val="1"/>
+                <ma14:wrappingTextBoxFlag xmlns="" xmlns:m="http://schemas.openxmlformats.org/officeDocument/2006/math" xmlns:a14="http://schemas.microsoft.com/office/drawing/2010/main" xmlns:ma14="http://schemas.microsoft.com/office/mac/drawingml/2011/main" val="1"/>
               </a:ext>
             </a:extLst>
           </p:spPr>
@@ -4575,7 +4575,7 @@
             <a:effectLst/>
             <a:extLst>
               <a:ext uri="{C572A759-6A51-4108-AA02-DFA0A04FC94B}">
-                <ma14:wrappingTextBoxFlag xmlns:ma14="http://schemas.microsoft.com/office/mac/drawingml/2011/main" xmlns:a14="http://schemas.microsoft.com/office/drawing/2010/main" xmlns:m="http://schemas.openxmlformats.org/officeDocument/2006/math" xmlns="" val="1"/>
+                <ma14:wrappingTextBoxFlag xmlns="" xmlns:m="http://schemas.openxmlformats.org/officeDocument/2006/math" xmlns:a14="http://schemas.microsoft.com/office/drawing/2010/main" xmlns:ma14="http://schemas.microsoft.com/office/mac/drawingml/2011/main" val="1"/>
               </a:ext>
             </a:extLst>
           </p:spPr>
@@ -4762,7 +4762,7 @@
             <a:effectLst/>
             <a:extLst>
               <a:ext uri="{C572A759-6A51-4108-AA02-DFA0A04FC94B}">
-                <ma14:wrappingTextBoxFlag xmlns:ma14="http://schemas.microsoft.com/office/mac/drawingml/2011/main" xmlns:a14="http://schemas.microsoft.com/office/drawing/2010/main" xmlns:m="http://schemas.openxmlformats.org/officeDocument/2006/math" xmlns="" val="1"/>
+                <ma14:wrappingTextBoxFlag xmlns="" xmlns:m="http://schemas.openxmlformats.org/officeDocument/2006/math" xmlns:a14="http://schemas.microsoft.com/office/drawing/2010/main" xmlns:ma14="http://schemas.microsoft.com/office/mac/drawingml/2011/main" val="1"/>
               </a:ext>
             </a:extLst>
           </p:spPr>
@@ -4862,7 +4862,7 @@
             <a:effectLst/>
             <a:extLst>
               <a:ext uri="{C572A759-6A51-4108-AA02-DFA0A04FC94B}">
-                <ma14:wrappingTextBoxFlag xmlns:ma14="http://schemas.microsoft.com/office/mac/drawingml/2011/main" xmlns:a14="http://schemas.microsoft.com/office/drawing/2010/main" xmlns:m="http://schemas.openxmlformats.org/officeDocument/2006/math" xmlns="" val="1"/>
+                <ma14:wrappingTextBoxFlag xmlns="" xmlns:m="http://schemas.openxmlformats.org/officeDocument/2006/math" xmlns:a14="http://schemas.microsoft.com/office/drawing/2010/main" xmlns:ma14="http://schemas.microsoft.com/office/mac/drawingml/2011/main" val="1"/>
               </a:ext>
             </a:extLst>
           </p:spPr>
@@ -4958,7 +4958,7 @@
             <a:effectLst/>
             <a:extLst>
               <a:ext uri="{C572A759-6A51-4108-AA02-DFA0A04FC94B}">
-                <ma14:wrappingTextBoxFlag xmlns:ma14="http://schemas.microsoft.com/office/mac/drawingml/2011/main" xmlns:a14="http://schemas.microsoft.com/office/drawing/2010/main" xmlns:m="http://schemas.openxmlformats.org/officeDocument/2006/math" xmlns="" val="1"/>
+                <ma14:wrappingTextBoxFlag xmlns="" xmlns:m="http://schemas.openxmlformats.org/officeDocument/2006/math" xmlns:a14="http://schemas.microsoft.com/office/drawing/2010/main" xmlns:ma14="http://schemas.microsoft.com/office/mac/drawingml/2011/main" val="1"/>
               </a:ext>
             </a:extLst>
           </p:spPr>
@@ -5250,6 +5250,132 @@
           </a:p>
         </p:txBody>
       </p:sp>
+      <p:pic>
+        <p:nvPicPr>
+          <p:cNvPr id="7" name="그림 6"/>
+          <p:cNvPicPr>
+            <a:picLocks noChangeAspect="1"/>
+          </p:cNvPicPr>
+          <p:nvPr/>
+        </p:nvPicPr>
+        <p:blipFill>
+          <a:blip r:embed="rId4"/>
+          <a:stretch>
+            <a:fillRect/>
+          </a:stretch>
+        </p:blipFill>
+        <p:spPr>
+          <a:xfrm>
+            <a:off x="4745053" y="3671746"/>
+            <a:ext cx="5200650" cy="800100"/>
+          </a:xfrm>
+          <a:prstGeom prst="rect">
+            <a:avLst/>
+          </a:prstGeom>
+        </p:spPr>
+      </p:pic>
+      <p:sp>
+        <p:nvSpPr>
+          <p:cNvPr id="8" name="오른쪽 화살표 7"/>
+          <p:cNvSpPr/>
+          <p:nvPr/>
+        </p:nvSpPr>
+        <p:spPr>
+          <a:xfrm rot="10800000">
+            <a:off x="4185129" y="3863735"/>
+            <a:ext cx="470780" cy="416122"/>
+          </a:xfrm>
+          <a:prstGeom prst="rightArrow">
+            <a:avLst/>
+          </a:prstGeom>
+          <a:solidFill>
+            <a:srgbClr val="FF0000"/>
+          </a:solidFill>
+          <a:ln w="12700" cap="flat">
+            <a:solidFill>
+              <a:srgbClr val="FF0000"/>
+            </a:solidFill>
+            <a:prstDash val="solid"/>
+            <a:miter lim="800000"/>
+          </a:ln>
+          <a:effectLst/>
+          <a:sp3d/>
+        </p:spPr>
+        <p:style>
+          <a:lnRef idx="0">
+            <a:scrgbClr r="0" g="0" b="0"/>
+          </a:lnRef>
+          <a:fillRef idx="0">
+            <a:scrgbClr r="0" g="0" b="0"/>
+          </a:fillRef>
+          <a:effectRef idx="0">
+            <a:scrgbClr r="0" g="0" b="0"/>
+          </a:effectRef>
+          <a:fontRef idx="none"/>
+        </p:style>
+        <p:txBody>
+          <a:bodyPr rot="0" spcFirstLastPara="1" vertOverflow="overflow" horzOverflow="overflow" vert="horz" wrap="square" lIns="45719" tIns="45719" rIns="45719" bIns="45719" numCol="1" spcCol="38100" rtlCol="0" anchor="ctr">
+            <a:spAutoFit/>
+          </a:bodyPr>
+          <a:lstStyle/>
+          <a:p>
+            <a:pPr marL="0" marR="0" indent="0" algn="l" defTabSz="914400" rtl="0" fontAlgn="auto" latinLnBrk="0" hangingPunct="0">
+              <a:lnSpc>
+                <a:spcPct val="100000"/>
+              </a:lnSpc>
+              <a:spcBef>
+                <a:spcPts val="0"/>
+              </a:spcBef>
+              <a:spcAft>
+                <a:spcPts val="0"/>
+              </a:spcAft>
+              <a:buClrTx/>
+              <a:buSzTx/>
+              <a:buFontTx/>
+              <a:buNone/>
+              <a:tabLst/>
+            </a:pPr>
+            <a:endParaRPr kumimoji="0" lang="ko-KR" altLang="en-US" sz="1800" b="0" i="0" u="none" strike="noStrike" cap="none" spc="0" normalizeH="0" baseline="0">
+              <a:ln>
+                <a:noFill/>
+              </a:ln>
+              <a:solidFill>
+                <a:srgbClr val="000000"/>
+              </a:solidFill>
+              <a:effectLst/>
+              <a:uFillTx/>
+              <a:latin typeface="+mn-lt"/>
+              <a:ea typeface="+mn-ea"/>
+              <a:cs typeface="+mn-cs"/>
+              <a:sym typeface="맑은 고딕"/>
+            </a:endParaRPr>
+          </a:p>
+        </p:txBody>
+      </p:sp>
+      <p:pic>
+        <p:nvPicPr>
+          <p:cNvPr id="9" name="그림 8"/>
+          <p:cNvPicPr>
+            <a:picLocks noChangeAspect="1"/>
+          </p:cNvPicPr>
+          <p:nvPr/>
+        </p:nvPicPr>
+        <p:blipFill>
+          <a:blip r:embed="rId5"/>
+          <a:stretch>
+            <a:fillRect/>
+          </a:stretch>
+        </p:blipFill>
+        <p:spPr>
+          <a:xfrm>
+            <a:off x="4745053" y="4684225"/>
+            <a:ext cx="2390775" cy="495300"/>
+          </a:xfrm>
+          <a:prstGeom prst="rect">
+            <a:avLst/>
+          </a:prstGeom>
+        </p:spPr>
+      </p:pic>
     </p:spTree>
     <p:extLst>
       <p:ext uri="{BB962C8B-B14F-4D97-AF65-F5344CB8AC3E}">
@@ -6310,7 +6436,7 @@
           </a:ln>
           <a:extLst>
             <a:ext uri="{C572A759-6A51-4108-AA02-DFA0A04FC94B}">
-              <ma14:wrappingTextBoxFlag xmlns:ma14="http://schemas.microsoft.com/office/mac/drawingml/2011/main" xmlns:a14="http://schemas.microsoft.com/office/drawing/2010/main" xmlns:m="http://schemas.openxmlformats.org/officeDocument/2006/math" xmlns="" val="1"/>
+              <ma14:wrappingTextBoxFlag xmlns="" xmlns:m="http://schemas.openxmlformats.org/officeDocument/2006/math" xmlns:a14="http://schemas.microsoft.com/office/drawing/2010/main" xmlns:ma14="http://schemas.microsoft.com/office/mac/drawingml/2011/main" val="1"/>
             </a:ext>
           </a:extLst>
         </p:spPr>
@@ -6401,7 +6527,7 @@
             <a:effectLst/>
             <a:extLst>
               <a:ext uri="{C572A759-6A51-4108-AA02-DFA0A04FC94B}">
-                <ma14:wrappingTextBoxFlag xmlns:ma14="http://schemas.microsoft.com/office/mac/drawingml/2011/main" xmlns:a14="http://schemas.microsoft.com/office/drawing/2010/main" xmlns:m="http://schemas.openxmlformats.org/officeDocument/2006/math" xmlns="" val="1"/>
+                <ma14:wrappingTextBoxFlag xmlns="" xmlns:m="http://schemas.openxmlformats.org/officeDocument/2006/math" xmlns:a14="http://schemas.microsoft.com/office/drawing/2010/main" xmlns:ma14="http://schemas.microsoft.com/office/mac/drawingml/2011/main" val="1"/>
               </a:ext>
             </a:extLst>
           </p:spPr>
@@ -6497,7 +6623,7 @@
             <a:effectLst/>
             <a:extLst>
               <a:ext uri="{C572A759-6A51-4108-AA02-DFA0A04FC94B}">
-                <ma14:wrappingTextBoxFlag xmlns:ma14="http://schemas.microsoft.com/office/mac/drawingml/2011/main" xmlns:a14="http://schemas.microsoft.com/office/drawing/2010/main" xmlns:m="http://schemas.openxmlformats.org/officeDocument/2006/math" xmlns="" val="1"/>
+                <ma14:wrappingTextBoxFlag xmlns="" xmlns:m="http://schemas.openxmlformats.org/officeDocument/2006/math" xmlns:a14="http://schemas.microsoft.com/office/drawing/2010/main" xmlns:ma14="http://schemas.microsoft.com/office/mac/drawingml/2011/main" val="1"/>
               </a:ext>
             </a:extLst>
           </p:spPr>
@@ -6663,7 +6789,7 @@
             <a:effectLst/>
             <a:extLst>
               <a:ext uri="{C572A759-6A51-4108-AA02-DFA0A04FC94B}">
-                <ma14:wrappingTextBoxFlag xmlns:ma14="http://schemas.microsoft.com/office/mac/drawingml/2011/main" xmlns:a14="http://schemas.microsoft.com/office/drawing/2010/main" xmlns:m="http://schemas.openxmlformats.org/officeDocument/2006/math" xmlns="" val="1"/>
+                <ma14:wrappingTextBoxFlag xmlns="" xmlns:m="http://schemas.openxmlformats.org/officeDocument/2006/math" xmlns:a14="http://schemas.microsoft.com/office/drawing/2010/main" xmlns:ma14="http://schemas.microsoft.com/office/mac/drawingml/2011/main" val="1"/>
               </a:ext>
             </a:extLst>
           </p:spPr>
@@ -6759,7 +6885,7 @@
             <a:effectLst/>
             <a:extLst>
               <a:ext uri="{C572A759-6A51-4108-AA02-DFA0A04FC94B}">
-                <ma14:wrappingTextBoxFlag xmlns:ma14="http://schemas.microsoft.com/office/mac/drawingml/2011/main" xmlns:a14="http://schemas.microsoft.com/office/drawing/2010/main" xmlns:m="http://schemas.openxmlformats.org/officeDocument/2006/math" xmlns="" val="1"/>
+                <ma14:wrappingTextBoxFlag xmlns="" xmlns:m="http://schemas.openxmlformats.org/officeDocument/2006/math" xmlns:a14="http://schemas.microsoft.com/office/drawing/2010/main" xmlns:ma14="http://schemas.microsoft.com/office/mac/drawingml/2011/main" val="1"/>
               </a:ext>
             </a:extLst>
           </p:spPr>
@@ -6918,7 +7044,7 @@
             <a:effectLst/>
             <a:extLst>
               <a:ext uri="{C572A759-6A51-4108-AA02-DFA0A04FC94B}">
-                <ma14:wrappingTextBoxFlag xmlns:ma14="http://schemas.microsoft.com/office/mac/drawingml/2011/main" xmlns:a14="http://schemas.microsoft.com/office/drawing/2010/main" xmlns:m="http://schemas.openxmlformats.org/officeDocument/2006/math" xmlns="" val="1"/>
+                <ma14:wrappingTextBoxFlag xmlns="" xmlns:m="http://schemas.openxmlformats.org/officeDocument/2006/math" xmlns:a14="http://schemas.microsoft.com/office/drawing/2010/main" xmlns:ma14="http://schemas.microsoft.com/office/mac/drawingml/2011/main" val="1"/>
               </a:ext>
             </a:extLst>
           </p:spPr>
@@ -7014,7 +7140,7 @@
             <a:effectLst/>
             <a:extLst>
               <a:ext uri="{C572A759-6A51-4108-AA02-DFA0A04FC94B}">
-                <ma14:wrappingTextBoxFlag xmlns:ma14="http://schemas.microsoft.com/office/mac/drawingml/2011/main" xmlns:a14="http://schemas.microsoft.com/office/drawing/2010/main" xmlns:m="http://schemas.openxmlformats.org/officeDocument/2006/math" xmlns="" val="1"/>
+                <ma14:wrappingTextBoxFlag xmlns="" xmlns:m="http://schemas.openxmlformats.org/officeDocument/2006/math" xmlns:a14="http://schemas.microsoft.com/office/drawing/2010/main" xmlns:ma14="http://schemas.microsoft.com/office/mac/drawingml/2011/main" val="1"/>
               </a:ext>
             </a:extLst>
           </p:spPr>
@@ -7197,7 +7323,7 @@
             <a:effectLst/>
             <a:extLst>
               <a:ext uri="{C572A759-6A51-4108-AA02-DFA0A04FC94B}">
-                <ma14:wrappingTextBoxFlag xmlns:ma14="http://schemas.microsoft.com/office/mac/drawingml/2011/main" xmlns:a14="http://schemas.microsoft.com/office/drawing/2010/main" xmlns:m="http://schemas.openxmlformats.org/officeDocument/2006/math" xmlns="" val="1"/>
+                <ma14:wrappingTextBoxFlag xmlns="" xmlns:m="http://schemas.openxmlformats.org/officeDocument/2006/math" xmlns:a14="http://schemas.microsoft.com/office/drawing/2010/main" xmlns:ma14="http://schemas.microsoft.com/office/mac/drawingml/2011/main" val="1"/>
               </a:ext>
             </a:extLst>
           </p:spPr>
@@ -7293,7 +7419,7 @@
             <a:effectLst/>
             <a:extLst>
               <a:ext uri="{C572A759-6A51-4108-AA02-DFA0A04FC94B}">
-                <ma14:wrappingTextBoxFlag xmlns:ma14="http://schemas.microsoft.com/office/mac/drawingml/2011/main" xmlns:a14="http://schemas.microsoft.com/office/drawing/2010/main" xmlns:m="http://schemas.openxmlformats.org/officeDocument/2006/math" xmlns="" val="1"/>
+                <ma14:wrappingTextBoxFlag xmlns="" xmlns:m="http://schemas.openxmlformats.org/officeDocument/2006/math" xmlns:a14="http://schemas.microsoft.com/office/drawing/2010/main" xmlns:ma14="http://schemas.microsoft.com/office/mac/drawingml/2011/main" val="1"/>
               </a:ext>
             </a:extLst>
           </p:spPr>
@@ -7470,7 +7596,7 @@
             <a:effectLst/>
             <a:extLst>
               <a:ext uri="{C572A759-6A51-4108-AA02-DFA0A04FC94B}">
-                <ma14:wrappingTextBoxFlag xmlns:ma14="http://schemas.microsoft.com/office/mac/drawingml/2011/main" xmlns:a14="http://schemas.microsoft.com/office/drawing/2010/main" xmlns:m="http://schemas.openxmlformats.org/officeDocument/2006/math" xmlns="" val="1"/>
+                <ma14:wrappingTextBoxFlag xmlns="" xmlns:m="http://schemas.openxmlformats.org/officeDocument/2006/math" xmlns:a14="http://schemas.microsoft.com/office/drawing/2010/main" xmlns:ma14="http://schemas.microsoft.com/office/mac/drawingml/2011/main" val="1"/>
               </a:ext>
             </a:extLst>
           </p:spPr>
@@ -7614,6 +7740,132 @@
           </a:prstGeom>
         </p:spPr>
       </p:pic>
+      <p:pic>
+        <p:nvPicPr>
+          <p:cNvPr id="5" name="그림 4"/>
+          <p:cNvPicPr>
+            <a:picLocks noChangeAspect="1"/>
+          </p:cNvPicPr>
+          <p:nvPr/>
+        </p:nvPicPr>
+        <p:blipFill>
+          <a:blip r:embed="rId3"/>
+          <a:stretch>
+            <a:fillRect/>
+          </a:stretch>
+        </p:blipFill>
+        <p:spPr>
+          <a:xfrm>
+            <a:off x="5068856" y="3851919"/>
+            <a:ext cx="4371975" cy="1019175"/>
+          </a:xfrm>
+          <a:prstGeom prst="rect">
+            <a:avLst/>
+          </a:prstGeom>
+        </p:spPr>
+      </p:pic>
+      <p:sp>
+        <p:nvSpPr>
+          <p:cNvPr id="6" name="오른쪽 화살표 5"/>
+          <p:cNvSpPr/>
+          <p:nvPr/>
+        </p:nvSpPr>
+        <p:spPr>
+          <a:xfrm rot="10800000">
+            <a:off x="4414366" y="4081018"/>
+            <a:ext cx="470780" cy="416122"/>
+          </a:xfrm>
+          <a:prstGeom prst="rightArrow">
+            <a:avLst/>
+          </a:prstGeom>
+          <a:solidFill>
+            <a:srgbClr val="FF0000"/>
+          </a:solidFill>
+          <a:ln w="12700" cap="flat">
+            <a:solidFill>
+              <a:srgbClr val="FF0000"/>
+            </a:solidFill>
+            <a:prstDash val="solid"/>
+            <a:miter lim="800000"/>
+          </a:ln>
+          <a:effectLst/>
+          <a:sp3d/>
+        </p:spPr>
+        <p:style>
+          <a:lnRef idx="0">
+            <a:scrgbClr r="0" g="0" b="0"/>
+          </a:lnRef>
+          <a:fillRef idx="0">
+            <a:scrgbClr r="0" g="0" b="0"/>
+          </a:fillRef>
+          <a:effectRef idx="0">
+            <a:scrgbClr r="0" g="0" b="0"/>
+          </a:effectRef>
+          <a:fontRef idx="none"/>
+        </p:style>
+        <p:txBody>
+          <a:bodyPr rot="0" spcFirstLastPara="1" vertOverflow="overflow" horzOverflow="overflow" vert="horz" wrap="square" lIns="45719" tIns="45719" rIns="45719" bIns="45719" numCol="1" spcCol="38100" rtlCol="0" anchor="ctr">
+            <a:spAutoFit/>
+          </a:bodyPr>
+          <a:lstStyle/>
+          <a:p>
+            <a:pPr marL="0" marR="0" indent="0" algn="l" defTabSz="914400" rtl="0" fontAlgn="auto" latinLnBrk="0" hangingPunct="0">
+              <a:lnSpc>
+                <a:spcPct val="100000"/>
+              </a:lnSpc>
+              <a:spcBef>
+                <a:spcPts val="0"/>
+              </a:spcBef>
+              <a:spcAft>
+                <a:spcPts val="0"/>
+              </a:spcAft>
+              <a:buClrTx/>
+              <a:buSzTx/>
+              <a:buFontTx/>
+              <a:buNone/>
+              <a:tabLst/>
+            </a:pPr>
+            <a:endParaRPr kumimoji="0" lang="ko-KR" altLang="en-US" sz="1800" b="0" i="0" u="none" strike="noStrike" cap="none" spc="0" normalizeH="0" baseline="0">
+              <a:ln>
+                <a:noFill/>
+              </a:ln>
+              <a:solidFill>
+                <a:srgbClr val="000000"/>
+              </a:solidFill>
+              <a:effectLst/>
+              <a:uFillTx/>
+              <a:latin typeface="+mn-lt"/>
+              <a:ea typeface="+mn-ea"/>
+              <a:cs typeface="+mn-cs"/>
+              <a:sym typeface="맑은 고딕"/>
+            </a:endParaRPr>
+          </a:p>
+        </p:txBody>
+      </p:sp>
+      <p:pic>
+        <p:nvPicPr>
+          <p:cNvPr id="7" name="그림 6"/>
+          <p:cNvPicPr>
+            <a:picLocks noChangeAspect="1"/>
+          </p:cNvPicPr>
+          <p:nvPr/>
+        </p:nvPicPr>
+        <p:blipFill>
+          <a:blip r:embed="rId4"/>
+          <a:stretch>
+            <a:fillRect/>
+          </a:stretch>
+        </p:blipFill>
+        <p:spPr>
+          <a:xfrm>
+            <a:off x="5068856" y="5006031"/>
+            <a:ext cx="2219325" cy="762000"/>
+          </a:xfrm>
+          <a:prstGeom prst="rect">
+            <a:avLst/>
+          </a:prstGeom>
+        </p:spPr>
+      </p:pic>
     </p:spTree>
     <p:extLst>
       <p:ext uri="{BB962C8B-B14F-4D97-AF65-F5344CB8AC3E}">
@@ -8707,7 +8959,7 @@
           </a:ln>
           <a:extLst>
             <a:ext uri="{C572A759-6A51-4108-AA02-DFA0A04FC94B}">
-              <ma14:wrappingTextBoxFlag xmlns:ma14="http://schemas.microsoft.com/office/mac/drawingml/2011/main" xmlns:a14="http://schemas.microsoft.com/office/drawing/2010/main" xmlns:m="http://schemas.openxmlformats.org/officeDocument/2006/math" xmlns="" val="1"/>
+              <ma14:wrappingTextBoxFlag xmlns="" xmlns:m="http://schemas.openxmlformats.org/officeDocument/2006/math" xmlns:a14="http://schemas.microsoft.com/office/drawing/2010/main" xmlns:ma14="http://schemas.microsoft.com/office/mac/drawingml/2011/main" val="1"/>
             </a:ext>
           </a:extLst>
         </p:spPr>
@@ -8798,7 +9050,7 @@
             <a:effectLst/>
             <a:extLst>
               <a:ext uri="{C572A759-6A51-4108-AA02-DFA0A04FC94B}">
-                <ma14:wrappingTextBoxFlag xmlns:ma14="http://schemas.microsoft.com/office/mac/drawingml/2011/main" xmlns:a14="http://schemas.microsoft.com/office/drawing/2010/main" xmlns:m="http://schemas.openxmlformats.org/officeDocument/2006/math" xmlns="" val="1"/>
+                <ma14:wrappingTextBoxFlag xmlns="" xmlns:m="http://schemas.openxmlformats.org/officeDocument/2006/math" xmlns:a14="http://schemas.microsoft.com/office/drawing/2010/main" xmlns:ma14="http://schemas.microsoft.com/office/mac/drawingml/2011/main" val="1"/>
               </a:ext>
             </a:extLst>
           </p:spPr>
@@ -8894,7 +9146,7 @@
             <a:effectLst/>
             <a:extLst>
               <a:ext uri="{C572A759-6A51-4108-AA02-DFA0A04FC94B}">
-                <ma14:wrappingTextBoxFlag xmlns:ma14="http://schemas.microsoft.com/office/mac/drawingml/2011/main" xmlns:a14="http://schemas.microsoft.com/office/drawing/2010/main" xmlns:m="http://schemas.openxmlformats.org/officeDocument/2006/math" xmlns="" val="1"/>
+                <ma14:wrappingTextBoxFlag xmlns="" xmlns:m="http://schemas.openxmlformats.org/officeDocument/2006/math" xmlns:a14="http://schemas.microsoft.com/office/drawing/2010/main" xmlns:ma14="http://schemas.microsoft.com/office/mac/drawingml/2011/main" val="1"/>
               </a:ext>
             </a:extLst>
           </p:spPr>
@@ -9060,7 +9312,7 @@
             <a:effectLst/>
             <a:extLst>
               <a:ext uri="{C572A759-6A51-4108-AA02-DFA0A04FC94B}">
-                <ma14:wrappingTextBoxFlag xmlns:ma14="http://schemas.microsoft.com/office/mac/drawingml/2011/main" xmlns:a14="http://schemas.microsoft.com/office/drawing/2010/main" xmlns:m="http://schemas.openxmlformats.org/officeDocument/2006/math" xmlns="" val="1"/>
+                <ma14:wrappingTextBoxFlag xmlns="" xmlns:m="http://schemas.openxmlformats.org/officeDocument/2006/math" xmlns:a14="http://schemas.microsoft.com/office/drawing/2010/main" xmlns:ma14="http://schemas.microsoft.com/office/mac/drawingml/2011/main" val="1"/>
               </a:ext>
             </a:extLst>
           </p:spPr>
@@ -9156,7 +9408,7 @@
             <a:effectLst/>
             <a:extLst>
               <a:ext uri="{C572A759-6A51-4108-AA02-DFA0A04FC94B}">
-                <ma14:wrappingTextBoxFlag xmlns:ma14="http://schemas.microsoft.com/office/mac/drawingml/2011/main" xmlns:a14="http://schemas.microsoft.com/office/drawing/2010/main" xmlns:m="http://schemas.openxmlformats.org/officeDocument/2006/math" xmlns="" val="1"/>
+                <ma14:wrappingTextBoxFlag xmlns="" xmlns:m="http://schemas.openxmlformats.org/officeDocument/2006/math" xmlns:a14="http://schemas.microsoft.com/office/drawing/2010/main" xmlns:ma14="http://schemas.microsoft.com/office/mac/drawingml/2011/main" val="1"/>
               </a:ext>
             </a:extLst>
           </p:spPr>
@@ -9252,7 +9504,7 @@
             <a:effectLst/>
             <a:extLst>
               <a:ext uri="{C572A759-6A51-4108-AA02-DFA0A04FC94B}">
-                <ma14:wrappingTextBoxFlag xmlns:ma14="http://schemas.microsoft.com/office/mac/drawingml/2011/main" xmlns:a14="http://schemas.microsoft.com/office/drawing/2010/main" xmlns:m="http://schemas.openxmlformats.org/officeDocument/2006/math" xmlns="" val="1"/>
+                <ma14:wrappingTextBoxFlag xmlns="" xmlns:m="http://schemas.openxmlformats.org/officeDocument/2006/math" xmlns:a14="http://schemas.microsoft.com/office/drawing/2010/main" xmlns:ma14="http://schemas.microsoft.com/office/mac/drawingml/2011/main" val="1"/>
               </a:ext>
             </a:extLst>
           </p:spPr>
@@ -9334,7 +9586,7 @@
           </a:ln>
           <a:extLst>
             <a:ext uri="{C572A759-6A51-4108-AA02-DFA0A04FC94B}">
-              <ma14:wrappingTextBoxFlag xmlns:ma14="http://schemas.microsoft.com/office/mac/drawingml/2011/main" xmlns:a14="http://schemas.microsoft.com/office/drawing/2010/main" xmlns:m="http://schemas.openxmlformats.org/officeDocument/2006/math" xmlns="" val="1"/>
+              <ma14:wrappingTextBoxFlag xmlns="" xmlns:m="http://schemas.openxmlformats.org/officeDocument/2006/math" xmlns:a14="http://schemas.microsoft.com/office/drawing/2010/main" xmlns:ma14="http://schemas.microsoft.com/office/mac/drawingml/2011/main" val="1"/>
             </a:ext>
           </a:extLst>
         </p:spPr>
@@ -9425,7 +9677,7 @@
             <a:effectLst/>
             <a:extLst>
               <a:ext uri="{C572A759-6A51-4108-AA02-DFA0A04FC94B}">
-                <ma14:wrappingTextBoxFlag xmlns:ma14="http://schemas.microsoft.com/office/mac/drawingml/2011/main" xmlns:a14="http://schemas.microsoft.com/office/drawing/2010/main" xmlns:m="http://schemas.openxmlformats.org/officeDocument/2006/math" xmlns="" val="1"/>
+                <ma14:wrappingTextBoxFlag xmlns="" xmlns:m="http://schemas.openxmlformats.org/officeDocument/2006/math" xmlns:a14="http://schemas.microsoft.com/office/drawing/2010/main" xmlns:ma14="http://schemas.microsoft.com/office/mac/drawingml/2011/main" val="1"/>
               </a:ext>
             </a:extLst>
           </p:spPr>
@@ -9521,7 +9773,7 @@
             <a:effectLst/>
             <a:extLst>
               <a:ext uri="{C572A759-6A51-4108-AA02-DFA0A04FC94B}">
-                <ma14:wrappingTextBoxFlag xmlns:ma14="http://schemas.microsoft.com/office/mac/drawingml/2011/main" xmlns:a14="http://schemas.microsoft.com/office/drawing/2010/main" xmlns:m="http://schemas.openxmlformats.org/officeDocument/2006/math" xmlns="" val="1"/>
+                <ma14:wrappingTextBoxFlag xmlns="" xmlns:m="http://schemas.openxmlformats.org/officeDocument/2006/math" xmlns:a14="http://schemas.microsoft.com/office/drawing/2010/main" xmlns:ma14="http://schemas.microsoft.com/office/mac/drawingml/2011/main" val="1"/>
               </a:ext>
             </a:extLst>
           </p:spPr>
@@ -9687,7 +9939,7 @@
             <a:effectLst/>
             <a:extLst>
               <a:ext uri="{C572A759-6A51-4108-AA02-DFA0A04FC94B}">
-                <ma14:wrappingTextBoxFlag xmlns:ma14="http://schemas.microsoft.com/office/mac/drawingml/2011/main" xmlns:a14="http://schemas.microsoft.com/office/drawing/2010/main" xmlns:m="http://schemas.openxmlformats.org/officeDocument/2006/math" xmlns="" val="1"/>
+                <ma14:wrappingTextBoxFlag xmlns="" xmlns:m="http://schemas.openxmlformats.org/officeDocument/2006/math" xmlns:a14="http://schemas.microsoft.com/office/drawing/2010/main" xmlns:ma14="http://schemas.microsoft.com/office/mac/drawingml/2011/main" val="1"/>
               </a:ext>
             </a:extLst>
           </p:spPr>
@@ -9783,7 +10035,7 @@
             <a:effectLst/>
             <a:extLst>
               <a:ext uri="{C572A759-6A51-4108-AA02-DFA0A04FC94B}">
-                <ma14:wrappingTextBoxFlag xmlns:ma14="http://schemas.microsoft.com/office/mac/drawingml/2011/main" xmlns:a14="http://schemas.microsoft.com/office/drawing/2010/main" xmlns:m="http://schemas.openxmlformats.org/officeDocument/2006/math" xmlns="" val="1"/>
+                <ma14:wrappingTextBoxFlag xmlns="" xmlns:m="http://schemas.openxmlformats.org/officeDocument/2006/math" xmlns:a14="http://schemas.microsoft.com/office/drawing/2010/main" xmlns:ma14="http://schemas.microsoft.com/office/mac/drawingml/2011/main" val="1"/>
               </a:ext>
             </a:extLst>
           </p:spPr>
@@ -9879,7 +10131,7 @@
             <a:effectLst/>
             <a:extLst>
               <a:ext uri="{C572A759-6A51-4108-AA02-DFA0A04FC94B}">
-                <ma14:wrappingTextBoxFlag xmlns:ma14="http://schemas.microsoft.com/office/mac/drawingml/2011/main" xmlns:a14="http://schemas.microsoft.com/office/drawing/2010/main" xmlns:m="http://schemas.openxmlformats.org/officeDocument/2006/math" xmlns="" val="1"/>
+                <ma14:wrappingTextBoxFlag xmlns="" xmlns:m="http://schemas.openxmlformats.org/officeDocument/2006/math" xmlns:a14="http://schemas.microsoft.com/office/drawing/2010/main" xmlns:ma14="http://schemas.microsoft.com/office/mac/drawingml/2011/main" val="1"/>
               </a:ext>
             </a:extLst>
           </p:spPr>
@@ -10056,7 +10308,7 @@
             <a:effectLst/>
             <a:extLst>
               <a:ext uri="{C572A759-6A51-4108-AA02-DFA0A04FC94B}">
-                <ma14:wrappingTextBoxFlag xmlns:ma14="http://schemas.microsoft.com/office/mac/drawingml/2011/main" xmlns:a14="http://schemas.microsoft.com/office/drawing/2010/main" xmlns:m="http://schemas.openxmlformats.org/officeDocument/2006/math" xmlns="" val="1"/>
+                <ma14:wrappingTextBoxFlag xmlns="" xmlns:m="http://schemas.openxmlformats.org/officeDocument/2006/math" xmlns:a14="http://schemas.microsoft.com/office/drawing/2010/main" xmlns:ma14="http://schemas.microsoft.com/office/mac/drawingml/2011/main" val="1"/>
               </a:ext>
             </a:extLst>
           </p:spPr>
@@ -11233,7 +11485,7 @@
           </a:ln>
           <a:extLst>
             <a:ext uri="{C572A759-6A51-4108-AA02-DFA0A04FC94B}">
-              <ma14:wrappingTextBoxFlag xmlns:ma14="http://schemas.microsoft.com/office/mac/drawingml/2011/main" xmlns:a14="http://schemas.microsoft.com/office/drawing/2010/main" xmlns:m="http://schemas.openxmlformats.org/officeDocument/2006/math" xmlns="" val="1"/>
+              <ma14:wrappingTextBoxFlag xmlns="" xmlns:m="http://schemas.openxmlformats.org/officeDocument/2006/math" xmlns:a14="http://schemas.microsoft.com/office/drawing/2010/main" xmlns:ma14="http://schemas.microsoft.com/office/mac/drawingml/2011/main" val="1"/>
             </a:ext>
           </a:extLst>
         </p:spPr>
@@ -11332,7 +11584,7 @@
             <a:effectLst/>
             <a:extLst>
               <a:ext uri="{C572A759-6A51-4108-AA02-DFA0A04FC94B}">
-                <ma14:wrappingTextBoxFlag xmlns:ma14="http://schemas.microsoft.com/office/mac/drawingml/2011/main" xmlns:a14="http://schemas.microsoft.com/office/drawing/2010/main" xmlns:m="http://schemas.openxmlformats.org/officeDocument/2006/math" xmlns="" val="1"/>
+                <ma14:wrappingTextBoxFlag xmlns="" xmlns:m="http://schemas.openxmlformats.org/officeDocument/2006/math" xmlns:a14="http://schemas.microsoft.com/office/drawing/2010/main" xmlns:ma14="http://schemas.microsoft.com/office/mac/drawingml/2011/main" val="1"/>
               </a:ext>
             </a:extLst>
           </p:spPr>
@@ -11415,7 +11667,7 @@
           </a:ln>
           <a:extLst>
             <a:ext uri="{C572A759-6A51-4108-AA02-DFA0A04FC94B}">
-              <ma14:wrappingTextBoxFlag xmlns:ma14="http://schemas.microsoft.com/office/mac/drawingml/2011/main" xmlns:a14="http://schemas.microsoft.com/office/drawing/2010/main" xmlns:m="http://schemas.openxmlformats.org/officeDocument/2006/math" xmlns="" val="1"/>
+              <ma14:wrappingTextBoxFlag xmlns="" xmlns:m="http://schemas.openxmlformats.org/officeDocument/2006/math" xmlns:a14="http://schemas.microsoft.com/office/drawing/2010/main" xmlns:ma14="http://schemas.microsoft.com/office/mac/drawingml/2011/main" val="1"/>
             </a:ext>
           </a:extLst>
         </p:spPr>
@@ -11529,7 +11781,7 @@
             <a:effectLst/>
             <a:extLst>
               <a:ext uri="{C572A759-6A51-4108-AA02-DFA0A04FC94B}">
-                <ma14:wrappingTextBoxFlag xmlns:ma14="http://schemas.microsoft.com/office/mac/drawingml/2011/main" xmlns:a14="http://schemas.microsoft.com/office/drawing/2010/main" xmlns:m="http://schemas.openxmlformats.org/officeDocument/2006/math" xmlns="" val="1"/>
+                <ma14:wrappingTextBoxFlag xmlns="" xmlns:m="http://schemas.openxmlformats.org/officeDocument/2006/math" xmlns:a14="http://schemas.microsoft.com/office/drawing/2010/main" xmlns:ma14="http://schemas.microsoft.com/office/mac/drawingml/2011/main" val="1"/>
               </a:ext>
             </a:extLst>
           </p:spPr>
@@ -11633,7 +11885,7 @@
             <a:effectLst/>
             <a:extLst>
               <a:ext uri="{C572A759-6A51-4108-AA02-DFA0A04FC94B}">
-                <ma14:wrappingTextBoxFlag xmlns:ma14="http://schemas.microsoft.com/office/mac/drawingml/2011/main" xmlns:a14="http://schemas.microsoft.com/office/drawing/2010/main" xmlns:m="http://schemas.openxmlformats.org/officeDocument/2006/math" xmlns="" val="1"/>
+                <ma14:wrappingTextBoxFlag xmlns="" xmlns:m="http://schemas.openxmlformats.org/officeDocument/2006/math" xmlns:a14="http://schemas.microsoft.com/office/drawing/2010/main" xmlns:ma14="http://schemas.microsoft.com/office/mac/drawingml/2011/main" val="1"/>
               </a:ext>
             </a:extLst>
           </p:spPr>
@@ -11737,7 +11989,7 @@
             <a:effectLst/>
             <a:extLst>
               <a:ext uri="{C572A759-6A51-4108-AA02-DFA0A04FC94B}">
-                <ma14:wrappingTextBoxFlag xmlns:ma14="http://schemas.microsoft.com/office/mac/drawingml/2011/main" xmlns:a14="http://schemas.microsoft.com/office/drawing/2010/main" xmlns:m="http://schemas.openxmlformats.org/officeDocument/2006/math" xmlns="" val="1"/>
+                <ma14:wrappingTextBoxFlag xmlns="" xmlns:m="http://schemas.openxmlformats.org/officeDocument/2006/math" xmlns:a14="http://schemas.microsoft.com/office/drawing/2010/main" xmlns:ma14="http://schemas.microsoft.com/office/mac/drawingml/2011/main" val="1"/>
               </a:ext>
             </a:extLst>
           </p:spPr>
@@ -12878,7 +13130,7 @@
           </a:ln>
           <a:extLst>
             <a:ext uri="{C572A759-6A51-4108-AA02-DFA0A04FC94B}">
-              <ma14:wrappingTextBoxFlag xmlns:ma14="http://schemas.microsoft.com/office/mac/drawingml/2011/main" xmlns:a14="http://schemas.microsoft.com/office/drawing/2010/main" xmlns:m="http://schemas.openxmlformats.org/officeDocument/2006/math" xmlns="" val="1"/>
+              <ma14:wrappingTextBoxFlag xmlns="" xmlns:m="http://schemas.openxmlformats.org/officeDocument/2006/math" xmlns:a14="http://schemas.microsoft.com/office/drawing/2010/main" xmlns:ma14="http://schemas.microsoft.com/office/mac/drawingml/2011/main" val="1"/>
             </a:ext>
           </a:extLst>
         </p:spPr>
@@ -13020,7 +13272,7 @@
           </a:ln>
           <a:extLst>
             <a:ext uri="{C572A759-6A51-4108-AA02-DFA0A04FC94B}">
-              <ma14:wrappingTextBoxFlag xmlns:ma14="http://schemas.microsoft.com/office/mac/drawingml/2011/main" xmlns:a14="http://schemas.microsoft.com/office/drawing/2010/main" xmlns:m="http://schemas.openxmlformats.org/officeDocument/2006/math" xmlns="" val="1"/>
+              <ma14:wrappingTextBoxFlag xmlns="" xmlns:m="http://schemas.openxmlformats.org/officeDocument/2006/math" xmlns:a14="http://schemas.microsoft.com/office/drawing/2010/main" xmlns:ma14="http://schemas.microsoft.com/office/mac/drawingml/2011/main" val="1"/>
             </a:ext>
           </a:extLst>
         </p:spPr>
@@ -13115,7 +13367,7 @@
             <a:effectLst/>
             <a:extLst>
               <a:ext uri="{C572A759-6A51-4108-AA02-DFA0A04FC94B}">
-                <ma14:wrappingTextBoxFlag xmlns:ma14="http://schemas.microsoft.com/office/mac/drawingml/2011/main" xmlns:a14="http://schemas.microsoft.com/office/drawing/2010/main" xmlns:m="http://schemas.openxmlformats.org/officeDocument/2006/math" xmlns="" val="1"/>
+                <ma14:wrappingTextBoxFlag xmlns="" xmlns:m="http://schemas.openxmlformats.org/officeDocument/2006/math" xmlns:a14="http://schemas.microsoft.com/office/drawing/2010/main" xmlns:ma14="http://schemas.microsoft.com/office/mac/drawingml/2011/main" val="1"/>
               </a:ext>
             </a:extLst>
           </p:spPr>
@@ -14236,7 +14488,7 @@
           </a:ln>
           <a:extLst>
             <a:ext uri="{C572A759-6A51-4108-AA02-DFA0A04FC94B}">
-              <ma14:wrappingTextBoxFlag xmlns:ma14="http://schemas.microsoft.com/office/mac/drawingml/2011/main" xmlns:a14="http://schemas.microsoft.com/office/drawing/2010/main" xmlns:m="http://schemas.openxmlformats.org/officeDocument/2006/math" xmlns="" val="1"/>
+              <ma14:wrappingTextBoxFlag xmlns="" xmlns:m="http://schemas.openxmlformats.org/officeDocument/2006/math" xmlns:a14="http://schemas.microsoft.com/office/drawing/2010/main" xmlns:ma14="http://schemas.microsoft.com/office/mac/drawingml/2011/main" val="1"/>
             </a:ext>
           </a:extLst>
         </p:spPr>
@@ -14321,7 +14573,7 @@
           </a:ln>
           <a:extLst>
             <a:ext uri="{C572A759-6A51-4108-AA02-DFA0A04FC94B}">
-              <ma14:wrappingTextBoxFlag xmlns:ma14="http://schemas.microsoft.com/office/mac/drawingml/2011/main" xmlns:a14="http://schemas.microsoft.com/office/drawing/2010/main" xmlns:m="http://schemas.openxmlformats.org/officeDocument/2006/math" xmlns="" val="1"/>
+              <ma14:wrappingTextBoxFlag xmlns="" xmlns:m="http://schemas.openxmlformats.org/officeDocument/2006/math" xmlns:a14="http://schemas.microsoft.com/office/drawing/2010/main" xmlns:ma14="http://schemas.microsoft.com/office/mac/drawingml/2011/main" val="1"/>
             </a:ext>
           </a:extLst>
         </p:spPr>
@@ -14416,7 +14668,7 @@
             <a:effectLst/>
             <a:extLst>
               <a:ext uri="{C572A759-6A51-4108-AA02-DFA0A04FC94B}">
-                <ma14:wrappingTextBoxFlag xmlns:ma14="http://schemas.microsoft.com/office/mac/drawingml/2011/main" xmlns:a14="http://schemas.microsoft.com/office/drawing/2010/main" xmlns:m="http://schemas.openxmlformats.org/officeDocument/2006/math" xmlns="" val="1"/>
+                <ma14:wrappingTextBoxFlag xmlns="" xmlns:m="http://schemas.openxmlformats.org/officeDocument/2006/math" xmlns:a14="http://schemas.microsoft.com/office/drawing/2010/main" xmlns:ma14="http://schemas.microsoft.com/office/mac/drawingml/2011/main" val="1"/>
               </a:ext>
             </a:extLst>
           </p:spPr>
@@ -14551,7 +14803,7 @@
             <a:effectLst/>
             <a:extLst>
               <a:ext uri="{C572A759-6A51-4108-AA02-DFA0A04FC94B}">
-                <ma14:wrappingTextBoxFlag xmlns:ma14="http://schemas.microsoft.com/office/mac/drawingml/2011/main" xmlns:a14="http://schemas.microsoft.com/office/drawing/2010/main" xmlns:m="http://schemas.openxmlformats.org/officeDocument/2006/math" xmlns="" val="1"/>
+                <ma14:wrappingTextBoxFlag xmlns="" xmlns:m="http://schemas.openxmlformats.org/officeDocument/2006/math" xmlns:a14="http://schemas.microsoft.com/office/drawing/2010/main" xmlns:ma14="http://schemas.microsoft.com/office/mac/drawingml/2011/main" val="1"/>
               </a:ext>
             </a:extLst>
           </p:spPr>
@@ -14686,7 +14938,7 @@
             <a:effectLst/>
             <a:extLst>
               <a:ext uri="{C572A759-6A51-4108-AA02-DFA0A04FC94B}">
-                <ma14:wrappingTextBoxFlag xmlns:ma14="http://schemas.microsoft.com/office/mac/drawingml/2011/main" xmlns:a14="http://schemas.microsoft.com/office/drawing/2010/main" xmlns:m="http://schemas.openxmlformats.org/officeDocument/2006/math" xmlns="" val="1"/>
+                <ma14:wrappingTextBoxFlag xmlns="" xmlns:m="http://schemas.openxmlformats.org/officeDocument/2006/math" xmlns:a14="http://schemas.microsoft.com/office/drawing/2010/main" xmlns:ma14="http://schemas.microsoft.com/office/mac/drawingml/2011/main" val="1"/>
               </a:ext>
             </a:extLst>
           </p:spPr>
@@ -14782,7 +15034,7 @@
             <a:effectLst/>
             <a:extLst>
               <a:ext uri="{C572A759-6A51-4108-AA02-DFA0A04FC94B}">
-                <ma14:wrappingTextBoxFlag xmlns:ma14="http://schemas.microsoft.com/office/mac/drawingml/2011/main" xmlns:a14="http://schemas.microsoft.com/office/drawing/2010/main" xmlns:m="http://schemas.openxmlformats.org/officeDocument/2006/math" xmlns="" val="1"/>
+                <ma14:wrappingTextBoxFlag xmlns="" xmlns:m="http://schemas.openxmlformats.org/officeDocument/2006/math" xmlns:a14="http://schemas.microsoft.com/office/drawing/2010/main" xmlns:ma14="http://schemas.microsoft.com/office/mac/drawingml/2011/main" val="1"/>
               </a:ext>
             </a:extLst>
           </p:spPr>
@@ -14917,7 +15169,7 @@
             <a:effectLst/>
             <a:extLst>
               <a:ext uri="{C572A759-6A51-4108-AA02-DFA0A04FC94B}">
-                <ma14:wrappingTextBoxFlag xmlns:ma14="http://schemas.microsoft.com/office/mac/drawingml/2011/main" xmlns:a14="http://schemas.microsoft.com/office/drawing/2010/main" xmlns:m="http://schemas.openxmlformats.org/officeDocument/2006/math" xmlns="" val="1"/>
+                <ma14:wrappingTextBoxFlag xmlns="" xmlns:m="http://schemas.openxmlformats.org/officeDocument/2006/math" xmlns:a14="http://schemas.microsoft.com/office/drawing/2010/main" xmlns:ma14="http://schemas.microsoft.com/office/mac/drawingml/2011/main" val="1"/>
               </a:ext>
             </a:extLst>
           </p:spPr>
@@ -15052,7 +15304,7 @@
             <a:effectLst/>
             <a:extLst>
               <a:ext uri="{C572A759-6A51-4108-AA02-DFA0A04FC94B}">
-                <ma14:wrappingTextBoxFlag xmlns:ma14="http://schemas.microsoft.com/office/mac/drawingml/2011/main" xmlns:a14="http://schemas.microsoft.com/office/drawing/2010/main" xmlns:m="http://schemas.openxmlformats.org/officeDocument/2006/math" xmlns="" val="1"/>
+                <ma14:wrappingTextBoxFlag xmlns="" xmlns:m="http://schemas.openxmlformats.org/officeDocument/2006/math" xmlns:a14="http://schemas.microsoft.com/office/drawing/2010/main" xmlns:ma14="http://schemas.microsoft.com/office/mac/drawingml/2011/main" val="1"/>
               </a:ext>
             </a:extLst>
           </p:spPr>
@@ -15187,7 +15439,7 @@
             <a:effectLst/>
             <a:extLst>
               <a:ext uri="{C572A759-6A51-4108-AA02-DFA0A04FC94B}">
-                <ma14:wrappingTextBoxFlag xmlns:ma14="http://schemas.microsoft.com/office/mac/drawingml/2011/main" xmlns:a14="http://schemas.microsoft.com/office/drawing/2010/main" xmlns:m="http://schemas.openxmlformats.org/officeDocument/2006/math" xmlns="" val="1"/>
+                <ma14:wrappingTextBoxFlag xmlns="" xmlns:m="http://schemas.openxmlformats.org/officeDocument/2006/math" xmlns:a14="http://schemas.microsoft.com/office/drawing/2010/main" xmlns:ma14="http://schemas.microsoft.com/office/mac/drawingml/2011/main" val="1"/>
               </a:ext>
             </a:extLst>
           </p:spPr>
@@ -15283,7 +15535,7 @@
             <a:effectLst/>
             <a:extLst>
               <a:ext uri="{C572A759-6A51-4108-AA02-DFA0A04FC94B}">
-                <ma14:wrappingTextBoxFlag xmlns:ma14="http://schemas.microsoft.com/office/mac/drawingml/2011/main" xmlns:a14="http://schemas.microsoft.com/office/drawing/2010/main" xmlns:m="http://schemas.openxmlformats.org/officeDocument/2006/math" xmlns="" val="1"/>
+                <ma14:wrappingTextBoxFlag xmlns="" xmlns:m="http://schemas.openxmlformats.org/officeDocument/2006/math" xmlns:a14="http://schemas.microsoft.com/office/drawing/2010/main" xmlns:ma14="http://schemas.microsoft.com/office/mac/drawingml/2011/main" val="1"/>
               </a:ext>
             </a:extLst>
           </p:spPr>
@@ -15325,7 +15577,7 @@
           </a:ln>
           <a:extLst>
             <a:ext uri="{C572A759-6A51-4108-AA02-DFA0A04FC94B}">
-              <ma14:wrappingTextBoxFlag xmlns:ma14="http://schemas.microsoft.com/office/mac/drawingml/2011/main" xmlns:a14="http://schemas.microsoft.com/office/drawing/2010/main" xmlns:m="http://schemas.openxmlformats.org/officeDocument/2006/math" xmlns="" val="1"/>
+              <ma14:wrappingTextBoxFlag xmlns="" xmlns:m="http://schemas.openxmlformats.org/officeDocument/2006/math" xmlns:a14="http://schemas.microsoft.com/office/drawing/2010/main" xmlns:ma14="http://schemas.microsoft.com/office/mac/drawingml/2011/main" val="1"/>
             </a:ext>
           </a:extLst>
         </p:spPr>
@@ -15420,7 +15672,7 @@
             <a:effectLst/>
             <a:extLst>
               <a:ext uri="{C572A759-6A51-4108-AA02-DFA0A04FC94B}">
-                <ma14:wrappingTextBoxFlag xmlns:ma14="http://schemas.microsoft.com/office/mac/drawingml/2011/main" xmlns:a14="http://schemas.microsoft.com/office/drawing/2010/main" xmlns:m="http://schemas.openxmlformats.org/officeDocument/2006/math" xmlns="" val="1"/>
+                <ma14:wrappingTextBoxFlag xmlns="" xmlns:m="http://schemas.openxmlformats.org/officeDocument/2006/math" xmlns:a14="http://schemas.microsoft.com/office/drawing/2010/main" xmlns:ma14="http://schemas.microsoft.com/office/mac/drawingml/2011/main" val="1"/>
               </a:ext>
             </a:extLst>
           </p:spPr>
@@ -15516,7 +15768,7 @@
             <a:effectLst/>
             <a:extLst>
               <a:ext uri="{C572A759-6A51-4108-AA02-DFA0A04FC94B}">
-                <ma14:wrappingTextBoxFlag xmlns:ma14="http://schemas.microsoft.com/office/mac/drawingml/2011/main" xmlns:a14="http://schemas.microsoft.com/office/drawing/2010/main" xmlns:m="http://schemas.openxmlformats.org/officeDocument/2006/math" xmlns="" val="1"/>
+                <ma14:wrappingTextBoxFlag xmlns="" xmlns:m="http://schemas.openxmlformats.org/officeDocument/2006/math" xmlns:a14="http://schemas.microsoft.com/office/drawing/2010/main" xmlns:ma14="http://schemas.microsoft.com/office/mac/drawingml/2011/main" val="1"/>
               </a:ext>
             </a:extLst>
           </p:spPr>
@@ -15612,7 +15864,7 @@
             <a:effectLst/>
             <a:extLst>
               <a:ext uri="{C572A759-6A51-4108-AA02-DFA0A04FC94B}">
-                <ma14:wrappingTextBoxFlag xmlns:ma14="http://schemas.microsoft.com/office/mac/drawingml/2011/main" xmlns:a14="http://schemas.microsoft.com/office/drawing/2010/main" xmlns:m="http://schemas.openxmlformats.org/officeDocument/2006/math" xmlns="" val="1"/>
+                <ma14:wrappingTextBoxFlag xmlns="" xmlns:m="http://schemas.openxmlformats.org/officeDocument/2006/math" xmlns:a14="http://schemas.microsoft.com/office/drawing/2010/main" xmlns:ma14="http://schemas.microsoft.com/office/mac/drawingml/2011/main" val="1"/>
               </a:ext>
             </a:extLst>
           </p:spPr>
@@ -15708,7 +15960,7 @@
             <a:effectLst/>
             <a:extLst>
               <a:ext uri="{C572A759-6A51-4108-AA02-DFA0A04FC94B}">
-                <ma14:wrappingTextBoxFlag xmlns:ma14="http://schemas.microsoft.com/office/mac/drawingml/2011/main" xmlns:a14="http://schemas.microsoft.com/office/drawing/2010/main" xmlns:m="http://schemas.openxmlformats.org/officeDocument/2006/math" xmlns="" val="1"/>
+                <ma14:wrappingTextBoxFlag xmlns="" xmlns:m="http://schemas.openxmlformats.org/officeDocument/2006/math" xmlns:a14="http://schemas.microsoft.com/office/drawing/2010/main" xmlns:ma14="http://schemas.microsoft.com/office/mac/drawingml/2011/main" val="1"/>
               </a:ext>
             </a:extLst>
           </p:spPr>
@@ -15804,7 +16056,7 @@
             <a:effectLst/>
             <a:extLst>
               <a:ext uri="{C572A759-6A51-4108-AA02-DFA0A04FC94B}">
-                <ma14:wrappingTextBoxFlag xmlns:ma14="http://schemas.microsoft.com/office/mac/drawingml/2011/main" xmlns:a14="http://schemas.microsoft.com/office/drawing/2010/main" xmlns:m="http://schemas.openxmlformats.org/officeDocument/2006/math" xmlns="" val="1"/>
+                <ma14:wrappingTextBoxFlag xmlns="" xmlns:m="http://schemas.openxmlformats.org/officeDocument/2006/math" xmlns:a14="http://schemas.microsoft.com/office/drawing/2010/main" xmlns:ma14="http://schemas.microsoft.com/office/mac/drawingml/2011/main" val="1"/>
               </a:ext>
             </a:extLst>
           </p:spPr>
@@ -15939,7 +16191,7 @@
             <a:effectLst/>
             <a:extLst>
               <a:ext uri="{C572A759-6A51-4108-AA02-DFA0A04FC94B}">
-                <ma14:wrappingTextBoxFlag xmlns:ma14="http://schemas.microsoft.com/office/mac/drawingml/2011/main" xmlns:a14="http://schemas.microsoft.com/office/drawing/2010/main" xmlns:m="http://schemas.openxmlformats.org/officeDocument/2006/math" xmlns="" val="1"/>
+                <ma14:wrappingTextBoxFlag xmlns="" xmlns:m="http://schemas.openxmlformats.org/officeDocument/2006/math" xmlns:a14="http://schemas.microsoft.com/office/drawing/2010/main" xmlns:ma14="http://schemas.microsoft.com/office/mac/drawingml/2011/main" val="1"/>
               </a:ext>
             </a:extLst>
           </p:spPr>
@@ -16035,7 +16287,7 @@
             <a:effectLst/>
             <a:extLst>
               <a:ext uri="{C572A759-6A51-4108-AA02-DFA0A04FC94B}">
-                <ma14:wrappingTextBoxFlag xmlns:ma14="http://schemas.microsoft.com/office/mac/drawingml/2011/main" xmlns:a14="http://schemas.microsoft.com/office/drawing/2010/main" xmlns:m="http://schemas.openxmlformats.org/officeDocument/2006/math" xmlns="" val="1"/>
+                <ma14:wrappingTextBoxFlag xmlns="" xmlns:m="http://schemas.openxmlformats.org/officeDocument/2006/math" xmlns:a14="http://schemas.microsoft.com/office/drawing/2010/main" xmlns:ma14="http://schemas.microsoft.com/office/mac/drawingml/2011/main" val="1"/>
               </a:ext>
             </a:extLst>
           </p:spPr>
@@ -16170,7 +16422,7 @@
             <a:effectLst/>
             <a:extLst>
               <a:ext uri="{C572A759-6A51-4108-AA02-DFA0A04FC94B}">
-                <ma14:wrappingTextBoxFlag xmlns:ma14="http://schemas.microsoft.com/office/mac/drawingml/2011/main" xmlns:a14="http://schemas.microsoft.com/office/drawing/2010/main" xmlns:m="http://schemas.openxmlformats.org/officeDocument/2006/math" xmlns="" val="1"/>
+                <ma14:wrappingTextBoxFlag xmlns="" xmlns:m="http://schemas.openxmlformats.org/officeDocument/2006/math" xmlns:a14="http://schemas.microsoft.com/office/drawing/2010/main" xmlns:ma14="http://schemas.microsoft.com/office/mac/drawingml/2011/main" val="1"/>
               </a:ext>
             </a:extLst>
           </p:spPr>
@@ -16266,7 +16518,7 @@
             <a:effectLst/>
             <a:extLst>
               <a:ext uri="{C572A759-6A51-4108-AA02-DFA0A04FC94B}">
-                <ma14:wrappingTextBoxFlag xmlns:ma14="http://schemas.microsoft.com/office/mac/drawingml/2011/main" xmlns:a14="http://schemas.microsoft.com/office/drawing/2010/main" xmlns:m="http://schemas.openxmlformats.org/officeDocument/2006/math" xmlns="" val="1"/>
+                <ma14:wrappingTextBoxFlag xmlns="" xmlns:m="http://schemas.openxmlformats.org/officeDocument/2006/math" xmlns:a14="http://schemas.microsoft.com/office/drawing/2010/main" xmlns:ma14="http://schemas.microsoft.com/office/mac/drawingml/2011/main" val="1"/>
               </a:ext>
             </a:extLst>
           </p:spPr>
@@ -16366,7 +16618,7 @@
             <a:effectLst/>
             <a:extLst>
               <a:ext uri="{C572A759-6A51-4108-AA02-DFA0A04FC94B}">
-                <ma14:wrappingTextBoxFlag xmlns:ma14="http://schemas.microsoft.com/office/mac/drawingml/2011/main" xmlns:a14="http://schemas.microsoft.com/office/drawing/2010/main" xmlns:m="http://schemas.openxmlformats.org/officeDocument/2006/math" xmlns="" val="1"/>
+                <ma14:wrappingTextBoxFlag xmlns="" xmlns:m="http://schemas.openxmlformats.org/officeDocument/2006/math" xmlns:a14="http://schemas.microsoft.com/office/drawing/2010/main" xmlns:ma14="http://schemas.microsoft.com/office/mac/drawingml/2011/main" val="1"/>
               </a:ext>
             </a:extLst>
           </p:spPr>
@@ -16470,7 +16722,7 @@
             <a:effectLst/>
             <a:extLst>
               <a:ext uri="{C572A759-6A51-4108-AA02-DFA0A04FC94B}">
-                <ma14:wrappingTextBoxFlag xmlns:ma14="http://schemas.microsoft.com/office/mac/drawingml/2011/main" xmlns:a14="http://schemas.microsoft.com/office/drawing/2010/main" xmlns:m="http://schemas.openxmlformats.org/officeDocument/2006/math" xmlns="" val="1"/>
+                <ma14:wrappingTextBoxFlag xmlns="" xmlns:m="http://schemas.openxmlformats.org/officeDocument/2006/math" xmlns:a14="http://schemas.microsoft.com/office/drawing/2010/main" xmlns:ma14="http://schemas.microsoft.com/office/mac/drawingml/2011/main" val="1"/>
               </a:ext>
             </a:extLst>
           </p:spPr>
@@ -16574,7 +16826,7 @@
             <a:effectLst/>
             <a:extLst>
               <a:ext uri="{C572A759-6A51-4108-AA02-DFA0A04FC94B}">
-                <ma14:wrappingTextBoxFlag xmlns:ma14="http://schemas.microsoft.com/office/mac/drawingml/2011/main" xmlns:a14="http://schemas.microsoft.com/office/drawing/2010/main" xmlns:m="http://schemas.openxmlformats.org/officeDocument/2006/math" xmlns="" val="1"/>
+                <ma14:wrappingTextBoxFlag xmlns="" xmlns:m="http://schemas.openxmlformats.org/officeDocument/2006/math" xmlns:a14="http://schemas.microsoft.com/office/drawing/2010/main" xmlns:ma14="http://schemas.microsoft.com/office/mac/drawingml/2011/main" val="1"/>
               </a:ext>
             </a:extLst>
           </p:spPr>
@@ -17682,7 +17934,7 @@
           </a:ln>
           <a:extLst>
             <a:ext uri="{C572A759-6A51-4108-AA02-DFA0A04FC94B}">
-              <ma14:wrappingTextBoxFlag xmlns:ma14="http://schemas.microsoft.com/office/mac/drawingml/2011/main" xmlns:a14="http://schemas.microsoft.com/office/drawing/2010/main" xmlns:m="http://schemas.openxmlformats.org/officeDocument/2006/math" xmlns="" val="1"/>
+              <ma14:wrappingTextBoxFlag xmlns="" xmlns:m="http://schemas.openxmlformats.org/officeDocument/2006/math" xmlns:a14="http://schemas.microsoft.com/office/drawing/2010/main" xmlns:ma14="http://schemas.microsoft.com/office/mac/drawingml/2011/main" val="1"/>
             </a:ext>
           </a:extLst>
         </p:spPr>
@@ -20632,7 +20884,7 @@
             <a:effectLst/>
             <a:extLst>
               <a:ext uri="{C572A759-6A51-4108-AA02-DFA0A04FC94B}">
-                <ma14:wrappingTextBoxFlag xmlns:ma14="http://schemas.microsoft.com/office/mac/drawingml/2011/main" xmlns:a14="http://schemas.microsoft.com/office/drawing/2010/main" xmlns:m="http://schemas.openxmlformats.org/officeDocument/2006/math" xmlns="" val="1"/>
+                <ma14:wrappingTextBoxFlag xmlns="" xmlns:m="http://schemas.openxmlformats.org/officeDocument/2006/math" xmlns:a14="http://schemas.microsoft.com/office/drawing/2010/main" xmlns:ma14="http://schemas.microsoft.com/office/mac/drawingml/2011/main" val="1"/>
               </a:ext>
             </a:extLst>
           </p:spPr>
@@ -21853,7 +22105,7 @@
           </a:ln>
           <a:extLst>
             <a:ext uri="{C572A759-6A51-4108-AA02-DFA0A04FC94B}">
-              <ma14:wrappingTextBoxFlag xmlns:ma14="http://schemas.microsoft.com/office/mac/drawingml/2011/main" xmlns:a14="http://schemas.microsoft.com/office/drawing/2010/main" xmlns:m="http://schemas.openxmlformats.org/officeDocument/2006/math" xmlns="" val="1"/>
+              <ma14:wrappingTextBoxFlag xmlns="" xmlns:m="http://schemas.openxmlformats.org/officeDocument/2006/math" xmlns:a14="http://schemas.microsoft.com/office/drawing/2010/main" xmlns:ma14="http://schemas.microsoft.com/office/mac/drawingml/2011/main" val="1"/>
             </a:ext>
           </a:extLst>
         </p:spPr>
@@ -21888,7 +22140,7 @@
           </a:ln>
           <a:extLst>
             <a:ext uri="{C572A759-6A51-4108-AA02-DFA0A04FC94B}">
-              <ma14:wrappingTextBoxFlag xmlns:ma14="http://schemas.microsoft.com/office/mac/drawingml/2011/main" xmlns:a14="http://schemas.microsoft.com/office/drawing/2010/main" xmlns:m="http://schemas.openxmlformats.org/officeDocument/2006/math" xmlns="" val="1"/>
+              <ma14:wrappingTextBoxFlag xmlns="" xmlns:m="http://schemas.openxmlformats.org/officeDocument/2006/math" xmlns:a14="http://schemas.microsoft.com/office/drawing/2010/main" xmlns:ma14="http://schemas.microsoft.com/office/mac/drawingml/2011/main" val="1"/>
             </a:ext>
           </a:extLst>
         </p:spPr>
@@ -21968,7 +22220,7 @@
           </a:ln>
           <a:extLst>
             <a:ext uri="{C572A759-6A51-4108-AA02-DFA0A04FC94B}">
-              <ma14:wrappingTextBoxFlag xmlns:ma14="http://schemas.microsoft.com/office/mac/drawingml/2011/main" xmlns:a14="http://schemas.microsoft.com/office/drawing/2010/main" xmlns:m="http://schemas.openxmlformats.org/officeDocument/2006/math" xmlns="" val="1"/>
+              <ma14:wrappingTextBoxFlag xmlns="" xmlns:m="http://schemas.openxmlformats.org/officeDocument/2006/math" xmlns:a14="http://schemas.microsoft.com/office/drawing/2010/main" xmlns:ma14="http://schemas.microsoft.com/office/mac/drawingml/2011/main" val="1"/>
             </a:ext>
           </a:extLst>
         </p:spPr>
@@ -22003,7 +22255,7 @@
           </a:ln>
           <a:extLst>
             <a:ext uri="{C572A759-6A51-4108-AA02-DFA0A04FC94B}">
-              <ma14:wrappingTextBoxFlag xmlns:ma14="http://schemas.microsoft.com/office/mac/drawingml/2011/main" xmlns:a14="http://schemas.microsoft.com/office/drawing/2010/main" xmlns:m="http://schemas.openxmlformats.org/officeDocument/2006/math" xmlns="" val="1"/>
+              <ma14:wrappingTextBoxFlag xmlns="" xmlns:m="http://schemas.openxmlformats.org/officeDocument/2006/math" xmlns:a14="http://schemas.microsoft.com/office/drawing/2010/main" xmlns:ma14="http://schemas.microsoft.com/office/mac/drawingml/2011/main" val="1"/>
             </a:ext>
           </a:extLst>
         </p:spPr>
@@ -22082,7 +22334,7 @@
           </a:ln>
           <a:extLst>
             <a:ext uri="{C572A759-6A51-4108-AA02-DFA0A04FC94B}">
-              <ma14:wrappingTextBoxFlag xmlns:ma14="http://schemas.microsoft.com/office/mac/drawingml/2011/main" xmlns:a14="http://schemas.microsoft.com/office/drawing/2010/main" xmlns:m="http://schemas.openxmlformats.org/officeDocument/2006/math" xmlns="" val="1"/>
+              <ma14:wrappingTextBoxFlag xmlns="" xmlns:m="http://schemas.openxmlformats.org/officeDocument/2006/math" xmlns:a14="http://schemas.microsoft.com/office/drawing/2010/main" xmlns:ma14="http://schemas.microsoft.com/office/mac/drawingml/2011/main" val="1"/>
             </a:ext>
           </a:extLst>
         </p:spPr>
@@ -22117,7 +22369,7 @@
           </a:ln>
           <a:extLst>
             <a:ext uri="{C572A759-6A51-4108-AA02-DFA0A04FC94B}">
-              <ma14:wrappingTextBoxFlag xmlns:ma14="http://schemas.microsoft.com/office/mac/drawingml/2011/main" xmlns:a14="http://schemas.microsoft.com/office/drawing/2010/main" xmlns:m="http://schemas.openxmlformats.org/officeDocument/2006/math" xmlns="" val="1"/>
+              <ma14:wrappingTextBoxFlag xmlns="" xmlns:m="http://schemas.openxmlformats.org/officeDocument/2006/math" xmlns:a14="http://schemas.microsoft.com/office/drawing/2010/main" xmlns:ma14="http://schemas.microsoft.com/office/mac/drawingml/2011/main" val="1"/>
             </a:ext>
           </a:extLst>
         </p:spPr>
@@ -22196,7 +22448,7 @@
           </a:ln>
           <a:extLst>
             <a:ext uri="{C572A759-6A51-4108-AA02-DFA0A04FC94B}">
-              <ma14:wrappingTextBoxFlag xmlns:ma14="http://schemas.microsoft.com/office/mac/drawingml/2011/main" xmlns:a14="http://schemas.microsoft.com/office/drawing/2010/main" xmlns:m="http://schemas.openxmlformats.org/officeDocument/2006/math" xmlns="" val="1"/>
+              <ma14:wrappingTextBoxFlag xmlns="" xmlns:m="http://schemas.openxmlformats.org/officeDocument/2006/math" xmlns:a14="http://schemas.microsoft.com/office/drawing/2010/main" xmlns:ma14="http://schemas.microsoft.com/office/mac/drawingml/2011/main" val="1"/>
             </a:ext>
           </a:extLst>
         </p:spPr>
@@ -22231,7 +22483,7 @@
           </a:ln>
           <a:extLst>
             <a:ext uri="{C572A759-6A51-4108-AA02-DFA0A04FC94B}">
-              <ma14:wrappingTextBoxFlag xmlns:ma14="http://schemas.microsoft.com/office/mac/drawingml/2011/main" xmlns:a14="http://schemas.microsoft.com/office/drawing/2010/main" xmlns:m="http://schemas.openxmlformats.org/officeDocument/2006/math" xmlns="" val="1"/>
+              <ma14:wrappingTextBoxFlag xmlns="" xmlns:m="http://schemas.openxmlformats.org/officeDocument/2006/math" xmlns:a14="http://schemas.microsoft.com/office/drawing/2010/main" xmlns:ma14="http://schemas.microsoft.com/office/mac/drawingml/2011/main" val="1"/>
             </a:ext>
           </a:extLst>
         </p:spPr>
@@ -22364,7 +22616,7 @@
             <a:effectLst/>
             <a:extLst>
               <a:ext uri="{C572A759-6A51-4108-AA02-DFA0A04FC94B}">
-                <ma14:wrappingTextBoxFlag xmlns:ma14="http://schemas.microsoft.com/office/mac/drawingml/2011/main" xmlns:a14="http://schemas.microsoft.com/office/drawing/2010/main" xmlns:m="http://schemas.openxmlformats.org/officeDocument/2006/math" xmlns="" val="1"/>
+                <ma14:wrappingTextBoxFlag xmlns="" xmlns:m="http://schemas.openxmlformats.org/officeDocument/2006/math" xmlns:a14="http://schemas.microsoft.com/office/drawing/2010/main" xmlns:ma14="http://schemas.microsoft.com/office/mac/drawingml/2011/main" val="1"/>
               </a:ext>
             </a:extLst>
           </p:spPr>
@@ -22460,7 +22712,7 @@
             <a:effectLst/>
             <a:extLst>
               <a:ext uri="{C572A759-6A51-4108-AA02-DFA0A04FC94B}">
-                <ma14:wrappingTextBoxFlag xmlns:ma14="http://schemas.microsoft.com/office/mac/drawingml/2011/main" xmlns:a14="http://schemas.microsoft.com/office/drawing/2010/main" xmlns:m="http://schemas.openxmlformats.org/officeDocument/2006/math" xmlns="" val="1"/>
+                <ma14:wrappingTextBoxFlag xmlns="" xmlns:m="http://schemas.openxmlformats.org/officeDocument/2006/math" xmlns:a14="http://schemas.microsoft.com/office/drawing/2010/main" xmlns:ma14="http://schemas.microsoft.com/office/mac/drawingml/2011/main" val="1"/>
               </a:ext>
             </a:extLst>
           </p:spPr>
@@ -22818,7 +23070,7 @@
             <a:effectLst/>
             <a:extLst>
               <a:ext uri="{C572A759-6A51-4108-AA02-DFA0A04FC94B}">
-                <ma14:wrappingTextBoxFlag xmlns:ma14="http://schemas.microsoft.com/office/mac/drawingml/2011/main" xmlns:a14="http://schemas.microsoft.com/office/drawing/2010/main" xmlns:m="http://schemas.openxmlformats.org/officeDocument/2006/math" xmlns="" val="1"/>
+                <ma14:wrappingTextBoxFlag xmlns="" xmlns:m="http://schemas.openxmlformats.org/officeDocument/2006/math" xmlns:a14="http://schemas.microsoft.com/office/drawing/2010/main" xmlns:ma14="http://schemas.microsoft.com/office/mac/drawingml/2011/main" val="1"/>
               </a:ext>
             </a:extLst>
           </p:spPr>
@@ -22922,7 +23174,7 @@
             <a:effectLst/>
             <a:extLst>
               <a:ext uri="{C572A759-6A51-4108-AA02-DFA0A04FC94B}">
-                <ma14:wrappingTextBoxFlag xmlns:ma14="http://schemas.microsoft.com/office/mac/drawingml/2011/main" xmlns:a14="http://schemas.microsoft.com/office/drawing/2010/main" xmlns:m="http://schemas.openxmlformats.org/officeDocument/2006/math" xmlns="" val="1"/>
+                <ma14:wrappingTextBoxFlag xmlns="" xmlns:m="http://schemas.openxmlformats.org/officeDocument/2006/math" xmlns:a14="http://schemas.microsoft.com/office/drawing/2010/main" xmlns:ma14="http://schemas.microsoft.com/office/mac/drawingml/2011/main" val="1"/>
               </a:ext>
             </a:extLst>
           </p:spPr>
@@ -23026,7 +23278,7 @@
             <a:effectLst/>
             <a:extLst>
               <a:ext uri="{C572A759-6A51-4108-AA02-DFA0A04FC94B}">
-                <ma14:wrappingTextBoxFlag xmlns:ma14="http://schemas.microsoft.com/office/mac/drawingml/2011/main" xmlns:a14="http://schemas.microsoft.com/office/drawing/2010/main" xmlns:m="http://schemas.openxmlformats.org/officeDocument/2006/math" xmlns="" val="1"/>
+                <ma14:wrappingTextBoxFlag xmlns="" xmlns:m="http://schemas.openxmlformats.org/officeDocument/2006/math" xmlns:a14="http://schemas.microsoft.com/office/drawing/2010/main" xmlns:ma14="http://schemas.microsoft.com/office/mac/drawingml/2011/main" val="1"/>
               </a:ext>
             </a:extLst>
           </p:spPr>
@@ -24190,7 +24442,7 @@
           </a:ln>
           <a:extLst>
             <a:ext uri="{C572A759-6A51-4108-AA02-DFA0A04FC94B}">
-              <ma14:wrappingTextBoxFlag xmlns:ma14="http://schemas.microsoft.com/office/mac/drawingml/2011/main" xmlns:a14="http://schemas.microsoft.com/office/drawing/2010/main" xmlns:m="http://schemas.openxmlformats.org/officeDocument/2006/math" xmlns="" val="1"/>
+              <ma14:wrappingTextBoxFlag xmlns="" xmlns:m="http://schemas.openxmlformats.org/officeDocument/2006/math" xmlns:a14="http://schemas.microsoft.com/office/drawing/2010/main" xmlns:ma14="http://schemas.microsoft.com/office/mac/drawingml/2011/main" val="1"/>
             </a:ext>
           </a:extLst>
         </p:spPr>
@@ -24270,7 +24522,7 @@
           </a:ln>
           <a:extLst>
             <a:ext uri="{C572A759-6A51-4108-AA02-DFA0A04FC94B}">
-              <ma14:wrappingTextBoxFlag xmlns:ma14="http://schemas.microsoft.com/office/mac/drawingml/2011/main" xmlns:a14="http://schemas.microsoft.com/office/drawing/2010/main" xmlns:m="http://schemas.openxmlformats.org/officeDocument/2006/math" xmlns="" val="1"/>
+              <ma14:wrappingTextBoxFlag xmlns="" xmlns:m="http://schemas.openxmlformats.org/officeDocument/2006/math" xmlns:a14="http://schemas.microsoft.com/office/drawing/2010/main" xmlns:ma14="http://schemas.microsoft.com/office/mac/drawingml/2011/main" val="1"/>
             </a:ext>
           </a:extLst>
         </p:spPr>
@@ -24322,7 +24574,7 @@
           </a:ln>
           <a:extLst>
             <a:ext uri="{C572A759-6A51-4108-AA02-DFA0A04FC94B}">
-              <ma14:wrappingTextBoxFlag xmlns:ma14="http://schemas.microsoft.com/office/mac/drawingml/2011/main" xmlns:a14="http://schemas.microsoft.com/office/drawing/2010/main" xmlns:m="http://schemas.openxmlformats.org/officeDocument/2006/math" xmlns="" val="1"/>
+              <ma14:wrappingTextBoxFlag xmlns="" xmlns:m="http://schemas.openxmlformats.org/officeDocument/2006/math" xmlns:a14="http://schemas.microsoft.com/office/drawing/2010/main" xmlns:ma14="http://schemas.microsoft.com/office/mac/drawingml/2011/main" val="1"/>
             </a:ext>
           </a:extLst>
         </p:spPr>
@@ -24368,7 +24620,7 @@
           </a:ln>
           <a:extLst>
             <a:ext uri="{C572A759-6A51-4108-AA02-DFA0A04FC94B}">
-              <ma14:wrappingTextBoxFlag xmlns:ma14="http://schemas.microsoft.com/office/mac/drawingml/2011/main" xmlns:a14="http://schemas.microsoft.com/office/drawing/2010/main" xmlns:m="http://schemas.openxmlformats.org/officeDocument/2006/math" xmlns="" val="1"/>
+              <ma14:wrappingTextBoxFlag xmlns="" xmlns:m="http://schemas.openxmlformats.org/officeDocument/2006/math" xmlns:a14="http://schemas.microsoft.com/office/drawing/2010/main" xmlns:ma14="http://schemas.microsoft.com/office/mac/drawingml/2011/main" val="1"/>
             </a:ext>
           </a:extLst>
         </p:spPr>
@@ -25468,7 +25720,7 @@
           </a:ln>
           <a:extLst>
             <a:ext uri="{C572A759-6A51-4108-AA02-DFA0A04FC94B}">
-              <ma14:wrappingTextBoxFlag xmlns:ma14="http://schemas.microsoft.com/office/mac/drawingml/2011/main" xmlns:a14="http://schemas.microsoft.com/office/drawing/2010/main" xmlns:m="http://schemas.openxmlformats.org/officeDocument/2006/math" xmlns="" val="1"/>
+              <ma14:wrappingTextBoxFlag xmlns="" xmlns:m="http://schemas.openxmlformats.org/officeDocument/2006/math" xmlns:a14="http://schemas.microsoft.com/office/drawing/2010/main" xmlns:ma14="http://schemas.microsoft.com/office/mac/drawingml/2011/main" val="1"/>
             </a:ext>
           </a:extLst>
         </p:spPr>
@@ -26626,7 +26878,7 @@
           </a:ln>
           <a:extLst>
             <a:ext uri="{C572A759-6A51-4108-AA02-DFA0A04FC94B}">
-              <ma14:wrappingTextBoxFlag xmlns:ma14="http://schemas.microsoft.com/office/mac/drawingml/2011/main" xmlns:a14="http://schemas.microsoft.com/office/drawing/2010/main" xmlns:m="http://schemas.openxmlformats.org/officeDocument/2006/math" xmlns="" val="1"/>
+              <ma14:wrappingTextBoxFlag xmlns="" xmlns:m="http://schemas.openxmlformats.org/officeDocument/2006/math" xmlns:a14="http://schemas.microsoft.com/office/drawing/2010/main" xmlns:ma14="http://schemas.microsoft.com/office/mac/drawingml/2011/main" val="1"/>
             </a:ext>
           </a:extLst>
         </p:spPr>
@@ -27822,7 +28074,7 @@
             <a:effectLst/>
             <a:extLst>
               <a:ext uri="{C572A759-6A51-4108-AA02-DFA0A04FC94B}">
-                <ma14:wrappingTextBoxFlag xmlns:ma14="http://schemas.microsoft.com/office/mac/drawingml/2011/main" xmlns:a14="http://schemas.microsoft.com/office/drawing/2010/main" xmlns:m="http://schemas.openxmlformats.org/officeDocument/2006/math" xmlns="" val="1"/>
+                <ma14:wrappingTextBoxFlag xmlns="" xmlns:m="http://schemas.openxmlformats.org/officeDocument/2006/math" xmlns:a14="http://schemas.microsoft.com/office/drawing/2010/main" xmlns:ma14="http://schemas.microsoft.com/office/mac/drawingml/2011/main" val="1"/>
               </a:ext>
             </a:extLst>
           </p:spPr>
@@ -27922,7 +28174,7 @@
             <a:effectLst/>
             <a:extLst>
               <a:ext uri="{C572A759-6A51-4108-AA02-DFA0A04FC94B}">
-                <ma14:wrappingTextBoxFlag xmlns:ma14="http://schemas.microsoft.com/office/mac/drawingml/2011/main" xmlns:a14="http://schemas.microsoft.com/office/drawing/2010/main" xmlns:m="http://schemas.openxmlformats.org/officeDocument/2006/math" xmlns="" val="1"/>
+                <ma14:wrappingTextBoxFlag xmlns="" xmlns:m="http://schemas.openxmlformats.org/officeDocument/2006/math" xmlns:a14="http://schemas.microsoft.com/office/drawing/2010/main" xmlns:ma14="http://schemas.microsoft.com/office/mac/drawingml/2011/main" val="1"/>
               </a:ext>
             </a:extLst>
           </p:spPr>
@@ -29047,7 +29299,7 @@
           </a:ln>
           <a:extLst>
             <a:ext uri="{C572A759-6A51-4108-AA02-DFA0A04FC94B}">
-              <ma14:wrappingTextBoxFlag xmlns:ma14="http://schemas.microsoft.com/office/mac/drawingml/2011/main" xmlns:a14="http://schemas.microsoft.com/office/drawing/2010/main" xmlns:m="http://schemas.openxmlformats.org/officeDocument/2006/math" xmlns="" val="1"/>
+              <ma14:wrappingTextBoxFlag xmlns="" xmlns:m="http://schemas.openxmlformats.org/officeDocument/2006/math" xmlns:a14="http://schemas.microsoft.com/office/drawing/2010/main" xmlns:ma14="http://schemas.microsoft.com/office/mac/drawingml/2011/main" val="1"/>
             </a:ext>
           </a:extLst>
         </p:spPr>
@@ -29087,7 +29339,7 @@
           </a:ln>
           <a:extLst>
             <a:ext uri="{C572A759-6A51-4108-AA02-DFA0A04FC94B}">
-              <ma14:wrappingTextBoxFlag xmlns:ma14="http://schemas.microsoft.com/office/mac/drawingml/2011/main" xmlns:a14="http://schemas.microsoft.com/office/drawing/2010/main" xmlns:m="http://schemas.openxmlformats.org/officeDocument/2006/math" xmlns="" val="1"/>
+              <ma14:wrappingTextBoxFlag xmlns="" xmlns:m="http://schemas.openxmlformats.org/officeDocument/2006/math" xmlns:a14="http://schemas.microsoft.com/office/drawing/2010/main" xmlns:ma14="http://schemas.microsoft.com/office/mac/drawingml/2011/main" val="1"/>
             </a:ext>
           </a:extLst>
         </p:spPr>
@@ -29133,7 +29385,7 @@
           </a:ln>
           <a:extLst>
             <a:ext uri="{C572A759-6A51-4108-AA02-DFA0A04FC94B}">
-              <ma14:wrappingTextBoxFlag xmlns:ma14="http://schemas.microsoft.com/office/mac/drawingml/2011/main" xmlns:a14="http://schemas.microsoft.com/office/drawing/2010/main" xmlns:m="http://schemas.openxmlformats.org/officeDocument/2006/math" xmlns="" val="1"/>
+              <ma14:wrappingTextBoxFlag xmlns="" xmlns:m="http://schemas.openxmlformats.org/officeDocument/2006/math" xmlns:a14="http://schemas.microsoft.com/office/drawing/2010/main" xmlns:ma14="http://schemas.microsoft.com/office/mac/drawingml/2011/main" val="1"/>
             </a:ext>
           </a:extLst>
         </p:spPr>
@@ -29175,7 +29427,7 @@
           </a:ln>
           <a:extLst>
             <a:ext uri="{C572A759-6A51-4108-AA02-DFA0A04FC94B}">
-              <ma14:wrappingTextBoxFlag xmlns:ma14="http://schemas.microsoft.com/office/mac/drawingml/2011/main" xmlns:a14="http://schemas.microsoft.com/office/drawing/2010/main" xmlns:m="http://schemas.openxmlformats.org/officeDocument/2006/math" xmlns="" val="1"/>
+              <ma14:wrappingTextBoxFlag xmlns="" xmlns:m="http://schemas.openxmlformats.org/officeDocument/2006/math" xmlns:a14="http://schemas.microsoft.com/office/drawing/2010/main" xmlns:ma14="http://schemas.microsoft.com/office/mac/drawingml/2011/main" val="1"/>
             </a:ext>
           </a:extLst>
         </p:spPr>
@@ -29226,7 +29478,7 @@
           </a:ln>
           <a:extLst>
             <a:ext uri="{C572A759-6A51-4108-AA02-DFA0A04FC94B}">
-              <ma14:wrappingTextBoxFlag xmlns:ma14="http://schemas.microsoft.com/office/mac/drawingml/2011/main" xmlns:a14="http://schemas.microsoft.com/office/drawing/2010/main" xmlns:m="http://schemas.openxmlformats.org/officeDocument/2006/math" xmlns="" val="1"/>
+              <ma14:wrappingTextBoxFlag xmlns="" xmlns:m="http://schemas.openxmlformats.org/officeDocument/2006/math" xmlns:a14="http://schemas.microsoft.com/office/drawing/2010/main" xmlns:ma14="http://schemas.microsoft.com/office/mac/drawingml/2011/main" val="1"/>
             </a:ext>
           </a:extLst>
         </p:spPr>
@@ -29269,7 +29521,7 @@
           </a:ln>
           <a:extLst>
             <a:ext uri="{C572A759-6A51-4108-AA02-DFA0A04FC94B}">
-              <ma14:wrappingTextBoxFlag xmlns:ma14="http://schemas.microsoft.com/office/mac/drawingml/2011/main" xmlns:a14="http://schemas.microsoft.com/office/drawing/2010/main" xmlns:m="http://schemas.openxmlformats.org/officeDocument/2006/math" xmlns="" val="1"/>
+              <ma14:wrappingTextBoxFlag xmlns="" xmlns:m="http://schemas.openxmlformats.org/officeDocument/2006/math" xmlns:a14="http://schemas.microsoft.com/office/drawing/2010/main" xmlns:ma14="http://schemas.microsoft.com/office/mac/drawingml/2011/main" val="1"/>
             </a:ext>
           </a:extLst>
         </p:spPr>
@@ -29319,7 +29571,7 @@
           </a:ln>
           <a:extLst>
             <a:ext uri="{C572A759-6A51-4108-AA02-DFA0A04FC94B}">
-              <ma14:wrappingTextBoxFlag xmlns:ma14="http://schemas.microsoft.com/office/mac/drawingml/2011/main" xmlns:a14="http://schemas.microsoft.com/office/drawing/2010/main" xmlns:m="http://schemas.openxmlformats.org/officeDocument/2006/math" xmlns="" val="1"/>
+              <ma14:wrappingTextBoxFlag xmlns="" xmlns:m="http://schemas.openxmlformats.org/officeDocument/2006/math" xmlns:a14="http://schemas.microsoft.com/office/drawing/2010/main" xmlns:ma14="http://schemas.microsoft.com/office/mac/drawingml/2011/main" val="1"/>
             </a:ext>
           </a:extLst>
         </p:spPr>
@@ -29365,7 +29617,7 @@
           </a:ln>
           <a:extLst>
             <a:ext uri="{C572A759-6A51-4108-AA02-DFA0A04FC94B}">
-              <ma14:wrappingTextBoxFlag xmlns:ma14="http://schemas.microsoft.com/office/mac/drawingml/2011/main" xmlns:a14="http://schemas.microsoft.com/office/drawing/2010/main" xmlns:m="http://schemas.openxmlformats.org/officeDocument/2006/math" xmlns="" val="1"/>
+              <ma14:wrappingTextBoxFlag xmlns="" xmlns:m="http://schemas.openxmlformats.org/officeDocument/2006/math" xmlns:a14="http://schemas.microsoft.com/office/drawing/2010/main" xmlns:ma14="http://schemas.microsoft.com/office/mac/drawingml/2011/main" val="1"/>
             </a:ext>
           </a:extLst>
         </p:spPr>
@@ -29405,7 +29657,7 @@
           </a:ln>
           <a:extLst>
             <a:ext uri="{C572A759-6A51-4108-AA02-DFA0A04FC94B}">
-              <ma14:wrappingTextBoxFlag xmlns:ma14="http://schemas.microsoft.com/office/mac/drawingml/2011/main" xmlns:a14="http://schemas.microsoft.com/office/drawing/2010/main" xmlns:m="http://schemas.openxmlformats.org/officeDocument/2006/math" xmlns="" val="1"/>
+              <ma14:wrappingTextBoxFlag xmlns="" xmlns:m="http://schemas.openxmlformats.org/officeDocument/2006/math" xmlns:a14="http://schemas.microsoft.com/office/drawing/2010/main" xmlns:ma14="http://schemas.microsoft.com/office/mac/drawingml/2011/main" val="1"/>
             </a:ext>
           </a:extLst>
         </p:spPr>
@@ -29450,7 +29702,7 @@
           </a:ln>
           <a:extLst>
             <a:ext uri="{C572A759-6A51-4108-AA02-DFA0A04FC94B}">
-              <ma14:wrappingTextBoxFlag xmlns:ma14="http://schemas.microsoft.com/office/mac/drawingml/2011/main" xmlns:a14="http://schemas.microsoft.com/office/drawing/2010/main" xmlns:m="http://schemas.openxmlformats.org/officeDocument/2006/math" xmlns="" val="1"/>
+              <ma14:wrappingTextBoxFlag xmlns="" xmlns:m="http://schemas.openxmlformats.org/officeDocument/2006/math" xmlns:a14="http://schemas.microsoft.com/office/drawing/2010/main" xmlns:ma14="http://schemas.microsoft.com/office/mac/drawingml/2011/main" val="1"/>
             </a:ext>
           </a:extLst>
         </p:spPr>
@@ -29763,7 +30015,7 @@
             <a:effectLst/>
             <a:extLst>
               <a:ext uri="{C572A759-6A51-4108-AA02-DFA0A04FC94B}">
-                <ma14:wrappingTextBoxFlag xmlns:ma14="http://schemas.microsoft.com/office/mac/drawingml/2011/main" xmlns:a14="http://schemas.microsoft.com/office/drawing/2010/main" xmlns:m="http://schemas.openxmlformats.org/officeDocument/2006/math" xmlns="" val="1"/>
+                <ma14:wrappingTextBoxFlag xmlns="" xmlns:m="http://schemas.openxmlformats.org/officeDocument/2006/math" xmlns:a14="http://schemas.microsoft.com/office/drawing/2010/main" xmlns:ma14="http://schemas.microsoft.com/office/mac/drawingml/2011/main" val="1"/>
               </a:ext>
             </a:extLst>
           </p:spPr>
@@ -30903,7 +31155,7 @@
           </a:ln>
           <a:extLst>
             <a:ext uri="{C572A759-6A51-4108-AA02-DFA0A04FC94B}">
-              <ma14:wrappingTextBoxFlag xmlns:ma14="http://schemas.microsoft.com/office/mac/drawingml/2011/main" xmlns:a14="http://schemas.microsoft.com/office/drawing/2010/main" xmlns:m="http://schemas.openxmlformats.org/officeDocument/2006/math" xmlns="" val="1"/>
+              <ma14:wrappingTextBoxFlag xmlns="" xmlns:m="http://schemas.openxmlformats.org/officeDocument/2006/math" xmlns:a14="http://schemas.microsoft.com/office/drawing/2010/main" xmlns:ma14="http://schemas.microsoft.com/office/mac/drawingml/2011/main" val="1"/>
             </a:ext>
           </a:extLst>
         </p:spPr>
@@ -30953,7 +31205,7 @@
           </a:ln>
           <a:extLst>
             <a:ext uri="{C572A759-6A51-4108-AA02-DFA0A04FC94B}">
-              <ma14:wrappingTextBoxFlag xmlns:ma14="http://schemas.microsoft.com/office/mac/drawingml/2011/main" xmlns:a14="http://schemas.microsoft.com/office/drawing/2010/main" xmlns:m="http://schemas.openxmlformats.org/officeDocument/2006/math" xmlns="" val="1"/>
+              <ma14:wrappingTextBoxFlag xmlns="" xmlns:m="http://schemas.openxmlformats.org/officeDocument/2006/math" xmlns:a14="http://schemas.microsoft.com/office/drawing/2010/main" xmlns:ma14="http://schemas.microsoft.com/office/mac/drawingml/2011/main" val="1"/>
             </a:ext>
           </a:extLst>
         </p:spPr>
@@ -30993,7 +31245,7 @@
           </a:ln>
           <a:extLst>
             <a:ext uri="{C572A759-6A51-4108-AA02-DFA0A04FC94B}">
-              <ma14:wrappingTextBoxFlag xmlns:ma14="http://schemas.microsoft.com/office/mac/drawingml/2011/main" xmlns:a14="http://schemas.microsoft.com/office/drawing/2010/main" xmlns:m="http://schemas.openxmlformats.org/officeDocument/2006/math" xmlns="" val="1"/>
+              <ma14:wrappingTextBoxFlag xmlns="" xmlns:m="http://schemas.openxmlformats.org/officeDocument/2006/math" xmlns:a14="http://schemas.microsoft.com/office/drawing/2010/main" xmlns:ma14="http://schemas.microsoft.com/office/mac/drawingml/2011/main" val="1"/>
             </a:ext>
           </a:extLst>
         </p:spPr>
@@ -31039,7 +31291,7 @@
           </a:ln>
           <a:extLst>
             <a:ext uri="{C572A759-6A51-4108-AA02-DFA0A04FC94B}">
-              <ma14:wrappingTextBoxFlag xmlns:ma14="http://schemas.microsoft.com/office/mac/drawingml/2011/main" xmlns:a14="http://schemas.microsoft.com/office/drawing/2010/main" xmlns:m="http://schemas.openxmlformats.org/officeDocument/2006/math" xmlns="" val="1"/>
+              <ma14:wrappingTextBoxFlag xmlns="" xmlns:m="http://schemas.openxmlformats.org/officeDocument/2006/math" xmlns:a14="http://schemas.microsoft.com/office/drawing/2010/main" xmlns:ma14="http://schemas.microsoft.com/office/mac/drawingml/2011/main" val="1"/>
             </a:ext>
           </a:extLst>
         </p:spPr>
@@ -31089,7 +31341,7 @@
           </a:ln>
           <a:extLst>
             <a:ext uri="{C572A759-6A51-4108-AA02-DFA0A04FC94B}">
-              <ma14:wrappingTextBoxFlag xmlns:ma14="http://schemas.microsoft.com/office/mac/drawingml/2011/main" xmlns:a14="http://schemas.microsoft.com/office/drawing/2010/main" xmlns:m="http://schemas.openxmlformats.org/officeDocument/2006/math" xmlns="" val="1"/>
+              <ma14:wrappingTextBoxFlag xmlns="" xmlns:m="http://schemas.openxmlformats.org/officeDocument/2006/math" xmlns:a14="http://schemas.microsoft.com/office/drawing/2010/main" xmlns:ma14="http://schemas.microsoft.com/office/mac/drawingml/2011/main" val="1"/>
             </a:ext>
           </a:extLst>
         </p:spPr>
@@ -31166,7 +31418,7 @@
           </a:ln>
           <a:extLst>
             <a:ext uri="{C572A759-6A51-4108-AA02-DFA0A04FC94B}">
-              <ma14:wrappingTextBoxFlag xmlns:ma14="http://schemas.microsoft.com/office/mac/drawingml/2011/main" xmlns:a14="http://schemas.microsoft.com/office/drawing/2010/main" xmlns:m="http://schemas.openxmlformats.org/officeDocument/2006/math" xmlns="" val="1"/>
+              <ma14:wrappingTextBoxFlag xmlns="" xmlns:m="http://schemas.openxmlformats.org/officeDocument/2006/math" xmlns:a14="http://schemas.microsoft.com/office/drawing/2010/main" xmlns:ma14="http://schemas.microsoft.com/office/mac/drawingml/2011/main" val="1"/>
             </a:ext>
           </a:extLst>
         </p:spPr>
@@ -31211,7 +31463,7 @@
           </a:ln>
           <a:extLst>
             <a:ext uri="{C572A759-6A51-4108-AA02-DFA0A04FC94B}">
-              <ma14:wrappingTextBoxFlag xmlns:ma14="http://schemas.microsoft.com/office/mac/drawingml/2011/main" xmlns:a14="http://schemas.microsoft.com/office/drawing/2010/main" xmlns:m="http://schemas.openxmlformats.org/officeDocument/2006/math" xmlns="" val="1"/>
+              <ma14:wrappingTextBoxFlag xmlns="" xmlns:m="http://schemas.openxmlformats.org/officeDocument/2006/math" xmlns:a14="http://schemas.microsoft.com/office/drawing/2010/main" xmlns:ma14="http://schemas.microsoft.com/office/mac/drawingml/2011/main" val="1"/>
             </a:ext>
           </a:extLst>
         </p:spPr>
@@ -31256,7 +31508,7 @@
           </a:ln>
           <a:extLst>
             <a:ext uri="{C572A759-6A51-4108-AA02-DFA0A04FC94B}">
-              <ma14:wrappingTextBoxFlag xmlns:ma14="http://schemas.microsoft.com/office/mac/drawingml/2011/main" xmlns:a14="http://schemas.microsoft.com/office/drawing/2010/main" xmlns:m="http://schemas.openxmlformats.org/officeDocument/2006/math" xmlns="" val="1"/>
+              <ma14:wrappingTextBoxFlag xmlns="" xmlns:m="http://schemas.openxmlformats.org/officeDocument/2006/math" xmlns:a14="http://schemas.microsoft.com/office/drawing/2010/main" xmlns:ma14="http://schemas.microsoft.com/office/mac/drawingml/2011/main" val="1"/>
             </a:ext>
           </a:extLst>
         </p:spPr>
@@ -32511,7 +32763,7 @@
           </a:ln>
           <a:extLst>
             <a:ext uri="{C572A759-6A51-4108-AA02-DFA0A04FC94B}">
-              <ma14:wrappingTextBoxFlag xmlns:ma14="http://schemas.microsoft.com/office/mac/drawingml/2011/main" xmlns:a14="http://schemas.microsoft.com/office/drawing/2010/main" xmlns:m="http://schemas.openxmlformats.org/officeDocument/2006/math" xmlns="" val="1"/>
+              <ma14:wrappingTextBoxFlag xmlns="" xmlns:m="http://schemas.openxmlformats.org/officeDocument/2006/math" xmlns:a14="http://schemas.microsoft.com/office/drawing/2010/main" xmlns:ma14="http://schemas.microsoft.com/office/mac/drawingml/2011/main" val="1"/>
             </a:ext>
           </a:extLst>
         </p:spPr>
@@ -32606,7 +32858,7 @@
             <a:effectLst/>
             <a:extLst>
               <a:ext uri="{C572A759-6A51-4108-AA02-DFA0A04FC94B}">
-                <ma14:wrappingTextBoxFlag xmlns:ma14="http://schemas.microsoft.com/office/mac/drawingml/2011/main" xmlns:a14="http://schemas.microsoft.com/office/drawing/2010/main" xmlns:m="http://schemas.openxmlformats.org/officeDocument/2006/math" xmlns="" val="1"/>
+                <ma14:wrappingTextBoxFlag xmlns="" xmlns:m="http://schemas.openxmlformats.org/officeDocument/2006/math" xmlns:a14="http://schemas.microsoft.com/office/drawing/2010/main" xmlns:ma14="http://schemas.microsoft.com/office/mac/drawingml/2011/main" val="1"/>
               </a:ext>
             </a:extLst>
           </p:spPr>
@@ -32702,7 +32954,7 @@
             <a:effectLst/>
             <a:extLst>
               <a:ext uri="{C572A759-6A51-4108-AA02-DFA0A04FC94B}">
-                <ma14:wrappingTextBoxFlag xmlns:ma14="http://schemas.microsoft.com/office/mac/drawingml/2011/main" xmlns:a14="http://schemas.microsoft.com/office/drawing/2010/main" xmlns:m="http://schemas.openxmlformats.org/officeDocument/2006/math" xmlns="" val="1"/>
+                <ma14:wrappingTextBoxFlag xmlns="" xmlns:m="http://schemas.openxmlformats.org/officeDocument/2006/math" xmlns:a14="http://schemas.microsoft.com/office/drawing/2010/main" xmlns:ma14="http://schemas.microsoft.com/office/mac/drawingml/2011/main" val="1"/>
               </a:ext>
             </a:extLst>
           </p:spPr>
@@ -32798,7 +33050,7 @@
             <a:effectLst/>
             <a:extLst>
               <a:ext uri="{C572A759-6A51-4108-AA02-DFA0A04FC94B}">
-                <ma14:wrappingTextBoxFlag xmlns:ma14="http://schemas.microsoft.com/office/mac/drawingml/2011/main" xmlns:a14="http://schemas.microsoft.com/office/drawing/2010/main" xmlns:m="http://schemas.openxmlformats.org/officeDocument/2006/math" xmlns="" val="1"/>
+                <ma14:wrappingTextBoxFlag xmlns="" xmlns:m="http://schemas.openxmlformats.org/officeDocument/2006/math" xmlns:a14="http://schemas.microsoft.com/office/drawing/2010/main" xmlns:ma14="http://schemas.microsoft.com/office/mac/drawingml/2011/main" val="1"/>
               </a:ext>
             </a:extLst>
           </p:spPr>
@@ -32894,7 +33146,7 @@
             <a:effectLst/>
             <a:extLst>
               <a:ext uri="{C572A759-6A51-4108-AA02-DFA0A04FC94B}">
-                <ma14:wrappingTextBoxFlag xmlns:ma14="http://schemas.microsoft.com/office/mac/drawingml/2011/main" xmlns:a14="http://schemas.microsoft.com/office/drawing/2010/main" xmlns:m="http://schemas.openxmlformats.org/officeDocument/2006/math" xmlns="" val="1"/>
+                <ma14:wrappingTextBoxFlag xmlns="" xmlns:m="http://schemas.openxmlformats.org/officeDocument/2006/math" xmlns:a14="http://schemas.microsoft.com/office/drawing/2010/main" xmlns:ma14="http://schemas.microsoft.com/office/mac/drawingml/2011/main" val="1"/>
               </a:ext>
             </a:extLst>
           </p:spPr>
@@ -32990,7 +33242,7 @@
             <a:effectLst/>
             <a:extLst>
               <a:ext uri="{C572A759-6A51-4108-AA02-DFA0A04FC94B}">
-                <ma14:wrappingTextBoxFlag xmlns:ma14="http://schemas.microsoft.com/office/mac/drawingml/2011/main" xmlns:a14="http://schemas.microsoft.com/office/drawing/2010/main" xmlns:m="http://schemas.openxmlformats.org/officeDocument/2006/math" xmlns="" val="1"/>
+                <ma14:wrappingTextBoxFlag xmlns="" xmlns:m="http://schemas.openxmlformats.org/officeDocument/2006/math" xmlns:a14="http://schemas.microsoft.com/office/drawing/2010/main" xmlns:ma14="http://schemas.microsoft.com/office/mac/drawingml/2011/main" val="1"/>
               </a:ext>
             </a:extLst>
           </p:spPr>
@@ -33086,7 +33338,7 @@
             <a:effectLst/>
             <a:extLst>
               <a:ext uri="{C572A759-6A51-4108-AA02-DFA0A04FC94B}">
-                <ma14:wrappingTextBoxFlag xmlns:ma14="http://schemas.microsoft.com/office/mac/drawingml/2011/main" xmlns:a14="http://schemas.microsoft.com/office/drawing/2010/main" xmlns:m="http://schemas.openxmlformats.org/officeDocument/2006/math" xmlns="" val="1"/>
+                <ma14:wrappingTextBoxFlag xmlns="" xmlns:m="http://schemas.openxmlformats.org/officeDocument/2006/math" xmlns:a14="http://schemas.microsoft.com/office/drawing/2010/main" xmlns:ma14="http://schemas.microsoft.com/office/mac/drawingml/2011/main" val="1"/>
               </a:ext>
             </a:extLst>
           </p:spPr>
@@ -33377,7 +33629,7 @@
             <a:effectLst/>
             <a:extLst>
               <a:ext uri="{C572A759-6A51-4108-AA02-DFA0A04FC94B}">
-                <ma14:wrappingTextBoxFlag xmlns:ma14="http://schemas.microsoft.com/office/mac/drawingml/2011/main" xmlns:a14="http://schemas.microsoft.com/office/drawing/2010/main" xmlns:m="http://schemas.openxmlformats.org/officeDocument/2006/math" xmlns="" val="1"/>
+                <ma14:wrappingTextBoxFlag xmlns="" xmlns:m="http://schemas.openxmlformats.org/officeDocument/2006/math" xmlns:a14="http://schemas.microsoft.com/office/drawing/2010/main" xmlns:ma14="http://schemas.microsoft.com/office/mac/drawingml/2011/main" val="1"/>
               </a:ext>
             </a:extLst>
           </p:spPr>
@@ -33473,7 +33725,7 @@
             <a:effectLst/>
             <a:extLst>
               <a:ext uri="{C572A759-6A51-4108-AA02-DFA0A04FC94B}">
-                <ma14:wrappingTextBoxFlag xmlns:ma14="http://schemas.microsoft.com/office/mac/drawingml/2011/main" xmlns:a14="http://schemas.microsoft.com/office/drawing/2010/main" xmlns:m="http://schemas.openxmlformats.org/officeDocument/2006/math" xmlns="" val="1"/>
+                <ma14:wrappingTextBoxFlag xmlns="" xmlns:m="http://schemas.openxmlformats.org/officeDocument/2006/math" xmlns:a14="http://schemas.microsoft.com/office/drawing/2010/main" xmlns:ma14="http://schemas.microsoft.com/office/mac/drawingml/2011/main" val="1"/>
               </a:ext>
             </a:extLst>
           </p:spPr>
@@ -33608,7 +33860,7 @@
             <a:effectLst/>
             <a:extLst>
               <a:ext uri="{C572A759-6A51-4108-AA02-DFA0A04FC94B}">
-                <ma14:wrappingTextBoxFlag xmlns:ma14="http://schemas.microsoft.com/office/mac/drawingml/2011/main" xmlns:a14="http://schemas.microsoft.com/office/drawing/2010/main" xmlns:m="http://schemas.openxmlformats.org/officeDocument/2006/math" xmlns="" val="1"/>
+                <ma14:wrappingTextBoxFlag xmlns="" xmlns:m="http://schemas.openxmlformats.org/officeDocument/2006/math" xmlns:a14="http://schemas.microsoft.com/office/drawing/2010/main" xmlns:ma14="http://schemas.microsoft.com/office/mac/drawingml/2011/main" val="1"/>
               </a:ext>
             </a:extLst>
           </p:spPr>
@@ -33704,7 +33956,7 @@
             <a:effectLst/>
             <a:extLst>
               <a:ext uri="{C572A759-6A51-4108-AA02-DFA0A04FC94B}">
-                <ma14:wrappingTextBoxFlag xmlns:ma14="http://schemas.microsoft.com/office/mac/drawingml/2011/main" xmlns:a14="http://schemas.microsoft.com/office/drawing/2010/main" xmlns:m="http://schemas.openxmlformats.org/officeDocument/2006/math" xmlns="" val="1"/>
+                <ma14:wrappingTextBoxFlag xmlns="" xmlns:m="http://schemas.openxmlformats.org/officeDocument/2006/math" xmlns:a14="http://schemas.microsoft.com/office/drawing/2010/main" xmlns:ma14="http://schemas.microsoft.com/office/mac/drawingml/2011/main" val="1"/>
               </a:ext>
             </a:extLst>
           </p:spPr>
@@ -33800,7 +34052,7 @@
             <a:effectLst/>
             <a:extLst>
               <a:ext uri="{C572A759-6A51-4108-AA02-DFA0A04FC94B}">
-                <ma14:wrappingTextBoxFlag xmlns:ma14="http://schemas.microsoft.com/office/mac/drawingml/2011/main" xmlns:a14="http://schemas.microsoft.com/office/drawing/2010/main" xmlns:m="http://schemas.openxmlformats.org/officeDocument/2006/math" xmlns="" val="1"/>
+                <ma14:wrappingTextBoxFlag xmlns="" xmlns:m="http://schemas.openxmlformats.org/officeDocument/2006/math" xmlns:a14="http://schemas.microsoft.com/office/drawing/2010/main" xmlns:ma14="http://schemas.microsoft.com/office/mac/drawingml/2011/main" val="1"/>
               </a:ext>
             </a:extLst>
           </p:spPr>
@@ -33896,7 +34148,7 @@
             <a:effectLst/>
             <a:extLst>
               <a:ext uri="{C572A759-6A51-4108-AA02-DFA0A04FC94B}">
-                <ma14:wrappingTextBoxFlag xmlns:ma14="http://schemas.microsoft.com/office/mac/drawingml/2011/main" xmlns:a14="http://schemas.microsoft.com/office/drawing/2010/main" xmlns:m="http://schemas.openxmlformats.org/officeDocument/2006/math" xmlns="" val="1"/>
+                <ma14:wrappingTextBoxFlag xmlns="" xmlns:m="http://schemas.openxmlformats.org/officeDocument/2006/math" xmlns:a14="http://schemas.microsoft.com/office/drawing/2010/main" xmlns:ma14="http://schemas.microsoft.com/office/mac/drawingml/2011/main" val="1"/>
               </a:ext>
             </a:extLst>
           </p:spPr>
@@ -34031,7 +34283,7 @@
             <a:effectLst/>
             <a:extLst>
               <a:ext uri="{C572A759-6A51-4108-AA02-DFA0A04FC94B}">
-                <ma14:wrappingTextBoxFlag xmlns:ma14="http://schemas.microsoft.com/office/mac/drawingml/2011/main" xmlns:a14="http://schemas.microsoft.com/office/drawing/2010/main" xmlns:m="http://schemas.openxmlformats.org/officeDocument/2006/math" xmlns="" val="1"/>
+                <ma14:wrappingTextBoxFlag xmlns="" xmlns:m="http://schemas.openxmlformats.org/officeDocument/2006/math" xmlns:a14="http://schemas.microsoft.com/office/drawing/2010/main" xmlns:ma14="http://schemas.microsoft.com/office/mac/drawingml/2011/main" val="1"/>
               </a:ext>
             </a:extLst>
           </p:spPr>
@@ -34166,7 +34418,7 @@
             <a:effectLst/>
             <a:extLst>
               <a:ext uri="{C572A759-6A51-4108-AA02-DFA0A04FC94B}">
-                <ma14:wrappingTextBoxFlag xmlns:ma14="http://schemas.microsoft.com/office/mac/drawingml/2011/main" xmlns:a14="http://schemas.microsoft.com/office/drawing/2010/main" xmlns:m="http://schemas.openxmlformats.org/officeDocument/2006/math" xmlns="" val="1"/>
+                <ma14:wrappingTextBoxFlag xmlns="" xmlns:m="http://schemas.openxmlformats.org/officeDocument/2006/math" xmlns:a14="http://schemas.microsoft.com/office/drawing/2010/main" xmlns:ma14="http://schemas.microsoft.com/office/mac/drawingml/2011/main" val="1"/>
               </a:ext>
             </a:extLst>
           </p:spPr>
@@ -34340,7 +34592,7 @@
             <a:effectLst/>
             <a:extLst>
               <a:ext uri="{C572A759-6A51-4108-AA02-DFA0A04FC94B}">
-                <ma14:wrappingTextBoxFlag xmlns:ma14="http://schemas.microsoft.com/office/mac/drawingml/2011/main" xmlns:a14="http://schemas.microsoft.com/office/drawing/2010/main" xmlns:m="http://schemas.openxmlformats.org/officeDocument/2006/math" xmlns="" val="1"/>
+                <ma14:wrappingTextBoxFlag xmlns="" xmlns:m="http://schemas.openxmlformats.org/officeDocument/2006/math" xmlns:a14="http://schemas.microsoft.com/office/drawing/2010/main" xmlns:ma14="http://schemas.microsoft.com/office/mac/drawingml/2011/main" val="1"/>
               </a:ext>
             </a:extLst>
           </p:spPr>
@@ -34475,7 +34727,7 @@
             <a:effectLst/>
             <a:extLst>
               <a:ext uri="{C572A759-6A51-4108-AA02-DFA0A04FC94B}">
-                <ma14:wrappingTextBoxFlag xmlns:ma14="http://schemas.microsoft.com/office/mac/drawingml/2011/main" xmlns:a14="http://schemas.microsoft.com/office/drawing/2010/main" xmlns:m="http://schemas.openxmlformats.org/officeDocument/2006/math" xmlns="" val="1"/>
+                <ma14:wrappingTextBoxFlag xmlns="" xmlns:m="http://schemas.openxmlformats.org/officeDocument/2006/math" xmlns:a14="http://schemas.microsoft.com/office/drawing/2010/main" xmlns:ma14="http://schemas.microsoft.com/office/mac/drawingml/2011/main" val="1"/>
               </a:ext>
             </a:extLst>
           </p:spPr>
@@ -34571,7 +34823,7 @@
             <a:effectLst/>
             <a:extLst>
               <a:ext uri="{C572A759-6A51-4108-AA02-DFA0A04FC94B}">
-                <ma14:wrappingTextBoxFlag xmlns:ma14="http://schemas.microsoft.com/office/mac/drawingml/2011/main" xmlns:a14="http://schemas.microsoft.com/office/drawing/2010/main" xmlns:m="http://schemas.openxmlformats.org/officeDocument/2006/math" xmlns="" val="1"/>
+                <ma14:wrappingTextBoxFlag xmlns="" xmlns:m="http://schemas.openxmlformats.org/officeDocument/2006/math" xmlns:a14="http://schemas.microsoft.com/office/drawing/2010/main" xmlns:ma14="http://schemas.microsoft.com/office/mac/drawingml/2011/main" val="1"/>
               </a:ext>
             </a:extLst>
           </p:spPr>
@@ -34613,7 +34865,7 @@
           </a:ln>
           <a:extLst>
             <a:ext uri="{C572A759-6A51-4108-AA02-DFA0A04FC94B}">
-              <ma14:wrappingTextBoxFlag xmlns:ma14="http://schemas.microsoft.com/office/mac/drawingml/2011/main" xmlns:a14="http://schemas.microsoft.com/office/drawing/2010/main" xmlns:m="http://schemas.openxmlformats.org/officeDocument/2006/math" xmlns="" val="1"/>
+              <ma14:wrappingTextBoxFlag xmlns="" xmlns:m="http://schemas.openxmlformats.org/officeDocument/2006/math" xmlns:a14="http://schemas.microsoft.com/office/drawing/2010/main" xmlns:ma14="http://schemas.microsoft.com/office/mac/drawingml/2011/main" val="1"/>
             </a:ext>
           </a:extLst>
         </p:spPr>
@@ -34708,7 +34960,7 @@
             <a:effectLst/>
             <a:extLst>
               <a:ext uri="{C572A759-6A51-4108-AA02-DFA0A04FC94B}">
-                <ma14:wrappingTextBoxFlag xmlns:ma14="http://schemas.microsoft.com/office/mac/drawingml/2011/main" xmlns:a14="http://schemas.microsoft.com/office/drawing/2010/main" xmlns:m="http://schemas.openxmlformats.org/officeDocument/2006/math" xmlns="" val="1"/>
+                <ma14:wrappingTextBoxFlag xmlns="" xmlns:m="http://schemas.openxmlformats.org/officeDocument/2006/math" xmlns:a14="http://schemas.microsoft.com/office/drawing/2010/main" xmlns:ma14="http://schemas.microsoft.com/office/mac/drawingml/2011/main" val="1"/>
               </a:ext>
             </a:extLst>
           </p:spPr>
@@ -34843,7 +35095,7 @@
             <a:effectLst/>
             <a:extLst>
               <a:ext uri="{C572A759-6A51-4108-AA02-DFA0A04FC94B}">
-                <ma14:wrappingTextBoxFlag xmlns:ma14="http://schemas.microsoft.com/office/mac/drawingml/2011/main" xmlns:a14="http://schemas.microsoft.com/office/drawing/2010/main" xmlns:m="http://schemas.openxmlformats.org/officeDocument/2006/math" xmlns="" val="1"/>
+                <ma14:wrappingTextBoxFlag xmlns="" xmlns:m="http://schemas.openxmlformats.org/officeDocument/2006/math" xmlns:a14="http://schemas.microsoft.com/office/drawing/2010/main" xmlns:ma14="http://schemas.microsoft.com/office/mac/drawingml/2011/main" val="1"/>
               </a:ext>
             </a:extLst>
           </p:spPr>
@@ -34939,7 +35191,7 @@
             <a:effectLst/>
             <a:extLst>
               <a:ext uri="{C572A759-6A51-4108-AA02-DFA0A04FC94B}">
-                <ma14:wrappingTextBoxFlag xmlns:ma14="http://schemas.microsoft.com/office/mac/drawingml/2011/main" xmlns:a14="http://schemas.microsoft.com/office/drawing/2010/main" xmlns:m="http://schemas.openxmlformats.org/officeDocument/2006/math" xmlns="" val="1"/>
+                <ma14:wrappingTextBoxFlag xmlns="" xmlns:m="http://schemas.openxmlformats.org/officeDocument/2006/math" xmlns:a14="http://schemas.microsoft.com/office/drawing/2010/main" xmlns:ma14="http://schemas.microsoft.com/office/mac/drawingml/2011/main" val="1"/>
               </a:ext>
             </a:extLst>
           </p:spPr>
@@ -35074,7 +35326,7 @@
             <a:effectLst/>
             <a:extLst>
               <a:ext uri="{C572A759-6A51-4108-AA02-DFA0A04FC94B}">
-                <ma14:wrappingTextBoxFlag xmlns:ma14="http://schemas.microsoft.com/office/mac/drawingml/2011/main" xmlns:a14="http://schemas.microsoft.com/office/drawing/2010/main" xmlns:m="http://schemas.openxmlformats.org/officeDocument/2006/math" xmlns="" val="1"/>
+                <ma14:wrappingTextBoxFlag xmlns="" xmlns:m="http://schemas.openxmlformats.org/officeDocument/2006/math" xmlns:a14="http://schemas.microsoft.com/office/drawing/2010/main" xmlns:ma14="http://schemas.microsoft.com/office/mac/drawingml/2011/main" val="1"/>
               </a:ext>
             </a:extLst>
           </p:spPr>
@@ -35170,7 +35422,7 @@
             <a:effectLst/>
             <a:extLst>
               <a:ext uri="{C572A759-6A51-4108-AA02-DFA0A04FC94B}">
-                <ma14:wrappingTextBoxFlag xmlns:ma14="http://schemas.microsoft.com/office/mac/drawingml/2011/main" xmlns:a14="http://schemas.microsoft.com/office/drawing/2010/main" xmlns:m="http://schemas.openxmlformats.org/officeDocument/2006/math" xmlns="" val="1"/>
+                <ma14:wrappingTextBoxFlag xmlns="" xmlns:m="http://schemas.openxmlformats.org/officeDocument/2006/math" xmlns:a14="http://schemas.microsoft.com/office/drawing/2010/main" xmlns:ma14="http://schemas.microsoft.com/office/mac/drawingml/2011/main" val="1"/>
               </a:ext>
             </a:extLst>
           </p:spPr>
@@ -35258,7 +35510,7 @@
       </p:grpSpPr>
       <p:pic>
         <p:nvPicPr>
-          <p:cNvPr id="9" name="그림 8"/>
+          <p:cNvPr id="2" name="그림 1"/>
           <p:cNvPicPr>
             <a:picLocks noChangeAspect="1"/>
           </p:cNvPicPr>
@@ -35272,8 +35524,8 @@
         </p:blipFill>
         <p:spPr>
           <a:xfrm>
-            <a:off x="3150896" y="162963"/>
-            <a:ext cx="4509191" cy="6618082"/>
+            <a:off x="3281404" y="0"/>
+            <a:ext cx="4289279" cy="6858000"/>
           </a:xfrm>
           <a:prstGeom prst="rect">
             <a:avLst/>
@@ -35312,8 +35564,8 @@
         </p:nvSpPr>
         <p:spPr>
           <a:xfrm>
-            <a:off x="3739081" y="3585172"/>
-            <a:ext cx="470780" cy="416122"/>
+            <a:off x="2027978" y="3529511"/>
+            <a:ext cx="1602462" cy="416122"/>
           </a:xfrm>
           <a:prstGeom prst="rightArrow">
             <a:avLst/>
@@ -35398,7 +35650,7 @@
         </p:blipFill>
         <p:spPr>
           <a:xfrm>
-            <a:off x="6764588" y="400844"/>
+            <a:off x="6764587" y="5029553"/>
             <a:ext cx="5099459" cy="685572"/>
           </a:xfrm>
           <a:prstGeom prst="rect">
@@ -35422,7 +35674,7 @@
         </p:blipFill>
         <p:spPr>
           <a:xfrm>
-            <a:off x="6764588" y="2797176"/>
+            <a:off x="6764587" y="5715125"/>
             <a:ext cx="5099459" cy="787996"/>
           </a:xfrm>
           <a:prstGeom prst="rect">
@@ -35430,6 +35682,186 @@
           </a:prstGeom>
         </p:spPr>
       </p:pic>
+      <p:sp>
+        <p:nvSpPr>
+          <p:cNvPr id="10" name="오른쪽 화살표 9"/>
+          <p:cNvSpPr/>
+          <p:nvPr/>
+        </p:nvSpPr>
+        <p:spPr>
+          <a:xfrm rot="10800000">
+            <a:off x="6529197" y="6353752"/>
+            <a:ext cx="470780" cy="416122"/>
+          </a:xfrm>
+          <a:prstGeom prst="rightArrow">
+            <a:avLst/>
+          </a:prstGeom>
+          <a:solidFill>
+            <a:srgbClr val="FF0000"/>
+          </a:solidFill>
+          <a:ln w="12700" cap="flat">
+            <a:solidFill>
+              <a:srgbClr val="FF0000"/>
+            </a:solidFill>
+            <a:prstDash val="solid"/>
+            <a:miter lim="800000"/>
+          </a:ln>
+          <a:effectLst/>
+          <a:sp3d/>
+        </p:spPr>
+        <p:style>
+          <a:lnRef idx="0">
+            <a:scrgbClr r="0" g="0" b="0"/>
+          </a:lnRef>
+          <a:fillRef idx="0">
+            <a:scrgbClr r="0" g="0" b="0"/>
+          </a:fillRef>
+          <a:effectRef idx="0">
+            <a:scrgbClr r="0" g="0" b="0"/>
+          </a:effectRef>
+          <a:fontRef idx="none"/>
+        </p:style>
+        <p:txBody>
+          <a:bodyPr rot="0" spcFirstLastPara="1" vertOverflow="overflow" horzOverflow="overflow" vert="horz" wrap="square" lIns="45719" tIns="45719" rIns="45719" bIns="45719" numCol="1" spcCol="38100" rtlCol="0" anchor="ctr">
+            <a:spAutoFit/>
+          </a:bodyPr>
+          <a:lstStyle/>
+          <a:p>
+            <a:pPr marL="0" marR="0" indent="0" algn="l" defTabSz="914400" rtl="0" fontAlgn="auto" latinLnBrk="0" hangingPunct="0">
+              <a:lnSpc>
+                <a:spcPct val="100000"/>
+              </a:lnSpc>
+              <a:spcBef>
+                <a:spcPts val="0"/>
+              </a:spcBef>
+              <a:spcAft>
+                <a:spcPts val="0"/>
+              </a:spcAft>
+              <a:buClrTx/>
+              <a:buSzTx/>
+              <a:buFontTx/>
+              <a:buNone/>
+              <a:tabLst/>
+            </a:pPr>
+            <a:endParaRPr kumimoji="0" lang="ko-KR" altLang="en-US" sz="1800" b="0" i="0" u="none" strike="noStrike" cap="none" spc="0" normalizeH="0" baseline="0">
+              <a:ln>
+                <a:noFill/>
+              </a:ln>
+              <a:solidFill>
+                <a:srgbClr val="000000"/>
+              </a:solidFill>
+              <a:effectLst/>
+              <a:uFillTx/>
+              <a:latin typeface="+mn-lt"/>
+              <a:ea typeface="+mn-ea"/>
+              <a:cs typeface="+mn-cs"/>
+              <a:sym typeface="맑은 고딕"/>
+            </a:endParaRPr>
+          </a:p>
+        </p:txBody>
+      </p:sp>
+      <p:pic>
+        <p:nvPicPr>
+          <p:cNvPr id="3" name="그림 2"/>
+          <p:cNvPicPr>
+            <a:picLocks noChangeAspect="1"/>
+          </p:cNvPicPr>
+          <p:nvPr/>
+        </p:nvPicPr>
+        <p:blipFill>
+          <a:blip r:embed="rId6"/>
+          <a:stretch>
+            <a:fillRect/>
+          </a:stretch>
+        </p:blipFill>
+        <p:spPr>
+          <a:xfrm>
+            <a:off x="8247613" y="963345"/>
+            <a:ext cx="2686050" cy="857250"/>
+          </a:xfrm>
+          <a:prstGeom prst="rect">
+            <a:avLst/>
+          </a:prstGeom>
+        </p:spPr>
+      </p:pic>
+      <p:sp>
+        <p:nvSpPr>
+          <p:cNvPr id="11" name="오른쪽 화살표 10"/>
+          <p:cNvSpPr/>
+          <p:nvPr/>
+        </p:nvSpPr>
+        <p:spPr>
+          <a:xfrm rot="10800000">
+            <a:off x="7554223" y="1101234"/>
+            <a:ext cx="470780" cy="416122"/>
+          </a:xfrm>
+          <a:prstGeom prst="rightArrow">
+            <a:avLst/>
+          </a:prstGeom>
+          <a:solidFill>
+            <a:srgbClr val="FF0000"/>
+          </a:solidFill>
+          <a:ln w="12700" cap="flat">
+            <a:solidFill>
+              <a:srgbClr val="FF0000"/>
+            </a:solidFill>
+            <a:prstDash val="solid"/>
+            <a:miter lim="800000"/>
+          </a:ln>
+          <a:effectLst/>
+          <a:sp3d/>
+        </p:spPr>
+        <p:style>
+          <a:lnRef idx="0">
+            <a:scrgbClr r="0" g="0" b="0"/>
+          </a:lnRef>
+          <a:fillRef idx="0">
+            <a:scrgbClr r="0" g="0" b="0"/>
+          </a:fillRef>
+          <a:effectRef idx="0">
+            <a:scrgbClr r="0" g="0" b="0"/>
+          </a:effectRef>
+          <a:fontRef idx="none"/>
+        </p:style>
+        <p:txBody>
+          <a:bodyPr rot="0" spcFirstLastPara="1" vertOverflow="overflow" horzOverflow="overflow" vert="horz" wrap="square" lIns="45719" tIns="45719" rIns="45719" bIns="45719" numCol="1" spcCol="38100" rtlCol="0" anchor="ctr">
+            <a:spAutoFit/>
+          </a:bodyPr>
+          <a:lstStyle/>
+          <a:p>
+            <a:pPr marL="0" marR="0" indent="0" algn="l" defTabSz="914400" rtl="0" fontAlgn="auto" latinLnBrk="0" hangingPunct="0">
+              <a:lnSpc>
+                <a:spcPct val="100000"/>
+              </a:lnSpc>
+              <a:spcBef>
+                <a:spcPts val="0"/>
+              </a:spcBef>
+              <a:spcAft>
+                <a:spcPts val="0"/>
+              </a:spcAft>
+              <a:buClrTx/>
+              <a:buSzTx/>
+              <a:buFontTx/>
+              <a:buNone/>
+              <a:tabLst/>
+            </a:pPr>
+            <a:endParaRPr kumimoji="0" lang="ko-KR" altLang="en-US" sz="1800" b="0" i="0" u="none" strike="noStrike" cap="none" spc="0" normalizeH="0" baseline="0">
+              <a:ln>
+                <a:noFill/>
+              </a:ln>
+              <a:solidFill>
+                <a:srgbClr val="000000"/>
+              </a:solidFill>
+              <a:effectLst/>
+              <a:uFillTx/>
+              <a:latin typeface="+mn-lt"/>
+              <a:ea typeface="+mn-ea"/>
+              <a:cs typeface="+mn-cs"/>
+              <a:sym typeface="맑은 고딕"/>
+            </a:endParaRPr>
+          </a:p>
+        </p:txBody>
+      </p:sp>
     </p:spTree>
     <p:extLst>
       <p:ext uri="{BB962C8B-B14F-4D97-AF65-F5344CB8AC3E}">
@@ -36495,7 +36927,7 @@
           </a:ln>
           <a:extLst>
             <a:ext uri="{C572A759-6A51-4108-AA02-DFA0A04FC94B}">
-              <ma14:wrappingTextBoxFlag xmlns:ma14="http://schemas.microsoft.com/office/mac/drawingml/2011/main" xmlns:a14="http://schemas.microsoft.com/office/drawing/2010/main" xmlns:m="http://schemas.openxmlformats.org/officeDocument/2006/math" xmlns="" val="1"/>
+              <ma14:wrappingTextBoxFlag xmlns="" xmlns:m="http://schemas.openxmlformats.org/officeDocument/2006/math" xmlns:a14="http://schemas.microsoft.com/office/drawing/2010/main" xmlns:ma14="http://schemas.microsoft.com/office/mac/drawingml/2011/main" val="1"/>
             </a:ext>
           </a:extLst>
         </p:spPr>
@@ -36586,7 +37018,7 @@
             <a:effectLst/>
             <a:extLst>
               <a:ext uri="{C572A759-6A51-4108-AA02-DFA0A04FC94B}">
-                <ma14:wrappingTextBoxFlag xmlns:ma14="http://schemas.microsoft.com/office/mac/drawingml/2011/main" xmlns:a14="http://schemas.microsoft.com/office/drawing/2010/main" xmlns:m="http://schemas.openxmlformats.org/officeDocument/2006/math" xmlns="" val="1"/>
+                <ma14:wrappingTextBoxFlag xmlns="" xmlns:m="http://schemas.openxmlformats.org/officeDocument/2006/math" xmlns:a14="http://schemas.microsoft.com/office/drawing/2010/main" xmlns:ma14="http://schemas.microsoft.com/office/mac/drawingml/2011/main" val="1"/>
               </a:ext>
             </a:extLst>
           </p:spPr>
@@ -36682,7 +37114,7 @@
             <a:effectLst/>
             <a:extLst>
               <a:ext uri="{C572A759-6A51-4108-AA02-DFA0A04FC94B}">
-                <ma14:wrappingTextBoxFlag xmlns:ma14="http://schemas.microsoft.com/office/mac/drawingml/2011/main" xmlns:a14="http://schemas.microsoft.com/office/drawing/2010/main" xmlns:m="http://schemas.openxmlformats.org/officeDocument/2006/math" xmlns="" val="1"/>
+                <ma14:wrappingTextBoxFlag xmlns="" xmlns:m="http://schemas.openxmlformats.org/officeDocument/2006/math" xmlns:a14="http://schemas.microsoft.com/office/drawing/2010/main" xmlns:ma14="http://schemas.microsoft.com/office/mac/drawingml/2011/main" val="1"/>
               </a:ext>
             </a:extLst>
           </p:spPr>
@@ -36848,7 +37280,7 @@
             <a:effectLst/>
             <a:extLst>
               <a:ext uri="{C572A759-6A51-4108-AA02-DFA0A04FC94B}">
-                <ma14:wrappingTextBoxFlag xmlns:ma14="http://schemas.microsoft.com/office/mac/drawingml/2011/main" xmlns:a14="http://schemas.microsoft.com/office/drawing/2010/main" xmlns:m="http://schemas.openxmlformats.org/officeDocument/2006/math" xmlns="" val="1"/>
+                <ma14:wrappingTextBoxFlag xmlns="" xmlns:m="http://schemas.openxmlformats.org/officeDocument/2006/math" xmlns:a14="http://schemas.microsoft.com/office/drawing/2010/main" xmlns:ma14="http://schemas.microsoft.com/office/mac/drawingml/2011/main" val="1"/>
               </a:ext>
             </a:extLst>
           </p:spPr>
@@ -36944,7 +37376,7 @@
             <a:effectLst/>
             <a:extLst>
               <a:ext uri="{C572A759-6A51-4108-AA02-DFA0A04FC94B}">
-                <ma14:wrappingTextBoxFlag xmlns:ma14="http://schemas.microsoft.com/office/mac/drawingml/2011/main" xmlns:a14="http://schemas.microsoft.com/office/drawing/2010/main" xmlns:m="http://schemas.openxmlformats.org/officeDocument/2006/math" xmlns="" val="1"/>
+                <ma14:wrappingTextBoxFlag xmlns="" xmlns:m="http://schemas.openxmlformats.org/officeDocument/2006/math" xmlns:a14="http://schemas.microsoft.com/office/drawing/2010/main" xmlns:ma14="http://schemas.microsoft.com/office/mac/drawingml/2011/main" val="1"/>
               </a:ext>
             </a:extLst>
           </p:spPr>
@@ -37103,7 +37535,7 @@
             <a:effectLst/>
             <a:extLst>
               <a:ext uri="{C572A759-6A51-4108-AA02-DFA0A04FC94B}">
-                <ma14:wrappingTextBoxFlag xmlns:ma14="http://schemas.microsoft.com/office/mac/drawingml/2011/main" xmlns:a14="http://schemas.microsoft.com/office/drawing/2010/main" xmlns:m="http://schemas.openxmlformats.org/officeDocument/2006/math" xmlns="" val="1"/>
+                <ma14:wrappingTextBoxFlag xmlns="" xmlns:m="http://schemas.openxmlformats.org/officeDocument/2006/math" xmlns:a14="http://schemas.microsoft.com/office/drawing/2010/main" xmlns:ma14="http://schemas.microsoft.com/office/mac/drawingml/2011/main" val="1"/>
               </a:ext>
             </a:extLst>
           </p:spPr>
@@ -37199,7 +37631,7 @@
             <a:effectLst/>
             <a:extLst>
               <a:ext uri="{C572A759-6A51-4108-AA02-DFA0A04FC94B}">
-                <ma14:wrappingTextBoxFlag xmlns:ma14="http://schemas.microsoft.com/office/mac/drawingml/2011/main" xmlns:a14="http://schemas.microsoft.com/office/drawing/2010/main" xmlns:m="http://schemas.openxmlformats.org/officeDocument/2006/math" xmlns="" val="1"/>
+                <ma14:wrappingTextBoxFlag xmlns="" xmlns:m="http://schemas.openxmlformats.org/officeDocument/2006/math" xmlns:a14="http://schemas.microsoft.com/office/drawing/2010/main" xmlns:ma14="http://schemas.microsoft.com/office/mac/drawingml/2011/main" val="1"/>
               </a:ext>
             </a:extLst>
           </p:spPr>
@@ -37386,7 +37818,7 @@
             <a:effectLst/>
             <a:extLst>
               <a:ext uri="{C572A759-6A51-4108-AA02-DFA0A04FC94B}">
-                <ma14:wrappingTextBoxFlag xmlns:ma14="http://schemas.microsoft.com/office/mac/drawingml/2011/main" xmlns:a14="http://schemas.microsoft.com/office/drawing/2010/main" xmlns:m="http://schemas.openxmlformats.org/officeDocument/2006/math" xmlns="" val="1"/>
+                <ma14:wrappingTextBoxFlag xmlns="" xmlns:m="http://schemas.openxmlformats.org/officeDocument/2006/math" xmlns:a14="http://schemas.microsoft.com/office/drawing/2010/main" xmlns:ma14="http://schemas.microsoft.com/office/mac/drawingml/2011/main" val="1"/>
               </a:ext>
             </a:extLst>
           </p:spPr>
@@ -37519,7 +37951,7 @@
             <a:effectLst/>
             <a:extLst>
               <a:ext uri="{C572A759-6A51-4108-AA02-DFA0A04FC94B}">
-                <ma14:wrappingTextBoxFlag xmlns:ma14="http://schemas.microsoft.com/office/mac/drawingml/2011/main" xmlns:a14="http://schemas.microsoft.com/office/drawing/2010/main" xmlns:m="http://schemas.openxmlformats.org/officeDocument/2006/math" xmlns="" val="1"/>
+                <ma14:wrappingTextBoxFlag xmlns="" xmlns:m="http://schemas.openxmlformats.org/officeDocument/2006/math" xmlns:a14="http://schemas.microsoft.com/office/drawing/2010/main" xmlns:ma14="http://schemas.microsoft.com/office/mac/drawingml/2011/main" val="1"/>
               </a:ext>
             </a:extLst>
           </p:spPr>
@@ -37792,6 +38224,84 @@
           </a:prstGeom>
         </p:spPr>
       </p:pic>
+      <p:sp>
+        <p:nvSpPr>
+          <p:cNvPr id="12" name="오른쪽 화살표 11"/>
+          <p:cNvSpPr/>
+          <p:nvPr/>
+        </p:nvSpPr>
+        <p:spPr>
+          <a:xfrm rot="10800000">
+            <a:off x="4208351" y="4597942"/>
+            <a:ext cx="470780" cy="416122"/>
+          </a:xfrm>
+          <a:prstGeom prst="rightArrow">
+            <a:avLst/>
+          </a:prstGeom>
+          <a:solidFill>
+            <a:srgbClr val="FF0000"/>
+          </a:solidFill>
+          <a:ln w="12700" cap="flat">
+            <a:solidFill>
+              <a:srgbClr val="FF0000"/>
+            </a:solidFill>
+            <a:prstDash val="solid"/>
+            <a:miter lim="800000"/>
+          </a:ln>
+          <a:effectLst/>
+          <a:sp3d/>
+        </p:spPr>
+        <p:style>
+          <a:lnRef idx="0">
+            <a:scrgbClr r="0" g="0" b="0"/>
+          </a:lnRef>
+          <a:fillRef idx="0">
+            <a:scrgbClr r="0" g="0" b="0"/>
+          </a:fillRef>
+          <a:effectRef idx="0">
+            <a:scrgbClr r="0" g="0" b="0"/>
+          </a:effectRef>
+          <a:fontRef idx="none"/>
+        </p:style>
+        <p:txBody>
+          <a:bodyPr rot="0" spcFirstLastPara="1" vertOverflow="overflow" horzOverflow="overflow" vert="horz" wrap="square" lIns="45719" tIns="45719" rIns="45719" bIns="45719" numCol="1" spcCol="38100" rtlCol="0" anchor="ctr">
+            <a:spAutoFit/>
+          </a:bodyPr>
+          <a:lstStyle/>
+          <a:p>
+            <a:pPr marL="0" marR="0" indent="0" algn="l" defTabSz="914400" rtl="0" fontAlgn="auto" latinLnBrk="0" hangingPunct="0">
+              <a:lnSpc>
+                <a:spcPct val="100000"/>
+              </a:lnSpc>
+              <a:spcBef>
+                <a:spcPts val="0"/>
+              </a:spcBef>
+              <a:spcAft>
+                <a:spcPts val="0"/>
+              </a:spcAft>
+              <a:buClrTx/>
+              <a:buSzTx/>
+              <a:buFontTx/>
+              <a:buNone/>
+              <a:tabLst/>
+            </a:pPr>
+            <a:endParaRPr kumimoji="0" lang="ko-KR" altLang="en-US" sz="1800" b="0" i="0" u="none" strike="noStrike" cap="none" spc="0" normalizeH="0" baseline="0">
+              <a:ln>
+                <a:noFill/>
+              </a:ln>
+              <a:solidFill>
+                <a:srgbClr val="000000"/>
+              </a:solidFill>
+              <a:effectLst/>
+              <a:uFillTx/>
+              <a:latin typeface="+mn-lt"/>
+              <a:ea typeface="+mn-ea"/>
+              <a:cs typeface="+mn-cs"/>
+              <a:sym typeface="맑은 고딕"/>
+            </a:endParaRPr>
+          </a:p>
+        </p:txBody>
+      </p:sp>
     </p:spTree>
     <p:extLst>
       <p:ext uri="{BB962C8B-B14F-4D97-AF65-F5344CB8AC3E}">
@@ -38852,7 +39362,7 @@
           </a:ln>
           <a:extLst>
             <a:ext uri="{C572A759-6A51-4108-AA02-DFA0A04FC94B}">
-              <ma14:wrappingTextBoxFlag xmlns:ma14="http://schemas.microsoft.com/office/mac/drawingml/2011/main" xmlns:a14="http://schemas.microsoft.com/office/drawing/2010/main" xmlns:m="http://schemas.openxmlformats.org/officeDocument/2006/math" xmlns="" val="1"/>
+              <ma14:wrappingTextBoxFlag xmlns="" xmlns:m="http://schemas.openxmlformats.org/officeDocument/2006/math" xmlns:a14="http://schemas.microsoft.com/office/drawing/2010/main" xmlns:ma14="http://schemas.microsoft.com/office/mac/drawingml/2011/main" val="1"/>
             </a:ext>
           </a:extLst>
         </p:spPr>
@@ -38943,7 +39453,7 @@
             <a:effectLst/>
             <a:extLst>
               <a:ext uri="{C572A759-6A51-4108-AA02-DFA0A04FC94B}">
-                <ma14:wrappingTextBoxFlag xmlns:ma14="http://schemas.microsoft.com/office/mac/drawingml/2011/main" xmlns:a14="http://schemas.microsoft.com/office/drawing/2010/main" xmlns:m="http://schemas.openxmlformats.org/officeDocument/2006/math" xmlns="" val="1"/>
+                <ma14:wrappingTextBoxFlag xmlns="" xmlns:m="http://schemas.openxmlformats.org/officeDocument/2006/math" xmlns:a14="http://schemas.microsoft.com/office/drawing/2010/main" xmlns:ma14="http://schemas.microsoft.com/office/mac/drawingml/2011/main" val="1"/>
               </a:ext>
             </a:extLst>
           </p:spPr>
@@ -39039,7 +39549,7 @@
             <a:effectLst/>
             <a:extLst>
               <a:ext uri="{C572A759-6A51-4108-AA02-DFA0A04FC94B}">
-                <ma14:wrappingTextBoxFlag xmlns:ma14="http://schemas.microsoft.com/office/mac/drawingml/2011/main" xmlns:a14="http://schemas.microsoft.com/office/drawing/2010/main" xmlns:m="http://schemas.openxmlformats.org/officeDocument/2006/math" xmlns="" val="1"/>
+                <ma14:wrappingTextBoxFlag xmlns="" xmlns:m="http://schemas.openxmlformats.org/officeDocument/2006/math" xmlns:a14="http://schemas.microsoft.com/office/drawing/2010/main" xmlns:ma14="http://schemas.microsoft.com/office/mac/drawingml/2011/main" val="1"/>
               </a:ext>
             </a:extLst>
           </p:spPr>
@@ -39205,7 +39715,7 @@
             <a:effectLst/>
             <a:extLst>
               <a:ext uri="{C572A759-6A51-4108-AA02-DFA0A04FC94B}">
-                <ma14:wrappingTextBoxFlag xmlns:ma14="http://schemas.microsoft.com/office/mac/drawingml/2011/main" xmlns:a14="http://schemas.microsoft.com/office/drawing/2010/main" xmlns:m="http://schemas.openxmlformats.org/officeDocument/2006/math" xmlns="" val="1"/>
+                <ma14:wrappingTextBoxFlag xmlns="" xmlns:m="http://schemas.openxmlformats.org/officeDocument/2006/math" xmlns:a14="http://schemas.microsoft.com/office/drawing/2010/main" xmlns:ma14="http://schemas.microsoft.com/office/mac/drawingml/2011/main" val="1"/>
               </a:ext>
             </a:extLst>
           </p:spPr>
@@ -39301,7 +39811,7 @@
             <a:effectLst/>
             <a:extLst>
               <a:ext uri="{C572A759-6A51-4108-AA02-DFA0A04FC94B}">
-                <ma14:wrappingTextBoxFlag xmlns:ma14="http://schemas.microsoft.com/office/mac/drawingml/2011/main" xmlns:a14="http://schemas.microsoft.com/office/drawing/2010/main" xmlns:m="http://schemas.openxmlformats.org/officeDocument/2006/math" xmlns="" val="1"/>
+                <ma14:wrappingTextBoxFlag xmlns="" xmlns:m="http://schemas.openxmlformats.org/officeDocument/2006/math" xmlns:a14="http://schemas.microsoft.com/office/drawing/2010/main" xmlns:ma14="http://schemas.microsoft.com/office/mac/drawingml/2011/main" val="1"/>
               </a:ext>
             </a:extLst>
           </p:spPr>
@@ -39431,7 +39941,7 @@
             <a:effectLst/>
             <a:extLst>
               <a:ext uri="{C572A759-6A51-4108-AA02-DFA0A04FC94B}">
-                <ma14:wrappingTextBoxFlag xmlns:ma14="http://schemas.microsoft.com/office/mac/drawingml/2011/main" xmlns:a14="http://schemas.microsoft.com/office/drawing/2010/main" xmlns:m="http://schemas.openxmlformats.org/officeDocument/2006/math" xmlns="" val="1"/>
+                <ma14:wrappingTextBoxFlag xmlns="" xmlns:m="http://schemas.openxmlformats.org/officeDocument/2006/math" xmlns:a14="http://schemas.microsoft.com/office/drawing/2010/main" xmlns:ma14="http://schemas.microsoft.com/office/mac/drawingml/2011/main" val="1"/>
               </a:ext>
             </a:extLst>
           </p:spPr>
@@ -39527,7 +40037,7 @@
             <a:effectLst/>
             <a:extLst>
               <a:ext uri="{C572A759-6A51-4108-AA02-DFA0A04FC94B}">
-                <ma14:wrappingTextBoxFlag xmlns:ma14="http://schemas.microsoft.com/office/mac/drawingml/2011/main" xmlns:a14="http://schemas.microsoft.com/office/drawing/2010/main" xmlns:m="http://schemas.openxmlformats.org/officeDocument/2006/math" xmlns="" val="1"/>
+                <ma14:wrappingTextBoxFlag xmlns="" xmlns:m="http://schemas.openxmlformats.org/officeDocument/2006/math" xmlns:a14="http://schemas.microsoft.com/office/drawing/2010/main" xmlns:ma14="http://schemas.microsoft.com/office/mac/drawingml/2011/main" val="1"/>
               </a:ext>
             </a:extLst>
           </p:spPr>

--- a/project03 화면설계서/project03 - 화면 설계서 - 용승.pptx
+++ b/project03 화면설계서/project03 - 화면 설계서 - 용승.pptx
@@ -5,7 +5,7 @@
     <p:sldMasterId id="2147483648" r:id="rId1"/>
   </p:sldMasterIdLst>
   <p:notesMasterIdLst>
-    <p:notesMasterId r:id="rId25"/>
+    <p:notesMasterId r:id="rId28"/>
   </p:notesMasterIdLst>
   <p:sldIdLst>
     <p:sldId id="256" r:id="rId2"/>
@@ -25,12 +25,15 @@
     <p:sldId id="264" r:id="rId16"/>
     <p:sldId id="265" r:id="rId17"/>
     <p:sldId id="266" r:id="rId18"/>
-    <p:sldId id="267" r:id="rId19"/>
-    <p:sldId id="278" r:id="rId20"/>
-    <p:sldId id="268" r:id="rId21"/>
-    <p:sldId id="269" r:id="rId22"/>
-    <p:sldId id="270" r:id="rId23"/>
-    <p:sldId id="271" r:id="rId24"/>
+    <p:sldId id="279" r:id="rId19"/>
+    <p:sldId id="267" r:id="rId20"/>
+    <p:sldId id="278" r:id="rId21"/>
+    <p:sldId id="268" r:id="rId22"/>
+    <p:sldId id="269" r:id="rId23"/>
+    <p:sldId id="280" r:id="rId24"/>
+    <p:sldId id="281" r:id="rId25"/>
+    <p:sldId id="270" r:id="rId26"/>
+    <p:sldId id="271" r:id="rId27"/>
   </p:sldIdLst>
   <p:sldSz cx="12192000" cy="6858000"/>
   <p:notesSz cx="6858000" cy="9144000"/>
@@ -1875,7 +1878,7 @@
           </a:ln>
           <a:extLst>
             <a:ext uri="{C572A759-6A51-4108-AA02-DFA0A04FC94B}">
-              <ma14:wrappingTextBoxFlag xmlns="" xmlns:m="http://schemas.openxmlformats.org/officeDocument/2006/math" xmlns:a14="http://schemas.microsoft.com/office/drawing/2010/main" xmlns:ma14="http://schemas.microsoft.com/office/mac/drawingml/2011/main" val="1"/>
+              <ma14:wrappingTextBoxFlag xmlns:ma14="http://schemas.microsoft.com/office/mac/drawingml/2011/main" xmlns:a14="http://schemas.microsoft.com/office/drawing/2010/main" xmlns:m="http://schemas.openxmlformats.org/officeDocument/2006/math" xmlns="" val="1"/>
             </a:ext>
           </a:extLst>
         </p:spPr>
@@ -1914,7 +1917,7 @@
           </a:ln>
           <a:extLst>
             <a:ext uri="{C572A759-6A51-4108-AA02-DFA0A04FC94B}">
-              <ma14:wrappingTextBoxFlag xmlns="" xmlns:m="http://schemas.openxmlformats.org/officeDocument/2006/math" xmlns:a14="http://schemas.microsoft.com/office/drawing/2010/main" xmlns:ma14="http://schemas.microsoft.com/office/mac/drawingml/2011/main" val="1"/>
+              <ma14:wrappingTextBoxFlag xmlns:ma14="http://schemas.microsoft.com/office/mac/drawingml/2011/main" xmlns:a14="http://schemas.microsoft.com/office/drawing/2010/main" xmlns:m="http://schemas.openxmlformats.org/officeDocument/2006/math" xmlns="" val="1"/>
             </a:ext>
           </a:extLst>
         </p:spPr>
@@ -3871,7 +3874,7 @@
           </a:ln>
           <a:extLst>
             <a:ext uri="{C572A759-6A51-4108-AA02-DFA0A04FC94B}">
-              <ma14:wrappingTextBoxFlag xmlns="" xmlns:m="http://schemas.openxmlformats.org/officeDocument/2006/math" xmlns:a14="http://schemas.microsoft.com/office/drawing/2010/main" xmlns:ma14="http://schemas.microsoft.com/office/mac/drawingml/2011/main" val="1"/>
+              <ma14:wrappingTextBoxFlag xmlns:ma14="http://schemas.microsoft.com/office/mac/drawingml/2011/main" xmlns:a14="http://schemas.microsoft.com/office/drawing/2010/main" xmlns:m="http://schemas.openxmlformats.org/officeDocument/2006/math" xmlns="" val="1"/>
             </a:ext>
           </a:extLst>
         </p:spPr>
@@ -3962,7 +3965,7 @@
             <a:effectLst/>
             <a:extLst>
               <a:ext uri="{C572A759-6A51-4108-AA02-DFA0A04FC94B}">
-                <ma14:wrappingTextBoxFlag xmlns="" xmlns:m="http://schemas.openxmlformats.org/officeDocument/2006/math" xmlns:a14="http://schemas.microsoft.com/office/drawing/2010/main" xmlns:ma14="http://schemas.microsoft.com/office/mac/drawingml/2011/main" val="1"/>
+                <ma14:wrappingTextBoxFlag xmlns:ma14="http://schemas.microsoft.com/office/mac/drawingml/2011/main" xmlns:a14="http://schemas.microsoft.com/office/drawing/2010/main" xmlns:m="http://schemas.openxmlformats.org/officeDocument/2006/math" xmlns="" val="1"/>
               </a:ext>
             </a:extLst>
           </p:spPr>
@@ -4058,7 +4061,7 @@
             <a:effectLst/>
             <a:extLst>
               <a:ext uri="{C572A759-6A51-4108-AA02-DFA0A04FC94B}">
-                <ma14:wrappingTextBoxFlag xmlns="" xmlns:m="http://schemas.openxmlformats.org/officeDocument/2006/math" xmlns:a14="http://schemas.microsoft.com/office/drawing/2010/main" xmlns:ma14="http://schemas.microsoft.com/office/mac/drawingml/2011/main" val="1"/>
+                <ma14:wrappingTextBoxFlag xmlns:ma14="http://schemas.microsoft.com/office/mac/drawingml/2011/main" xmlns:a14="http://schemas.microsoft.com/office/drawing/2010/main" xmlns:m="http://schemas.openxmlformats.org/officeDocument/2006/math" xmlns="" val="1"/>
               </a:ext>
             </a:extLst>
           </p:spPr>
@@ -4224,7 +4227,7 @@
             <a:effectLst/>
             <a:extLst>
               <a:ext uri="{C572A759-6A51-4108-AA02-DFA0A04FC94B}">
-                <ma14:wrappingTextBoxFlag xmlns="" xmlns:m="http://schemas.openxmlformats.org/officeDocument/2006/math" xmlns:a14="http://schemas.microsoft.com/office/drawing/2010/main" xmlns:ma14="http://schemas.microsoft.com/office/mac/drawingml/2011/main" val="1"/>
+                <ma14:wrappingTextBoxFlag xmlns:ma14="http://schemas.microsoft.com/office/mac/drawingml/2011/main" xmlns:a14="http://schemas.microsoft.com/office/drawing/2010/main" xmlns:m="http://schemas.openxmlformats.org/officeDocument/2006/math" xmlns="" val="1"/>
               </a:ext>
             </a:extLst>
           </p:spPr>
@@ -4320,7 +4323,7 @@
             <a:effectLst/>
             <a:extLst>
               <a:ext uri="{C572A759-6A51-4108-AA02-DFA0A04FC94B}">
-                <ma14:wrappingTextBoxFlag xmlns="" xmlns:m="http://schemas.openxmlformats.org/officeDocument/2006/math" xmlns:a14="http://schemas.microsoft.com/office/drawing/2010/main" xmlns:ma14="http://schemas.microsoft.com/office/mac/drawingml/2011/main" val="1"/>
+                <ma14:wrappingTextBoxFlag xmlns:ma14="http://schemas.microsoft.com/office/mac/drawingml/2011/main" xmlns:a14="http://schemas.microsoft.com/office/drawing/2010/main" xmlns:m="http://schemas.openxmlformats.org/officeDocument/2006/math" xmlns="" val="1"/>
               </a:ext>
             </a:extLst>
           </p:spPr>
@@ -4479,7 +4482,7 @@
             <a:effectLst/>
             <a:extLst>
               <a:ext uri="{C572A759-6A51-4108-AA02-DFA0A04FC94B}">
-                <ma14:wrappingTextBoxFlag xmlns="" xmlns:m="http://schemas.openxmlformats.org/officeDocument/2006/math" xmlns:a14="http://schemas.microsoft.com/office/drawing/2010/main" xmlns:ma14="http://schemas.microsoft.com/office/mac/drawingml/2011/main" val="1"/>
+                <ma14:wrappingTextBoxFlag xmlns:ma14="http://schemas.microsoft.com/office/mac/drawingml/2011/main" xmlns:a14="http://schemas.microsoft.com/office/drawing/2010/main" xmlns:m="http://schemas.openxmlformats.org/officeDocument/2006/math" xmlns="" val="1"/>
               </a:ext>
             </a:extLst>
           </p:spPr>
@@ -4575,7 +4578,7 @@
             <a:effectLst/>
             <a:extLst>
               <a:ext uri="{C572A759-6A51-4108-AA02-DFA0A04FC94B}">
-                <ma14:wrappingTextBoxFlag xmlns="" xmlns:m="http://schemas.openxmlformats.org/officeDocument/2006/math" xmlns:a14="http://schemas.microsoft.com/office/drawing/2010/main" xmlns:ma14="http://schemas.microsoft.com/office/mac/drawingml/2011/main" val="1"/>
+                <ma14:wrappingTextBoxFlag xmlns:ma14="http://schemas.microsoft.com/office/mac/drawingml/2011/main" xmlns:a14="http://schemas.microsoft.com/office/drawing/2010/main" xmlns:m="http://schemas.openxmlformats.org/officeDocument/2006/math" xmlns="" val="1"/>
               </a:ext>
             </a:extLst>
           </p:spPr>
@@ -4762,7 +4765,7 @@
             <a:effectLst/>
             <a:extLst>
               <a:ext uri="{C572A759-6A51-4108-AA02-DFA0A04FC94B}">
-                <ma14:wrappingTextBoxFlag xmlns="" xmlns:m="http://schemas.openxmlformats.org/officeDocument/2006/math" xmlns:a14="http://schemas.microsoft.com/office/drawing/2010/main" xmlns:ma14="http://schemas.microsoft.com/office/mac/drawingml/2011/main" val="1"/>
+                <ma14:wrappingTextBoxFlag xmlns:ma14="http://schemas.microsoft.com/office/mac/drawingml/2011/main" xmlns:a14="http://schemas.microsoft.com/office/drawing/2010/main" xmlns:m="http://schemas.openxmlformats.org/officeDocument/2006/math" xmlns="" val="1"/>
               </a:ext>
             </a:extLst>
           </p:spPr>
@@ -4862,7 +4865,7 @@
             <a:effectLst/>
             <a:extLst>
               <a:ext uri="{C572A759-6A51-4108-AA02-DFA0A04FC94B}">
-                <ma14:wrappingTextBoxFlag xmlns="" xmlns:m="http://schemas.openxmlformats.org/officeDocument/2006/math" xmlns:a14="http://schemas.microsoft.com/office/drawing/2010/main" xmlns:ma14="http://schemas.microsoft.com/office/mac/drawingml/2011/main" val="1"/>
+                <ma14:wrappingTextBoxFlag xmlns:ma14="http://schemas.microsoft.com/office/mac/drawingml/2011/main" xmlns:a14="http://schemas.microsoft.com/office/drawing/2010/main" xmlns:m="http://schemas.openxmlformats.org/officeDocument/2006/math" xmlns="" val="1"/>
               </a:ext>
             </a:extLst>
           </p:spPr>
@@ -4958,7 +4961,7 @@
             <a:effectLst/>
             <a:extLst>
               <a:ext uri="{C572A759-6A51-4108-AA02-DFA0A04FC94B}">
-                <ma14:wrappingTextBoxFlag xmlns="" xmlns:m="http://schemas.openxmlformats.org/officeDocument/2006/math" xmlns:a14="http://schemas.microsoft.com/office/drawing/2010/main" xmlns:ma14="http://schemas.microsoft.com/office/mac/drawingml/2011/main" val="1"/>
+                <ma14:wrappingTextBoxFlag xmlns:ma14="http://schemas.microsoft.com/office/mac/drawingml/2011/main" xmlns:a14="http://schemas.microsoft.com/office/drawing/2010/main" xmlns:m="http://schemas.openxmlformats.org/officeDocument/2006/math" xmlns="" val="1"/>
               </a:ext>
             </a:extLst>
           </p:spPr>
@@ -6436,7 +6439,7 @@
           </a:ln>
           <a:extLst>
             <a:ext uri="{C572A759-6A51-4108-AA02-DFA0A04FC94B}">
-              <ma14:wrappingTextBoxFlag xmlns="" xmlns:m="http://schemas.openxmlformats.org/officeDocument/2006/math" xmlns:a14="http://schemas.microsoft.com/office/drawing/2010/main" xmlns:ma14="http://schemas.microsoft.com/office/mac/drawingml/2011/main" val="1"/>
+              <ma14:wrappingTextBoxFlag xmlns:ma14="http://schemas.microsoft.com/office/mac/drawingml/2011/main" xmlns:a14="http://schemas.microsoft.com/office/drawing/2010/main" xmlns:m="http://schemas.openxmlformats.org/officeDocument/2006/math" xmlns="" val="1"/>
             </a:ext>
           </a:extLst>
         </p:spPr>
@@ -6527,7 +6530,7 @@
             <a:effectLst/>
             <a:extLst>
               <a:ext uri="{C572A759-6A51-4108-AA02-DFA0A04FC94B}">
-                <ma14:wrappingTextBoxFlag xmlns="" xmlns:m="http://schemas.openxmlformats.org/officeDocument/2006/math" xmlns:a14="http://schemas.microsoft.com/office/drawing/2010/main" xmlns:ma14="http://schemas.microsoft.com/office/mac/drawingml/2011/main" val="1"/>
+                <ma14:wrappingTextBoxFlag xmlns:ma14="http://schemas.microsoft.com/office/mac/drawingml/2011/main" xmlns:a14="http://schemas.microsoft.com/office/drawing/2010/main" xmlns:m="http://schemas.openxmlformats.org/officeDocument/2006/math" xmlns="" val="1"/>
               </a:ext>
             </a:extLst>
           </p:spPr>
@@ -6623,7 +6626,7 @@
             <a:effectLst/>
             <a:extLst>
               <a:ext uri="{C572A759-6A51-4108-AA02-DFA0A04FC94B}">
-                <ma14:wrappingTextBoxFlag xmlns="" xmlns:m="http://schemas.openxmlformats.org/officeDocument/2006/math" xmlns:a14="http://schemas.microsoft.com/office/drawing/2010/main" xmlns:ma14="http://schemas.microsoft.com/office/mac/drawingml/2011/main" val="1"/>
+                <ma14:wrappingTextBoxFlag xmlns:ma14="http://schemas.microsoft.com/office/mac/drawingml/2011/main" xmlns:a14="http://schemas.microsoft.com/office/drawing/2010/main" xmlns:m="http://schemas.openxmlformats.org/officeDocument/2006/math" xmlns="" val="1"/>
               </a:ext>
             </a:extLst>
           </p:spPr>
@@ -6789,7 +6792,7 @@
             <a:effectLst/>
             <a:extLst>
               <a:ext uri="{C572A759-6A51-4108-AA02-DFA0A04FC94B}">
-                <ma14:wrappingTextBoxFlag xmlns="" xmlns:m="http://schemas.openxmlformats.org/officeDocument/2006/math" xmlns:a14="http://schemas.microsoft.com/office/drawing/2010/main" xmlns:ma14="http://schemas.microsoft.com/office/mac/drawingml/2011/main" val="1"/>
+                <ma14:wrappingTextBoxFlag xmlns:ma14="http://schemas.microsoft.com/office/mac/drawingml/2011/main" xmlns:a14="http://schemas.microsoft.com/office/drawing/2010/main" xmlns:m="http://schemas.openxmlformats.org/officeDocument/2006/math" xmlns="" val="1"/>
               </a:ext>
             </a:extLst>
           </p:spPr>
@@ -6885,7 +6888,7 @@
             <a:effectLst/>
             <a:extLst>
               <a:ext uri="{C572A759-6A51-4108-AA02-DFA0A04FC94B}">
-                <ma14:wrappingTextBoxFlag xmlns="" xmlns:m="http://schemas.openxmlformats.org/officeDocument/2006/math" xmlns:a14="http://schemas.microsoft.com/office/drawing/2010/main" xmlns:ma14="http://schemas.microsoft.com/office/mac/drawingml/2011/main" val="1"/>
+                <ma14:wrappingTextBoxFlag xmlns:ma14="http://schemas.microsoft.com/office/mac/drawingml/2011/main" xmlns:a14="http://schemas.microsoft.com/office/drawing/2010/main" xmlns:m="http://schemas.openxmlformats.org/officeDocument/2006/math" xmlns="" val="1"/>
               </a:ext>
             </a:extLst>
           </p:spPr>
@@ -7044,7 +7047,7 @@
             <a:effectLst/>
             <a:extLst>
               <a:ext uri="{C572A759-6A51-4108-AA02-DFA0A04FC94B}">
-                <ma14:wrappingTextBoxFlag xmlns="" xmlns:m="http://schemas.openxmlformats.org/officeDocument/2006/math" xmlns:a14="http://schemas.microsoft.com/office/drawing/2010/main" xmlns:ma14="http://schemas.microsoft.com/office/mac/drawingml/2011/main" val="1"/>
+                <ma14:wrappingTextBoxFlag xmlns:ma14="http://schemas.microsoft.com/office/mac/drawingml/2011/main" xmlns:a14="http://schemas.microsoft.com/office/drawing/2010/main" xmlns:m="http://schemas.openxmlformats.org/officeDocument/2006/math" xmlns="" val="1"/>
               </a:ext>
             </a:extLst>
           </p:spPr>
@@ -7140,7 +7143,7 @@
             <a:effectLst/>
             <a:extLst>
               <a:ext uri="{C572A759-6A51-4108-AA02-DFA0A04FC94B}">
-                <ma14:wrappingTextBoxFlag xmlns="" xmlns:m="http://schemas.openxmlformats.org/officeDocument/2006/math" xmlns:a14="http://schemas.microsoft.com/office/drawing/2010/main" xmlns:ma14="http://schemas.microsoft.com/office/mac/drawingml/2011/main" val="1"/>
+                <ma14:wrappingTextBoxFlag xmlns:ma14="http://schemas.microsoft.com/office/mac/drawingml/2011/main" xmlns:a14="http://schemas.microsoft.com/office/drawing/2010/main" xmlns:m="http://schemas.openxmlformats.org/officeDocument/2006/math" xmlns="" val="1"/>
               </a:ext>
             </a:extLst>
           </p:spPr>
@@ -7323,7 +7326,7 @@
             <a:effectLst/>
             <a:extLst>
               <a:ext uri="{C572A759-6A51-4108-AA02-DFA0A04FC94B}">
-                <ma14:wrappingTextBoxFlag xmlns="" xmlns:m="http://schemas.openxmlformats.org/officeDocument/2006/math" xmlns:a14="http://schemas.microsoft.com/office/drawing/2010/main" xmlns:ma14="http://schemas.microsoft.com/office/mac/drawingml/2011/main" val="1"/>
+                <ma14:wrappingTextBoxFlag xmlns:ma14="http://schemas.microsoft.com/office/mac/drawingml/2011/main" xmlns:a14="http://schemas.microsoft.com/office/drawing/2010/main" xmlns:m="http://schemas.openxmlformats.org/officeDocument/2006/math" xmlns="" val="1"/>
               </a:ext>
             </a:extLst>
           </p:spPr>
@@ -7419,7 +7422,7 @@
             <a:effectLst/>
             <a:extLst>
               <a:ext uri="{C572A759-6A51-4108-AA02-DFA0A04FC94B}">
-                <ma14:wrappingTextBoxFlag xmlns="" xmlns:m="http://schemas.openxmlformats.org/officeDocument/2006/math" xmlns:a14="http://schemas.microsoft.com/office/drawing/2010/main" xmlns:ma14="http://schemas.microsoft.com/office/mac/drawingml/2011/main" val="1"/>
+                <ma14:wrappingTextBoxFlag xmlns:ma14="http://schemas.microsoft.com/office/mac/drawingml/2011/main" xmlns:a14="http://schemas.microsoft.com/office/drawing/2010/main" xmlns:m="http://schemas.openxmlformats.org/officeDocument/2006/math" xmlns="" val="1"/>
               </a:ext>
             </a:extLst>
           </p:spPr>
@@ -7596,7 +7599,7 @@
             <a:effectLst/>
             <a:extLst>
               <a:ext uri="{C572A759-6A51-4108-AA02-DFA0A04FC94B}">
-                <ma14:wrappingTextBoxFlag xmlns="" xmlns:m="http://schemas.openxmlformats.org/officeDocument/2006/math" xmlns:a14="http://schemas.microsoft.com/office/drawing/2010/main" xmlns:ma14="http://schemas.microsoft.com/office/mac/drawingml/2011/main" val="1"/>
+                <ma14:wrappingTextBoxFlag xmlns:ma14="http://schemas.microsoft.com/office/mac/drawingml/2011/main" xmlns:a14="http://schemas.microsoft.com/office/drawing/2010/main" xmlns:m="http://schemas.openxmlformats.org/officeDocument/2006/math" xmlns="" val="1"/>
               </a:ext>
             </a:extLst>
           </p:spPr>
@@ -8959,7 +8962,7 @@
           </a:ln>
           <a:extLst>
             <a:ext uri="{C572A759-6A51-4108-AA02-DFA0A04FC94B}">
-              <ma14:wrappingTextBoxFlag xmlns="" xmlns:m="http://schemas.openxmlformats.org/officeDocument/2006/math" xmlns:a14="http://schemas.microsoft.com/office/drawing/2010/main" xmlns:ma14="http://schemas.microsoft.com/office/mac/drawingml/2011/main" val="1"/>
+              <ma14:wrappingTextBoxFlag xmlns:ma14="http://schemas.microsoft.com/office/mac/drawingml/2011/main" xmlns:a14="http://schemas.microsoft.com/office/drawing/2010/main" xmlns:m="http://schemas.openxmlformats.org/officeDocument/2006/math" xmlns="" val="1"/>
             </a:ext>
           </a:extLst>
         </p:spPr>
@@ -9050,7 +9053,7 @@
             <a:effectLst/>
             <a:extLst>
               <a:ext uri="{C572A759-6A51-4108-AA02-DFA0A04FC94B}">
-                <ma14:wrappingTextBoxFlag xmlns="" xmlns:m="http://schemas.openxmlformats.org/officeDocument/2006/math" xmlns:a14="http://schemas.microsoft.com/office/drawing/2010/main" xmlns:ma14="http://schemas.microsoft.com/office/mac/drawingml/2011/main" val="1"/>
+                <ma14:wrappingTextBoxFlag xmlns:ma14="http://schemas.microsoft.com/office/mac/drawingml/2011/main" xmlns:a14="http://schemas.microsoft.com/office/drawing/2010/main" xmlns:m="http://schemas.openxmlformats.org/officeDocument/2006/math" xmlns="" val="1"/>
               </a:ext>
             </a:extLst>
           </p:spPr>
@@ -9146,7 +9149,7 @@
             <a:effectLst/>
             <a:extLst>
               <a:ext uri="{C572A759-6A51-4108-AA02-DFA0A04FC94B}">
-                <ma14:wrappingTextBoxFlag xmlns="" xmlns:m="http://schemas.openxmlformats.org/officeDocument/2006/math" xmlns:a14="http://schemas.microsoft.com/office/drawing/2010/main" xmlns:ma14="http://schemas.microsoft.com/office/mac/drawingml/2011/main" val="1"/>
+                <ma14:wrappingTextBoxFlag xmlns:ma14="http://schemas.microsoft.com/office/mac/drawingml/2011/main" xmlns:a14="http://schemas.microsoft.com/office/drawing/2010/main" xmlns:m="http://schemas.openxmlformats.org/officeDocument/2006/math" xmlns="" val="1"/>
               </a:ext>
             </a:extLst>
           </p:spPr>
@@ -9312,7 +9315,7 @@
             <a:effectLst/>
             <a:extLst>
               <a:ext uri="{C572A759-6A51-4108-AA02-DFA0A04FC94B}">
-                <ma14:wrappingTextBoxFlag xmlns="" xmlns:m="http://schemas.openxmlformats.org/officeDocument/2006/math" xmlns:a14="http://schemas.microsoft.com/office/drawing/2010/main" xmlns:ma14="http://schemas.microsoft.com/office/mac/drawingml/2011/main" val="1"/>
+                <ma14:wrappingTextBoxFlag xmlns:ma14="http://schemas.microsoft.com/office/mac/drawingml/2011/main" xmlns:a14="http://schemas.microsoft.com/office/drawing/2010/main" xmlns:m="http://schemas.openxmlformats.org/officeDocument/2006/math" xmlns="" val="1"/>
               </a:ext>
             </a:extLst>
           </p:spPr>
@@ -9408,7 +9411,7 @@
             <a:effectLst/>
             <a:extLst>
               <a:ext uri="{C572A759-6A51-4108-AA02-DFA0A04FC94B}">
-                <ma14:wrappingTextBoxFlag xmlns="" xmlns:m="http://schemas.openxmlformats.org/officeDocument/2006/math" xmlns:a14="http://schemas.microsoft.com/office/drawing/2010/main" xmlns:ma14="http://schemas.microsoft.com/office/mac/drawingml/2011/main" val="1"/>
+                <ma14:wrappingTextBoxFlag xmlns:ma14="http://schemas.microsoft.com/office/mac/drawingml/2011/main" xmlns:a14="http://schemas.microsoft.com/office/drawing/2010/main" xmlns:m="http://schemas.openxmlformats.org/officeDocument/2006/math" xmlns="" val="1"/>
               </a:ext>
             </a:extLst>
           </p:spPr>
@@ -9504,7 +9507,7 @@
             <a:effectLst/>
             <a:extLst>
               <a:ext uri="{C572A759-6A51-4108-AA02-DFA0A04FC94B}">
-                <ma14:wrappingTextBoxFlag xmlns="" xmlns:m="http://schemas.openxmlformats.org/officeDocument/2006/math" xmlns:a14="http://schemas.microsoft.com/office/drawing/2010/main" xmlns:ma14="http://schemas.microsoft.com/office/mac/drawingml/2011/main" val="1"/>
+                <ma14:wrappingTextBoxFlag xmlns:ma14="http://schemas.microsoft.com/office/mac/drawingml/2011/main" xmlns:a14="http://schemas.microsoft.com/office/drawing/2010/main" xmlns:m="http://schemas.openxmlformats.org/officeDocument/2006/math" xmlns="" val="1"/>
               </a:ext>
             </a:extLst>
           </p:spPr>
@@ -9586,7 +9589,7 @@
           </a:ln>
           <a:extLst>
             <a:ext uri="{C572A759-6A51-4108-AA02-DFA0A04FC94B}">
-              <ma14:wrappingTextBoxFlag xmlns="" xmlns:m="http://schemas.openxmlformats.org/officeDocument/2006/math" xmlns:a14="http://schemas.microsoft.com/office/drawing/2010/main" xmlns:ma14="http://schemas.microsoft.com/office/mac/drawingml/2011/main" val="1"/>
+              <ma14:wrappingTextBoxFlag xmlns:ma14="http://schemas.microsoft.com/office/mac/drawingml/2011/main" xmlns:a14="http://schemas.microsoft.com/office/drawing/2010/main" xmlns:m="http://schemas.openxmlformats.org/officeDocument/2006/math" xmlns="" val="1"/>
             </a:ext>
           </a:extLst>
         </p:spPr>
@@ -9677,7 +9680,7 @@
             <a:effectLst/>
             <a:extLst>
               <a:ext uri="{C572A759-6A51-4108-AA02-DFA0A04FC94B}">
-                <ma14:wrappingTextBoxFlag xmlns="" xmlns:m="http://schemas.openxmlformats.org/officeDocument/2006/math" xmlns:a14="http://schemas.microsoft.com/office/drawing/2010/main" xmlns:ma14="http://schemas.microsoft.com/office/mac/drawingml/2011/main" val="1"/>
+                <ma14:wrappingTextBoxFlag xmlns:ma14="http://schemas.microsoft.com/office/mac/drawingml/2011/main" xmlns:a14="http://schemas.microsoft.com/office/drawing/2010/main" xmlns:m="http://schemas.openxmlformats.org/officeDocument/2006/math" xmlns="" val="1"/>
               </a:ext>
             </a:extLst>
           </p:spPr>
@@ -9773,7 +9776,7 @@
             <a:effectLst/>
             <a:extLst>
               <a:ext uri="{C572A759-6A51-4108-AA02-DFA0A04FC94B}">
-                <ma14:wrappingTextBoxFlag xmlns="" xmlns:m="http://schemas.openxmlformats.org/officeDocument/2006/math" xmlns:a14="http://schemas.microsoft.com/office/drawing/2010/main" xmlns:ma14="http://schemas.microsoft.com/office/mac/drawingml/2011/main" val="1"/>
+                <ma14:wrappingTextBoxFlag xmlns:ma14="http://schemas.microsoft.com/office/mac/drawingml/2011/main" xmlns:a14="http://schemas.microsoft.com/office/drawing/2010/main" xmlns:m="http://schemas.openxmlformats.org/officeDocument/2006/math" xmlns="" val="1"/>
               </a:ext>
             </a:extLst>
           </p:spPr>
@@ -9939,7 +9942,7 @@
             <a:effectLst/>
             <a:extLst>
               <a:ext uri="{C572A759-6A51-4108-AA02-DFA0A04FC94B}">
-                <ma14:wrappingTextBoxFlag xmlns="" xmlns:m="http://schemas.openxmlformats.org/officeDocument/2006/math" xmlns:a14="http://schemas.microsoft.com/office/drawing/2010/main" xmlns:ma14="http://schemas.microsoft.com/office/mac/drawingml/2011/main" val="1"/>
+                <ma14:wrappingTextBoxFlag xmlns:ma14="http://schemas.microsoft.com/office/mac/drawingml/2011/main" xmlns:a14="http://schemas.microsoft.com/office/drawing/2010/main" xmlns:m="http://schemas.openxmlformats.org/officeDocument/2006/math" xmlns="" val="1"/>
               </a:ext>
             </a:extLst>
           </p:spPr>
@@ -10035,7 +10038,7 @@
             <a:effectLst/>
             <a:extLst>
               <a:ext uri="{C572A759-6A51-4108-AA02-DFA0A04FC94B}">
-                <ma14:wrappingTextBoxFlag xmlns="" xmlns:m="http://schemas.openxmlformats.org/officeDocument/2006/math" xmlns:a14="http://schemas.microsoft.com/office/drawing/2010/main" xmlns:ma14="http://schemas.microsoft.com/office/mac/drawingml/2011/main" val="1"/>
+                <ma14:wrappingTextBoxFlag xmlns:ma14="http://schemas.microsoft.com/office/mac/drawingml/2011/main" xmlns:a14="http://schemas.microsoft.com/office/drawing/2010/main" xmlns:m="http://schemas.openxmlformats.org/officeDocument/2006/math" xmlns="" val="1"/>
               </a:ext>
             </a:extLst>
           </p:spPr>
@@ -10131,7 +10134,7 @@
             <a:effectLst/>
             <a:extLst>
               <a:ext uri="{C572A759-6A51-4108-AA02-DFA0A04FC94B}">
-                <ma14:wrappingTextBoxFlag xmlns="" xmlns:m="http://schemas.openxmlformats.org/officeDocument/2006/math" xmlns:a14="http://schemas.microsoft.com/office/drawing/2010/main" xmlns:ma14="http://schemas.microsoft.com/office/mac/drawingml/2011/main" val="1"/>
+                <ma14:wrappingTextBoxFlag xmlns:ma14="http://schemas.microsoft.com/office/mac/drawingml/2011/main" xmlns:a14="http://schemas.microsoft.com/office/drawing/2010/main" xmlns:m="http://schemas.openxmlformats.org/officeDocument/2006/math" xmlns="" val="1"/>
               </a:ext>
             </a:extLst>
           </p:spPr>
@@ -10308,7 +10311,7 @@
             <a:effectLst/>
             <a:extLst>
               <a:ext uri="{C572A759-6A51-4108-AA02-DFA0A04FC94B}">
-                <ma14:wrappingTextBoxFlag xmlns="" xmlns:m="http://schemas.openxmlformats.org/officeDocument/2006/math" xmlns:a14="http://schemas.microsoft.com/office/drawing/2010/main" xmlns:ma14="http://schemas.microsoft.com/office/mac/drawingml/2011/main" val="1"/>
+                <ma14:wrappingTextBoxFlag xmlns:ma14="http://schemas.microsoft.com/office/mac/drawingml/2011/main" xmlns:a14="http://schemas.microsoft.com/office/drawing/2010/main" xmlns:m="http://schemas.openxmlformats.org/officeDocument/2006/math" xmlns="" val="1"/>
               </a:ext>
             </a:extLst>
           </p:spPr>
@@ -11485,7 +11488,7 @@
           </a:ln>
           <a:extLst>
             <a:ext uri="{C572A759-6A51-4108-AA02-DFA0A04FC94B}">
-              <ma14:wrappingTextBoxFlag xmlns="" xmlns:m="http://schemas.openxmlformats.org/officeDocument/2006/math" xmlns:a14="http://schemas.microsoft.com/office/drawing/2010/main" xmlns:ma14="http://schemas.microsoft.com/office/mac/drawingml/2011/main" val="1"/>
+              <ma14:wrappingTextBoxFlag xmlns:ma14="http://schemas.microsoft.com/office/mac/drawingml/2011/main" xmlns:a14="http://schemas.microsoft.com/office/drawing/2010/main" xmlns:m="http://schemas.openxmlformats.org/officeDocument/2006/math" xmlns="" val="1"/>
             </a:ext>
           </a:extLst>
         </p:spPr>
@@ -11584,7 +11587,7 @@
             <a:effectLst/>
             <a:extLst>
               <a:ext uri="{C572A759-6A51-4108-AA02-DFA0A04FC94B}">
-                <ma14:wrappingTextBoxFlag xmlns="" xmlns:m="http://schemas.openxmlformats.org/officeDocument/2006/math" xmlns:a14="http://schemas.microsoft.com/office/drawing/2010/main" xmlns:ma14="http://schemas.microsoft.com/office/mac/drawingml/2011/main" val="1"/>
+                <ma14:wrappingTextBoxFlag xmlns:ma14="http://schemas.microsoft.com/office/mac/drawingml/2011/main" xmlns:a14="http://schemas.microsoft.com/office/drawing/2010/main" xmlns:m="http://schemas.openxmlformats.org/officeDocument/2006/math" xmlns="" val="1"/>
               </a:ext>
             </a:extLst>
           </p:spPr>
@@ -11667,7 +11670,7 @@
           </a:ln>
           <a:extLst>
             <a:ext uri="{C572A759-6A51-4108-AA02-DFA0A04FC94B}">
-              <ma14:wrappingTextBoxFlag xmlns="" xmlns:m="http://schemas.openxmlformats.org/officeDocument/2006/math" xmlns:a14="http://schemas.microsoft.com/office/drawing/2010/main" xmlns:ma14="http://schemas.microsoft.com/office/mac/drawingml/2011/main" val="1"/>
+              <ma14:wrappingTextBoxFlag xmlns:ma14="http://schemas.microsoft.com/office/mac/drawingml/2011/main" xmlns:a14="http://schemas.microsoft.com/office/drawing/2010/main" xmlns:m="http://schemas.openxmlformats.org/officeDocument/2006/math" xmlns="" val="1"/>
             </a:ext>
           </a:extLst>
         </p:spPr>
@@ -11781,7 +11784,7 @@
             <a:effectLst/>
             <a:extLst>
               <a:ext uri="{C572A759-6A51-4108-AA02-DFA0A04FC94B}">
-                <ma14:wrappingTextBoxFlag xmlns="" xmlns:m="http://schemas.openxmlformats.org/officeDocument/2006/math" xmlns:a14="http://schemas.microsoft.com/office/drawing/2010/main" xmlns:ma14="http://schemas.microsoft.com/office/mac/drawingml/2011/main" val="1"/>
+                <ma14:wrappingTextBoxFlag xmlns:ma14="http://schemas.microsoft.com/office/mac/drawingml/2011/main" xmlns:a14="http://schemas.microsoft.com/office/drawing/2010/main" xmlns:m="http://schemas.openxmlformats.org/officeDocument/2006/math" xmlns="" val="1"/>
               </a:ext>
             </a:extLst>
           </p:spPr>
@@ -11885,7 +11888,7 @@
             <a:effectLst/>
             <a:extLst>
               <a:ext uri="{C572A759-6A51-4108-AA02-DFA0A04FC94B}">
-                <ma14:wrappingTextBoxFlag xmlns="" xmlns:m="http://schemas.openxmlformats.org/officeDocument/2006/math" xmlns:a14="http://schemas.microsoft.com/office/drawing/2010/main" xmlns:ma14="http://schemas.microsoft.com/office/mac/drawingml/2011/main" val="1"/>
+                <ma14:wrappingTextBoxFlag xmlns:ma14="http://schemas.microsoft.com/office/mac/drawingml/2011/main" xmlns:a14="http://schemas.microsoft.com/office/drawing/2010/main" xmlns:m="http://schemas.openxmlformats.org/officeDocument/2006/math" xmlns="" val="1"/>
               </a:ext>
             </a:extLst>
           </p:spPr>
@@ -11989,7 +11992,7 @@
             <a:effectLst/>
             <a:extLst>
               <a:ext uri="{C572A759-6A51-4108-AA02-DFA0A04FC94B}">
-                <ma14:wrappingTextBoxFlag xmlns="" xmlns:m="http://schemas.openxmlformats.org/officeDocument/2006/math" xmlns:a14="http://schemas.microsoft.com/office/drawing/2010/main" xmlns:ma14="http://schemas.microsoft.com/office/mac/drawingml/2011/main" val="1"/>
+                <ma14:wrappingTextBoxFlag xmlns:ma14="http://schemas.microsoft.com/office/mac/drawingml/2011/main" xmlns:a14="http://schemas.microsoft.com/office/drawing/2010/main" xmlns:m="http://schemas.openxmlformats.org/officeDocument/2006/math" xmlns="" val="1"/>
               </a:ext>
             </a:extLst>
           </p:spPr>
@@ -13130,7 +13133,7 @@
           </a:ln>
           <a:extLst>
             <a:ext uri="{C572A759-6A51-4108-AA02-DFA0A04FC94B}">
-              <ma14:wrappingTextBoxFlag xmlns="" xmlns:m="http://schemas.openxmlformats.org/officeDocument/2006/math" xmlns:a14="http://schemas.microsoft.com/office/drawing/2010/main" xmlns:ma14="http://schemas.microsoft.com/office/mac/drawingml/2011/main" val="1"/>
+              <ma14:wrappingTextBoxFlag xmlns:ma14="http://schemas.microsoft.com/office/mac/drawingml/2011/main" xmlns:a14="http://schemas.microsoft.com/office/drawing/2010/main" xmlns:m="http://schemas.openxmlformats.org/officeDocument/2006/math" xmlns="" val="1"/>
             </a:ext>
           </a:extLst>
         </p:spPr>
@@ -13272,7 +13275,7 @@
           </a:ln>
           <a:extLst>
             <a:ext uri="{C572A759-6A51-4108-AA02-DFA0A04FC94B}">
-              <ma14:wrappingTextBoxFlag xmlns="" xmlns:m="http://schemas.openxmlformats.org/officeDocument/2006/math" xmlns:a14="http://schemas.microsoft.com/office/drawing/2010/main" xmlns:ma14="http://schemas.microsoft.com/office/mac/drawingml/2011/main" val="1"/>
+              <ma14:wrappingTextBoxFlag xmlns:ma14="http://schemas.microsoft.com/office/mac/drawingml/2011/main" xmlns:a14="http://schemas.microsoft.com/office/drawing/2010/main" xmlns:m="http://schemas.openxmlformats.org/officeDocument/2006/math" xmlns="" val="1"/>
             </a:ext>
           </a:extLst>
         </p:spPr>
@@ -13367,7 +13370,7 @@
             <a:effectLst/>
             <a:extLst>
               <a:ext uri="{C572A759-6A51-4108-AA02-DFA0A04FC94B}">
-                <ma14:wrappingTextBoxFlag xmlns="" xmlns:m="http://schemas.openxmlformats.org/officeDocument/2006/math" xmlns:a14="http://schemas.microsoft.com/office/drawing/2010/main" xmlns:ma14="http://schemas.microsoft.com/office/mac/drawingml/2011/main" val="1"/>
+                <ma14:wrappingTextBoxFlag xmlns:ma14="http://schemas.microsoft.com/office/mac/drawingml/2011/main" xmlns:a14="http://schemas.microsoft.com/office/drawing/2010/main" xmlns:m="http://schemas.openxmlformats.org/officeDocument/2006/math" xmlns="" val="1"/>
               </a:ext>
             </a:extLst>
           </p:spPr>
@@ -14488,7 +14491,7 @@
           </a:ln>
           <a:extLst>
             <a:ext uri="{C572A759-6A51-4108-AA02-DFA0A04FC94B}">
-              <ma14:wrappingTextBoxFlag xmlns="" xmlns:m="http://schemas.openxmlformats.org/officeDocument/2006/math" xmlns:a14="http://schemas.microsoft.com/office/drawing/2010/main" xmlns:ma14="http://schemas.microsoft.com/office/mac/drawingml/2011/main" val="1"/>
+              <ma14:wrappingTextBoxFlag xmlns:ma14="http://schemas.microsoft.com/office/mac/drawingml/2011/main" xmlns:a14="http://schemas.microsoft.com/office/drawing/2010/main" xmlns:m="http://schemas.openxmlformats.org/officeDocument/2006/math" xmlns="" val="1"/>
             </a:ext>
           </a:extLst>
         </p:spPr>
@@ -14573,7 +14576,7 @@
           </a:ln>
           <a:extLst>
             <a:ext uri="{C572A759-6A51-4108-AA02-DFA0A04FC94B}">
-              <ma14:wrappingTextBoxFlag xmlns="" xmlns:m="http://schemas.openxmlformats.org/officeDocument/2006/math" xmlns:a14="http://schemas.microsoft.com/office/drawing/2010/main" xmlns:ma14="http://schemas.microsoft.com/office/mac/drawingml/2011/main" val="1"/>
+              <ma14:wrappingTextBoxFlag xmlns:ma14="http://schemas.microsoft.com/office/mac/drawingml/2011/main" xmlns:a14="http://schemas.microsoft.com/office/drawing/2010/main" xmlns:m="http://schemas.openxmlformats.org/officeDocument/2006/math" xmlns="" val="1"/>
             </a:ext>
           </a:extLst>
         </p:spPr>
@@ -14668,7 +14671,7 @@
             <a:effectLst/>
             <a:extLst>
               <a:ext uri="{C572A759-6A51-4108-AA02-DFA0A04FC94B}">
-                <ma14:wrappingTextBoxFlag xmlns="" xmlns:m="http://schemas.openxmlformats.org/officeDocument/2006/math" xmlns:a14="http://schemas.microsoft.com/office/drawing/2010/main" xmlns:ma14="http://schemas.microsoft.com/office/mac/drawingml/2011/main" val="1"/>
+                <ma14:wrappingTextBoxFlag xmlns:ma14="http://schemas.microsoft.com/office/mac/drawingml/2011/main" xmlns:a14="http://schemas.microsoft.com/office/drawing/2010/main" xmlns:m="http://schemas.openxmlformats.org/officeDocument/2006/math" xmlns="" val="1"/>
               </a:ext>
             </a:extLst>
           </p:spPr>
@@ -14803,7 +14806,7 @@
             <a:effectLst/>
             <a:extLst>
               <a:ext uri="{C572A759-6A51-4108-AA02-DFA0A04FC94B}">
-                <ma14:wrappingTextBoxFlag xmlns="" xmlns:m="http://schemas.openxmlformats.org/officeDocument/2006/math" xmlns:a14="http://schemas.microsoft.com/office/drawing/2010/main" xmlns:ma14="http://schemas.microsoft.com/office/mac/drawingml/2011/main" val="1"/>
+                <ma14:wrappingTextBoxFlag xmlns:ma14="http://schemas.microsoft.com/office/mac/drawingml/2011/main" xmlns:a14="http://schemas.microsoft.com/office/drawing/2010/main" xmlns:m="http://schemas.openxmlformats.org/officeDocument/2006/math" xmlns="" val="1"/>
               </a:ext>
             </a:extLst>
           </p:spPr>
@@ -14938,7 +14941,7 @@
             <a:effectLst/>
             <a:extLst>
               <a:ext uri="{C572A759-6A51-4108-AA02-DFA0A04FC94B}">
-                <ma14:wrappingTextBoxFlag xmlns="" xmlns:m="http://schemas.openxmlformats.org/officeDocument/2006/math" xmlns:a14="http://schemas.microsoft.com/office/drawing/2010/main" xmlns:ma14="http://schemas.microsoft.com/office/mac/drawingml/2011/main" val="1"/>
+                <ma14:wrappingTextBoxFlag xmlns:ma14="http://schemas.microsoft.com/office/mac/drawingml/2011/main" xmlns:a14="http://schemas.microsoft.com/office/drawing/2010/main" xmlns:m="http://schemas.openxmlformats.org/officeDocument/2006/math" xmlns="" val="1"/>
               </a:ext>
             </a:extLst>
           </p:spPr>
@@ -15034,7 +15037,7 @@
             <a:effectLst/>
             <a:extLst>
               <a:ext uri="{C572A759-6A51-4108-AA02-DFA0A04FC94B}">
-                <ma14:wrappingTextBoxFlag xmlns="" xmlns:m="http://schemas.openxmlformats.org/officeDocument/2006/math" xmlns:a14="http://schemas.microsoft.com/office/drawing/2010/main" xmlns:ma14="http://schemas.microsoft.com/office/mac/drawingml/2011/main" val="1"/>
+                <ma14:wrappingTextBoxFlag xmlns:ma14="http://schemas.microsoft.com/office/mac/drawingml/2011/main" xmlns:a14="http://schemas.microsoft.com/office/drawing/2010/main" xmlns:m="http://schemas.openxmlformats.org/officeDocument/2006/math" xmlns="" val="1"/>
               </a:ext>
             </a:extLst>
           </p:spPr>
@@ -15169,7 +15172,7 @@
             <a:effectLst/>
             <a:extLst>
               <a:ext uri="{C572A759-6A51-4108-AA02-DFA0A04FC94B}">
-                <ma14:wrappingTextBoxFlag xmlns="" xmlns:m="http://schemas.openxmlformats.org/officeDocument/2006/math" xmlns:a14="http://schemas.microsoft.com/office/drawing/2010/main" xmlns:ma14="http://schemas.microsoft.com/office/mac/drawingml/2011/main" val="1"/>
+                <ma14:wrappingTextBoxFlag xmlns:ma14="http://schemas.microsoft.com/office/mac/drawingml/2011/main" xmlns:a14="http://schemas.microsoft.com/office/drawing/2010/main" xmlns:m="http://schemas.openxmlformats.org/officeDocument/2006/math" xmlns="" val="1"/>
               </a:ext>
             </a:extLst>
           </p:spPr>
@@ -15304,7 +15307,7 @@
             <a:effectLst/>
             <a:extLst>
               <a:ext uri="{C572A759-6A51-4108-AA02-DFA0A04FC94B}">
-                <ma14:wrappingTextBoxFlag xmlns="" xmlns:m="http://schemas.openxmlformats.org/officeDocument/2006/math" xmlns:a14="http://schemas.microsoft.com/office/drawing/2010/main" xmlns:ma14="http://schemas.microsoft.com/office/mac/drawingml/2011/main" val="1"/>
+                <ma14:wrappingTextBoxFlag xmlns:ma14="http://schemas.microsoft.com/office/mac/drawingml/2011/main" xmlns:a14="http://schemas.microsoft.com/office/drawing/2010/main" xmlns:m="http://schemas.openxmlformats.org/officeDocument/2006/math" xmlns="" val="1"/>
               </a:ext>
             </a:extLst>
           </p:spPr>
@@ -15439,7 +15442,7 @@
             <a:effectLst/>
             <a:extLst>
               <a:ext uri="{C572A759-6A51-4108-AA02-DFA0A04FC94B}">
-                <ma14:wrappingTextBoxFlag xmlns="" xmlns:m="http://schemas.openxmlformats.org/officeDocument/2006/math" xmlns:a14="http://schemas.microsoft.com/office/drawing/2010/main" xmlns:ma14="http://schemas.microsoft.com/office/mac/drawingml/2011/main" val="1"/>
+                <ma14:wrappingTextBoxFlag xmlns:ma14="http://schemas.microsoft.com/office/mac/drawingml/2011/main" xmlns:a14="http://schemas.microsoft.com/office/drawing/2010/main" xmlns:m="http://schemas.openxmlformats.org/officeDocument/2006/math" xmlns="" val="1"/>
               </a:ext>
             </a:extLst>
           </p:spPr>
@@ -15535,7 +15538,7 @@
             <a:effectLst/>
             <a:extLst>
               <a:ext uri="{C572A759-6A51-4108-AA02-DFA0A04FC94B}">
-                <ma14:wrappingTextBoxFlag xmlns="" xmlns:m="http://schemas.openxmlformats.org/officeDocument/2006/math" xmlns:a14="http://schemas.microsoft.com/office/drawing/2010/main" xmlns:ma14="http://schemas.microsoft.com/office/mac/drawingml/2011/main" val="1"/>
+                <ma14:wrappingTextBoxFlag xmlns:ma14="http://schemas.microsoft.com/office/mac/drawingml/2011/main" xmlns:a14="http://schemas.microsoft.com/office/drawing/2010/main" xmlns:m="http://schemas.openxmlformats.org/officeDocument/2006/math" xmlns="" val="1"/>
               </a:ext>
             </a:extLst>
           </p:spPr>
@@ -15577,7 +15580,7 @@
           </a:ln>
           <a:extLst>
             <a:ext uri="{C572A759-6A51-4108-AA02-DFA0A04FC94B}">
-              <ma14:wrappingTextBoxFlag xmlns="" xmlns:m="http://schemas.openxmlformats.org/officeDocument/2006/math" xmlns:a14="http://schemas.microsoft.com/office/drawing/2010/main" xmlns:ma14="http://schemas.microsoft.com/office/mac/drawingml/2011/main" val="1"/>
+              <ma14:wrappingTextBoxFlag xmlns:ma14="http://schemas.microsoft.com/office/mac/drawingml/2011/main" xmlns:a14="http://schemas.microsoft.com/office/drawing/2010/main" xmlns:m="http://schemas.openxmlformats.org/officeDocument/2006/math" xmlns="" val="1"/>
             </a:ext>
           </a:extLst>
         </p:spPr>
@@ -15672,7 +15675,7 @@
             <a:effectLst/>
             <a:extLst>
               <a:ext uri="{C572A759-6A51-4108-AA02-DFA0A04FC94B}">
-                <ma14:wrappingTextBoxFlag xmlns="" xmlns:m="http://schemas.openxmlformats.org/officeDocument/2006/math" xmlns:a14="http://schemas.microsoft.com/office/drawing/2010/main" xmlns:ma14="http://schemas.microsoft.com/office/mac/drawingml/2011/main" val="1"/>
+                <ma14:wrappingTextBoxFlag xmlns:ma14="http://schemas.microsoft.com/office/mac/drawingml/2011/main" xmlns:a14="http://schemas.microsoft.com/office/drawing/2010/main" xmlns:m="http://schemas.openxmlformats.org/officeDocument/2006/math" xmlns="" val="1"/>
               </a:ext>
             </a:extLst>
           </p:spPr>
@@ -15768,7 +15771,7 @@
             <a:effectLst/>
             <a:extLst>
               <a:ext uri="{C572A759-6A51-4108-AA02-DFA0A04FC94B}">
-                <ma14:wrappingTextBoxFlag xmlns="" xmlns:m="http://schemas.openxmlformats.org/officeDocument/2006/math" xmlns:a14="http://schemas.microsoft.com/office/drawing/2010/main" xmlns:ma14="http://schemas.microsoft.com/office/mac/drawingml/2011/main" val="1"/>
+                <ma14:wrappingTextBoxFlag xmlns:ma14="http://schemas.microsoft.com/office/mac/drawingml/2011/main" xmlns:a14="http://schemas.microsoft.com/office/drawing/2010/main" xmlns:m="http://schemas.openxmlformats.org/officeDocument/2006/math" xmlns="" val="1"/>
               </a:ext>
             </a:extLst>
           </p:spPr>
@@ -15864,7 +15867,7 @@
             <a:effectLst/>
             <a:extLst>
               <a:ext uri="{C572A759-6A51-4108-AA02-DFA0A04FC94B}">
-                <ma14:wrappingTextBoxFlag xmlns="" xmlns:m="http://schemas.openxmlformats.org/officeDocument/2006/math" xmlns:a14="http://schemas.microsoft.com/office/drawing/2010/main" xmlns:ma14="http://schemas.microsoft.com/office/mac/drawingml/2011/main" val="1"/>
+                <ma14:wrappingTextBoxFlag xmlns:ma14="http://schemas.microsoft.com/office/mac/drawingml/2011/main" xmlns:a14="http://schemas.microsoft.com/office/drawing/2010/main" xmlns:m="http://schemas.openxmlformats.org/officeDocument/2006/math" xmlns="" val="1"/>
               </a:ext>
             </a:extLst>
           </p:spPr>
@@ -15960,7 +15963,7 @@
             <a:effectLst/>
             <a:extLst>
               <a:ext uri="{C572A759-6A51-4108-AA02-DFA0A04FC94B}">
-                <ma14:wrappingTextBoxFlag xmlns="" xmlns:m="http://schemas.openxmlformats.org/officeDocument/2006/math" xmlns:a14="http://schemas.microsoft.com/office/drawing/2010/main" xmlns:ma14="http://schemas.microsoft.com/office/mac/drawingml/2011/main" val="1"/>
+                <ma14:wrappingTextBoxFlag xmlns:ma14="http://schemas.microsoft.com/office/mac/drawingml/2011/main" xmlns:a14="http://schemas.microsoft.com/office/drawing/2010/main" xmlns:m="http://schemas.openxmlformats.org/officeDocument/2006/math" xmlns="" val="1"/>
               </a:ext>
             </a:extLst>
           </p:spPr>
@@ -16056,7 +16059,7 @@
             <a:effectLst/>
             <a:extLst>
               <a:ext uri="{C572A759-6A51-4108-AA02-DFA0A04FC94B}">
-                <ma14:wrappingTextBoxFlag xmlns="" xmlns:m="http://schemas.openxmlformats.org/officeDocument/2006/math" xmlns:a14="http://schemas.microsoft.com/office/drawing/2010/main" xmlns:ma14="http://schemas.microsoft.com/office/mac/drawingml/2011/main" val="1"/>
+                <ma14:wrappingTextBoxFlag xmlns:ma14="http://schemas.microsoft.com/office/mac/drawingml/2011/main" xmlns:a14="http://schemas.microsoft.com/office/drawing/2010/main" xmlns:m="http://schemas.openxmlformats.org/officeDocument/2006/math" xmlns="" val="1"/>
               </a:ext>
             </a:extLst>
           </p:spPr>
@@ -16191,7 +16194,7 @@
             <a:effectLst/>
             <a:extLst>
               <a:ext uri="{C572A759-6A51-4108-AA02-DFA0A04FC94B}">
-                <ma14:wrappingTextBoxFlag xmlns="" xmlns:m="http://schemas.openxmlformats.org/officeDocument/2006/math" xmlns:a14="http://schemas.microsoft.com/office/drawing/2010/main" xmlns:ma14="http://schemas.microsoft.com/office/mac/drawingml/2011/main" val="1"/>
+                <ma14:wrappingTextBoxFlag xmlns:ma14="http://schemas.microsoft.com/office/mac/drawingml/2011/main" xmlns:a14="http://schemas.microsoft.com/office/drawing/2010/main" xmlns:m="http://schemas.openxmlformats.org/officeDocument/2006/math" xmlns="" val="1"/>
               </a:ext>
             </a:extLst>
           </p:spPr>
@@ -16287,7 +16290,7 @@
             <a:effectLst/>
             <a:extLst>
               <a:ext uri="{C572A759-6A51-4108-AA02-DFA0A04FC94B}">
-                <ma14:wrappingTextBoxFlag xmlns="" xmlns:m="http://schemas.openxmlformats.org/officeDocument/2006/math" xmlns:a14="http://schemas.microsoft.com/office/drawing/2010/main" xmlns:ma14="http://schemas.microsoft.com/office/mac/drawingml/2011/main" val="1"/>
+                <ma14:wrappingTextBoxFlag xmlns:ma14="http://schemas.microsoft.com/office/mac/drawingml/2011/main" xmlns:a14="http://schemas.microsoft.com/office/drawing/2010/main" xmlns:m="http://schemas.openxmlformats.org/officeDocument/2006/math" xmlns="" val="1"/>
               </a:ext>
             </a:extLst>
           </p:spPr>
@@ -16422,7 +16425,7 @@
             <a:effectLst/>
             <a:extLst>
               <a:ext uri="{C572A759-6A51-4108-AA02-DFA0A04FC94B}">
-                <ma14:wrappingTextBoxFlag xmlns="" xmlns:m="http://schemas.openxmlformats.org/officeDocument/2006/math" xmlns:a14="http://schemas.microsoft.com/office/drawing/2010/main" xmlns:ma14="http://schemas.microsoft.com/office/mac/drawingml/2011/main" val="1"/>
+                <ma14:wrappingTextBoxFlag xmlns:ma14="http://schemas.microsoft.com/office/mac/drawingml/2011/main" xmlns:a14="http://schemas.microsoft.com/office/drawing/2010/main" xmlns:m="http://schemas.openxmlformats.org/officeDocument/2006/math" xmlns="" val="1"/>
               </a:ext>
             </a:extLst>
           </p:spPr>
@@ -16518,7 +16521,7 @@
             <a:effectLst/>
             <a:extLst>
               <a:ext uri="{C572A759-6A51-4108-AA02-DFA0A04FC94B}">
-                <ma14:wrappingTextBoxFlag xmlns="" xmlns:m="http://schemas.openxmlformats.org/officeDocument/2006/math" xmlns:a14="http://schemas.microsoft.com/office/drawing/2010/main" xmlns:ma14="http://schemas.microsoft.com/office/mac/drawingml/2011/main" val="1"/>
+                <ma14:wrappingTextBoxFlag xmlns:ma14="http://schemas.microsoft.com/office/mac/drawingml/2011/main" xmlns:a14="http://schemas.microsoft.com/office/drawing/2010/main" xmlns:m="http://schemas.openxmlformats.org/officeDocument/2006/math" xmlns="" val="1"/>
               </a:ext>
             </a:extLst>
           </p:spPr>
@@ -16618,7 +16621,7 @@
             <a:effectLst/>
             <a:extLst>
               <a:ext uri="{C572A759-6A51-4108-AA02-DFA0A04FC94B}">
-                <ma14:wrappingTextBoxFlag xmlns="" xmlns:m="http://schemas.openxmlformats.org/officeDocument/2006/math" xmlns:a14="http://schemas.microsoft.com/office/drawing/2010/main" xmlns:ma14="http://schemas.microsoft.com/office/mac/drawingml/2011/main" val="1"/>
+                <ma14:wrappingTextBoxFlag xmlns:ma14="http://schemas.microsoft.com/office/mac/drawingml/2011/main" xmlns:a14="http://schemas.microsoft.com/office/drawing/2010/main" xmlns:m="http://schemas.openxmlformats.org/officeDocument/2006/math" xmlns="" val="1"/>
               </a:ext>
             </a:extLst>
           </p:spPr>
@@ -16722,7 +16725,7 @@
             <a:effectLst/>
             <a:extLst>
               <a:ext uri="{C572A759-6A51-4108-AA02-DFA0A04FC94B}">
-                <ma14:wrappingTextBoxFlag xmlns="" xmlns:m="http://schemas.openxmlformats.org/officeDocument/2006/math" xmlns:a14="http://schemas.microsoft.com/office/drawing/2010/main" xmlns:ma14="http://schemas.microsoft.com/office/mac/drawingml/2011/main" val="1"/>
+                <ma14:wrappingTextBoxFlag xmlns:ma14="http://schemas.microsoft.com/office/mac/drawingml/2011/main" xmlns:a14="http://schemas.microsoft.com/office/drawing/2010/main" xmlns:m="http://schemas.openxmlformats.org/officeDocument/2006/math" xmlns="" val="1"/>
               </a:ext>
             </a:extLst>
           </p:spPr>
@@ -16826,7 +16829,7 @@
             <a:effectLst/>
             <a:extLst>
               <a:ext uri="{C572A759-6A51-4108-AA02-DFA0A04FC94B}">
-                <ma14:wrappingTextBoxFlag xmlns="" xmlns:m="http://schemas.openxmlformats.org/officeDocument/2006/math" xmlns:a14="http://schemas.microsoft.com/office/drawing/2010/main" xmlns:ma14="http://schemas.microsoft.com/office/mac/drawingml/2011/main" val="1"/>
+                <ma14:wrappingTextBoxFlag xmlns:ma14="http://schemas.microsoft.com/office/mac/drawingml/2011/main" xmlns:a14="http://schemas.microsoft.com/office/drawing/2010/main" xmlns:m="http://schemas.openxmlformats.org/officeDocument/2006/math" xmlns="" val="1"/>
               </a:ext>
             </a:extLst>
           </p:spPr>
@@ -16861,6 +16864,61 @@
 </file>
 
 <file path=ppt/slides/slide18.xml><?xml version="1.0" encoding="utf-8"?>
+<p:sld xmlns:a="http://schemas.openxmlformats.org/drawingml/2006/main" xmlns:r="http://schemas.openxmlformats.org/officeDocument/2006/relationships" xmlns:p="http://schemas.openxmlformats.org/presentationml/2006/main">
+  <p:cSld>
+    <p:spTree>
+      <p:nvGrpSpPr>
+        <p:cNvPr id="1" name=""/>
+        <p:cNvGrpSpPr/>
+        <p:nvPr/>
+      </p:nvGrpSpPr>
+      <p:grpSpPr>
+        <a:xfrm>
+          <a:off x="0" y="0"/>
+          <a:ext cx="0" cy="0"/>
+          <a:chOff x="0" y="0"/>
+          <a:chExt cx="0" cy="0"/>
+        </a:xfrm>
+      </p:grpSpPr>
+      <p:pic>
+        <p:nvPicPr>
+          <p:cNvPr id="4" name="그림 3"/>
+          <p:cNvPicPr>
+            <a:picLocks noChangeAspect="1"/>
+          </p:cNvPicPr>
+          <p:nvPr/>
+        </p:nvPicPr>
+        <p:blipFill>
+          <a:blip r:embed="rId2"/>
+          <a:stretch>
+            <a:fillRect/>
+          </a:stretch>
+        </p:blipFill>
+        <p:spPr>
+          <a:xfrm>
+            <a:off x="0" y="56512"/>
+            <a:ext cx="12192000" cy="6744976"/>
+          </a:xfrm>
+          <a:prstGeom prst="rect">
+            <a:avLst/>
+          </a:prstGeom>
+        </p:spPr>
+      </p:pic>
+    </p:spTree>
+    <p:extLst>
+      <p:ext uri="{BB962C8B-B14F-4D97-AF65-F5344CB8AC3E}">
+        <p14:creationId xmlns:p14="http://schemas.microsoft.com/office/powerpoint/2010/main" val="144254271"/>
+      </p:ext>
+    </p:extLst>
+  </p:cSld>
+  <p:clrMapOvr>
+    <a:masterClrMapping/>
+  </p:clrMapOvr>
+  <p:transition spd="med"/>
+</p:sld>
+</file>
+
+<file path=ppt/slides/slide19.xml><?xml version="1.0" encoding="utf-8"?>
 <p:sld xmlns:a="http://schemas.openxmlformats.org/drawingml/2006/main" xmlns:r="http://schemas.openxmlformats.org/officeDocument/2006/relationships" xmlns:p="http://schemas.openxmlformats.org/presentationml/2006/main">
   <p:cSld>
     <p:spTree>
@@ -17934,7 +17992,7 @@
           </a:ln>
           <a:extLst>
             <a:ext uri="{C572A759-6A51-4108-AA02-DFA0A04FC94B}">
-              <ma14:wrappingTextBoxFlag xmlns="" xmlns:m="http://schemas.openxmlformats.org/officeDocument/2006/math" xmlns:a14="http://schemas.microsoft.com/office/drawing/2010/main" xmlns:ma14="http://schemas.microsoft.com/office/mac/drawingml/2011/main" val="1"/>
+              <ma14:wrappingTextBoxFlag xmlns:ma14="http://schemas.microsoft.com/office/mac/drawingml/2011/main" xmlns:a14="http://schemas.microsoft.com/office/drawing/2010/main" xmlns:m="http://schemas.openxmlformats.org/officeDocument/2006/math" xmlns="" val="1"/>
             </a:ext>
           </a:extLst>
         </p:spPr>
@@ -20884,7 +20942,7 @@
             <a:effectLst/>
             <a:extLst>
               <a:ext uri="{C572A759-6A51-4108-AA02-DFA0A04FC94B}">
-                <ma14:wrappingTextBoxFlag xmlns="" xmlns:m="http://schemas.openxmlformats.org/officeDocument/2006/math" xmlns:a14="http://schemas.microsoft.com/office/drawing/2010/main" xmlns:ma14="http://schemas.microsoft.com/office/mac/drawingml/2011/main" val="1"/>
+                <ma14:wrappingTextBoxFlag xmlns:ma14="http://schemas.microsoft.com/office/mac/drawingml/2011/main" xmlns:a14="http://schemas.microsoft.com/office/drawing/2010/main" xmlns:m="http://schemas.openxmlformats.org/officeDocument/2006/math" xmlns="" val="1"/>
               </a:ext>
             </a:extLst>
           </p:spPr>
@@ -20918,7 +20976,2040 @@
 </p:sld>
 </file>
 
-<file path=ppt/slides/slide19.xml><?xml version="1.0" encoding="utf-8"?>
+<file path=ppt/slides/slide2.xml><?xml version="1.0" encoding="utf-8"?>
+<p:sld xmlns:a="http://schemas.openxmlformats.org/drawingml/2006/main" xmlns:r="http://schemas.openxmlformats.org/officeDocument/2006/relationships" xmlns:p="http://schemas.openxmlformats.org/presentationml/2006/main">
+  <p:cSld>
+    <p:spTree>
+      <p:nvGrpSpPr>
+        <p:cNvPr id="1" name=""/>
+        <p:cNvGrpSpPr/>
+        <p:nvPr/>
+      </p:nvGrpSpPr>
+      <p:grpSpPr>
+        <a:xfrm>
+          <a:off x="0" y="0"/>
+          <a:ext cx="0" cy="0"/>
+          <a:chOff x="0" y="0"/>
+          <a:chExt cx="0" cy="0"/>
+        </a:xfrm>
+      </p:grpSpPr>
+      <p:graphicFrame>
+        <p:nvGraphicFramePr>
+          <p:cNvPr id="97" name="표 6"/>
+          <p:cNvGraphicFramePr/>
+          <p:nvPr/>
+        </p:nvGraphicFramePr>
+        <p:xfrm>
+          <a:off x="9309045" y="197402"/>
+          <a:ext cx="2815494" cy="320040"/>
+        </p:xfrm>
+        <a:graphic>
+          <a:graphicData uri="http://schemas.openxmlformats.org/drawingml/2006/table">
+            <a:tbl>
+              <a:tblPr bandRow="1">
+                <a:tableStyleId>{4C3C2611-4C71-4FC5-86AE-919BDF0F9419}</a:tableStyleId>
+              </a:tblPr>
+              <a:tblGrid>
+                <a:gridCol w="1407747"/>
+                <a:gridCol w="1407747"/>
+              </a:tblGrid>
+              <a:tr h="265071">
+                <a:tc>
+                  <a:txBody>
+                    <a:bodyPr/>
+                    <a:lstStyle/>
+                    <a:p>
+                      <a:pPr algn="ctr">
+                        <a:defRPr sz="1800"/>
+                      </a:pPr>
+                      <a:r>
+                        <a:rPr sz="1500"/>
+                        <a:t>화면 번호</a:t>
+                      </a:r>
+                    </a:p>
+                  </a:txBody>
+                  <a:tcPr marL="45720" marR="45720" anchor="ctr" horzOverflow="overflow">
+                    <a:lnL w="12700">
+                      <a:solidFill>
+                        <a:srgbClr val="000000"/>
+                      </a:solidFill>
+                    </a:lnL>
+                    <a:lnR w="12700">
+                      <a:solidFill>
+                        <a:srgbClr val="000000"/>
+                      </a:solidFill>
+                    </a:lnR>
+                    <a:lnT w="12700">
+                      <a:solidFill>
+                        <a:srgbClr val="000000"/>
+                      </a:solidFill>
+                    </a:lnT>
+                    <a:lnB w="12700">
+                      <a:solidFill>
+                        <a:srgbClr val="000000"/>
+                      </a:solidFill>
+                    </a:lnB>
+                    <a:solidFill>
+                      <a:srgbClr val="D9D9D9"/>
+                    </a:solidFill>
+                  </a:tcPr>
+                </a:tc>
+                <a:tc>
+                  <a:txBody>
+                    <a:bodyPr/>
+                    <a:lstStyle/>
+                    <a:p>
+                      <a:pPr algn="ctr">
+                        <a:defRPr sz="1000">
+                          <a:latin typeface="Arial"/>
+                          <a:ea typeface="Arial"/>
+                          <a:cs typeface="Arial"/>
+                          <a:sym typeface="Arial"/>
+                        </a:defRPr>
+                      </a:pPr>
+                      <a:endParaRPr/>
+                    </a:p>
+                  </a:txBody>
+                  <a:tcPr marL="9525" marR="9525" marT="9525" marB="9525" anchor="ctr" horzOverflow="overflow">
+                    <a:lnL w="12700">
+                      <a:solidFill>
+                        <a:srgbClr val="000000"/>
+                      </a:solidFill>
+                    </a:lnL>
+                    <a:lnR w="12700">
+                      <a:solidFill>
+                        <a:srgbClr val="000000"/>
+                      </a:solidFill>
+                    </a:lnR>
+                    <a:lnT w="12700">
+                      <a:solidFill>
+                        <a:srgbClr val="000000"/>
+                      </a:solidFill>
+                    </a:lnT>
+                    <a:lnB w="12700">
+                      <a:solidFill>
+                        <a:srgbClr val="000000"/>
+                      </a:solidFill>
+                    </a:lnB>
+                    <a:solidFill>
+                      <a:srgbClr val="FFFFFF"/>
+                    </a:solidFill>
+                  </a:tcPr>
+                </a:tc>
+              </a:tr>
+            </a:tbl>
+          </a:graphicData>
+        </a:graphic>
+      </p:graphicFrame>
+      <p:graphicFrame>
+        <p:nvGraphicFramePr>
+          <p:cNvPr id="98" name="표 8"/>
+          <p:cNvGraphicFramePr/>
+          <p:nvPr/>
+        </p:nvGraphicFramePr>
+        <p:xfrm>
+          <a:off x="6200085" y="197402"/>
+          <a:ext cx="2815494" cy="320040"/>
+        </p:xfrm>
+        <a:graphic>
+          <a:graphicData uri="http://schemas.openxmlformats.org/drawingml/2006/table">
+            <a:tbl>
+              <a:tblPr bandRow="1">
+                <a:tableStyleId>{4C3C2611-4C71-4FC5-86AE-919BDF0F9419}</a:tableStyleId>
+              </a:tblPr>
+              <a:tblGrid>
+                <a:gridCol w="1407747"/>
+                <a:gridCol w="1407747"/>
+              </a:tblGrid>
+              <a:tr h="265071">
+                <a:tc>
+                  <a:txBody>
+                    <a:bodyPr/>
+                    <a:lstStyle/>
+                    <a:p>
+                      <a:pPr algn="ctr">
+                        <a:defRPr sz="1500"/>
+                      </a:pPr>
+                      <a:endParaRPr/>
+                    </a:p>
+                  </a:txBody>
+                  <a:tcPr marL="45720" marR="45720" anchor="ctr" horzOverflow="overflow">
+                    <a:lnL w="12700">
+                      <a:solidFill>
+                        <a:srgbClr val="000000"/>
+                      </a:solidFill>
+                    </a:lnL>
+                    <a:lnR w="12700">
+                      <a:solidFill>
+                        <a:srgbClr val="000000"/>
+                      </a:solidFill>
+                    </a:lnR>
+                    <a:lnT w="12700">
+                      <a:solidFill>
+                        <a:srgbClr val="000000"/>
+                      </a:solidFill>
+                    </a:lnT>
+                    <a:lnB w="12700">
+                      <a:solidFill>
+                        <a:srgbClr val="000000"/>
+                      </a:solidFill>
+                    </a:lnB>
+                    <a:solidFill>
+                      <a:srgbClr val="D9D9D9"/>
+                    </a:solidFill>
+                  </a:tcPr>
+                </a:tc>
+                <a:tc>
+                  <a:txBody>
+                    <a:bodyPr/>
+                    <a:lstStyle/>
+                    <a:p>
+                      <a:pPr algn="ctr">
+                        <a:defRPr sz="1500"/>
+                      </a:pPr>
+                      <a:endParaRPr/>
+                    </a:p>
+                  </a:txBody>
+                  <a:tcPr marL="45720" marR="45720" anchor="ctr" horzOverflow="overflow">
+                    <a:lnL w="12700">
+                      <a:solidFill>
+                        <a:srgbClr val="000000"/>
+                      </a:solidFill>
+                    </a:lnL>
+                    <a:lnR w="12700">
+                      <a:solidFill>
+                        <a:srgbClr val="000000"/>
+                      </a:solidFill>
+                    </a:lnR>
+                    <a:lnT w="12700">
+                      <a:solidFill>
+                        <a:srgbClr val="000000"/>
+                      </a:solidFill>
+                    </a:lnT>
+                    <a:lnB w="12700">
+                      <a:solidFill>
+                        <a:srgbClr val="000000"/>
+                      </a:solidFill>
+                    </a:lnB>
+                    <a:solidFill>
+                      <a:srgbClr val="FFFFFF"/>
+                    </a:solidFill>
+                  </a:tcPr>
+                </a:tc>
+              </a:tr>
+            </a:tbl>
+          </a:graphicData>
+        </a:graphic>
+      </p:graphicFrame>
+      <p:graphicFrame>
+        <p:nvGraphicFramePr>
+          <p:cNvPr id="99" name="표 13"/>
+          <p:cNvGraphicFramePr/>
+          <p:nvPr/>
+        </p:nvGraphicFramePr>
+        <p:xfrm>
+          <a:off x="8509686" y="1289960"/>
+          <a:ext cx="3491813" cy="5349990"/>
+        </p:xfrm>
+        <a:graphic>
+          <a:graphicData uri="http://schemas.openxmlformats.org/drawingml/2006/table">
+            <a:tbl>
+              <a:tblPr firstRow="1" bandRow="1">
+                <a:tableStyleId>{4C3C2611-4C71-4FC5-86AE-919BDF0F9419}</a:tableStyleId>
+              </a:tblPr>
+              <a:tblGrid>
+                <a:gridCol w="342705"/>
+                <a:gridCol w="3149108"/>
+              </a:tblGrid>
+              <a:tr h="378460">
+                <a:tc>
+                  <a:txBody>
+                    <a:bodyPr/>
+                    <a:lstStyle/>
+                    <a:p>
+                      <a:pPr algn="ctr">
+                        <a:defRPr sz="1800" b="0">
+                          <a:solidFill>
+                            <a:srgbClr val="000000"/>
+                          </a:solidFill>
+                        </a:defRPr>
+                      </a:pPr>
+                      <a:r>
+                        <a:rPr sz="1500" b="1"/>
+                        <a:t>#</a:t>
+                      </a:r>
+                    </a:p>
+                  </a:txBody>
+                  <a:tcPr marL="45720" marR="45720" anchor="ctr" horzOverflow="overflow">
+                    <a:lnL w="12700">
+                      <a:solidFill>
+                        <a:srgbClr val="000000"/>
+                      </a:solidFill>
+                    </a:lnL>
+                    <a:lnR w="12700">
+                      <a:solidFill>
+                        <a:srgbClr val="000000"/>
+                      </a:solidFill>
+                    </a:lnR>
+                    <a:lnT w="12700">
+                      <a:solidFill>
+                        <a:srgbClr val="000000"/>
+                      </a:solidFill>
+                    </a:lnT>
+                    <a:lnB w="12700">
+                      <a:solidFill>
+                        <a:srgbClr val="000000"/>
+                      </a:solidFill>
+                    </a:lnB>
+                    <a:solidFill>
+                      <a:srgbClr val="D9D9D9"/>
+                    </a:solidFill>
+                  </a:tcPr>
+                </a:tc>
+                <a:tc>
+                  <a:txBody>
+                    <a:bodyPr/>
+                    <a:lstStyle/>
+                    <a:p>
+                      <a:pPr algn="ctr">
+                        <a:defRPr sz="1800" b="0">
+                          <a:solidFill>
+                            <a:srgbClr val="000000"/>
+                          </a:solidFill>
+                        </a:defRPr>
+                      </a:pPr>
+                      <a:r>
+                        <a:rPr sz="1500" b="1"/>
+                        <a:t>기능명</a:t>
+                      </a:r>
+                    </a:p>
+                  </a:txBody>
+                  <a:tcPr marL="45720" marR="45720" anchor="ctr" horzOverflow="overflow">
+                    <a:lnL w="12700">
+                      <a:solidFill>
+                        <a:srgbClr val="000000"/>
+                      </a:solidFill>
+                    </a:lnL>
+                    <a:lnR w="12700">
+                      <a:solidFill>
+                        <a:srgbClr val="000000"/>
+                      </a:solidFill>
+                    </a:lnR>
+                    <a:lnT w="12700">
+                      <a:solidFill>
+                        <a:srgbClr val="000000"/>
+                      </a:solidFill>
+                    </a:lnT>
+                    <a:lnB w="12700">
+                      <a:solidFill>
+                        <a:srgbClr val="000000"/>
+                      </a:solidFill>
+                    </a:lnB>
+                    <a:solidFill>
+                      <a:srgbClr val="D9D9D9"/>
+                    </a:solidFill>
+                  </a:tcPr>
+                </a:tc>
+              </a:tr>
+              <a:tr h="947993">
+                <a:tc>
+                  <a:txBody>
+                    <a:bodyPr/>
+                    <a:lstStyle/>
+                    <a:p>
+                      <a:pPr algn="ctr">
+                        <a:defRPr sz="1800"/>
+                      </a:pPr>
+                      <a:r>
+                        <a:rPr sz="1500"/>
+                        <a:t>1</a:t>
+                      </a:r>
+                    </a:p>
+                  </a:txBody>
+                  <a:tcPr marL="45720" marR="45720" anchor="ctr" horzOverflow="overflow">
+                    <a:lnL w="12700">
+                      <a:solidFill>
+                        <a:srgbClr val="000000"/>
+                      </a:solidFill>
+                    </a:lnL>
+                    <a:lnR w="12700">
+                      <a:solidFill>
+                        <a:srgbClr val="000000"/>
+                      </a:solidFill>
+                    </a:lnR>
+                    <a:lnT w="12700">
+                      <a:solidFill>
+                        <a:srgbClr val="000000"/>
+                      </a:solidFill>
+                    </a:lnT>
+                    <a:lnB w="12700">
+                      <a:solidFill>
+                        <a:srgbClr val="000000"/>
+                      </a:solidFill>
+                    </a:lnB>
+                    <a:solidFill>
+                      <a:srgbClr val="FFFFFF"/>
+                    </a:solidFill>
+                  </a:tcPr>
+                </a:tc>
+                <a:tc>
+                  <a:txBody>
+                    <a:bodyPr/>
+                    <a:lstStyle/>
+                    <a:p>
+                      <a:pPr algn="l">
+                        <a:defRPr sz="1500"/>
+                      </a:pPr>
+                      <a:r>
+                        <a:t>전체동의 체크박스 클릭시 모든 </a:t>
+                      </a:r>
+                    </a:p>
+                    <a:p>
+                      <a:pPr algn="l">
+                        <a:defRPr sz="1500"/>
+                      </a:pPr>
+                      <a:r>
+                        <a:t>체크박스가 일괄적으로 체크됨</a:t>
+                      </a:r>
+                    </a:p>
+                  </a:txBody>
+                  <a:tcPr marL="45720" marR="45720" horzOverflow="overflow">
+                    <a:lnL w="12700">
+                      <a:solidFill>
+                        <a:srgbClr val="000000"/>
+                      </a:solidFill>
+                    </a:lnL>
+                    <a:lnR w="12700">
+                      <a:solidFill>
+                        <a:srgbClr val="000000"/>
+                      </a:solidFill>
+                    </a:lnR>
+                    <a:lnT w="12700">
+                      <a:solidFill>
+                        <a:srgbClr val="000000"/>
+                      </a:solidFill>
+                    </a:lnT>
+                    <a:lnB w="12700">
+                      <a:solidFill>
+                        <a:srgbClr val="000000"/>
+                      </a:solidFill>
+                    </a:lnB>
+                    <a:solidFill>
+                      <a:srgbClr val="FFFFFF"/>
+                    </a:solidFill>
+                  </a:tcPr>
+                </a:tc>
+              </a:tr>
+              <a:tr h="1179558">
+                <a:tc>
+                  <a:txBody>
+                    <a:bodyPr/>
+                    <a:lstStyle/>
+                    <a:p>
+                      <a:pPr algn="ctr">
+                        <a:defRPr sz="1800"/>
+                      </a:pPr>
+                      <a:r>
+                        <a:rPr sz="1500"/>
+                        <a:t>2</a:t>
+                      </a:r>
+                    </a:p>
+                  </a:txBody>
+                  <a:tcPr marL="45720" marR="45720" anchor="ctr" horzOverflow="overflow">
+                    <a:lnL w="12700">
+                      <a:solidFill>
+                        <a:srgbClr val="000000"/>
+                      </a:solidFill>
+                    </a:lnL>
+                    <a:lnR w="12700">
+                      <a:solidFill>
+                        <a:srgbClr val="000000"/>
+                      </a:solidFill>
+                    </a:lnR>
+                    <a:lnT w="12700">
+                      <a:solidFill>
+                        <a:srgbClr val="000000"/>
+                      </a:solidFill>
+                    </a:lnT>
+                    <a:lnB w="12700">
+                      <a:solidFill>
+                        <a:srgbClr val="000000"/>
+                      </a:solidFill>
+                    </a:lnB>
+                    <a:solidFill>
+                      <a:srgbClr val="FFFFFF"/>
+                    </a:solidFill>
+                  </a:tcPr>
+                </a:tc>
+                <a:tc>
+                  <a:txBody>
+                    <a:bodyPr/>
+                    <a:lstStyle/>
+                    <a:p>
+                      <a:pPr algn="l">
+                        <a:defRPr sz="1500"/>
+                      </a:pPr>
+                      <a:r>
+                        <a:t>필수 체크박스에 체크하지 않으면</a:t>
+                      </a:r>
+                    </a:p>
+                    <a:p>
+                      <a:pPr algn="l">
+                        <a:defRPr sz="1500"/>
+                      </a:pPr>
+                      <a:r>
+                        <a:t>다음으로 버튼클릭시 필수항목 </a:t>
+                      </a:r>
+                    </a:p>
+                    <a:p>
+                      <a:pPr algn="l">
+                        <a:defRPr sz="1500"/>
+                      </a:pPr>
+                      <a:r>
+                        <a:t>동의되지 않았다고 팝업알림</a:t>
+                      </a:r>
+                    </a:p>
+                  </a:txBody>
+                  <a:tcPr marL="45720" marR="45720" horzOverflow="overflow">
+                    <a:lnL w="12700">
+                      <a:solidFill>
+                        <a:srgbClr val="000000"/>
+                      </a:solidFill>
+                    </a:lnL>
+                    <a:lnR w="12700">
+                      <a:solidFill>
+                        <a:srgbClr val="000000"/>
+                      </a:solidFill>
+                    </a:lnR>
+                    <a:lnT w="12700">
+                      <a:solidFill>
+                        <a:srgbClr val="000000"/>
+                      </a:solidFill>
+                    </a:lnT>
+                    <a:lnB w="12700">
+                      <a:solidFill>
+                        <a:srgbClr val="000000"/>
+                      </a:solidFill>
+                    </a:lnB>
+                    <a:solidFill>
+                      <a:srgbClr val="FFFFFF"/>
+                    </a:solidFill>
+                  </a:tcPr>
+                </a:tc>
+              </a:tr>
+              <a:tr h="947993">
+                <a:tc>
+                  <a:txBody>
+                    <a:bodyPr/>
+                    <a:lstStyle/>
+                    <a:p>
+                      <a:pPr algn="ctr">
+                        <a:defRPr sz="1800"/>
+                      </a:pPr>
+                      <a:r>
+                        <a:rPr sz="1500"/>
+                        <a:t>3</a:t>
+                      </a:r>
+                    </a:p>
+                  </a:txBody>
+                  <a:tcPr marL="45720" marR="45720" anchor="ctr" horzOverflow="overflow">
+                    <a:lnL w="12700">
+                      <a:solidFill>
+                        <a:srgbClr val="000000"/>
+                      </a:solidFill>
+                    </a:lnL>
+                    <a:lnR w="12700">
+                      <a:solidFill>
+                        <a:srgbClr val="000000"/>
+                      </a:solidFill>
+                    </a:lnR>
+                    <a:lnT w="12700">
+                      <a:solidFill>
+                        <a:srgbClr val="000000"/>
+                      </a:solidFill>
+                    </a:lnT>
+                    <a:lnB w="12700">
+                      <a:solidFill>
+                        <a:srgbClr val="000000"/>
+                      </a:solidFill>
+                    </a:lnB>
+                    <a:solidFill>
+                      <a:srgbClr val="FFFFFF"/>
+                    </a:solidFill>
+                  </a:tcPr>
+                </a:tc>
+                <a:tc>
+                  <a:txBody>
+                    <a:bodyPr/>
+                    <a:lstStyle/>
+                    <a:p>
+                      <a:pPr algn="l">
+                        <a:defRPr sz="1500"/>
+                      </a:pPr>
+                      <a:r>
+                        <a:t>뒤로가기 클릭시 로그인 화면으로 </a:t>
+                      </a:r>
+                    </a:p>
+                    <a:p>
+                      <a:pPr algn="l">
+                        <a:defRPr sz="1500"/>
+                      </a:pPr>
+                      <a:r>
+                        <a:t>이동</a:t>
+                      </a:r>
+                    </a:p>
+                  </a:txBody>
+                  <a:tcPr marL="45720" marR="45720" horzOverflow="overflow">
+                    <a:lnL w="12700">
+                      <a:solidFill>
+                        <a:srgbClr val="000000"/>
+                      </a:solidFill>
+                    </a:lnL>
+                    <a:lnR w="12700">
+                      <a:solidFill>
+                        <a:srgbClr val="000000"/>
+                      </a:solidFill>
+                    </a:lnR>
+                    <a:lnT w="12700">
+                      <a:solidFill>
+                        <a:srgbClr val="000000"/>
+                      </a:solidFill>
+                    </a:lnT>
+                    <a:lnB w="12700">
+                      <a:solidFill>
+                        <a:srgbClr val="000000"/>
+                      </a:solidFill>
+                    </a:lnB>
+                    <a:solidFill>
+                      <a:srgbClr val="FFFFFF"/>
+                    </a:solidFill>
+                  </a:tcPr>
+                </a:tc>
+              </a:tr>
+              <a:tr h="947993">
+                <a:tc>
+                  <a:txBody>
+                    <a:bodyPr/>
+                    <a:lstStyle/>
+                    <a:p>
+                      <a:pPr algn="ctr">
+                        <a:defRPr sz="1800"/>
+                      </a:pPr>
+                      <a:r>
+                        <a:rPr sz="1500"/>
+                        <a:t>4</a:t>
+                      </a:r>
+                    </a:p>
+                  </a:txBody>
+                  <a:tcPr marL="45720" marR="45720" anchor="ctr" horzOverflow="overflow">
+                    <a:lnL w="12700">
+                      <a:solidFill>
+                        <a:srgbClr val="000000"/>
+                      </a:solidFill>
+                    </a:lnL>
+                    <a:lnR w="12700">
+                      <a:solidFill>
+                        <a:srgbClr val="000000"/>
+                      </a:solidFill>
+                    </a:lnR>
+                    <a:lnT w="12700">
+                      <a:solidFill>
+                        <a:srgbClr val="000000"/>
+                      </a:solidFill>
+                    </a:lnT>
+                    <a:lnB w="12700">
+                      <a:solidFill>
+                        <a:srgbClr val="000000"/>
+                      </a:solidFill>
+                    </a:lnB>
+                    <a:solidFill>
+                      <a:srgbClr val="FFFFFF"/>
+                    </a:solidFill>
+                  </a:tcPr>
+                </a:tc>
+                <a:tc>
+                  <a:txBody>
+                    <a:bodyPr/>
+                    <a:lstStyle/>
+                    <a:p>
+                      <a:pPr algn="l">
+                        <a:defRPr sz="1500"/>
+                      </a:pPr>
+                      <a:endParaRPr/>
+                    </a:p>
+                  </a:txBody>
+                  <a:tcPr marL="45720" marR="45720" horzOverflow="overflow">
+                    <a:lnL w="12700">
+                      <a:solidFill>
+                        <a:srgbClr val="000000"/>
+                      </a:solidFill>
+                    </a:lnL>
+                    <a:lnR w="12700">
+                      <a:solidFill>
+                        <a:srgbClr val="000000"/>
+                      </a:solidFill>
+                    </a:lnR>
+                    <a:lnT w="12700">
+                      <a:solidFill>
+                        <a:srgbClr val="000000"/>
+                      </a:solidFill>
+                    </a:lnT>
+                    <a:lnB w="12700">
+                      <a:solidFill>
+                        <a:srgbClr val="000000"/>
+                      </a:solidFill>
+                    </a:lnB>
+                    <a:solidFill>
+                      <a:srgbClr val="FFFFFF"/>
+                    </a:solidFill>
+                  </a:tcPr>
+                </a:tc>
+              </a:tr>
+              <a:tr h="947993">
+                <a:tc>
+                  <a:txBody>
+                    <a:bodyPr/>
+                    <a:lstStyle/>
+                    <a:p>
+                      <a:pPr algn="ctr">
+                        <a:defRPr sz="1800"/>
+                      </a:pPr>
+                      <a:r>
+                        <a:rPr sz="1500"/>
+                        <a:t>5</a:t>
+                      </a:r>
+                    </a:p>
+                  </a:txBody>
+                  <a:tcPr marL="45720" marR="45720" anchor="ctr" horzOverflow="overflow">
+                    <a:lnL w="12700">
+                      <a:solidFill>
+                        <a:srgbClr val="000000"/>
+                      </a:solidFill>
+                    </a:lnL>
+                    <a:lnR w="12700">
+                      <a:solidFill>
+                        <a:srgbClr val="000000"/>
+                      </a:solidFill>
+                    </a:lnR>
+                    <a:lnT w="12700">
+                      <a:solidFill>
+                        <a:srgbClr val="000000"/>
+                      </a:solidFill>
+                    </a:lnT>
+                    <a:lnB w="12700">
+                      <a:solidFill>
+                        <a:srgbClr val="000000"/>
+                      </a:solidFill>
+                    </a:lnB>
+                    <a:solidFill>
+                      <a:srgbClr val="FFFFFF"/>
+                    </a:solidFill>
+                  </a:tcPr>
+                </a:tc>
+                <a:tc>
+                  <a:txBody>
+                    <a:bodyPr/>
+                    <a:lstStyle/>
+                    <a:p>
+                      <a:pPr algn="l">
+                        <a:defRPr sz="1500"/>
+                      </a:pPr>
+                      <a:endParaRPr/>
+                    </a:p>
+                  </a:txBody>
+                  <a:tcPr marL="45720" marR="45720" horzOverflow="overflow">
+                    <a:lnL w="12700">
+                      <a:solidFill>
+                        <a:srgbClr val="000000"/>
+                      </a:solidFill>
+                    </a:lnL>
+                    <a:lnR w="12700">
+                      <a:solidFill>
+                        <a:srgbClr val="000000"/>
+                      </a:solidFill>
+                    </a:lnR>
+                    <a:lnT w="12700">
+                      <a:solidFill>
+                        <a:srgbClr val="000000"/>
+                      </a:solidFill>
+                    </a:lnT>
+                    <a:lnB w="12700">
+                      <a:solidFill>
+                        <a:srgbClr val="000000"/>
+                      </a:solidFill>
+                    </a:lnB>
+                    <a:solidFill>
+                      <a:srgbClr val="FFFFFF"/>
+                    </a:solidFill>
+                  </a:tcPr>
+                </a:tc>
+              </a:tr>
+            </a:tbl>
+          </a:graphicData>
+        </a:graphic>
+      </p:graphicFrame>
+      <p:sp>
+        <p:nvSpPr>
+          <p:cNvPr id="100" name="직사각형 39"/>
+          <p:cNvSpPr/>
+          <p:nvPr/>
+        </p:nvSpPr>
+        <p:spPr>
+          <a:xfrm>
+            <a:off x="131601" y="1289960"/>
+            <a:ext cx="8032096" cy="5349995"/>
+          </a:xfrm>
+          <a:prstGeom prst="rect">
+            <a:avLst/>
+          </a:prstGeom>
+          <a:solidFill>
+            <a:srgbClr val="FFFFFF"/>
+          </a:solidFill>
+          <a:ln w="12700">
+            <a:solidFill>
+              <a:srgbClr val="000000"/>
+            </a:solidFill>
+            <a:miter/>
+          </a:ln>
+        </p:spPr>
+        <p:txBody>
+          <a:bodyPr lIns="45719" rIns="45719" anchor="ctr"/>
+          <a:lstStyle/>
+          <a:p>
+            <a:pPr algn="ctr">
+              <a:defRPr sz="1500"/>
+            </a:pPr>
+            <a:endParaRPr/>
+          </a:p>
+        </p:txBody>
+      </p:sp>
+      <p:sp>
+        <p:nvSpPr>
+          <p:cNvPr id="101" name="TextBox 7"/>
+          <p:cNvSpPr txBox="1"/>
+          <p:nvPr/>
+        </p:nvSpPr>
+        <p:spPr>
+          <a:xfrm>
+            <a:off x="3299581" y="1479063"/>
+            <a:ext cx="1696137" cy="386848"/>
+          </a:xfrm>
+          <a:prstGeom prst="rect">
+            <a:avLst/>
+          </a:prstGeom>
+          <a:ln w="12700">
+            <a:miter lim="400000"/>
+          </a:ln>
+          <a:extLst>
+            <a:ext uri="{C572A759-6A51-4108-AA02-DFA0A04FC94B}">
+              <ma14:wrappingTextBoxFlag xmlns:ma14="http://schemas.microsoft.com/office/mac/drawingml/2011/main" xmlns:a14="http://schemas.microsoft.com/office/drawing/2010/main" xmlns:m="http://schemas.openxmlformats.org/officeDocument/2006/math" xmlns="" val="1"/>
+            </a:ext>
+          </a:extLst>
+        </p:spPr>
+        <p:txBody>
+          <a:bodyPr lIns="45719" rIns="45719">
+            <a:spAutoFit/>
+          </a:bodyPr>
+          <a:lstStyle/>
+          <a:p>
+            <a:r>
+              <a:t>Fun딩 이용약관</a:t>
+            </a:r>
+          </a:p>
+        </p:txBody>
+      </p:sp>
+      <p:sp>
+        <p:nvSpPr>
+          <p:cNvPr id="102" name="TextBox 9"/>
+          <p:cNvSpPr txBox="1"/>
+          <p:nvPr/>
+        </p:nvSpPr>
+        <p:spPr>
+          <a:xfrm>
+            <a:off x="3920602" y="2062477"/>
+            <a:ext cx="1311848" cy="332741"/>
+          </a:xfrm>
+          <a:prstGeom prst="rect">
+            <a:avLst/>
+          </a:prstGeom>
+          <a:ln w="12700">
+            <a:miter lim="400000"/>
+          </a:ln>
+          <a:extLst>
+            <a:ext uri="{C572A759-6A51-4108-AA02-DFA0A04FC94B}">
+              <ma14:wrappingTextBoxFlag xmlns:ma14="http://schemas.microsoft.com/office/mac/drawingml/2011/main" xmlns:a14="http://schemas.microsoft.com/office/drawing/2010/main" xmlns:m="http://schemas.openxmlformats.org/officeDocument/2006/math" xmlns="" val="1"/>
+            </a:ext>
+          </a:extLst>
+        </p:spPr>
+        <p:txBody>
+          <a:bodyPr lIns="45719" rIns="45719">
+            <a:spAutoFit/>
+          </a:bodyPr>
+          <a:lstStyle>
+            <a:lvl1pPr>
+              <a:defRPr sz="1500"/>
+            </a:lvl1pPr>
+          </a:lstStyle>
+          <a:p>
+            <a:r>
+              <a:t>전체동의</a:t>
+            </a:r>
+          </a:p>
+        </p:txBody>
+      </p:sp>
+      <p:sp>
+        <p:nvSpPr>
+          <p:cNvPr id="103" name="직사각형 10"/>
+          <p:cNvSpPr/>
+          <p:nvPr/>
+        </p:nvSpPr>
+        <p:spPr>
+          <a:xfrm>
+            <a:off x="3594225" y="2145671"/>
+            <a:ext cx="190124" cy="190124"/>
+          </a:xfrm>
+          <a:prstGeom prst="rect">
+            <a:avLst/>
+          </a:prstGeom>
+          <a:solidFill>
+            <a:srgbClr val="FFFFFF"/>
+          </a:solidFill>
+          <a:ln w="12700">
+            <a:solidFill>
+              <a:srgbClr val="000000"/>
+            </a:solidFill>
+            <a:miter/>
+          </a:ln>
+        </p:spPr>
+        <p:txBody>
+          <a:bodyPr lIns="45719" rIns="45719" anchor="ctr"/>
+          <a:lstStyle/>
+          <a:p>
+            <a:pPr algn="ctr">
+              <a:defRPr>
+                <a:solidFill>
+                  <a:srgbClr val="FFFFFF"/>
+                </a:solidFill>
+              </a:defRPr>
+            </a:pPr>
+            <a:endParaRPr/>
+          </a:p>
+        </p:txBody>
+      </p:sp>
+      <p:sp>
+        <p:nvSpPr>
+          <p:cNvPr id="104" name="TextBox 15"/>
+          <p:cNvSpPr txBox="1"/>
+          <p:nvPr/>
+        </p:nvSpPr>
+        <p:spPr>
+          <a:xfrm>
+            <a:off x="2589290" y="2779414"/>
+            <a:ext cx="3610797" cy="367666"/>
+          </a:xfrm>
+          <a:prstGeom prst="rect">
+            <a:avLst/>
+          </a:prstGeom>
+          <a:ln>
+            <a:solidFill>
+              <a:srgbClr val="000000"/>
+            </a:solidFill>
+          </a:ln>
+          <a:extLst>
+            <a:ext uri="{C572A759-6A51-4108-AA02-DFA0A04FC94B}">
+              <ma14:wrappingTextBoxFlag xmlns:ma14="http://schemas.microsoft.com/office/mac/drawingml/2011/main" xmlns:a14="http://schemas.microsoft.com/office/drawing/2010/main" xmlns:m="http://schemas.openxmlformats.org/officeDocument/2006/math" xmlns="" val="1"/>
+            </a:ext>
+          </a:extLst>
+        </p:spPr>
+        <p:txBody>
+          <a:bodyPr lIns="45719" rIns="45719">
+            <a:spAutoFit/>
+          </a:bodyPr>
+          <a:lstStyle/>
+          <a:p>
+            <a:r>
+              <a:t>이용약관</a:t>
+            </a:r>
+          </a:p>
+        </p:txBody>
+      </p:sp>
+      <p:sp>
+        <p:nvSpPr>
+          <p:cNvPr id="105" name="TextBox 48"/>
+          <p:cNvSpPr txBox="1"/>
+          <p:nvPr/>
+        </p:nvSpPr>
+        <p:spPr>
+          <a:xfrm>
+            <a:off x="3830068" y="3337850"/>
+            <a:ext cx="1936537" cy="333379"/>
+          </a:xfrm>
+          <a:prstGeom prst="rect">
+            <a:avLst/>
+          </a:prstGeom>
+          <a:ln w="12700">
+            <a:miter lim="400000"/>
+          </a:ln>
+          <a:extLst>
+            <a:ext uri="{C572A759-6A51-4108-AA02-DFA0A04FC94B}">
+              <ma14:wrappingTextBoxFlag xmlns:ma14="http://schemas.microsoft.com/office/mac/drawingml/2011/main" xmlns:a14="http://schemas.microsoft.com/office/drawing/2010/main" xmlns:m="http://schemas.openxmlformats.org/officeDocument/2006/math" xmlns="" val="1"/>
+            </a:ext>
+          </a:extLst>
+        </p:spPr>
+        <p:txBody>
+          <a:bodyPr lIns="45719" rIns="45719">
+            <a:spAutoFit/>
+          </a:bodyPr>
+          <a:lstStyle/>
+          <a:p>
+            <a:pPr>
+              <a:defRPr sz="1500"/>
+            </a:pPr>
+            <a:r>
+              <a:t>동의합니다(필수)</a:t>
+            </a:r>
+          </a:p>
+        </p:txBody>
+      </p:sp>
+      <p:sp>
+        <p:nvSpPr>
+          <p:cNvPr id="106" name="직사각형 49"/>
+          <p:cNvSpPr/>
+          <p:nvPr/>
+        </p:nvSpPr>
+        <p:spPr>
+          <a:xfrm>
+            <a:off x="3594225" y="3403875"/>
+            <a:ext cx="190124" cy="190124"/>
+          </a:xfrm>
+          <a:prstGeom prst="rect">
+            <a:avLst/>
+          </a:prstGeom>
+          <a:solidFill>
+            <a:srgbClr val="FFFFFF"/>
+          </a:solidFill>
+          <a:ln w="12700">
+            <a:solidFill>
+              <a:srgbClr val="000000"/>
+            </a:solidFill>
+            <a:miter/>
+          </a:ln>
+        </p:spPr>
+        <p:txBody>
+          <a:bodyPr lIns="45719" rIns="45719" anchor="ctr"/>
+          <a:lstStyle/>
+          <a:p>
+            <a:pPr algn="ctr">
+              <a:defRPr>
+                <a:solidFill>
+                  <a:srgbClr val="FFFFFF"/>
+                </a:solidFill>
+              </a:defRPr>
+            </a:pPr>
+            <a:endParaRPr/>
+          </a:p>
+        </p:txBody>
+      </p:sp>
+      <p:sp>
+        <p:nvSpPr>
+          <p:cNvPr id="107" name="TextBox 50"/>
+          <p:cNvSpPr txBox="1"/>
+          <p:nvPr/>
+        </p:nvSpPr>
+        <p:spPr>
+          <a:xfrm>
+            <a:off x="2589290" y="3858652"/>
+            <a:ext cx="3610797" cy="396372"/>
+          </a:xfrm>
+          <a:prstGeom prst="rect">
+            <a:avLst/>
+          </a:prstGeom>
+          <a:ln>
+            <a:solidFill>
+              <a:srgbClr val="000000"/>
+            </a:solidFill>
+          </a:ln>
+          <a:extLst>
+            <a:ext uri="{C572A759-6A51-4108-AA02-DFA0A04FC94B}">
+              <ma14:wrappingTextBoxFlag xmlns:ma14="http://schemas.microsoft.com/office/mac/drawingml/2011/main" xmlns:a14="http://schemas.microsoft.com/office/drawing/2010/main" xmlns:m="http://schemas.openxmlformats.org/officeDocument/2006/math" xmlns="" val="1"/>
+            </a:ext>
+          </a:extLst>
+        </p:spPr>
+        <p:txBody>
+          <a:bodyPr lIns="45719" rIns="45719">
+            <a:spAutoFit/>
+          </a:bodyPr>
+          <a:lstStyle/>
+          <a:p>
+            <a:r>
+              <a:t>이용약관2</a:t>
+            </a:r>
+          </a:p>
+        </p:txBody>
+      </p:sp>
+      <p:sp>
+        <p:nvSpPr>
+          <p:cNvPr id="108" name="TextBox 51"/>
+          <p:cNvSpPr txBox="1"/>
+          <p:nvPr/>
+        </p:nvSpPr>
+        <p:spPr>
+          <a:xfrm>
+            <a:off x="3830068" y="4417088"/>
+            <a:ext cx="1936537" cy="333379"/>
+          </a:xfrm>
+          <a:prstGeom prst="rect">
+            <a:avLst/>
+          </a:prstGeom>
+          <a:ln w="12700">
+            <a:miter lim="400000"/>
+          </a:ln>
+          <a:extLst>
+            <a:ext uri="{C572A759-6A51-4108-AA02-DFA0A04FC94B}">
+              <ma14:wrappingTextBoxFlag xmlns:ma14="http://schemas.microsoft.com/office/mac/drawingml/2011/main" xmlns:a14="http://schemas.microsoft.com/office/drawing/2010/main" xmlns:m="http://schemas.openxmlformats.org/officeDocument/2006/math" xmlns="" val="1"/>
+            </a:ext>
+          </a:extLst>
+        </p:spPr>
+        <p:txBody>
+          <a:bodyPr lIns="45719" rIns="45719">
+            <a:spAutoFit/>
+          </a:bodyPr>
+          <a:lstStyle/>
+          <a:p>
+            <a:pPr>
+              <a:defRPr sz="1500"/>
+            </a:pPr>
+            <a:r>
+              <a:t>동의합니다(필수)</a:t>
+            </a:r>
+          </a:p>
+        </p:txBody>
+      </p:sp>
+      <p:sp>
+        <p:nvSpPr>
+          <p:cNvPr id="109" name="직사각형 52"/>
+          <p:cNvSpPr/>
+          <p:nvPr/>
+        </p:nvSpPr>
+        <p:spPr>
+          <a:xfrm>
+            <a:off x="3594225" y="4483113"/>
+            <a:ext cx="190124" cy="190124"/>
+          </a:xfrm>
+          <a:prstGeom prst="rect">
+            <a:avLst/>
+          </a:prstGeom>
+          <a:solidFill>
+            <a:srgbClr val="FFFFFF"/>
+          </a:solidFill>
+          <a:ln w="12700">
+            <a:solidFill>
+              <a:srgbClr val="000000"/>
+            </a:solidFill>
+            <a:miter/>
+          </a:ln>
+        </p:spPr>
+        <p:txBody>
+          <a:bodyPr lIns="45719" rIns="45719" anchor="ctr"/>
+          <a:lstStyle/>
+          <a:p>
+            <a:pPr algn="ctr">
+              <a:defRPr>
+                <a:solidFill>
+                  <a:srgbClr val="FFFFFF"/>
+                </a:solidFill>
+              </a:defRPr>
+            </a:pPr>
+            <a:endParaRPr/>
+          </a:p>
+        </p:txBody>
+      </p:sp>
+      <p:sp>
+        <p:nvSpPr>
+          <p:cNvPr id="110" name="TextBox 53"/>
+          <p:cNvSpPr txBox="1"/>
+          <p:nvPr/>
+        </p:nvSpPr>
+        <p:spPr>
+          <a:xfrm>
+            <a:off x="2589290" y="4940246"/>
+            <a:ext cx="3610797" cy="396372"/>
+          </a:xfrm>
+          <a:prstGeom prst="rect">
+            <a:avLst/>
+          </a:prstGeom>
+          <a:ln>
+            <a:solidFill>
+              <a:srgbClr val="000000"/>
+            </a:solidFill>
+          </a:ln>
+          <a:extLst>
+            <a:ext uri="{C572A759-6A51-4108-AA02-DFA0A04FC94B}">
+              <ma14:wrappingTextBoxFlag xmlns:ma14="http://schemas.microsoft.com/office/mac/drawingml/2011/main" xmlns:a14="http://schemas.microsoft.com/office/drawing/2010/main" xmlns:m="http://schemas.openxmlformats.org/officeDocument/2006/math" xmlns="" val="1"/>
+            </a:ext>
+          </a:extLst>
+        </p:spPr>
+        <p:txBody>
+          <a:bodyPr lIns="45719" rIns="45719">
+            <a:spAutoFit/>
+          </a:bodyPr>
+          <a:lstStyle/>
+          <a:p>
+            <a:r>
+              <a:t>이용약관3</a:t>
+            </a:r>
+          </a:p>
+        </p:txBody>
+      </p:sp>
+      <p:sp>
+        <p:nvSpPr>
+          <p:cNvPr id="111" name="TextBox 54"/>
+          <p:cNvSpPr txBox="1"/>
+          <p:nvPr/>
+        </p:nvSpPr>
+        <p:spPr>
+          <a:xfrm>
+            <a:off x="3830068" y="5498681"/>
+            <a:ext cx="1936537" cy="333380"/>
+          </a:xfrm>
+          <a:prstGeom prst="rect">
+            <a:avLst/>
+          </a:prstGeom>
+          <a:ln w="12700">
+            <a:miter lim="400000"/>
+          </a:ln>
+          <a:extLst>
+            <a:ext uri="{C572A759-6A51-4108-AA02-DFA0A04FC94B}">
+              <ma14:wrappingTextBoxFlag xmlns:ma14="http://schemas.microsoft.com/office/mac/drawingml/2011/main" xmlns:a14="http://schemas.microsoft.com/office/drawing/2010/main" xmlns:m="http://schemas.openxmlformats.org/officeDocument/2006/math" xmlns="" val="1"/>
+            </a:ext>
+          </a:extLst>
+        </p:spPr>
+        <p:txBody>
+          <a:bodyPr lIns="45719" rIns="45719">
+            <a:spAutoFit/>
+          </a:bodyPr>
+          <a:lstStyle/>
+          <a:p>
+            <a:pPr>
+              <a:defRPr sz="1500"/>
+            </a:pPr>
+            <a:r>
+              <a:t>동의합니다(선택)</a:t>
+            </a:r>
+          </a:p>
+        </p:txBody>
+      </p:sp>
+      <p:sp>
+        <p:nvSpPr>
+          <p:cNvPr id="112" name="직사각형 55"/>
+          <p:cNvSpPr/>
+          <p:nvPr/>
+        </p:nvSpPr>
+        <p:spPr>
+          <a:xfrm>
+            <a:off x="3594225" y="5564708"/>
+            <a:ext cx="190124" cy="190124"/>
+          </a:xfrm>
+          <a:prstGeom prst="rect">
+            <a:avLst/>
+          </a:prstGeom>
+          <a:solidFill>
+            <a:srgbClr val="FFFFFF"/>
+          </a:solidFill>
+          <a:ln w="12700">
+            <a:solidFill>
+              <a:srgbClr val="000000"/>
+            </a:solidFill>
+            <a:miter/>
+          </a:ln>
+        </p:spPr>
+        <p:txBody>
+          <a:bodyPr lIns="45719" rIns="45719" anchor="ctr"/>
+          <a:lstStyle/>
+          <a:p>
+            <a:pPr algn="ctr">
+              <a:defRPr>
+                <a:solidFill>
+                  <a:srgbClr val="FFFFFF"/>
+                </a:solidFill>
+              </a:defRPr>
+            </a:pPr>
+            <a:endParaRPr/>
+          </a:p>
+        </p:txBody>
+      </p:sp>
+      <p:grpSp>
+        <p:nvGrpSpPr>
+          <p:cNvPr id="115" name="직사각형 27"/>
+          <p:cNvGrpSpPr/>
+          <p:nvPr/>
+        </p:nvGrpSpPr>
+        <p:grpSpPr>
+          <a:xfrm>
+            <a:off x="3248236" y="6021840"/>
+            <a:ext cx="997840" cy="397068"/>
+            <a:chOff x="0" y="0"/>
+            <a:chExt cx="997838" cy="397066"/>
+          </a:xfrm>
+        </p:grpSpPr>
+        <p:sp>
+          <p:nvSpPr>
+            <p:cNvPr id="113" name="직사각형"/>
+            <p:cNvSpPr/>
+            <p:nvPr/>
+          </p:nvSpPr>
+          <p:spPr>
+            <a:xfrm>
+              <a:off x="-1" y="0"/>
+              <a:ext cx="997840" cy="397067"/>
+            </a:xfrm>
+            <a:prstGeom prst="rect">
+              <a:avLst/>
+            </a:prstGeom>
+            <a:solidFill>
+              <a:srgbClr val="FFFFFF"/>
+            </a:solidFill>
+            <a:ln w="12700" cap="flat">
+              <a:solidFill>
+                <a:srgbClr val="000000"/>
+              </a:solidFill>
+              <a:prstDash val="solid"/>
+              <a:miter lim="800000"/>
+            </a:ln>
+            <a:effectLst/>
+          </p:spPr>
+          <p:txBody>
+            <a:bodyPr wrap="square" lIns="45719" tIns="45719" rIns="45719" bIns="45719" numCol="1" anchor="ctr">
+              <a:noAutofit/>
+            </a:bodyPr>
+            <a:lstStyle/>
+            <a:p>
+              <a:pPr algn="ctr">
+                <a:defRPr sz="1600"/>
+              </a:pPr>
+              <a:endParaRPr/>
+            </a:p>
+          </p:txBody>
+        </p:sp>
+        <p:sp>
+          <p:nvSpPr>
+            <p:cNvPr id="114" name="뒤로가기"/>
+            <p:cNvSpPr txBox="1"/>
+            <p:nvPr/>
+          </p:nvSpPr>
+          <p:spPr>
+            <a:xfrm>
+              <a:off x="45719" y="32163"/>
+              <a:ext cx="906400" cy="332741"/>
+            </a:xfrm>
+            <a:prstGeom prst="rect">
+              <a:avLst/>
+            </a:prstGeom>
+            <a:noFill/>
+            <a:ln w="12700" cap="flat">
+              <a:noFill/>
+              <a:miter lim="400000"/>
+            </a:ln>
+            <a:effectLst/>
+            <a:extLst>
+              <a:ext uri="{C572A759-6A51-4108-AA02-DFA0A04FC94B}">
+                <ma14:wrappingTextBoxFlag xmlns:ma14="http://schemas.microsoft.com/office/mac/drawingml/2011/main" xmlns:a14="http://schemas.microsoft.com/office/drawing/2010/main" xmlns:m="http://schemas.openxmlformats.org/officeDocument/2006/math" xmlns="" val="1"/>
+              </a:ext>
+            </a:extLst>
+          </p:spPr>
+          <p:txBody>
+            <a:bodyPr wrap="square" lIns="45719" tIns="45719" rIns="45719" bIns="45719" numCol="1" anchor="ctr">
+              <a:spAutoFit/>
+            </a:bodyPr>
+            <a:lstStyle>
+              <a:lvl1pPr algn="ctr">
+                <a:defRPr sz="1600"/>
+              </a:lvl1pPr>
+            </a:lstStyle>
+            <a:p>
+              <a:r>
+                <a:t>뒤로가기</a:t>
+              </a:r>
+            </a:p>
+          </p:txBody>
+        </p:sp>
+      </p:grpSp>
+      <p:grpSp>
+        <p:nvGrpSpPr>
+          <p:cNvPr id="118" name="직사각형 56"/>
+          <p:cNvGrpSpPr/>
+          <p:nvPr/>
+        </p:nvGrpSpPr>
+        <p:grpSpPr>
+          <a:xfrm>
+            <a:off x="4461400" y="6021840"/>
+            <a:ext cx="997839" cy="397068"/>
+            <a:chOff x="0" y="0"/>
+            <a:chExt cx="997838" cy="397066"/>
+          </a:xfrm>
+        </p:grpSpPr>
+        <p:sp>
+          <p:nvSpPr>
+            <p:cNvPr id="116" name="직사각형"/>
+            <p:cNvSpPr/>
+            <p:nvPr/>
+          </p:nvSpPr>
+          <p:spPr>
+            <a:xfrm>
+              <a:off x="-1" y="0"/>
+              <a:ext cx="997840" cy="397067"/>
+            </a:xfrm>
+            <a:prstGeom prst="rect">
+              <a:avLst/>
+            </a:prstGeom>
+            <a:solidFill>
+              <a:srgbClr val="FFFFFF"/>
+            </a:solidFill>
+            <a:ln w="12700" cap="flat">
+              <a:solidFill>
+                <a:srgbClr val="000000"/>
+              </a:solidFill>
+              <a:prstDash val="solid"/>
+              <a:miter lim="800000"/>
+            </a:ln>
+            <a:effectLst/>
+          </p:spPr>
+          <p:txBody>
+            <a:bodyPr wrap="square" lIns="45719" tIns="45719" rIns="45719" bIns="45719" numCol="1" anchor="ctr">
+              <a:noAutofit/>
+            </a:bodyPr>
+            <a:lstStyle/>
+            <a:p>
+              <a:pPr algn="ctr">
+                <a:defRPr sz="1600"/>
+              </a:pPr>
+              <a:endParaRPr/>
+            </a:p>
+          </p:txBody>
+        </p:sp>
+        <p:sp>
+          <p:nvSpPr>
+            <p:cNvPr id="117" name="다음으로"/>
+            <p:cNvSpPr txBox="1"/>
+            <p:nvPr/>
+          </p:nvSpPr>
+          <p:spPr>
+            <a:xfrm>
+              <a:off x="45719" y="32163"/>
+              <a:ext cx="906400" cy="332741"/>
+            </a:xfrm>
+            <a:prstGeom prst="rect">
+              <a:avLst/>
+            </a:prstGeom>
+            <a:noFill/>
+            <a:ln w="12700" cap="flat">
+              <a:noFill/>
+              <a:miter lim="400000"/>
+            </a:ln>
+            <a:effectLst/>
+            <a:extLst>
+              <a:ext uri="{C572A759-6A51-4108-AA02-DFA0A04FC94B}">
+                <ma14:wrappingTextBoxFlag xmlns:ma14="http://schemas.microsoft.com/office/mac/drawingml/2011/main" xmlns:a14="http://schemas.microsoft.com/office/drawing/2010/main" xmlns:m="http://schemas.openxmlformats.org/officeDocument/2006/math" xmlns="" val="1"/>
+              </a:ext>
+            </a:extLst>
+          </p:spPr>
+          <p:txBody>
+            <a:bodyPr wrap="square" lIns="45719" tIns="45719" rIns="45719" bIns="45719" numCol="1" anchor="ctr">
+              <a:spAutoFit/>
+            </a:bodyPr>
+            <a:lstStyle>
+              <a:lvl1pPr algn="ctr">
+                <a:defRPr sz="1600"/>
+              </a:lvl1pPr>
+            </a:lstStyle>
+            <a:p>
+              <a:r>
+                <a:t>다음으로</a:t>
+              </a:r>
+            </a:p>
+          </p:txBody>
+        </p:sp>
+      </p:grpSp>
+      <p:graphicFrame>
+        <p:nvGraphicFramePr>
+          <p:cNvPr id="119" name="표 57"/>
+          <p:cNvGraphicFramePr/>
+          <p:nvPr/>
+        </p:nvGraphicFramePr>
+        <p:xfrm>
+          <a:off x="131601" y="115758"/>
+          <a:ext cx="3313726" cy="960120"/>
+        </p:xfrm>
+        <a:graphic>
+          <a:graphicData uri="http://schemas.openxmlformats.org/drawingml/2006/table">
+            <a:tbl>
+              <a:tblPr firstRow="1" bandRow="1">
+                <a:tableStyleId>{4C3C2611-4C71-4FC5-86AE-919BDF0F9419}</a:tableStyleId>
+              </a:tblPr>
+              <a:tblGrid>
+                <a:gridCol w="1656863"/>
+                <a:gridCol w="1656863"/>
+              </a:tblGrid>
+              <a:tr h="271237">
+                <a:tc>
+                  <a:txBody>
+                    <a:bodyPr/>
+                    <a:lstStyle/>
+                    <a:p>
+                      <a:pPr algn="ctr">
+                        <a:defRPr sz="1800" b="0">
+                          <a:solidFill>
+                            <a:srgbClr val="000000"/>
+                          </a:solidFill>
+                        </a:defRPr>
+                      </a:pPr>
+                      <a:r>
+                        <a:rPr sz="1500"/>
+                        <a:t>화면코드</a:t>
+                      </a:r>
+                    </a:p>
+                  </a:txBody>
+                  <a:tcPr marL="45720" marR="45720" anchor="ctr" horzOverflow="overflow">
+                    <a:lnL w="12700">
+                      <a:solidFill>
+                        <a:srgbClr val="000000"/>
+                      </a:solidFill>
+                    </a:lnL>
+                    <a:lnR w="12700">
+                      <a:solidFill>
+                        <a:srgbClr val="000000"/>
+                      </a:solidFill>
+                    </a:lnR>
+                    <a:lnT w="12700">
+                      <a:solidFill>
+                        <a:srgbClr val="000000"/>
+                      </a:solidFill>
+                    </a:lnT>
+                    <a:lnB w="12700">
+                      <a:solidFill>
+                        <a:srgbClr val="000000"/>
+                      </a:solidFill>
+                    </a:lnB>
+                    <a:solidFill>
+                      <a:srgbClr val="D9D9D9"/>
+                    </a:solidFill>
+                  </a:tcPr>
+                </a:tc>
+                <a:tc>
+                  <a:txBody>
+                    <a:bodyPr/>
+                    <a:lstStyle/>
+                    <a:p>
+                      <a:pPr algn="ctr">
+                        <a:defRPr sz="1800" b="0">
+                          <a:solidFill>
+                            <a:srgbClr val="000000"/>
+                          </a:solidFill>
+                        </a:defRPr>
+                      </a:pPr>
+                      <a:r>
+                        <a:rPr sz="1000">
+                          <a:latin typeface="Arial"/>
+                          <a:ea typeface="Arial"/>
+                          <a:cs typeface="Arial"/>
+                          <a:sym typeface="Arial"/>
+                        </a:rPr>
+                        <a:t>User_w_ys_access</a:t>
+                      </a:r>
+                    </a:p>
+                  </a:txBody>
+                  <a:tcPr marL="9525" marR="9525" marT="9525" marB="9525" anchor="ctr" horzOverflow="overflow">
+                    <a:lnL w="12700">
+                      <a:solidFill>
+                        <a:srgbClr val="000000"/>
+                      </a:solidFill>
+                    </a:lnL>
+                    <a:lnR w="12700">
+                      <a:solidFill>
+                        <a:srgbClr val="000000"/>
+                      </a:solidFill>
+                    </a:lnR>
+                    <a:lnT w="12700">
+                      <a:solidFill>
+                        <a:srgbClr val="000000"/>
+                      </a:solidFill>
+                    </a:lnT>
+                    <a:lnB w="12700">
+                      <a:solidFill>
+                        <a:srgbClr val="000000"/>
+                      </a:solidFill>
+                    </a:lnB>
+                    <a:solidFill>
+                      <a:srgbClr val="FFFFFF"/>
+                    </a:solidFill>
+                  </a:tcPr>
+                </a:tc>
+              </a:tr>
+              <a:tr h="271237">
+                <a:tc rowSpan="2">
+                  <a:txBody>
+                    <a:bodyPr/>
+                    <a:lstStyle/>
+                    <a:p>
+                      <a:pPr algn="ctr">
+                        <a:defRPr sz="1800"/>
+                      </a:pPr>
+                      <a:r>
+                        <a:rPr sz="1500"/>
+                        <a:t>화면명</a:t>
+                      </a:r>
+                    </a:p>
+                  </a:txBody>
+                  <a:tcPr marL="45720" marR="45720" anchor="ctr" horzOverflow="overflow">
+                    <a:lnL w="12700">
+                      <a:solidFill>
+                        <a:srgbClr val="000000"/>
+                      </a:solidFill>
+                    </a:lnL>
+                    <a:lnR w="12700">
+                      <a:solidFill>
+                        <a:srgbClr val="000000"/>
+                      </a:solidFill>
+                    </a:lnR>
+                    <a:lnT w="12700">
+                      <a:solidFill>
+                        <a:srgbClr val="000000"/>
+                      </a:solidFill>
+                    </a:lnT>
+                    <a:lnB w="12700">
+                      <a:solidFill>
+                        <a:srgbClr val="000000"/>
+                      </a:solidFill>
+                    </a:lnB>
+                    <a:solidFill>
+                      <a:srgbClr val="D9D9D9"/>
+                    </a:solidFill>
+                  </a:tcPr>
+                </a:tc>
+                <a:tc>
+                  <a:txBody>
+                    <a:bodyPr/>
+                    <a:lstStyle/>
+                    <a:p>
+                      <a:pPr algn="ctr">
+                        <a:defRPr sz="1500">
+                          <a:solidFill>
+                            <a:srgbClr val="0070C0"/>
+                          </a:solidFill>
+                        </a:defRPr>
+                      </a:pPr>
+                      <a:endParaRPr/>
+                    </a:p>
+                  </a:txBody>
+                  <a:tcPr marL="45720" marR="45720" anchor="ctr" horzOverflow="overflow">
+                    <a:lnL w="12700">
+                      <a:solidFill>
+                        <a:srgbClr val="000000"/>
+                      </a:solidFill>
+                    </a:lnL>
+                    <a:lnR w="12700">
+                      <a:solidFill>
+                        <a:srgbClr val="000000"/>
+                      </a:solidFill>
+                    </a:lnR>
+                    <a:lnT w="12700">
+                      <a:solidFill>
+                        <a:srgbClr val="000000"/>
+                      </a:solidFill>
+                    </a:lnT>
+                    <a:lnB w="12700">
+                      <a:solidFill>
+                        <a:srgbClr val="000000"/>
+                      </a:solidFill>
+                    </a:lnB>
+                    <a:solidFill>
+                      <a:srgbClr val="FFFFFF"/>
+                    </a:solidFill>
+                  </a:tcPr>
+                </a:tc>
+              </a:tr>
+              <a:tr h="271237">
+                <a:tc vMerge="1">
+                  <a:txBody>
+                    <a:bodyPr/>
+                    <a:lstStyle/>
+                    <a:p>
+                      <a:endParaRPr lang="ko-KR"/>
+                    </a:p>
+                  </a:txBody>
+                  <a:tcPr/>
+                </a:tc>
+                <a:tc>
+                  <a:txBody>
+                    <a:bodyPr/>
+                    <a:lstStyle/>
+                    <a:p>
+                      <a:pPr algn="ctr">
+                        <a:defRPr sz="1800"/>
+                      </a:pPr>
+                      <a:r>
+                        <a:rPr sz="1500">
+                          <a:solidFill>
+                            <a:srgbClr val="0070C0"/>
+                          </a:solidFill>
+                        </a:rPr>
+                        <a:t>회원가입</a:t>
+                      </a:r>
+                    </a:p>
+                  </a:txBody>
+                  <a:tcPr marL="45720" marR="45720" anchor="ctr" horzOverflow="overflow">
+                    <a:lnL w="12700">
+                      <a:solidFill>
+                        <a:srgbClr val="000000"/>
+                      </a:solidFill>
+                    </a:lnL>
+                    <a:lnR w="12700">
+                      <a:solidFill>
+                        <a:srgbClr val="000000"/>
+                      </a:solidFill>
+                    </a:lnR>
+                    <a:lnT w="12700">
+                      <a:solidFill>
+                        <a:srgbClr val="000000"/>
+                      </a:solidFill>
+                    </a:lnT>
+                    <a:lnB w="12700">
+                      <a:solidFill>
+                        <a:srgbClr val="000000"/>
+                      </a:solidFill>
+                    </a:lnB>
+                    <a:solidFill>
+                      <a:srgbClr val="FFFFFF"/>
+                    </a:solidFill>
+                  </a:tcPr>
+                </a:tc>
+              </a:tr>
+            </a:tbl>
+          </a:graphicData>
+        </a:graphic>
+      </p:graphicFrame>
+      <p:grpSp>
+        <p:nvGrpSpPr>
+          <p:cNvPr id="122" name="직사각형 58"/>
+          <p:cNvGrpSpPr/>
+          <p:nvPr/>
+        </p:nvGrpSpPr>
+        <p:grpSpPr>
+          <a:xfrm>
+            <a:off x="3285430" y="1927628"/>
+            <a:ext cx="271605" cy="370841"/>
+            <a:chOff x="0" y="0"/>
+            <a:chExt cx="271603" cy="370840"/>
+          </a:xfrm>
+        </p:grpSpPr>
+        <p:sp>
+          <p:nvSpPr>
+            <p:cNvPr id="120" name="직사각형"/>
+            <p:cNvSpPr/>
+            <p:nvPr/>
+          </p:nvSpPr>
+          <p:spPr>
+            <a:xfrm>
+              <a:off x="0" y="31510"/>
+              <a:ext cx="271604" cy="307819"/>
+            </a:xfrm>
+            <a:prstGeom prst="rect">
+              <a:avLst/>
+            </a:prstGeom>
+            <a:solidFill>
+              <a:srgbClr val="FF0000"/>
+            </a:solidFill>
+            <a:ln w="12700" cap="flat">
+              <a:solidFill>
+                <a:srgbClr val="42719B"/>
+              </a:solidFill>
+              <a:prstDash val="solid"/>
+              <a:miter lim="800000"/>
+            </a:ln>
+            <a:effectLst/>
+          </p:spPr>
+          <p:txBody>
+            <a:bodyPr wrap="square" lIns="45719" tIns="45719" rIns="45719" bIns="45719" numCol="1" anchor="ctr">
+              <a:noAutofit/>
+            </a:bodyPr>
+            <a:lstStyle/>
+            <a:p>
+              <a:pPr algn="ctr">
+                <a:defRPr>
+                  <a:solidFill>
+                    <a:srgbClr val="FFFFFF"/>
+                  </a:solidFill>
+                </a:defRPr>
+              </a:pPr>
+              <a:endParaRPr/>
+            </a:p>
+          </p:txBody>
+        </p:sp>
+        <p:sp>
+          <p:nvSpPr>
+            <p:cNvPr id="121" name="1"/>
+            <p:cNvSpPr txBox="1"/>
+            <p:nvPr/>
+          </p:nvSpPr>
+          <p:spPr>
+            <a:xfrm>
+              <a:off x="45719" y="0"/>
+              <a:ext cx="180165" cy="370840"/>
+            </a:xfrm>
+            <a:prstGeom prst="rect">
+              <a:avLst/>
+            </a:prstGeom>
+            <a:noFill/>
+            <a:ln w="12700" cap="flat">
+              <a:noFill/>
+              <a:miter lim="400000"/>
+            </a:ln>
+            <a:effectLst/>
+            <a:extLst>
+              <a:ext uri="{C572A759-6A51-4108-AA02-DFA0A04FC94B}">
+                <ma14:wrappingTextBoxFlag xmlns:ma14="http://schemas.microsoft.com/office/mac/drawingml/2011/main" xmlns:a14="http://schemas.microsoft.com/office/drawing/2010/main" xmlns:m="http://schemas.openxmlformats.org/officeDocument/2006/math" xmlns="" val="1"/>
+              </a:ext>
+            </a:extLst>
+          </p:spPr>
+          <p:txBody>
+            <a:bodyPr wrap="square" lIns="45719" tIns="45719" rIns="45719" bIns="45719" numCol="1" anchor="ctr">
+              <a:spAutoFit/>
+            </a:bodyPr>
+            <a:lstStyle>
+              <a:lvl1pPr algn="ctr">
+                <a:defRPr>
+                  <a:solidFill>
+                    <a:srgbClr val="FFFFFF"/>
+                  </a:solidFill>
+                </a:defRPr>
+              </a:lvl1pPr>
+            </a:lstStyle>
+            <a:p>
+              <a:r>
+                <a:t>1</a:t>
+              </a:r>
+            </a:p>
+          </p:txBody>
+        </p:sp>
+      </p:grpSp>
+      <p:grpSp>
+        <p:nvGrpSpPr>
+          <p:cNvPr id="125" name="직사각형 59"/>
+          <p:cNvGrpSpPr/>
+          <p:nvPr/>
+        </p:nvGrpSpPr>
+        <p:grpSpPr>
+          <a:xfrm>
+            <a:off x="5441131" y="3330219"/>
+            <a:ext cx="271605" cy="370841"/>
+            <a:chOff x="0" y="0"/>
+            <a:chExt cx="271603" cy="370840"/>
+          </a:xfrm>
+        </p:grpSpPr>
+        <p:sp>
+          <p:nvSpPr>
+            <p:cNvPr id="123" name="직사각형"/>
+            <p:cNvSpPr/>
+            <p:nvPr/>
+          </p:nvSpPr>
+          <p:spPr>
+            <a:xfrm>
+              <a:off x="0" y="31510"/>
+              <a:ext cx="271604" cy="307819"/>
+            </a:xfrm>
+            <a:prstGeom prst="rect">
+              <a:avLst/>
+            </a:prstGeom>
+            <a:solidFill>
+              <a:srgbClr val="FF0000"/>
+            </a:solidFill>
+            <a:ln w="12700" cap="flat">
+              <a:solidFill>
+                <a:srgbClr val="42719B"/>
+              </a:solidFill>
+              <a:prstDash val="solid"/>
+              <a:miter lim="800000"/>
+            </a:ln>
+            <a:effectLst/>
+          </p:spPr>
+          <p:txBody>
+            <a:bodyPr wrap="square" lIns="45719" tIns="45719" rIns="45719" bIns="45719" numCol="1" anchor="ctr">
+              <a:noAutofit/>
+            </a:bodyPr>
+            <a:lstStyle/>
+            <a:p>
+              <a:pPr algn="ctr">
+                <a:defRPr>
+                  <a:solidFill>
+                    <a:srgbClr val="FFFFFF"/>
+                  </a:solidFill>
+                </a:defRPr>
+              </a:pPr>
+              <a:endParaRPr/>
+            </a:p>
+          </p:txBody>
+        </p:sp>
+        <p:sp>
+          <p:nvSpPr>
+            <p:cNvPr id="124" name="2"/>
+            <p:cNvSpPr txBox="1"/>
+            <p:nvPr/>
+          </p:nvSpPr>
+          <p:spPr>
+            <a:xfrm>
+              <a:off x="45719" y="0"/>
+              <a:ext cx="180165" cy="370840"/>
+            </a:xfrm>
+            <a:prstGeom prst="rect">
+              <a:avLst/>
+            </a:prstGeom>
+            <a:noFill/>
+            <a:ln w="12700" cap="flat">
+              <a:noFill/>
+              <a:miter lim="400000"/>
+            </a:ln>
+            <a:effectLst/>
+            <a:extLst>
+              <a:ext uri="{C572A759-6A51-4108-AA02-DFA0A04FC94B}">
+                <ma14:wrappingTextBoxFlag xmlns:ma14="http://schemas.microsoft.com/office/mac/drawingml/2011/main" xmlns:a14="http://schemas.microsoft.com/office/drawing/2010/main" xmlns:m="http://schemas.openxmlformats.org/officeDocument/2006/math" xmlns="" val="1"/>
+              </a:ext>
+            </a:extLst>
+          </p:spPr>
+          <p:txBody>
+            <a:bodyPr wrap="square" lIns="45719" tIns="45719" rIns="45719" bIns="45719" numCol="1" anchor="ctr">
+              <a:spAutoFit/>
+            </a:bodyPr>
+            <a:lstStyle>
+              <a:lvl1pPr algn="ctr">
+                <a:defRPr>
+                  <a:solidFill>
+                    <a:srgbClr val="FFFFFF"/>
+                  </a:solidFill>
+                </a:defRPr>
+              </a:lvl1pPr>
+            </a:lstStyle>
+            <a:p>
+              <a:r>
+                <a:t>2</a:t>
+              </a:r>
+            </a:p>
+          </p:txBody>
+        </p:sp>
+      </p:grpSp>
+      <p:grpSp>
+        <p:nvGrpSpPr>
+          <p:cNvPr id="128" name="직사각형 60"/>
+          <p:cNvGrpSpPr/>
+          <p:nvPr/>
+        </p:nvGrpSpPr>
+        <p:grpSpPr>
+          <a:xfrm>
+            <a:off x="3032911" y="5836419"/>
+            <a:ext cx="271604" cy="370841"/>
+            <a:chOff x="0" y="0"/>
+            <a:chExt cx="271603" cy="370840"/>
+          </a:xfrm>
+        </p:grpSpPr>
+        <p:sp>
+          <p:nvSpPr>
+            <p:cNvPr id="126" name="직사각형"/>
+            <p:cNvSpPr/>
+            <p:nvPr/>
+          </p:nvSpPr>
+          <p:spPr>
+            <a:xfrm>
+              <a:off x="0" y="31510"/>
+              <a:ext cx="271604" cy="307819"/>
+            </a:xfrm>
+            <a:prstGeom prst="rect">
+              <a:avLst/>
+            </a:prstGeom>
+            <a:solidFill>
+              <a:srgbClr val="FF0000"/>
+            </a:solidFill>
+            <a:ln w="12700" cap="flat">
+              <a:solidFill>
+                <a:srgbClr val="42719B"/>
+              </a:solidFill>
+              <a:prstDash val="solid"/>
+              <a:miter lim="800000"/>
+            </a:ln>
+            <a:effectLst/>
+          </p:spPr>
+          <p:txBody>
+            <a:bodyPr wrap="square" lIns="45719" tIns="45719" rIns="45719" bIns="45719" numCol="1" anchor="ctr">
+              <a:noAutofit/>
+            </a:bodyPr>
+            <a:lstStyle/>
+            <a:p>
+              <a:pPr algn="ctr">
+                <a:defRPr>
+                  <a:solidFill>
+                    <a:srgbClr val="FFFFFF"/>
+                  </a:solidFill>
+                </a:defRPr>
+              </a:pPr>
+              <a:endParaRPr/>
+            </a:p>
+          </p:txBody>
+        </p:sp>
+        <p:sp>
+          <p:nvSpPr>
+            <p:cNvPr id="127" name="3"/>
+            <p:cNvSpPr txBox="1"/>
+            <p:nvPr/>
+          </p:nvSpPr>
+          <p:spPr>
+            <a:xfrm>
+              <a:off x="45719" y="0"/>
+              <a:ext cx="180165" cy="370840"/>
+            </a:xfrm>
+            <a:prstGeom prst="rect">
+              <a:avLst/>
+            </a:prstGeom>
+            <a:noFill/>
+            <a:ln w="12700" cap="flat">
+              <a:noFill/>
+              <a:miter lim="400000"/>
+            </a:ln>
+            <a:effectLst/>
+            <a:extLst>
+              <a:ext uri="{C572A759-6A51-4108-AA02-DFA0A04FC94B}">
+                <ma14:wrappingTextBoxFlag xmlns:ma14="http://schemas.microsoft.com/office/mac/drawingml/2011/main" xmlns:a14="http://schemas.microsoft.com/office/drawing/2010/main" xmlns:m="http://schemas.openxmlformats.org/officeDocument/2006/math" xmlns="" val="1"/>
+              </a:ext>
+            </a:extLst>
+          </p:spPr>
+          <p:txBody>
+            <a:bodyPr wrap="square" lIns="45719" tIns="45719" rIns="45719" bIns="45719" numCol="1" anchor="ctr">
+              <a:spAutoFit/>
+            </a:bodyPr>
+            <a:lstStyle>
+              <a:lvl1pPr algn="ctr">
+                <a:defRPr>
+                  <a:solidFill>
+                    <a:srgbClr val="FFFFFF"/>
+                  </a:solidFill>
+                </a:defRPr>
+              </a:lvl1pPr>
+            </a:lstStyle>
+            <a:p>
+              <a:r>
+                <a:t>3</a:t>
+              </a:r>
+            </a:p>
+          </p:txBody>
+        </p:sp>
+      </p:grpSp>
+    </p:spTree>
+  </p:cSld>
+  <p:clrMapOvr>
+    <a:masterClrMapping/>
+  </p:clrMapOvr>
+  <p:transition spd="med"/>
+</p:sld>
+</file>
+
+<file path=ppt/slides/slide20.xml><?xml version="1.0" encoding="utf-8"?>
 <p:sld xmlns:a="http://schemas.openxmlformats.org/drawingml/2006/main" xmlns:r="http://schemas.openxmlformats.org/officeDocument/2006/relationships" xmlns:p="http://schemas.openxmlformats.org/presentationml/2006/main">
   <p:cSld>
     <p:spTree>
@@ -21279,2040 +23370,7 @@
 </p:sld>
 </file>
 
-<file path=ppt/slides/slide2.xml><?xml version="1.0" encoding="utf-8"?>
-<p:sld xmlns:a="http://schemas.openxmlformats.org/drawingml/2006/main" xmlns:r="http://schemas.openxmlformats.org/officeDocument/2006/relationships" xmlns:p="http://schemas.openxmlformats.org/presentationml/2006/main">
-  <p:cSld>
-    <p:spTree>
-      <p:nvGrpSpPr>
-        <p:cNvPr id="1" name=""/>
-        <p:cNvGrpSpPr/>
-        <p:nvPr/>
-      </p:nvGrpSpPr>
-      <p:grpSpPr>
-        <a:xfrm>
-          <a:off x="0" y="0"/>
-          <a:ext cx="0" cy="0"/>
-          <a:chOff x="0" y="0"/>
-          <a:chExt cx="0" cy="0"/>
-        </a:xfrm>
-      </p:grpSpPr>
-      <p:graphicFrame>
-        <p:nvGraphicFramePr>
-          <p:cNvPr id="97" name="표 6"/>
-          <p:cNvGraphicFramePr/>
-          <p:nvPr/>
-        </p:nvGraphicFramePr>
-        <p:xfrm>
-          <a:off x="9309045" y="197402"/>
-          <a:ext cx="2815494" cy="320040"/>
-        </p:xfrm>
-        <a:graphic>
-          <a:graphicData uri="http://schemas.openxmlformats.org/drawingml/2006/table">
-            <a:tbl>
-              <a:tblPr bandRow="1">
-                <a:tableStyleId>{4C3C2611-4C71-4FC5-86AE-919BDF0F9419}</a:tableStyleId>
-              </a:tblPr>
-              <a:tblGrid>
-                <a:gridCol w="1407747"/>
-                <a:gridCol w="1407747"/>
-              </a:tblGrid>
-              <a:tr h="265071">
-                <a:tc>
-                  <a:txBody>
-                    <a:bodyPr/>
-                    <a:lstStyle/>
-                    <a:p>
-                      <a:pPr algn="ctr">
-                        <a:defRPr sz="1800"/>
-                      </a:pPr>
-                      <a:r>
-                        <a:rPr sz="1500"/>
-                        <a:t>화면 번호</a:t>
-                      </a:r>
-                    </a:p>
-                  </a:txBody>
-                  <a:tcPr marL="45720" marR="45720" anchor="ctr" horzOverflow="overflow">
-                    <a:lnL w="12700">
-                      <a:solidFill>
-                        <a:srgbClr val="000000"/>
-                      </a:solidFill>
-                    </a:lnL>
-                    <a:lnR w="12700">
-                      <a:solidFill>
-                        <a:srgbClr val="000000"/>
-                      </a:solidFill>
-                    </a:lnR>
-                    <a:lnT w="12700">
-                      <a:solidFill>
-                        <a:srgbClr val="000000"/>
-                      </a:solidFill>
-                    </a:lnT>
-                    <a:lnB w="12700">
-                      <a:solidFill>
-                        <a:srgbClr val="000000"/>
-                      </a:solidFill>
-                    </a:lnB>
-                    <a:solidFill>
-                      <a:srgbClr val="D9D9D9"/>
-                    </a:solidFill>
-                  </a:tcPr>
-                </a:tc>
-                <a:tc>
-                  <a:txBody>
-                    <a:bodyPr/>
-                    <a:lstStyle/>
-                    <a:p>
-                      <a:pPr algn="ctr">
-                        <a:defRPr sz="1000">
-                          <a:latin typeface="Arial"/>
-                          <a:ea typeface="Arial"/>
-                          <a:cs typeface="Arial"/>
-                          <a:sym typeface="Arial"/>
-                        </a:defRPr>
-                      </a:pPr>
-                      <a:endParaRPr/>
-                    </a:p>
-                  </a:txBody>
-                  <a:tcPr marL="9525" marR="9525" marT="9525" marB="9525" anchor="ctr" horzOverflow="overflow">
-                    <a:lnL w="12700">
-                      <a:solidFill>
-                        <a:srgbClr val="000000"/>
-                      </a:solidFill>
-                    </a:lnL>
-                    <a:lnR w="12700">
-                      <a:solidFill>
-                        <a:srgbClr val="000000"/>
-                      </a:solidFill>
-                    </a:lnR>
-                    <a:lnT w="12700">
-                      <a:solidFill>
-                        <a:srgbClr val="000000"/>
-                      </a:solidFill>
-                    </a:lnT>
-                    <a:lnB w="12700">
-                      <a:solidFill>
-                        <a:srgbClr val="000000"/>
-                      </a:solidFill>
-                    </a:lnB>
-                    <a:solidFill>
-                      <a:srgbClr val="FFFFFF"/>
-                    </a:solidFill>
-                  </a:tcPr>
-                </a:tc>
-              </a:tr>
-            </a:tbl>
-          </a:graphicData>
-        </a:graphic>
-      </p:graphicFrame>
-      <p:graphicFrame>
-        <p:nvGraphicFramePr>
-          <p:cNvPr id="98" name="표 8"/>
-          <p:cNvGraphicFramePr/>
-          <p:nvPr/>
-        </p:nvGraphicFramePr>
-        <p:xfrm>
-          <a:off x="6200085" y="197402"/>
-          <a:ext cx="2815494" cy="320040"/>
-        </p:xfrm>
-        <a:graphic>
-          <a:graphicData uri="http://schemas.openxmlformats.org/drawingml/2006/table">
-            <a:tbl>
-              <a:tblPr bandRow="1">
-                <a:tableStyleId>{4C3C2611-4C71-4FC5-86AE-919BDF0F9419}</a:tableStyleId>
-              </a:tblPr>
-              <a:tblGrid>
-                <a:gridCol w="1407747"/>
-                <a:gridCol w="1407747"/>
-              </a:tblGrid>
-              <a:tr h="265071">
-                <a:tc>
-                  <a:txBody>
-                    <a:bodyPr/>
-                    <a:lstStyle/>
-                    <a:p>
-                      <a:pPr algn="ctr">
-                        <a:defRPr sz="1500"/>
-                      </a:pPr>
-                      <a:endParaRPr/>
-                    </a:p>
-                  </a:txBody>
-                  <a:tcPr marL="45720" marR="45720" anchor="ctr" horzOverflow="overflow">
-                    <a:lnL w="12700">
-                      <a:solidFill>
-                        <a:srgbClr val="000000"/>
-                      </a:solidFill>
-                    </a:lnL>
-                    <a:lnR w="12700">
-                      <a:solidFill>
-                        <a:srgbClr val="000000"/>
-                      </a:solidFill>
-                    </a:lnR>
-                    <a:lnT w="12700">
-                      <a:solidFill>
-                        <a:srgbClr val="000000"/>
-                      </a:solidFill>
-                    </a:lnT>
-                    <a:lnB w="12700">
-                      <a:solidFill>
-                        <a:srgbClr val="000000"/>
-                      </a:solidFill>
-                    </a:lnB>
-                    <a:solidFill>
-                      <a:srgbClr val="D9D9D9"/>
-                    </a:solidFill>
-                  </a:tcPr>
-                </a:tc>
-                <a:tc>
-                  <a:txBody>
-                    <a:bodyPr/>
-                    <a:lstStyle/>
-                    <a:p>
-                      <a:pPr algn="ctr">
-                        <a:defRPr sz="1500"/>
-                      </a:pPr>
-                      <a:endParaRPr/>
-                    </a:p>
-                  </a:txBody>
-                  <a:tcPr marL="45720" marR="45720" anchor="ctr" horzOverflow="overflow">
-                    <a:lnL w="12700">
-                      <a:solidFill>
-                        <a:srgbClr val="000000"/>
-                      </a:solidFill>
-                    </a:lnL>
-                    <a:lnR w="12700">
-                      <a:solidFill>
-                        <a:srgbClr val="000000"/>
-                      </a:solidFill>
-                    </a:lnR>
-                    <a:lnT w="12700">
-                      <a:solidFill>
-                        <a:srgbClr val="000000"/>
-                      </a:solidFill>
-                    </a:lnT>
-                    <a:lnB w="12700">
-                      <a:solidFill>
-                        <a:srgbClr val="000000"/>
-                      </a:solidFill>
-                    </a:lnB>
-                    <a:solidFill>
-                      <a:srgbClr val="FFFFFF"/>
-                    </a:solidFill>
-                  </a:tcPr>
-                </a:tc>
-              </a:tr>
-            </a:tbl>
-          </a:graphicData>
-        </a:graphic>
-      </p:graphicFrame>
-      <p:graphicFrame>
-        <p:nvGraphicFramePr>
-          <p:cNvPr id="99" name="표 13"/>
-          <p:cNvGraphicFramePr/>
-          <p:nvPr/>
-        </p:nvGraphicFramePr>
-        <p:xfrm>
-          <a:off x="8509686" y="1289960"/>
-          <a:ext cx="3491813" cy="5349990"/>
-        </p:xfrm>
-        <a:graphic>
-          <a:graphicData uri="http://schemas.openxmlformats.org/drawingml/2006/table">
-            <a:tbl>
-              <a:tblPr firstRow="1" bandRow="1">
-                <a:tableStyleId>{4C3C2611-4C71-4FC5-86AE-919BDF0F9419}</a:tableStyleId>
-              </a:tblPr>
-              <a:tblGrid>
-                <a:gridCol w="342705"/>
-                <a:gridCol w="3149108"/>
-              </a:tblGrid>
-              <a:tr h="378460">
-                <a:tc>
-                  <a:txBody>
-                    <a:bodyPr/>
-                    <a:lstStyle/>
-                    <a:p>
-                      <a:pPr algn="ctr">
-                        <a:defRPr sz="1800" b="0">
-                          <a:solidFill>
-                            <a:srgbClr val="000000"/>
-                          </a:solidFill>
-                        </a:defRPr>
-                      </a:pPr>
-                      <a:r>
-                        <a:rPr sz="1500" b="1"/>
-                        <a:t>#</a:t>
-                      </a:r>
-                    </a:p>
-                  </a:txBody>
-                  <a:tcPr marL="45720" marR="45720" anchor="ctr" horzOverflow="overflow">
-                    <a:lnL w="12700">
-                      <a:solidFill>
-                        <a:srgbClr val="000000"/>
-                      </a:solidFill>
-                    </a:lnL>
-                    <a:lnR w="12700">
-                      <a:solidFill>
-                        <a:srgbClr val="000000"/>
-                      </a:solidFill>
-                    </a:lnR>
-                    <a:lnT w="12700">
-                      <a:solidFill>
-                        <a:srgbClr val="000000"/>
-                      </a:solidFill>
-                    </a:lnT>
-                    <a:lnB w="12700">
-                      <a:solidFill>
-                        <a:srgbClr val="000000"/>
-                      </a:solidFill>
-                    </a:lnB>
-                    <a:solidFill>
-                      <a:srgbClr val="D9D9D9"/>
-                    </a:solidFill>
-                  </a:tcPr>
-                </a:tc>
-                <a:tc>
-                  <a:txBody>
-                    <a:bodyPr/>
-                    <a:lstStyle/>
-                    <a:p>
-                      <a:pPr algn="ctr">
-                        <a:defRPr sz="1800" b="0">
-                          <a:solidFill>
-                            <a:srgbClr val="000000"/>
-                          </a:solidFill>
-                        </a:defRPr>
-                      </a:pPr>
-                      <a:r>
-                        <a:rPr sz="1500" b="1"/>
-                        <a:t>기능명</a:t>
-                      </a:r>
-                    </a:p>
-                  </a:txBody>
-                  <a:tcPr marL="45720" marR="45720" anchor="ctr" horzOverflow="overflow">
-                    <a:lnL w="12700">
-                      <a:solidFill>
-                        <a:srgbClr val="000000"/>
-                      </a:solidFill>
-                    </a:lnL>
-                    <a:lnR w="12700">
-                      <a:solidFill>
-                        <a:srgbClr val="000000"/>
-                      </a:solidFill>
-                    </a:lnR>
-                    <a:lnT w="12700">
-                      <a:solidFill>
-                        <a:srgbClr val="000000"/>
-                      </a:solidFill>
-                    </a:lnT>
-                    <a:lnB w="12700">
-                      <a:solidFill>
-                        <a:srgbClr val="000000"/>
-                      </a:solidFill>
-                    </a:lnB>
-                    <a:solidFill>
-                      <a:srgbClr val="D9D9D9"/>
-                    </a:solidFill>
-                  </a:tcPr>
-                </a:tc>
-              </a:tr>
-              <a:tr h="947993">
-                <a:tc>
-                  <a:txBody>
-                    <a:bodyPr/>
-                    <a:lstStyle/>
-                    <a:p>
-                      <a:pPr algn="ctr">
-                        <a:defRPr sz="1800"/>
-                      </a:pPr>
-                      <a:r>
-                        <a:rPr sz="1500"/>
-                        <a:t>1</a:t>
-                      </a:r>
-                    </a:p>
-                  </a:txBody>
-                  <a:tcPr marL="45720" marR="45720" anchor="ctr" horzOverflow="overflow">
-                    <a:lnL w="12700">
-                      <a:solidFill>
-                        <a:srgbClr val="000000"/>
-                      </a:solidFill>
-                    </a:lnL>
-                    <a:lnR w="12700">
-                      <a:solidFill>
-                        <a:srgbClr val="000000"/>
-                      </a:solidFill>
-                    </a:lnR>
-                    <a:lnT w="12700">
-                      <a:solidFill>
-                        <a:srgbClr val="000000"/>
-                      </a:solidFill>
-                    </a:lnT>
-                    <a:lnB w="12700">
-                      <a:solidFill>
-                        <a:srgbClr val="000000"/>
-                      </a:solidFill>
-                    </a:lnB>
-                    <a:solidFill>
-                      <a:srgbClr val="FFFFFF"/>
-                    </a:solidFill>
-                  </a:tcPr>
-                </a:tc>
-                <a:tc>
-                  <a:txBody>
-                    <a:bodyPr/>
-                    <a:lstStyle/>
-                    <a:p>
-                      <a:pPr algn="l">
-                        <a:defRPr sz="1500"/>
-                      </a:pPr>
-                      <a:r>
-                        <a:t>전체동의 체크박스 클릭시 모든 </a:t>
-                      </a:r>
-                    </a:p>
-                    <a:p>
-                      <a:pPr algn="l">
-                        <a:defRPr sz="1500"/>
-                      </a:pPr>
-                      <a:r>
-                        <a:t>체크박스가 일괄적으로 체크됨</a:t>
-                      </a:r>
-                    </a:p>
-                  </a:txBody>
-                  <a:tcPr marL="45720" marR="45720" horzOverflow="overflow">
-                    <a:lnL w="12700">
-                      <a:solidFill>
-                        <a:srgbClr val="000000"/>
-                      </a:solidFill>
-                    </a:lnL>
-                    <a:lnR w="12700">
-                      <a:solidFill>
-                        <a:srgbClr val="000000"/>
-                      </a:solidFill>
-                    </a:lnR>
-                    <a:lnT w="12700">
-                      <a:solidFill>
-                        <a:srgbClr val="000000"/>
-                      </a:solidFill>
-                    </a:lnT>
-                    <a:lnB w="12700">
-                      <a:solidFill>
-                        <a:srgbClr val="000000"/>
-                      </a:solidFill>
-                    </a:lnB>
-                    <a:solidFill>
-                      <a:srgbClr val="FFFFFF"/>
-                    </a:solidFill>
-                  </a:tcPr>
-                </a:tc>
-              </a:tr>
-              <a:tr h="1179558">
-                <a:tc>
-                  <a:txBody>
-                    <a:bodyPr/>
-                    <a:lstStyle/>
-                    <a:p>
-                      <a:pPr algn="ctr">
-                        <a:defRPr sz="1800"/>
-                      </a:pPr>
-                      <a:r>
-                        <a:rPr sz="1500"/>
-                        <a:t>2</a:t>
-                      </a:r>
-                    </a:p>
-                  </a:txBody>
-                  <a:tcPr marL="45720" marR="45720" anchor="ctr" horzOverflow="overflow">
-                    <a:lnL w="12700">
-                      <a:solidFill>
-                        <a:srgbClr val="000000"/>
-                      </a:solidFill>
-                    </a:lnL>
-                    <a:lnR w="12700">
-                      <a:solidFill>
-                        <a:srgbClr val="000000"/>
-                      </a:solidFill>
-                    </a:lnR>
-                    <a:lnT w="12700">
-                      <a:solidFill>
-                        <a:srgbClr val="000000"/>
-                      </a:solidFill>
-                    </a:lnT>
-                    <a:lnB w="12700">
-                      <a:solidFill>
-                        <a:srgbClr val="000000"/>
-                      </a:solidFill>
-                    </a:lnB>
-                    <a:solidFill>
-                      <a:srgbClr val="FFFFFF"/>
-                    </a:solidFill>
-                  </a:tcPr>
-                </a:tc>
-                <a:tc>
-                  <a:txBody>
-                    <a:bodyPr/>
-                    <a:lstStyle/>
-                    <a:p>
-                      <a:pPr algn="l">
-                        <a:defRPr sz="1500"/>
-                      </a:pPr>
-                      <a:r>
-                        <a:t>필수 체크박스에 체크하지 않으면</a:t>
-                      </a:r>
-                    </a:p>
-                    <a:p>
-                      <a:pPr algn="l">
-                        <a:defRPr sz="1500"/>
-                      </a:pPr>
-                      <a:r>
-                        <a:t>다음으로 버튼클릭시 필수항목 </a:t>
-                      </a:r>
-                    </a:p>
-                    <a:p>
-                      <a:pPr algn="l">
-                        <a:defRPr sz="1500"/>
-                      </a:pPr>
-                      <a:r>
-                        <a:t>동의되지 않았다고 팝업알림</a:t>
-                      </a:r>
-                    </a:p>
-                  </a:txBody>
-                  <a:tcPr marL="45720" marR="45720" horzOverflow="overflow">
-                    <a:lnL w="12700">
-                      <a:solidFill>
-                        <a:srgbClr val="000000"/>
-                      </a:solidFill>
-                    </a:lnL>
-                    <a:lnR w="12700">
-                      <a:solidFill>
-                        <a:srgbClr val="000000"/>
-                      </a:solidFill>
-                    </a:lnR>
-                    <a:lnT w="12700">
-                      <a:solidFill>
-                        <a:srgbClr val="000000"/>
-                      </a:solidFill>
-                    </a:lnT>
-                    <a:lnB w="12700">
-                      <a:solidFill>
-                        <a:srgbClr val="000000"/>
-                      </a:solidFill>
-                    </a:lnB>
-                    <a:solidFill>
-                      <a:srgbClr val="FFFFFF"/>
-                    </a:solidFill>
-                  </a:tcPr>
-                </a:tc>
-              </a:tr>
-              <a:tr h="947993">
-                <a:tc>
-                  <a:txBody>
-                    <a:bodyPr/>
-                    <a:lstStyle/>
-                    <a:p>
-                      <a:pPr algn="ctr">
-                        <a:defRPr sz="1800"/>
-                      </a:pPr>
-                      <a:r>
-                        <a:rPr sz="1500"/>
-                        <a:t>3</a:t>
-                      </a:r>
-                    </a:p>
-                  </a:txBody>
-                  <a:tcPr marL="45720" marR="45720" anchor="ctr" horzOverflow="overflow">
-                    <a:lnL w="12700">
-                      <a:solidFill>
-                        <a:srgbClr val="000000"/>
-                      </a:solidFill>
-                    </a:lnL>
-                    <a:lnR w="12700">
-                      <a:solidFill>
-                        <a:srgbClr val="000000"/>
-                      </a:solidFill>
-                    </a:lnR>
-                    <a:lnT w="12700">
-                      <a:solidFill>
-                        <a:srgbClr val="000000"/>
-                      </a:solidFill>
-                    </a:lnT>
-                    <a:lnB w="12700">
-                      <a:solidFill>
-                        <a:srgbClr val="000000"/>
-                      </a:solidFill>
-                    </a:lnB>
-                    <a:solidFill>
-                      <a:srgbClr val="FFFFFF"/>
-                    </a:solidFill>
-                  </a:tcPr>
-                </a:tc>
-                <a:tc>
-                  <a:txBody>
-                    <a:bodyPr/>
-                    <a:lstStyle/>
-                    <a:p>
-                      <a:pPr algn="l">
-                        <a:defRPr sz="1500"/>
-                      </a:pPr>
-                      <a:r>
-                        <a:t>뒤로가기 클릭시 로그인 화면으로 </a:t>
-                      </a:r>
-                    </a:p>
-                    <a:p>
-                      <a:pPr algn="l">
-                        <a:defRPr sz="1500"/>
-                      </a:pPr>
-                      <a:r>
-                        <a:t>이동</a:t>
-                      </a:r>
-                    </a:p>
-                  </a:txBody>
-                  <a:tcPr marL="45720" marR="45720" horzOverflow="overflow">
-                    <a:lnL w="12700">
-                      <a:solidFill>
-                        <a:srgbClr val="000000"/>
-                      </a:solidFill>
-                    </a:lnL>
-                    <a:lnR w="12700">
-                      <a:solidFill>
-                        <a:srgbClr val="000000"/>
-                      </a:solidFill>
-                    </a:lnR>
-                    <a:lnT w="12700">
-                      <a:solidFill>
-                        <a:srgbClr val="000000"/>
-                      </a:solidFill>
-                    </a:lnT>
-                    <a:lnB w="12700">
-                      <a:solidFill>
-                        <a:srgbClr val="000000"/>
-                      </a:solidFill>
-                    </a:lnB>
-                    <a:solidFill>
-                      <a:srgbClr val="FFFFFF"/>
-                    </a:solidFill>
-                  </a:tcPr>
-                </a:tc>
-              </a:tr>
-              <a:tr h="947993">
-                <a:tc>
-                  <a:txBody>
-                    <a:bodyPr/>
-                    <a:lstStyle/>
-                    <a:p>
-                      <a:pPr algn="ctr">
-                        <a:defRPr sz="1800"/>
-                      </a:pPr>
-                      <a:r>
-                        <a:rPr sz="1500"/>
-                        <a:t>4</a:t>
-                      </a:r>
-                    </a:p>
-                  </a:txBody>
-                  <a:tcPr marL="45720" marR="45720" anchor="ctr" horzOverflow="overflow">
-                    <a:lnL w="12700">
-                      <a:solidFill>
-                        <a:srgbClr val="000000"/>
-                      </a:solidFill>
-                    </a:lnL>
-                    <a:lnR w="12700">
-                      <a:solidFill>
-                        <a:srgbClr val="000000"/>
-                      </a:solidFill>
-                    </a:lnR>
-                    <a:lnT w="12700">
-                      <a:solidFill>
-                        <a:srgbClr val="000000"/>
-                      </a:solidFill>
-                    </a:lnT>
-                    <a:lnB w="12700">
-                      <a:solidFill>
-                        <a:srgbClr val="000000"/>
-                      </a:solidFill>
-                    </a:lnB>
-                    <a:solidFill>
-                      <a:srgbClr val="FFFFFF"/>
-                    </a:solidFill>
-                  </a:tcPr>
-                </a:tc>
-                <a:tc>
-                  <a:txBody>
-                    <a:bodyPr/>
-                    <a:lstStyle/>
-                    <a:p>
-                      <a:pPr algn="l">
-                        <a:defRPr sz="1500"/>
-                      </a:pPr>
-                      <a:endParaRPr/>
-                    </a:p>
-                  </a:txBody>
-                  <a:tcPr marL="45720" marR="45720" horzOverflow="overflow">
-                    <a:lnL w="12700">
-                      <a:solidFill>
-                        <a:srgbClr val="000000"/>
-                      </a:solidFill>
-                    </a:lnL>
-                    <a:lnR w="12700">
-                      <a:solidFill>
-                        <a:srgbClr val="000000"/>
-                      </a:solidFill>
-                    </a:lnR>
-                    <a:lnT w="12700">
-                      <a:solidFill>
-                        <a:srgbClr val="000000"/>
-                      </a:solidFill>
-                    </a:lnT>
-                    <a:lnB w="12700">
-                      <a:solidFill>
-                        <a:srgbClr val="000000"/>
-                      </a:solidFill>
-                    </a:lnB>
-                    <a:solidFill>
-                      <a:srgbClr val="FFFFFF"/>
-                    </a:solidFill>
-                  </a:tcPr>
-                </a:tc>
-              </a:tr>
-              <a:tr h="947993">
-                <a:tc>
-                  <a:txBody>
-                    <a:bodyPr/>
-                    <a:lstStyle/>
-                    <a:p>
-                      <a:pPr algn="ctr">
-                        <a:defRPr sz="1800"/>
-                      </a:pPr>
-                      <a:r>
-                        <a:rPr sz="1500"/>
-                        <a:t>5</a:t>
-                      </a:r>
-                    </a:p>
-                  </a:txBody>
-                  <a:tcPr marL="45720" marR="45720" anchor="ctr" horzOverflow="overflow">
-                    <a:lnL w="12700">
-                      <a:solidFill>
-                        <a:srgbClr val="000000"/>
-                      </a:solidFill>
-                    </a:lnL>
-                    <a:lnR w="12700">
-                      <a:solidFill>
-                        <a:srgbClr val="000000"/>
-                      </a:solidFill>
-                    </a:lnR>
-                    <a:lnT w="12700">
-                      <a:solidFill>
-                        <a:srgbClr val="000000"/>
-                      </a:solidFill>
-                    </a:lnT>
-                    <a:lnB w="12700">
-                      <a:solidFill>
-                        <a:srgbClr val="000000"/>
-                      </a:solidFill>
-                    </a:lnB>
-                    <a:solidFill>
-                      <a:srgbClr val="FFFFFF"/>
-                    </a:solidFill>
-                  </a:tcPr>
-                </a:tc>
-                <a:tc>
-                  <a:txBody>
-                    <a:bodyPr/>
-                    <a:lstStyle/>
-                    <a:p>
-                      <a:pPr algn="l">
-                        <a:defRPr sz="1500"/>
-                      </a:pPr>
-                      <a:endParaRPr/>
-                    </a:p>
-                  </a:txBody>
-                  <a:tcPr marL="45720" marR="45720" horzOverflow="overflow">
-                    <a:lnL w="12700">
-                      <a:solidFill>
-                        <a:srgbClr val="000000"/>
-                      </a:solidFill>
-                    </a:lnL>
-                    <a:lnR w="12700">
-                      <a:solidFill>
-                        <a:srgbClr val="000000"/>
-                      </a:solidFill>
-                    </a:lnR>
-                    <a:lnT w="12700">
-                      <a:solidFill>
-                        <a:srgbClr val="000000"/>
-                      </a:solidFill>
-                    </a:lnT>
-                    <a:lnB w="12700">
-                      <a:solidFill>
-                        <a:srgbClr val="000000"/>
-                      </a:solidFill>
-                    </a:lnB>
-                    <a:solidFill>
-                      <a:srgbClr val="FFFFFF"/>
-                    </a:solidFill>
-                  </a:tcPr>
-                </a:tc>
-              </a:tr>
-            </a:tbl>
-          </a:graphicData>
-        </a:graphic>
-      </p:graphicFrame>
-      <p:sp>
-        <p:nvSpPr>
-          <p:cNvPr id="100" name="직사각형 39"/>
-          <p:cNvSpPr/>
-          <p:nvPr/>
-        </p:nvSpPr>
-        <p:spPr>
-          <a:xfrm>
-            <a:off x="131601" y="1289960"/>
-            <a:ext cx="8032096" cy="5349995"/>
-          </a:xfrm>
-          <a:prstGeom prst="rect">
-            <a:avLst/>
-          </a:prstGeom>
-          <a:solidFill>
-            <a:srgbClr val="FFFFFF"/>
-          </a:solidFill>
-          <a:ln w="12700">
-            <a:solidFill>
-              <a:srgbClr val="000000"/>
-            </a:solidFill>
-            <a:miter/>
-          </a:ln>
-        </p:spPr>
-        <p:txBody>
-          <a:bodyPr lIns="45719" rIns="45719" anchor="ctr"/>
-          <a:lstStyle/>
-          <a:p>
-            <a:pPr algn="ctr">
-              <a:defRPr sz="1500"/>
-            </a:pPr>
-            <a:endParaRPr/>
-          </a:p>
-        </p:txBody>
-      </p:sp>
-      <p:sp>
-        <p:nvSpPr>
-          <p:cNvPr id="101" name="TextBox 7"/>
-          <p:cNvSpPr txBox="1"/>
-          <p:nvPr/>
-        </p:nvSpPr>
-        <p:spPr>
-          <a:xfrm>
-            <a:off x="3299581" y="1479063"/>
-            <a:ext cx="1696137" cy="386848"/>
-          </a:xfrm>
-          <a:prstGeom prst="rect">
-            <a:avLst/>
-          </a:prstGeom>
-          <a:ln w="12700">
-            <a:miter lim="400000"/>
-          </a:ln>
-          <a:extLst>
-            <a:ext uri="{C572A759-6A51-4108-AA02-DFA0A04FC94B}">
-              <ma14:wrappingTextBoxFlag xmlns="" xmlns:m="http://schemas.openxmlformats.org/officeDocument/2006/math" xmlns:a14="http://schemas.microsoft.com/office/drawing/2010/main" xmlns:ma14="http://schemas.microsoft.com/office/mac/drawingml/2011/main" val="1"/>
-            </a:ext>
-          </a:extLst>
-        </p:spPr>
-        <p:txBody>
-          <a:bodyPr lIns="45719" rIns="45719">
-            <a:spAutoFit/>
-          </a:bodyPr>
-          <a:lstStyle/>
-          <a:p>
-            <a:r>
-              <a:t>Fun딩 이용약관</a:t>
-            </a:r>
-          </a:p>
-        </p:txBody>
-      </p:sp>
-      <p:sp>
-        <p:nvSpPr>
-          <p:cNvPr id="102" name="TextBox 9"/>
-          <p:cNvSpPr txBox="1"/>
-          <p:nvPr/>
-        </p:nvSpPr>
-        <p:spPr>
-          <a:xfrm>
-            <a:off x="3920602" y="2062477"/>
-            <a:ext cx="1311848" cy="332741"/>
-          </a:xfrm>
-          <a:prstGeom prst="rect">
-            <a:avLst/>
-          </a:prstGeom>
-          <a:ln w="12700">
-            <a:miter lim="400000"/>
-          </a:ln>
-          <a:extLst>
-            <a:ext uri="{C572A759-6A51-4108-AA02-DFA0A04FC94B}">
-              <ma14:wrappingTextBoxFlag xmlns="" xmlns:m="http://schemas.openxmlformats.org/officeDocument/2006/math" xmlns:a14="http://schemas.microsoft.com/office/drawing/2010/main" xmlns:ma14="http://schemas.microsoft.com/office/mac/drawingml/2011/main" val="1"/>
-            </a:ext>
-          </a:extLst>
-        </p:spPr>
-        <p:txBody>
-          <a:bodyPr lIns="45719" rIns="45719">
-            <a:spAutoFit/>
-          </a:bodyPr>
-          <a:lstStyle>
-            <a:lvl1pPr>
-              <a:defRPr sz="1500"/>
-            </a:lvl1pPr>
-          </a:lstStyle>
-          <a:p>
-            <a:r>
-              <a:t>전체동의</a:t>
-            </a:r>
-          </a:p>
-        </p:txBody>
-      </p:sp>
-      <p:sp>
-        <p:nvSpPr>
-          <p:cNvPr id="103" name="직사각형 10"/>
-          <p:cNvSpPr/>
-          <p:nvPr/>
-        </p:nvSpPr>
-        <p:spPr>
-          <a:xfrm>
-            <a:off x="3594225" y="2145671"/>
-            <a:ext cx="190124" cy="190124"/>
-          </a:xfrm>
-          <a:prstGeom prst="rect">
-            <a:avLst/>
-          </a:prstGeom>
-          <a:solidFill>
-            <a:srgbClr val="FFFFFF"/>
-          </a:solidFill>
-          <a:ln w="12700">
-            <a:solidFill>
-              <a:srgbClr val="000000"/>
-            </a:solidFill>
-            <a:miter/>
-          </a:ln>
-        </p:spPr>
-        <p:txBody>
-          <a:bodyPr lIns="45719" rIns="45719" anchor="ctr"/>
-          <a:lstStyle/>
-          <a:p>
-            <a:pPr algn="ctr">
-              <a:defRPr>
-                <a:solidFill>
-                  <a:srgbClr val="FFFFFF"/>
-                </a:solidFill>
-              </a:defRPr>
-            </a:pPr>
-            <a:endParaRPr/>
-          </a:p>
-        </p:txBody>
-      </p:sp>
-      <p:sp>
-        <p:nvSpPr>
-          <p:cNvPr id="104" name="TextBox 15"/>
-          <p:cNvSpPr txBox="1"/>
-          <p:nvPr/>
-        </p:nvSpPr>
-        <p:spPr>
-          <a:xfrm>
-            <a:off x="2589290" y="2779414"/>
-            <a:ext cx="3610797" cy="367666"/>
-          </a:xfrm>
-          <a:prstGeom prst="rect">
-            <a:avLst/>
-          </a:prstGeom>
-          <a:ln>
-            <a:solidFill>
-              <a:srgbClr val="000000"/>
-            </a:solidFill>
-          </a:ln>
-          <a:extLst>
-            <a:ext uri="{C572A759-6A51-4108-AA02-DFA0A04FC94B}">
-              <ma14:wrappingTextBoxFlag xmlns="" xmlns:m="http://schemas.openxmlformats.org/officeDocument/2006/math" xmlns:a14="http://schemas.microsoft.com/office/drawing/2010/main" xmlns:ma14="http://schemas.microsoft.com/office/mac/drawingml/2011/main" val="1"/>
-            </a:ext>
-          </a:extLst>
-        </p:spPr>
-        <p:txBody>
-          <a:bodyPr lIns="45719" rIns="45719">
-            <a:spAutoFit/>
-          </a:bodyPr>
-          <a:lstStyle/>
-          <a:p>
-            <a:r>
-              <a:t>이용약관</a:t>
-            </a:r>
-          </a:p>
-        </p:txBody>
-      </p:sp>
-      <p:sp>
-        <p:nvSpPr>
-          <p:cNvPr id="105" name="TextBox 48"/>
-          <p:cNvSpPr txBox="1"/>
-          <p:nvPr/>
-        </p:nvSpPr>
-        <p:spPr>
-          <a:xfrm>
-            <a:off x="3830068" y="3337850"/>
-            <a:ext cx="1936537" cy="333379"/>
-          </a:xfrm>
-          <a:prstGeom prst="rect">
-            <a:avLst/>
-          </a:prstGeom>
-          <a:ln w="12700">
-            <a:miter lim="400000"/>
-          </a:ln>
-          <a:extLst>
-            <a:ext uri="{C572A759-6A51-4108-AA02-DFA0A04FC94B}">
-              <ma14:wrappingTextBoxFlag xmlns="" xmlns:m="http://schemas.openxmlformats.org/officeDocument/2006/math" xmlns:a14="http://schemas.microsoft.com/office/drawing/2010/main" xmlns:ma14="http://schemas.microsoft.com/office/mac/drawingml/2011/main" val="1"/>
-            </a:ext>
-          </a:extLst>
-        </p:spPr>
-        <p:txBody>
-          <a:bodyPr lIns="45719" rIns="45719">
-            <a:spAutoFit/>
-          </a:bodyPr>
-          <a:lstStyle/>
-          <a:p>
-            <a:pPr>
-              <a:defRPr sz="1500"/>
-            </a:pPr>
-            <a:r>
-              <a:t>동의합니다(필수)</a:t>
-            </a:r>
-          </a:p>
-        </p:txBody>
-      </p:sp>
-      <p:sp>
-        <p:nvSpPr>
-          <p:cNvPr id="106" name="직사각형 49"/>
-          <p:cNvSpPr/>
-          <p:nvPr/>
-        </p:nvSpPr>
-        <p:spPr>
-          <a:xfrm>
-            <a:off x="3594225" y="3403875"/>
-            <a:ext cx="190124" cy="190124"/>
-          </a:xfrm>
-          <a:prstGeom prst="rect">
-            <a:avLst/>
-          </a:prstGeom>
-          <a:solidFill>
-            <a:srgbClr val="FFFFFF"/>
-          </a:solidFill>
-          <a:ln w="12700">
-            <a:solidFill>
-              <a:srgbClr val="000000"/>
-            </a:solidFill>
-            <a:miter/>
-          </a:ln>
-        </p:spPr>
-        <p:txBody>
-          <a:bodyPr lIns="45719" rIns="45719" anchor="ctr"/>
-          <a:lstStyle/>
-          <a:p>
-            <a:pPr algn="ctr">
-              <a:defRPr>
-                <a:solidFill>
-                  <a:srgbClr val="FFFFFF"/>
-                </a:solidFill>
-              </a:defRPr>
-            </a:pPr>
-            <a:endParaRPr/>
-          </a:p>
-        </p:txBody>
-      </p:sp>
-      <p:sp>
-        <p:nvSpPr>
-          <p:cNvPr id="107" name="TextBox 50"/>
-          <p:cNvSpPr txBox="1"/>
-          <p:nvPr/>
-        </p:nvSpPr>
-        <p:spPr>
-          <a:xfrm>
-            <a:off x="2589290" y="3858652"/>
-            <a:ext cx="3610797" cy="396372"/>
-          </a:xfrm>
-          <a:prstGeom prst="rect">
-            <a:avLst/>
-          </a:prstGeom>
-          <a:ln>
-            <a:solidFill>
-              <a:srgbClr val="000000"/>
-            </a:solidFill>
-          </a:ln>
-          <a:extLst>
-            <a:ext uri="{C572A759-6A51-4108-AA02-DFA0A04FC94B}">
-              <ma14:wrappingTextBoxFlag xmlns="" xmlns:m="http://schemas.openxmlformats.org/officeDocument/2006/math" xmlns:a14="http://schemas.microsoft.com/office/drawing/2010/main" xmlns:ma14="http://schemas.microsoft.com/office/mac/drawingml/2011/main" val="1"/>
-            </a:ext>
-          </a:extLst>
-        </p:spPr>
-        <p:txBody>
-          <a:bodyPr lIns="45719" rIns="45719">
-            <a:spAutoFit/>
-          </a:bodyPr>
-          <a:lstStyle/>
-          <a:p>
-            <a:r>
-              <a:t>이용약관2</a:t>
-            </a:r>
-          </a:p>
-        </p:txBody>
-      </p:sp>
-      <p:sp>
-        <p:nvSpPr>
-          <p:cNvPr id="108" name="TextBox 51"/>
-          <p:cNvSpPr txBox="1"/>
-          <p:nvPr/>
-        </p:nvSpPr>
-        <p:spPr>
-          <a:xfrm>
-            <a:off x="3830068" y="4417088"/>
-            <a:ext cx="1936537" cy="333379"/>
-          </a:xfrm>
-          <a:prstGeom prst="rect">
-            <a:avLst/>
-          </a:prstGeom>
-          <a:ln w="12700">
-            <a:miter lim="400000"/>
-          </a:ln>
-          <a:extLst>
-            <a:ext uri="{C572A759-6A51-4108-AA02-DFA0A04FC94B}">
-              <ma14:wrappingTextBoxFlag xmlns="" xmlns:m="http://schemas.openxmlformats.org/officeDocument/2006/math" xmlns:a14="http://schemas.microsoft.com/office/drawing/2010/main" xmlns:ma14="http://schemas.microsoft.com/office/mac/drawingml/2011/main" val="1"/>
-            </a:ext>
-          </a:extLst>
-        </p:spPr>
-        <p:txBody>
-          <a:bodyPr lIns="45719" rIns="45719">
-            <a:spAutoFit/>
-          </a:bodyPr>
-          <a:lstStyle/>
-          <a:p>
-            <a:pPr>
-              <a:defRPr sz="1500"/>
-            </a:pPr>
-            <a:r>
-              <a:t>동의합니다(필수)</a:t>
-            </a:r>
-          </a:p>
-        </p:txBody>
-      </p:sp>
-      <p:sp>
-        <p:nvSpPr>
-          <p:cNvPr id="109" name="직사각형 52"/>
-          <p:cNvSpPr/>
-          <p:nvPr/>
-        </p:nvSpPr>
-        <p:spPr>
-          <a:xfrm>
-            <a:off x="3594225" y="4483113"/>
-            <a:ext cx="190124" cy="190124"/>
-          </a:xfrm>
-          <a:prstGeom prst="rect">
-            <a:avLst/>
-          </a:prstGeom>
-          <a:solidFill>
-            <a:srgbClr val="FFFFFF"/>
-          </a:solidFill>
-          <a:ln w="12700">
-            <a:solidFill>
-              <a:srgbClr val="000000"/>
-            </a:solidFill>
-            <a:miter/>
-          </a:ln>
-        </p:spPr>
-        <p:txBody>
-          <a:bodyPr lIns="45719" rIns="45719" anchor="ctr"/>
-          <a:lstStyle/>
-          <a:p>
-            <a:pPr algn="ctr">
-              <a:defRPr>
-                <a:solidFill>
-                  <a:srgbClr val="FFFFFF"/>
-                </a:solidFill>
-              </a:defRPr>
-            </a:pPr>
-            <a:endParaRPr/>
-          </a:p>
-        </p:txBody>
-      </p:sp>
-      <p:sp>
-        <p:nvSpPr>
-          <p:cNvPr id="110" name="TextBox 53"/>
-          <p:cNvSpPr txBox="1"/>
-          <p:nvPr/>
-        </p:nvSpPr>
-        <p:spPr>
-          <a:xfrm>
-            <a:off x="2589290" y="4940246"/>
-            <a:ext cx="3610797" cy="396372"/>
-          </a:xfrm>
-          <a:prstGeom prst="rect">
-            <a:avLst/>
-          </a:prstGeom>
-          <a:ln>
-            <a:solidFill>
-              <a:srgbClr val="000000"/>
-            </a:solidFill>
-          </a:ln>
-          <a:extLst>
-            <a:ext uri="{C572A759-6A51-4108-AA02-DFA0A04FC94B}">
-              <ma14:wrappingTextBoxFlag xmlns="" xmlns:m="http://schemas.openxmlformats.org/officeDocument/2006/math" xmlns:a14="http://schemas.microsoft.com/office/drawing/2010/main" xmlns:ma14="http://schemas.microsoft.com/office/mac/drawingml/2011/main" val="1"/>
-            </a:ext>
-          </a:extLst>
-        </p:spPr>
-        <p:txBody>
-          <a:bodyPr lIns="45719" rIns="45719">
-            <a:spAutoFit/>
-          </a:bodyPr>
-          <a:lstStyle/>
-          <a:p>
-            <a:r>
-              <a:t>이용약관3</a:t>
-            </a:r>
-          </a:p>
-        </p:txBody>
-      </p:sp>
-      <p:sp>
-        <p:nvSpPr>
-          <p:cNvPr id="111" name="TextBox 54"/>
-          <p:cNvSpPr txBox="1"/>
-          <p:nvPr/>
-        </p:nvSpPr>
-        <p:spPr>
-          <a:xfrm>
-            <a:off x="3830068" y="5498681"/>
-            <a:ext cx="1936537" cy="333380"/>
-          </a:xfrm>
-          <a:prstGeom prst="rect">
-            <a:avLst/>
-          </a:prstGeom>
-          <a:ln w="12700">
-            <a:miter lim="400000"/>
-          </a:ln>
-          <a:extLst>
-            <a:ext uri="{C572A759-6A51-4108-AA02-DFA0A04FC94B}">
-              <ma14:wrappingTextBoxFlag xmlns="" xmlns:m="http://schemas.openxmlformats.org/officeDocument/2006/math" xmlns:a14="http://schemas.microsoft.com/office/drawing/2010/main" xmlns:ma14="http://schemas.microsoft.com/office/mac/drawingml/2011/main" val="1"/>
-            </a:ext>
-          </a:extLst>
-        </p:spPr>
-        <p:txBody>
-          <a:bodyPr lIns="45719" rIns="45719">
-            <a:spAutoFit/>
-          </a:bodyPr>
-          <a:lstStyle/>
-          <a:p>
-            <a:pPr>
-              <a:defRPr sz="1500"/>
-            </a:pPr>
-            <a:r>
-              <a:t>동의합니다(선택)</a:t>
-            </a:r>
-          </a:p>
-        </p:txBody>
-      </p:sp>
-      <p:sp>
-        <p:nvSpPr>
-          <p:cNvPr id="112" name="직사각형 55"/>
-          <p:cNvSpPr/>
-          <p:nvPr/>
-        </p:nvSpPr>
-        <p:spPr>
-          <a:xfrm>
-            <a:off x="3594225" y="5564708"/>
-            <a:ext cx="190124" cy="190124"/>
-          </a:xfrm>
-          <a:prstGeom prst="rect">
-            <a:avLst/>
-          </a:prstGeom>
-          <a:solidFill>
-            <a:srgbClr val="FFFFFF"/>
-          </a:solidFill>
-          <a:ln w="12700">
-            <a:solidFill>
-              <a:srgbClr val="000000"/>
-            </a:solidFill>
-            <a:miter/>
-          </a:ln>
-        </p:spPr>
-        <p:txBody>
-          <a:bodyPr lIns="45719" rIns="45719" anchor="ctr"/>
-          <a:lstStyle/>
-          <a:p>
-            <a:pPr algn="ctr">
-              <a:defRPr>
-                <a:solidFill>
-                  <a:srgbClr val="FFFFFF"/>
-                </a:solidFill>
-              </a:defRPr>
-            </a:pPr>
-            <a:endParaRPr/>
-          </a:p>
-        </p:txBody>
-      </p:sp>
-      <p:grpSp>
-        <p:nvGrpSpPr>
-          <p:cNvPr id="115" name="직사각형 27"/>
-          <p:cNvGrpSpPr/>
-          <p:nvPr/>
-        </p:nvGrpSpPr>
-        <p:grpSpPr>
-          <a:xfrm>
-            <a:off x="3248236" y="6021840"/>
-            <a:ext cx="997840" cy="397068"/>
-            <a:chOff x="0" y="0"/>
-            <a:chExt cx="997838" cy="397066"/>
-          </a:xfrm>
-        </p:grpSpPr>
-        <p:sp>
-          <p:nvSpPr>
-            <p:cNvPr id="113" name="직사각형"/>
-            <p:cNvSpPr/>
-            <p:nvPr/>
-          </p:nvSpPr>
-          <p:spPr>
-            <a:xfrm>
-              <a:off x="-1" y="0"/>
-              <a:ext cx="997840" cy="397067"/>
-            </a:xfrm>
-            <a:prstGeom prst="rect">
-              <a:avLst/>
-            </a:prstGeom>
-            <a:solidFill>
-              <a:srgbClr val="FFFFFF"/>
-            </a:solidFill>
-            <a:ln w="12700" cap="flat">
-              <a:solidFill>
-                <a:srgbClr val="000000"/>
-              </a:solidFill>
-              <a:prstDash val="solid"/>
-              <a:miter lim="800000"/>
-            </a:ln>
-            <a:effectLst/>
-          </p:spPr>
-          <p:txBody>
-            <a:bodyPr wrap="square" lIns="45719" tIns="45719" rIns="45719" bIns="45719" numCol="1" anchor="ctr">
-              <a:noAutofit/>
-            </a:bodyPr>
-            <a:lstStyle/>
-            <a:p>
-              <a:pPr algn="ctr">
-                <a:defRPr sz="1600"/>
-              </a:pPr>
-              <a:endParaRPr/>
-            </a:p>
-          </p:txBody>
-        </p:sp>
-        <p:sp>
-          <p:nvSpPr>
-            <p:cNvPr id="114" name="뒤로가기"/>
-            <p:cNvSpPr txBox="1"/>
-            <p:nvPr/>
-          </p:nvSpPr>
-          <p:spPr>
-            <a:xfrm>
-              <a:off x="45719" y="32163"/>
-              <a:ext cx="906400" cy="332741"/>
-            </a:xfrm>
-            <a:prstGeom prst="rect">
-              <a:avLst/>
-            </a:prstGeom>
-            <a:noFill/>
-            <a:ln w="12700" cap="flat">
-              <a:noFill/>
-              <a:miter lim="400000"/>
-            </a:ln>
-            <a:effectLst/>
-            <a:extLst>
-              <a:ext uri="{C572A759-6A51-4108-AA02-DFA0A04FC94B}">
-                <ma14:wrappingTextBoxFlag xmlns="" xmlns:m="http://schemas.openxmlformats.org/officeDocument/2006/math" xmlns:a14="http://schemas.microsoft.com/office/drawing/2010/main" xmlns:ma14="http://schemas.microsoft.com/office/mac/drawingml/2011/main" val="1"/>
-              </a:ext>
-            </a:extLst>
-          </p:spPr>
-          <p:txBody>
-            <a:bodyPr wrap="square" lIns="45719" tIns="45719" rIns="45719" bIns="45719" numCol="1" anchor="ctr">
-              <a:spAutoFit/>
-            </a:bodyPr>
-            <a:lstStyle>
-              <a:lvl1pPr algn="ctr">
-                <a:defRPr sz="1600"/>
-              </a:lvl1pPr>
-            </a:lstStyle>
-            <a:p>
-              <a:r>
-                <a:t>뒤로가기</a:t>
-              </a:r>
-            </a:p>
-          </p:txBody>
-        </p:sp>
-      </p:grpSp>
-      <p:grpSp>
-        <p:nvGrpSpPr>
-          <p:cNvPr id="118" name="직사각형 56"/>
-          <p:cNvGrpSpPr/>
-          <p:nvPr/>
-        </p:nvGrpSpPr>
-        <p:grpSpPr>
-          <a:xfrm>
-            <a:off x="4461400" y="6021840"/>
-            <a:ext cx="997839" cy="397068"/>
-            <a:chOff x="0" y="0"/>
-            <a:chExt cx="997838" cy="397066"/>
-          </a:xfrm>
-        </p:grpSpPr>
-        <p:sp>
-          <p:nvSpPr>
-            <p:cNvPr id="116" name="직사각형"/>
-            <p:cNvSpPr/>
-            <p:nvPr/>
-          </p:nvSpPr>
-          <p:spPr>
-            <a:xfrm>
-              <a:off x="-1" y="0"/>
-              <a:ext cx="997840" cy="397067"/>
-            </a:xfrm>
-            <a:prstGeom prst="rect">
-              <a:avLst/>
-            </a:prstGeom>
-            <a:solidFill>
-              <a:srgbClr val="FFFFFF"/>
-            </a:solidFill>
-            <a:ln w="12700" cap="flat">
-              <a:solidFill>
-                <a:srgbClr val="000000"/>
-              </a:solidFill>
-              <a:prstDash val="solid"/>
-              <a:miter lim="800000"/>
-            </a:ln>
-            <a:effectLst/>
-          </p:spPr>
-          <p:txBody>
-            <a:bodyPr wrap="square" lIns="45719" tIns="45719" rIns="45719" bIns="45719" numCol="1" anchor="ctr">
-              <a:noAutofit/>
-            </a:bodyPr>
-            <a:lstStyle/>
-            <a:p>
-              <a:pPr algn="ctr">
-                <a:defRPr sz="1600"/>
-              </a:pPr>
-              <a:endParaRPr/>
-            </a:p>
-          </p:txBody>
-        </p:sp>
-        <p:sp>
-          <p:nvSpPr>
-            <p:cNvPr id="117" name="다음으로"/>
-            <p:cNvSpPr txBox="1"/>
-            <p:nvPr/>
-          </p:nvSpPr>
-          <p:spPr>
-            <a:xfrm>
-              <a:off x="45719" y="32163"/>
-              <a:ext cx="906400" cy="332741"/>
-            </a:xfrm>
-            <a:prstGeom prst="rect">
-              <a:avLst/>
-            </a:prstGeom>
-            <a:noFill/>
-            <a:ln w="12700" cap="flat">
-              <a:noFill/>
-              <a:miter lim="400000"/>
-            </a:ln>
-            <a:effectLst/>
-            <a:extLst>
-              <a:ext uri="{C572A759-6A51-4108-AA02-DFA0A04FC94B}">
-                <ma14:wrappingTextBoxFlag xmlns="" xmlns:m="http://schemas.openxmlformats.org/officeDocument/2006/math" xmlns:a14="http://schemas.microsoft.com/office/drawing/2010/main" xmlns:ma14="http://schemas.microsoft.com/office/mac/drawingml/2011/main" val="1"/>
-              </a:ext>
-            </a:extLst>
-          </p:spPr>
-          <p:txBody>
-            <a:bodyPr wrap="square" lIns="45719" tIns="45719" rIns="45719" bIns="45719" numCol="1" anchor="ctr">
-              <a:spAutoFit/>
-            </a:bodyPr>
-            <a:lstStyle>
-              <a:lvl1pPr algn="ctr">
-                <a:defRPr sz="1600"/>
-              </a:lvl1pPr>
-            </a:lstStyle>
-            <a:p>
-              <a:r>
-                <a:t>다음으로</a:t>
-              </a:r>
-            </a:p>
-          </p:txBody>
-        </p:sp>
-      </p:grpSp>
-      <p:graphicFrame>
-        <p:nvGraphicFramePr>
-          <p:cNvPr id="119" name="표 57"/>
-          <p:cNvGraphicFramePr/>
-          <p:nvPr/>
-        </p:nvGraphicFramePr>
-        <p:xfrm>
-          <a:off x="131601" y="115758"/>
-          <a:ext cx="3313726" cy="960120"/>
-        </p:xfrm>
-        <a:graphic>
-          <a:graphicData uri="http://schemas.openxmlformats.org/drawingml/2006/table">
-            <a:tbl>
-              <a:tblPr firstRow="1" bandRow="1">
-                <a:tableStyleId>{4C3C2611-4C71-4FC5-86AE-919BDF0F9419}</a:tableStyleId>
-              </a:tblPr>
-              <a:tblGrid>
-                <a:gridCol w="1656863"/>
-                <a:gridCol w="1656863"/>
-              </a:tblGrid>
-              <a:tr h="271237">
-                <a:tc>
-                  <a:txBody>
-                    <a:bodyPr/>
-                    <a:lstStyle/>
-                    <a:p>
-                      <a:pPr algn="ctr">
-                        <a:defRPr sz="1800" b="0">
-                          <a:solidFill>
-                            <a:srgbClr val="000000"/>
-                          </a:solidFill>
-                        </a:defRPr>
-                      </a:pPr>
-                      <a:r>
-                        <a:rPr sz="1500"/>
-                        <a:t>화면코드</a:t>
-                      </a:r>
-                    </a:p>
-                  </a:txBody>
-                  <a:tcPr marL="45720" marR="45720" anchor="ctr" horzOverflow="overflow">
-                    <a:lnL w="12700">
-                      <a:solidFill>
-                        <a:srgbClr val="000000"/>
-                      </a:solidFill>
-                    </a:lnL>
-                    <a:lnR w="12700">
-                      <a:solidFill>
-                        <a:srgbClr val="000000"/>
-                      </a:solidFill>
-                    </a:lnR>
-                    <a:lnT w="12700">
-                      <a:solidFill>
-                        <a:srgbClr val="000000"/>
-                      </a:solidFill>
-                    </a:lnT>
-                    <a:lnB w="12700">
-                      <a:solidFill>
-                        <a:srgbClr val="000000"/>
-                      </a:solidFill>
-                    </a:lnB>
-                    <a:solidFill>
-                      <a:srgbClr val="D9D9D9"/>
-                    </a:solidFill>
-                  </a:tcPr>
-                </a:tc>
-                <a:tc>
-                  <a:txBody>
-                    <a:bodyPr/>
-                    <a:lstStyle/>
-                    <a:p>
-                      <a:pPr algn="ctr">
-                        <a:defRPr sz="1800" b="0">
-                          <a:solidFill>
-                            <a:srgbClr val="000000"/>
-                          </a:solidFill>
-                        </a:defRPr>
-                      </a:pPr>
-                      <a:r>
-                        <a:rPr sz="1000">
-                          <a:latin typeface="Arial"/>
-                          <a:ea typeface="Arial"/>
-                          <a:cs typeface="Arial"/>
-                          <a:sym typeface="Arial"/>
-                        </a:rPr>
-                        <a:t>User_w_ys_access</a:t>
-                      </a:r>
-                    </a:p>
-                  </a:txBody>
-                  <a:tcPr marL="9525" marR="9525" marT="9525" marB="9525" anchor="ctr" horzOverflow="overflow">
-                    <a:lnL w="12700">
-                      <a:solidFill>
-                        <a:srgbClr val="000000"/>
-                      </a:solidFill>
-                    </a:lnL>
-                    <a:lnR w="12700">
-                      <a:solidFill>
-                        <a:srgbClr val="000000"/>
-                      </a:solidFill>
-                    </a:lnR>
-                    <a:lnT w="12700">
-                      <a:solidFill>
-                        <a:srgbClr val="000000"/>
-                      </a:solidFill>
-                    </a:lnT>
-                    <a:lnB w="12700">
-                      <a:solidFill>
-                        <a:srgbClr val="000000"/>
-                      </a:solidFill>
-                    </a:lnB>
-                    <a:solidFill>
-                      <a:srgbClr val="FFFFFF"/>
-                    </a:solidFill>
-                  </a:tcPr>
-                </a:tc>
-              </a:tr>
-              <a:tr h="271237">
-                <a:tc rowSpan="2">
-                  <a:txBody>
-                    <a:bodyPr/>
-                    <a:lstStyle/>
-                    <a:p>
-                      <a:pPr algn="ctr">
-                        <a:defRPr sz="1800"/>
-                      </a:pPr>
-                      <a:r>
-                        <a:rPr sz="1500"/>
-                        <a:t>화면명</a:t>
-                      </a:r>
-                    </a:p>
-                  </a:txBody>
-                  <a:tcPr marL="45720" marR="45720" anchor="ctr" horzOverflow="overflow">
-                    <a:lnL w="12700">
-                      <a:solidFill>
-                        <a:srgbClr val="000000"/>
-                      </a:solidFill>
-                    </a:lnL>
-                    <a:lnR w="12700">
-                      <a:solidFill>
-                        <a:srgbClr val="000000"/>
-                      </a:solidFill>
-                    </a:lnR>
-                    <a:lnT w="12700">
-                      <a:solidFill>
-                        <a:srgbClr val="000000"/>
-                      </a:solidFill>
-                    </a:lnT>
-                    <a:lnB w="12700">
-                      <a:solidFill>
-                        <a:srgbClr val="000000"/>
-                      </a:solidFill>
-                    </a:lnB>
-                    <a:solidFill>
-                      <a:srgbClr val="D9D9D9"/>
-                    </a:solidFill>
-                  </a:tcPr>
-                </a:tc>
-                <a:tc>
-                  <a:txBody>
-                    <a:bodyPr/>
-                    <a:lstStyle/>
-                    <a:p>
-                      <a:pPr algn="ctr">
-                        <a:defRPr sz="1500">
-                          <a:solidFill>
-                            <a:srgbClr val="0070C0"/>
-                          </a:solidFill>
-                        </a:defRPr>
-                      </a:pPr>
-                      <a:endParaRPr/>
-                    </a:p>
-                  </a:txBody>
-                  <a:tcPr marL="45720" marR="45720" anchor="ctr" horzOverflow="overflow">
-                    <a:lnL w="12700">
-                      <a:solidFill>
-                        <a:srgbClr val="000000"/>
-                      </a:solidFill>
-                    </a:lnL>
-                    <a:lnR w="12700">
-                      <a:solidFill>
-                        <a:srgbClr val="000000"/>
-                      </a:solidFill>
-                    </a:lnR>
-                    <a:lnT w="12700">
-                      <a:solidFill>
-                        <a:srgbClr val="000000"/>
-                      </a:solidFill>
-                    </a:lnT>
-                    <a:lnB w="12700">
-                      <a:solidFill>
-                        <a:srgbClr val="000000"/>
-                      </a:solidFill>
-                    </a:lnB>
-                    <a:solidFill>
-                      <a:srgbClr val="FFFFFF"/>
-                    </a:solidFill>
-                  </a:tcPr>
-                </a:tc>
-              </a:tr>
-              <a:tr h="271237">
-                <a:tc vMerge="1">
-                  <a:txBody>
-                    <a:bodyPr/>
-                    <a:lstStyle/>
-                    <a:p>
-                      <a:endParaRPr lang="ko-KR"/>
-                    </a:p>
-                  </a:txBody>
-                  <a:tcPr/>
-                </a:tc>
-                <a:tc>
-                  <a:txBody>
-                    <a:bodyPr/>
-                    <a:lstStyle/>
-                    <a:p>
-                      <a:pPr algn="ctr">
-                        <a:defRPr sz="1800"/>
-                      </a:pPr>
-                      <a:r>
-                        <a:rPr sz="1500">
-                          <a:solidFill>
-                            <a:srgbClr val="0070C0"/>
-                          </a:solidFill>
-                        </a:rPr>
-                        <a:t>회원가입</a:t>
-                      </a:r>
-                    </a:p>
-                  </a:txBody>
-                  <a:tcPr marL="45720" marR="45720" anchor="ctr" horzOverflow="overflow">
-                    <a:lnL w="12700">
-                      <a:solidFill>
-                        <a:srgbClr val="000000"/>
-                      </a:solidFill>
-                    </a:lnL>
-                    <a:lnR w="12700">
-                      <a:solidFill>
-                        <a:srgbClr val="000000"/>
-                      </a:solidFill>
-                    </a:lnR>
-                    <a:lnT w="12700">
-                      <a:solidFill>
-                        <a:srgbClr val="000000"/>
-                      </a:solidFill>
-                    </a:lnT>
-                    <a:lnB w="12700">
-                      <a:solidFill>
-                        <a:srgbClr val="000000"/>
-                      </a:solidFill>
-                    </a:lnB>
-                    <a:solidFill>
-                      <a:srgbClr val="FFFFFF"/>
-                    </a:solidFill>
-                  </a:tcPr>
-                </a:tc>
-              </a:tr>
-            </a:tbl>
-          </a:graphicData>
-        </a:graphic>
-      </p:graphicFrame>
-      <p:grpSp>
-        <p:nvGrpSpPr>
-          <p:cNvPr id="122" name="직사각형 58"/>
-          <p:cNvGrpSpPr/>
-          <p:nvPr/>
-        </p:nvGrpSpPr>
-        <p:grpSpPr>
-          <a:xfrm>
-            <a:off x="3285430" y="1927628"/>
-            <a:ext cx="271605" cy="370841"/>
-            <a:chOff x="0" y="0"/>
-            <a:chExt cx="271603" cy="370840"/>
-          </a:xfrm>
-        </p:grpSpPr>
-        <p:sp>
-          <p:nvSpPr>
-            <p:cNvPr id="120" name="직사각형"/>
-            <p:cNvSpPr/>
-            <p:nvPr/>
-          </p:nvSpPr>
-          <p:spPr>
-            <a:xfrm>
-              <a:off x="0" y="31510"/>
-              <a:ext cx="271604" cy="307819"/>
-            </a:xfrm>
-            <a:prstGeom prst="rect">
-              <a:avLst/>
-            </a:prstGeom>
-            <a:solidFill>
-              <a:srgbClr val="FF0000"/>
-            </a:solidFill>
-            <a:ln w="12700" cap="flat">
-              <a:solidFill>
-                <a:srgbClr val="42719B"/>
-              </a:solidFill>
-              <a:prstDash val="solid"/>
-              <a:miter lim="800000"/>
-            </a:ln>
-            <a:effectLst/>
-          </p:spPr>
-          <p:txBody>
-            <a:bodyPr wrap="square" lIns="45719" tIns="45719" rIns="45719" bIns="45719" numCol="1" anchor="ctr">
-              <a:noAutofit/>
-            </a:bodyPr>
-            <a:lstStyle/>
-            <a:p>
-              <a:pPr algn="ctr">
-                <a:defRPr>
-                  <a:solidFill>
-                    <a:srgbClr val="FFFFFF"/>
-                  </a:solidFill>
-                </a:defRPr>
-              </a:pPr>
-              <a:endParaRPr/>
-            </a:p>
-          </p:txBody>
-        </p:sp>
-        <p:sp>
-          <p:nvSpPr>
-            <p:cNvPr id="121" name="1"/>
-            <p:cNvSpPr txBox="1"/>
-            <p:nvPr/>
-          </p:nvSpPr>
-          <p:spPr>
-            <a:xfrm>
-              <a:off x="45719" y="0"/>
-              <a:ext cx="180165" cy="370840"/>
-            </a:xfrm>
-            <a:prstGeom prst="rect">
-              <a:avLst/>
-            </a:prstGeom>
-            <a:noFill/>
-            <a:ln w="12700" cap="flat">
-              <a:noFill/>
-              <a:miter lim="400000"/>
-            </a:ln>
-            <a:effectLst/>
-            <a:extLst>
-              <a:ext uri="{C572A759-6A51-4108-AA02-DFA0A04FC94B}">
-                <ma14:wrappingTextBoxFlag xmlns="" xmlns:m="http://schemas.openxmlformats.org/officeDocument/2006/math" xmlns:a14="http://schemas.microsoft.com/office/drawing/2010/main" xmlns:ma14="http://schemas.microsoft.com/office/mac/drawingml/2011/main" val="1"/>
-              </a:ext>
-            </a:extLst>
-          </p:spPr>
-          <p:txBody>
-            <a:bodyPr wrap="square" lIns="45719" tIns="45719" rIns="45719" bIns="45719" numCol="1" anchor="ctr">
-              <a:spAutoFit/>
-            </a:bodyPr>
-            <a:lstStyle>
-              <a:lvl1pPr algn="ctr">
-                <a:defRPr>
-                  <a:solidFill>
-                    <a:srgbClr val="FFFFFF"/>
-                  </a:solidFill>
-                </a:defRPr>
-              </a:lvl1pPr>
-            </a:lstStyle>
-            <a:p>
-              <a:r>
-                <a:t>1</a:t>
-              </a:r>
-            </a:p>
-          </p:txBody>
-        </p:sp>
-      </p:grpSp>
-      <p:grpSp>
-        <p:nvGrpSpPr>
-          <p:cNvPr id="125" name="직사각형 59"/>
-          <p:cNvGrpSpPr/>
-          <p:nvPr/>
-        </p:nvGrpSpPr>
-        <p:grpSpPr>
-          <a:xfrm>
-            <a:off x="5441131" y="3330219"/>
-            <a:ext cx="271605" cy="370841"/>
-            <a:chOff x="0" y="0"/>
-            <a:chExt cx="271603" cy="370840"/>
-          </a:xfrm>
-        </p:grpSpPr>
-        <p:sp>
-          <p:nvSpPr>
-            <p:cNvPr id="123" name="직사각형"/>
-            <p:cNvSpPr/>
-            <p:nvPr/>
-          </p:nvSpPr>
-          <p:spPr>
-            <a:xfrm>
-              <a:off x="0" y="31510"/>
-              <a:ext cx="271604" cy="307819"/>
-            </a:xfrm>
-            <a:prstGeom prst="rect">
-              <a:avLst/>
-            </a:prstGeom>
-            <a:solidFill>
-              <a:srgbClr val="FF0000"/>
-            </a:solidFill>
-            <a:ln w="12700" cap="flat">
-              <a:solidFill>
-                <a:srgbClr val="42719B"/>
-              </a:solidFill>
-              <a:prstDash val="solid"/>
-              <a:miter lim="800000"/>
-            </a:ln>
-            <a:effectLst/>
-          </p:spPr>
-          <p:txBody>
-            <a:bodyPr wrap="square" lIns="45719" tIns="45719" rIns="45719" bIns="45719" numCol="1" anchor="ctr">
-              <a:noAutofit/>
-            </a:bodyPr>
-            <a:lstStyle/>
-            <a:p>
-              <a:pPr algn="ctr">
-                <a:defRPr>
-                  <a:solidFill>
-                    <a:srgbClr val="FFFFFF"/>
-                  </a:solidFill>
-                </a:defRPr>
-              </a:pPr>
-              <a:endParaRPr/>
-            </a:p>
-          </p:txBody>
-        </p:sp>
-        <p:sp>
-          <p:nvSpPr>
-            <p:cNvPr id="124" name="2"/>
-            <p:cNvSpPr txBox="1"/>
-            <p:nvPr/>
-          </p:nvSpPr>
-          <p:spPr>
-            <a:xfrm>
-              <a:off x="45719" y="0"/>
-              <a:ext cx="180165" cy="370840"/>
-            </a:xfrm>
-            <a:prstGeom prst="rect">
-              <a:avLst/>
-            </a:prstGeom>
-            <a:noFill/>
-            <a:ln w="12700" cap="flat">
-              <a:noFill/>
-              <a:miter lim="400000"/>
-            </a:ln>
-            <a:effectLst/>
-            <a:extLst>
-              <a:ext uri="{C572A759-6A51-4108-AA02-DFA0A04FC94B}">
-                <ma14:wrappingTextBoxFlag xmlns="" xmlns:m="http://schemas.openxmlformats.org/officeDocument/2006/math" xmlns:a14="http://schemas.microsoft.com/office/drawing/2010/main" xmlns:ma14="http://schemas.microsoft.com/office/mac/drawingml/2011/main" val="1"/>
-              </a:ext>
-            </a:extLst>
-          </p:spPr>
-          <p:txBody>
-            <a:bodyPr wrap="square" lIns="45719" tIns="45719" rIns="45719" bIns="45719" numCol="1" anchor="ctr">
-              <a:spAutoFit/>
-            </a:bodyPr>
-            <a:lstStyle>
-              <a:lvl1pPr algn="ctr">
-                <a:defRPr>
-                  <a:solidFill>
-                    <a:srgbClr val="FFFFFF"/>
-                  </a:solidFill>
-                </a:defRPr>
-              </a:lvl1pPr>
-            </a:lstStyle>
-            <a:p>
-              <a:r>
-                <a:t>2</a:t>
-              </a:r>
-            </a:p>
-          </p:txBody>
-        </p:sp>
-      </p:grpSp>
-      <p:grpSp>
-        <p:nvGrpSpPr>
-          <p:cNvPr id="128" name="직사각형 60"/>
-          <p:cNvGrpSpPr/>
-          <p:nvPr/>
-        </p:nvGrpSpPr>
-        <p:grpSpPr>
-          <a:xfrm>
-            <a:off x="3032911" y="5836419"/>
-            <a:ext cx="271604" cy="370841"/>
-            <a:chOff x="0" y="0"/>
-            <a:chExt cx="271603" cy="370840"/>
-          </a:xfrm>
-        </p:grpSpPr>
-        <p:sp>
-          <p:nvSpPr>
-            <p:cNvPr id="126" name="직사각형"/>
-            <p:cNvSpPr/>
-            <p:nvPr/>
-          </p:nvSpPr>
-          <p:spPr>
-            <a:xfrm>
-              <a:off x="0" y="31510"/>
-              <a:ext cx="271604" cy="307819"/>
-            </a:xfrm>
-            <a:prstGeom prst="rect">
-              <a:avLst/>
-            </a:prstGeom>
-            <a:solidFill>
-              <a:srgbClr val="FF0000"/>
-            </a:solidFill>
-            <a:ln w="12700" cap="flat">
-              <a:solidFill>
-                <a:srgbClr val="42719B"/>
-              </a:solidFill>
-              <a:prstDash val="solid"/>
-              <a:miter lim="800000"/>
-            </a:ln>
-            <a:effectLst/>
-          </p:spPr>
-          <p:txBody>
-            <a:bodyPr wrap="square" lIns="45719" tIns="45719" rIns="45719" bIns="45719" numCol="1" anchor="ctr">
-              <a:noAutofit/>
-            </a:bodyPr>
-            <a:lstStyle/>
-            <a:p>
-              <a:pPr algn="ctr">
-                <a:defRPr>
-                  <a:solidFill>
-                    <a:srgbClr val="FFFFFF"/>
-                  </a:solidFill>
-                </a:defRPr>
-              </a:pPr>
-              <a:endParaRPr/>
-            </a:p>
-          </p:txBody>
-        </p:sp>
-        <p:sp>
-          <p:nvSpPr>
-            <p:cNvPr id="127" name="3"/>
-            <p:cNvSpPr txBox="1"/>
-            <p:nvPr/>
-          </p:nvSpPr>
-          <p:spPr>
-            <a:xfrm>
-              <a:off x="45719" y="0"/>
-              <a:ext cx="180165" cy="370840"/>
-            </a:xfrm>
-            <a:prstGeom prst="rect">
-              <a:avLst/>
-            </a:prstGeom>
-            <a:noFill/>
-            <a:ln w="12700" cap="flat">
-              <a:noFill/>
-              <a:miter lim="400000"/>
-            </a:ln>
-            <a:effectLst/>
-            <a:extLst>
-              <a:ext uri="{C572A759-6A51-4108-AA02-DFA0A04FC94B}">
-                <ma14:wrappingTextBoxFlag xmlns="" xmlns:m="http://schemas.openxmlformats.org/officeDocument/2006/math" xmlns:a14="http://schemas.microsoft.com/office/drawing/2010/main" xmlns:ma14="http://schemas.microsoft.com/office/mac/drawingml/2011/main" val="1"/>
-              </a:ext>
-            </a:extLst>
-          </p:spPr>
-          <p:txBody>
-            <a:bodyPr wrap="square" lIns="45719" tIns="45719" rIns="45719" bIns="45719" numCol="1" anchor="ctr">
-              <a:spAutoFit/>
-            </a:bodyPr>
-            <a:lstStyle>
-              <a:lvl1pPr algn="ctr">
-                <a:defRPr>
-                  <a:solidFill>
-                    <a:srgbClr val="FFFFFF"/>
-                  </a:solidFill>
-                </a:defRPr>
-              </a:lvl1pPr>
-            </a:lstStyle>
-            <a:p>
-              <a:r>
-                <a:t>3</a:t>
-              </a:r>
-            </a:p>
-          </p:txBody>
-        </p:sp>
-      </p:grpSp>
-    </p:spTree>
-  </p:cSld>
-  <p:clrMapOvr>
-    <a:masterClrMapping/>
-  </p:clrMapOvr>
-  <p:transition spd="med"/>
-</p:sld>
-</file>
-
-<file path=ppt/slides/slide20.xml><?xml version="1.0" encoding="utf-8"?>
+<file path=ppt/slides/slide21.xml><?xml version="1.0" encoding="utf-8"?>
 <p:sld xmlns:a="http://schemas.openxmlformats.org/drawingml/2006/main" xmlns:r="http://schemas.openxmlformats.org/officeDocument/2006/relationships" xmlns:p="http://schemas.openxmlformats.org/presentationml/2006/main">
   <p:cSld>
     <p:spTree>
@@ -24442,7 +24500,7 @@
           </a:ln>
           <a:extLst>
             <a:ext uri="{C572A759-6A51-4108-AA02-DFA0A04FC94B}">
-              <ma14:wrappingTextBoxFlag xmlns="" xmlns:m="http://schemas.openxmlformats.org/officeDocument/2006/math" xmlns:a14="http://schemas.microsoft.com/office/drawing/2010/main" xmlns:ma14="http://schemas.microsoft.com/office/mac/drawingml/2011/main" val="1"/>
+              <ma14:wrappingTextBoxFlag xmlns:ma14="http://schemas.microsoft.com/office/mac/drawingml/2011/main" xmlns:a14="http://schemas.microsoft.com/office/drawing/2010/main" xmlns:m="http://schemas.openxmlformats.org/officeDocument/2006/math" xmlns="" val="1"/>
             </a:ext>
           </a:extLst>
         </p:spPr>
@@ -24522,7 +24580,7 @@
           </a:ln>
           <a:extLst>
             <a:ext uri="{C572A759-6A51-4108-AA02-DFA0A04FC94B}">
-              <ma14:wrappingTextBoxFlag xmlns="" xmlns:m="http://schemas.openxmlformats.org/officeDocument/2006/math" xmlns:a14="http://schemas.microsoft.com/office/drawing/2010/main" xmlns:ma14="http://schemas.microsoft.com/office/mac/drawingml/2011/main" val="1"/>
+              <ma14:wrappingTextBoxFlag xmlns:ma14="http://schemas.microsoft.com/office/mac/drawingml/2011/main" xmlns:a14="http://schemas.microsoft.com/office/drawing/2010/main" xmlns:m="http://schemas.openxmlformats.org/officeDocument/2006/math" xmlns="" val="1"/>
             </a:ext>
           </a:extLst>
         </p:spPr>
@@ -24574,7 +24632,7 @@
           </a:ln>
           <a:extLst>
             <a:ext uri="{C572A759-6A51-4108-AA02-DFA0A04FC94B}">
-              <ma14:wrappingTextBoxFlag xmlns="" xmlns:m="http://schemas.openxmlformats.org/officeDocument/2006/math" xmlns:a14="http://schemas.microsoft.com/office/drawing/2010/main" xmlns:ma14="http://schemas.microsoft.com/office/mac/drawingml/2011/main" val="1"/>
+              <ma14:wrappingTextBoxFlag xmlns:ma14="http://schemas.microsoft.com/office/mac/drawingml/2011/main" xmlns:a14="http://schemas.microsoft.com/office/drawing/2010/main" xmlns:m="http://schemas.openxmlformats.org/officeDocument/2006/math" xmlns="" val="1"/>
             </a:ext>
           </a:extLst>
         </p:spPr>
@@ -24620,7 +24678,7 @@
           </a:ln>
           <a:extLst>
             <a:ext uri="{C572A759-6A51-4108-AA02-DFA0A04FC94B}">
-              <ma14:wrappingTextBoxFlag xmlns="" xmlns:m="http://schemas.openxmlformats.org/officeDocument/2006/math" xmlns:a14="http://schemas.microsoft.com/office/drawing/2010/main" xmlns:ma14="http://schemas.microsoft.com/office/mac/drawingml/2011/main" val="1"/>
+              <ma14:wrappingTextBoxFlag xmlns:ma14="http://schemas.microsoft.com/office/mac/drawingml/2011/main" xmlns:a14="http://schemas.microsoft.com/office/drawing/2010/main" xmlns:m="http://schemas.openxmlformats.org/officeDocument/2006/math" xmlns="" val="1"/>
             </a:ext>
           </a:extLst>
         </p:spPr>
@@ -24645,7 +24703,7 @@
 </p:sld>
 </file>
 
-<file path=ppt/slides/slide21.xml><?xml version="1.0" encoding="utf-8"?>
+<file path=ppt/slides/slide22.xml><?xml version="1.0" encoding="utf-8"?>
 <p:sld xmlns:a="http://schemas.openxmlformats.org/drawingml/2006/main" xmlns:r="http://schemas.openxmlformats.org/officeDocument/2006/relationships" xmlns:p="http://schemas.openxmlformats.org/presentationml/2006/main">
   <p:cSld>
     <p:spTree>
@@ -25720,7 +25778,7 @@
           </a:ln>
           <a:extLst>
             <a:ext uri="{C572A759-6A51-4108-AA02-DFA0A04FC94B}">
-              <ma14:wrappingTextBoxFlag xmlns="" xmlns:m="http://schemas.openxmlformats.org/officeDocument/2006/math" xmlns:a14="http://schemas.microsoft.com/office/drawing/2010/main" xmlns:ma14="http://schemas.microsoft.com/office/mac/drawingml/2011/main" val="1"/>
+              <ma14:wrappingTextBoxFlag xmlns:ma14="http://schemas.microsoft.com/office/mac/drawingml/2011/main" xmlns:a14="http://schemas.microsoft.com/office/drawing/2010/main" xmlns:m="http://schemas.openxmlformats.org/officeDocument/2006/math" xmlns="" val="1"/>
             </a:ext>
           </a:extLst>
         </p:spPr>
@@ -26878,7 +26936,7 @@
           </a:ln>
           <a:extLst>
             <a:ext uri="{C572A759-6A51-4108-AA02-DFA0A04FC94B}">
-              <ma14:wrappingTextBoxFlag xmlns="" xmlns:m="http://schemas.openxmlformats.org/officeDocument/2006/math" xmlns:a14="http://schemas.microsoft.com/office/drawing/2010/main" xmlns:ma14="http://schemas.microsoft.com/office/mac/drawingml/2011/main" val="1"/>
+              <ma14:wrappingTextBoxFlag xmlns:ma14="http://schemas.microsoft.com/office/mac/drawingml/2011/main" xmlns:a14="http://schemas.microsoft.com/office/drawing/2010/main" xmlns:m="http://schemas.openxmlformats.org/officeDocument/2006/math" xmlns="" val="1"/>
             </a:ext>
           </a:extLst>
         </p:spPr>
@@ -28074,7 +28132,7 @@
             <a:effectLst/>
             <a:extLst>
               <a:ext uri="{C572A759-6A51-4108-AA02-DFA0A04FC94B}">
-                <ma14:wrappingTextBoxFlag xmlns="" xmlns:m="http://schemas.openxmlformats.org/officeDocument/2006/math" xmlns:a14="http://schemas.microsoft.com/office/drawing/2010/main" xmlns:ma14="http://schemas.microsoft.com/office/mac/drawingml/2011/main" val="1"/>
+                <ma14:wrappingTextBoxFlag xmlns:ma14="http://schemas.microsoft.com/office/mac/drawingml/2011/main" xmlns:a14="http://schemas.microsoft.com/office/drawing/2010/main" xmlns:m="http://schemas.openxmlformats.org/officeDocument/2006/math" xmlns="" val="1"/>
               </a:ext>
             </a:extLst>
           </p:spPr>
@@ -28174,7 +28232,7 @@
             <a:effectLst/>
             <a:extLst>
               <a:ext uri="{C572A759-6A51-4108-AA02-DFA0A04FC94B}">
-                <ma14:wrappingTextBoxFlag xmlns="" xmlns:m="http://schemas.openxmlformats.org/officeDocument/2006/math" xmlns:a14="http://schemas.microsoft.com/office/drawing/2010/main" xmlns:ma14="http://schemas.microsoft.com/office/mac/drawingml/2011/main" val="1"/>
+                <ma14:wrappingTextBoxFlag xmlns:ma14="http://schemas.microsoft.com/office/mac/drawingml/2011/main" xmlns:a14="http://schemas.microsoft.com/office/drawing/2010/main" xmlns:m="http://schemas.openxmlformats.org/officeDocument/2006/math" xmlns="" val="1"/>
               </a:ext>
             </a:extLst>
           </p:spPr>
@@ -28208,7 +28266,193 @@
 </p:sld>
 </file>
 
-<file path=ppt/slides/slide22.xml><?xml version="1.0" encoding="utf-8"?>
+<file path=ppt/slides/slide23.xml><?xml version="1.0" encoding="utf-8"?>
+<p:sld xmlns:a="http://schemas.openxmlformats.org/drawingml/2006/main" xmlns:r="http://schemas.openxmlformats.org/officeDocument/2006/relationships" xmlns:p="http://schemas.openxmlformats.org/presentationml/2006/main">
+  <p:cSld>
+    <p:spTree>
+      <p:nvGrpSpPr>
+        <p:cNvPr id="1" name=""/>
+        <p:cNvGrpSpPr/>
+        <p:nvPr/>
+      </p:nvGrpSpPr>
+      <p:grpSpPr>
+        <a:xfrm>
+          <a:off x="0" y="0"/>
+          <a:ext cx="0" cy="0"/>
+          <a:chOff x="0" y="0"/>
+          <a:chExt cx="0" cy="0"/>
+        </a:xfrm>
+      </p:grpSpPr>
+      <p:sp>
+        <p:nvSpPr>
+          <p:cNvPr id="2" name="제목 1"/>
+          <p:cNvSpPr>
+            <a:spLocks noGrp="1"/>
+          </p:cNvSpPr>
+          <p:nvPr>
+            <p:ph type="title"/>
+          </p:nvPr>
+        </p:nvSpPr>
+        <p:spPr/>
+        <p:txBody>
+          <a:bodyPr/>
+          <a:lstStyle/>
+          <a:p>
+            <a:endParaRPr lang="ko-KR" altLang="en-US"/>
+          </a:p>
+        </p:txBody>
+      </p:sp>
+      <p:sp>
+        <p:nvSpPr>
+          <p:cNvPr id="3" name="텍스트 개체 틀 2"/>
+          <p:cNvSpPr>
+            <a:spLocks noGrp="1"/>
+          </p:cNvSpPr>
+          <p:nvPr>
+            <p:ph type="body" idx="1"/>
+          </p:nvPr>
+        </p:nvSpPr>
+        <p:spPr/>
+        <p:txBody>
+          <a:bodyPr/>
+          <a:lstStyle/>
+          <a:p>
+            <a:endParaRPr lang="ko-KR" altLang="en-US"/>
+          </a:p>
+        </p:txBody>
+      </p:sp>
+      <p:pic>
+        <p:nvPicPr>
+          <p:cNvPr id="4" name="그림 3"/>
+          <p:cNvPicPr>
+            <a:picLocks noChangeAspect="1"/>
+          </p:cNvPicPr>
+          <p:nvPr/>
+        </p:nvPicPr>
+        <p:blipFill>
+          <a:blip r:embed="rId2"/>
+          <a:stretch>
+            <a:fillRect/>
+          </a:stretch>
+        </p:blipFill>
+        <p:spPr>
+          <a:xfrm>
+            <a:off x="0" y="0"/>
+            <a:ext cx="12192000" cy="6707055"/>
+          </a:xfrm>
+          <a:prstGeom prst="rect">
+            <a:avLst/>
+          </a:prstGeom>
+        </p:spPr>
+      </p:pic>
+    </p:spTree>
+    <p:extLst>
+      <p:ext uri="{BB962C8B-B14F-4D97-AF65-F5344CB8AC3E}">
+        <p14:creationId xmlns:p14="http://schemas.microsoft.com/office/powerpoint/2010/main" val="3815707729"/>
+      </p:ext>
+    </p:extLst>
+  </p:cSld>
+  <p:clrMapOvr>
+    <a:masterClrMapping/>
+  </p:clrMapOvr>
+  <p:transition spd="med"/>
+</p:sld>
+</file>
+
+<file path=ppt/slides/slide24.xml><?xml version="1.0" encoding="utf-8"?>
+<p:sld xmlns:a="http://schemas.openxmlformats.org/drawingml/2006/main" xmlns:r="http://schemas.openxmlformats.org/officeDocument/2006/relationships" xmlns:p="http://schemas.openxmlformats.org/presentationml/2006/main">
+  <p:cSld>
+    <p:spTree>
+      <p:nvGrpSpPr>
+        <p:cNvPr id="1" name=""/>
+        <p:cNvGrpSpPr/>
+        <p:nvPr/>
+      </p:nvGrpSpPr>
+      <p:grpSpPr>
+        <a:xfrm>
+          <a:off x="0" y="0"/>
+          <a:ext cx="0" cy="0"/>
+          <a:chOff x="0" y="0"/>
+          <a:chExt cx="0" cy="0"/>
+        </a:xfrm>
+      </p:grpSpPr>
+      <p:sp>
+        <p:nvSpPr>
+          <p:cNvPr id="2" name="제목 1"/>
+          <p:cNvSpPr>
+            <a:spLocks noGrp="1"/>
+          </p:cNvSpPr>
+          <p:nvPr>
+            <p:ph type="title"/>
+          </p:nvPr>
+        </p:nvSpPr>
+        <p:spPr/>
+        <p:txBody>
+          <a:bodyPr/>
+          <a:lstStyle/>
+          <a:p>
+            <a:endParaRPr lang="ko-KR" altLang="en-US"/>
+          </a:p>
+        </p:txBody>
+      </p:sp>
+      <p:sp>
+        <p:nvSpPr>
+          <p:cNvPr id="3" name="텍스트 개체 틀 2"/>
+          <p:cNvSpPr>
+            <a:spLocks noGrp="1"/>
+          </p:cNvSpPr>
+          <p:nvPr>
+            <p:ph type="body" idx="1"/>
+          </p:nvPr>
+        </p:nvSpPr>
+        <p:spPr/>
+        <p:txBody>
+          <a:bodyPr/>
+          <a:lstStyle/>
+          <a:p>
+            <a:endParaRPr lang="ko-KR" altLang="en-US"/>
+          </a:p>
+        </p:txBody>
+      </p:sp>
+      <p:pic>
+        <p:nvPicPr>
+          <p:cNvPr id="4" name="그림 3"/>
+          <p:cNvPicPr>
+            <a:picLocks noChangeAspect="1"/>
+          </p:cNvPicPr>
+          <p:nvPr/>
+        </p:nvPicPr>
+        <p:blipFill>
+          <a:blip r:embed="rId2"/>
+          <a:stretch>
+            <a:fillRect/>
+          </a:stretch>
+        </p:blipFill>
+        <p:spPr>
+          <a:xfrm>
+            <a:off x="0" y="28609"/>
+            <a:ext cx="12192000" cy="6800782"/>
+          </a:xfrm>
+          <a:prstGeom prst="rect">
+            <a:avLst/>
+          </a:prstGeom>
+        </p:spPr>
+      </p:pic>
+    </p:spTree>
+    <p:extLst>
+      <p:ext uri="{BB962C8B-B14F-4D97-AF65-F5344CB8AC3E}">
+        <p14:creationId xmlns:p14="http://schemas.microsoft.com/office/powerpoint/2010/main" val="722191692"/>
+      </p:ext>
+    </p:extLst>
+  </p:cSld>
+  <p:clrMapOvr>
+    <a:masterClrMapping/>
+  </p:clrMapOvr>
+  <p:transition spd="med"/>
+</p:sld>
+</file>
+
+<file path=ppt/slides/slide25.xml><?xml version="1.0" encoding="utf-8"?>
 <p:sld xmlns:a="http://schemas.openxmlformats.org/drawingml/2006/main" xmlns:r="http://schemas.openxmlformats.org/officeDocument/2006/relationships" xmlns:p="http://schemas.openxmlformats.org/presentationml/2006/main">
   <p:cSld>
     <p:spTree>
@@ -29299,7 +29543,7 @@
           </a:ln>
           <a:extLst>
             <a:ext uri="{C572A759-6A51-4108-AA02-DFA0A04FC94B}">
-              <ma14:wrappingTextBoxFlag xmlns="" xmlns:m="http://schemas.openxmlformats.org/officeDocument/2006/math" xmlns:a14="http://schemas.microsoft.com/office/drawing/2010/main" xmlns:ma14="http://schemas.microsoft.com/office/mac/drawingml/2011/main" val="1"/>
+              <ma14:wrappingTextBoxFlag xmlns:ma14="http://schemas.microsoft.com/office/mac/drawingml/2011/main" xmlns:a14="http://schemas.microsoft.com/office/drawing/2010/main" xmlns:m="http://schemas.openxmlformats.org/officeDocument/2006/math" xmlns="" val="1"/>
             </a:ext>
           </a:extLst>
         </p:spPr>
@@ -29339,7 +29583,7 @@
           </a:ln>
           <a:extLst>
             <a:ext uri="{C572A759-6A51-4108-AA02-DFA0A04FC94B}">
-              <ma14:wrappingTextBoxFlag xmlns="" xmlns:m="http://schemas.openxmlformats.org/officeDocument/2006/math" xmlns:a14="http://schemas.microsoft.com/office/drawing/2010/main" xmlns:ma14="http://schemas.microsoft.com/office/mac/drawingml/2011/main" val="1"/>
+              <ma14:wrappingTextBoxFlag xmlns:ma14="http://schemas.microsoft.com/office/mac/drawingml/2011/main" xmlns:a14="http://schemas.microsoft.com/office/drawing/2010/main" xmlns:m="http://schemas.openxmlformats.org/officeDocument/2006/math" xmlns="" val="1"/>
             </a:ext>
           </a:extLst>
         </p:spPr>
@@ -29385,7 +29629,7 @@
           </a:ln>
           <a:extLst>
             <a:ext uri="{C572A759-6A51-4108-AA02-DFA0A04FC94B}">
-              <ma14:wrappingTextBoxFlag xmlns="" xmlns:m="http://schemas.openxmlformats.org/officeDocument/2006/math" xmlns:a14="http://schemas.microsoft.com/office/drawing/2010/main" xmlns:ma14="http://schemas.microsoft.com/office/mac/drawingml/2011/main" val="1"/>
+              <ma14:wrappingTextBoxFlag xmlns:ma14="http://schemas.microsoft.com/office/mac/drawingml/2011/main" xmlns:a14="http://schemas.microsoft.com/office/drawing/2010/main" xmlns:m="http://schemas.openxmlformats.org/officeDocument/2006/math" xmlns="" val="1"/>
             </a:ext>
           </a:extLst>
         </p:spPr>
@@ -29427,7 +29671,7 @@
           </a:ln>
           <a:extLst>
             <a:ext uri="{C572A759-6A51-4108-AA02-DFA0A04FC94B}">
-              <ma14:wrappingTextBoxFlag xmlns="" xmlns:m="http://schemas.openxmlformats.org/officeDocument/2006/math" xmlns:a14="http://schemas.microsoft.com/office/drawing/2010/main" xmlns:ma14="http://schemas.microsoft.com/office/mac/drawingml/2011/main" val="1"/>
+              <ma14:wrappingTextBoxFlag xmlns:ma14="http://schemas.microsoft.com/office/mac/drawingml/2011/main" xmlns:a14="http://schemas.microsoft.com/office/drawing/2010/main" xmlns:m="http://schemas.openxmlformats.org/officeDocument/2006/math" xmlns="" val="1"/>
             </a:ext>
           </a:extLst>
         </p:spPr>
@@ -29478,7 +29722,7 @@
           </a:ln>
           <a:extLst>
             <a:ext uri="{C572A759-6A51-4108-AA02-DFA0A04FC94B}">
-              <ma14:wrappingTextBoxFlag xmlns="" xmlns:m="http://schemas.openxmlformats.org/officeDocument/2006/math" xmlns:a14="http://schemas.microsoft.com/office/drawing/2010/main" xmlns:ma14="http://schemas.microsoft.com/office/mac/drawingml/2011/main" val="1"/>
+              <ma14:wrappingTextBoxFlag xmlns:ma14="http://schemas.microsoft.com/office/mac/drawingml/2011/main" xmlns:a14="http://schemas.microsoft.com/office/drawing/2010/main" xmlns:m="http://schemas.openxmlformats.org/officeDocument/2006/math" xmlns="" val="1"/>
             </a:ext>
           </a:extLst>
         </p:spPr>
@@ -29521,7 +29765,7 @@
           </a:ln>
           <a:extLst>
             <a:ext uri="{C572A759-6A51-4108-AA02-DFA0A04FC94B}">
-              <ma14:wrappingTextBoxFlag xmlns="" xmlns:m="http://schemas.openxmlformats.org/officeDocument/2006/math" xmlns:a14="http://schemas.microsoft.com/office/drawing/2010/main" xmlns:ma14="http://schemas.microsoft.com/office/mac/drawingml/2011/main" val="1"/>
+              <ma14:wrappingTextBoxFlag xmlns:ma14="http://schemas.microsoft.com/office/mac/drawingml/2011/main" xmlns:a14="http://schemas.microsoft.com/office/drawing/2010/main" xmlns:m="http://schemas.openxmlformats.org/officeDocument/2006/math" xmlns="" val="1"/>
             </a:ext>
           </a:extLst>
         </p:spPr>
@@ -29571,7 +29815,7 @@
           </a:ln>
           <a:extLst>
             <a:ext uri="{C572A759-6A51-4108-AA02-DFA0A04FC94B}">
-              <ma14:wrappingTextBoxFlag xmlns="" xmlns:m="http://schemas.openxmlformats.org/officeDocument/2006/math" xmlns:a14="http://schemas.microsoft.com/office/drawing/2010/main" xmlns:ma14="http://schemas.microsoft.com/office/mac/drawingml/2011/main" val="1"/>
+              <ma14:wrappingTextBoxFlag xmlns:ma14="http://schemas.microsoft.com/office/mac/drawingml/2011/main" xmlns:a14="http://schemas.microsoft.com/office/drawing/2010/main" xmlns:m="http://schemas.openxmlformats.org/officeDocument/2006/math" xmlns="" val="1"/>
             </a:ext>
           </a:extLst>
         </p:spPr>
@@ -29617,7 +29861,7 @@
           </a:ln>
           <a:extLst>
             <a:ext uri="{C572A759-6A51-4108-AA02-DFA0A04FC94B}">
-              <ma14:wrappingTextBoxFlag xmlns="" xmlns:m="http://schemas.openxmlformats.org/officeDocument/2006/math" xmlns:a14="http://schemas.microsoft.com/office/drawing/2010/main" xmlns:ma14="http://schemas.microsoft.com/office/mac/drawingml/2011/main" val="1"/>
+              <ma14:wrappingTextBoxFlag xmlns:ma14="http://schemas.microsoft.com/office/mac/drawingml/2011/main" xmlns:a14="http://schemas.microsoft.com/office/drawing/2010/main" xmlns:m="http://schemas.openxmlformats.org/officeDocument/2006/math" xmlns="" val="1"/>
             </a:ext>
           </a:extLst>
         </p:spPr>
@@ -29657,7 +29901,7 @@
           </a:ln>
           <a:extLst>
             <a:ext uri="{C572A759-6A51-4108-AA02-DFA0A04FC94B}">
-              <ma14:wrappingTextBoxFlag xmlns="" xmlns:m="http://schemas.openxmlformats.org/officeDocument/2006/math" xmlns:a14="http://schemas.microsoft.com/office/drawing/2010/main" xmlns:ma14="http://schemas.microsoft.com/office/mac/drawingml/2011/main" val="1"/>
+              <ma14:wrappingTextBoxFlag xmlns:ma14="http://schemas.microsoft.com/office/mac/drawingml/2011/main" xmlns:a14="http://schemas.microsoft.com/office/drawing/2010/main" xmlns:m="http://schemas.openxmlformats.org/officeDocument/2006/math" xmlns="" val="1"/>
             </a:ext>
           </a:extLst>
         </p:spPr>
@@ -29702,7 +29946,7 @@
           </a:ln>
           <a:extLst>
             <a:ext uri="{C572A759-6A51-4108-AA02-DFA0A04FC94B}">
-              <ma14:wrappingTextBoxFlag xmlns="" xmlns:m="http://schemas.openxmlformats.org/officeDocument/2006/math" xmlns:a14="http://schemas.microsoft.com/office/drawing/2010/main" xmlns:ma14="http://schemas.microsoft.com/office/mac/drawingml/2011/main" val="1"/>
+              <ma14:wrappingTextBoxFlag xmlns:ma14="http://schemas.microsoft.com/office/mac/drawingml/2011/main" xmlns:a14="http://schemas.microsoft.com/office/drawing/2010/main" xmlns:m="http://schemas.openxmlformats.org/officeDocument/2006/math" xmlns="" val="1"/>
             </a:ext>
           </a:extLst>
         </p:spPr>
@@ -30015,7 +30259,7 @@
             <a:effectLst/>
             <a:extLst>
               <a:ext uri="{C572A759-6A51-4108-AA02-DFA0A04FC94B}">
-                <ma14:wrappingTextBoxFlag xmlns="" xmlns:m="http://schemas.openxmlformats.org/officeDocument/2006/math" xmlns:a14="http://schemas.microsoft.com/office/drawing/2010/main" xmlns:ma14="http://schemas.microsoft.com/office/mac/drawingml/2011/main" val="1"/>
+                <ma14:wrappingTextBoxFlag xmlns:ma14="http://schemas.microsoft.com/office/mac/drawingml/2011/main" xmlns:a14="http://schemas.microsoft.com/office/drawing/2010/main" xmlns:m="http://schemas.openxmlformats.org/officeDocument/2006/math" xmlns="" val="1"/>
               </a:ext>
             </a:extLst>
           </p:spPr>
@@ -30049,7 +30293,7 @@
 </p:sld>
 </file>
 
-<file path=ppt/slides/slide23.xml><?xml version="1.0" encoding="utf-8"?>
+<file path=ppt/slides/slide26.xml><?xml version="1.0" encoding="utf-8"?>
 <p:sld xmlns:a="http://schemas.openxmlformats.org/drawingml/2006/main" xmlns:r="http://schemas.openxmlformats.org/officeDocument/2006/relationships" xmlns:p="http://schemas.openxmlformats.org/presentationml/2006/main">
   <p:cSld>
     <p:spTree>
@@ -31155,7 +31399,7 @@
           </a:ln>
           <a:extLst>
             <a:ext uri="{C572A759-6A51-4108-AA02-DFA0A04FC94B}">
-              <ma14:wrappingTextBoxFlag xmlns="" xmlns:m="http://schemas.openxmlformats.org/officeDocument/2006/math" xmlns:a14="http://schemas.microsoft.com/office/drawing/2010/main" xmlns:ma14="http://schemas.microsoft.com/office/mac/drawingml/2011/main" val="1"/>
+              <ma14:wrappingTextBoxFlag xmlns:ma14="http://schemas.microsoft.com/office/mac/drawingml/2011/main" xmlns:a14="http://schemas.microsoft.com/office/drawing/2010/main" xmlns:m="http://schemas.openxmlformats.org/officeDocument/2006/math" xmlns="" val="1"/>
             </a:ext>
           </a:extLst>
         </p:spPr>
@@ -31205,7 +31449,7 @@
           </a:ln>
           <a:extLst>
             <a:ext uri="{C572A759-6A51-4108-AA02-DFA0A04FC94B}">
-              <ma14:wrappingTextBoxFlag xmlns="" xmlns:m="http://schemas.openxmlformats.org/officeDocument/2006/math" xmlns:a14="http://schemas.microsoft.com/office/drawing/2010/main" xmlns:ma14="http://schemas.microsoft.com/office/mac/drawingml/2011/main" val="1"/>
+              <ma14:wrappingTextBoxFlag xmlns:ma14="http://schemas.microsoft.com/office/mac/drawingml/2011/main" xmlns:a14="http://schemas.microsoft.com/office/drawing/2010/main" xmlns:m="http://schemas.openxmlformats.org/officeDocument/2006/math" xmlns="" val="1"/>
             </a:ext>
           </a:extLst>
         </p:spPr>
@@ -31245,7 +31489,7 @@
           </a:ln>
           <a:extLst>
             <a:ext uri="{C572A759-6A51-4108-AA02-DFA0A04FC94B}">
-              <ma14:wrappingTextBoxFlag xmlns="" xmlns:m="http://schemas.openxmlformats.org/officeDocument/2006/math" xmlns:a14="http://schemas.microsoft.com/office/drawing/2010/main" xmlns:ma14="http://schemas.microsoft.com/office/mac/drawingml/2011/main" val="1"/>
+              <ma14:wrappingTextBoxFlag xmlns:ma14="http://schemas.microsoft.com/office/mac/drawingml/2011/main" xmlns:a14="http://schemas.microsoft.com/office/drawing/2010/main" xmlns:m="http://schemas.openxmlformats.org/officeDocument/2006/math" xmlns="" val="1"/>
             </a:ext>
           </a:extLst>
         </p:spPr>
@@ -31291,7 +31535,7 @@
           </a:ln>
           <a:extLst>
             <a:ext uri="{C572A759-6A51-4108-AA02-DFA0A04FC94B}">
-              <ma14:wrappingTextBoxFlag xmlns="" xmlns:m="http://schemas.openxmlformats.org/officeDocument/2006/math" xmlns:a14="http://schemas.microsoft.com/office/drawing/2010/main" xmlns:ma14="http://schemas.microsoft.com/office/mac/drawingml/2011/main" val="1"/>
+              <ma14:wrappingTextBoxFlag xmlns:ma14="http://schemas.microsoft.com/office/mac/drawingml/2011/main" xmlns:a14="http://schemas.microsoft.com/office/drawing/2010/main" xmlns:m="http://schemas.openxmlformats.org/officeDocument/2006/math" xmlns="" val="1"/>
             </a:ext>
           </a:extLst>
         </p:spPr>
@@ -31341,7 +31585,7 @@
           </a:ln>
           <a:extLst>
             <a:ext uri="{C572A759-6A51-4108-AA02-DFA0A04FC94B}">
-              <ma14:wrappingTextBoxFlag xmlns="" xmlns:m="http://schemas.openxmlformats.org/officeDocument/2006/math" xmlns:a14="http://schemas.microsoft.com/office/drawing/2010/main" xmlns:ma14="http://schemas.microsoft.com/office/mac/drawingml/2011/main" val="1"/>
+              <ma14:wrappingTextBoxFlag xmlns:ma14="http://schemas.microsoft.com/office/mac/drawingml/2011/main" xmlns:a14="http://schemas.microsoft.com/office/drawing/2010/main" xmlns:m="http://schemas.openxmlformats.org/officeDocument/2006/math" xmlns="" val="1"/>
             </a:ext>
           </a:extLst>
         </p:spPr>
@@ -31418,7 +31662,7 @@
           </a:ln>
           <a:extLst>
             <a:ext uri="{C572A759-6A51-4108-AA02-DFA0A04FC94B}">
-              <ma14:wrappingTextBoxFlag xmlns="" xmlns:m="http://schemas.openxmlformats.org/officeDocument/2006/math" xmlns:a14="http://schemas.microsoft.com/office/drawing/2010/main" xmlns:ma14="http://schemas.microsoft.com/office/mac/drawingml/2011/main" val="1"/>
+              <ma14:wrappingTextBoxFlag xmlns:ma14="http://schemas.microsoft.com/office/mac/drawingml/2011/main" xmlns:a14="http://schemas.microsoft.com/office/drawing/2010/main" xmlns:m="http://schemas.openxmlformats.org/officeDocument/2006/math" xmlns="" val="1"/>
             </a:ext>
           </a:extLst>
         </p:spPr>
@@ -31463,7 +31707,7 @@
           </a:ln>
           <a:extLst>
             <a:ext uri="{C572A759-6A51-4108-AA02-DFA0A04FC94B}">
-              <ma14:wrappingTextBoxFlag xmlns="" xmlns:m="http://schemas.openxmlformats.org/officeDocument/2006/math" xmlns:a14="http://schemas.microsoft.com/office/drawing/2010/main" xmlns:ma14="http://schemas.microsoft.com/office/mac/drawingml/2011/main" val="1"/>
+              <ma14:wrappingTextBoxFlag xmlns:ma14="http://schemas.microsoft.com/office/mac/drawingml/2011/main" xmlns:a14="http://schemas.microsoft.com/office/drawing/2010/main" xmlns:m="http://schemas.openxmlformats.org/officeDocument/2006/math" xmlns="" val="1"/>
             </a:ext>
           </a:extLst>
         </p:spPr>
@@ -31508,7 +31752,7 @@
           </a:ln>
           <a:extLst>
             <a:ext uri="{C572A759-6A51-4108-AA02-DFA0A04FC94B}">
-              <ma14:wrappingTextBoxFlag xmlns="" xmlns:m="http://schemas.openxmlformats.org/officeDocument/2006/math" xmlns:a14="http://schemas.microsoft.com/office/drawing/2010/main" xmlns:ma14="http://schemas.microsoft.com/office/mac/drawingml/2011/main" val="1"/>
+              <ma14:wrappingTextBoxFlag xmlns:ma14="http://schemas.microsoft.com/office/mac/drawingml/2011/main" xmlns:a14="http://schemas.microsoft.com/office/drawing/2010/main" xmlns:m="http://schemas.openxmlformats.org/officeDocument/2006/math" xmlns="" val="1"/>
             </a:ext>
           </a:extLst>
         </p:spPr>
@@ -32763,7 +33007,7 @@
           </a:ln>
           <a:extLst>
             <a:ext uri="{C572A759-6A51-4108-AA02-DFA0A04FC94B}">
-              <ma14:wrappingTextBoxFlag xmlns="" xmlns:m="http://schemas.openxmlformats.org/officeDocument/2006/math" xmlns:a14="http://schemas.microsoft.com/office/drawing/2010/main" xmlns:ma14="http://schemas.microsoft.com/office/mac/drawingml/2011/main" val="1"/>
+              <ma14:wrappingTextBoxFlag xmlns:ma14="http://schemas.microsoft.com/office/mac/drawingml/2011/main" xmlns:a14="http://schemas.microsoft.com/office/drawing/2010/main" xmlns:m="http://schemas.openxmlformats.org/officeDocument/2006/math" xmlns="" val="1"/>
             </a:ext>
           </a:extLst>
         </p:spPr>
@@ -32858,7 +33102,7 @@
             <a:effectLst/>
             <a:extLst>
               <a:ext uri="{C572A759-6A51-4108-AA02-DFA0A04FC94B}">
-                <ma14:wrappingTextBoxFlag xmlns="" xmlns:m="http://schemas.openxmlformats.org/officeDocument/2006/math" xmlns:a14="http://schemas.microsoft.com/office/drawing/2010/main" xmlns:ma14="http://schemas.microsoft.com/office/mac/drawingml/2011/main" val="1"/>
+                <ma14:wrappingTextBoxFlag xmlns:ma14="http://schemas.microsoft.com/office/mac/drawingml/2011/main" xmlns:a14="http://schemas.microsoft.com/office/drawing/2010/main" xmlns:m="http://schemas.openxmlformats.org/officeDocument/2006/math" xmlns="" val="1"/>
               </a:ext>
             </a:extLst>
           </p:spPr>
@@ -32954,7 +33198,7 @@
             <a:effectLst/>
             <a:extLst>
               <a:ext uri="{C572A759-6A51-4108-AA02-DFA0A04FC94B}">
-                <ma14:wrappingTextBoxFlag xmlns="" xmlns:m="http://schemas.openxmlformats.org/officeDocument/2006/math" xmlns:a14="http://schemas.microsoft.com/office/drawing/2010/main" xmlns:ma14="http://schemas.microsoft.com/office/mac/drawingml/2011/main" val="1"/>
+                <ma14:wrappingTextBoxFlag xmlns:ma14="http://schemas.microsoft.com/office/mac/drawingml/2011/main" xmlns:a14="http://schemas.microsoft.com/office/drawing/2010/main" xmlns:m="http://schemas.openxmlformats.org/officeDocument/2006/math" xmlns="" val="1"/>
               </a:ext>
             </a:extLst>
           </p:spPr>
@@ -33050,7 +33294,7 @@
             <a:effectLst/>
             <a:extLst>
               <a:ext uri="{C572A759-6A51-4108-AA02-DFA0A04FC94B}">
-                <ma14:wrappingTextBoxFlag xmlns="" xmlns:m="http://schemas.openxmlformats.org/officeDocument/2006/math" xmlns:a14="http://schemas.microsoft.com/office/drawing/2010/main" xmlns:ma14="http://schemas.microsoft.com/office/mac/drawingml/2011/main" val="1"/>
+                <ma14:wrappingTextBoxFlag xmlns:ma14="http://schemas.microsoft.com/office/mac/drawingml/2011/main" xmlns:a14="http://schemas.microsoft.com/office/drawing/2010/main" xmlns:m="http://schemas.openxmlformats.org/officeDocument/2006/math" xmlns="" val="1"/>
               </a:ext>
             </a:extLst>
           </p:spPr>
@@ -33146,7 +33390,7 @@
             <a:effectLst/>
             <a:extLst>
               <a:ext uri="{C572A759-6A51-4108-AA02-DFA0A04FC94B}">
-                <ma14:wrappingTextBoxFlag xmlns="" xmlns:m="http://schemas.openxmlformats.org/officeDocument/2006/math" xmlns:a14="http://schemas.microsoft.com/office/drawing/2010/main" xmlns:ma14="http://schemas.microsoft.com/office/mac/drawingml/2011/main" val="1"/>
+                <ma14:wrappingTextBoxFlag xmlns:ma14="http://schemas.microsoft.com/office/mac/drawingml/2011/main" xmlns:a14="http://schemas.microsoft.com/office/drawing/2010/main" xmlns:m="http://schemas.openxmlformats.org/officeDocument/2006/math" xmlns="" val="1"/>
               </a:ext>
             </a:extLst>
           </p:spPr>
@@ -33242,7 +33486,7 @@
             <a:effectLst/>
             <a:extLst>
               <a:ext uri="{C572A759-6A51-4108-AA02-DFA0A04FC94B}">
-                <ma14:wrappingTextBoxFlag xmlns="" xmlns:m="http://schemas.openxmlformats.org/officeDocument/2006/math" xmlns:a14="http://schemas.microsoft.com/office/drawing/2010/main" xmlns:ma14="http://schemas.microsoft.com/office/mac/drawingml/2011/main" val="1"/>
+                <ma14:wrappingTextBoxFlag xmlns:ma14="http://schemas.microsoft.com/office/mac/drawingml/2011/main" xmlns:a14="http://schemas.microsoft.com/office/drawing/2010/main" xmlns:m="http://schemas.openxmlformats.org/officeDocument/2006/math" xmlns="" val="1"/>
               </a:ext>
             </a:extLst>
           </p:spPr>
@@ -33338,7 +33582,7 @@
             <a:effectLst/>
             <a:extLst>
               <a:ext uri="{C572A759-6A51-4108-AA02-DFA0A04FC94B}">
-                <ma14:wrappingTextBoxFlag xmlns="" xmlns:m="http://schemas.openxmlformats.org/officeDocument/2006/math" xmlns:a14="http://schemas.microsoft.com/office/drawing/2010/main" xmlns:ma14="http://schemas.microsoft.com/office/mac/drawingml/2011/main" val="1"/>
+                <ma14:wrappingTextBoxFlag xmlns:ma14="http://schemas.microsoft.com/office/mac/drawingml/2011/main" xmlns:a14="http://schemas.microsoft.com/office/drawing/2010/main" xmlns:m="http://schemas.openxmlformats.org/officeDocument/2006/math" xmlns="" val="1"/>
               </a:ext>
             </a:extLst>
           </p:spPr>
@@ -33629,7 +33873,7 @@
             <a:effectLst/>
             <a:extLst>
               <a:ext uri="{C572A759-6A51-4108-AA02-DFA0A04FC94B}">
-                <ma14:wrappingTextBoxFlag xmlns="" xmlns:m="http://schemas.openxmlformats.org/officeDocument/2006/math" xmlns:a14="http://schemas.microsoft.com/office/drawing/2010/main" xmlns:ma14="http://schemas.microsoft.com/office/mac/drawingml/2011/main" val="1"/>
+                <ma14:wrappingTextBoxFlag xmlns:ma14="http://schemas.microsoft.com/office/mac/drawingml/2011/main" xmlns:a14="http://schemas.microsoft.com/office/drawing/2010/main" xmlns:m="http://schemas.openxmlformats.org/officeDocument/2006/math" xmlns="" val="1"/>
               </a:ext>
             </a:extLst>
           </p:spPr>
@@ -33725,7 +33969,7 @@
             <a:effectLst/>
             <a:extLst>
               <a:ext uri="{C572A759-6A51-4108-AA02-DFA0A04FC94B}">
-                <ma14:wrappingTextBoxFlag xmlns="" xmlns:m="http://schemas.openxmlformats.org/officeDocument/2006/math" xmlns:a14="http://schemas.microsoft.com/office/drawing/2010/main" xmlns:ma14="http://schemas.microsoft.com/office/mac/drawingml/2011/main" val="1"/>
+                <ma14:wrappingTextBoxFlag xmlns:ma14="http://schemas.microsoft.com/office/mac/drawingml/2011/main" xmlns:a14="http://schemas.microsoft.com/office/drawing/2010/main" xmlns:m="http://schemas.openxmlformats.org/officeDocument/2006/math" xmlns="" val="1"/>
               </a:ext>
             </a:extLst>
           </p:spPr>
@@ -33860,7 +34104,7 @@
             <a:effectLst/>
             <a:extLst>
               <a:ext uri="{C572A759-6A51-4108-AA02-DFA0A04FC94B}">
-                <ma14:wrappingTextBoxFlag xmlns="" xmlns:m="http://schemas.openxmlformats.org/officeDocument/2006/math" xmlns:a14="http://schemas.microsoft.com/office/drawing/2010/main" xmlns:ma14="http://schemas.microsoft.com/office/mac/drawingml/2011/main" val="1"/>
+                <ma14:wrappingTextBoxFlag xmlns:ma14="http://schemas.microsoft.com/office/mac/drawingml/2011/main" xmlns:a14="http://schemas.microsoft.com/office/drawing/2010/main" xmlns:m="http://schemas.openxmlformats.org/officeDocument/2006/math" xmlns="" val="1"/>
               </a:ext>
             </a:extLst>
           </p:spPr>
@@ -33956,7 +34200,7 @@
             <a:effectLst/>
             <a:extLst>
               <a:ext uri="{C572A759-6A51-4108-AA02-DFA0A04FC94B}">
-                <ma14:wrappingTextBoxFlag xmlns="" xmlns:m="http://schemas.openxmlformats.org/officeDocument/2006/math" xmlns:a14="http://schemas.microsoft.com/office/drawing/2010/main" xmlns:ma14="http://schemas.microsoft.com/office/mac/drawingml/2011/main" val="1"/>
+                <ma14:wrappingTextBoxFlag xmlns:ma14="http://schemas.microsoft.com/office/mac/drawingml/2011/main" xmlns:a14="http://schemas.microsoft.com/office/drawing/2010/main" xmlns:m="http://schemas.openxmlformats.org/officeDocument/2006/math" xmlns="" val="1"/>
               </a:ext>
             </a:extLst>
           </p:spPr>
@@ -34052,7 +34296,7 @@
             <a:effectLst/>
             <a:extLst>
               <a:ext uri="{C572A759-6A51-4108-AA02-DFA0A04FC94B}">
-                <ma14:wrappingTextBoxFlag xmlns="" xmlns:m="http://schemas.openxmlformats.org/officeDocument/2006/math" xmlns:a14="http://schemas.microsoft.com/office/drawing/2010/main" xmlns:ma14="http://schemas.microsoft.com/office/mac/drawingml/2011/main" val="1"/>
+                <ma14:wrappingTextBoxFlag xmlns:ma14="http://schemas.microsoft.com/office/mac/drawingml/2011/main" xmlns:a14="http://schemas.microsoft.com/office/drawing/2010/main" xmlns:m="http://schemas.openxmlformats.org/officeDocument/2006/math" xmlns="" val="1"/>
               </a:ext>
             </a:extLst>
           </p:spPr>
@@ -34148,7 +34392,7 @@
             <a:effectLst/>
             <a:extLst>
               <a:ext uri="{C572A759-6A51-4108-AA02-DFA0A04FC94B}">
-                <ma14:wrappingTextBoxFlag xmlns="" xmlns:m="http://schemas.openxmlformats.org/officeDocument/2006/math" xmlns:a14="http://schemas.microsoft.com/office/drawing/2010/main" xmlns:ma14="http://schemas.microsoft.com/office/mac/drawingml/2011/main" val="1"/>
+                <ma14:wrappingTextBoxFlag xmlns:ma14="http://schemas.microsoft.com/office/mac/drawingml/2011/main" xmlns:a14="http://schemas.microsoft.com/office/drawing/2010/main" xmlns:m="http://schemas.openxmlformats.org/officeDocument/2006/math" xmlns="" val="1"/>
               </a:ext>
             </a:extLst>
           </p:spPr>
@@ -34283,7 +34527,7 @@
             <a:effectLst/>
             <a:extLst>
               <a:ext uri="{C572A759-6A51-4108-AA02-DFA0A04FC94B}">
-                <ma14:wrappingTextBoxFlag xmlns="" xmlns:m="http://schemas.openxmlformats.org/officeDocument/2006/math" xmlns:a14="http://schemas.microsoft.com/office/drawing/2010/main" xmlns:ma14="http://schemas.microsoft.com/office/mac/drawingml/2011/main" val="1"/>
+                <ma14:wrappingTextBoxFlag xmlns:ma14="http://schemas.microsoft.com/office/mac/drawingml/2011/main" xmlns:a14="http://schemas.microsoft.com/office/drawing/2010/main" xmlns:m="http://schemas.openxmlformats.org/officeDocument/2006/math" xmlns="" val="1"/>
               </a:ext>
             </a:extLst>
           </p:spPr>
@@ -34418,7 +34662,7 @@
             <a:effectLst/>
             <a:extLst>
               <a:ext uri="{C572A759-6A51-4108-AA02-DFA0A04FC94B}">
-                <ma14:wrappingTextBoxFlag xmlns="" xmlns:m="http://schemas.openxmlformats.org/officeDocument/2006/math" xmlns:a14="http://schemas.microsoft.com/office/drawing/2010/main" xmlns:ma14="http://schemas.microsoft.com/office/mac/drawingml/2011/main" val="1"/>
+                <ma14:wrappingTextBoxFlag xmlns:ma14="http://schemas.microsoft.com/office/mac/drawingml/2011/main" xmlns:a14="http://schemas.microsoft.com/office/drawing/2010/main" xmlns:m="http://schemas.openxmlformats.org/officeDocument/2006/math" xmlns="" val="1"/>
               </a:ext>
             </a:extLst>
           </p:spPr>
@@ -34592,7 +34836,7 @@
             <a:effectLst/>
             <a:extLst>
               <a:ext uri="{C572A759-6A51-4108-AA02-DFA0A04FC94B}">
-                <ma14:wrappingTextBoxFlag xmlns="" xmlns:m="http://schemas.openxmlformats.org/officeDocument/2006/math" xmlns:a14="http://schemas.microsoft.com/office/drawing/2010/main" xmlns:ma14="http://schemas.microsoft.com/office/mac/drawingml/2011/main" val="1"/>
+                <ma14:wrappingTextBoxFlag xmlns:ma14="http://schemas.microsoft.com/office/mac/drawingml/2011/main" xmlns:a14="http://schemas.microsoft.com/office/drawing/2010/main" xmlns:m="http://schemas.openxmlformats.org/officeDocument/2006/math" xmlns="" val="1"/>
               </a:ext>
             </a:extLst>
           </p:spPr>
@@ -34727,7 +34971,7 @@
             <a:effectLst/>
             <a:extLst>
               <a:ext uri="{C572A759-6A51-4108-AA02-DFA0A04FC94B}">
-                <ma14:wrappingTextBoxFlag xmlns="" xmlns:m="http://schemas.openxmlformats.org/officeDocument/2006/math" xmlns:a14="http://schemas.microsoft.com/office/drawing/2010/main" xmlns:ma14="http://schemas.microsoft.com/office/mac/drawingml/2011/main" val="1"/>
+                <ma14:wrappingTextBoxFlag xmlns:ma14="http://schemas.microsoft.com/office/mac/drawingml/2011/main" xmlns:a14="http://schemas.microsoft.com/office/drawing/2010/main" xmlns:m="http://schemas.openxmlformats.org/officeDocument/2006/math" xmlns="" val="1"/>
               </a:ext>
             </a:extLst>
           </p:spPr>
@@ -34823,7 +35067,7 @@
             <a:effectLst/>
             <a:extLst>
               <a:ext uri="{C572A759-6A51-4108-AA02-DFA0A04FC94B}">
-                <ma14:wrappingTextBoxFlag xmlns="" xmlns:m="http://schemas.openxmlformats.org/officeDocument/2006/math" xmlns:a14="http://schemas.microsoft.com/office/drawing/2010/main" xmlns:ma14="http://schemas.microsoft.com/office/mac/drawingml/2011/main" val="1"/>
+                <ma14:wrappingTextBoxFlag xmlns:ma14="http://schemas.microsoft.com/office/mac/drawingml/2011/main" xmlns:a14="http://schemas.microsoft.com/office/drawing/2010/main" xmlns:m="http://schemas.openxmlformats.org/officeDocument/2006/math" xmlns="" val="1"/>
               </a:ext>
             </a:extLst>
           </p:spPr>
@@ -34865,7 +35109,7 @@
           </a:ln>
           <a:extLst>
             <a:ext uri="{C572A759-6A51-4108-AA02-DFA0A04FC94B}">
-              <ma14:wrappingTextBoxFlag xmlns="" xmlns:m="http://schemas.openxmlformats.org/officeDocument/2006/math" xmlns:a14="http://schemas.microsoft.com/office/drawing/2010/main" xmlns:ma14="http://schemas.microsoft.com/office/mac/drawingml/2011/main" val="1"/>
+              <ma14:wrappingTextBoxFlag xmlns:ma14="http://schemas.microsoft.com/office/mac/drawingml/2011/main" xmlns:a14="http://schemas.microsoft.com/office/drawing/2010/main" xmlns:m="http://schemas.openxmlformats.org/officeDocument/2006/math" xmlns="" val="1"/>
             </a:ext>
           </a:extLst>
         </p:spPr>
@@ -34960,7 +35204,7 @@
             <a:effectLst/>
             <a:extLst>
               <a:ext uri="{C572A759-6A51-4108-AA02-DFA0A04FC94B}">
-                <ma14:wrappingTextBoxFlag xmlns="" xmlns:m="http://schemas.openxmlformats.org/officeDocument/2006/math" xmlns:a14="http://schemas.microsoft.com/office/drawing/2010/main" xmlns:ma14="http://schemas.microsoft.com/office/mac/drawingml/2011/main" val="1"/>
+                <ma14:wrappingTextBoxFlag xmlns:ma14="http://schemas.microsoft.com/office/mac/drawingml/2011/main" xmlns:a14="http://schemas.microsoft.com/office/drawing/2010/main" xmlns:m="http://schemas.openxmlformats.org/officeDocument/2006/math" xmlns="" val="1"/>
               </a:ext>
             </a:extLst>
           </p:spPr>
@@ -35095,7 +35339,7 @@
             <a:effectLst/>
             <a:extLst>
               <a:ext uri="{C572A759-6A51-4108-AA02-DFA0A04FC94B}">
-                <ma14:wrappingTextBoxFlag xmlns="" xmlns:m="http://schemas.openxmlformats.org/officeDocument/2006/math" xmlns:a14="http://schemas.microsoft.com/office/drawing/2010/main" xmlns:ma14="http://schemas.microsoft.com/office/mac/drawingml/2011/main" val="1"/>
+                <ma14:wrappingTextBoxFlag xmlns:ma14="http://schemas.microsoft.com/office/mac/drawingml/2011/main" xmlns:a14="http://schemas.microsoft.com/office/drawing/2010/main" xmlns:m="http://schemas.openxmlformats.org/officeDocument/2006/math" xmlns="" val="1"/>
               </a:ext>
             </a:extLst>
           </p:spPr>
@@ -35191,7 +35435,7 @@
             <a:effectLst/>
             <a:extLst>
               <a:ext uri="{C572A759-6A51-4108-AA02-DFA0A04FC94B}">
-                <ma14:wrappingTextBoxFlag xmlns="" xmlns:m="http://schemas.openxmlformats.org/officeDocument/2006/math" xmlns:a14="http://schemas.microsoft.com/office/drawing/2010/main" xmlns:ma14="http://schemas.microsoft.com/office/mac/drawingml/2011/main" val="1"/>
+                <ma14:wrappingTextBoxFlag xmlns:ma14="http://schemas.microsoft.com/office/mac/drawingml/2011/main" xmlns:a14="http://schemas.microsoft.com/office/drawing/2010/main" xmlns:m="http://schemas.openxmlformats.org/officeDocument/2006/math" xmlns="" val="1"/>
               </a:ext>
             </a:extLst>
           </p:spPr>
@@ -35326,7 +35570,7 @@
             <a:effectLst/>
             <a:extLst>
               <a:ext uri="{C572A759-6A51-4108-AA02-DFA0A04FC94B}">
-                <ma14:wrappingTextBoxFlag xmlns="" xmlns:m="http://schemas.openxmlformats.org/officeDocument/2006/math" xmlns:a14="http://schemas.microsoft.com/office/drawing/2010/main" xmlns:ma14="http://schemas.microsoft.com/office/mac/drawingml/2011/main" val="1"/>
+                <ma14:wrappingTextBoxFlag xmlns:ma14="http://schemas.microsoft.com/office/mac/drawingml/2011/main" xmlns:a14="http://schemas.microsoft.com/office/drawing/2010/main" xmlns:m="http://schemas.openxmlformats.org/officeDocument/2006/math" xmlns="" val="1"/>
               </a:ext>
             </a:extLst>
           </p:spPr>
@@ -35422,7 +35666,7 @@
             <a:effectLst/>
             <a:extLst>
               <a:ext uri="{C572A759-6A51-4108-AA02-DFA0A04FC94B}">
-                <ma14:wrappingTextBoxFlag xmlns="" xmlns:m="http://schemas.openxmlformats.org/officeDocument/2006/math" xmlns:a14="http://schemas.microsoft.com/office/drawing/2010/main" xmlns:ma14="http://schemas.microsoft.com/office/mac/drawingml/2011/main" val="1"/>
+                <ma14:wrappingTextBoxFlag xmlns:ma14="http://schemas.microsoft.com/office/mac/drawingml/2011/main" xmlns:a14="http://schemas.microsoft.com/office/drawing/2010/main" xmlns:m="http://schemas.openxmlformats.org/officeDocument/2006/math" xmlns="" val="1"/>
               </a:ext>
             </a:extLst>
           </p:spPr>
@@ -36927,7 +37171,7 @@
           </a:ln>
           <a:extLst>
             <a:ext uri="{C572A759-6A51-4108-AA02-DFA0A04FC94B}">
-              <ma14:wrappingTextBoxFlag xmlns="" xmlns:m="http://schemas.openxmlformats.org/officeDocument/2006/math" xmlns:a14="http://schemas.microsoft.com/office/drawing/2010/main" xmlns:ma14="http://schemas.microsoft.com/office/mac/drawingml/2011/main" val="1"/>
+              <ma14:wrappingTextBoxFlag xmlns:ma14="http://schemas.microsoft.com/office/mac/drawingml/2011/main" xmlns:a14="http://schemas.microsoft.com/office/drawing/2010/main" xmlns:m="http://schemas.openxmlformats.org/officeDocument/2006/math" xmlns="" val="1"/>
             </a:ext>
           </a:extLst>
         </p:spPr>
@@ -37018,7 +37262,7 @@
             <a:effectLst/>
             <a:extLst>
               <a:ext uri="{C572A759-6A51-4108-AA02-DFA0A04FC94B}">
-                <ma14:wrappingTextBoxFlag xmlns="" xmlns:m="http://schemas.openxmlformats.org/officeDocument/2006/math" xmlns:a14="http://schemas.microsoft.com/office/drawing/2010/main" xmlns:ma14="http://schemas.microsoft.com/office/mac/drawingml/2011/main" val="1"/>
+                <ma14:wrappingTextBoxFlag xmlns:ma14="http://schemas.microsoft.com/office/mac/drawingml/2011/main" xmlns:a14="http://schemas.microsoft.com/office/drawing/2010/main" xmlns:m="http://schemas.openxmlformats.org/officeDocument/2006/math" xmlns="" val="1"/>
               </a:ext>
             </a:extLst>
           </p:spPr>
@@ -37114,7 +37358,7 @@
             <a:effectLst/>
             <a:extLst>
               <a:ext uri="{C572A759-6A51-4108-AA02-DFA0A04FC94B}">
-                <ma14:wrappingTextBoxFlag xmlns="" xmlns:m="http://schemas.openxmlformats.org/officeDocument/2006/math" xmlns:a14="http://schemas.microsoft.com/office/drawing/2010/main" xmlns:ma14="http://schemas.microsoft.com/office/mac/drawingml/2011/main" val="1"/>
+                <ma14:wrappingTextBoxFlag xmlns:ma14="http://schemas.microsoft.com/office/mac/drawingml/2011/main" xmlns:a14="http://schemas.microsoft.com/office/drawing/2010/main" xmlns:m="http://schemas.openxmlformats.org/officeDocument/2006/math" xmlns="" val="1"/>
               </a:ext>
             </a:extLst>
           </p:spPr>
@@ -37280,7 +37524,7 @@
             <a:effectLst/>
             <a:extLst>
               <a:ext uri="{C572A759-6A51-4108-AA02-DFA0A04FC94B}">
-                <ma14:wrappingTextBoxFlag xmlns="" xmlns:m="http://schemas.openxmlformats.org/officeDocument/2006/math" xmlns:a14="http://schemas.microsoft.com/office/drawing/2010/main" xmlns:ma14="http://schemas.microsoft.com/office/mac/drawingml/2011/main" val="1"/>
+                <ma14:wrappingTextBoxFlag xmlns:ma14="http://schemas.microsoft.com/office/mac/drawingml/2011/main" xmlns:a14="http://schemas.microsoft.com/office/drawing/2010/main" xmlns:m="http://schemas.openxmlformats.org/officeDocument/2006/math" xmlns="" val="1"/>
               </a:ext>
             </a:extLst>
           </p:spPr>
@@ -37376,7 +37620,7 @@
             <a:effectLst/>
             <a:extLst>
               <a:ext uri="{C572A759-6A51-4108-AA02-DFA0A04FC94B}">
-                <ma14:wrappingTextBoxFlag xmlns="" xmlns:m="http://schemas.openxmlformats.org/officeDocument/2006/math" xmlns:a14="http://schemas.microsoft.com/office/drawing/2010/main" xmlns:ma14="http://schemas.microsoft.com/office/mac/drawingml/2011/main" val="1"/>
+                <ma14:wrappingTextBoxFlag xmlns:ma14="http://schemas.microsoft.com/office/mac/drawingml/2011/main" xmlns:a14="http://schemas.microsoft.com/office/drawing/2010/main" xmlns:m="http://schemas.openxmlformats.org/officeDocument/2006/math" xmlns="" val="1"/>
               </a:ext>
             </a:extLst>
           </p:spPr>
@@ -37535,7 +37779,7 @@
             <a:effectLst/>
             <a:extLst>
               <a:ext uri="{C572A759-6A51-4108-AA02-DFA0A04FC94B}">
-                <ma14:wrappingTextBoxFlag xmlns="" xmlns:m="http://schemas.openxmlformats.org/officeDocument/2006/math" xmlns:a14="http://schemas.microsoft.com/office/drawing/2010/main" xmlns:ma14="http://schemas.microsoft.com/office/mac/drawingml/2011/main" val="1"/>
+                <ma14:wrappingTextBoxFlag xmlns:ma14="http://schemas.microsoft.com/office/mac/drawingml/2011/main" xmlns:a14="http://schemas.microsoft.com/office/drawing/2010/main" xmlns:m="http://schemas.openxmlformats.org/officeDocument/2006/math" xmlns="" val="1"/>
               </a:ext>
             </a:extLst>
           </p:spPr>
@@ -37631,7 +37875,7 @@
             <a:effectLst/>
             <a:extLst>
               <a:ext uri="{C572A759-6A51-4108-AA02-DFA0A04FC94B}">
-                <ma14:wrappingTextBoxFlag xmlns="" xmlns:m="http://schemas.openxmlformats.org/officeDocument/2006/math" xmlns:a14="http://schemas.microsoft.com/office/drawing/2010/main" xmlns:ma14="http://schemas.microsoft.com/office/mac/drawingml/2011/main" val="1"/>
+                <ma14:wrappingTextBoxFlag xmlns:ma14="http://schemas.microsoft.com/office/mac/drawingml/2011/main" xmlns:a14="http://schemas.microsoft.com/office/drawing/2010/main" xmlns:m="http://schemas.openxmlformats.org/officeDocument/2006/math" xmlns="" val="1"/>
               </a:ext>
             </a:extLst>
           </p:spPr>
@@ -37818,7 +38062,7 @@
             <a:effectLst/>
             <a:extLst>
               <a:ext uri="{C572A759-6A51-4108-AA02-DFA0A04FC94B}">
-                <ma14:wrappingTextBoxFlag xmlns="" xmlns:m="http://schemas.openxmlformats.org/officeDocument/2006/math" xmlns:a14="http://schemas.microsoft.com/office/drawing/2010/main" xmlns:ma14="http://schemas.microsoft.com/office/mac/drawingml/2011/main" val="1"/>
+                <ma14:wrappingTextBoxFlag xmlns:ma14="http://schemas.microsoft.com/office/mac/drawingml/2011/main" xmlns:a14="http://schemas.microsoft.com/office/drawing/2010/main" xmlns:m="http://schemas.openxmlformats.org/officeDocument/2006/math" xmlns="" val="1"/>
               </a:ext>
             </a:extLst>
           </p:spPr>
@@ -37951,7 +38195,7 @@
             <a:effectLst/>
             <a:extLst>
               <a:ext uri="{C572A759-6A51-4108-AA02-DFA0A04FC94B}">
-                <ma14:wrappingTextBoxFlag xmlns="" xmlns:m="http://schemas.openxmlformats.org/officeDocument/2006/math" xmlns:a14="http://schemas.microsoft.com/office/drawing/2010/main" xmlns:ma14="http://schemas.microsoft.com/office/mac/drawingml/2011/main" val="1"/>
+                <ma14:wrappingTextBoxFlag xmlns:ma14="http://schemas.microsoft.com/office/mac/drawingml/2011/main" xmlns:a14="http://schemas.microsoft.com/office/drawing/2010/main" xmlns:m="http://schemas.openxmlformats.org/officeDocument/2006/math" xmlns="" val="1"/>
               </a:ext>
             </a:extLst>
           </p:spPr>
@@ -39362,7 +39606,7 @@
           </a:ln>
           <a:extLst>
             <a:ext uri="{C572A759-6A51-4108-AA02-DFA0A04FC94B}">
-              <ma14:wrappingTextBoxFlag xmlns="" xmlns:m="http://schemas.openxmlformats.org/officeDocument/2006/math" xmlns:a14="http://schemas.microsoft.com/office/drawing/2010/main" xmlns:ma14="http://schemas.microsoft.com/office/mac/drawingml/2011/main" val="1"/>
+              <ma14:wrappingTextBoxFlag xmlns:ma14="http://schemas.microsoft.com/office/mac/drawingml/2011/main" xmlns:a14="http://schemas.microsoft.com/office/drawing/2010/main" xmlns:m="http://schemas.openxmlformats.org/officeDocument/2006/math" xmlns="" val="1"/>
             </a:ext>
           </a:extLst>
         </p:spPr>
@@ -39453,7 +39697,7 @@
             <a:effectLst/>
             <a:extLst>
               <a:ext uri="{C572A759-6A51-4108-AA02-DFA0A04FC94B}">
-                <ma14:wrappingTextBoxFlag xmlns="" xmlns:m="http://schemas.openxmlformats.org/officeDocument/2006/math" xmlns:a14="http://schemas.microsoft.com/office/drawing/2010/main" xmlns:ma14="http://schemas.microsoft.com/office/mac/drawingml/2011/main" val="1"/>
+                <ma14:wrappingTextBoxFlag xmlns:ma14="http://schemas.microsoft.com/office/mac/drawingml/2011/main" xmlns:a14="http://schemas.microsoft.com/office/drawing/2010/main" xmlns:m="http://schemas.openxmlformats.org/officeDocument/2006/math" xmlns="" val="1"/>
               </a:ext>
             </a:extLst>
           </p:spPr>
@@ -39549,7 +39793,7 @@
             <a:effectLst/>
             <a:extLst>
               <a:ext uri="{C572A759-6A51-4108-AA02-DFA0A04FC94B}">
-                <ma14:wrappingTextBoxFlag xmlns="" xmlns:m="http://schemas.openxmlformats.org/officeDocument/2006/math" xmlns:a14="http://schemas.microsoft.com/office/drawing/2010/main" xmlns:ma14="http://schemas.microsoft.com/office/mac/drawingml/2011/main" val="1"/>
+                <ma14:wrappingTextBoxFlag xmlns:ma14="http://schemas.microsoft.com/office/mac/drawingml/2011/main" xmlns:a14="http://schemas.microsoft.com/office/drawing/2010/main" xmlns:m="http://schemas.openxmlformats.org/officeDocument/2006/math" xmlns="" val="1"/>
               </a:ext>
             </a:extLst>
           </p:spPr>
@@ -39715,7 +39959,7 @@
             <a:effectLst/>
             <a:extLst>
               <a:ext uri="{C572A759-6A51-4108-AA02-DFA0A04FC94B}">
-                <ma14:wrappingTextBoxFlag xmlns="" xmlns:m="http://schemas.openxmlformats.org/officeDocument/2006/math" xmlns:a14="http://schemas.microsoft.com/office/drawing/2010/main" xmlns:ma14="http://schemas.microsoft.com/office/mac/drawingml/2011/main" val="1"/>
+                <ma14:wrappingTextBoxFlag xmlns:ma14="http://schemas.microsoft.com/office/mac/drawingml/2011/main" xmlns:a14="http://schemas.microsoft.com/office/drawing/2010/main" xmlns:m="http://schemas.openxmlformats.org/officeDocument/2006/math" xmlns="" val="1"/>
               </a:ext>
             </a:extLst>
           </p:spPr>
@@ -39811,7 +40055,7 @@
             <a:effectLst/>
             <a:extLst>
               <a:ext uri="{C572A759-6A51-4108-AA02-DFA0A04FC94B}">
-                <ma14:wrappingTextBoxFlag xmlns="" xmlns:m="http://schemas.openxmlformats.org/officeDocument/2006/math" xmlns:a14="http://schemas.microsoft.com/office/drawing/2010/main" xmlns:ma14="http://schemas.microsoft.com/office/mac/drawingml/2011/main" val="1"/>
+                <ma14:wrappingTextBoxFlag xmlns:ma14="http://schemas.microsoft.com/office/mac/drawingml/2011/main" xmlns:a14="http://schemas.microsoft.com/office/drawing/2010/main" xmlns:m="http://schemas.openxmlformats.org/officeDocument/2006/math" xmlns="" val="1"/>
               </a:ext>
             </a:extLst>
           </p:spPr>
@@ -39941,7 +40185,7 @@
             <a:effectLst/>
             <a:extLst>
               <a:ext uri="{C572A759-6A51-4108-AA02-DFA0A04FC94B}">
-                <ma14:wrappingTextBoxFlag xmlns="" xmlns:m="http://schemas.openxmlformats.org/officeDocument/2006/math" xmlns:a14="http://schemas.microsoft.com/office/drawing/2010/main" xmlns:ma14="http://schemas.microsoft.com/office/mac/drawingml/2011/main" val="1"/>
+                <ma14:wrappingTextBoxFlag xmlns:ma14="http://schemas.microsoft.com/office/mac/drawingml/2011/main" xmlns:a14="http://schemas.microsoft.com/office/drawing/2010/main" xmlns:m="http://schemas.openxmlformats.org/officeDocument/2006/math" xmlns="" val="1"/>
               </a:ext>
             </a:extLst>
           </p:spPr>
@@ -40037,7 +40281,7 @@
             <a:effectLst/>
             <a:extLst>
               <a:ext uri="{C572A759-6A51-4108-AA02-DFA0A04FC94B}">
-                <ma14:wrappingTextBoxFlag xmlns="" xmlns:m="http://schemas.openxmlformats.org/officeDocument/2006/math" xmlns:a14="http://schemas.microsoft.com/office/drawing/2010/main" xmlns:ma14="http://schemas.microsoft.com/office/mac/drawingml/2011/main" val="1"/>
+                <ma14:wrappingTextBoxFlag xmlns:ma14="http://schemas.microsoft.com/office/mac/drawingml/2011/main" xmlns:a14="http://schemas.microsoft.com/office/drawing/2010/main" xmlns:m="http://schemas.openxmlformats.org/officeDocument/2006/math" xmlns="" val="1"/>
               </a:ext>
             </a:extLst>
           </p:spPr>

--- a/project03 화면설계서/project03 - 화면 설계서 - 용승.pptx
+++ b/project03 화면설계서/project03 - 화면 설계서 - 용승.pptx
@@ -5,7 +5,7 @@
     <p:sldMasterId id="2147483648" r:id="rId1"/>
   </p:sldMasterIdLst>
   <p:notesMasterIdLst>
-    <p:notesMasterId r:id="rId28"/>
+    <p:notesMasterId r:id="rId34"/>
   </p:notesMasterIdLst>
   <p:sldIdLst>
     <p:sldId id="256" r:id="rId2"/>
@@ -25,15 +25,21 @@
     <p:sldId id="264" r:id="rId16"/>
     <p:sldId id="265" r:id="rId17"/>
     <p:sldId id="266" r:id="rId18"/>
-    <p:sldId id="279" r:id="rId19"/>
+    <p:sldId id="282" r:id="rId19"/>
     <p:sldId id="267" r:id="rId20"/>
-    <p:sldId id="278" r:id="rId21"/>
-    <p:sldId id="268" r:id="rId22"/>
-    <p:sldId id="269" r:id="rId23"/>
-    <p:sldId id="280" r:id="rId24"/>
-    <p:sldId id="281" r:id="rId25"/>
-    <p:sldId id="270" r:id="rId26"/>
-    <p:sldId id="271" r:id="rId27"/>
+    <p:sldId id="285" r:id="rId21"/>
+    <p:sldId id="283" r:id="rId22"/>
+    <p:sldId id="284" r:id="rId23"/>
+    <p:sldId id="278" r:id="rId24"/>
+    <p:sldId id="268" r:id="rId25"/>
+    <p:sldId id="269" r:id="rId26"/>
+    <p:sldId id="280" r:id="rId27"/>
+    <p:sldId id="270" r:id="rId28"/>
+    <p:sldId id="286" r:id="rId29"/>
+    <p:sldId id="287" r:id="rId30"/>
+    <p:sldId id="288" r:id="rId31"/>
+    <p:sldId id="271" r:id="rId32"/>
+    <p:sldId id="289" r:id="rId33"/>
   </p:sldIdLst>
   <p:sldSz cx="12192000" cy="6858000"/>
   <p:notesSz cx="6858000" cy="9144000"/>
@@ -1878,7 +1884,7 @@
           </a:ln>
           <a:extLst>
             <a:ext uri="{C572A759-6A51-4108-AA02-DFA0A04FC94B}">
-              <ma14:wrappingTextBoxFlag xmlns:ma14="http://schemas.microsoft.com/office/mac/drawingml/2011/main" xmlns:a14="http://schemas.microsoft.com/office/drawing/2010/main" xmlns:m="http://schemas.openxmlformats.org/officeDocument/2006/math" xmlns="" val="1"/>
+              <ma14:wrappingTextBoxFlag xmlns="" xmlns:m="http://schemas.openxmlformats.org/officeDocument/2006/math" xmlns:a14="http://schemas.microsoft.com/office/drawing/2010/main" xmlns:ma14="http://schemas.microsoft.com/office/mac/drawingml/2011/main" val="1"/>
             </a:ext>
           </a:extLst>
         </p:spPr>
@@ -1917,7 +1923,7 @@
           </a:ln>
           <a:extLst>
             <a:ext uri="{C572A759-6A51-4108-AA02-DFA0A04FC94B}">
-              <ma14:wrappingTextBoxFlag xmlns:ma14="http://schemas.microsoft.com/office/mac/drawingml/2011/main" xmlns:a14="http://schemas.microsoft.com/office/drawing/2010/main" xmlns:m="http://schemas.openxmlformats.org/officeDocument/2006/math" xmlns="" val="1"/>
+              <ma14:wrappingTextBoxFlag xmlns="" xmlns:m="http://schemas.openxmlformats.org/officeDocument/2006/math" xmlns:a14="http://schemas.microsoft.com/office/drawing/2010/main" xmlns:ma14="http://schemas.microsoft.com/office/mac/drawingml/2011/main" val="1"/>
             </a:ext>
           </a:extLst>
         </p:spPr>
@@ -2815,6 +2821,13 @@
     <a:masterClrMapping/>
   </p:clrMapOvr>
   <p:transition spd="med"/>
+  <p:timing>
+    <p:tnLst>
+      <p:par>
+        <p:cTn id="1" dur="indefinite" restart="never" nodeType="tmRoot"/>
+      </p:par>
+    </p:tnLst>
+  </p:timing>
 </p:sld>
 </file>
 
@@ -3874,7 +3887,7 @@
           </a:ln>
           <a:extLst>
             <a:ext uri="{C572A759-6A51-4108-AA02-DFA0A04FC94B}">
-              <ma14:wrappingTextBoxFlag xmlns:ma14="http://schemas.microsoft.com/office/mac/drawingml/2011/main" xmlns:a14="http://schemas.microsoft.com/office/drawing/2010/main" xmlns:m="http://schemas.openxmlformats.org/officeDocument/2006/math" xmlns="" val="1"/>
+              <ma14:wrappingTextBoxFlag xmlns="" xmlns:m="http://schemas.openxmlformats.org/officeDocument/2006/math" xmlns:a14="http://schemas.microsoft.com/office/drawing/2010/main" xmlns:ma14="http://schemas.microsoft.com/office/mac/drawingml/2011/main" val="1"/>
             </a:ext>
           </a:extLst>
         </p:spPr>
@@ -3965,7 +3978,7 @@
             <a:effectLst/>
             <a:extLst>
               <a:ext uri="{C572A759-6A51-4108-AA02-DFA0A04FC94B}">
-                <ma14:wrappingTextBoxFlag xmlns:ma14="http://schemas.microsoft.com/office/mac/drawingml/2011/main" xmlns:a14="http://schemas.microsoft.com/office/drawing/2010/main" xmlns:m="http://schemas.openxmlformats.org/officeDocument/2006/math" xmlns="" val="1"/>
+                <ma14:wrappingTextBoxFlag xmlns="" xmlns:m="http://schemas.openxmlformats.org/officeDocument/2006/math" xmlns:a14="http://schemas.microsoft.com/office/drawing/2010/main" xmlns:ma14="http://schemas.microsoft.com/office/mac/drawingml/2011/main" val="1"/>
               </a:ext>
             </a:extLst>
           </p:spPr>
@@ -4061,7 +4074,7 @@
             <a:effectLst/>
             <a:extLst>
               <a:ext uri="{C572A759-6A51-4108-AA02-DFA0A04FC94B}">
-                <ma14:wrappingTextBoxFlag xmlns:ma14="http://schemas.microsoft.com/office/mac/drawingml/2011/main" xmlns:a14="http://schemas.microsoft.com/office/drawing/2010/main" xmlns:m="http://schemas.openxmlformats.org/officeDocument/2006/math" xmlns="" val="1"/>
+                <ma14:wrappingTextBoxFlag xmlns="" xmlns:m="http://schemas.openxmlformats.org/officeDocument/2006/math" xmlns:a14="http://schemas.microsoft.com/office/drawing/2010/main" xmlns:ma14="http://schemas.microsoft.com/office/mac/drawingml/2011/main" val="1"/>
               </a:ext>
             </a:extLst>
           </p:spPr>
@@ -4227,7 +4240,7 @@
             <a:effectLst/>
             <a:extLst>
               <a:ext uri="{C572A759-6A51-4108-AA02-DFA0A04FC94B}">
-                <ma14:wrappingTextBoxFlag xmlns:ma14="http://schemas.microsoft.com/office/mac/drawingml/2011/main" xmlns:a14="http://schemas.microsoft.com/office/drawing/2010/main" xmlns:m="http://schemas.openxmlformats.org/officeDocument/2006/math" xmlns="" val="1"/>
+                <ma14:wrappingTextBoxFlag xmlns="" xmlns:m="http://schemas.openxmlformats.org/officeDocument/2006/math" xmlns:a14="http://schemas.microsoft.com/office/drawing/2010/main" xmlns:ma14="http://schemas.microsoft.com/office/mac/drawingml/2011/main" val="1"/>
               </a:ext>
             </a:extLst>
           </p:spPr>
@@ -4323,7 +4336,7 @@
             <a:effectLst/>
             <a:extLst>
               <a:ext uri="{C572A759-6A51-4108-AA02-DFA0A04FC94B}">
-                <ma14:wrappingTextBoxFlag xmlns:ma14="http://schemas.microsoft.com/office/mac/drawingml/2011/main" xmlns:a14="http://schemas.microsoft.com/office/drawing/2010/main" xmlns:m="http://schemas.openxmlformats.org/officeDocument/2006/math" xmlns="" val="1"/>
+                <ma14:wrappingTextBoxFlag xmlns="" xmlns:m="http://schemas.openxmlformats.org/officeDocument/2006/math" xmlns:a14="http://schemas.microsoft.com/office/drawing/2010/main" xmlns:ma14="http://schemas.microsoft.com/office/mac/drawingml/2011/main" val="1"/>
               </a:ext>
             </a:extLst>
           </p:spPr>
@@ -4482,7 +4495,7 @@
             <a:effectLst/>
             <a:extLst>
               <a:ext uri="{C572A759-6A51-4108-AA02-DFA0A04FC94B}">
-                <ma14:wrappingTextBoxFlag xmlns:ma14="http://schemas.microsoft.com/office/mac/drawingml/2011/main" xmlns:a14="http://schemas.microsoft.com/office/drawing/2010/main" xmlns:m="http://schemas.openxmlformats.org/officeDocument/2006/math" xmlns="" val="1"/>
+                <ma14:wrappingTextBoxFlag xmlns="" xmlns:m="http://schemas.openxmlformats.org/officeDocument/2006/math" xmlns:a14="http://schemas.microsoft.com/office/drawing/2010/main" xmlns:ma14="http://schemas.microsoft.com/office/mac/drawingml/2011/main" val="1"/>
               </a:ext>
             </a:extLst>
           </p:spPr>
@@ -4578,7 +4591,7 @@
             <a:effectLst/>
             <a:extLst>
               <a:ext uri="{C572A759-6A51-4108-AA02-DFA0A04FC94B}">
-                <ma14:wrappingTextBoxFlag xmlns:ma14="http://schemas.microsoft.com/office/mac/drawingml/2011/main" xmlns:a14="http://schemas.microsoft.com/office/drawing/2010/main" xmlns:m="http://schemas.openxmlformats.org/officeDocument/2006/math" xmlns="" val="1"/>
+                <ma14:wrappingTextBoxFlag xmlns="" xmlns:m="http://schemas.openxmlformats.org/officeDocument/2006/math" xmlns:a14="http://schemas.microsoft.com/office/drawing/2010/main" xmlns:ma14="http://schemas.microsoft.com/office/mac/drawingml/2011/main" val="1"/>
               </a:ext>
             </a:extLst>
           </p:spPr>
@@ -4765,7 +4778,7 @@
             <a:effectLst/>
             <a:extLst>
               <a:ext uri="{C572A759-6A51-4108-AA02-DFA0A04FC94B}">
-                <ma14:wrappingTextBoxFlag xmlns:ma14="http://schemas.microsoft.com/office/mac/drawingml/2011/main" xmlns:a14="http://schemas.microsoft.com/office/drawing/2010/main" xmlns:m="http://schemas.openxmlformats.org/officeDocument/2006/math" xmlns="" val="1"/>
+                <ma14:wrappingTextBoxFlag xmlns="" xmlns:m="http://schemas.openxmlformats.org/officeDocument/2006/math" xmlns:a14="http://schemas.microsoft.com/office/drawing/2010/main" xmlns:ma14="http://schemas.microsoft.com/office/mac/drawingml/2011/main" val="1"/>
               </a:ext>
             </a:extLst>
           </p:spPr>
@@ -4865,7 +4878,7 @@
             <a:effectLst/>
             <a:extLst>
               <a:ext uri="{C572A759-6A51-4108-AA02-DFA0A04FC94B}">
-                <ma14:wrappingTextBoxFlag xmlns:ma14="http://schemas.microsoft.com/office/mac/drawingml/2011/main" xmlns:a14="http://schemas.microsoft.com/office/drawing/2010/main" xmlns:m="http://schemas.openxmlformats.org/officeDocument/2006/math" xmlns="" val="1"/>
+                <ma14:wrappingTextBoxFlag xmlns="" xmlns:m="http://schemas.openxmlformats.org/officeDocument/2006/math" xmlns:a14="http://schemas.microsoft.com/office/drawing/2010/main" xmlns:ma14="http://schemas.microsoft.com/office/mac/drawingml/2011/main" val="1"/>
               </a:ext>
             </a:extLst>
           </p:spPr>
@@ -4961,7 +4974,7 @@
             <a:effectLst/>
             <a:extLst>
               <a:ext uri="{C572A759-6A51-4108-AA02-DFA0A04FC94B}">
-                <ma14:wrappingTextBoxFlag xmlns:ma14="http://schemas.microsoft.com/office/mac/drawingml/2011/main" xmlns:a14="http://schemas.microsoft.com/office/drawing/2010/main" xmlns:m="http://schemas.openxmlformats.org/officeDocument/2006/math" xmlns="" val="1"/>
+                <ma14:wrappingTextBoxFlag xmlns="" xmlns:m="http://schemas.openxmlformats.org/officeDocument/2006/math" xmlns:a14="http://schemas.microsoft.com/office/drawing/2010/main" xmlns:ma14="http://schemas.microsoft.com/office/mac/drawingml/2011/main" val="1"/>
               </a:ext>
             </a:extLst>
           </p:spPr>
@@ -5069,6 +5082,13 @@
     <a:masterClrMapping/>
   </p:clrMapOvr>
   <p:transition spd="med"/>
+  <p:timing>
+    <p:tnLst>
+      <p:par>
+        <p:cTn id="1" dur="indefinite" restart="never" nodeType="tmRoot"/>
+      </p:par>
+    </p:tnLst>
+  </p:timing>
 </p:sld>
 </file>
 
@@ -5379,6 +5399,52 @@
           </a:prstGeom>
         </p:spPr>
       </p:pic>
+      <p:sp>
+        <p:nvSpPr>
+          <p:cNvPr id="10" name="직사각형 9"/>
+          <p:cNvSpPr/>
+          <p:nvPr/>
+        </p:nvSpPr>
+        <p:spPr>
+          <a:xfrm>
+            <a:off x="4704194" y="3532933"/>
+            <a:ext cx="5345270" cy="1890093"/>
+          </a:xfrm>
+          <a:prstGeom prst="rect">
+            <a:avLst/>
+          </a:prstGeom>
+          <a:noFill/>
+          <a:ln w="76200">
+            <a:solidFill>
+              <a:srgbClr val="FF0000"/>
+            </a:solidFill>
+          </a:ln>
+        </p:spPr>
+        <p:style>
+          <a:lnRef idx="2">
+            <a:schemeClr val="accent1">
+              <a:shade val="50000"/>
+            </a:schemeClr>
+          </a:lnRef>
+          <a:fillRef idx="1">
+            <a:schemeClr val="accent1"/>
+          </a:fillRef>
+          <a:effectRef idx="0">
+            <a:schemeClr val="accent1"/>
+          </a:effectRef>
+          <a:fontRef idx="minor">
+            <a:schemeClr val="lt1"/>
+          </a:fontRef>
+        </p:style>
+        <p:txBody>
+          <a:bodyPr rtlCol="0" anchor="ctr"/>
+          <a:lstStyle/>
+          <a:p>
+            <a:pPr algn="ctr"/>
+            <a:endParaRPr lang="ko-KR" altLang="en-US"/>
+          </a:p>
+        </p:txBody>
+      </p:sp>
     </p:spTree>
     <p:extLst>
       <p:ext uri="{BB962C8B-B14F-4D97-AF65-F5344CB8AC3E}">
@@ -5390,6 +5456,13 @@
     <a:masterClrMapping/>
   </p:clrMapOvr>
   <p:transition spd="med"/>
+  <p:timing>
+    <p:tnLst>
+      <p:par>
+        <p:cTn id="1" dur="indefinite" restart="never" nodeType="tmRoot"/>
+      </p:par>
+    </p:tnLst>
+  </p:timing>
 </p:sld>
 </file>
 
@@ -6439,7 +6512,7 @@
           </a:ln>
           <a:extLst>
             <a:ext uri="{C572A759-6A51-4108-AA02-DFA0A04FC94B}">
-              <ma14:wrappingTextBoxFlag xmlns:ma14="http://schemas.microsoft.com/office/mac/drawingml/2011/main" xmlns:a14="http://schemas.microsoft.com/office/drawing/2010/main" xmlns:m="http://schemas.openxmlformats.org/officeDocument/2006/math" xmlns="" val="1"/>
+              <ma14:wrappingTextBoxFlag xmlns="" xmlns:m="http://schemas.openxmlformats.org/officeDocument/2006/math" xmlns:a14="http://schemas.microsoft.com/office/drawing/2010/main" xmlns:ma14="http://schemas.microsoft.com/office/mac/drawingml/2011/main" val="1"/>
             </a:ext>
           </a:extLst>
         </p:spPr>
@@ -6530,7 +6603,7 @@
             <a:effectLst/>
             <a:extLst>
               <a:ext uri="{C572A759-6A51-4108-AA02-DFA0A04FC94B}">
-                <ma14:wrappingTextBoxFlag xmlns:ma14="http://schemas.microsoft.com/office/mac/drawingml/2011/main" xmlns:a14="http://schemas.microsoft.com/office/drawing/2010/main" xmlns:m="http://schemas.openxmlformats.org/officeDocument/2006/math" xmlns="" val="1"/>
+                <ma14:wrappingTextBoxFlag xmlns="" xmlns:m="http://schemas.openxmlformats.org/officeDocument/2006/math" xmlns:a14="http://schemas.microsoft.com/office/drawing/2010/main" xmlns:ma14="http://schemas.microsoft.com/office/mac/drawingml/2011/main" val="1"/>
               </a:ext>
             </a:extLst>
           </p:spPr>
@@ -6626,7 +6699,7 @@
             <a:effectLst/>
             <a:extLst>
               <a:ext uri="{C572A759-6A51-4108-AA02-DFA0A04FC94B}">
-                <ma14:wrappingTextBoxFlag xmlns:ma14="http://schemas.microsoft.com/office/mac/drawingml/2011/main" xmlns:a14="http://schemas.microsoft.com/office/drawing/2010/main" xmlns:m="http://schemas.openxmlformats.org/officeDocument/2006/math" xmlns="" val="1"/>
+                <ma14:wrappingTextBoxFlag xmlns="" xmlns:m="http://schemas.openxmlformats.org/officeDocument/2006/math" xmlns:a14="http://schemas.microsoft.com/office/drawing/2010/main" xmlns:ma14="http://schemas.microsoft.com/office/mac/drawingml/2011/main" val="1"/>
               </a:ext>
             </a:extLst>
           </p:spPr>
@@ -6792,7 +6865,7 @@
             <a:effectLst/>
             <a:extLst>
               <a:ext uri="{C572A759-6A51-4108-AA02-DFA0A04FC94B}">
-                <ma14:wrappingTextBoxFlag xmlns:ma14="http://schemas.microsoft.com/office/mac/drawingml/2011/main" xmlns:a14="http://schemas.microsoft.com/office/drawing/2010/main" xmlns:m="http://schemas.openxmlformats.org/officeDocument/2006/math" xmlns="" val="1"/>
+                <ma14:wrappingTextBoxFlag xmlns="" xmlns:m="http://schemas.openxmlformats.org/officeDocument/2006/math" xmlns:a14="http://schemas.microsoft.com/office/drawing/2010/main" xmlns:ma14="http://schemas.microsoft.com/office/mac/drawingml/2011/main" val="1"/>
               </a:ext>
             </a:extLst>
           </p:spPr>
@@ -6888,7 +6961,7 @@
             <a:effectLst/>
             <a:extLst>
               <a:ext uri="{C572A759-6A51-4108-AA02-DFA0A04FC94B}">
-                <ma14:wrappingTextBoxFlag xmlns:ma14="http://schemas.microsoft.com/office/mac/drawingml/2011/main" xmlns:a14="http://schemas.microsoft.com/office/drawing/2010/main" xmlns:m="http://schemas.openxmlformats.org/officeDocument/2006/math" xmlns="" val="1"/>
+                <ma14:wrappingTextBoxFlag xmlns="" xmlns:m="http://schemas.openxmlformats.org/officeDocument/2006/math" xmlns:a14="http://schemas.microsoft.com/office/drawing/2010/main" xmlns:ma14="http://schemas.microsoft.com/office/mac/drawingml/2011/main" val="1"/>
               </a:ext>
             </a:extLst>
           </p:spPr>
@@ -7047,7 +7120,7 @@
             <a:effectLst/>
             <a:extLst>
               <a:ext uri="{C572A759-6A51-4108-AA02-DFA0A04FC94B}">
-                <ma14:wrappingTextBoxFlag xmlns:ma14="http://schemas.microsoft.com/office/mac/drawingml/2011/main" xmlns:a14="http://schemas.microsoft.com/office/drawing/2010/main" xmlns:m="http://schemas.openxmlformats.org/officeDocument/2006/math" xmlns="" val="1"/>
+                <ma14:wrappingTextBoxFlag xmlns="" xmlns:m="http://schemas.openxmlformats.org/officeDocument/2006/math" xmlns:a14="http://schemas.microsoft.com/office/drawing/2010/main" xmlns:ma14="http://schemas.microsoft.com/office/mac/drawingml/2011/main" val="1"/>
               </a:ext>
             </a:extLst>
           </p:spPr>
@@ -7143,7 +7216,7 @@
             <a:effectLst/>
             <a:extLst>
               <a:ext uri="{C572A759-6A51-4108-AA02-DFA0A04FC94B}">
-                <ma14:wrappingTextBoxFlag xmlns:ma14="http://schemas.microsoft.com/office/mac/drawingml/2011/main" xmlns:a14="http://schemas.microsoft.com/office/drawing/2010/main" xmlns:m="http://schemas.openxmlformats.org/officeDocument/2006/math" xmlns="" val="1"/>
+                <ma14:wrappingTextBoxFlag xmlns="" xmlns:m="http://schemas.openxmlformats.org/officeDocument/2006/math" xmlns:a14="http://schemas.microsoft.com/office/drawing/2010/main" xmlns:ma14="http://schemas.microsoft.com/office/mac/drawingml/2011/main" val="1"/>
               </a:ext>
             </a:extLst>
           </p:spPr>
@@ -7326,7 +7399,7 @@
             <a:effectLst/>
             <a:extLst>
               <a:ext uri="{C572A759-6A51-4108-AA02-DFA0A04FC94B}">
-                <ma14:wrappingTextBoxFlag xmlns:ma14="http://schemas.microsoft.com/office/mac/drawingml/2011/main" xmlns:a14="http://schemas.microsoft.com/office/drawing/2010/main" xmlns:m="http://schemas.openxmlformats.org/officeDocument/2006/math" xmlns="" val="1"/>
+                <ma14:wrappingTextBoxFlag xmlns="" xmlns:m="http://schemas.openxmlformats.org/officeDocument/2006/math" xmlns:a14="http://schemas.microsoft.com/office/drawing/2010/main" xmlns:ma14="http://schemas.microsoft.com/office/mac/drawingml/2011/main" val="1"/>
               </a:ext>
             </a:extLst>
           </p:spPr>
@@ -7422,7 +7495,7 @@
             <a:effectLst/>
             <a:extLst>
               <a:ext uri="{C572A759-6A51-4108-AA02-DFA0A04FC94B}">
-                <ma14:wrappingTextBoxFlag xmlns:ma14="http://schemas.microsoft.com/office/mac/drawingml/2011/main" xmlns:a14="http://schemas.microsoft.com/office/drawing/2010/main" xmlns:m="http://schemas.openxmlformats.org/officeDocument/2006/math" xmlns="" val="1"/>
+                <ma14:wrappingTextBoxFlag xmlns="" xmlns:m="http://schemas.openxmlformats.org/officeDocument/2006/math" xmlns:a14="http://schemas.microsoft.com/office/drawing/2010/main" xmlns:ma14="http://schemas.microsoft.com/office/mac/drawingml/2011/main" val="1"/>
               </a:ext>
             </a:extLst>
           </p:spPr>
@@ -7599,7 +7672,7 @@
             <a:effectLst/>
             <a:extLst>
               <a:ext uri="{C572A759-6A51-4108-AA02-DFA0A04FC94B}">
-                <ma14:wrappingTextBoxFlag xmlns:ma14="http://schemas.microsoft.com/office/mac/drawingml/2011/main" xmlns:a14="http://schemas.microsoft.com/office/drawing/2010/main" xmlns:m="http://schemas.openxmlformats.org/officeDocument/2006/math" xmlns="" val="1"/>
+                <ma14:wrappingTextBoxFlag xmlns="" xmlns:m="http://schemas.openxmlformats.org/officeDocument/2006/math" xmlns:a14="http://schemas.microsoft.com/office/drawing/2010/main" xmlns:ma14="http://schemas.microsoft.com/office/mac/drawingml/2011/main" val="1"/>
               </a:ext>
             </a:extLst>
           </p:spPr>
@@ -7661,6 +7734,13 @@
     <a:masterClrMapping/>
   </p:clrMapOvr>
   <p:transition spd="med"/>
+  <p:timing>
+    <p:tnLst>
+      <p:par>
+        <p:cTn id="1" dur="indefinite" restart="never" nodeType="tmRoot"/>
+      </p:par>
+    </p:tnLst>
+  </p:timing>
 </p:sld>
 </file>
 
@@ -7775,7 +7855,7 @@
         </p:nvSpPr>
         <p:spPr>
           <a:xfrm rot="10800000">
-            <a:off x="4414366" y="4081018"/>
+            <a:off x="4297756" y="4071965"/>
             <a:ext cx="470780" cy="416122"/>
           </a:xfrm>
           <a:prstGeom prst="rightArrow">
@@ -7869,6 +7949,52 @@
           </a:prstGeom>
         </p:spPr>
       </p:pic>
+      <p:sp>
+        <p:nvSpPr>
+          <p:cNvPr id="8" name="직사각형 7"/>
+          <p:cNvSpPr/>
+          <p:nvPr/>
+        </p:nvSpPr>
+        <p:spPr>
+          <a:xfrm>
+            <a:off x="4952246" y="3851919"/>
+            <a:ext cx="5421941" cy="2005673"/>
+          </a:xfrm>
+          <a:prstGeom prst="rect">
+            <a:avLst/>
+          </a:prstGeom>
+          <a:noFill/>
+          <a:ln w="76200">
+            <a:solidFill>
+              <a:srgbClr val="FF0000"/>
+            </a:solidFill>
+          </a:ln>
+        </p:spPr>
+        <p:style>
+          <a:lnRef idx="2">
+            <a:schemeClr val="accent1">
+              <a:shade val="50000"/>
+            </a:schemeClr>
+          </a:lnRef>
+          <a:fillRef idx="1">
+            <a:schemeClr val="accent1"/>
+          </a:fillRef>
+          <a:effectRef idx="0">
+            <a:schemeClr val="accent1"/>
+          </a:effectRef>
+          <a:fontRef idx="minor">
+            <a:schemeClr val="lt1"/>
+          </a:fontRef>
+        </p:style>
+        <p:txBody>
+          <a:bodyPr rtlCol="0" anchor="ctr"/>
+          <a:lstStyle/>
+          <a:p>
+            <a:pPr algn="ctr"/>
+            <a:endParaRPr lang="ko-KR" altLang="en-US"/>
+          </a:p>
+        </p:txBody>
+      </p:sp>
     </p:spTree>
     <p:extLst>
       <p:ext uri="{BB962C8B-B14F-4D97-AF65-F5344CB8AC3E}">
@@ -7880,6 +8006,13 @@
     <a:masterClrMapping/>
   </p:clrMapOvr>
   <p:transition spd="med"/>
+  <p:timing>
+    <p:tnLst>
+      <p:par>
+        <p:cTn id="1" dur="indefinite" restart="never" nodeType="tmRoot"/>
+      </p:par>
+    </p:tnLst>
+  </p:timing>
 </p:sld>
 </file>
 
@@ -8962,7 +9095,7 @@
           </a:ln>
           <a:extLst>
             <a:ext uri="{C572A759-6A51-4108-AA02-DFA0A04FC94B}">
-              <ma14:wrappingTextBoxFlag xmlns:ma14="http://schemas.microsoft.com/office/mac/drawingml/2011/main" xmlns:a14="http://schemas.microsoft.com/office/drawing/2010/main" xmlns:m="http://schemas.openxmlformats.org/officeDocument/2006/math" xmlns="" val="1"/>
+              <ma14:wrappingTextBoxFlag xmlns="" xmlns:m="http://schemas.openxmlformats.org/officeDocument/2006/math" xmlns:a14="http://schemas.microsoft.com/office/drawing/2010/main" xmlns:ma14="http://schemas.microsoft.com/office/mac/drawingml/2011/main" val="1"/>
             </a:ext>
           </a:extLst>
         </p:spPr>
@@ -9053,7 +9186,7 @@
             <a:effectLst/>
             <a:extLst>
               <a:ext uri="{C572A759-6A51-4108-AA02-DFA0A04FC94B}">
-                <ma14:wrappingTextBoxFlag xmlns:ma14="http://schemas.microsoft.com/office/mac/drawingml/2011/main" xmlns:a14="http://schemas.microsoft.com/office/drawing/2010/main" xmlns:m="http://schemas.openxmlformats.org/officeDocument/2006/math" xmlns="" val="1"/>
+                <ma14:wrappingTextBoxFlag xmlns="" xmlns:m="http://schemas.openxmlformats.org/officeDocument/2006/math" xmlns:a14="http://schemas.microsoft.com/office/drawing/2010/main" xmlns:ma14="http://schemas.microsoft.com/office/mac/drawingml/2011/main" val="1"/>
               </a:ext>
             </a:extLst>
           </p:spPr>
@@ -9149,7 +9282,7 @@
             <a:effectLst/>
             <a:extLst>
               <a:ext uri="{C572A759-6A51-4108-AA02-DFA0A04FC94B}">
-                <ma14:wrappingTextBoxFlag xmlns:ma14="http://schemas.microsoft.com/office/mac/drawingml/2011/main" xmlns:a14="http://schemas.microsoft.com/office/drawing/2010/main" xmlns:m="http://schemas.openxmlformats.org/officeDocument/2006/math" xmlns="" val="1"/>
+                <ma14:wrappingTextBoxFlag xmlns="" xmlns:m="http://schemas.openxmlformats.org/officeDocument/2006/math" xmlns:a14="http://schemas.microsoft.com/office/drawing/2010/main" xmlns:ma14="http://schemas.microsoft.com/office/mac/drawingml/2011/main" val="1"/>
               </a:ext>
             </a:extLst>
           </p:spPr>
@@ -9315,7 +9448,7 @@
             <a:effectLst/>
             <a:extLst>
               <a:ext uri="{C572A759-6A51-4108-AA02-DFA0A04FC94B}">
-                <ma14:wrappingTextBoxFlag xmlns:ma14="http://schemas.microsoft.com/office/mac/drawingml/2011/main" xmlns:a14="http://schemas.microsoft.com/office/drawing/2010/main" xmlns:m="http://schemas.openxmlformats.org/officeDocument/2006/math" xmlns="" val="1"/>
+                <ma14:wrappingTextBoxFlag xmlns="" xmlns:m="http://schemas.openxmlformats.org/officeDocument/2006/math" xmlns:a14="http://schemas.microsoft.com/office/drawing/2010/main" xmlns:ma14="http://schemas.microsoft.com/office/mac/drawingml/2011/main" val="1"/>
               </a:ext>
             </a:extLst>
           </p:spPr>
@@ -9411,7 +9544,7 @@
             <a:effectLst/>
             <a:extLst>
               <a:ext uri="{C572A759-6A51-4108-AA02-DFA0A04FC94B}">
-                <ma14:wrappingTextBoxFlag xmlns:ma14="http://schemas.microsoft.com/office/mac/drawingml/2011/main" xmlns:a14="http://schemas.microsoft.com/office/drawing/2010/main" xmlns:m="http://schemas.openxmlformats.org/officeDocument/2006/math" xmlns="" val="1"/>
+                <ma14:wrappingTextBoxFlag xmlns="" xmlns:m="http://schemas.openxmlformats.org/officeDocument/2006/math" xmlns:a14="http://schemas.microsoft.com/office/drawing/2010/main" xmlns:ma14="http://schemas.microsoft.com/office/mac/drawingml/2011/main" val="1"/>
               </a:ext>
             </a:extLst>
           </p:spPr>
@@ -9507,7 +9640,7 @@
             <a:effectLst/>
             <a:extLst>
               <a:ext uri="{C572A759-6A51-4108-AA02-DFA0A04FC94B}">
-                <ma14:wrappingTextBoxFlag xmlns:ma14="http://schemas.microsoft.com/office/mac/drawingml/2011/main" xmlns:a14="http://schemas.microsoft.com/office/drawing/2010/main" xmlns:m="http://schemas.openxmlformats.org/officeDocument/2006/math" xmlns="" val="1"/>
+                <ma14:wrappingTextBoxFlag xmlns="" xmlns:m="http://schemas.openxmlformats.org/officeDocument/2006/math" xmlns:a14="http://schemas.microsoft.com/office/drawing/2010/main" xmlns:ma14="http://schemas.microsoft.com/office/mac/drawingml/2011/main" val="1"/>
               </a:ext>
             </a:extLst>
           </p:spPr>
@@ -9589,7 +9722,7 @@
           </a:ln>
           <a:extLst>
             <a:ext uri="{C572A759-6A51-4108-AA02-DFA0A04FC94B}">
-              <ma14:wrappingTextBoxFlag xmlns:ma14="http://schemas.microsoft.com/office/mac/drawingml/2011/main" xmlns:a14="http://schemas.microsoft.com/office/drawing/2010/main" xmlns:m="http://schemas.openxmlformats.org/officeDocument/2006/math" xmlns="" val="1"/>
+              <ma14:wrappingTextBoxFlag xmlns="" xmlns:m="http://schemas.openxmlformats.org/officeDocument/2006/math" xmlns:a14="http://schemas.microsoft.com/office/drawing/2010/main" xmlns:ma14="http://schemas.microsoft.com/office/mac/drawingml/2011/main" val="1"/>
             </a:ext>
           </a:extLst>
         </p:spPr>
@@ -9680,7 +9813,7 @@
             <a:effectLst/>
             <a:extLst>
               <a:ext uri="{C572A759-6A51-4108-AA02-DFA0A04FC94B}">
-                <ma14:wrappingTextBoxFlag xmlns:ma14="http://schemas.microsoft.com/office/mac/drawingml/2011/main" xmlns:a14="http://schemas.microsoft.com/office/drawing/2010/main" xmlns:m="http://schemas.openxmlformats.org/officeDocument/2006/math" xmlns="" val="1"/>
+                <ma14:wrappingTextBoxFlag xmlns="" xmlns:m="http://schemas.openxmlformats.org/officeDocument/2006/math" xmlns:a14="http://schemas.microsoft.com/office/drawing/2010/main" xmlns:ma14="http://schemas.microsoft.com/office/mac/drawingml/2011/main" val="1"/>
               </a:ext>
             </a:extLst>
           </p:spPr>
@@ -9776,7 +9909,7 @@
             <a:effectLst/>
             <a:extLst>
               <a:ext uri="{C572A759-6A51-4108-AA02-DFA0A04FC94B}">
-                <ma14:wrappingTextBoxFlag xmlns:ma14="http://schemas.microsoft.com/office/mac/drawingml/2011/main" xmlns:a14="http://schemas.microsoft.com/office/drawing/2010/main" xmlns:m="http://schemas.openxmlformats.org/officeDocument/2006/math" xmlns="" val="1"/>
+                <ma14:wrappingTextBoxFlag xmlns="" xmlns:m="http://schemas.openxmlformats.org/officeDocument/2006/math" xmlns:a14="http://schemas.microsoft.com/office/drawing/2010/main" xmlns:ma14="http://schemas.microsoft.com/office/mac/drawingml/2011/main" val="1"/>
               </a:ext>
             </a:extLst>
           </p:spPr>
@@ -9942,7 +10075,7 @@
             <a:effectLst/>
             <a:extLst>
               <a:ext uri="{C572A759-6A51-4108-AA02-DFA0A04FC94B}">
-                <ma14:wrappingTextBoxFlag xmlns:ma14="http://schemas.microsoft.com/office/mac/drawingml/2011/main" xmlns:a14="http://schemas.microsoft.com/office/drawing/2010/main" xmlns:m="http://schemas.openxmlformats.org/officeDocument/2006/math" xmlns="" val="1"/>
+                <ma14:wrappingTextBoxFlag xmlns="" xmlns:m="http://schemas.openxmlformats.org/officeDocument/2006/math" xmlns:a14="http://schemas.microsoft.com/office/drawing/2010/main" xmlns:ma14="http://schemas.microsoft.com/office/mac/drawingml/2011/main" val="1"/>
               </a:ext>
             </a:extLst>
           </p:spPr>
@@ -10038,7 +10171,7 @@
             <a:effectLst/>
             <a:extLst>
               <a:ext uri="{C572A759-6A51-4108-AA02-DFA0A04FC94B}">
-                <ma14:wrappingTextBoxFlag xmlns:ma14="http://schemas.microsoft.com/office/mac/drawingml/2011/main" xmlns:a14="http://schemas.microsoft.com/office/drawing/2010/main" xmlns:m="http://schemas.openxmlformats.org/officeDocument/2006/math" xmlns="" val="1"/>
+                <ma14:wrappingTextBoxFlag xmlns="" xmlns:m="http://schemas.openxmlformats.org/officeDocument/2006/math" xmlns:a14="http://schemas.microsoft.com/office/drawing/2010/main" xmlns:ma14="http://schemas.microsoft.com/office/mac/drawingml/2011/main" val="1"/>
               </a:ext>
             </a:extLst>
           </p:spPr>
@@ -10134,7 +10267,7 @@
             <a:effectLst/>
             <a:extLst>
               <a:ext uri="{C572A759-6A51-4108-AA02-DFA0A04FC94B}">
-                <ma14:wrappingTextBoxFlag xmlns:ma14="http://schemas.microsoft.com/office/mac/drawingml/2011/main" xmlns:a14="http://schemas.microsoft.com/office/drawing/2010/main" xmlns:m="http://schemas.openxmlformats.org/officeDocument/2006/math" xmlns="" val="1"/>
+                <ma14:wrappingTextBoxFlag xmlns="" xmlns:m="http://schemas.openxmlformats.org/officeDocument/2006/math" xmlns:a14="http://schemas.microsoft.com/office/drawing/2010/main" xmlns:ma14="http://schemas.microsoft.com/office/mac/drawingml/2011/main" val="1"/>
               </a:ext>
             </a:extLst>
           </p:spPr>
@@ -10311,7 +10444,7 @@
             <a:effectLst/>
             <a:extLst>
               <a:ext uri="{C572A759-6A51-4108-AA02-DFA0A04FC94B}">
-                <ma14:wrappingTextBoxFlag xmlns:ma14="http://schemas.microsoft.com/office/mac/drawingml/2011/main" xmlns:a14="http://schemas.microsoft.com/office/drawing/2010/main" xmlns:m="http://schemas.openxmlformats.org/officeDocument/2006/math" xmlns="" val="1"/>
+                <ma14:wrappingTextBoxFlag xmlns="" xmlns:m="http://schemas.openxmlformats.org/officeDocument/2006/math" xmlns:a14="http://schemas.microsoft.com/office/drawing/2010/main" xmlns:ma14="http://schemas.microsoft.com/office/mac/drawingml/2011/main" val="1"/>
               </a:ext>
             </a:extLst>
           </p:spPr>
@@ -10412,6 +10545,13 @@
     <a:masterClrMapping/>
   </p:clrMapOvr>
   <p:transition spd="med"/>
+  <p:timing>
+    <p:tnLst>
+      <p:par>
+        <p:cTn id="1" dur="indefinite" restart="never" nodeType="tmRoot"/>
+      </p:par>
+    </p:tnLst>
+  </p:timing>
 </p:sld>
 </file>
 
@@ -11488,7 +11628,7 @@
           </a:ln>
           <a:extLst>
             <a:ext uri="{C572A759-6A51-4108-AA02-DFA0A04FC94B}">
-              <ma14:wrappingTextBoxFlag xmlns:ma14="http://schemas.microsoft.com/office/mac/drawingml/2011/main" xmlns:a14="http://schemas.microsoft.com/office/drawing/2010/main" xmlns:m="http://schemas.openxmlformats.org/officeDocument/2006/math" xmlns="" val="1"/>
+              <ma14:wrappingTextBoxFlag xmlns="" xmlns:m="http://schemas.openxmlformats.org/officeDocument/2006/math" xmlns:a14="http://schemas.microsoft.com/office/drawing/2010/main" xmlns:ma14="http://schemas.microsoft.com/office/mac/drawingml/2011/main" val="1"/>
             </a:ext>
           </a:extLst>
         </p:spPr>
@@ -11587,7 +11727,7 @@
             <a:effectLst/>
             <a:extLst>
               <a:ext uri="{C572A759-6A51-4108-AA02-DFA0A04FC94B}">
-                <ma14:wrappingTextBoxFlag xmlns:ma14="http://schemas.microsoft.com/office/mac/drawingml/2011/main" xmlns:a14="http://schemas.microsoft.com/office/drawing/2010/main" xmlns:m="http://schemas.openxmlformats.org/officeDocument/2006/math" xmlns="" val="1"/>
+                <ma14:wrappingTextBoxFlag xmlns="" xmlns:m="http://schemas.openxmlformats.org/officeDocument/2006/math" xmlns:a14="http://schemas.microsoft.com/office/drawing/2010/main" xmlns:ma14="http://schemas.microsoft.com/office/mac/drawingml/2011/main" val="1"/>
               </a:ext>
             </a:extLst>
           </p:spPr>
@@ -11670,7 +11810,7 @@
           </a:ln>
           <a:extLst>
             <a:ext uri="{C572A759-6A51-4108-AA02-DFA0A04FC94B}">
-              <ma14:wrappingTextBoxFlag xmlns:ma14="http://schemas.microsoft.com/office/mac/drawingml/2011/main" xmlns:a14="http://schemas.microsoft.com/office/drawing/2010/main" xmlns:m="http://schemas.openxmlformats.org/officeDocument/2006/math" xmlns="" val="1"/>
+              <ma14:wrappingTextBoxFlag xmlns="" xmlns:m="http://schemas.openxmlformats.org/officeDocument/2006/math" xmlns:a14="http://schemas.microsoft.com/office/drawing/2010/main" xmlns:ma14="http://schemas.microsoft.com/office/mac/drawingml/2011/main" val="1"/>
             </a:ext>
           </a:extLst>
         </p:spPr>
@@ -11784,7 +11924,7 @@
             <a:effectLst/>
             <a:extLst>
               <a:ext uri="{C572A759-6A51-4108-AA02-DFA0A04FC94B}">
-                <ma14:wrappingTextBoxFlag xmlns:ma14="http://schemas.microsoft.com/office/mac/drawingml/2011/main" xmlns:a14="http://schemas.microsoft.com/office/drawing/2010/main" xmlns:m="http://schemas.openxmlformats.org/officeDocument/2006/math" xmlns="" val="1"/>
+                <ma14:wrappingTextBoxFlag xmlns="" xmlns:m="http://schemas.openxmlformats.org/officeDocument/2006/math" xmlns:a14="http://schemas.microsoft.com/office/drawing/2010/main" xmlns:ma14="http://schemas.microsoft.com/office/mac/drawingml/2011/main" val="1"/>
               </a:ext>
             </a:extLst>
           </p:spPr>
@@ -11888,7 +12028,7 @@
             <a:effectLst/>
             <a:extLst>
               <a:ext uri="{C572A759-6A51-4108-AA02-DFA0A04FC94B}">
-                <ma14:wrappingTextBoxFlag xmlns:ma14="http://schemas.microsoft.com/office/mac/drawingml/2011/main" xmlns:a14="http://schemas.microsoft.com/office/drawing/2010/main" xmlns:m="http://schemas.openxmlformats.org/officeDocument/2006/math" xmlns="" val="1"/>
+                <ma14:wrappingTextBoxFlag xmlns="" xmlns:m="http://schemas.openxmlformats.org/officeDocument/2006/math" xmlns:a14="http://schemas.microsoft.com/office/drawing/2010/main" xmlns:ma14="http://schemas.microsoft.com/office/mac/drawingml/2011/main" val="1"/>
               </a:ext>
             </a:extLst>
           </p:spPr>
@@ -11992,7 +12132,7 @@
             <a:effectLst/>
             <a:extLst>
               <a:ext uri="{C572A759-6A51-4108-AA02-DFA0A04FC94B}">
-                <ma14:wrappingTextBoxFlag xmlns:ma14="http://schemas.microsoft.com/office/mac/drawingml/2011/main" xmlns:a14="http://schemas.microsoft.com/office/drawing/2010/main" xmlns:m="http://schemas.openxmlformats.org/officeDocument/2006/math" xmlns="" val="1"/>
+                <ma14:wrappingTextBoxFlag xmlns="" xmlns:m="http://schemas.openxmlformats.org/officeDocument/2006/math" xmlns:a14="http://schemas.microsoft.com/office/drawing/2010/main" xmlns:ma14="http://schemas.microsoft.com/office/mac/drawingml/2011/main" val="1"/>
               </a:ext>
             </a:extLst>
           </p:spPr>
@@ -12023,6 +12163,13 @@
     <a:masterClrMapping/>
   </p:clrMapOvr>
   <p:transition spd="med"/>
+  <p:timing>
+    <p:tnLst>
+      <p:par>
+        <p:cTn id="1" dur="indefinite" restart="never" nodeType="tmRoot"/>
+      </p:par>
+    </p:tnLst>
+  </p:timing>
 </p:sld>
 </file>
 
@@ -13133,7 +13280,7 @@
           </a:ln>
           <a:extLst>
             <a:ext uri="{C572A759-6A51-4108-AA02-DFA0A04FC94B}">
-              <ma14:wrappingTextBoxFlag xmlns:ma14="http://schemas.microsoft.com/office/mac/drawingml/2011/main" xmlns:a14="http://schemas.microsoft.com/office/drawing/2010/main" xmlns:m="http://schemas.openxmlformats.org/officeDocument/2006/math" xmlns="" val="1"/>
+              <ma14:wrappingTextBoxFlag xmlns="" xmlns:m="http://schemas.openxmlformats.org/officeDocument/2006/math" xmlns:a14="http://schemas.microsoft.com/office/drawing/2010/main" xmlns:ma14="http://schemas.microsoft.com/office/mac/drawingml/2011/main" val="1"/>
             </a:ext>
           </a:extLst>
         </p:spPr>
@@ -13275,7 +13422,7 @@
           </a:ln>
           <a:extLst>
             <a:ext uri="{C572A759-6A51-4108-AA02-DFA0A04FC94B}">
-              <ma14:wrappingTextBoxFlag xmlns:ma14="http://schemas.microsoft.com/office/mac/drawingml/2011/main" xmlns:a14="http://schemas.microsoft.com/office/drawing/2010/main" xmlns:m="http://schemas.openxmlformats.org/officeDocument/2006/math" xmlns="" val="1"/>
+              <ma14:wrappingTextBoxFlag xmlns="" xmlns:m="http://schemas.openxmlformats.org/officeDocument/2006/math" xmlns:a14="http://schemas.microsoft.com/office/drawing/2010/main" xmlns:ma14="http://schemas.microsoft.com/office/mac/drawingml/2011/main" val="1"/>
             </a:ext>
           </a:extLst>
         </p:spPr>
@@ -13370,7 +13517,7 @@
             <a:effectLst/>
             <a:extLst>
               <a:ext uri="{C572A759-6A51-4108-AA02-DFA0A04FC94B}">
-                <ma14:wrappingTextBoxFlag xmlns:ma14="http://schemas.microsoft.com/office/mac/drawingml/2011/main" xmlns:a14="http://schemas.microsoft.com/office/drawing/2010/main" xmlns:m="http://schemas.openxmlformats.org/officeDocument/2006/math" xmlns="" val="1"/>
+                <ma14:wrappingTextBoxFlag xmlns="" xmlns:m="http://schemas.openxmlformats.org/officeDocument/2006/math" xmlns:a14="http://schemas.microsoft.com/office/drawing/2010/main" xmlns:ma14="http://schemas.microsoft.com/office/mac/drawingml/2011/main" val="1"/>
               </a:ext>
             </a:extLst>
           </p:spPr>
@@ -13401,6 +13548,13 @@
     <a:masterClrMapping/>
   </p:clrMapOvr>
   <p:transition spd="med"/>
+  <p:timing>
+    <p:tnLst>
+      <p:par>
+        <p:cTn id="1" dur="indefinite" restart="never" nodeType="tmRoot"/>
+      </p:par>
+    </p:tnLst>
+  </p:timing>
 </p:sld>
 </file>
 
@@ -14491,7 +14645,7 @@
           </a:ln>
           <a:extLst>
             <a:ext uri="{C572A759-6A51-4108-AA02-DFA0A04FC94B}">
-              <ma14:wrappingTextBoxFlag xmlns:ma14="http://schemas.microsoft.com/office/mac/drawingml/2011/main" xmlns:a14="http://schemas.microsoft.com/office/drawing/2010/main" xmlns:m="http://schemas.openxmlformats.org/officeDocument/2006/math" xmlns="" val="1"/>
+              <ma14:wrappingTextBoxFlag xmlns="" xmlns:m="http://schemas.openxmlformats.org/officeDocument/2006/math" xmlns:a14="http://schemas.microsoft.com/office/drawing/2010/main" xmlns:ma14="http://schemas.microsoft.com/office/mac/drawingml/2011/main" val="1"/>
             </a:ext>
           </a:extLst>
         </p:spPr>
@@ -14576,7 +14730,7 @@
           </a:ln>
           <a:extLst>
             <a:ext uri="{C572A759-6A51-4108-AA02-DFA0A04FC94B}">
-              <ma14:wrappingTextBoxFlag xmlns:ma14="http://schemas.microsoft.com/office/mac/drawingml/2011/main" xmlns:a14="http://schemas.microsoft.com/office/drawing/2010/main" xmlns:m="http://schemas.openxmlformats.org/officeDocument/2006/math" xmlns="" val="1"/>
+              <ma14:wrappingTextBoxFlag xmlns="" xmlns:m="http://schemas.openxmlformats.org/officeDocument/2006/math" xmlns:a14="http://schemas.microsoft.com/office/drawing/2010/main" xmlns:ma14="http://schemas.microsoft.com/office/mac/drawingml/2011/main" val="1"/>
             </a:ext>
           </a:extLst>
         </p:spPr>
@@ -14671,7 +14825,7 @@
             <a:effectLst/>
             <a:extLst>
               <a:ext uri="{C572A759-6A51-4108-AA02-DFA0A04FC94B}">
-                <ma14:wrappingTextBoxFlag xmlns:ma14="http://schemas.microsoft.com/office/mac/drawingml/2011/main" xmlns:a14="http://schemas.microsoft.com/office/drawing/2010/main" xmlns:m="http://schemas.openxmlformats.org/officeDocument/2006/math" xmlns="" val="1"/>
+                <ma14:wrappingTextBoxFlag xmlns="" xmlns:m="http://schemas.openxmlformats.org/officeDocument/2006/math" xmlns:a14="http://schemas.microsoft.com/office/drawing/2010/main" xmlns:ma14="http://schemas.microsoft.com/office/mac/drawingml/2011/main" val="1"/>
               </a:ext>
             </a:extLst>
           </p:spPr>
@@ -14806,7 +14960,7 @@
             <a:effectLst/>
             <a:extLst>
               <a:ext uri="{C572A759-6A51-4108-AA02-DFA0A04FC94B}">
-                <ma14:wrappingTextBoxFlag xmlns:ma14="http://schemas.microsoft.com/office/mac/drawingml/2011/main" xmlns:a14="http://schemas.microsoft.com/office/drawing/2010/main" xmlns:m="http://schemas.openxmlformats.org/officeDocument/2006/math" xmlns="" val="1"/>
+                <ma14:wrappingTextBoxFlag xmlns="" xmlns:m="http://schemas.openxmlformats.org/officeDocument/2006/math" xmlns:a14="http://schemas.microsoft.com/office/drawing/2010/main" xmlns:ma14="http://schemas.microsoft.com/office/mac/drawingml/2011/main" val="1"/>
               </a:ext>
             </a:extLst>
           </p:spPr>
@@ -14941,7 +15095,7 @@
             <a:effectLst/>
             <a:extLst>
               <a:ext uri="{C572A759-6A51-4108-AA02-DFA0A04FC94B}">
-                <ma14:wrappingTextBoxFlag xmlns:ma14="http://schemas.microsoft.com/office/mac/drawingml/2011/main" xmlns:a14="http://schemas.microsoft.com/office/drawing/2010/main" xmlns:m="http://schemas.openxmlformats.org/officeDocument/2006/math" xmlns="" val="1"/>
+                <ma14:wrappingTextBoxFlag xmlns="" xmlns:m="http://schemas.openxmlformats.org/officeDocument/2006/math" xmlns:a14="http://schemas.microsoft.com/office/drawing/2010/main" xmlns:ma14="http://schemas.microsoft.com/office/mac/drawingml/2011/main" val="1"/>
               </a:ext>
             </a:extLst>
           </p:spPr>
@@ -15037,7 +15191,7 @@
             <a:effectLst/>
             <a:extLst>
               <a:ext uri="{C572A759-6A51-4108-AA02-DFA0A04FC94B}">
-                <ma14:wrappingTextBoxFlag xmlns:ma14="http://schemas.microsoft.com/office/mac/drawingml/2011/main" xmlns:a14="http://schemas.microsoft.com/office/drawing/2010/main" xmlns:m="http://schemas.openxmlformats.org/officeDocument/2006/math" xmlns="" val="1"/>
+                <ma14:wrappingTextBoxFlag xmlns="" xmlns:m="http://schemas.openxmlformats.org/officeDocument/2006/math" xmlns:a14="http://schemas.microsoft.com/office/drawing/2010/main" xmlns:ma14="http://schemas.microsoft.com/office/mac/drawingml/2011/main" val="1"/>
               </a:ext>
             </a:extLst>
           </p:spPr>
@@ -15172,7 +15326,7 @@
             <a:effectLst/>
             <a:extLst>
               <a:ext uri="{C572A759-6A51-4108-AA02-DFA0A04FC94B}">
-                <ma14:wrappingTextBoxFlag xmlns:ma14="http://schemas.microsoft.com/office/mac/drawingml/2011/main" xmlns:a14="http://schemas.microsoft.com/office/drawing/2010/main" xmlns:m="http://schemas.openxmlformats.org/officeDocument/2006/math" xmlns="" val="1"/>
+                <ma14:wrappingTextBoxFlag xmlns="" xmlns:m="http://schemas.openxmlformats.org/officeDocument/2006/math" xmlns:a14="http://schemas.microsoft.com/office/drawing/2010/main" xmlns:ma14="http://schemas.microsoft.com/office/mac/drawingml/2011/main" val="1"/>
               </a:ext>
             </a:extLst>
           </p:spPr>
@@ -15307,7 +15461,7 @@
             <a:effectLst/>
             <a:extLst>
               <a:ext uri="{C572A759-6A51-4108-AA02-DFA0A04FC94B}">
-                <ma14:wrappingTextBoxFlag xmlns:ma14="http://schemas.microsoft.com/office/mac/drawingml/2011/main" xmlns:a14="http://schemas.microsoft.com/office/drawing/2010/main" xmlns:m="http://schemas.openxmlformats.org/officeDocument/2006/math" xmlns="" val="1"/>
+                <ma14:wrappingTextBoxFlag xmlns="" xmlns:m="http://schemas.openxmlformats.org/officeDocument/2006/math" xmlns:a14="http://schemas.microsoft.com/office/drawing/2010/main" xmlns:ma14="http://schemas.microsoft.com/office/mac/drawingml/2011/main" val="1"/>
               </a:ext>
             </a:extLst>
           </p:spPr>
@@ -15442,7 +15596,7 @@
             <a:effectLst/>
             <a:extLst>
               <a:ext uri="{C572A759-6A51-4108-AA02-DFA0A04FC94B}">
-                <ma14:wrappingTextBoxFlag xmlns:ma14="http://schemas.microsoft.com/office/mac/drawingml/2011/main" xmlns:a14="http://schemas.microsoft.com/office/drawing/2010/main" xmlns:m="http://schemas.openxmlformats.org/officeDocument/2006/math" xmlns="" val="1"/>
+                <ma14:wrappingTextBoxFlag xmlns="" xmlns:m="http://schemas.openxmlformats.org/officeDocument/2006/math" xmlns:a14="http://schemas.microsoft.com/office/drawing/2010/main" xmlns:ma14="http://schemas.microsoft.com/office/mac/drawingml/2011/main" val="1"/>
               </a:ext>
             </a:extLst>
           </p:spPr>
@@ -15538,7 +15692,7 @@
             <a:effectLst/>
             <a:extLst>
               <a:ext uri="{C572A759-6A51-4108-AA02-DFA0A04FC94B}">
-                <ma14:wrappingTextBoxFlag xmlns:ma14="http://schemas.microsoft.com/office/mac/drawingml/2011/main" xmlns:a14="http://schemas.microsoft.com/office/drawing/2010/main" xmlns:m="http://schemas.openxmlformats.org/officeDocument/2006/math" xmlns="" val="1"/>
+                <ma14:wrappingTextBoxFlag xmlns="" xmlns:m="http://schemas.openxmlformats.org/officeDocument/2006/math" xmlns:a14="http://schemas.microsoft.com/office/drawing/2010/main" xmlns:ma14="http://schemas.microsoft.com/office/mac/drawingml/2011/main" val="1"/>
               </a:ext>
             </a:extLst>
           </p:spPr>
@@ -15580,7 +15734,7 @@
           </a:ln>
           <a:extLst>
             <a:ext uri="{C572A759-6A51-4108-AA02-DFA0A04FC94B}">
-              <ma14:wrappingTextBoxFlag xmlns:ma14="http://schemas.microsoft.com/office/mac/drawingml/2011/main" xmlns:a14="http://schemas.microsoft.com/office/drawing/2010/main" xmlns:m="http://schemas.openxmlformats.org/officeDocument/2006/math" xmlns="" val="1"/>
+              <ma14:wrappingTextBoxFlag xmlns="" xmlns:m="http://schemas.openxmlformats.org/officeDocument/2006/math" xmlns:a14="http://schemas.microsoft.com/office/drawing/2010/main" xmlns:ma14="http://schemas.microsoft.com/office/mac/drawingml/2011/main" val="1"/>
             </a:ext>
           </a:extLst>
         </p:spPr>
@@ -15675,7 +15829,7 @@
             <a:effectLst/>
             <a:extLst>
               <a:ext uri="{C572A759-6A51-4108-AA02-DFA0A04FC94B}">
-                <ma14:wrappingTextBoxFlag xmlns:ma14="http://schemas.microsoft.com/office/mac/drawingml/2011/main" xmlns:a14="http://schemas.microsoft.com/office/drawing/2010/main" xmlns:m="http://schemas.openxmlformats.org/officeDocument/2006/math" xmlns="" val="1"/>
+                <ma14:wrappingTextBoxFlag xmlns="" xmlns:m="http://schemas.openxmlformats.org/officeDocument/2006/math" xmlns:a14="http://schemas.microsoft.com/office/drawing/2010/main" xmlns:ma14="http://schemas.microsoft.com/office/mac/drawingml/2011/main" val="1"/>
               </a:ext>
             </a:extLst>
           </p:spPr>
@@ -15771,7 +15925,7 @@
             <a:effectLst/>
             <a:extLst>
               <a:ext uri="{C572A759-6A51-4108-AA02-DFA0A04FC94B}">
-                <ma14:wrappingTextBoxFlag xmlns:ma14="http://schemas.microsoft.com/office/mac/drawingml/2011/main" xmlns:a14="http://schemas.microsoft.com/office/drawing/2010/main" xmlns:m="http://schemas.openxmlformats.org/officeDocument/2006/math" xmlns="" val="1"/>
+                <ma14:wrappingTextBoxFlag xmlns="" xmlns:m="http://schemas.openxmlformats.org/officeDocument/2006/math" xmlns:a14="http://schemas.microsoft.com/office/drawing/2010/main" xmlns:ma14="http://schemas.microsoft.com/office/mac/drawingml/2011/main" val="1"/>
               </a:ext>
             </a:extLst>
           </p:spPr>
@@ -15867,7 +16021,7 @@
             <a:effectLst/>
             <a:extLst>
               <a:ext uri="{C572A759-6A51-4108-AA02-DFA0A04FC94B}">
-                <ma14:wrappingTextBoxFlag xmlns:ma14="http://schemas.microsoft.com/office/mac/drawingml/2011/main" xmlns:a14="http://schemas.microsoft.com/office/drawing/2010/main" xmlns:m="http://schemas.openxmlformats.org/officeDocument/2006/math" xmlns="" val="1"/>
+                <ma14:wrappingTextBoxFlag xmlns="" xmlns:m="http://schemas.openxmlformats.org/officeDocument/2006/math" xmlns:a14="http://schemas.microsoft.com/office/drawing/2010/main" xmlns:ma14="http://schemas.microsoft.com/office/mac/drawingml/2011/main" val="1"/>
               </a:ext>
             </a:extLst>
           </p:spPr>
@@ -15963,7 +16117,7 @@
             <a:effectLst/>
             <a:extLst>
               <a:ext uri="{C572A759-6A51-4108-AA02-DFA0A04FC94B}">
-                <ma14:wrappingTextBoxFlag xmlns:ma14="http://schemas.microsoft.com/office/mac/drawingml/2011/main" xmlns:a14="http://schemas.microsoft.com/office/drawing/2010/main" xmlns:m="http://schemas.openxmlformats.org/officeDocument/2006/math" xmlns="" val="1"/>
+                <ma14:wrappingTextBoxFlag xmlns="" xmlns:m="http://schemas.openxmlformats.org/officeDocument/2006/math" xmlns:a14="http://schemas.microsoft.com/office/drawing/2010/main" xmlns:ma14="http://schemas.microsoft.com/office/mac/drawingml/2011/main" val="1"/>
               </a:ext>
             </a:extLst>
           </p:spPr>
@@ -16059,7 +16213,7 @@
             <a:effectLst/>
             <a:extLst>
               <a:ext uri="{C572A759-6A51-4108-AA02-DFA0A04FC94B}">
-                <ma14:wrappingTextBoxFlag xmlns:ma14="http://schemas.microsoft.com/office/mac/drawingml/2011/main" xmlns:a14="http://schemas.microsoft.com/office/drawing/2010/main" xmlns:m="http://schemas.openxmlformats.org/officeDocument/2006/math" xmlns="" val="1"/>
+                <ma14:wrappingTextBoxFlag xmlns="" xmlns:m="http://schemas.openxmlformats.org/officeDocument/2006/math" xmlns:a14="http://schemas.microsoft.com/office/drawing/2010/main" xmlns:ma14="http://schemas.microsoft.com/office/mac/drawingml/2011/main" val="1"/>
               </a:ext>
             </a:extLst>
           </p:spPr>
@@ -16194,7 +16348,7 @@
             <a:effectLst/>
             <a:extLst>
               <a:ext uri="{C572A759-6A51-4108-AA02-DFA0A04FC94B}">
-                <ma14:wrappingTextBoxFlag xmlns:ma14="http://schemas.microsoft.com/office/mac/drawingml/2011/main" xmlns:a14="http://schemas.microsoft.com/office/drawing/2010/main" xmlns:m="http://schemas.openxmlformats.org/officeDocument/2006/math" xmlns="" val="1"/>
+                <ma14:wrappingTextBoxFlag xmlns="" xmlns:m="http://schemas.openxmlformats.org/officeDocument/2006/math" xmlns:a14="http://schemas.microsoft.com/office/drawing/2010/main" xmlns:ma14="http://schemas.microsoft.com/office/mac/drawingml/2011/main" val="1"/>
               </a:ext>
             </a:extLst>
           </p:spPr>
@@ -16290,7 +16444,7 @@
             <a:effectLst/>
             <a:extLst>
               <a:ext uri="{C572A759-6A51-4108-AA02-DFA0A04FC94B}">
-                <ma14:wrappingTextBoxFlag xmlns:ma14="http://schemas.microsoft.com/office/mac/drawingml/2011/main" xmlns:a14="http://schemas.microsoft.com/office/drawing/2010/main" xmlns:m="http://schemas.openxmlformats.org/officeDocument/2006/math" xmlns="" val="1"/>
+                <ma14:wrappingTextBoxFlag xmlns="" xmlns:m="http://schemas.openxmlformats.org/officeDocument/2006/math" xmlns:a14="http://schemas.microsoft.com/office/drawing/2010/main" xmlns:ma14="http://schemas.microsoft.com/office/mac/drawingml/2011/main" val="1"/>
               </a:ext>
             </a:extLst>
           </p:spPr>
@@ -16425,7 +16579,7 @@
             <a:effectLst/>
             <a:extLst>
               <a:ext uri="{C572A759-6A51-4108-AA02-DFA0A04FC94B}">
-                <ma14:wrappingTextBoxFlag xmlns:ma14="http://schemas.microsoft.com/office/mac/drawingml/2011/main" xmlns:a14="http://schemas.microsoft.com/office/drawing/2010/main" xmlns:m="http://schemas.openxmlformats.org/officeDocument/2006/math" xmlns="" val="1"/>
+                <ma14:wrappingTextBoxFlag xmlns="" xmlns:m="http://schemas.openxmlformats.org/officeDocument/2006/math" xmlns:a14="http://schemas.microsoft.com/office/drawing/2010/main" xmlns:ma14="http://schemas.microsoft.com/office/mac/drawingml/2011/main" val="1"/>
               </a:ext>
             </a:extLst>
           </p:spPr>
@@ -16521,7 +16675,7 @@
             <a:effectLst/>
             <a:extLst>
               <a:ext uri="{C572A759-6A51-4108-AA02-DFA0A04FC94B}">
-                <ma14:wrappingTextBoxFlag xmlns:ma14="http://schemas.microsoft.com/office/mac/drawingml/2011/main" xmlns:a14="http://schemas.microsoft.com/office/drawing/2010/main" xmlns:m="http://schemas.openxmlformats.org/officeDocument/2006/math" xmlns="" val="1"/>
+                <ma14:wrappingTextBoxFlag xmlns="" xmlns:m="http://schemas.openxmlformats.org/officeDocument/2006/math" xmlns:a14="http://schemas.microsoft.com/office/drawing/2010/main" xmlns:ma14="http://schemas.microsoft.com/office/mac/drawingml/2011/main" val="1"/>
               </a:ext>
             </a:extLst>
           </p:spPr>
@@ -16621,7 +16775,7 @@
             <a:effectLst/>
             <a:extLst>
               <a:ext uri="{C572A759-6A51-4108-AA02-DFA0A04FC94B}">
-                <ma14:wrappingTextBoxFlag xmlns:ma14="http://schemas.microsoft.com/office/mac/drawingml/2011/main" xmlns:a14="http://schemas.microsoft.com/office/drawing/2010/main" xmlns:m="http://schemas.openxmlformats.org/officeDocument/2006/math" xmlns="" val="1"/>
+                <ma14:wrappingTextBoxFlag xmlns="" xmlns:m="http://schemas.openxmlformats.org/officeDocument/2006/math" xmlns:a14="http://schemas.microsoft.com/office/drawing/2010/main" xmlns:ma14="http://schemas.microsoft.com/office/mac/drawingml/2011/main" val="1"/>
               </a:ext>
             </a:extLst>
           </p:spPr>
@@ -16725,7 +16879,7 @@
             <a:effectLst/>
             <a:extLst>
               <a:ext uri="{C572A759-6A51-4108-AA02-DFA0A04FC94B}">
-                <ma14:wrappingTextBoxFlag xmlns:ma14="http://schemas.microsoft.com/office/mac/drawingml/2011/main" xmlns:a14="http://schemas.microsoft.com/office/drawing/2010/main" xmlns:m="http://schemas.openxmlformats.org/officeDocument/2006/math" xmlns="" val="1"/>
+                <ma14:wrappingTextBoxFlag xmlns="" xmlns:m="http://schemas.openxmlformats.org/officeDocument/2006/math" xmlns:a14="http://schemas.microsoft.com/office/drawing/2010/main" xmlns:ma14="http://schemas.microsoft.com/office/mac/drawingml/2011/main" val="1"/>
               </a:ext>
             </a:extLst>
           </p:spPr>
@@ -16829,7 +16983,7 @@
             <a:effectLst/>
             <a:extLst>
               <a:ext uri="{C572A759-6A51-4108-AA02-DFA0A04FC94B}">
-                <ma14:wrappingTextBoxFlag xmlns:ma14="http://schemas.microsoft.com/office/mac/drawingml/2011/main" xmlns:a14="http://schemas.microsoft.com/office/drawing/2010/main" xmlns:m="http://schemas.openxmlformats.org/officeDocument/2006/math" xmlns="" val="1"/>
+                <ma14:wrappingTextBoxFlag xmlns="" xmlns:m="http://schemas.openxmlformats.org/officeDocument/2006/math" xmlns:a14="http://schemas.microsoft.com/office/drawing/2010/main" xmlns:ma14="http://schemas.microsoft.com/office/mac/drawingml/2011/main" val="1"/>
               </a:ext>
             </a:extLst>
           </p:spPr>
@@ -16860,6 +17014,13 @@
     <a:masterClrMapping/>
   </p:clrMapOvr>
   <p:transition spd="med"/>
+  <p:timing>
+    <p:tnLst>
+      <p:par>
+        <p:cTn id="1" dur="indefinite" restart="never" nodeType="tmRoot"/>
+      </p:par>
+    </p:tnLst>
+  </p:timing>
 </p:sld>
 </file>
 
@@ -16896,18 +17057,260 @@
         </p:blipFill>
         <p:spPr>
           <a:xfrm>
-            <a:off x="0" y="56512"/>
-            <a:ext cx="12192000" cy="6744976"/>
+            <a:off x="-245056" y="0"/>
+            <a:ext cx="8481303" cy="6858000"/>
           </a:xfrm>
           <a:prstGeom prst="rect">
             <a:avLst/>
           </a:prstGeom>
         </p:spPr>
       </p:pic>
+      <p:pic>
+        <p:nvPicPr>
+          <p:cNvPr id="5" name="그림 4"/>
+          <p:cNvPicPr>
+            <a:picLocks noChangeAspect="1"/>
+          </p:cNvPicPr>
+          <p:nvPr/>
+        </p:nvPicPr>
+        <p:blipFill>
+          <a:blip r:embed="rId3"/>
+          <a:stretch>
+            <a:fillRect/>
+          </a:stretch>
+        </p:blipFill>
+        <p:spPr>
+          <a:xfrm>
+            <a:off x="6775341" y="696503"/>
+            <a:ext cx="5153025" cy="847725"/>
+          </a:xfrm>
+          <a:prstGeom prst="rect">
+            <a:avLst/>
+          </a:prstGeom>
+        </p:spPr>
+      </p:pic>
+      <p:sp>
+        <p:nvSpPr>
+          <p:cNvPr id="6" name="직사각형 5"/>
+          <p:cNvSpPr/>
+          <p:nvPr/>
+        </p:nvSpPr>
+        <p:spPr>
+          <a:xfrm>
+            <a:off x="6696171" y="541391"/>
+            <a:ext cx="5421941" cy="1459425"/>
+          </a:xfrm>
+          <a:prstGeom prst="rect">
+            <a:avLst/>
+          </a:prstGeom>
+          <a:noFill/>
+          <a:ln w="76200">
+            <a:solidFill>
+              <a:srgbClr val="FF0000"/>
+            </a:solidFill>
+          </a:ln>
+        </p:spPr>
+        <p:style>
+          <a:lnRef idx="2">
+            <a:schemeClr val="accent1">
+              <a:shade val="50000"/>
+            </a:schemeClr>
+          </a:lnRef>
+          <a:fillRef idx="1">
+            <a:schemeClr val="accent1"/>
+          </a:fillRef>
+          <a:effectRef idx="0">
+            <a:schemeClr val="accent1"/>
+          </a:effectRef>
+          <a:fontRef idx="minor">
+            <a:schemeClr val="lt1"/>
+          </a:fontRef>
+        </p:style>
+        <p:txBody>
+          <a:bodyPr rtlCol="0" anchor="ctr"/>
+          <a:lstStyle/>
+          <a:p>
+            <a:pPr algn="ctr"/>
+            <a:endParaRPr lang="ko-KR" altLang="en-US"/>
+          </a:p>
+        </p:txBody>
+      </p:sp>
+      <p:sp>
+        <p:nvSpPr>
+          <p:cNvPr id="7" name="오른쪽 화살표 6"/>
+          <p:cNvSpPr/>
+          <p:nvPr/>
+        </p:nvSpPr>
+        <p:spPr>
+          <a:xfrm rot="10800000">
+            <a:off x="6103474" y="912304"/>
+            <a:ext cx="470780" cy="416122"/>
+          </a:xfrm>
+          <a:prstGeom prst="rightArrow">
+            <a:avLst/>
+          </a:prstGeom>
+          <a:solidFill>
+            <a:srgbClr val="FF0000"/>
+          </a:solidFill>
+          <a:ln w="12700" cap="flat">
+            <a:solidFill>
+              <a:srgbClr val="FF0000"/>
+            </a:solidFill>
+            <a:prstDash val="solid"/>
+            <a:miter lim="800000"/>
+          </a:ln>
+          <a:effectLst/>
+          <a:sp3d/>
+        </p:spPr>
+        <p:style>
+          <a:lnRef idx="0">
+            <a:scrgbClr r="0" g="0" b="0"/>
+          </a:lnRef>
+          <a:fillRef idx="0">
+            <a:scrgbClr r="0" g="0" b="0"/>
+          </a:fillRef>
+          <a:effectRef idx="0">
+            <a:scrgbClr r="0" g="0" b="0"/>
+          </a:effectRef>
+          <a:fontRef idx="none"/>
+        </p:style>
+        <p:txBody>
+          <a:bodyPr rot="0" spcFirstLastPara="1" vertOverflow="overflow" horzOverflow="overflow" vert="horz" wrap="square" lIns="45719" tIns="45719" rIns="45719" bIns="45719" numCol="1" spcCol="38100" rtlCol="0" anchor="ctr">
+            <a:spAutoFit/>
+          </a:bodyPr>
+          <a:lstStyle/>
+          <a:p>
+            <a:pPr marL="0" marR="0" indent="0" algn="l" defTabSz="914400" rtl="0" fontAlgn="auto" latinLnBrk="0" hangingPunct="0">
+              <a:lnSpc>
+                <a:spcPct val="100000"/>
+              </a:lnSpc>
+              <a:spcBef>
+                <a:spcPts val="0"/>
+              </a:spcBef>
+              <a:spcAft>
+                <a:spcPts val="0"/>
+              </a:spcAft>
+              <a:buClrTx/>
+              <a:buSzTx/>
+              <a:buFontTx/>
+              <a:buNone/>
+              <a:tabLst/>
+            </a:pPr>
+            <a:endParaRPr kumimoji="0" lang="ko-KR" altLang="en-US" sz="1800" b="0" i="0" u="none" strike="noStrike" cap="none" spc="0" normalizeH="0" baseline="0">
+              <a:ln>
+                <a:noFill/>
+              </a:ln>
+              <a:solidFill>
+                <a:srgbClr val="000000"/>
+              </a:solidFill>
+              <a:effectLst/>
+              <a:uFillTx/>
+              <a:latin typeface="+mn-lt"/>
+              <a:ea typeface="+mn-ea"/>
+              <a:cs typeface="+mn-cs"/>
+              <a:sym typeface="맑은 고딕"/>
+            </a:endParaRPr>
+          </a:p>
+        </p:txBody>
+      </p:sp>
+      <p:pic>
+        <p:nvPicPr>
+          <p:cNvPr id="8" name="그림 7"/>
+          <p:cNvPicPr>
+            <a:picLocks noChangeAspect="1"/>
+          </p:cNvPicPr>
+          <p:nvPr/>
+        </p:nvPicPr>
+        <p:blipFill>
+          <a:blip r:embed="rId4"/>
+          <a:stretch>
+            <a:fillRect/>
+          </a:stretch>
+        </p:blipFill>
+        <p:spPr>
+          <a:xfrm>
+            <a:off x="6664852" y="2155928"/>
+            <a:ext cx="5435151" cy="364822"/>
+          </a:xfrm>
+          <a:prstGeom prst="rect">
+            <a:avLst/>
+          </a:prstGeom>
+        </p:spPr>
+      </p:pic>
+      <p:pic>
+        <p:nvPicPr>
+          <p:cNvPr id="9" name="그림 8"/>
+          <p:cNvPicPr>
+            <a:picLocks noChangeAspect="1"/>
+          </p:cNvPicPr>
+          <p:nvPr/>
+        </p:nvPicPr>
+        <p:blipFill>
+          <a:blip r:embed="rId5"/>
+          <a:stretch>
+            <a:fillRect/>
+          </a:stretch>
+        </p:blipFill>
+        <p:spPr>
+          <a:xfrm>
+            <a:off x="6678062" y="2622652"/>
+            <a:ext cx="5413898" cy="357377"/>
+          </a:xfrm>
+          <a:prstGeom prst="rect">
+            <a:avLst/>
+          </a:prstGeom>
+        </p:spPr>
+      </p:pic>
+      <p:sp>
+        <p:nvSpPr>
+          <p:cNvPr id="10" name="직사각형 9"/>
+          <p:cNvSpPr/>
+          <p:nvPr/>
+        </p:nvSpPr>
+        <p:spPr>
+          <a:xfrm>
+            <a:off x="6692560" y="2071628"/>
+            <a:ext cx="5421941" cy="1004082"/>
+          </a:xfrm>
+          <a:prstGeom prst="rect">
+            <a:avLst/>
+          </a:prstGeom>
+          <a:noFill/>
+          <a:ln w="76200">
+            <a:solidFill>
+              <a:srgbClr val="FF0000"/>
+            </a:solidFill>
+          </a:ln>
+        </p:spPr>
+        <p:style>
+          <a:lnRef idx="2">
+            <a:schemeClr val="accent1">
+              <a:shade val="50000"/>
+            </a:schemeClr>
+          </a:lnRef>
+          <a:fillRef idx="1">
+            <a:schemeClr val="accent1"/>
+          </a:fillRef>
+          <a:effectRef idx="0">
+            <a:schemeClr val="accent1"/>
+          </a:effectRef>
+          <a:fontRef idx="minor">
+            <a:schemeClr val="lt1"/>
+          </a:fontRef>
+        </p:style>
+        <p:txBody>
+          <a:bodyPr rtlCol="0" anchor="ctr"/>
+          <a:lstStyle/>
+          <a:p>
+            <a:pPr algn="ctr"/>
+            <a:endParaRPr lang="ko-KR" altLang="en-US"/>
+          </a:p>
+        </p:txBody>
+      </p:sp>
     </p:spTree>
     <p:extLst>
       <p:ext uri="{BB962C8B-B14F-4D97-AF65-F5344CB8AC3E}">
-        <p14:creationId xmlns:p14="http://schemas.microsoft.com/office/powerpoint/2010/main" val="144254271"/>
+        <p14:creationId xmlns:p14="http://schemas.microsoft.com/office/powerpoint/2010/main" val="1461647991"/>
       </p:ext>
     </p:extLst>
   </p:cSld>
@@ -16915,6 +17318,13 @@
     <a:masterClrMapping/>
   </p:clrMapOvr>
   <p:transition spd="med"/>
+  <p:timing>
+    <p:tnLst>
+      <p:par>
+        <p:cTn id="1" dur="indefinite" restart="never" nodeType="tmRoot"/>
+      </p:par>
+    </p:tnLst>
+  </p:timing>
 </p:sld>
 </file>
 
@@ -17992,7 +18402,7 @@
           </a:ln>
           <a:extLst>
             <a:ext uri="{C572A759-6A51-4108-AA02-DFA0A04FC94B}">
-              <ma14:wrappingTextBoxFlag xmlns:ma14="http://schemas.microsoft.com/office/mac/drawingml/2011/main" xmlns:a14="http://schemas.microsoft.com/office/drawing/2010/main" xmlns:m="http://schemas.openxmlformats.org/officeDocument/2006/math" xmlns="" val="1"/>
+              <ma14:wrappingTextBoxFlag xmlns="" xmlns:m="http://schemas.openxmlformats.org/officeDocument/2006/math" xmlns:a14="http://schemas.microsoft.com/office/drawing/2010/main" xmlns:ma14="http://schemas.microsoft.com/office/mac/drawingml/2011/main" val="1"/>
             </a:ext>
           </a:extLst>
         </p:spPr>
@@ -20942,7 +21352,7 @@
             <a:effectLst/>
             <a:extLst>
               <a:ext uri="{C572A759-6A51-4108-AA02-DFA0A04FC94B}">
-                <ma14:wrappingTextBoxFlag xmlns:ma14="http://schemas.microsoft.com/office/mac/drawingml/2011/main" xmlns:a14="http://schemas.microsoft.com/office/drawing/2010/main" xmlns:m="http://schemas.openxmlformats.org/officeDocument/2006/math" xmlns="" val="1"/>
+                <ma14:wrappingTextBoxFlag xmlns="" xmlns:m="http://schemas.openxmlformats.org/officeDocument/2006/math" xmlns:a14="http://schemas.microsoft.com/office/drawing/2010/main" xmlns:ma14="http://schemas.microsoft.com/office/mac/drawingml/2011/main" val="1"/>
               </a:ext>
             </a:extLst>
           </p:spPr>
@@ -20973,6 +21383,13 @@
     <a:masterClrMapping/>
   </p:clrMapOvr>
   <p:transition spd="med"/>
+  <p:timing>
+    <p:tnLst>
+      <p:par>
+        <p:cTn id="1" dur="indefinite" restart="never" nodeType="tmRoot"/>
+      </p:par>
+    </p:tnLst>
+  </p:timing>
 </p:sld>
 </file>
 
@@ -21802,7 +22219,7 @@
           </a:ln>
           <a:extLst>
             <a:ext uri="{C572A759-6A51-4108-AA02-DFA0A04FC94B}">
-              <ma14:wrappingTextBoxFlag xmlns:ma14="http://schemas.microsoft.com/office/mac/drawingml/2011/main" xmlns:a14="http://schemas.microsoft.com/office/drawing/2010/main" xmlns:m="http://schemas.openxmlformats.org/officeDocument/2006/math" xmlns="" val="1"/>
+              <ma14:wrappingTextBoxFlag xmlns="" xmlns:m="http://schemas.openxmlformats.org/officeDocument/2006/math" xmlns:a14="http://schemas.microsoft.com/office/drawing/2010/main" xmlns:ma14="http://schemas.microsoft.com/office/mac/drawingml/2011/main" val="1"/>
             </a:ext>
           </a:extLst>
         </p:spPr>
@@ -21837,7 +22254,7 @@
           </a:ln>
           <a:extLst>
             <a:ext uri="{C572A759-6A51-4108-AA02-DFA0A04FC94B}">
-              <ma14:wrappingTextBoxFlag xmlns:ma14="http://schemas.microsoft.com/office/mac/drawingml/2011/main" xmlns:a14="http://schemas.microsoft.com/office/drawing/2010/main" xmlns:m="http://schemas.openxmlformats.org/officeDocument/2006/math" xmlns="" val="1"/>
+              <ma14:wrappingTextBoxFlag xmlns="" xmlns:m="http://schemas.openxmlformats.org/officeDocument/2006/math" xmlns:a14="http://schemas.microsoft.com/office/drawing/2010/main" xmlns:ma14="http://schemas.microsoft.com/office/mac/drawingml/2011/main" val="1"/>
             </a:ext>
           </a:extLst>
         </p:spPr>
@@ -21917,7 +22334,7 @@
           </a:ln>
           <a:extLst>
             <a:ext uri="{C572A759-6A51-4108-AA02-DFA0A04FC94B}">
-              <ma14:wrappingTextBoxFlag xmlns:ma14="http://schemas.microsoft.com/office/mac/drawingml/2011/main" xmlns:a14="http://schemas.microsoft.com/office/drawing/2010/main" xmlns:m="http://schemas.openxmlformats.org/officeDocument/2006/math" xmlns="" val="1"/>
+              <ma14:wrappingTextBoxFlag xmlns="" xmlns:m="http://schemas.openxmlformats.org/officeDocument/2006/math" xmlns:a14="http://schemas.microsoft.com/office/drawing/2010/main" xmlns:ma14="http://schemas.microsoft.com/office/mac/drawingml/2011/main" val="1"/>
             </a:ext>
           </a:extLst>
         </p:spPr>
@@ -21952,7 +22369,7 @@
           </a:ln>
           <a:extLst>
             <a:ext uri="{C572A759-6A51-4108-AA02-DFA0A04FC94B}">
-              <ma14:wrappingTextBoxFlag xmlns:ma14="http://schemas.microsoft.com/office/mac/drawingml/2011/main" xmlns:a14="http://schemas.microsoft.com/office/drawing/2010/main" xmlns:m="http://schemas.openxmlformats.org/officeDocument/2006/math" xmlns="" val="1"/>
+              <ma14:wrappingTextBoxFlag xmlns="" xmlns:m="http://schemas.openxmlformats.org/officeDocument/2006/math" xmlns:a14="http://schemas.microsoft.com/office/drawing/2010/main" xmlns:ma14="http://schemas.microsoft.com/office/mac/drawingml/2011/main" val="1"/>
             </a:ext>
           </a:extLst>
         </p:spPr>
@@ -22031,7 +22448,7 @@
           </a:ln>
           <a:extLst>
             <a:ext uri="{C572A759-6A51-4108-AA02-DFA0A04FC94B}">
-              <ma14:wrappingTextBoxFlag xmlns:ma14="http://schemas.microsoft.com/office/mac/drawingml/2011/main" xmlns:a14="http://schemas.microsoft.com/office/drawing/2010/main" xmlns:m="http://schemas.openxmlformats.org/officeDocument/2006/math" xmlns="" val="1"/>
+              <ma14:wrappingTextBoxFlag xmlns="" xmlns:m="http://schemas.openxmlformats.org/officeDocument/2006/math" xmlns:a14="http://schemas.microsoft.com/office/drawing/2010/main" xmlns:ma14="http://schemas.microsoft.com/office/mac/drawingml/2011/main" val="1"/>
             </a:ext>
           </a:extLst>
         </p:spPr>
@@ -22066,7 +22483,7 @@
           </a:ln>
           <a:extLst>
             <a:ext uri="{C572A759-6A51-4108-AA02-DFA0A04FC94B}">
-              <ma14:wrappingTextBoxFlag xmlns:ma14="http://schemas.microsoft.com/office/mac/drawingml/2011/main" xmlns:a14="http://schemas.microsoft.com/office/drawing/2010/main" xmlns:m="http://schemas.openxmlformats.org/officeDocument/2006/math" xmlns="" val="1"/>
+              <ma14:wrappingTextBoxFlag xmlns="" xmlns:m="http://schemas.openxmlformats.org/officeDocument/2006/math" xmlns:a14="http://schemas.microsoft.com/office/drawing/2010/main" xmlns:ma14="http://schemas.microsoft.com/office/mac/drawingml/2011/main" val="1"/>
             </a:ext>
           </a:extLst>
         </p:spPr>
@@ -22145,7 +22562,7 @@
           </a:ln>
           <a:extLst>
             <a:ext uri="{C572A759-6A51-4108-AA02-DFA0A04FC94B}">
-              <ma14:wrappingTextBoxFlag xmlns:ma14="http://schemas.microsoft.com/office/mac/drawingml/2011/main" xmlns:a14="http://schemas.microsoft.com/office/drawing/2010/main" xmlns:m="http://schemas.openxmlformats.org/officeDocument/2006/math" xmlns="" val="1"/>
+              <ma14:wrappingTextBoxFlag xmlns="" xmlns:m="http://schemas.openxmlformats.org/officeDocument/2006/math" xmlns:a14="http://schemas.microsoft.com/office/drawing/2010/main" xmlns:ma14="http://schemas.microsoft.com/office/mac/drawingml/2011/main" val="1"/>
             </a:ext>
           </a:extLst>
         </p:spPr>
@@ -22180,7 +22597,7 @@
           </a:ln>
           <a:extLst>
             <a:ext uri="{C572A759-6A51-4108-AA02-DFA0A04FC94B}">
-              <ma14:wrappingTextBoxFlag xmlns:ma14="http://schemas.microsoft.com/office/mac/drawingml/2011/main" xmlns:a14="http://schemas.microsoft.com/office/drawing/2010/main" xmlns:m="http://schemas.openxmlformats.org/officeDocument/2006/math" xmlns="" val="1"/>
+              <ma14:wrappingTextBoxFlag xmlns="" xmlns:m="http://schemas.openxmlformats.org/officeDocument/2006/math" xmlns:a14="http://schemas.microsoft.com/office/drawing/2010/main" xmlns:ma14="http://schemas.microsoft.com/office/mac/drawingml/2011/main" val="1"/>
             </a:ext>
           </a:extLst>
         </p:spPr>
@@ -22313,7 +22730,7 @@
             <a:effectLst/>
             <a:extLst>
               <a:ext uri="{C572A759-6A51-4108-AA02-DFA0A04FC94B}">
-                <ma14:wrappingTextBoxFlag xmlns:ma14="http://schemas.microsoft.com/office/mac/drawingml/2011/main" xmlns:a14="http://schemas.microsoft.com/office/drawing/2010/main" xmlns:m="http://schemas.openxmlformats.org/officeDocument/2006/math" xmlns="" val="1"/>
+                <ma14:wrappingTextBoxFlag xmlns="" xmlns:m="http://schemas.openxmlformats.org/officeDocument/2006/math" xmlns:a14="http://schemas.microsoft.com/office/drawing/2010/main" xmlns:ma14="http://schemas.microsoft.com/office/mac/drawingml/2011/main" val="1"/>
               </a:ext>
             </a:extLst>
           </p:spPr>
@@ -22409,7 +22826,7 @@
             <a:effectLst/>
             <a:extLst>
               <a:ext uri="{C572A759-6A51-4108-AA02-DFA0A04FC94B}">
-                <ma14:wrappingTextBoxFlag xmlns:ma14="http://schemas.microsoft.com/office/mac/drawingml/2011/main" xmlns:a14="http://schemas.microsoft.com/office/drawing/2010/main" xmlns:m="http://schemas.openxmlformats.org/officeDocument/2006/math" xmlns="" val="1"/>
+                <ma14:wrappingTextBoxFlag xmlns="" xmlns:m="http://schemas.openxmlformats.org/officeDocument/2006/math" xmlns:a14="http://schemas.microsoft.com/office/drawing/2010/main" xmlns:ma14="http://schemas.microsoft.com/office/mac/drawingml/2011/main" val="1"/>
               </a:ext>
             </a:extLst>
           </p:spPr>
@@ -22767,7 +23184,7 @@
             <a:effectLst/>
             <a:extLst>
               <a:ext uri="{C572A759-6A51-4108-AA02-DFA0A04FC94B}">
-                <ma14:wrappingTextBoxFlag xmlns:ma14="http://schemas.microsoft.com/office/mac/drawingml/2011/main" xmlns:a14="http://schemas.microsoft.com/office/drawing/2010/main" xmlns:m="http://schemas.openxmlformats.org/officeDocument/2006/math" xmlns="" val="1"/>
+                <ma14:wrappingTextBoxFlag xmlns="" xmlns:m="http://schemas.openxmlformats.org/officeDocument/2006/math" xmlns:a14="http://schemas.microsoft.com/office/drawing/2010/main" xmlns:ma14="http://schemas.microsoft.com/office/mac/drawingml/2011/main" val="1"/>
               </a:ext>
             </a:extLst>
           </p:spPr>
@@ -22871,7 +23288,7 @@
             <a:effectLst/>
             <a:extLst>
               <a:ext uri="{C572A759-6A51-4108-AA02-DFA0A04FC94B}">
-                <ma14:wrappingTextBoxFlag xmlns:ma14="http://schemas.microsoft.com/office/mac/drawingml/2011/main" xmlns:a14="http://schemas.microsoft.com/office/drawing/2010/main" xmlns:m="http://schemas.openxmlformats.org/officeDocument/2006/math" xmlns="" val="1"/>
+                <ma14:wrappingTextBoxFlag xmlns="" xmlns:m="http://schemas.openxmlformats.org/officeDocument/2006/math" xmlns:a14="http://schemas.microsoft.com/office/drawing/2010/main" xmlns:ma14="http://schemas.microsoft.com/office/mac/drawingml/2011/main" val="1"/>
               </a:ext>
             </a:extLst>
           </p:spPr>
@@ -22975,7 +23392,7 @@
             <a:effectLst/>
             <a:extLst>
               <a:ext uri="{C572A759-6A51-4108-AA02-DFA0A04FC94B}">
-                <ma14:wrappingTextBoxFlag xmlns:ma14="http://schemas.microsoft.com/office/mac/drawingml/2011/main" xmlns:a14="http://schemas.microsoft.com/office/drawing/2010/main" xmlns:m="http://schemas.openxmlformats.org/officeDocument/2006/math" xmlns="" val="1"/>
+                <ma14:wrappingTextBoxFlag xmlns="" xmlns:m="http://schemas.openxmlformats.org/officeDocument/2006/math" xmlns:a14="http://schemas.microsoft.com/office/drawing/2010/main" xmlns:ma14="http://schemas.microsoft.com/office/mac/drawingml/2011/main" val="1"/>
               </a:ext>
             </a:extLst>
           </p:spPr>
@@ -23006,10 +23423,501 @@
     <a:masterClrMapping/>
   </p:clrMapOvr>
   <p:transition spd="med"/>
+  <p:timing>
+    <p:tnLst>
+      <p:par>
+        <p:cTn id="1" dur="indefinite" restart="never" nodeType="tmRoot"/>
+      </p:par>
+    </p:tnLst>
+  </p:timing>
 </p:sld>
 </file>
 
 <file path=ppt/slides/slide20.xml><?xml version="1.0" encoding="utf-8"?>
+<p:sld xmlns:a="http://schemas.openxmlformats.org/drawingml/2006/main" xmlns:r="http://schemas.openxmlformats.org/officeDocument/2006/relationships" xmlns:p="http://schemas.openxmlformats.org/presentationml/2006/main">
+  <p:cSld>
+    <p:spTree>
+      <p:nvGrpSpPr>
+        <p:cNvPr id="1" name=""/>
+        <p:cNvGrpSpPr/>
+        <p:nvPr/>
+      </p:nvGrpSpPr>
+      <p:grpSpPr>
+        <a:xfrm>
+          <a:off x="0" y="0"/>
+          <a:ext cx="0" cy="0"/>
+          <a:chOff x="0" y="0"/>
+          <a:chExt cx="0" cy="0"/>
+        </a:xfrm>
+      </p:grpSpPr>
+      <p:pic>
+        <p:nvPicPr>
+          <p:cNvPr id="2" name="그림 1"/>
+          <p:cNvPicPr>
+            <a:picLocks noChangeAspect="1"/>
+          </p:cNvPicPr>
+          <p:nvPr/>
+        </p:nvPicPr>
+        <p:blipFill>
+          <a:blip r:embed="rId2"/>
+          <a:stretch>
+            <a:fillRect/>
+          </a:stretch>
+        </p:blipFill>
+        <p:spPr>
+          <a:xfrm>
+            <a:off x="0" y="425513"/>
+            <a:ext cx="12192000" cy="5118944"/>
+          </a:xfrm>
+          <a:prstGeom prst="rect">
+            <a:avLst/>
+          </a:prstGeom>
+        </p:spPr>
+      </p:pic>
+    </p:spTree>
+    <p:extLst>
+      <p:ext uri="{BB962C8B-B14F-4D97-AF65-F5344CB8AC3E}">
+        <p14:creationId xmlns:p14="http://schemas.microsoft.com/office/powerpoint/2010/main" val="879140739"/>
+      </p:ext>
+    </p:extLst>
+  </p:cSld>
+  <p:clrMapOvr>
+    <a:masterClrMapping/>
+  </p:clrMapOvr>
+  <p:transition spd="med"/>
+  <p:timing>
+    <p:tnLst>
+      <p:par>
+        <p:cTn id="1" dur="indefinite" restart="never" nodeType="tmRoot"/>
+      </p:par>
+    </p:tnLst>
+  </p:timing>
+</p:sld>
+</file>
+
+<file path=ppt/slides/slide21.xml><?xml version="1.0" encoding="utf-8"?>
+<p:sld xmlns:a="http://schemas.openxmlformats.org/drawingml/2006/main" xmlns:r="http://schemas.openxmlformats.org/officeDocument/2006/relationships" xmlns:p="http://schemas.openxmlformats.org/presentationml/2006/main">
+  <p:cSld>
+    <p:spTree>
+      <p:nvGrpSpPr>
+        <p:cNvPr id="1" name=""/>
+        <p:cNvGrpSpPr/>
+        <p:nvPr/>
+      </p:nvGrpSpPr>
+      <p:grpSpPr>
+        <a:xfrm>
+          <a:off x="0" y="0"/>
+          <a:ext cx="0" cy="0"/>
+          <a:chOff x="0" y="0"/>
+          <a:chExt cx="0" cy="0"/>
+        </a:xfrm>
+      </p:grpSpPr>
+      <p:pic>
+        <p:nvPicPr>
+          <p:cNvPr id="16" name="그림 15"/>
+          <p:cNvPicPr>
+            <a:picLocks noChangeAspect="1"/>
+          </p:cNvPicPr>
+          <p:nvPr/>
+        </p:nvPicPr>
+        <p:blipFill>
+          <a:blip r:embed="rId2"/>
+          <a:stretch>
+            <a:fillRect/>
+          </a:stretch>
+        </p:blipFill>
+        <p:spPr>
+          <a:xfrm>
+            <a:off x="44748" y="0"/>
+            <a:ext cx="12192000" cy="4223657"/>
+          </a:xfrm>
+          <a:prstGeom prst="rect">
+            <a:avLst/>
+          </a:prstGeom>
+        </p:spPr>
+      </p:pic>
+      <p:pic>
+        <p:nvPicPr>
+          <p:cNvPr id="11" name="그림 10"/>
+          <p:cNvPicPr>
+            <a:picLocks noChangeAspect="1"/>
+          </p:cNvPicPr>
+          <p:nvPr/>
+        </p:nvPicPr>
+        <p:blipFill>
+          <a:blip r:embed="rId3"/>
+          <a:stretch>
+            <a:fillRect/>
+          </a:stretch>
+        </p:blipFill>
+        <p:spPr>
+          <a:xfrm>
+            <a:off x="44748" y="126748"/>
+            <a:ext cx="4129392" cy="6275646"/>
+          </a:xfrm>
+          <a:prstGeom prst="rect">
+            <a:avLst/>
+          </a:prstGeom>
+        </p:spPr>
+      </p:pic>
+      <p:sp>
+        <p:nvSpPr>
+          <p:cNvPr id="14" name="오른쪽 화살표 13"/>
+          <p:cNvSpPr/>
+          <p:nvPr/>
+        </p:nvSpPr>
+        <p:spPr>
+          <a:xfrm rot="16200000">
+            <a:off x="8793932" y="3056510"/>
+            <a:ext cx="470780" cy="416122"/>
+          </a:xfrm>
+          <a:prstGeom prst="rightArrow">
+            <a:avLst/>
+          </a:prstGeom>
+          <a:solidFill>
+            <a:srgbClr val="FF0000"/>
+          </a:solidFill>
+          <a:ln w="12700" cap="flat">
+            <a:solidFill>
+              <a:srgbClr val="FF0000"/>
+            </a:solidFill>
+            <a:prstDash val="solid"/>
+            <a:miter lim="800000"/>
+          </a:ln>
+          <a:effectLst/>
+          <a:sp3d/>
+        </p:spPr>
+        <p:style>
+          <a:lnRef idx="0">
+            <a:scrgbClr r="0" g="0" b="0"/>
+          </a:lnRef>
+          <a:fillRef idx="0">
+            <a:scrgbClr r="0" g="0" b="0"/>
+          </a:fillRef>
+          <a:effectRef idx="0">
+            <a:scrgbClr r="0" g="0" b="0"/>
+          </a:effectRef>
+          <a:fontRef idx="none"/>
+        </p:style>
+        <p:txBody>
+          <a:bodyPr rot="0" spcFirstLastPara="1" vertOverflow="overflow" horzOverflow="overflow" vert="horz" wrap="square" lIns="45719" tIns="45719" rIns="45719" bIns="45719" numCol="1" spcCol="38100" rtlCol="0" anchor="ctr">
+            <a:spAutoFit/>
+          </a:bodyPr>
+          <a:lstStyle/>
+          <a:p>
+            <a:pPr marL="0" marR="0" indent="0" algn="l" defTabSz="914400" rtl="0" fontAlgn="auto" latinLnBrk="0" hangingPunct="0">
+              <a:lnSpc>
+                <a:spcPct val="100000"/>
+              </a:lnSpc>
+              <a:spcBef>
+                <a:spcPts val="0"/>
+              </a:spcBef>
+              <a:spcAft>
+                <a:spcPts val="0"/>
+              </a:spcAft>
+              <a:buClrTx/>
+              <a:buSzTx/>
+              <a:buFontTx/>
+              <a:buNone/>
+              <a:tabLst/>
+            </a:pPr>
+            <a:endParaRPr kumimoji="0" lang="ko-KR" altLang="en-US" sz="1800" b="0" i="0" u="none" strike="noStrike" cap="none" spc="0" normalizeH="0" baseline="0">
+              <a:ln>
+                <a:noFill/>
+              </a:ln>
+              <a:solidFill>
+                <a:srgbClr val="000000"/>
+              </a:solidFill>
+              <a:effectLst/>
+              <a:uFillTx/>
+              <a:latin typeface="+mn-lt"/>
+              <a:ea typeface="+mn-ea"/>
+              <a:cs typeface="+mn-cs"/>
+              <a:sym typeface="맑은 고딕"/>
+            </a:endParaRPr>
+          </a:p>
+        </p:txBody>
+      </p:sp>
+      <p:pic>
+        <p:nvPicPr>
+          <p:cNvPr id="15" name="그림 14"/>
+          <p:cNvPicPr>
+            <a:picLocks noChangeAspect="1"/>
+          </p:cNvPicPr>
+          <p:nvPr/>
+        </p:nvPicPr>
+        <p:blipFill>
+          <a:blip r:embed="rId4"/>
+          <a:stretch>
+            <a:fillRect/>
+          </a:stretch>
+        </p:blipFill>
+        <p:spPr>
+          <a:xfrm>
+            <a:off x="8034762" y="3664611"/>
+            <a:ext cx="3238500" cy="2924175"/>
+          </a:xfrm>
+          <a:prstGeom prst="rect">
+            <a:avLst/>
+          </a:prstGeom>
+        </p:spPr>
+      </p:pic>
+    </p:spTree>
+    <p:extLst>
+      <p:ext uri="{BB962C8B-B14F-4D97-AF65-F5344CB8AC3E}">
+        <p14:creationId xmlns:p14="http://schemas.microsoft.com/office/powerpoint/2010/main" val="1270777854"/>
+      </p:ext>
+    </p:extLst>
+  </p:cSld>
+  <p:clrMapOvr>
+    <a:masterClrMapping/>
+  </p:clrMapOvr>
+  <p:transition spd="med"/>
+  <p:timing>
+    <p:tnLst>
+      <p:par>
+        <p:cTn id="1" dur="indefinite" restart="never" nodeType="tmRoot"/>
+      </p:par>
+    </p:tnLst>
+  </p:timing>
+</p:sld>
+</file>
+
+<file path=ppt/slides/slide22.xml><?xml version="1.0" encoding="utf-8"?>
+<p:sld xmlns:a="http://schemas.openxmlformats.org/drawingml/2006/main" xmlns:r="http://schemas.openxmlformats.org/officeDocument/2006/relationships" xmlns:p="http://schemas.openxmlformats.org/presentationml/2006/main">
+  <p:cSld>
+    <p:spTree>
+      <p:nvGrpSpPr>
+        <p:cNvPr id="1" name=""/>
+        <p:cNvGrpSpPr/>
+        <p:nvPr/>
+      </p:nvGrpSpPr>
+      <p:grpSpPr>
+        <a:xfrm>
+          <a:off x="0" y="0"/>
+          <a:ext cx="0" cy="0"/>
+          <a:chOff x="0" y="0"/>
+          <a:chExt cx="0" cy="0"/>
+        </a:xfrm>
+      </p:grpSpPr>
+      <p:pic>
+        <p:nvPicPr>
+          <p:cNvPr id="2" name="그림 1"/>
+          <p:cNvPicPr>
+            <a:picLocks noChangeAspect="1"/>
+          </p:cNvPicPr>
+          <p:nvPr/>
+        </p:nvPicPr>
+        <p:blipFill>
+          <a:blip r:embed="rId2"/>
+          <a:stretch>
+            <a:fillRect/>
+          </a:stretch>
+        </p:blipFill>
+        <p:spPr>
+          <a:xfrm>
+            <a:off x="0" y="153909"/>
+            <a:ext cx="12192000" cy="4230914"/>
+          </a:xfrm>
+          <a:prstGeom prst="rect">
+            <a:avLst/>
+          </a:prstGeom>
+        </p:spPr>
+      </p:pic>
+      <p:sp>
+        <p:nvSpPr>
+          <p:cNvPr id="7" name="직사각형 6"/>
+          <p:cNvSpPr/>
+          <p:nvPr/>
+        </p:nvSpPr>
+        <p:spPr>
+          <a:xfrm>
+            <a:off x="4662536" y="4479649"/>
+            <a:ext cx="6377411" cy="1776296"/>
+          </a:xfrm>
+          <a:prstGeom prst="rect">
+            <a:avLst/>
+          </a:prstGeom>
+          <a:noFill/>
+          <a:ln w="76200">
+            <a:solidFill>
+              <a:srgbClr val="FF0000"/>
+            </a:solidFill>
+          </a:ln>
+        </p:spPr>
+        <p:style>
+          <a:lnRef idx="2">
+            <a:schemeClr val="accent1">
+              <a:shade val="50000"/>
+            </a:schemeClr>
+          </a:lnRef>
+          <a:fillRef idx="1">
+            <a:schemeClr val="accent1"/>
+          </a:fillRef>
+          <a:effectRef idx="0">
+            <a:schemeClr val="accent1"/>
+          </a:effectRef>
+          <a:fontRef idx="minor">
+            <a:schemeClr val="lt1"/>
+          </a:fontRef>
+        </p:style>
+        <p:txBody>
+          <a:bodyPr rtlCol="0" anchor="ctr"/>
+          <a:lstStyle/>
+          <a:p>
+            <a:pPr algn="ctr"/>
+            <a:endParaRPr lang="ko-KR" altLang="en-US"/>
+          </a:p>
+        </p:txBody>
+      </p:sp>
+      <p:sp>
+        <p:nvSpPr>
+          <p:cNvPr id="8" name="오른쪽 화살표 7"/>
+          <p:cNvSpPr/>
+          <p:nvPr/>
+        </p:nvSpPr>
+        <p:spPr>
+          <a:xfrm rot="13500000">
+            <a:off x="7440438" y="3751587"/>
+            <a:ext cx="950616" cy="416122"/>
+          </a:xfrm>
+          <a:prstGeom prst="rightArrow">
+            <a:avLst/>
+          </a:prstGeom>
+          <a:solidFill>
+            <a:srgbClr val="FF0000"/>
+          </a:solidFill>
+          <a:ln w="12700" cap="flat">
+            <a:solidFill>
+              <a:srgbClr val="FF0000"/>
+            </a:solidFill>
+            <a:prstDash val="solid"/>
+            <a:miter lim="800000"/>
+          </a:ln>
+          <a:effectLst/>
+          <a:sp3d/>
+        </p:spPr>
+        <p:style>
+          <a:lnRef idx="0">
+            <a:scrgbClr r="0" g="0" b="0"/>
+          </a:lnRef>
+          <a:fillRef idx="0">
+            <a:scrgbClr r="0" g="0" b="0"/>
+          </a:fillRef>
+          <a:effectRef idx="0">
+            <a:scrgbClr r="0" g="0" b="0"/>
+          </a:effectRef>
+          <a:fontRef idx="none"/>
+        </p:style>
+        <p:txBody>
+          <a:bodyPr rot="0" spcFirstLastPara="1" vertOverflow="overflow" horzOverflow="overflow" vert="horz" wrap="square" lIns="45719" tIns="45719" rIns="45719" bIns="45719" numCol="1" spcCol="38100" rtlCol="0" anchor="ctr">
+            <a:spAutoFit/>
+          </a:bodyPr>
+          <a:lstStyle/>
+          <a:p>
+            <a:pPr marL="0" marR="0" indent="0" algn="l" defTabSz="914400" rtl="0" fontAlgn="auto" latinLnBrk="0" hangingPunct="0">
+              <a:lnSpc>
+                <a:spcPct val="100000"/>
+              </a:lnSpc>
+              <a:spcBef>
+                <a:spcPts val="0"/>
+              </a:spcBef>
+              <a:spcAft>
+                <a:spcPts val="0"/>
+              </a:spcAft>
+              <a:buClrTx/>
+              <a:buSzTx/>
+              <a:buFontTx/>
+              <a:buNone/>
+              <a:tabLst/>
+            </a:pPr>
+            <a:endParaRPr kumimoji="0" lang="ko-KR" altLang="en-US" sz="1800" b="0" i="0" u="none" strike="noStrike" cap="none" spc="0" normalizeH="0" baseline="0">
+              <a:ln>
+                <a:noFill/>
+              </a:ln>
+              <a:solidFill>
+                <a:srgbClr val="000000"/>
+              </a:solidFill>
+              <a:effectLst/>
+              <a:uFillTx/>
+              <a:latin typeface="+mn-lt"/>
+              <a:ea typeface="+mn-ea"/>
+              <a:cs typeface="+mn-cs"/>
+              <a:sym typeface="맑은 고딕"/>
+            </a:endParaRPr>
+          </a:p>
+        </p:txBody>
+      </p:sp>
+      <p:pic>
+        <p:nvPicPr>
+          <p:cNvPr id="9" name="그림 8"/>
+          <p:cNvPicPr>
+            <a:picLocks noChangeAspect="1"/>
+          </p:cNvPicPr>
+          <p:nvPr/>
+        </p:nvPicPr>
+        <p:blipFill>
+          <a:blip r:embed="rId3"/>
+          <a:stretch>
+            <a:fillRect/>
+          </a:stretch>
+        </p:blipFill>
+        <p:spPr>
+          <a:xfrm>
+            <a:off x="4712753" y="4578554"/>
+            <a:ext cx="6276975" cy="923925"/>
+          </a:xfrm>
+          <a:prstGeom prst="rect">
+            <a:avLst/>
+          </a:prstGeom>
+        </p:spPr>
+      </p:pic>
+      <p:pic>
+        <p:nvPicPr>
+          <p:cNvPr id="10" name="그림 9"/>
+          <p:cNvPicPr>
+            <a:picLocks noChangeAspect="1"/>
+          </p:cNvPicPr>
+          <p:nvPr/>
+        </p:nvPicPr>
+        <p:blipFill>
+          <a:blip r:embed="rId4"/>
+          <a:stretch>
+            <a:fillRect/>
+          </a:stretch>
+        </p:blipFill>
+        <p:spPr>
+          <a:xfrm>
+            <a:off x="4879441" y="5412171"/>
+            <a:ext cx="5943600" cy="800100"/>
+          </a:xfrm>
+          <a:prstGeom prst="rect">
+            <a:avLst/>
+          </a:prstGeom>
+        </p:spPr>
+      </p:pic>
+    </p:spTree>
+    <p:extLst>
+      <p:ext uri="{BB962C8B-B14F-4D97-AF65-F5344CB8AC3E}">
+        <p14:creationId xmlns:p14="http://schemas.microsoft.com/office/powerpoint/2010/main" val="837083909"/>
+      </p:ext>
+    </p:extLst>
+  </p:cSld>
+  <p:clrMapOvr>
+    <a:masterClrMapping/>
+  </p:clrMapOvr>
+  <p:transition spd="med"/>
+  <p:timing>
+    <p:tnLst>
+      <p:par>
+        <p:cTn id="1" dur="indefinite" restart="never" nodeType="tmRoot"/>
+      </p:par>
+    </p:tnLst>
+  </p:timing>
+</p:sld>
+</file>
+
+<file path=ppt/slides/slide23.xml><?xml version="1.0" encoding="utf-8"?>
 <p:sld xmlns:a="http://schemas.openxmlformats.org/drawingml/2006/main" xmlns:r="http://schemas.openxmlformats.org/officeDocument/2006/relationships" xmlns:p="http://schemas.openxmlformats.org/presentationml/2006/main">
   <p:cSld>
     <p:spTree>
@@ -23168,7 +24076,7 @@
         </p:blipFill>
         <p:spPr>
           <a:xfrm>
-            <a:off x="434095" y="3320028"/>
+            <a:off x="434095" y="3928396"/>
             <a:ext cx="2562225" cy="2390775"/>
           </a:xfrm>
           <a:prstGeom prst="rect">
@@ -23356,6 +24264,130 @@
           </a:p>
         </p:txBody>
       </p:sp>
+      <p:sp>
+        <p:nvSpPr>
+          <p:cNvPr id="2" name="TextBox 1"/>
+          <p:cNvSpPr txBox="1"/>
+          <p:nvPr/>
+        </p:nvSpPr>
+        <p:spPr>
+          <a:xfrm>
+            <a:off x="434095" y="3394698"/>
+            <a:ext cx="2384508" cy="369330"/>
+          </a:xfrm>
+          <a:prstGeom prst="rect">
+            <a:avLst/>
+          </a:prstGeom>
+          <a:noFill/>
+          <a:ln w="12700" cap="flat">
+            <a:noFill/>
+            <a:miter lim="400000"/>
+          </a:ln>
+          <a:effectLst/>
+          <a:sp3d/>
+        </p:spPr>
+        <p:style>
+          <a:lnRef idx="0">
+            <a:scrgbClr r="0" g="0" b="0"/>
+          </a:lnRef>
+          <a:fillRef idx="0">
+            <a:scrgbClr r="0" g="0" b="0"/>
+          </a:fillRef>
+          <a:effectRef idx="0">
+            <a:scrgbClr r="0" g="0" b="0"/>
+          </a:effectRef>
+          <a:fontRef idx="none"/>
+        </p:style>
+        <p:txBody>
+          <a:bodyPr rot="0" spcFirstLastPara="1" vertOverflow="overflow" horzOverflow="overflow" vert="horz" wrap="square" lIns="45719" tIns="45719" rIns="45719" bIns="45719" numCol="1" spcCol="38100" rtlCol="0" anchor="t">
+            <a:spAutoFit/>
+          </a:bodyPr>
+          <a:lstStyle/>
+          <a:p>
+            <a:pPr marL="0" marR="0" indent="0" algn="l" defTabSz="914400" rtl="0" fontAlgn="auto" latinLnBrk="0" hangingPunct="0">
+              <a:lnSpc>
+                <a:spcPct val="100000"/>
+              </a:lnSpc>
+              <a:spcBef>
+                <a:spcPts val="0"/>
+              </a:spcBef>
+              <a:spcAft>
+                <a:spcPts val="0"/>
+              </a:spcAft>
+              <a:buClrTx/>
+              <a:buSzTx/>
+              <a:buFontTx/>
+              <a:buNone/>
+              <a:tabLst/>
+            </a:pPr>
+            <a:r>
+              <a:rPr kumimoji="0" lang="en-US" altLang="ko-KR" sz="1800" b="0" i="0" u="none" strike="noStrike" cap="none" spc="0" normalizeH="0" baseline="0" dirty="0" err="1" smtClean="0">
+                <a:ln>
+                  <a:noFill/>
+                </a:ln>
+                <a:solidFill>
+                  <a:srgbClr val="000000"/>
+                </a:solidFill>
+                <a:effectLst/>
+                <a:uFillTx/>
+                <a:latin typeface="+mn-lt"/>
+                <a:ea typeface="+mn-ea"/>
+                <a:cs typeface="+mn-cs"/>
+                <a:sym typeface="맑은 고딕"/>
+              </a:rPr>
+              <a:t>Drawable</a:t>
+            </a:r>
+            <a:r>
+              <a:rPr kumimoji="0" lang="en-US" altLang="ko-KR" sz="1800" b="0" i="0" u="none" strike="noStrike" cap="none" spc="0" normalizeH="0" baseline="0" dirty="0" smtClean="0">
+                <a:ln>
+                  <a:noFill/>
+                </a:ln>
+                <a:solidFill>
+                  <a:srgbClr val="000000"/>
+                </a:solidFill>
+                <a:effectLst/>
+                <a:uFillTx/>
+                <a:latin typeface="+mn-lt"/>
+                <a:ea typeface="+mn-ea"/>
+                <a:cs typeface="+mn-cs"/>
+                <a:sym typeface="맑은 고딕"/>
+              </a:rPr>
+              <a:t> </a:t>
+            </a:r>
+            <a:r>
+              <a:rPr kumimoji="0" lang="ko-KR" altLang="en-US" sz="1800" b="0" i="0" u="none" strike="noStrike" cap="none" spc="0" normalizeH="0" baseline="0" dirty="0" smtClean="0">
+                <a:ln>
+                  <a:noFill/>
+                </a:ln>
+                <a:solidFill>
+                  <a:srgbClr val="000000"/>
+                </a:solidFill>
+                <a:effectLst/>
+                <a:uFillTx/>
+                <a:latin typeface="+mn-lt"/>
+                <a:ea typeface="+mn-ea"/>
+                <a:cs typeface="+mn-cs"/>
+                <a:sym typeface="맑은 고딕"/>
+              </a:rPr>
+              <a:t>파일 연결</a:t>
+            </a:r>
+            <a:endParaRPr kumimoji="0" lang="ko-KR" altLang="en-US" sz="1800" b="0" i="0" u="none" strike="noStrike" cap="none" spc="0" normalizeH="0" baseline="0" dirty="0">
+              <a:ln>
+                <a:noFill/>
+              </a:ln>
+              <a:solidFill>
+                <a:srgbClr val="000000"/>
+              </a:solidFill>
+              <a:effectLst/>
+              <a:uFillTx/>
+              <a:latin typeface="+mn-lt"/>
+              <a:ea typeface="+mn-ea"/>
+              <a:cs typeface="+mn-cs"/>
+              <a:sym typeface="맑은 고딕"/>
+            </a:endParaRPr>
+          </a:p>
+        </p:txBody>
+      </p:sp>
     </p:spTree>
     <p:extLst>
       <p:ext uri="{BB962C8B-B14F-4D97-AF65-F5344CB8AC3E}">
@@ -23367,10 +24399,17 @@
     <a:masterClrMapping/>
   </p:clrMapOvr>
   <p:transition spd="med"/>
+  <p:timing>
+    <p:tnLst>
+      <p:par>
+        <p:cTn id="1" dur="indefinite" restart="never" nodeType="tmRoot"/>
+      </p:par>
+    </p:tnLst>
+  </p:timing>
 </p:sld>
 </file>
 
-<file path=ppt/slides/slide21.xml><?xml version="1.0" encoding="utf-8"?>
+<file path=ppt/slides/slide24.xml><?xml version="1.0" encoding="utf-8"?>
 <p:sld xmlns:a="http://schemas.openxmlformats.org/drawingml/2006/main" xmlns:r="http://schemas.openxmlformats.org/officeDocument/2006/relationships" xmlns:p="http://schemas.openxmlformats.org/presentationml/2006/main">
   <p:cSld>
     <p:spTree>
@@ -24500,7 +25539,7 @@
           </a:ln>
           <a:extLst>
             <a:ext uri="{C572A759-6A51-4108-AA02-DFA0A04FC94B}">
-              <ma14:wrappingTextBoxFlag xmlns:ma14="http://schemas.microsoft.com/office/mac/drawingml/2011/main" xmlns:a14="http://schemas.microsoft.com/office/drawing/2010/main" xmlns:m="http://schemas.openxmlformats.org/officeDocument/2006/math" xmlns="" val="1"/>
+              <ma14:wrappingTextBoxFlag xmlns="" xmlns:m="http://schemas.openxmlformats.org/officeDocument/2006/math" xmlns:a14="http://schemas.microsoft.com/office/drawing/2010/main" xmlns:ma14="http://schemas.microsoft.com/office/mac/drawingml/2011/main" val="1"/>
             </a:ext>
           </a:extLst>
         </p:spPr>
@@ -24580,7 +25619,7 @@
           </a:ln>
           <a:extLst>
             <a:ext uri="{C572A759-6A51-4108-AA02-DFA0A04FC94B}">
-              <ma14:wrappingTextBoxFlag xmlns:ma14="http://schemas.microsoft.com/office/mac/drawingml/2011/main" xmlns:a14="http://schemas.microsoft.com/office/drawing/2010/main" xmlns:m="http://schemas.openxmlformats.org/officeDocument/2006/math" xmlns="" val="1"/>
+              <ma14:wrappingTextBoxFlag xmlns="" xmlns:m="http://schemas.openxmlformats.org/officeDocument/2006/math" xmlns:a14="http://schemas.microsoft.com/office/drawing/2010/main" xmlns:ma14="http://schemas.microsoft.com/office/mac/drawingml/2011/main" val="1"/>
             </a:ext>
           </a:extLst>
         </p:spPr>
@@ -24632,7 +25671,7 @@
           </a:ln>
           <a:extLst>
             <a:ext uri="{C572A759-6A51-4108-AA02-DFA0A04FC94B}">
-              <ma14:wrappingTextBoxFlag xmlns:ma14="http://schemas.microsoft.com/office/mac/drawingml/2011/main" xmlns:a14="http://schemas.microsoft.com/office/drawing/2010/main" xmlns:m="http://schemas.openxmlformats.org/officeDocument/2006/math" xmlns="" val="1"/>
+              <ma14:wrappingTextBoxFlag xmlns="" xmlns:m="http://schemas.openxmlformats.org/officeDocument/2006/math" xmlns:a14="http://schemas.microsoft.com/office/drawing/2010/main" xmlns:ma14="http://schemas.microsoft.com/office/mac/drawingml/2011/main" val="1"/>
             </a:ext>
           </a:extLst>
         </p:spPr>
@@ -24678,7 +25717,7 @@
           </a:ln>
           <a:extLst>
             <a:ext uri="{C572A759-6A51-4108-AA02-DFA0A04FC94B}">
-              <ma14:wrappingTextBoxFlag xmlns:ma14="http://schemas.microsoft.com/office/mac/drawingml/2011/main" xmlns:a14="http://schemas.microsoft.com/office/drawing/2010/main" xmlns:m="http://schemas.openxmlformats.org/officeDocument/2006/math" xmlns="" val="1"/>
+              <ma14:wrappingTextBoxFlag xmlns="" xmlns:m="http://schemas.openxmlformats.org/officeDocument/2006/math" xmlns:a14="http://schemas.microsoft.com/office/drawing/2010/main" xmlns:ma14="http://schemas.microsoft.com/office/mac/drawingml/2011/main" val="1"/>
             </a:ext>
           </a:extLst>
         </p:spPr>
@@ -24700,10 +25739,17 @@
     <a:masterClrMapping/>
   </p:clrMapOvr>
   <p:transition spd="med"/>
+  <p:timing>
+    <p:tnLst>
+      <p:par>
+        <p:cTn id="1" dur="indefinite" restart="never" nodeType="tmRoot"/>
+      </p:par>
+    </p:tnLst>
+  </p:timing>
 </p:sld>
 </file>
 
-<file path=ppt/slides/slide22.xml><?xml version="1.0" encoding="utf-8"?>
+<file path=ppt/slides/slide25.xml><?xml version="1.0" encoding="utf-8"?>
 <p:sld xmlns:a="http://schemas.openxmlformats.org/drawingml/2006/main" xmlns:r="http://schemas.openxmlformats.org/officeDocument/2006/relationships" xmlns:p="http://schemas.openxmlformats.org/presentationml/2006/main">
   <p:cSld>
     <p:spTree>
@@ -25778,7 +26824,7 @@
           </a:ln>
           <a:extLst>
             <a:ext uri="{C572A759-6A51-4108-AA02-DFA0A04FC94B}">
-              <ma14:wrappingTextBoxFlag xmlns:ma14="http://schemas.microsoft.com/office/mac/drawingml/2011/main" xmlns:a14="http://schemas.microsoft.com/office/drawing/2010/main" xmlns:m="http://schemas.openxmlformats.org/officeDocument/2006/math" xmlns="" val="1"/>
+              <ma14:wrappingTextBoxFlag xmlns="" xmlns:m="http://schemas.openxmlformats.org/officeDocument/2006/math" xmlns:a14="http://schemas.microsoft.com/office/drawing/2010/main" xmlns:ma14="http://schemas.microsoft.com/office/mac/drawingml/2011/main" val="1"/>
             </a:ext>
           </a:extLst>
         </p:spPr>
@@ -26936,7 +27982,7 @@
           </a:ln>
           <a:extLst>
             <a:ext uri="{C572A759-6A51-4108-AA02-DFA0A04FC94B}">
-              <ma14:wrappingTextBoxFlag xmlns:ma14="http://schemas.microsoft.com/office/mac/drawingml/2011/main" xmlns:a14="http://schemas.microsoft.com/office/drawing/2010/main" xmlns:m="http://schemas.openxmlformats.org/officeDocument/2006/math" xmlns="" val="1"/>
+              <ma14:wrappingTextBoxFlag xmlns="" xmlns:m="http://schemas.openxmlformats.org/officeDocument/2006/math" xmlns:a14="http://schemas.microsoft.com/office/drawing/2010/main" xmlns:ma14="http://schemas.microsoft.com/office/mac/drawingml/2011/main" val="1"/>
             </a:ext>
           </a:extLst>
         </p:spPr>
@@ -28132,7 +29178,7 @@
             <a:effectLst/>
             <a:extLst>
               <a:ext uri="{C572A759-6A51-4108-AA02-DFA0A04FC94B}">
-                <ma14:wrappingTextBoxFlag xmlns:ma14="http://schemas.microsoft.com/office/mac/drawingml/2011/main" xmlns:a14="http://schemas.microsoft.com/office/drawing/2010/main" xmlns:m="http://schemas.openxmlformats.org/officeDocument/2006/math" xmlns="" val="1"/>
+                <ma14:wrappingTextBoxFlag xmlns="" xmlns:m="http://schemas.openxmlformats.org/officeDocument/2006/math" xmlns:a14="http://schemas.microsoft.com/office/drawing/2010/main" xmlns:ma14="http://schemas.microsoft.com/office/mac/drawingml/2011/main" val="1"/>
               </a:ext>
             </a:extLst>
           </p:spPr>
@@ -28232,7 +29278,7 @@
             <a:effectLst/>
             <a:extLst>
               <a:ext uri="{C572A759-6A51-4108-AA02-DFA0A04FC94B}">
-                <ma14:wrappingTextBoxFlag xmlns:ma14="http://schemas.microsoft.com/office/mac/drawingml/2011/main" xmlns:a14="http://schemas.microsoft.com/office/drawing/2010/main" xmlns:m="http://schemas.openxmlformats.org/officeDocument/2006/math" xmlns="" val="1"/>
+                <ma14:wrappingTextBoxFlag xmlns="" xmlns:m="http://schemas.openxmlformats.org/officeDocument/2006/math" xmlns:a14="http://schemas.microsoft.com/office/drawing/2010/main" xmlns:ma14="http://schemas.microsoft.com/office/mac/drawingml/2011/main" val="1"/>
               </a:ext>
             </a:extLst>
           </p:spPr>
@@ -28266,7 +29312,7 @@
 </p:sld>
 </file>
 
-<file path=ppt/slides/slide23.xml><?xml version="1.0" encoding="utf-8"?>
+<file path=ppt/slides/slide26.xml><?xml version="1.0" encoding="utf-8"?>
 <p:sld xmlns:a="http://schemas.openxmlformats.org/drawingml/2006/main" xmlns:r="http://schemas.openxmlformats.org/officeDocument/2006/relationships" xmlns:p="http://schemas.openxmlformats.org/presentationml/2006/main">
   <p:cSld>
     <p:spTree>
@@ -28283,44 +29329,6 @@
           <a:chExt cx="0" cy="0"/>
         </a:xfrm>
       </p:grpSpPr>
-      <p:sp>
-        <p:nvSpPr>
-          <p:cNvPr id="2" name="제목 1"/>
-          <p:cNvSpPr>
-            <a:spLocks noGrp="1"/>
-          </p:cNvSpPr>
-          <p:nvPr>
-            <p:ph type="title"/>
-          </p:nvPr>
-        </p:nvSpPr>
-        <p:spPr/>
-        <p:txBody>
-          <a:bodyPr/>
-          <a:lstStyle/>
-          <a:p>
-            <a:endParaRPr lang="ko-KR" altLang="en-US"/>
-          </a:p>
-        </p:txBody>
-      </p:sp>
-      <p:sp>
-        <p:nvSpPr>
-          <p:cNvPr id="3" name="텍스트 개체 틀 2"/>
-          <p:cNvSpPr>
-            <a:spLocks noGrp="1"/>
-          </p:cNvSpPr>
-          <p:nvPr>
-            <p:ph type="body" idx="1"/>
-          </p:nvPr>
-        </p:nvSpPr>
-        <p:spPr/>
-        <p:txBody>
-          <a:bodyPr/>
-          <a:lstStyle/>
-          <a:p>
-            <a:endParaRPr lang="ko-KR" altLang="en-US"/>
-          </a:p>
-        </p:txBody>
-      </p:sp>
       <p:pic>
         <p:nvPicPr>
           <p:cNvPr id="4" name="그림 3"/>
@@ -28329,16 +29337,210 @@
           </p:cNvPicPr>
           <p:nvPr/>
         </p:nvPicPr>
+        <p:blipFill rotWithShape="1">
+          <a:blip r:embed="rId2"/>
+          <a:srcRect l="23813" t="10557" r="24406" b="44371"/>
+          <a:stretch/>
+        </p:blipFill>
+        <p:spPr>
+          <a:xfrm>
+            <a:off x="307818" y="99588"/>
+            <a:ext cx="6319319" cy="3014804"/>
+          </a:xfrm>
+          <a:prstGeom prst="rect">
+            <a:avLst/>
+          </a:prstGeom>
+        </p:spPr>
+      </p:pic>
+      <p:pic>
+        <p:nvPicPr>
+          <p:cNvPr id="5" name="그림 4"/>
+          <p:cNvPicPr>
+            <a:picLocks noChangeAspect="1"/>
+          </p:cNvPicPr>
+          <p:nvPr/>
+        </p:nvPicPr>
+        <p:blipFill rotWithShape="1">
+          <a:blip r:embed="rId3"/>
+          <a:srcRect l="22797" t="10628" r="23441" b="48237"/>
+          <a:stretch/>
+        </p:blipFill>
+        <p:spPr>
+          <a:xfrm>
+            <a:off x="72428" y="3585171"/>
+            <a:ext cx="6554709" cy="2797521"/>
+          </a:xfrm>
+          <a:prstGeom prst="rect">
+            <a:avLst/>
+          </a:prstGeom>
+        </p:spPr>
+      </p:pic>
+      <p:sp>
+        <p:nvSpPr>
+          <p:cNvPr id="6" name="직사각형 5"/>
+          <p:cNvSpPr/>
+          <p:nvPr/>
+        </p:nvSpPr>
+        <p:spPr>
+          <a:xfrm>
+            <a:off x="4807391" y="1960026"/>
+            <a:ext cx="6377411" cy="1776296"/>
+          </a:xfrm>
+          <a:prstGeom prst="rect">
+            <a:avLst/>
+          </a:prstGeom>
+          <a:noFill/>
+          <a:ln w="76200">
+            <a:solidFill>
+              <a:srgbClr val="FF0000"/>
+            </a:solidFill>
+          </a:ln>
+        </p:spPr>
+        <p:style>
+          <a:lnRef idx="2">
+            <a:schemeClr val="accent1">
+              <a:shade val="50000"/>
+            </a:schemeClr>
+          </a:lnRef>
+          <a:fillRef idx="1">
+            <a:schemeClr val="accent1"/>
+          </a:fillRef>
+          <a:effectRef idx="0">
+            <a:schemeClr val="accent1"/>
+          </a:effectRef>
+          <a:fontRef idx="minor">
+            <a:schemeClr val="lt1"/>
+          </a:fontRef>
+        </p:style>
+        <p:txBody>
+          <a:bodyPr rtlCol="0" anchor="ctr"/>
+          <a:lstStyle/>
+          <a:p>
+            <a:pPr algn="ctr"/>
+            <a:endParaRPr lang="ko-KR" altLang="en-US"/>
+          </a:p>
+        </p:txBody>
+      </p:sp>
+      <p:sp>
+        <p:nvSpPr>
+          <p:cNvPr id="7" name="오른쪽 화살표 6"/>
+          <p:cNvSpPr/>
+          <p:nvPr/>
+        </p:nvSpPr>
+        <p:spPr>
+          <a:xfrm rot="13500000">
+            <a:off x="6426450" y="1225077"/>
+            <a:ext cx="950616" cy="416122"/>
+          </a:xfrm>
+          <a:prstGeom prst="rightArrow">
+            <a:avLst/>
+          </a:prstGeom>
+          <a:solidFill>
+            <a:srgbClr val="FF0000"/>
+          </a:solidFill>
+          <a:ln w="12700" cap="flat">
+            <a:solidFill>
+              <a:srgbClr val="FF0000"/>
+            </a:solidFill>
+            <a:prstDash val="solid"/>
+            <a:miter lim="800000"/>
+          </a:ln>
+          <a:effectLst/>
+          <a:sp3d/>
+        </p:spPr>
+        <p:style>
+          <a:lnRef idx="0">
+            <a:scrgbClr r="0" g="0" b="0"/>
+          </a:lnRef>
+          <a:fillRef idx="0">
+            <a:scrgbClr r="0" g="0" b="0"/>
+          </a:fillRef>
+          <a:effectRef idx="0">
+            <a:scrgbClr r="0" g="0" b="0"/>
+          </a:effectRef>
+          <a:fontRef idx="none"/>
+        </p:style>
+        <p:txBody>
+          <a:bodyPr rot="0" spcFirstLastPara="1" vertOverflow="overflow" horzOverflow="overflow" vert="horz" wrap="square" lIns="45719" tIns="45719" rIns="45719" bIns="45719" numCol="1" spcCol="38100" rtlCol="0" anchor="ctr">
+            <a:spAutoFit/>
+          </a:bodyPr>
+          <a:lstStyle/>
+          <a:p>
+            <a:pPr marL="0" marR="0" indent="0" algn="l" defTabSz="914400" rtl="0" fontAlgn="auto" latinLnBrk="0" hangingPunct="0">
+              <a:lnSpc>
+                <a:spcPct val="100000"/>
+              </a:lnSpc>
+              <a:spcBef>
+                <a:spcPts val="0"/>
+              </a:spcBef>
+              <a:spcAft>
+                <a:spcPts val="0"/>
+              </a:spcAft>
+              <a:buClrTx/>
+              <a:buSzTx/>
+              <a:buFontTx/>
+              <a:buNone/>
+              <a:tabLst/>
+            </a:pPr>
+            <a:endParaRPr kumimoji="0" lang="ko-KR" altLang="en-US" sz="1800" b="0" i="0" u="none" strike="noStrike" cap="none" spc="0" normalizeH="0" baseline="0">
+              <a:ln>
+                <a:noFill/>
+              </a:ln>
+              <a:solidFill>
+                <a:srgbClr val="000000"/>
+              </a:solidFill>
+              <a:effectLst/>
+              <a:uFillTx/>
+              <a:latin typeface="+mn-lt"/>
+              <a:ea typeface="+mn-ea"/>
+              <a:cs typeface="+mn-cs"/>
+              <a:sym typeface="맑은 고딕"/>
+            </a:endParaRPr>
+          </a:p>
+        </p:txBody>
+      </p:sp>
+      <p:pic>
+        <p:nvPicPr>
+          <p:cNvPr id="8" name="그림 7"/>
+          <p:cNvPicPr>
+            <a:picLocks noChangeAspect="1"/>
+          </p:cNvPicPr>
+          <p:nvPr/>
+        </p:nvPicPr>
         <p:blipFill>
-          <a:blip r:embed="rId2"/>
+          <a:blip r:embed="rId4"/>
           <a:stretch>
             <a:fillRect/>
           </a:stretch>
         </p:blipFill>
         <p:spPr>
           <a:xfrm>
-            <a:off x="0" y="0"/>
-            <a:ext cx="12192000" cy="6707055"/>
+            <a:off x="4857608" y="2058931"/>
+            <a:ext cx="6276975" cy="923925"/>
+          </a:xfrm>
+          <a:prstGeom prst="rect">
+            <a:avLst/>
+          </a:prstGeom>
+        </p:spPr>
+      </p:pic>
+      <p:pic>
+        <p:nvPicPr>
+          <p:cNvPr id="9" name="그림 8"/>
+          <p:cNvPicPr>
+            <a:picLocks noChangeAspect="1"/>
+          </p:cNvPicPr>
+          <p:nvPr/>
+        </p:nvPicPr>
+        <p:blipFill>
+          <a:blip r:embed="rId5"/>
+          <a:stretch>
+            <a:fillRect/>
+          </a:stretch>
+        </p:blipFill>
+        <p:spPr>
+          <a:xfrm>
+            <a:off x="5024296" y="2892548"/>
+            <a:ext cx="5943600" cy="800100"/>
           </a:xfrm>
           <a:prstGeom prst="rect">
             <a:avLst/>
@@ -28359,100 +29561,7 @@
 </p:sld>
 </file>
 
-<file path=ppt/slides/slide24.xml><?xml version="1.0" encoding="utf-8"?>
-<p:sld xmlns:a="http://schemas.openxmlformats.org/drawingml/2006/main" xmlns:r="http://schemas.openxmlformats.org/officeDocument/2006/relationships" xmlns:p="http://schemas.openxmlformats.org/presentationml/2006/main">
-  <p:cSld>
-    <p:spTree>
-      <p:nvGrpSpPr>
-        <p:cNvPr id="1" name=""/>
-        <p:cNvGrpSpPr/>
-        <p:nvPr/>
-      </p:nvGrpSpPr>
-      <p:grpSpPr>
-        <a:xfrm>
-          <a:off x="0" y="0"/>
-          <a:ext cx="0" cy="0"/>
-          <a:chOff x="0" y="0"/>
-          <a:chExt cx="0" cy="0"/>
-        </a:xfrm>
-      </p:grpSpPr>
-      <p:sp>
-        <p:nvSpPr>
-          <p:cNvPr id="2" name="제목 1"/>
-          <p:cNvSpPr>
-            <a:spLocks noGrp="1"/>
-          </p:cNvSpPr>
-          <p:nvPr>
-            <p:ph type="title"/>
-          </p:nvPr>
-        </p:nvSpPr>
-        <p:spPr/>
-        <p:txBody>
-          <a:bodyPr/>
-          <a:lstStyle/>
-          <a:p>
-            <a:endParaRPr lang="ko-KR" altLang="en-US"/>
-          </a:p>
-        </p:txBody>
-      </p:sp>
-      <p:sp>
-        <p:nvSpPr>
-          <p:cNvPr id="3" name="텍스트 개체 틀 2"/>
-          <p:cNvSpPr>
-            <a:spLocks noGrp="1"/>
-          </p:cNvSpPr>
-          <p:nvPr>
-            <p:ph type="body" idx="1"/>
-          </p:nvPr>
-        </p:nvSpPr>
-        <p:spPr/>
-        <p:txBody>
-          <a:bodyPr/>
-          <a:lstStyle/>
-          <a:p>
-            <a:endParaRPr lang="ko-KR" altLang="en-US"/>
-          </a:p>
-        </p:txBody>
-      </p:sp>
-      <p:pic>
-        <p:nvPicPr>
-          <p:cNvPr id="4" name="그림 3"/>
-          <p:cNvPicPr>
-            <a:picLocks noChangeAspect="1"/>
-          </p:cNvPicPr>
-          <p:nvPr/>
-        </p:nvPicPr>
-        <p:blipFill>
-          <a:blip r:embed="rId2"/>
-          <a:stretch>
-            <a:fillRect/>
-          </a:stretch>
-        </p:blipFill>
-        <p:spPr>
-          <a:xfrm>
-            <a:off x="0" y="28609"/>
-            <a:ext cx="12192000" cy="6800782"/>
-          </a:xfrm>
-          <a:prstGeom prst="rect">
-            <a:avLst/>
-          </a:prstGeom>
-        </p:spPr>
-      </p:pic>
-    </p:spTree>
-    <p:extLst>
-      <p:ext uri="{BB962C8B-B14F-4D97-AF65-F5344CB8AC3E}">
-        <p14:creationId xmlns:p14="http://schemas.microsoft.com/office/powerpoint/2010/main" val="722191692"/>
-      </p:ext>
-    </p:extLst>
-  </p:cSld>
-  <p:clrMapOvr>
-    <a:masterClrMapping/>
-  </p:clrMapOvr>
-  <p:transition spd="med"/>
-</p:sld>
-</file>
-
-<file path=ppt/slides/slide25.xml><?xml version="1.0" encoding="utf-8"?>
+<file path=ppt/slides/slide27.xml><?xml version="1.0" encoding="utf-8"?>
 <p:sld xmlns:a="http://schemas.openxmlformats.org/drawingml/2006/main" xmlns:r="http://schemas.openxmlformats.org/officeDocument/2006/relationships" xmlns:p="http://schemas.openxmlformats.org/presentationml/2006/main">
   <p:cSld>
     <p:spTree>
@@ -29543,7 +30652,7 @@
           </a:ln>
           <a:extLst>
             <a:ext uri="{C572A759-6A51-4108-AA02-DFA0A04FC94B}">
-              <ma14:wrappingTextBoxFlag xmlns:ma14="http://schemas.microsoft.com/office/mac/drawingml/2011/main" xmlns:a14="http://schemas.microsoft.com/office/drawing/2010/main" xmlns:m="http://schemas.openxmlformats.org/officeDocument/2006/math" xmlns="" val="1"/>
+              <ma14:wrappingTextBoxFlag xmlns="" xmlns:m="http://schemas.openxmlformats.org/officeDocument/2006/math" xmlns:a14="http://schemas.microsoft.com/office/drawing/2010/main" xmlns:ma14="http://schemas.microsoft.com/office/mac/drawingml/2011/main" val="1"/>
             </a:ext>
           </a:extLst>
         </p:spPr>
@@ -29583,7 +30692,7 @@
           </a:ln>
           <a:extLst>
             <a:ext uri="{C572A759-6A51-4108-AA02-DFA0A04FC94B}">
-              <ma14:wrappingTextBoxFlag xmlns:ma14="http://schemas.microsoft.com/office/mac/drawingml/2011/main" xmlns:a14="http://schemas.microsoft.com/office/drawing/2010/main" xmlns:m="http://schemas.openxmlformats.org/officeDocument/2006/math" xmlns="" val="1"/>
+              <ma14:wrappingTextBoxFlag xmlns="" xmlns:m="http://schemas.openxmlformats.org/officeDocument/2006/math" xmlns:a14="http://schemas.microsoft.com/office/drawing/2010/main" xmlns:ma14="http://schemas.microsoft.com/office/mac/drawingml/2011/main" val="1"/>
             </a:ext>
           </a:extLst>
         </p:spPr>
@@ -29629,7 +30738,7 @@
           </a:ln>
           <a:extLst>
             <a:ext uri="{C572A759-6A51-4108-AA02-DFA0A04FC94B}">
-              <ma14:wrappingTextBoxFlag xmlns:ma14="http://schemas.microsoft.com/office/mac/drawingml/2011/main" xmlns:a14="http://schemas.microsoft.com/office/drawing/2010/main" xmlns:m="http://schemas.openxmlformats.org/officeDocument/2006/math" xmlns="" val="1"/>
+              <ma14:wrappingTextBoxFlag xmlns="" xmlns:m="http://schemas.openxmlformats.org/officeDocument/2006/math" xmlns:a14="http://schemas.microsoft.com/office/drawing/2010/main" xmlns:ma14="http://schemas.microsoft.com/office/mac/drawingml/2011/main" val="1"/>
             </a:ext>
           </a:extLst>
         </p:spPr>
@@ -29671,7 +30780,7 @@
           </a:ln>
           <a:extLst>
             <a:ext uri="{C572A759-6A51-4108-AA02-DFA0A04FC94B}">
-              <ma14:wrappingTextBoxFlag xmlns:ma14="http://schemas.microsoft.com/office/mac/drawingml/2011/main" xmlns:a14="http://schemas.microsoft.com/office/drawing/2010/main" xmlns:m="http://schemas.openxmlformats.org/officeDocument/2006/math" xmlns="" val="1"/>
+              <ma14:wrappingTextBoxFlag xmlns="" xmlns:m="http://schemas.openxmlformats.org/officeDocument/2006/math" xmlns:a14="http://schemas.microsoft.com/office/drawing/2010/main" xmlns:ma14="http://schemas.microsoft.com/office/mac/drawingml/2011/main" val="1"/>
             </a:ext>
           </a:extLst>
         </p:spPr>
@@ -29722,7 +30831,7 @@
           </a:ln>
           <a:extLst>
             <a:ext uri="{C572A759-6A51-4108-AA02-DFA0A04FC94B}">
-              <ma14:wrappingTextBoxFlag xmlns:ma14="http://schemas.microsoft.com/office/mac/drawingml/2011/main" xmlns:a14="http://schemas.microsoft.com/office/drawing/2010/main" xmlns:m="http://schemas.openxmlformats.org/officeDocument/2006/math" xmlns="" val="1"/>
+              <ma14:wrappingTextBoxFlag xmlns="" xmlns:m="http://schemas.openxmlformats.org/officeDocument/2006/math" xmlns:a14="http://schemas.microsoft.com/office/drawing/2010/main" xmlns:ma14="http://schemas.microsoft.com/office/mac/drawingml/2011/main" val="1"/>
             </a:ext>
           </a:extLst>
         </p:spPr>
@@ -29765,7 +30874,7 @@
           </a:ln>
           <a:extLst>
             <a:ext uri="{C572A759-6A51-4108-AA02-DFA0A04FC94B}">
-              <ma14:wrappingTextBoxFlag xmlns:ma14="http://schemas.microsoft.com/office/mac/drawingml/2011/main" xmlns:a14="http://schemas.microsoft.com/office/drawing/2010/main" xmlns:m="http://schemas.openxmlformats.org/officeDocument/2006/math" xmlns="" val="1"/>
+              <ma14:wrappingTextBoxFlag xmlns="" xmlns:m="http://schemas.openxmlformats.org/officeDocument/2006/math" xmlns:a14="http://schemas.microsoft.com/office/drawing/2010/main" xmlns:ma14="http://schemas.microsoft.com/office/mac/drawingml/2011/main" val="1"/>
             </a:ext>
           </a:extLst>
         </p:spPr>
@@ -29815,7 +30924,7 @@
           </a:ln>
           <a:extLst>
             <a:ext uri="{C572A759-6A51-4108-AA02-DFA0A04FC94B}">
-              <ma14:wrappingTextBoxFlag xmlns:ma14="http://schemas.microsoft.com/office/mac/drawingml/2011/main" xmlns:a14="http://schemas.microsoft.com/office/drawing/2010/main" xmlns:m="http://schemas.openxmlformats.org/officeDocument/2006/math" xmlns="" val="1"/>
+              <ma14:wrappingTextBoxFlag xmlns="" xmlns:m="http://schemas.openxmlformats.org/officeDocument/2006/math" xmlns:a14="http://schemas.microsoft.com/office/drawing/2010/main" xmlns:ma14="http://schemas.microsoft.com/office/mac/drawingml/2011/main" val="1"/>
             </a:ext>
           </a:extLst>
         </p:spPr>
@@ -29861,7 +30970,7 @@
           </a:ln>
           <a:extLst>
             <a:ext uri="{C572A759-6A51-4108-AA02-DFA0A04FC94B}">
-              <ma14:wrappingTextBoxFlag xmlns:ma14="http://schemas.microsoft.com/office/mac/drawingml/2011/main" xmlns:a14="http://schemas.microsoft.com/office/drawing/2010/main" xmlns:m="http://schemas.openxmlformats.org/officeDocument/2006/math" xmlns="" val="1"/>
+              <ma14:wrappingTextBoxFlag xmlns="" xmlns:m="http://schemas.openxmlformats.org/officeDocument/2006/math" xmlns:a14="http://schemas.microsoft.com/office/drawing/2010/main" xmlns:ma14="http://schemas.microsoft.com/office/mac/drawingml/2011/main" val="1"/>
             </a:ext>
           </a:extLst>
         </p:spPr>
@@ -29901,7 +31010,7 @@
           </a:ln>
           <a:extLst>
             <a:ext uri="{C572A759-6A51-4108-AA02-DFA0A04FC94B}">
-              <ma14:wrappingTextBoxFlag xmlns:ma14="http://schemas.microsoft.com/office/mac/drawingml/2011/main" xmlns:a14="http://schemas.microsoft.com/office/drawing/2010/main" xmlns:m="http://schemas.openxmlformats.org/officeDocument/2006/math" xmlns="" val="1"/>
+              <ma14:wrappingTextBoxFlag xmlns="" xmlns:m="http://schemas.openxmlformats.org/officeDocument/2006/math" xmlns:a14="http://schemas.microsoft.com/office/drawing/2010/main" xmlns:ma14="http://schemas.microsoft.com/office/mac/drawingml/2011/main" val="1"/>
             </a:ext>
           </a:extLst>
         </p:spPr>
@@ -29946,7 +31055,7 @@
           </a:ln>
           <a:extLst>
             <a:ext uri="{C572A759-6A51-4108-AA02-DFA0A04FC94B}">
-              <ma14:wrappingTextBoxFlag xmlns:ma14="http://schemas.microsoft.com/office/mac/drawingml/2011/main" xmlns:a14="http://schemas.microsoft.com/office/drawing/2010/main" xmlns:m="http://schemas.openxmlformats.org/officeDocument/2006/math" xmlns="" val="1"/>
+              <ma14:wrappingTextBoxFlag xmlns="" xmlns:m="http://schemas.openxmlformats.org/officeDocument/2006/math" xmlns:a14="http://schemas.microsoft.com/office/drawing/2010/main" xmlns:ma14="http://schemas.microsoft.com/office/mac/drawingml/2011/main" val="1"/>
             </a:ext>
           </a:extLst>
         </p:spPr>
@@ -30259,7 +31368,7 @@
             <a:effectLst/>
             <a:extLst>
               <a:ext uri="{C572A759-6A51-4108-AA02-DFA0A04FC94B}">
-                <ma14:wrappingTextBoxFlag xmlns:ma14="http://schemas.microsoft.com/office/mac/drawingml/2011/main" xmlns:a14="http://schemas.microsoft.com/office/drawing/2010/main" xmlns:m="http://schemas.openxmlformats.org/officeDocument/2006/math" xmlns="" val="1"/>
+                <ma14:wrappingTextBoxFlag xmlns="" xmlns:m="http://schemas.openxmlformats.org/officeDocument/2006/math" xmlns:a14="http://schemas.microsoft.com/office/drawing/2010/main" xmlns:ma14="http://schemas.microsoft.com/office/mac/drawingml/2011/main" val="1"/>
               </a:ext>
             </a:extLst>
           </p:spPr>
@@ -30293,7 +31402,1300 @@
 </p:sld>
 </file>
 
-<file path=ppt/slides/slide26.xml><?xml version="1.0" encoding="utf-8"?>
+<file path=ppt/slides/slide28.xml><?xml version="1.0" encoding="utf-8"?>
+<p:sld xmlns:a="http://schemas.openxmlformats.org/drawingml/2006/main" xmlns:r="http://schemas.openxmlformats.org/officeDocument/2006/relationships" xmlns:p="http://schemas.openxmlformats.org/presentationml/2006/main">
+  <p:cSld>
+    <p:spTree>
+      <p:nvGrpSpPr>
+        <p:cNvPr id="1" name=""/>
+        <p:cNvGrpSpPr/>
+        <p:nvPr/>
+      </p:nvGrpSpPr>
+      <p:grpSpPr>
+        <a:xfrm>
+          <a:off x="0" y="0"/>
+          <a:ext cx="0" cy="0"/>
+          <a:chOff x="0" y="0"/>
+          <a:chExt cx="0" cy="0"/>
+        </a:xfrm>
+      </p:grpSpPr>
+      <p:pic>
+        <p:nvPicPr>
+          <p:cNvPr id="4" name="그림 3"/>
+          <p:cNvPicPr>
+            <a:picLocks noChangeAspect="1"/>
+          </p:cNvPicPr>
+          <p:nvPr/>
+        </p:nvPicPr>
+        <p:blipFill>
+          <a:blip r:embed="rId2"/>
+          <a:stretch>
+            <a:fillRect/>
+          </a:stretch>
+        </p:blipFill>
+        <p:spPr>
+          <a:xfrm>
+            <a:off x="0" y="32657"/>
+            <a:ext cx="12192000" cy="6792686"/>
+          </a:xfrm>
+          <a:prstGeom prst="rect">
+            <a:avLst/>
+          </a:prstGeom>
+        </p:spPr>
+      </p:pic>
+      <p:sp>
+        <p:nvSpPr>
+          <p:cNvPr id="5" name="직사각형 4"/>
+          <p:cNvSpPr/>
+          <p:nvPr/>
+        </p:nvSpPr>
+        <p:spPr>
+          <a:xfrm>
+            <a:off x="63376" y="1066492"/>
+            <a:ext cx="5676521" cy="3224851"/>
+          </a:xfrm>
+          <a:prstGeom prst="rect">
+            <a:avLst/>
+          </a:prstGeom>
+          <a:noFill/>
+          <a:ln w="76200">
+            <a:solidFill>
+              <a:srgbClr val="7030A0"/>
+            </a:solidFill>
+          </a:ln>
+        </p:spPr>
+        <p:style>
+          <a:lnRef idx="2">
+            <a:schemeClr val="accent1">
+              <a:shade val="50000"/>
+            </a:schemeClr>
+          </a:lnRef>
+          <a:fillRef idx="1">
+            <a:schemeClr val="accent1"/>
+          </a:fillRef>
+          <a:effectRef idx="0">
+            <a:schemeClr val="accent1"/>
+          </a:effectRef>
+          <a:fontRef idx="minor">
+            <a:schemeClr val="lt1"/>
+          </a:fontRef>
+        </p:style>
+        <p:txBody>
+          <a:bodyPr rtlCol="0" anchor="ctr"/>
+          <a:lstStyle/>
+          <a:p>
+            <a:pPr algn="ctr"/>
+            <a:endParaRPr lang="ko-KR" altLang="en-US"/>
+          </a:p>
+        </p:txBody>
+      </p:sp>
+      <p:sp>
+        <p:nvSpPr>
+          <p:cNvPr id="6" name="직사각형 5"/>
+          <p:cNvSpPr/>
+          <p:nvPr/>
+        </p:nvSpPr>
+        <p:spPr>
+          <a:xfrm>
+            <a:off x="5803271" y="1066492"/>
+            <a:ext cx="6246891" cy="3224851"/>
+          </a:xfrm>
+          <a:prstGeom prst="rect">
+            <a:avLst/>
+          </a:prstGeom>
+          <a:noFill/>
+          <a:ln w="76200">
+            <a:solidFill>
+              <a:schemeClr val="accent6">
+                <a:lumMod val="50000"/>
+              </a:schemeClr>
+            </a:solidFill>
+          </a:ln>
+        </p:spPr>
+        <p:style>
+          <a:lnRef idx="2">
+            <a:schemeClr val="accent1">
+              <a:shade val="50000"/>
+            </a:schemeClr>
+          </a:lnRef>
+          <a:fillRef idx="1">
+            <a:schemeClr val="accent1"/>
+          </a:fillRef>
+          <a:effectRef idx="0">
+            <a:schemeClr val="accent1"/>
+          </a:effectRef>
+          <a:fontRef idx="minor">
+            <a:schemeClr val="lt1"/>
+          </a:fontRef>
+        </p:style>
+        <p:txBody>
+          <a:bodyPr rtlCol="0" anchor="ctr"/>
+          <a:lstStyle/>
+          <a:p>
+            <a:pPr algn="ctr"/>
+            <a:endParaRPr lang="ko-KR" altLang="en-US"/>
+          </a:p>
+        </p:txBody>
+      </p:sp>
+      <p:sp>
+        <p:nvSpPr>
+          <p:cNvPr id="7" name="직사각형 6"/>
+          <p:cNvSpPr/>
+          <p:nvPr/>
+        </p:nvSpPr>
+        <p:spPr>
+          <a:xfrm>
+            <a:off x="63376" y="4363769"/>
+            <a:ext cx="11986786" cy="2461574"/>
+          </a:xfrm>
+          <a:prstGeom prst="rect">
+            <a:avLst/>
+          </a:prstGeom>
+          <a:noFill/>
+          <a:ln w="76200">
+            <a:solidFill>
+              <a:schemeClr val="accent1"/>
+            </a:solidFill>
+          </a:ln>
+        </p:spPr>
+        <p:style>
+          <a:lnRef idx="2">
+            <a:schemeClr val="accent1">
+              <a:shade val="50000"/>
+            </a:schemeClr>
+          </a:lnRef>
+          <a:fillRef idx="1">
+            <a:schemeClr val="accent1"/>
+          </a:fillRef>
+          <a:effectRef idx="0">
+            <a:schemeClr val="accent1"/>
+          </a:effectRef>
+          <a:fontRef idx="minor">
+            <a:schemeClr val="lt1"/>
+          </a:fontRef>
+        </p:style>
+        <p:txBody>
+          <a:bodyPr rtlCol="0" anchor="ctr"/>
+          <a:lstStyle/>
+          <a:p>
+            <a:pPr algn="ctr"/>
+            <a:endParaRPr lang="ko-KR" altLang="en-US"/>
+          </a:p>
+        </p:txBody>
+      </p:sp>
+      <p:pic>
+        <p:nvPicPr>
+          <p:cNvPr id="8" name="그림 7"/>
+          <p:cNvPicPr>
+            <a:picLocks noChangeAspect="1"/>
+          </p:cNvPicPr>
+          <p:nvPr/>
+        </p:nvPicPr>
+        <p:blipFill>
+          <a:blip r:embed="rId3"/>
+          <a:stretch>
+            <a:fillRect/>
+          </a:stretch>
+        </p:blipFill>
+        <p:spPr>
+          <a:xfrm>
+            <a:off x="169988" y="1257805"/>
+            <a:ext cx="2581275" cy="5188261"/>
+          </a:xfrm>
+          <a:prstGeom prst="rect">
+            <a:avLst/>
+          </a:prstGeom>
+        </p:spPr>
+      </p:pic>
+    </p:spTree>
+    <p:extLst>
+      <p:ext uri="{BB962C8B-B14F-4D97-AF65-F5344CB8AC3E}">
+        <p14:creationId xmlns:p14="http://schemas.microsoft.com/office/powerpoint/2010/main" val="215951813"/>
+      </p:ext>
+    </p:extLst>
+  </p:cSld>
+  <p:clrMapOvr>
+    <a:masterClrMapping/>
+  </p:clrMapOvr>
+  <p:transition spd="med"/>
+</p:sld>
+</file>
+
+<file path=ppt/slides/slide29.xml><?xml version="1.0" encoding="utf-8"?>
+<p:sld xmlns:a="http://schemas.openxmlformats.org/drawingml/2006/main" xmlns:r="http://schemas.openxmlformats.org/officeDocument/2006/relationships" xmlns:p="http://schemas.openxmlformats.org/presentationml/2006/main">
+  <p:cSld>
+    <p:spTree>
+      <p:nvGrpSpPr>
+        <p:cNvPr id="1" name=""/>
+        <p:cNvGrpSpPr/>
+        <p:nvPr/>
+      </p:nvGrpSpPr>
+      <p:grpSpPr>
+        <a:xfrm>
+          <a:off x="0" y="0"/>
+          <a:ext cx="0" cy="0"/>
+          <a:chOff x="0" y="0"/>
+          <a:chExt cx="0" cy="0"/>
+        </a:xfrm>
+      </p:grpSpPr>
+      <p:pic>
+        <p:nvPicPr>
+          <p:cNvPr id="4" name="그림 3"/>
+          <p:cNvPicPr>
+            <a:picLocks noChangeAspect="1"/>
+          </p:cNvPicPr>
+          <p:nvPr/>
+        </p:nvPicPr>
+        <p:blipFill>
+          <a:blip r:embed="rId2"/>
+          <a:stretch>
+            <a:fillRect/>
+          </a:stretch>
+        </p:blipFill>
+        <p:spPr>
+          <a:xfrm>
+            <a:off x="0" y="32657"/>
+            <a:ext cx="12192000" cy="6792686"/>
+          </a:xfrm>
+          <a:prstGeom prst="rect">
+            <a:avLst/>
+          </a:prstGeom>
+        </p:spPr>
+      </p:pic>
+      <p:sp>
+        <p:nvSpPr>
+          <p:cNvPr id="5" name="직사각형 4"/>
+          <p:cNvSpPr/>
+          <p:nvPr/>
+        </p:nvSpPr>
+        <p:spPr>
+          <a:xfrm>
+            <a:off x="63376" y="1066492"/>
+            <a:ext cx="5676521" cy="3224851"/>
+          </a:xfrm>
+          <a:prstGeom prst="rect">
+            <a:avLst/>
+          </a:prstGeom>
+          <a:noFill/>
+          <a:ln w="76200">
+            <a:solidFill>
+              <a:srgbClr val="7030A0"/>
+            </a:solidFill>
+          </a:ln>
+        </p:spPr>
+        <p:style>
+          <a:lnRef idx="2">
+            <a:schemeClr val="accent1">
+              <a:shade val="50000"/>
+            </a:schemeClr>
+          </a:lnRef>
+          <a:fillRef idx="1">
+            <a:schemeClr val="accent1"/>
+          </a:fillRef>
+          <a:effectRef idx="0">
+            <a:schemeClr val="accent1"/>
+          </a:effectRef>
+          <a:fontRef idx="minor">
+            <a:schemeClr val="lt1"/>
+          </a:fontRef>
+        </p:style>
+        <p:txBody>
+          <a:bodyPr rtlCol="0" anchor="ctr"/>
+          <a:lstStyle/>
+          <a:p>
+            <a:pPr algn="ctr"/>
+            <a:endParaRPr lang="ko-KR" altLang="en-US"/>
+          </a:p>
+        </p:txBody>
+      </p:sp>
+      <p:sp>
+        <p:nvSpPr>
+          <p:cNvPr id="6" name="직사각형 5"/>
+          <p:cNvSpPr/>
+          <p:nvPr/>
+        </p:nvSpPr>
+        <p:spPr>
+          <a:xfrm>
+            <a:off x="5803271" y="1066492"/>
+            <a:ext cx="6246891" cy="3224851"/>
+          </a:xfrm>
+          <a:prstGeom prst="rect">
+            <a:avLst/>
+          </a:prstGeom>
+          <a:noFill/>
+          <a:ln w="76200">
+            <a:solidFill>
+              <a:schemeClr val="accent6">
+                <a:lumMod val="50000"/>
+              </a:schemeClr>
+            </a:solidFill>
+          </a:ln>
+        </p:spPr>
+        <p:style>
+          <a:lnRef idx="2">
+            <a:schemeClr val="accent1">
+              <a:shade val="50000"/>
+            </a:schemeClr>
+          </a:lnRef>
+          <a:fillRef idx="1">
+            <a:schemeClr val="accent1"/>
+          </a:fillRef>
+          <a:effectRef idx="0">
+            <a:schemeClr val="accent1"/>
+          </a:effectRef>
+          <a:fontRef idx="minor">
+            <a:schemeClr val="lt1"/>
+          </a:fontRef>
+        </p:style>
+        <p:txBody>
+          <a:bodyPr rtlCol="0" anchor="ctr"/>
+          <a:lstStyle/>
+          <a:p>
+            <a:pPr algn="ctr"/>
+            <a:endParaRPr lang="ko-KR" altLang="en-US"/>
+          </a:p>
+        </p:txBody>
+      </p:sp>
+      <p:sp>
+        <p:nvSpPr>
+          <p:cNvPr id="7" name="직사각형 6"/>
+          <p:cNvSpPr/>
+          <p:nvPr/>
+        </p:nvSpPr>
+        <p:spPr>
+          <a:xfrm>
+            <a:off x="63376" y="4363769"/>
+            <a:ext cx="11986786" cy="2461574"/>
+          </a:xfrm>
+          <a:prstGeom prst="rect">
+            <a:avLst/>
+          </a:prstGeom>
+          <a:noFill/>
+          <a:ln w="76200">
+            <a:solidFill>
+              <a:schemeClr val="accent1"/>
+            </a:solidFill>
+          </a:ln>
+        </p:spPr>
+        <p:style>
+          <a:lnRef idx="2">
+            <a:schemeClr val="accent1">
+              <a:shade val="50000"/>
+            </a:schemeClr>
+          </a:lnRef>
+          <a:fillRef idx="1">
+            <a:schemeClr val="accent1"/>
+          </a:fillRef>
+          <a:effectRef idx="0">
+            <a:schemeClr val="accent1"/>
+          </a:effectRef>
+          <a:fontRef idx="minor">
+            <a:schemeClr val="lt1"/>
+          </a:fontRef>
+        </p:style>
+        <p:txBody>
+          <a:bodyPr rtlCol="0" anchor="ctr"/>
+          <a:lstStyle/>
+          <a:p>
+            <a:pPr algn="ctr"/>
+            <a:endParaRPr lang="ko-KR" altLang="en-US"/>
+          </a:p>
+        </p:txBody>
+      </p:sp>
+      <p:pic>
+        <p:nvPicPr>
+          <p:cNvPr id="2" name="그림 1"/>
+          <p:cNvPicPr>
+            <a:picLocks noChangeAspect="1"/>
+          </p:cNvPicPr>
+          <p:nvPr/>
+        </p:nvPicPr>
+        <p:blipFill>
+          <a:blip r:embed="rId3"/>
+          <a:stretch>
+            <a:fillRect/>
+          </a:stretch>
+        </p:blipFill>
+        <p:spPr>
+          <a:xfrm>
+            <a:off x="5803271" y="4947031"/>
+            <a:ext cx="2628900" cy="285750"/>
+          </a:xfrm>
+          <a:prstGeom prst="rect">
+            <a:avLst/>
+          </a:prstGeom>
+        </p:spPr>
+      </p:pic>
+      <p:pic>
+        <p:nvPicPr>
+          <p:cNvPr id="3" name="그림 2"/>
+          <p:cNvPicPr>
+            <a:picLocks noChangeAspect="1"/>
+          </p:cNvPicPr>
+          <p:nvPr/>
+        </p:nvPicPr>
+        <p:blipFill>
+          <a:blip r:embed="rId4"/>
+          <a:stretch>
+            <a:fillRect/>
+          </a:stretch>
+        </p:blipFill>
+        <p:spPr>
+          <a:xfrm>
+            <a:off x="5803271" y="5232781"/>
+            <a:ext cx="5438775" cy="1085850"/>
+          </a:xfrm>
+          <a:prstGeom prst="rect">
+            <a:avLst/>
+          </a:prstGeom>
+        </p:spPr>
+      </p:pic>
+      <p:sp>
+        <p:nvSpPr>
+          <p:cNvPr id="9" name="직사각형 8"/>
+          <p:cNvSpPr/>
+          <p:nvPr/>
+        </p:nvSpPr>
+        <p:spPr>
+          <a:xfrm>
+            <a:off x="5739897" y="4887558"/>
+            <a:ext cx="5567881" cy="1540402"/>
+          </a:xfrm>
+          <a:prstGeom prst="rect">
+            <a:avLst/>
+          </a:prstGeom>
+          <a:noFill/>
+          <a:ln w="76200">
+            <a:solidFill>
+              <a:srgbClr val="FF0000"/>
+            </a:solidFill>
+          </a:ln>
+        </p:spPr>
+        <p:style>
+          <a:lnRef idx="2">
+            <a:schemeClr val="accent1">
+              <a:shade val="50000"/>
+            </a:schemeClr>
+          </a:lnRef>
+          <a:fillRef idx="1">
+            <a:schemeClr val="accent1"/>
+          </a:fillRef>
+          <a:effectRef idx="0">
+            <a:schemeClr val="accent1"/>
+          </a:effectRef>
+          <a:fontRef idx="minor">
+            <a:schemeClr val="lt1"/>
+          </a:fontRef>
+        </p:style>
+        <p:txBody>
+          <a:bodyPr rtlCol="0" anchor="ctr"/>
+          <a:lstStyle/>
+          <a:p>
+            <a:pPr algn="ctr"/>
+            <a:endParaRPr lang="ko-KR" altLang="en-US"/>
+          </a:p>
+        </p:txBody>
+      </p:sp>
+      <p:sp>
+        <p:nvSpPr>
+          <p:cNvPr id="10" name="직사각형 9"/>
+          <p:cNvSpPr/>
+          <p:nvPr/>
+        </p:nvSpPr>
+        <p:spPr>
+          <a:xfrm>
+            <a:off x="270992" y="4848126"/>
+            <a:ext cx="4726521" cy="1362551"/>
+          </a:xfrm>
+          <a:prstGeom prst="rect">
+            <a:avLst/>
+          </a:prstGeom>
+          <a:noFill/>
+          <a:ln w="76200">
+            <a:solidFill>
+              <a:srgbClr val="FF0000"/>
+            </a:solidFill>
+          </a:ln>
+        </p:spPr>
+        <p:style>
+          <a:lnRef idx="2">
+            <a:schemeClr val="accent1">
+              <a:shade val="50000"/>
+            </a:schemeClr>
+          </a:lnRef>
+          <a:fillRef idx="1">
+            <a:schemeClr val="accent1"/>
+          </a:fillRef>
+          <a:effectRef idx="0">
+            <a:schemeClr val="accent1"/>
+          </a:effectRef>
+          <a:fontRef idx="minor">
+            <a:schemeClr val="lt1"/>
+          </a:fontRef>
+        </p:style>
+        <p:txBody>
+          <a:bodyPr rtlCol="0" anchor="ctr"/>
+          <a:lstStyle/>
+          <a:p>
+            <a:pPr algn="ctr"/>
+            <a:endParaRPr lang="ko-KR" altLang="en-US"/>
+          </a:p>
+        </p:txBody>
+      </p:sp>
+      <p:pic>
+        <p:nvPicPr>
+          <p:cNvPr id="12" name="그림 11"/>
+          <p:cNvPicPr>
+            <a:picLocks noChangeAspect="1"/>
+          </p:cNvPicPr>
+          <p:nvPr/>
+        </p:nvPicPr>
+        <p:blipFill>
+          <a:blip r:embed="rId5"/>
+          <a:stretch>
+            <a:fillRect/>
+          </a:stretch>
+        </p:blipFill>
+        <p:spPr>
+          <a:xfrm>
+            <a:off x="321210" y="4901766"/>
+            <a:ext cx="4440914" cy="708719"/>
+          </a:xfrm>
+          <a:prstGeom prst="rect">
+            <a:avLst/>
+          </a:prstGeom>
+        </p:spPr>
+      </p:pic>
+      <p:pic>
+        <p:nvPicPr>
+          <p:cNvPr id="13" name="그림 12"/>
+          <p:cNvPicPr>
+            <a:picLocks noChangeAspect="1"/>
+          </p:cNvPicPr>
+          <p:nvPr/>
+        </p:nvPicPr>
+        <p:blipFill>
+          <a:blip r:embed="rId6"/>
+          <a:stretch>
+            <a:fillRect/>
+          </a:stretch>
+        </p:blipFill>
+        <p:spPr>
+          <a:xfrm>
+            <a:off x="321210" y="5549124"/>
+            <a:ext cx="4559182" cy="613736"/>
+          </a:xfrm>
+          <a:prstGeom prst="rect">
+            <a:avLst/>
+          </a:prstGeom>
+        </p:spPr>
+      </p:pic>
+      <p:sp>
+        <p:nvSpPr>
+          <p:cNvPr id="14" name="굽은 화살표 13"/>
+          <p:cNvSpPr/>
+          <p:nvPr/>
+        </p:nvSpPr>
+        <p:spPr>
+          <a:xfrm>
+            <a:off x="3637137" y="4396144"/>
+            <a:ext cx="427870" cy="469409"/>
+          </a:xfrm>
+          <a:prstGeom prst="bentArrow">
+            <a:avLst>
+              <a:gd name="adj1" fmla="val 22468"/>
+              <a:gd name="adj2" fmla="val 25000"/>
+              <a:gd name="adj3" fmla="val 25000"/>
+              <a:gd name="adj4" fmla="val 43750"/>
+            </a:avLst>
+          </a:prstGeom>
+          <a:solidFill>
+            <a:srgbClr val="FF0000"/>
+          </a:solidFill>
+          <a:ln w="12700" cap="flat">
+            <a:solidFill>
+              <a:srgbClr val="FF0000"/>
+            </a:solidFill>
+            <a:prstDash val="solid"/>
+            <a:miter lim="800000"/>
+          </a:ln>
+          <a:effectLst/>
+          <a:sp3d/>
+        </p:spPr>
+        <p:style>
+          <a:lnRef idx="0">
+            <a:scrgbClr r="0" g="0" b="0"/>
+          </a:lnRef>
+          <a:fillRef idx="0">
+            <a:scrgbClr r="0" g="0" b="0"/>
+          </a:fillRef>
+          <a:effectRef idx="0">
+            <a:scrgbClr r="0" g="0" b="0"/>
+          </a:effectRef>
+          <a:fontRef idx="none"/>
+        </p:style>
+        <p:txBody>
+          <a:bodyPr rot="0" spcFirstLastPara="1" vertOverflow="overflow" horzOverflow="overflow" vert="horz" wrap="square" lIns="45719" tIns="45719" rIns="45719" bIns="45719" numCol="1" spcCol="38100" rtlCol="0" anchor="ctr">
+            <a:spAutoFit/>
+          </a:bodyPr>
+          <a:lstStyle/>
+          <a:p>
+            <a:pPr marL="0" marR="0" indent="0" algn="l" defTabSz="914400" rtl="0" fontAlgn="auto" latinLnBrk="0" hangingPunct="0">
+              <a:lnSpc>
+                <a:spcPct val="100000"/>
+              </a:lnSpc>
+              <a:spcBef>
+                <a:spcPts val="0"/>
+              </a:spcBef>
+              <a:spcAft>
+                <a:spcPts val="0"/>
+              </a:spcAft>
+              <a:buClrTx/>
+              <a:buSzTx/>
+              <a:buFontTx/>
+              <a:buNone/>
+              <a:tabLst/>
+            </a:pPr>
+            <a:endParaRPr kumimoji="0" lang="ko-KR" altLang="en-US" sz="1800" b="0" i="0" u="none" strike="noStrike" cap="none" spc="0" normalizeH="0" baseline="0">
+              <a:ln>
+                <a:noFill/>
+              </a:ln>
+              <a:solidFill>
+                <a:srgbClr val="000000"/>
+              </a:solidFill>
+              <a:effectLst/>
+              <a:uFillTx/>
+              <a:latin typeface="+mn-lt"/>
+              <a:ea typeface="+mn-ea"/>
+              <a:cs typeface="+mn-cs"/>
+              <a:sym typeface="맑은 고딕"/>
+            </a:endParaRPr>
+          </a:p>
+        </p:txBody>
+      </p:sp>
+      <p:sp>
+        <p:nvSpPr>
+          <p:cNvPr id="15" name="굽은 화살표 14"/>
+          <p:cNvSpPr/>
+          <p:nvPr/>
+        </p:nvSpPr>
+        <p:spPr>
+          <a:xfrm flipH="1">
+            <a:off x="7638768" y="4432357"/>
+            <a:ext cx="427870" cy="469409"/>
+          </a:xfrm>
+          <a:prstGeom prst="bentArrow">
+            <a:avLst>
+              <a:gd name="adj1" fmla="val 22468"/>
+              <a:gd name="adj2" fmla="val 25000"/>
+              <a:gd name="adj3" fmla="val 25000"/>
+              <a:gd name="adj4" fmla="val 43750"/>
+            </a:avLst>
+          </a:prstGeom>
+          <a:solidFill>
+            <a:srgbClr val="FF0000"/>
+          </a:solidFill>
+          <a:ln w="12700" cap="flat">
+            <a:solidFill>
+              <a:srgbClr val="FF0000"/>
+            </a:solidFill>
+            <a:prstDash val="solid"/>
+            <a:miter lim="800000"/>
+          </a:ln>
+          <a:effectLst/>
+          <a:sp3d/>
+        </p:spPr>
+        <p:style>
+          <a:lnRef idx="0">
+            <a:scrgbClr r="0" g="0" b="0"/>
+          </a:lnRef>
+          <a:fillRef idx="0">
+            <a:scrgbClr r="0" g="0" b="0"/>
+          </a:fillRef>
+          <a:effectRef idx="0">
+            <a:scrgbClr r="0" g="0" b="0"/>
+          </a:effectRef>
+          <a:fontRef idx="none"/>
+        </p:style>
+        <p:txBody>
+          <a:bodyPr rot="0" spcFirstLastPara="1" vertOverflow="overflow" horzOverflow="overflow" vert="horz" wrap="square" lIns="45719" tIns="45719" rIns="45719" bIns="45719" numCol="1" spcCol="38100" rtlCol="0" anchor="ctr">
+            <a:spAutoFit/>
+          </a:bodyPr>
+          <a:lstStyle/>
+          <a:p>
+            <a:pPr marL="0" marR="0" indent="0" algn="l" defTabSz="914400" rtl="0" fontAlgn="auto" latinLnBrk="0" hangingPunct="0">
+              <a:lnSpc>
+                <a:spcPct val="100000"/>
+              </a:lnSpc>
+              <a:spcBef>
+                <a:spcPts val="0"/>
+              </a:spcBef>
+              <a:spcAft>
+                <a:spcPts val="0"/>
+              </a:spcAft>
+              <a:buClrTx/>
+              <a:buSzTx/>
+              <a:buFontTx/>
+              <a:buNone/>
+              <a:tabLst/>
+            </a:pPr>
+            <a:endParaRPr kumimoji="0" lang="ko-KR" altLang="en-US" sz="1800" b="0" i="0" u="none" strike="noStrike" cap="none" spc="0" normalizeH="0" baseline="0">
+              <a:ln>
+                <a:noFill/>
+              </a:ln>
+              <a:solidFill>
+                <a:srgbClr val="000000"/>
+              </a:solidFill>
+              <a:effectLst/>
+              <a:uFillTx/>
+              <a:latin typeface="+mn-lt"/>
+              <a:ea typeface="+mn-ea"/>
+              <a:cs typeface="+mn-cs"/>
+              <a:sym typeface="맑은 고딕"/>
+            </a:endParaRPr>
+          </a:p>
+        </p:txBody>
+      </p:sp>
+    </p:spTree>
+    <p:extLst>
+      <p:ext uri="{BB962C8B-B14F-4D97-AF65-F5344CB8AC3E}">
+        <p14:creationId xmlns:p14="http://schemas.microsoft.com/office/powerpoint/2010/main" val="3959422189"/>
+      </p:ext>
+    </p:extLst>
+  </p:cSld>
+  <p:clrMapOvr>
+    <a:masterClrMapping/>
+  </p:clrMapOvr>
+  <p:transition spd="med"/>
+</p:sld>
+</file>
+
+<file path=ppt/slides/slide3.xml><?xml version="1.0" encoding="utf-8"?>
+<p:sld xmlns:a="http://schemas.openxmlformats.org/drawingml/2006/main" xmlns:r="http://schemas.openxmlformats.org/officeDocument/2006/relationships" xmlns:p="http://schemas.openxmlformats.org/presentationml/2006/main">
+  <p:cSld>
+    <p:spTree>
+      <p:nvGrpSpPr>
+        <p:cNvPr id="1" name=""/>
+        <p:cNvGrpSpPr/>
+        <p:nvPr/>
+      </p:nvGrpSpPr>
+      <p:grpSpPr>
+        <a:xfrm>
+          <a:off x="0" y="0"/>
+          <a:ext cx="0" cy="0"/>
+          <a:chOff x="0" y="0"/>
+          <a:chExt cx="0" cy="0"/>
+        </a:xfrm>
+      </p:grpSpPr>
+      <p:pic>
+        <p:nvPicPr>
+          <p:cNvPr id="5" name="그림 4"/>
+          <p:cNvPicPr>
+            <a:picLocks noChangeAspect="1"/>
+          </p:cNvPicPr>
+          <p:nvPr/>
+        </p:nvPicPr>
+        <p:blipFill>
+          <a:blip r:embed="rId2"/>
+          <a:stretch>
+            <a:fillRect/>
+          </a:stretch>
+        </p:blipFill>
+        <p:spPr>
+          <a:xfrm>
+            <a:off x="0" y="0"/>
+            <a:ext cx="12192000" cy="5798457"/>
+          </a:xfrm>
+          <a:prstGeom prst="rect">
+            <a:avLst/>
+          </a:prstGeom>
+        </p:spPr>
+      </p:pic>
+      <p:pic>
+        <p:nvPicPr>
+          <p:cNvPr id="2" name="그림 1"/>
+          <p:cNvPicPr>
+            <a:picLocks noChangeAspect="1"/>
+          </p:cNvPicPr>
+          <p:nvPr/>
+        </p:nvPicPr>
+        <p:blipFill>
+          <a:blip r:embed="rId3"/>
+          <a:stretch>
+            <a:fillRect/>
+          </a:stretch>
+        </p:blipFill>
+        <p:spPr>
+          <a:xfrm>
+            <a:off x="1125694" y="919728"/>
+            <a:ext cx="2009775" cy="1704975"/>
+          </a:xfrm>
+          <a:prstGeom prst="rect">
+            <a:avLst/>
+          </a:prstGeom>
+        </p:spPr>
+      </p:pic>
+      <p:pic>
+        <p:nvPicPr>
+          <p:cNvPr id="3" name="그림 2"/>
+          <p:cNvPicPr>
+            <a:picLocks noChangeAspect="1"/>
+          </p:cNvPicPr>
+          <p:nvPr/>
+        </p:nvPicPr>
+        <p:blipFill>
+          <a:blip r:embed="rId4"/>
+          <a:stretch>
+            <a:fillRect/>
+          </a:stretch>
+        </p:blipFill>
+        <p:spPr>
+          <a:xfrm>
+            <a:off x="7568697" y="4613020"/>
+            <a:ext cx="2506240" cy="1715208"/>
+          </a:xfrm>
+          <a:prstGeom prst="rect">
+            <a:avLst/>
+          </a:prstGeom>
+        </p:spPr>
+      </p:pic>
+      <p:sp>
+        <p:nvSpPr>
+          <p:cNvPr id="6" name="오른쪽 화살표 5"/>
+          <p:cNvSpPr/>
+          <p:nvPr/>
+        </p:nvSpPr>
+        <p:spPr>
+          <a:xfrm rot="10800000">
+            <a:off x="7264512" y="5262563"/>
+            <a:ext cx="470780" cy="416122"/>
+          </a:xfrm>
+          <a:prstGeom prst="rightArrow">
+            <a:avLst/>
+          </a:prstGeom>
+          <a:solidFill>
+            <a:srgbClr val="FF0000"/>
+          </a:solidFill>
+          <a:ln w="12700" cap="flat">
+            <a:solidFill>
+              <a:srgbClr val="FF0000"/>
+            </a:solidFill>
+            <a:prstDash val="solid"/>
+            <a:miter lim="800000"/>
+          </a:ln>
+          <a:effectLst/>
+          <a:sp3d/>
+        </p:spPr>
+        <p:style>
+          <a:lnRef idx="0">
+            <a:scrgbClr r="0" g="0" b="0"/>
+          </a:lnRef>
+          <a:fillRef idx="0">
+            <a:scrgbClr r="0" g="0" b="0"/>
+          </a:fillRef>
+          <a:effectRef idx="0">
+            <a:scrgbClr r="0" g="0" b="0"/>
+          </a:effectRef>
+          <a:fontRef idx="none"/>
+        </p:style>
+        <p:txBody>
+          <a:bodyPr rot="0" spcFirstLastPara="1" vertOverflow="overflow" horzOverflow="overflow" vert="horz" wrap="square" lIns="45719" tIns="45719" rIns="45719" bIns="45719" numCol="1" spcCol="38100" rtlCol="0" anchor="ctr">
+            <a:spAutoFit/>
+          </a:bodyPr>
+          <a:lstStyle/>
+          <a:p>
+            <a:pPr marL="0" marR="0" indent="0" algn="l" defTabSz="914400" rtl="0" fontAlgn="auto" latinLnBrk="0" hangingPunct="0">
+              <a:lnSpc>
+                <a:spcPct val="100000"/>
+              </a:lnSpc>
+              <a:spcBef>
+                <a:spcPts val="0"/>
+              </a:spcBef>
+              <a:spcAft>
+                <a:spcPts val="0"/>
+              </a:spcAft>
+              <a:buClrTx/>
+              <a:buSzTx/>
+              <a:buFontTx/>
+              <a:buNone/>
+              <a:tabLst/>
+            </a:pPr>
+            <a:endParaRPr kumimoji="0" lang="ko-KR" altLang="en-US" sz="1800" b="0" i="0" u="none" strike="noStrike" cap="none" spc="0" normalizeH="0" baseline="0">
+              <a:ln>
+                <a:noFill/>
+              </a:ln>
+              <a:solidFill>
+                <a:srgbClr val="000000"/>
+              </a:solidFill>
+              <a:effectLst/>
+              <a:uFillTx/>
+              <a:latin typeface="+mn-lt"/>
+              <a:ea typeface="+mn-ea"/>
+              <a:cs typeface="+mn-cs"/>
+              <a:sym typeface="맑은 고딕"/>
+            </a:endParaRPr>
+          </a:p>
+        </p:txBody>
+      </p:sp>
+      <p:sp>
+        <p:nvSpPr>
+          <p:cNvPr id="7" name="오른쪽 화살표 6"/>
+          <p:cNvSpPr/>
+          <p:nvPr/>
+        </p:nvSpPr>
+        <p:spPr>
+          <a:xfrm>
+            <a:off x="2989768" y="2208581"/>
+            <a:ext cx="470780" cy="416122"/>
+          </a:xfrm>
+          <a:prstGeom prst="rightArrow">
+            <a:avLst/>
+          </a:prstGeom>
+          <a:solidFill>
+            <a:srgbClr val="FF0000"/>
+          </a:solidFill>
+          <a:ln w="12700" cap="flat">
+            <a:solidFill>
+              <a:srgbClr val="FF0000"/>
+            </a:solidFill>
+            <a:prstDash val="solid"/>
+            <a:miter lim="800000"/>
+          </a:ln>
+          <a:effectLst/>
+          <a:sp3d/>
+        </p:spPr>
+        <p:style>
+          <a:lnRef idx="0">
+            <a:scrgbClr r="0" g="0" b="0"/>
+          </a:lnRef>
+          <a:fillRef idx="0">
+            <a:scrgbClr r="0" g="0" b="0"/>
+          </a:fillRef>
+          <a:effectRef idx="0">
+            <a:scrgbClr r="0" g="0" b="0"/>
+          </a:effectRef>
+          <a:fontRef idx="none"/>
+        </p:style>
+        <p:txBody>
+          <a:bodyPr rot="0" spcFirstLastPara="1" vertOverflow="overflow" horzOverflow="overflow" vert="horz" wrap="square" lIns="45719" tIns="45719" rIns="45719" bIns="45719" numCol="1" spcCol="38100" rtlCol="0" anchor="ctr">
+            <a:spAutoFit/>
+          </a:bodyPr>
+          <a:lstStyle/>
+          <a:p>
+            <a:pPr marL="0" marR="0" indent="0" algn="l" defTabSz="914400" rtl="0" fontAlgn="auto" latinLnBrk="0" hangingPunct="0">
+              <a:lnSpc>
+                <a:spcPct val="100000"/>
+              </a:lnSpc>
+              <a:spcBef>
+                <a:spcPts val="0"/>
+              </a:spcBef>
+              <a:spcAft>
+                <a:spcPts val="0"/>
+              </a:spcAft>
+              <a:buClrTx/>
+              <a:buSzTx/>
+              <a:buFontTx/>
+              <a:buNone/>
+              <a:tabLst/>
+            </a:pPr>
+            <a:endParaRPr kumimoji="0" lang="ko-KR" altLang="en-US" sz="1800" b="0" i="0" u="none" strike="noStrike" cap="none" spc="0" normalizeH="0" baseline="0">
+              <a:ln>
+                <a:noFill/>
+              </a:ln>
+              <a:solidFill>
+                <a:srgbClr val="000000"/>
+              </a:solidFill>
+              <a:effectLst/>
+              <a:uFillTx/>
+              <a:latin typeface="+mn-lt"/>
+              <a:ea typeface="+mn-ea"/>
+              <a:cs typeface="+mn-cs"/>
+              <a:sym typeface="맑은 고딕"/>
+            </a:endParaRPr>
+          </a:p>
+        </p:txBody>
+      </p:sp>
+    </p:spTree>
+    <p:extLst>
+      <p:ext uri="{BB962C8B-B14F-4D97-AF65-F5344CB8AC3E}">
+        <p14:creationId xmlns:p14="http://schemas.microsoft.com/office/powerpoint/2010/main" val="2589491451"/>
+      </p:ext>
+    </p:extLst>
+  </p:cSld>
+  <p:clrMapOvr>
+    <a:masterClrMapping/>
+  </p:clrMapOvr>
+  <p:transition spd="med"/>
+  <p:timing>
+    <p:tnLst>
+      <p:par>
+        <p:cTn id="1" dur="indefinite" restart="never" nodeType="tmRoot"/>
+      </p:par>
+    </p:tnLst>
+  </p:timing>
+</p:sld>
+</file>
+
+<file path=ppt/slides/slide30.xml><?xml version="1.0" encoding="utf-8"?>
+<p:sld xmlns:a="http://schemas.openxmlformats.org/drawingml/2006/main" xmlns:r="http://schemas.openxmlformats.org/officeDocument/2006/relationships" xmlns:p="http://schemas.openxmlformats.org/presentationml/2006/main">
+  <p:cSld>
+    <p:spTree>
+      <p:nvGrpSpPr>
+        <p:cNvPr id="1" name=""/>
+        <p:cNvGrpSpPr/>
+        <p:nvPr/>
+      </p:nvGrpSpPr>
+      <p:grpSpPr>
+        <a:xfrm>
+          <a:off x="0" y="0"/>
+          <a:ext cx="0" cy="0"/>
+          <a:chOff x="0" y="0"/>
+          <a:chExt cx="0" cy="0"/>
+        </a:xfrm>
+      </p:grpSpPr>
+      <p:pic>
+        <p:nvPicPr>
+          <p:cNvPr id="4" name="그림 3"/>
+          <p:cNvPicPr>
+            <a:picLocks noChangeAspect="1"/>
+          </p:cNvPicPr>
+          <p:nvPr/>
+        </p:nvPicPr>
+        <p:blipFill>
+          <a:blip r:embed="rId2"/>
+          <a:stretch>
+            <a:fillRect/>
+          </a:stretch>
+        </p:blipFill>
+        <p:spPr>
+          <a:xfrm>
+            <a:off x="4404304" y="0"/>
+            <a:ext cx="3383391" cy="6858000"/>
+          </a:xfrm>
+          <a:prstGeom prst="rect">
+            <a:avLst/>
+          </a:prstGeom>
+        </p:spPr>
+      </p:pic>
+      <p:pic>
+        <p:nvPicPr>
+          <p:cNvPr id="5" name="그림 4"/>
+          <p:cNvPicPr>
+            <a:picLocks noChangeAspect="1"/>
+          </p:cNvPicPr>
+          <p:nvPr/>
+        </p:nvPicPr>
+        <p:blipFill>
+          <a:blip r:embed="rId3"/>
+          <a:stretch>
+            <a:fillRect/>
+          </a:stretch>
+        </p:blipFill>
+        <p:spPr>
+          <a:xfrm>
+            <a:off x="8906582" y="2866128"/>
+            <a:ext cx="2581275" cy="1343025"/>
+          </a:xfrm>
+          <a:prstGeom prst="rect">
+            <a:avLst/>
+          </a:prstGeom>
+        </p:spPr>
+      </p:pic>
+      <p:sp>
+        <p:nvSpPr>
+          <p:cNvPr id="6" name="오른쪽 화살표 5"/>
+          <p:cNvSpPr/>
+          <p:nvPr/>
+        </p:nvSpPr>
+        <p:spPr>
+          <a:xfrm rot="10800000">
+            <a:off x="7797532" y="3429000"/>
+            <a:ext cx="950616" cy="416122"/>
+          </a:xfrm>
+          <a:prstGeom prst="rightArrow">
+            <a:avLst/>
+          </a:prstGeom>
+          <a:solidFill>
+            <a:srgbClr val="FF0000"/>
+          </a:solidFill>
+          <a:ln w="12700" cap="flat">
+            <a:solidFill>
+              <a:srgbClr val="FF0000"/>
+            </a:solidFill>
+            <a:prstDash val="solid"/>
+            <a:miter lim="800000"/>
+          </a:ln>
+          <a:effectLst/>
+          <a:sp3d/>
+        </p:spPr>
+        <p:style>
+          <a:lnRef idx="0">
+            <a:scrgbClr r="0" g="0" b="0"/>
+          </a:lnRef>
+          <a:fillRef idx="0">
+            <a:scrgbClr r="0" g="0" b="0"/>
+          </a:fillRef>
+          <a:effectRef idx="0">
+            <a:scrgbClr r="0" g="0" b="0"/>
+          </a:effectRef>
+          <a:fontRef idx="none"/>
+        </p:style>
+        <p:txBody>
+          <a:bodyPr rot="0" spcFirstLastPara="1" vertOverflow="overflow" horzOverflow="overflow" vert="horz" wrap="square" lIns="45719" tIns="45719" rIns="45719" bIns="45719" numCol="1" spcCol="38100" rtlCol="0" anchor="ctr">
+            <a:spAutoFit/>
+          </a:bodyPr>
+          <a:lstStyle/>
+          <a:p>
+            <a:pPr marL="0" marR="0" indent="0" algn="l" defTabSz="914400" rtl="0" fontAlgn="auto" latinLnBrk="0" hangingPunct="0">
+              <a:lnSpc>
+                <a:spcPct val="100000"/>
+              </a:lnSpc>
+              <a:spcBef>
+                <a:spcPts val="0"/>
+              </a:spcBef>
+              <a:spcAft>
+                <a:spcPts val="0"/>
+              </a:spcAft>
+              <a:buClrTx/>
+              <a:buSzTx/>
+              <a:buFontTx/>
+              <a:buNone/>
+              <a:tabLst/>
+            </a:pPr>
+            <a:endParaRPr kumimoji="0" lang="ko-KR" altLang="en-US" sz="1800" b="0" i="0" u="none" strike="noStrike" cap="none" spc="0" normalizeH="0" baseline="0">
+              <a:ln>
+                <a:noFill/>
+              </a:ln>
+              <a:solidFill>
+                <a:srgbClr val="000000"/>
+              </a:solidFill>
+              <a:effectLst/>
+              <a:uFillTx/>
+              <a:latin typeface="+mn-lt"/>
+              <a:ea typeface="+mn-ea"/>
+              <a:cs typeface="+mn-cs"/>
+              <a:sym typeface="맑은 고딕"/>
+            </a:endParaRPr>
+          </a:p>
+        </p:txBody>
+      </p:sp>
+      <p:pic>
+        <p:nvPicPr>
+          <p:cNvPr id="7" name="그림 6"/>
+          <p:cNvPicPr>
+            <a:picLocks noChangeAspect="1"/>
+          </p:cNvPicPr>
+          <p:nvPr/>
+        </p:nvPicPr>
+        <p:blipFill>
+          <a:blip r:embed="rId4"/>
+          <a:stretch>
+            <a:fillRect/>
+          </a:stretch>
+        </p:blipFill>
+        <p:spPr>
+          <a:xfrm>
+            <a:off x="592766" y="2318440"/>
+            <a:ext cx="3057525" cy="3781425"/>
+          </a:xfrm>
+          <a:prstGeom prst="rect">
+            <a:avLst/>
+          </a:prstGeom>
+        </p:spPr>
+      </p:pic>
+      <p:sp>
+        <p:nvSpPr>
+          <p:cNvPr id="8" name="오른쪽 화살표 7"/>
+          <p:cNvSpPr/>
+          <p:nvPr/>
+        </p:nvSpPr>
+        <p:spPr>
+          <a:xfrm>
+            <a:off x="3650291" y="4423372"/>
+            <a:ext cx="1260979" cy="416122"/>
+          </a:xfrm>
+          <a:prstGeom prst="rightArrow">
+            <a:avLst/>
+          </a:prstGeom>
+          <a:solidFill>
+            <a:srgbClr val="FF0000"/>
+          </a:solidFill>
+          <a:ln w="12700" cap="flat">
+            <a:solidFill>
+              <a:srgbClr val="FF0000"/>
+            </a:solidFill>
+            <a:prstDash val="solid"/>
+            <a:miter lim="800000"/>
+          </a:ln>
+          <a:effectLst/>
+          <a:sp3d/>
+        </p:spPr>
+        <p:style>
+          <a:lnRef idx="0">
+            <a:scrgbClr r="0" g="0" b="0"/>
+          </a:lnRef>
+          <a:fillRef idx="0">
+            <a:scrgbClr r="0" g="0" b="0"/>
+          </a:fillRef>
+          <a:effectRef idx="0">
+            <a:scrgbClr r="0" g="0" b="0"/>
+          </a:effectRef>
+          <a:fontRef idx="none"/>
+        </p:style>
+        <p:txBody>
+          <a:bodyPr rot="0" spcFirstLastPara="1" vertOverflow="overflow" horzOverflow="overflow" vert="horz" wrap="square" lIns="45719" tIns="45719" rIns="45719" bIns="45719" numCol="1" spcCol="38100" rtlCol="0" anchor="ctr">
+            <a:spAutoFit/>
+          </a:bodyPr>
+          <a:lstStyle/>
+          <a:p>
+            <a:pPr marL="0" marR="0" indent="0" algn="l" defTabSz="914400" rtl="0" fontAlgn="auto" latinLnBrk="0" hangingPunct="0">
+              <a:lnSpc>
+                <a:spcPct val="100000"/>
+              </a:lnSpc>
+              <a:spcBef>
+                <a:spcPts val="0"/>
+              </a:spcBef>
+              <a:spcAft>
+                <a:spcPts val="0"/>
+              </a:spcAft>
+              <a:buClrTx/>
+              <a:buSzTx/>
+              <a:buFontTx/>
+              <a:buNone/>
+              <a:tabLst/>
+            </a:pPr>
+            <a:endParaRPr kumimoji="0" lang="ko-KR" altLang="en-US" sz="1800" b="0" i="0" u="none" strike="noStrike" cap="none" spc="0" normalizeH="0" baseline="0">
+              <a:ln>
+                <a:noFill/>
+              </a:ln>
+              <a:solidFill>
+                <a:srgbClr val="000000"/>
+              </a:solidFill>
+              <a:effectLst/>
+              <a:uFillTx/>
+              <a:latin typeface="+mn-lt"/>
+              <a:ea typeface="+mn-ea"/>
+              <a:cs typeface="+mn-cs"/>
+              <a:sym typeface="맑은 고딕"/>
+            </a:endParaRPr>
+          </a:p>
+        </p:txBody>
+      </p:sp>
+    </p:spTree>
+    <p:extLst>
+      <p:ext uri="{BB962C8B-B14F-4D97-AF65-F5344CB8AC3E}">
+        <p14:creationId xmlns:p14="http://schemas.microsoft.com/office/powerpoint/2010/main" val="884029592"/>
+      </p:ext>
+    </p:extLst>
+  </p:cSld>
+  <p:clrMapOvr>
+    <a:masterClrMapping/>
+  </p:clrMapOvr>
+  <p:transition spd="med"/>
+</p:sld>
+</file>
+
+<file path=ppt/slides/slide31.xml><?xml version="1.0" encoding="utf-8"?>
 <p:sld xmlns:a="http://schemas.openxmlformats.org/drawingml/2006/main" xmlns:r="http://schemas.openxmlformats.org/officeDocument/2006/relationships" xmlns:p="http://schemas.openxmlformats.org/presentationml/2006/main">
   <p:cSld>
     <p:spTree>
@@ -31399,7 +33801,7 @@
           </a:ln>
           <a:extLst>
             <a:ext uri="{C572A759-6A51-4108-AA02-DFA0A04FC94B}">
-              <ma14:wrappingTextBoxFlag xmlns:ma14="http://schemas.microsoft.com/office/mac/drawingml/2011/main" xmlns:a14="http://schemas.microsoft.com/office/drawing/2010/main" xmlns:m="http://schemas.openxmlformats.org/officeDocument/2006/math" xmlns="" val="1"/>
+              <ma14:wrappingTextBoxFlag xmlns="" xmlns:m="http://schemas.openxmlformats.org/officeDocument/2006/math" xmlns:a14="http://schemas.microsoft.com/office/drawing/2010/main" xmlns:ma14="http://schemas.microsoft.com/office/mac/drawingml/2011/main" val="1"/>
             </a:ext>
           </a:extLst>
         </p:spPr>
@@ -31449,7 +33851,7 @@
           </a:ln>
           <a:extLst>
             <a:ext uri="{C572A759-6A51-4108-AA02-DFA0A04FC94B}">
-              <ma14:wrappingTextBoxFlag xmlns:ma14="http://schemas.microsoft.com/office/mac/drawingml/2011/main" xmlns:a14="http://schemas.microsoft.com/office/drawing/2010/main" xmlns:m="http://schemas.openxmlformats.org/officeDocument/2006/math" xmlns="" val="1"/>
+              <ma14:wrappingTextBoxFlag xmlns="" xmlns:m="http://schemas.openxmlformats.org/officeDocument/2006/math" xmlns:a14="http://schemas.microsoft.com/office/drawing/2010/main" xmlns:ma14="http://schemas.microsoft.com/office/mac/drawingml/2011/main" val="1"/>
             </a:ext>
           </a:extLst>
         </p:spPr>
@@ -31489,7 +33891,7 @@
           </a:ln>
           <a:extLst>
             <a:ext uri="{C572A759-6A51-4108-AA02-DFA0A04FC94B}">
-              <ma14:wrappingTextBoxFlag xmlns:ma14="http://schemas.microsoft.com/office/mac/drawingml/2011/main" xmlns:a14="http://schemas.microsoft.com/office/drawing/2010/main" xmlns:m="http://schemas.openxmlformats.org/officeDocument/2006/math" xmlns="" val="1"/>
+              <ma14:wrappingTextBoxFlag xmlns="" xmlns:m="http://schemas.openxmlformats.org/officeDocument/2006/math" xmlns:a14="http://schemas.microsoft.com/office/drawing/2010/main" xmlns:ma14="http://schemas.microsoft.com/office/mac/drawingml/2011/main" val="1"/>
             </a:ext>
           </a:extLst>
         </p:spPr>
@@ -31535,7 +33937,7 @@
           </a:ln>
           <a:extLst>
             <a:ext uri="{C572A759-6A51-4108-AA02-DFA0A04FC94B}">
-              <ma14:wrappingTextBoxFlag xmlns:ma14="http://schemas.microsoft.com/office/mac/drawingml/2011/main" xmlns:a14="http://schemas.microsoft.com/office/drawing/2010/main" xmlns:m="http://schemas.openxmlformats.org/officeDocument/2006/math" xmlns="" val="1"/>
+              <ma14:wrappingTextBoxFlag xmlns="" xmlns:m="http://schemas.openxmlformats.org/officeDocument/2006/math" xmlns:a14="http://schemas.microsoft.com/office/drawing/2010/main" xmlns:ma14="http://schemas.microsoft.com/office/mac/drawingml/2011/main" val="1"/>
             </a:ext>
           </a:extLst>
         </p:spPr>
@@ -31585,7 +33987,7 @@
           </a:ln>
           <a:extLst>
             <a:ext uri="{C572A759-6A51-4108-AA02-DFA0A04FC94B}">
-              <ma14:wrappingTextBoxFlag xmlns:ma14="http://schemas.microsoft.com/office/mac/drawingml/2011/main" xmlns:a14="http://schemas.microsoft.com/office/drawing/2010/main" xmlns:m="http://schemas.openxmlformats.org/officeDocument/2006/math" xmlns="" val="1"/>
+              <ma14:wrappingTextBoxFlag xmlns="" xmlns:m="http://schemas.openxmlformats.org/officeDocument/2006/math" xmlns:a14="http://schemas.microsoft.com/office/drawing/2010/main" xmlns:ma14="http://schemas.microsoft.com/office/mac/drawingml/2011/main" val="1"/>
             </a:ext>
           </a:extLst>
         </p:spPr>
@@ -31662,7 +34064,7 @@
           </a:ln>
           <a:extLst>
             <a:ext uri="{C572A759-6A51-4108-AA02-DFA0A04FC94B}">
-              <ma14:wrappingTextBoxFlag xmlns:ma14="http://schemas.microsoft.com/office/mac/drawingml/2011/main" xmlns:a14="http://schemas.microsoft.com/office/drawing/2010/main" xmlns:m="http://schemas.openxmlformats.org/officeDocument/2006/math" xmlns="" val="1"/>
+              <ma14:wrappingTextBoxFlag xmlns="" xmlns:m="http://schemas.openxmlformats.org/officeDocument/2006/math" xmlns:a14="http://schemas.microsoft.com/office/drawing/2010/main" xmlns:ma14="http://schemas.microsoft.com/office/mac/drawingml/2011/main" val="1"/>
             </a:ext>
           </a:extLst>
         </p:spPr>
@@ -31707,7 +34109,7 @@
           </a:ln>
           <a:extLst>
             <a:ext uri="{C572A759-6A51-4108-AA02-DFA0A04FC94B}">
-              <ma14:wrappingTextBoxFlag xmlns:ma14="http://schemas.microsoft.com/office/mac/drawingml/2011/main" xmlns:a14="http://schemas.microsoft.com/office/drawing/2010/main" xmlns:m="http://schemas.openxmlformats.org/officeDocument/2006/math" xmlns="" val="1"/>
+              <ma14:wrappingTextBoxFlag xmlns="" xmlns:m="http://schemas.openxmlformats.org/officeDocument/2006/math" xmlns:a14="http://schemas.microsoft.com/office/drawing/2010/main" xmlns:ma14="http://schemas.microsoft.com/office/mac/drawingml/2011/main" val="1"/>
             </a:ext>
           </a:extLst>
         </p:spPr>
@@ -31752,7 +34154,7 @@
           </a:ln>
           <a:extLst>
             <a:ext uri="{C572A759-6A51-4108-AA02-DFA0A04FC94B}">
-              <ma14:wrappingTextBoxFlag xmlns:ma14="http://schemas.microsoft.com/office/mac/drawingml/2011/main" xmlns:a14="http://schemas.microsoft.com/office/drawing/2010/main" xmlns:m="http://schemas.openxmlformats.org/officeDocument/2006/math" xmlns="" val="1"/>
+              <ma14:wrappingTextBoxFlag xmlns="" xmlns:m="http://schemas.openxmlformats.org/officeDocument/2006/math" xmlns:a14="http://schemas.microsoft.com/office/drawing/2010/main" xmlns:ma14="http://schemas.microsoft.com/office/mac/drawingml/2011/main" val="1"/>
             </a:ext>
           </a:extLst>
         </p:spPr>
@@ -31810,7 +34212,7 @@
 </p:sld>
 </file>
 
-<file path=ppt/slides/slide3.xml><?xml version="1.0" encoding="utf-8"?>
+<file path=ppt/slides/slide32.xml><?xml version="1.0" encoding="utf-8"?>
 <p:sld xmlns:a="http://schemas.openxmlformats.org/drawingml/2006/main" xmlns:r="http://schemas.openxmlformats.org/officeDocument/2006/relationships" xmlns:p="http://schemas.openxmlformats.org/presentationml/2006/main">
   <p:cSld>
     <p:spTree>
@@ -31843,8 +34245,8 @@
         </p:blipFill>
         <p:spPr>
           <a:xfrm>
-            <a:off x="0" y="145143"/>
-            <a:ext cx="12192000" cy="6567714"/>
+            <a:off x="4415117" y="0"/>
+            <a:ext cx="3361765" cy="6858000"/>
           </a:xfrm>
           <a:prstGeom prst="rect">
             <a:avLst/>
@@ -31853,7 +34255,7 @@
       </p:pic>
       <p:pic>
         <p:nvPicPr>
-          <p:cNvPr id="2" name="그림 1"/>
+          <p:cNvPr id="5" name="그림 4"/>
           <p:cNvPicPr>
             <a:picLocks noChangeAspect="1"/>
           </p:cNvPicPr>
@@ -31867,17 +34269,95 @@
         </p:blipFill>
         <p:spPr>
           <a:xfrm>
-            <a:off x="1125694" y="919728"/>
-            <a:ext cx="2009775" cy="1704975"/>
+            <a:off x="8385347" y="1636649"/>
+            <a:ext cx="2790825" cy="4562475"/>
           </a:xfrm>
           <a:prstGeom prst="rect">
             <a:avLst/>
           </a:prstGeom>
         </p:spPr>
       </p:pic>
+      <p:sp>
+        <p:nvSpPr>
+          <p:cNvPr id="6" name="오른쪽 화살표 5"/>
+          <p:cNvSpPr/>
+          <p:nvPr/>
+        </p:nvSpPr>
+        <p:spPr>
+          <a:xfrm rot="10800000">
+            <a:off x="7516875" y="5022410"/>
+            <a:ext cx="950616" cy="416122"/>
+          </a:xfrm>
+          <a:prstGeom prst="rightArrow">
+            <a:avLst/>
+          </a:prstGeom>
+          <a:solidFill>
+            <a:srgbClr val="FF0000"/>
+          </a:solidFill>
+          <a:ln w="12700" cap="flat">
+            <a:solidFill>
+              <a:srgbClr val="FF0000"/>
+            </a:solidFill>
+            <a:prstDash val="solid"/>
+            <a:miter lim="800000"/>
+          </a:ln>
+          <a:effectLst/>
+          <a:sp3d/>
+        </p:spPr>
+        <p:style>
+          <a:lnRef idx="0">
+            <a:scrgbClr r="0" g="0" b="0"/>
+          </a:lnRef>
+          <a:fillRef idx="0">
+            <a:scrgbClr r="0" g="0" b="0"/>
+          </a:fillRef>
+          <a:effectRef idx="0">
+            <a:scrgbClr r="0" g="0" b="0"/>
+          </a:effectRef>
+          <a:fontRef idx="none"/>
+        </p:style>
+        <p:txBody>
+          <a:bodyPr rot="0" spcFirstLastPara="1" vertOverflow="overflow" horzOverflow="overflow" vert="horz" wrap="square" lIns="45719" tIns="45719" rIns="45719" bIns="45719" numCol="1" spcCol="38100" rtlCol="0" anchor="ctr">
+            <a:spAutoFit/>
+          </a:bodyPr>
+          <a:lstStyle/>
+          <a:p>
+            <a:pPr marL="0" marR="0" indent="0" algn="l" defTabSz="914400" rtl="0" fontAlgn="auto" latinLnBrk="0" hangingPunct="0">
+              <a:lnSpc>
+                <a:spcPct val="100000"/>
+              </a:lnSpc>
+              <a:spcBef>
+                <a:spcPts val="0"/>
+              </a:spcBef>
+              <a:spcAft>
+                <a:spcPts val="0"/>
+              </a:spcAft>
+              <a:buClrTx/>
+              <a:buSzTx/>
+              <a:buFontTx/>
+              <a:buNone/>
+              <a:tabLst/>
+            </a:pPr>
+            <a:endParaRPr kumimoji="0" lang="ko-KR" altLang="en-US" sz="1800" b="0" i="0" u="none" strike="noStrike" cap="none" spc="0" normalizeH="0" baseline="0">
+              <a:ln>
+                <a:noFill/>
+              </a:ln>
+              <a:solidFill>
+                <a:srgbClr val="000000"/>
+              </a:solidFill>
+              <a:effectLst/>
+              <a:uFillTx/>
+              <a:latin typeface="+mn-lt"/>
+              <a:ea typeface="+mn-ea"/>
+              <a:cs typeface="+mn-cs"/>
+              <a:sym typeface="맑은 고딕"/>
+            </a:endParaRPr>
+          </a:p>
+        </p:txBody>
+      </p:sp>
       <p:pic>
         <p:nvPicPr>
-          <p:cNvPr id="3" name="그림 2"/>
+          <p:cNvPr id="7" name="그림 6"/>
           <p:cNvPicPr>
             <a:picLocks noChangeAspect="1"/>
           </p:cNvPicPr>
@@ -31891,18 +34371,96 @@
         </p:blipFill>
         <p:spPr>
           <a:xfrm>
-            <a:off x="7441948" y="4730860"/>
-            <a:ext cx="2506240" cy="1715208"/>
+            <a:off x="732340" y="3141647"/>
+            <a:ext cx="2905125" cy="1733550"/>
           </a:xfrm>
           <a:prstGeom prst="rect">
             <a:avLst/>
           </a:prstGeom>
         </p:spPr>
       </p:pic>
+      <p:sp>
+        <p:nvSpPr>
+          <p:cNvPr id="8" name="오른쪽 화살표 7"/>
+          <p:cNvSpPr/>
+          <p:nvPr/>
+        </p:nvSpPr>
+        <p:spPr>
+          <a:xfrm>
+            <a:off x="3806652" y="3917886"/>
+            <a:ext cx="950616" cy="416122"/>
+          </a:xfrm>
+          <a:prstGeom prst="rightArrow">
+            <a:avLst/>
+          </a:prstGeom>
+          <a:solidFill>
+            <a:srgbClr val="FF0000"/>
+          </a:solidFill>
+          <a:ln w="12700" cap="flat">
+            <a:solidFill>
+              <a:srgbClr val="FF0000"/>
+            </a:solidFill>
+            <a:prstDash val="solid"/>
+            <a:miter lim="800000"/>
+          </a:ln>
+          <a:effectLst/>
+          <a:sp3d/>
+        </p:spPr>
+        <p:style>
+          <a:lnRef idx="0">
+            <a:scrgbClr r="0" g="0" b="0"/>
+          </a:lnRef>
+          <a:fillRef idx="0">
+            <a:scrgbClr r="0" g="0" b="0"/>
+          </a:fillRef>
+          <a:effectRef idx="0">
+            <a:scrgbClr r="0" g="0" b="0"/>
+          </a:effectRef>
+          <a:fontRef idx="none"/>
+        </p:style>
+        <p:txBody>
+          <a:bodyPr rot="0" spcFirstLastPara="1" vertOverflow="overflow" horzOverflow="overflow" vert="horz" wrap="square" lIns="45719" tIns="45719" rIns="45719" bIns="45719" numCol="1" spcCol="38100" rtlCol="0" anchor="ctr">
+            <a:spAutoFit/>
+          </a:bodyPr>
+          <a:lstStyle/>
+          <a:p>
+            <a:pPr marL="0" marR="0" indent="0" algn="l" defTabSz="914400" rtl="0" fontAlgn="auto" latinLnBrk="0" hangingPunct="0">
+              <a:lnSpc>
+                <a:spcPct val="100000"/>
+              </a:lnSpc>
+              <a:spcBef>
+                <a:spcPts val="0"/>
+              </a:spcBef>
+              <a:spcAft>
+                <a:spcPts val="0"/>
+              </a:spcAft>
+              <a:buClrTx/>
+              <a:buSzTx/>
+              <a:buFontTx/>
+              <a:buNone/>
+              <a:tabLst/>
+            </a:pPr>
+            <a:endParaRPr kumimoji="0" lang="ko-KR" altLang="en-US" sz="1800" b="0" i="0" u="none" strike="noStrike" cap="none" spc="0" normalizeH="0" baseline="0">
+              <a:ln>
+                <a:noFill/>
+              </a:ln>
+              <a:solidFill>
+                <a:srgbClr val="000000"/>
+              </a:solidFill>
+              <a:effectLst/>
+              <a:uFillTx/>
+              <a:latin typeface="+mn-lt"/>
+              <a:ea typeface="+mn-ea"/>
+              <a:cs typeface="+mn-cs"/>
+              <a:sym typeface="맑은 고딕"/>
+            </a:endParaRPr>
+          </a:p>
+        </p:txBody>
+      </p:sp>
     </p:spTree>
     <p:extLst>
       <p:ext uri="{BB962C8B-B14F-4D97-AF65-F5344CB8AC3E}">
-        <p14:creationId xmlns:p14="http://schemas.microsoft.com/office/powerpoint/2010/main" val="2589491451"/>
+        <p14:creationId xmlns:p14="http://schemas.microsoft.com/office/powerpoint/2010/main" val="3542426748"/>
       </p:ext>
     </p:extLst>
   </p:cSld>
@@ -33007,7 +35565,7 @@
           </a:ln>
           <a:extLst>
             <a:ext uri="{C572A759-6A51-4108-AA02-DFA0A04FC94B}">
-              <ma14:wrappingTextBoxFlag xmlns:ma14="http://schemas.microsoft.com/office/mac/drawingml/2011/main" xmlns:a14="http://schemas.microsoft.com/office/drawing/2010/main" xmlns:m="http://schemas.openxmlformats.org/officeDocument/2006/math" xmlns="" val="1"/>
+              <ma14:wrappingTextBoxFlag xmlns="" xmlns:m="http://schemas.openxmlformats.org/officeDocument/2006/math" xmlns:a14="http://schemas.microsoft.com/office/drawing/2010/main" xmlns:ma14="http://schemas.microsoft.com/office/mac/drawingml/2011/main" val="1"/>
             </a:ext>
           </a:extLst>
         </p:spPr>
@@ -33102,7 +35660,7 @@
             <a:effectLst/>
             <a:extLst>
               <a:ext uri="{C572A759-6A51-4108-AA02-DFA0A04FC94B}">
-                <ma14:wrappingTextBoxFlag xmlns:ma14="http://schemas.microsoft.com/office/mac/drawingml/2011/main" xmlns:a14="http://schemas.microsoft.com/office/drawing/2010/main" xmlns:m="http://schemas.openxmlformats.org/officeDocument/2006/math" xmlns="" val="1"/>
+                <ma14:wrappingTextBoxFlag xmlns="" xmlns:m="http://schemas.openxmlformats.org/officeDocument/2006/math" xmlns:a14="http://schemas.microsoft.com/office/drawing/2010/main" xmlns:ma14="http://schemas.microsoft.com/office/mac/drawingml/2011/main" val="1"/>
               </a:ext>
             </a:extLst>
           </p:spPr>
@@ -33198,7 +35756,7 @@
             <a:effectLst/>
             <a:extLst>
               <a:ext uri="{C572A759-6A51-4108-AA02-DFA0A04FC94B}">
-                <ma14:wrappingTextBoxFlag xmlns:ma14="http://schemas.microsoft.com/office/mac/drawingml/2011/main" xmlns:a14="http://schemas.microsoft.com/office/drawing/2010/main" xmlns:m="http://schemas.openxmlformats.org/officeDocument/2006/math" xmlns="" val="1"/>
+                <ma14:wrappingTextBoxFlag xmlns="" xmlns:m="http://schemas.openxmlformats.org/officeDocument/2006/math" xmlns:a14="http://schemas.microsoft.com/office/drawing/2010/main" xmlns:ma14="http://schemas.microsoft.com/office/mac/drawingml/2011/main" val="1"/>
               </a:ext>
             </a:extLst>
           </p:spPr>
@@ -33294,7 +35852,7 @@
             <a:effectLst/>
             <a:extLst>
               <a:ext uri="{C572A759-6A51-4108-AA02-DFA0A04FC94B}">
-                <ma14:wrappingTextBoxFlag xmlns:ma14="http://schemas.microsoft.com/office/mac/drawingml/2011/main" xmlns:a14="http://schemas.microsoft.com/office/drawing/2010/main" xmlns:m="http://schemas.openxmlformats.org/officeDocument/2006/math" xmlns="" val="1"/>
+                <ma14:wrappingTextBoxFlag xmlns="" xmlns:m="http://schemas.openxmlformats.org/officeDocument/2006/math" xmlns:a14="http://schemas.microsoft.com/office/drawing/2010/main" xmlns:ma14="http://schemas.microsoft.com/office/mac/drawingml/2011/main" val="1"/>
               </a:ext>
             </a:extLst>
           </p:spPr>
@@ -33390,7 +35948,7 @@
             <a:effectLst/>
             <a:extLst>
               <a:ext uri="{C572A759-6A51-4108-AA02-DFA0A04FC94B}">
-                <ma14:wrappingTextBoxFlag xmlns:ma14="http://schemas.microsoft.com/office/mac/drawingml/2011/main" xmlns:a14="http://schemas.microsoft.com/office/drawing/2010/main" xmlns:m="http://schemas.openxmlformats.org/officeDocument/2006/math" xmlns="" val="1"/>
+                <ma14:wrappingTextBoxFlag xmlns="" xmlns:m="http://schemas.openxmlformats.org/officeDocument/2006/math" xmlns:a14="http://schemas.microsoft.com/office/drawing/2010/main" xmlns:ma14="http://schemas.microsoft.com/office/mac/drawingml/2011/main" val="1"/>
               </a:ext>
             </a:extLst>
           </p:spPr>
@@ -33486,7 +36044,7 @@
             <a:effectLst/>
             <a:extLst>
               <a:ext uri="{C572A759-6A51-4108-AA02-DFA0A04FC94B}">
-                <ma14:wrappingTextBoxFlag xmlns:ma14="http://schemas.microsoft.com/office/mac/drawingml/2011/main" xmlns:a14="http://schemas.microsoft.com/office/drawing/2010/main" xmlns:m="http://schemas.openxmlformats.org/officeDocument/2006/math" xmlns="" val="1"/>
+                <ma14:wrappingTextBoxFlag xmlns="" xmlns:m="http://schemas.openxmlformats.org/officeDocument/2006/math" xmlns:a14="http://schemas.microsoft.com/office/drawing/2010/main" xmlns:ma14="http://schemas.microsoft.com/office/mac/drawingml/2011/main" val="1"/>
               </a:ext>
             </a:extLst>
           </p:spPr>
@@ -33582,7 +36140,7 @@
             <a:effectLst/>
             <a:extLst>
               <a:ext uri="{C572A759-6A51-4108-AA02-DFA0A04FC94B}">
-                <ma14:wrappingTextBoxFlag xmlns:ma14="http://schemas.microsoft.com/office/mac/drawingml/2011/main" xmlns:a14="http://schemas.microsoft.com/office/drawing/2010/main" xmlns:m="http://schemas.openxmlformats.org/officeDocument/2006/math" xmlns="" val="1"/>
+                <ma14:wrappingTextBoxFlag xmlns="" xmlns:m="http://schemas.openxmlformats.org/officeDocument/2006/math" xmlns:a14="http://schemas.microsoft.com/office/drawing/2010/main" xmlns:ma14="http://schemas.microsoft.com/office/mac/drawingml/2011/main" val="1"/>
               </a:ext>
             </a:extLst>
           </p:spPr>
@@ -33873,7 +36431,7 @@
             <a:effectLst/>
             <a:extLst>
               <a:ext uri="{C572A759-6A51-4108-AA02-DFA0A04FC94B}">
-                <ma14:wrappingTextBoxFlag xmlns:ma14="http://schemas.microsoft.com/office/mac/drawingml/2011/main" xmlns:a14="http://schemas.microsoft.com/office/drawing/2010/main" xmlns:m="http://schemas.openxmlformats.org/officeDocument/2006/math" xmlns="" val="1"/>
+                <ma14:wrappingTextBoxFlag xmlns="" xmlns:m="http://schemas.openxmlformats.org/officeDocument/2006/math" xmlns:a14="http://schemas.microsoft.com/office/drawing/2010/main" xmlns:ma14="http://schemas.microsoft.com/office/mac/drawingml/2011/main" val="1"/>
               </a:ext>
             </a:extLst>
           </p:spPr>
@@ -33969,7 +36527,7 @@
             <a:effectLst/>
             <a:extLst>
               <a:ext uri="{C572A759-6A51-4108-AA02-DFA0A04FC94B}">
-                <ma14:wrappingTextBoxFlag xmlns:ma14="http://schemas.microsoft.com/office/mac/drawingml/2011/main" xmlns:a14="http://schemas.microsoft.com/office/drawing/2010/main" xmlns:m="http://schemas.openxmlformats.org/officeDocument/2006/math" xmlns="" val="1"/>
+                <ma14:wrappingTextBoxFlag xmlns="" xmlns:m="http://schemas.openxmlformats.org/officeDocument/2006/math" xmlns:a14="http://schemas.microsoft.com/office/drawing/2010/main" xmlns:ma14="http://schemas.microsoft.com/office/mac/drawingml/2011/main" val="1"/>
               </a:ext>
             </a:extLst>
           </p:spPr>
@@ -34104,7 +36662,7 @@
             <a:effectLst/>
             <a:extLst>
               <a:ext uri="{C572A759-6A51-4108-AA02-DFA0A04FC94B}">
-                <ma14:wrappingTextBoxFlag xmlns:ma14="http://schemas.microsoft.com/office/mac/drawingml/2011/main" xmlns:a14="http://schemas.microsoft.com/office/drawing/2010/main" xmlns:m="http://schemas.openxmlformats.org/officeDocument/2006/math" xmlns="" val="1"/>
+                <ma14:wrappingTextBoxFlag xmlns="" xmlns:m="http://schemas.openxmlformats.org/officeDocument/2006/math" xmlns:a14="http://schemas.microsoft.com/office/drawing/2010/main" xmlns:ma14="http://schemas.microsoft.com/office/mac/drawingml/2011/main" val="1"/>
               </a:ext>
             </a:extLst>
           </p:spPr>
@@ -34200,7 +36758,7 @@
             <a:effectLst/>
             <a:extLst>
               <a:ext uri="{C572A759-6A51-4108-AA02-DFA0A04FC94B}">
-                <ma14:wrappingTextBoxFlag xmlns:ma14="http://schemas.microsoft.com/office/mac/drawingml/2011/main" xmlns:a14="http://schemas.microsoft.com/office/drawing/2010/main" xmlns:m="http://schemas.openxmlformats.org/officeDocument/2006/math" xmlns="" val="1"/>
+                <ma14:wrappingTextBoxFlag xmlns="" xmlns:m="http://schemas.openxmlformats.org/officeDocument/2006/math" xmlns:a14="http://schemas.microsoft.com/office/drawing/2010/main" xmlns:ma14="http://schemas.microsoft.com/office/mac/drawingml/2011/main" val="1"/>
               </a:ext>
             </a:extLst>
           </p:spPr>
@@ -34296,7 +36854,7 @@
             <a:effectLst/>
             <a:extLst>
               <a:ext uri="{C572A759-6A51-4108-AA02-DFA0A04FC94B}">
-                <ma14:wrappingTextBoxFlag xmlns:ma14="http://schemas.microsoft.com/office/mac/drawingml/2011/main" xmlns:a14="http://schemas.microsoft.com/office/drawing/2010/main" xmlns:m="http://schemas.openxmlformats.org/officeDocument/2006/math" xmlns="" val="1"/>
+                <ma14:wrappingTextBoxFlag xmlns="" xmlns:m="http://schemas.openxmlformats.org/officeDocument/2006/math" xmlns:a14="http://schemas.microsoft.com/office/drawing/2010/main" xmlns:ma14="http://schemas.microsoft.com/office/mac/drawingml/2011/main" val="1"/>
               </a:ext>
             </a:extLst>
           </p:spPr>
@@ -34392,7 +36950,7 @@
             <a:effectLst/>
             <a:extLst>
               <a:ext uri="{C572A759-6A51-4108-AA02-DFA0A04FC94B}">
-                <ma14:wrappingTextBoxFlag xmlns:ma14="http://schemas.microsoft.com/office/mac/drawingml/2011/main" xmlns:a14="http://schemas.microsoft.com/office/drawing/2010/main" xmlns:m="http://schemas.openxmlformats.org/officeDocument/2006/math" xmlns="" val="1"/>
+                <ma14:wrappingTextBoxFlag xmlns="" xmlns:m="http://schemas.openxmlformats.org/officeDocument/2006/math" xmlns:a14="http://schemas.microsoft.com/office/drawing/2010/main" xmlns:ma14="http://schemas.microsoft.com/office/mac/drawingml/2011/main" val="1"/>
               </a:ext>
             </a:extLst>
           </p:spPr>
@@ -34527,7 +37085,7 @@
             <a:effectLst/>
             <a:extLst>
               <a:ext uri="{C572A759-6A51-4108-AA02-DFA0A04FC94B}">
-                <ma14:wrappingTextBoxFlag xmlns:ma14="http://schemas.microsoft.com/office/mac/drawingml/2011/main" xmlns:a14="http://schemas.microsoft.com/office/drawing/2010/main" xmlns:m="http://schemas.openxmlformats.org/officeDocument/2006/math" xmlns="" val="1"/>
+                <ma14:wrappingTextBoxFlag xmlns="" xmlns:m="http://schemas.openxmlformats.org/officeDocument/2006/math" xmlns:a14="http://schemas.microsoft.com/office/drawing/2010/main" xmlns:ma14="http://schemas.microsoft.com/office/mac/drawingml/2011/main" val="1"/>
               </a:ext>
             </a:extLst>
           </p:spPr>
@@ -34662,7 +37220,7 @@
             <a:effectLst/>
             <a:extLst>
               <a:ext uri="{C572A759-6A51-4108-AA02-DFA0A04FC94B}">
-                <ma14:wrappingTextBoxFlag xmlns:ma14="http://schemas.microsoft.com/office/mac/drawingml/2011/main" xmlns:a14="http://schemas.microsoft.com/office/drawing/2010/main" xmlns:m="http://schemas.openxmlformats.org/officeDocument/2006/math" xmlns="" val="1"/>
+                <ma14:wrappingTextBoxFlag xmlns="" xmlns:m="http://schemas.openxmlformats.org/officeDocument/2006/math" xmlns:a14="http://schemas.microsoft.com/office/drawing/2010/main" xmlns:ma14="http://schemas.microsoft.com/office/mac/drawingml/2011/main" val="1"/>
               </a:ext>
             </a:extLst>
           </p:spPr>
@@ -34836,7 +37394,7 @@
             <a:effectLst/>
             <a:extLst>
               <a:ext uri="{C572A759-6A51-4108-AA02-DFA0A04FC94B}">
-                <ma14:wrappingTextBoxFlag xmlns:ma14="http://schemas.microsoft.com/office/mac/drawingml/2011/main" xmlns:a14="http://schemas.microsoft.com/office/drawing/2010/main" xmlns:m="http://schemas.openxmlformats.org/officeDocument/2006/math" xmlns="" val="1"/>
+                <ma14:wrappingTextBoxFlag xmlns="" xmlns:m="http://schemas.openxmlformats.org/officeDocument/2006/math" xmlns:a14="http://schemas.microsoft.com/office/drawing/2010/main" xmlns:ma14="http://schemas.microsoft.com/office/mac/drawingml/2011/main" val="1"/>
               </a:ext>
             </a:extLst>
           </p:spPr>
@@ -34971,7 +37529,7 @@
             <a:effectLst/>
             <a:extLst>
               <a:ext uri="{C572A759-6A51-4108-AA02-DFA0A04FC94B}">
-                <ma14:wrappingTextBoxFlag xmlns:ma14="http://schemas.microsoft.com/office/mac/drawingml/2011/main" xmlns:a14="http://schemas.microsoft.com/office/drawing/2010/main" xmlns:m="http://schemas.openxmlformats.org/officeDocument/2006/math" xmlns="" val="1"/>
+                <ma14:wrappingTextBoxFlag xmlns="" xmlns:m="http://schemas.openxmlformats.org/officeDocument/2006/math" xmlns:a14="http://schemas.microsoft.com/office/drawing/2010/main" xmlns:ma14="http://schemas.microsoft.com/office/mac/drawingml/2011/main" val="1"/>
               </a:ext>
             </a:extLst>
           </p:spPr>
@@ -35067,7 +37625,7 @@
             <a:effectLst/>
             <a:extLst>
               <a:ext uri="{C572A759-6A51-4108-AA02-DFA0A04FC94B}">
-                <ma14:wrappingTextBoxFlag xmlns:ma14="http://schemas.microsoft.com/office/mac/drawingml/2011/main" xmlns:a14="http://schemas.microsoft.com/office/drawing/2010/main" xmlns:m="http://schemas.openxmlformats.org/officeDocument/2006/math" xmlns="" val="1"/>
+                <ma14:wrappingTextBoxFlag xmlns="" xmlns:m="http://schemas.openxmlformats.org/officeDocument/2006/math" xmlns:a14="http://schemas.microsoft.com/office/drawing/2010/main" xmlns:ma14="http://schemas.microsoft.com/office/mac/drawingml/2011/main" val="1"/>
               </a:ext>
             </a:extLst>
           </p:spPr>
@@ -35109,7 +37667,7 @@
           </a:ln>
           <a:extLst>
             <a:ext uri="{C572A759-6A51-4108-AA02-DFA0A04FC94B}">
-              <ma14:wrappingTextBoxFlag xmlns:ma14="http://schemas.microsoft.com/office/mac/drawingml/2011/main" xmlns:a14="http://schemas.microsoft.com/office/drawing/2010/main" xmlns:m="http://schemas.openxmlformats.org/officeDocument/2006/math" xmlns="" val="1"/>
+              <ma14:wrappingTextBoxFlag xmlns="" xmlns:m="http://schemas.openxmlformats.org/officeDocument/2006/math" xmlns:a14="http://schemas.microsoft.com/office/drawing/2010/main" xmlns:ma14="http://schemas.microsoft.com/office/mac/drawingml/2011/main" val="1"/>
             </a:ext>
           </a:extLst>
         </p:spPr>
@@ -35204,7 +37762,7 @@
             <a:effectLst/>
             <a:extLst>
               <a:ext uri="{C572A759-6A51-4108-AA02-DFA0A04FC94B}">
-                <ma14:wrappingTextBoxFlag xmlns:ma14="http://schemas.microsoft.com/office/mac/drawingml/2011/main" xmlns:a14="http://schemas.microsoft.com/office/drawing/2010/main" xmlns:m="http://schemas.openxmlformats.org/officeDocument/2006/math" xmlns="" val="1"/>
+                <ma14:wrappingTextBoxFlag xmlns="" xmlns:m="http://schemas.openxmlformats.org/officeDocument/2006/math" xmlns:a14="http://schemas.microsoft.com/office/drawing/2010/main" xmlns:ma14="http://schemas.microsoft.com/office/mac/drawingml/2011/main" val="1"/>
               </a:ext>
             </a:extLst>
           </p:spPr>
@@ -35339,7 +37897,7 @@
             <a:effectLst/>
             <a:extLst>
               <a:ext uri="{C572A759-6A51-4108-AA02-DFA0A04FC94B}">
-                <ma14:wrappingTextBoxFlag xmlns:ma14="http://schemas.microsoft.com/office/mac/drawingml/2011/main" xmlns:a14="http://schemas.microsoft.com/office/drawing/2010/main" xmlns:m="http://schemas.openxmlformats.org/officeDocument/2006/math" xmlns="" val="1"/>
+                <ma14:wrappingTextBoxFlag xmlns="" xmlns:m="http://schemas.openxmlformats.org/officeDocument/2006/math" xmlns:a14="http://schemas.microsoft.com/office/drawing/2010/main" xmlns:ma14="http://schemas.microsoft.com/office/mac/drawingml/2011/main" val="1"/>
               </a:ext>
             </a:extLst>
           </p:spPr>
@@ -35435,7 +37993,7 @@
             <a:effectLst/>
             <a:extLst>
               <a:ext uri="{C572A759-6A51-4108-AA02-DFA0A04FC94B}">
-                <ma14:wrappingTextBoxFlag xmlns:ma14="http://schemas.microsoft.com/office/mac/drawingml/2011/main" xmlns:a14="http://schemas.microsoft.com/office/drawing/2010/main" xmlns:m="http://schemas.openxmlformats.org/officeDocument/2006/math" xmlns="" val="1"/>
+                <ma14:wrappingTextBoxFlag xmlns="" xmlns:m="http://schemas.openxmlformats.org/officeDocument/2006/math" xmlns:a14="http://schemas.microsoft.com/office/drawing/2010/main" xmlns:ma14="http://schemas.microsoft.com/office/mac/drawingml/2011/main" val="1"/>
               </a:ext>
             </a:extLst>
           </p:spPr>
@@ -35570,7 +38128,7 @@
             <a:effectLst/>
             <a:extLst>
               <a:ext uri="{C572A759-6A51-4108-AA02-DFA0A04FC94B}">
-                <ma14:wrappingTextBoxFlag xmlns:ma14="http://schemas.microsoft.com/office/mac/drawingml/2011/main" xmlns:a14="http://schemas.microsoft.com/office/drawing/2010/main" xmlns:m="http://schemas.openxmlformats.org/officeDocument/2006/math" xmlns="" val="1"/>
+                <ma14:wrappingTextBoxFlag xmlns="" xmlns:m="http://schemas.openxmlformats.org/officeDocument/2006/math" xmlns:a14="http://schemas.microsoft.com/office/drawing/2010/main" xmlns:ma14="http://schemas.microsoft.com/office/mac/drawingml/2011/main" val="1"/>
               </a:ext>
             </a:extLst>
           </p:spPr>
@@ -35666,7 +38224,7 @@
             <a:effectLst/>
             <a:extLst>
               <a:ext uri="{C572A759-6A51-4108-AA02-DFA0A04FC94B}">
-                <ma14:wrappingTextBoxFlag xmlns:ma14="http://schemas.microsoft.com/office/mac/drawingml/2011/main" xmlns:a14="http://schemas.microsoft.com/office/drawing/2010/main" xmlns:m="http://schemas.openxmlformats.org/officeDocument/2006/math" xmlns="" val="1"/>
+                <ma14:wrappingTextBoxFlag xmlns="" xmlns:m="http://schemas.openxmlformats.org/officeDocument/2006/math" xmlns:a14="http://schemas.microsoft.com/office/drawing/2010/main" xmlns:ma14="http://schemas.microsoft.com/office/mac/drawingml/2011/main" val="1"/>
               </a:ext>
             </a:extLst>
           </p:spPr>
@@ -35732,6 +38290,13 @@
     <a:masterClrMapping/>
   </p:clrMapOvr>
   <p:transition spd="med"/>
+  <p:timing>
+    <p:tnLst>
+      <p:par>
+        <p:cTn id="1" dur="indefinite" restart="never" nodeType="tmRoot"/>
+      </p:par>
+    </p:tnLst>
+  </p:timing>
 </p:sld>
 </file>
 
@@ -35918,7 +38483,7 @@
         </p:blipFill>
         <p:spPr>
           <a:xfrm>
-            <a:off x="6764587" y="5715125"/>
+            <a:off x="6764587" y="5640440"/>
             <a:ext cx="5099459" cy="787996"/>
           </a:xfrm>
           <a:prstGeom prst="rect">
@@ -36106,6 +38671,98 @@
           </a:p>
         </p:txBody>
       </p:sp>
+      <p:sp>
+        <p:nvSpPr>
+          <p:cNvPr id="12" name="직사각형 11"/>
+          <p:cNvSpPr/>
+          <p:nvPr/>
+        </p:nvSpPr>
+        <p:spPr>
+          <a:xfrm>
+            <a:off x="8148903" y="833181"/>
+            <a:ext cx="2883470" cy="987414"/>
+          </a:xfrm>
+          <a:prstGeom prst="rect">
+            <a:avLst/>
+          </a:prstGeom>
+          <a:noFill/>
+          <a:ln w="76200">
+            <a:solidFill>
+              <a:srgbClr val="FF0000"/>
+            </a:solidFill>
+          </a:ln>
+        </p:spPr>
+        <p:style>
+          <a:lnRef idx="2">
+            <a:schemeClr val="accent1">
+              <a:shade val="50000"/>
+            </a:schemeClr>
+          </a:lnRef>
+          <a:fillRef idx="1">
+            <a:schemeClr val="accent1"/>
+          </a:fillRef>
+          <a:effectRef idx="0">
+            <a:schemeClr val="accent1"/>
+          </a:effectRef>
+          <a:fontRef idx="minor">
+            <a:schemeClr val="lt1"/>
+          </a:fontRef>
+        </p:style>
+        <p:txBody>
+          <a:bodyPr rtlCol="0" anchor="ctr"/>
+          <a:lstStyle/>
+          <a:p>
+            <a:pPr algn="ctr"/>
+            <a:endParaRPr lang="ko-KR" altLang="en-US"/>
+          </a:p>
+        </p:txBody>
+      </p:sp>
+      <p:sp>
+        <p:nvSpPr>
+          <p:cNvPr id="13" name="직사각형 12"/>
+          <p:cNvSpPr/>
+          <p:nvPr/>
+        </p:nvSpPr>
+        <p:spPr>
+          <a:xfrm>
+            <a:off x="6707167" y="4954663"/>
+            <a:ext cx="5225299" cy="1548457"/>
+          </a:xfrm>
+          <a:prstGeom prst="rect">
+            <a:avLst/>
+          </a:prstGeom>
+          <a:noFill/>
+          <a:ln w="76200">
+            <a:solidFill>
+              <a:srgbClr val="FF0000"/>
+            </a:solidFill>
+          </a:ln>
+        </p:spPr>
+        <p:style>
+          <a:lnRef idx="2">
+            <a:schemeClr val="accent1">
+              <a:shade val="50000"/>
+            </a:schemeClr>
+          </a:lnRef>
+          <a:fillRef idx="1">
+            <a:schemeClr val="accent1"/>
+          </a:fillRef>
+          <a:effectRef idx="0">
+            <a:schemeClr val="accent1"/>
+          </a:effectRef>
+          <a:fontRef idx="minor">
+            <a:schemeClr val="lt1"/>
+          </a:fontRef>
+        </p:style>
+        <p:txBody>
+          <a:bodyPr rtlCol="0" anchor="ctr"/>
+          <a:lstStyle/>
+          <a:p>
+            <a:pPr algn="ctr"/>
+            <a:endParaRPr lang="ko-KR" altLang="en-US"/>
+          </a:p>
+        </p:txBody>
+      </p:sp>
     </p:spTree>
     <p:extLst>
       <p:ext uri="{BB962C8B-B14F-4D97-AF65-F5344CB8AC3E}">
@@ -36117,6 +38774,13 @@
     <a:masterClrMapping/>
   </p:clrMapOvr>
   <p:transition spd="med"/>
+  <p:timing>
+    <p:tnLst>
+      <p:par>
+        <p:cTn id="1" dur="indefinite" restart="never" nodeType="tmRoot"/>
+      </p:par>
+    </p:tnLst>
+  </p:timing>
 </p:sld>
 </file>
 
@@ -37171,7 +39835,7 @@
           </a:ln>
           <a:extLst>
             <a:ext uri="{C572A759-6A51-4108-AA02-DFA0A04FC94B}">
-              <ma14:wrappingTextBoxFlag xmlns:ma14="http://schemas.microsoft.com/office/mac/drawingml/2011/main" xmlns:a14="http://schemas.microsoft.com/office/drawing/2010/main" xmlns:m="http://schemas.openxmlformats.org/officeDocument/2006/math" xmlns="" val="1"/>
+              <ma14:wrappingTextBoxFlag xmlns="" xmlns:m="http://schemas.openxmlformats.org/officeDocument/2006/math" xmlns:a14="http://schemas.microsoft.com/office/drawing/2010/main" xmlns:ma14="http://schemas.microsoft.com/office/mac/drawingml/2011/main" val="1"/>
             </a:ext>
           </a:extLst>
         </p:spPr>
@@ -37262,7 +39926,7 @@
             <a:effectLst/>
             <a:extLst>
               <a:ext uri="{C572A759-6A51-4108-AA02-DFA0A04FC94B}">
-                <ma14:wrappingTextBoxFlag xmlns:ma14="http://schemas.microsoft.com/office/mac/drawingml/2011/main" xmlns:a14="http://schemas.microsoft.com/office/drawing/2010/main" xmlns:m="http://schemas.openxmlformats.org/officeDocument/2006/math" xmlns="" val="1"/>
+                <ma14:wrappingTextBoxFlag xmlns="" xmlns:m="http://schemas.openxmlformats.org/officeDocument/2006/math" xmlns:a14="http://schemas.microsoft.com/office/drawing/2010/main" xmlns:ma14="http://schemas.microsoft.com/office/mac/drawingml/2011/main" val="1"/>
               </a:ext>
             </a:extLst>
           </p:spPr>
@@ -37358,7 +40022,7 @@
             <a:effectLst/>
             <a:extLst>
               <a:ext uri="{C572A759-6A51-4108-AA02-DFA0A04FC94B}">
-                <ma14:wrappingTextBoxFlag xmlns:ma14="http://schemas.microsoft.com/office/mac/drawingml/2011/main" xmlns:a14="http://schemas.microsoft.com/office/drawing/2010/main" xmlns:m="http://schemas.openxmlformats.org/officeDocument/2006/math" xmlns="" val="1"/>
+                <ma14:wrappingTextBoxFlag xmlns="" xmlns:m="http://schemas.openxmlformats.org/officeDocument/2006/math" xmlns:a14="http://schemas.microsoft.com/office/drawing/2010/main" xmlns:ma14="http://schemas.microsoft.com/office/mac/drawingml/2011/main" val="1"/>
               </a:ext>
             </a:extLst>
           </p:spPr>
@@ -37524,7 +40188,7 @@
             <a:effectLst/>
             <a:extLst>
               <a:ext uri="{C572A759-6A51-4108-AA02-DFA0A04FC94B}">
-                <ma14:wrappingTextBoxFlag xmlns:ma14="http://schemas.microsoft.com/office/mac/drawingml/2011/main" xmlns:a14="http://schemas.microsoft.com/office/drawing/2010/main" xmlns:m="http://schemas.openxmlformats.org/officeDocument/2006/math" xmlns="" val="1"/>
+                <ma14:wrappingTextBoxFlag xmlns="" xmlns:m="http://schemas.openxmlformats.org/officeDocument/2006/math" xmlns:a14="http://schemas.microsoft.com/office/drawing/2010/main" xmlns:ma14="http://schemas.microsoft.com/office/mac/drawingml/2011/main" val="1"/>
               </a:ext>
             </a:extLst>
           </p:spPr>
@@ -37620,7 +40284,7 @@
             <a:effectLst/>
             <a:extLst>
               <a:ext uri="{C572A759-6A51-4108-AA02-DFA0A04FC94B}">
-                <ma14:wrappingTextBoxFlag xmlns:ma14="http://schemas.microsoft.com/office/mac/drawingml/2011/main" xmlns:a14="http://schemas.microsoft.com/office/drawing/2010/main" xmlns:m="http://schemas.openxmlformats.org/officeDocument/2006/math" xmlns="" val="1"/>
+                <ma14:wrappingTextBoxFlag xmlns="" xmlns:m="http://schemas.openxmlformats.org/officeDocument/2006/math" xmlns:a14="http://schemas.microsoft.com/office/drawing/2010/main" xmlns:ma14="http://schemas.microsoft.com/office/mac/drawingml/2011/main" val="1"/>
               </a:ext>
             </a:extLst>
           </p:spPr>
@@ -37779,7 +40443,7 @@
             <a:effectLst/>
             <a:extLst>
               <a:ext uri="{C572A759-6A51-4108-AA02-DFA0A04FC94B}">
-                <ma14:wrappingTextBoxFlag xmlns:ma14="http://schemas.microsoft.com/office/mac/drawingml/2011/main" xmlns:a14="http://schemas.microsoft.com/office/drawing/2010/main" xmlns:m="http://schemas.openxmlformats.org/officeDocument/2006/math" xmlns="" val="1"/>
+                <ma14:wrappingTextBoxFlag xmlns="" xmlns:m="http://schemas.openxmlformats.org/officeDocument/2006/math" xmlns:a14="http://schemas.microsoft.com/office/drawing/2010/main" xmlns:ma14="http://schemas.microsoft.com/office/mac/drawingml/2011/main" val="1"/>
               </a:ext>
             </a:extLst>
           </p:spPr>
@@ -37875,7 +40539,7 @@
             <a:effectLst/>
             <a:extLst>
               <a:ext uri="{C572A759-6A51-4108-AA02-DFA0A04FC94B}">
-                <ma14:wrappingTextBoxFlag xmlns:ma14="http://schemas.microsoft.com/office/mac/drawingml/2011/main" xmlns:a14="http://schemas.microsoft.com/office/drawing/2010/main" xmlns:m="http://schemas.openxmlformats.org/officeDocument/2006/math" xmlns="" val="1"/>
+                <ma14:wrappingTextBoxFlag xmlns="" xmlns:m="http://schemas.openxmlformats.org/officeDocument/2006/math" xmlns:a14="http://schemas.microsoft.com/office/drawing/2010/main" xmlns:ma14="http://schemas.microsoft.com/office/mac/drawingml/2011/main" val="1"/>
               </a:ext>
             </a:extLst>
           </p:spPr>
@@ -38062,7 +40726,7 @@
             <a:effectLst/>
             <a:extLst>
               <a:ext uri="{C572A759-6A51-4108-AA02-DFA0A04FC94B}">
-                <ma14:wrappingTextBoxFlag xmlns:ma14="http://schemas.microsoft.com/office/mac/drawingml/2011/main" xmlns:a14="http://schemas.microsoft.com/office/drawing/2010/main" xmlns:m="http://schemas.openxmlformats.org/officeDocument/2006/math" xmlns="" val="1"/>
+                <ma14:wrappingTextBoxFlag xmlns="" xmlns:m="http://schemas.openxmlformats.org/officeDocument/2006/math" xmlns:a14="http://schemas.microsoft.com/office/drawing/2010/main" xmlns:ma14="http://schemas.microsoft.com/office/mac/drawingml/2011/main" val="1"/>
               </a:ext>
             </a:extLst>
           </p:spPr>
@@ -38195,7 +40859,7 @@
             <a:effectLst/>
             <a:extLst>
               <a:ext uri="{C572A759-6A51-4108-AA02-DFA0A04FC94B}">
-                <ma14:wrappingTextBoxFlag xmlns:ma14="http://schemas.microsoft.com/office/mac/drawingml/2011/main" xmlns:a14="http://schemas.microsoft.com/office/drawing/2010/main" xmlns:m="http://schemas.openxmlformats.org/officeDocument/2006/math" xmlns="" val="1"/>
+                <ma14:wrappingTextBoxFlag xmlns="" xmlns:m="http://schemas.openxmlformats.org/officeDocument/2006/math" xmlns:a14="http://schemas.microsoft.com/office/drawing/2010/main" xmlns:ma14="http://schemas.microsoft.com/office/mac/drawingml/2011/main" val="1"/>
               </a:ext>
             </a:extLst>
           </p:spPr>
@@ -38226,6 +40890,13 @@
     <a:masterClrMapping/>
   </p:clrMapOvr>
   <p:transition spd="med"/>
+  <p:timing>
+    <p:tnLst>
+      <p:par>
+        <p:cTn id="1" dur="indefinite" restart="never" nodeType="tmRoot"/>
+      </p:par>
+    </p:tnLst>
+  </p:timing>
 </p:sld>
 </file>
 
@@ -38546,6 +41217,52 @@
           </a:p>
         </p:txBody>
       </p:sp>
+      <p:sp>
+        <p:nvSpPr>
+          <p:cNvPr id="13" name="직사각형 12"/>
+          <p:cNvSpPr/>
+          <p:nvPr/>
+        </p:nvSpPr>
+        <p:spPr>
+          <a:xfrm>
+            <a:off x="4840581" y="4071089"/>
+            <a:ext cx="5345270" cy="2200330"/>
+          </a:xfrm>
+          <a:prstGeom prst="rect">
+            <a:avLst/>
+          </a:prstGeom>
+          <a:noFill/>
+          <a:ln w="76200">
+            <a:solidFill>
+              <a:srgbClr val="FF0000"/>
+            </a:solidFill>
+          </a:ln>
+        </p:spPr>
+        <p:style>
+          <a:lnRef idx="2">
+            <a:schemeClr val="accent1">
+              <a:shade val="50000"/>
+            </a:schemeClr>
+          </a:lnRef>
+          <a:fillRef idx="1">
+            <a:schemeClr val="accent1"/>
+          </a:fillRef>
+          <a:effectRef idx="0">
+            <a:schemeClr val="accent1"/>
+          </a:effectRef>
+          <a:fontRef idx="minor">
+            <a:schemeClr val="lt1"/>
+          </a:fontRef>
+        </p:style>
+        <p:txBody>
+          <a:bodyPr rtlCol="0" anchor="ctr"/>
+          <a:lstStyle/>
+          <a:p>
+            <a:pPr algn="ctr"/>
+            <a:endParaRPr lang="ko-KR" altLang="en-US"/>
+          </a:p>
+        </p:txBody>
+      </p:sp>
     </p:spTree>
     <p:extLst>
       <p:ext uri="{BB962C8B-B14F-4D97-AF65-F5344CB8AC3E}">
@@ -38557,6 +41274,13 @@
     <a:masterClrMapping/>
   </p:clrMapOvr>
   <p:transition spd="med"/>
+  <p:timing>
+    <p:tnLst>
+      <p:par>
+        <p:cTn id="1" dur="indefinite" restart="never" nodeType="tmRoot"/>
+      </p:par>
+    </p:tnLst>
+  </p:timing>
 </p:sld>
 </file>
 
@@ -39606,7 +42330,7 @@
           </a:ln>
           <a:extLst>
             <a:ext uri="{C572A759-6A51-4108-AA02-DFA0A04FC94B}">
-              <ma14:wrappingTextBoxFlag xmlns:ma14="http://schemas.microsoft.com/office/mac/drawingml/2011/main" xmlns:a14="http://schemas.microsoft.com/office/drawing/2010/main" xmlns:m="http://schemas.openxmlformats.org/officeDocument/2006/math" xmlns="" val="1"/>
+              <ma14:wrappingTextBoxFlag xmlns="" xmlns:m="http://schemas.openxmlformats.org/officeDocument/2006/math" xmlns:a14="http://schemas.microsoft.com/office/drawing/2010/main" xmlns:ma14="http://schemas.microsoft.com/office/mac/drawingml/2011/main" val="1"/>
             </a:ext>
           </a:extLst>
         </p:spPr>
@@ -39697,7 +42421,7 @@
             <a:effectLst/>
             <a:extLst>
               <a:ext uri="{C572A759-6A51-4108-AA02-DFA0A04FC94B}">
-                <ma14:wrappingTextBoxFlag xmlns:ma14="http://schemas.microsoft.com/office/mac/drawingml/2011/main" xmlns:a14="http://schemas.microsoft.com/office/drawing/2010/main" xmlns:m="http://schemas.openxmlformats.org/officeDocument/2006/math" xmlns="" val="1"/>
+                <ma14:wrappingTextBoxFlag xmlns="" xmlns:m="http://schemas.openxmlformats.org/officeDocument/2006/math" xmlns:a14="http://schemas.microsoft.com/office/drawing/2010/main" xmlns:ma14="http://schemas.microsoft.com/office/mac/drawingml/2011/main" val="1"/>
               </a:ext>
             </a:extLst>
           </p:spPr>
@@ -39793,7 +42517,7 @@
             <a:effectLst/>
             <a:extLst>
               <a:ext uri="{C572A759-6A51-4108-AA02-DFA0A04FC94B}">
-                <ma14:wrappingTextBoxFlag xmlns:ma14="http://schemas.microsoft.com/office/mac/drawingml/2011/main" xmlns:a14="http://schemas.microsoft.com/office/drawing/2010/main" xmlns:m="http://schemas.openxmlformats.org/officeDocument/2006/math" xmlns="" val="1"/>
+                <ma14:wrappingTextBoxFlag xmlns="" xmlns:m="http://schemas.openxmlformats.org/officeDocument/2006/math" xmlns:a14="http://schemas.microsoft.com/office/drawing/2010/main" xmlns:ma14="http://schemas.microsoft.com/office/mac/drawingml/2011/main" val="1"/>
               </a:ext>
             </a:extLst>
           </p:spPr>
@@ -39959,7 +42683,7 @@
             <a:effectLst/>
             <a:extLst>
               <a:ext uri="{C572A759-6A51-4108-AA02-DFA0A04FC94B}">
-                <ma14:wrappingTextBoxFlag xmlns:ma14="http://schemas.microsoft.com/office/mac/drawingml/2011/main" xmlns:a14="http://schemas.microsoft.com/office/drawing/2010/main" xmlns:m="http://schemas.openxmlformats.org/officeDocument/2006/math" xmlns="" val="1"/>
+                <ma14:wrappingTextBoxFlag xmlns="" xmlns:m="http://schemas.openxmlformats.org/officeDocument/2006/math" xmlns:a14="http://schemas.microsoft.com/office/drawing/2010/main" xmlns:ma14="http://schemas.microsoft.com/office/mac/drawingml/2011/main" val="1"/>
               </a:ext>
             </a:extLst>
           </p:spPr>
@@ -40055,7 +42779,7 @@
             <a:effectLst/>
             <a:extLst>
               <a:ext uri="{C572A759-6A51-4108-AA02-DFA0A04FC94B}">
-                <ma14:wrappingTextBoxFlag xmlns:ma14="http://schemas.microsoft.com/office/mac/drawingml/2011/main" xmlns:a14="http://schemas.microsoft.com/office/drawing/2010/main" xmlns:m="http://schemas.openxmlformats.org/officeDocument/2006/math" xmlns="" val="1"/>
+                <ma14:wrappingTextBoxFlag xmlns="" xmlns:m="http://schemas.openxmlformats.org/officeDocument/2006/math" xmlns:a14="http://schemas.microsoft.com/office/drawing/2010/main" xmlns:ma14="http://schemas.microsoft.com/office/mac/drawingml/2011/main" val="1"/>
               </a:ext>
             </a:extLst>
           </p:spPr>
@@ -40185,7 +42909,7 @@
             <a:effectLst/>
             <a:extLst>
               <a:ext uri="{C572A759-6A51-4108-AA02-DFA0A04FC94B}">
-                <ma14:wrappingTextBoxFlag xmlns:ma14="http://schemas.microsoft.com/office/mac/drawingml/2011/main" xmlns:a14="http://schemas.microsoft.com/office/drawing/2010/main" xmlns:m="http://schemas.openxmlformats.org/officeDocument/2006/math" xmlns="" val="1"/>
+                <ma14:wrappingTextBoxFlag xmlns="" xmlns:m="http://schemas.openxmlformats.org/officeDocument/2006/math" xmlns:a14="http://schemas.microsoft.com/office/drawing/2010/main" xmlns:ma14="http://schemas.microsoft.com/office/mac/drawingml/2011/main" val="1"/>
               </a:ext>
             </a:extLst>
           </p:spPr>
@@ -40281,7 +43005,7 @@
             <a:effectLst/>
             <a:extLst>
               <a:ext uri="{C572A759-6A51-4108-AA02-DFA0A04FC94B}">
-                <ma14:wrappingTextBoxFlag xmlns:ma14="http://schemas.microsoft.com/office/mac/drawingml/2011/main" xmlns:a14="http://schemas.microsoft.com/office/drawing/2010/main" xmlns:m="http://schemas.openxmlformats.org/officeDocument/2006/math" xmlns="" val="1"/>
+                <ma14:wrappingTextBoxFlag xmlns="" xmlns:m="http://schemas.openxmlformats.org/officeDocument/2006/math" xmlns:a14="http://schemas.microsoft.com/office/drawing/2010/main" xmlns:ma14="http://schemas.microsoft.com/office/mac/drawingml/2011/main" val="1"/>
               </a:ext>
             </a:extLst>
           </p:spPr>
@@ -40337,6 +43061,13 @@
     <a:masterClrMapping/>
   </p:clrMapOvr>
   <p:transition spd="med"/>
+  <p:timing>
+    <p:tnLst>
+      <p:par>
+        <p:cTn id="1" dur="indefinite" restart="never" nodeType="tmRoot"/>
+      </p:par>
+    </p:tnLst>
+  </p:timing>
 </p:sld>
 </file>
 
@@ -40596,6 +43327,13 @@
     <a:masterClrMapping/>
   </p:clrMapOvr>
   <p:transition spd="med"/>
+  <p:timing>
+    <p:tnLst>
+      <p:par>
+        <p:cTn id="1" dur="indefinite" restart="never" nodeType="tmRoot"/>
+      </p:par>
+    </p:tnLst>
+  </p:timing>
 </p:sld>
 </file>
 
